--- a/Abschlussvortrag.pptx
+++ b/Abschlussvortrag.pptx
@@ -3983,7 +3983,7 @@
       </p:grpSpPr>
       <p:sp>
         <p:nvSpPr>
-          <p:cNvPr id="393" name="Network Topology Configuration &amp; Verifying"/>
+          <p:cNvPr id="394" name="Network Topology Configuration &amp; Verifying"/>
           <p:cNvSpPr txBox="1"/>
           <p:nvPr>
             <p:ph type="title"/>
@@ -4015,7 +4015,7 @@
       </p:sp>
       <p:sp>
         <p:nvSpPr>
-          <p:cNvPr id="394" name="Slide Number"/>
+          <p:cNvPr id="395" name="Slide Number"/>
           <p:cNvSpPr txBox="1"/>
           <p:nvPr>
             <p:ph type="sldNum" sz="quarter" idx="4294967295"/>
@@ -4046,7 +4046,7 @@
       </p:sp>
       <p:sp>
         <p:nvSpPr>
-          <p:cNvPr id="395" name="Footer Placeholder 4"/>
+          <p:cNvPr id="396" name="Footer Placeholder 4"/>
           <p:cNvSpPr txBox="1"/>
           <p:nvPr/>
         </p:nvSpPr>
@@ -4088,7 +4088,7 @@
       </p:sp>
       <p:grpSp>
         <p:nvGrpSpPr>
-          <p:cNvPr id="398" name="Testbed"/>
+          <p:cNvPr id="399" name="Testbed"/>
           <p:cNvGrpSpPr/>
           <p:nvPr/>
         </p:nvGrpSpPr>
@@ -4102,7 +4102,7 @@
         </p:grpSpPr>
         <p:sp>
           <p:nvSpPr>
-            <p:cNvPr id="396" name="Shape"/>
+            <p:cNvPr id="397" name="Shape"/>
             <p:cNvSpPr/>
             <p:nvPr/>
           </p:nvSpPr>
@@ -4230,7 +4230,7 @@
         </p:sp>
         <p:sp>
           <p:nvSpPr>
-            <p:cNvPr id="397" name="Testbed"/>
+            <p:cNvPr id="398" name="Testbed"/>
             <p:cNvSpPr txBox="1"/>
             <p:nvPr/>
           </p:nvSpPr>
@@ -4274,7 +4274,7 @@
       </p:grpSp>
       <p:grpSp>
         <p:nvGrpSpPr>
-          <p:cNvPr id="401" name="netem"/>
+          <p:cNvPr id="402" name="netem"/>
           <p:cNvGrpSpPr/>
           <p:nvPr/>
         </p:nvGrpSpPr>
@@ -4288,7 +4288,7 @@
         </p:grpSpPr>
         <p:sp>
           <p:nvSpPr>
-            <p:cNvPr id="399" name="Rounded Rectangle"/>
+            <p:cNvPr id="400" name="Rounded Rectangle"/>
             <p:cNvSpPr/>
             <p:nvPr/>
           </p:nvSpPr>
@@ -4354,7 +4354,7 @@
         </p:sp>
         <p:sp>
           <p:nvSpPr>
-            <p:cNvPr id="400" name="netem"/>
+            <p:cNvPr id="401" name="netem"/>
             <p:cNvSpPr txBox="1"/>
             <p:nvPr/>
           </p:nvSpPr>
@@ -4402,7 +4402,7 @@
       </p:grpSp>
       <p:sp>
         <p:nvSpPr>
-          <p:cNvPr id="402" name="Rectangle"/>
+          <p:cNvPr id="403" name="Rectangle"/>
           <p:cNvSpPr/>
           <p:nvPr/>
         </p:nvSpPr>
@@ -4440,7 +4440,7 @@
       </p:sp>
       <p:grpSp>
         <p:nvGrpSpPr>
-          <p:cNvPr id="405" name="eth0"/>
+          <p:cNvPr id="406" name="eth0"/>
           <p:cNvGrpSpPr/>
           <p:nvPr/>
         </p:nvGrpSpPr>
@@ -4454,7 +4454,7 @@
         </p:grpSpPr>
         <p:sp>
           <p:nvSpPr>
-            <p:cNvPr id="403" name="Rectangle"/>
+            <p:cNvPr id="404" name="Rectangle"/>
             <p:cNvSpPr/>
             <p:nvPr/>
           </p:nvSpPr>
@@ -4502,7 +4502,7 @@
         </p:sp>
         <p:sp>
           <p:nvSpPr>
-            <p:cNvPr id="404" name="eth0"/>
+            <p:cNvPr id="405" name="eth0"/>
             <p:cNvSpPr txBox="1"/>
             <p:nvPr/>
           </p:nvSpPr>
@@ -4550,7 +4550,7 @@
       </p:grpSp>
       <p:sp>
         <p:nvSpPr>
-          <p:cNvPr id="406" name="bandwidth"/>
+          <p:cNvPr id="407" name="bandwidth"/>
           <p:cNvSpPr txBox="1"/>
           <p:nvPr/>
         </p:nvSpPr>
@@ -4601,7 +4601,7 @@
       </p:sp>
       <p:sp>
         <p:nvSpPr>
-          <p:cNvPr id="407" name="latency"/>
+          <p:cNvPr id="408" name="latency"/>
           <p:cNvSpPr txBox="1"/>
           <p:nvPr/>
         </p:nvSpPr>
@@ -4652,7 +4652,7 @@
       </p:sp>
       <p:sp>
         <p:nvSpPr>
-          <p:cNvPr id="408" name="packet loss"/>
+          <p:cNvPr id="409" name="packet loss"/>
           <p:cNvSpPr txBox="1"/>
           <p:nvPr/>
         </p:nvSpPr>
@@ -4703,7 +4703,7 @@
       </p:sp>
       <p:sp>
         <p:nvSpPr>
-          <p:cNvPr id="409" name="Line"/>
+          <p:cNvPr id="410" name="Line"/>
           <p:cNvSpPr/>
           <p:nvPr/>
         </p:nvSpPr>
@@ -4732,7 +4732,7 @@
       </p:sp>
       <p:sp>
         <p:nvSpPr>
-          <p:cNvPr id="410" name="Line"/>
+          <p:cNvPr id="411" name="Line"/>
           <p:cNvSpPr/>
           <p:nvPr/>
         </p:nvSpPr>
@@ -4761,7 +4761,7 @@
       </p:sp>
       <p:sp>
         <p:nvSpPr>
-          <p:cNvPr id="411" name="Line"/>
+          <p:cNvPr id="412" name="Line"/>
           <p:cNvSpPr/>
           <p:nvPr/>
         </p:nvSpPr>
@@ -4790,7 +4790,7 @@
       </p:sp>
       <p:sp>
         <p:nvSpPr>
-          <p:cNvPr id="412" name="Line"/>
+          <p:cNvPr id="413" name="Line"/>
           <p:cNvSpPr/>
           <p:nvPr/>
         </p:nvSpPr>
@@ -4819,7 +4819,7 @@
       </p:sp>
       <p:sp>
         <p:nvSpPr>
-          <p:cNvPr id="413" name="Line"/>
+          <p:cNvPr id="414" name="Line"/>
           <p:cNvSpPr/>
           <p:nvPr/>
         </p:nvSpPr>
@@ -4848,7 +4848,7 @@
       </p:sp>
       <p:sp>
         <p:nvSpPr>
-          <p:cNvPr id="414" name="Network Interface"/>
+          <p:cNvPr id="415" name="Network Interface"/>
           <p:cNvSpPr txBox="1"/>
           <p:nvPr/>
         </p:nvSpPr>
@@ -4899,7 +4899,7 @@
       </p:sp>
       <p:grpSp>
         <p:nvGrpSpPr>
-          <p:cNvPr id="417" name="Network Emulator"/>
+          <p:cNvPr id="418" name="Network Emulator"/>
           <p:cNvGrpSpPr/>
           <p:nvPr/>
         </p:nvGrpSpPr>
@@ -4913,7 +4913,7 @@
         </p:grpSpPr>
         <p:sp>
           <p:nvSpPr>
-            <p:cNvPr id="415" name="Rectangle"/>
+            <p:cNvPr id="416" name="Rectangle"/>
             <p:cNvSpPr/>
             <p:nvPr/>
           </p:nvSpPr>
@@ -4961,7 +4961,7 @@
         </p:sp>
         <p:sp>
           <p:nvSpPr>
-            <p:cNvPr id="416" name="Network Emulator"/>
+            <p:cNvPr id="417" name="Network Emulator"/>
             <p:cNvSpPr txBox="1"/>
             <p:nvPr/>
           </p:nvSpPr>
@@ -5009,7 +5009,7 @@
       </p:grpSp>
       <p:sp>
         <p:nvSpPr>
-          <p:cNvPr id="418" name="Date Placeholder 3"/>
+          <p:cNvPr id="419" name="Date Placeholder 3"/>
           <p:cNvSpPr txBox="1"/>
           <p:nvPr/>
         </p:nvSpPr>
@@ -5053,7 +5053,7 @@
       </p:sp>
       <p:sp>
         <p:nvSpPr>
-          <p:cNvPr id="419" name="Define Connection Characteristics…"/>
+          <p:cNvPr id="420" name="Define Connection Characteristics…"/>
           <p:cNvSpPr txBox="1"/>
           <p:nvPr>
             <p:ph type="body" idx="1"/>
@@ -5181,7 +5181,7 @@
       </p:grpSpPr>
       <p:pic>
         <p:nvPicPr>
-          <p:cNvPr id="421" name="sequenzediagram.jp2" descr="sequenzediagram.jp2"/>
+          <p:cNvPr id="422" name="sequenzediagram.jp2" descr="sequenzediagram.jp2"/>
           <p:cNvPicPr>
             <a:picLocks noChangeAspect="1"/>
           </p:cNvPicPr>
@@ -5210,7 +5210,7 @@
       </p:pic>
       <p:sp>
         <p:nvSpPr>
-          <p:cNvPr id="422" name="Date Placeholder 3"/>
+          <p:cNvPr id="423" name="Date Placeholder 3"/>
           <p:cNvSpPr txBox="1"/>
           <p:nvPr/>
         </p:nvSpPr>
@@ -5254,7 +5254,7 @@
       </p:sp>
       <p:sp>
         <p:nvSpPr>
-          <p:cNvPr id="423" name="Slide Number"/>
+          <p:cNvPr id="424" name="Slide Number"/>
           <p:cNvSpPr txBox="1"/>
           <p:nvPr>
             <p:ph type="sldNum" sz="quarter" idx="4294967295"/>
@@ -5281,7 +5281,7 @@
       </p:sp>
       <p:sp>
         <p:nvSpPr>
-          <p:cNvPr id="424" name="Footer Placeholder 4"/>
+          <p:cNvPr id="425" name="Footer Placeholder 4"/>
           <p:cNvSpPr txBox="1"/>
           <p:nvPr/>
         </p:nvSpPr>
@@ -5323,7 +5323,7 @@
       </p:sp>
       <p:sp>
         <p:nvSpPr>
-          <p:cNvPr id="425" name="Initial Notification by lectureStudio Server…"/>
+          <p:cNvPr id="426" name="Initial Notification by LectureStudio Server…"/>
           <p:cNvSpPr txBox="1"/>
           <p:nvPr>
             <p:ph type="body" idx="1"/>
@@ -5348,7 +5348,7 @@
               <a:buChar char="•"/>
             </a:pPr>
             <a:r>
-              <a:t>Initial Notification by lectureStudio Server</a:t>
+              <a:t>Initial Notification by LectureStudio Server</a:t>
             </a:r>
           </a:p>
           <a:p>
@@ -5425,7 +5425,7 @@
       </p:sp>
       <p:sp>
         <p:nvSpPr>
-          <p:cNvPr id="426" name="Communication and Data Transfer Processes"/>
+          <p:cNvPr id="427" name="Communication and Data Transfer Processes"/>
           <p:cNvSpPr txBox="1"/>
           <p:nvPr>
             <p:ph type="title"/>
@@ -5453,7 +5453,7 @@
       </p:sp>
       <p:sp>
         <p:nvSpPr>
-          <p:cNvPr id="427" name="Configuration of Containerlab File"/>
+          <p:cNvPr id="428" name="Configuration of Containerlab File"/>
           <p:cNvSpPr txBox="1"/>
           <p:nvPr/>
         </p:nvSpPr>
@@ -5530,7 +5530,7 @@
       </p:grpSpPr>
       <p:sp>
         <p:nvSpPr>
-          <p:cNvPr id="429" name="Connection and Data Distribution Among Peers"/>
+          <p:cNvPr id="430" name="Connection and Data Distribution Among Peers"/>
           <p:cNvSpPr txBox="1"/>
           <p:nvPr>
             <p:ph type="title"/>
@@ -5562,7 +5562,7 @@
       </p:sp>
       <p:sp>
         <p:nvSpPr>
-          <p:cNvPr id="430" name="Slide Number"/>
+          <p:cNvPr id="431" name="Slide Number"/>
           <p:cNvSpPr txBox="1"/>
           <p:nvPr>
             <p:ph type="sldNum" sz="quarter" idx="4294967295"/>
@@ -5593,7 +5593,7 @@
       </p:sp>
       <p:sp>
         <p:nvSpPr>
-          <p:cNvPr id="431" name="Footer Placeholder 4"/>
+          <p:cNvPr id="432" name="Footer Placeholder 4"/>
           <p:cNvSpPr txBox="1"/>
           <p:nvPr/>
         </p:nvSpPr>
@@ -5635,7 +5635,7 @@
       </p:sp>
       <p:sp>
         <p:nvSpPr>
-          <p:cNvPr id="432" name="Date Placeholder 3"/>
+          <p:cNvPr id="433" name="Date Placeholder 3"/>
           <p:cNvSpPr txBox="1"/>
           <p:nvPr/>
         </p:nvSpPr>
@@ -5679,7 +5679,7 @@
       </p:sp>
       <p:sp>
         <p:nvSpPr>
-          <p:cNvPr id="433" name="Rounded Rectangle"/>
+          <p:cNvPr id="434" name="Rounded Rectangle"/>
           <p:cNvSpPr/>
           <p:nvPr/>
         </p:nvSpPr>
@@ -5712,7 +5712,7 @@
       </p:sp>
       <p:sp>
         <p:nvSpPr>
-          <p:cNvPr id="434" name="Oval"/>
+          <p:cNvPr id="435" name="Oval"/>
           <p:cNvSpPr/>
           <p:nvPr/>
         </p:nvSpPr>
@@ -5743,7 +5743,7 @@
       </p:sp>
       <p:sp>
         <p:nvSpPr>
-          <p:cNvPr id="435" name="lectureStudio-Server"/>
+          <p:cNvPr id="436" name="lectureStudio-Server"/>
           <p:cNvSpPr txBox="1"/>
           <p:nvPr/>
         </p:nvSpPr>
@@ -5793,7 +5793,7 @@
       </p:sp>
       <p:sp>
         <p:nvSpPr>
-          <p:cNvPr id="436" name="Port:9090…"/>
+          <p:cNvPr id="437" name="Port:9090…"/>
           <p:cNvSpPr txBox="1"/>
           <p:nvPr/>
         </p:nvSpPr>
@@ -5859,7 +5859,7 @@
       </p:sp>
       <p:sp>
         <p:nvSpPr>
-          <p:cNvPr id="437" name="IP:172.20.25.4"/>
+          <p:cNvPr id="438" name="IP:172.20.25.4"/>
           <p:cNvSpPr txBox="1"/>
           <p:nvPr/>
         </p:nvSpPr>
@@ -5903,7 +5903,7 @@
       </p:sp>
       <p:sp>
         <p:nvSpPr>
-          <p:cNvPr id="438" name="eth1"/>
+          <p:cNvPr id="439" name="eth1"/>
           <p:cNvSpPr/>
           <p:nvPr/>
         </p:nvSpPr>
@@ -5950,7 +5950,7 @@
       </p:sp>
       <p:sp>
         <p:nvSpPr>
-          <p:cNvPr id="439" name="Rectangle"/>
+          <p:cNvPr id="440" name="Rectangle"/>
           <p:cNvSpPr/>
           <p:nvPr/>
         </p:nvSpPr>
@@ -5987,7 +5987,7 @@
       </p:sp>
       <p:sp>
         <p:nvSpPr>
-          <p:cNvPr id="440" name="Port:8080…"/>
+          <p:cNvPr id="441" name="Port:8080…"/>
           <p:cNvSpPr txBox="1"/>
           <p:nvPr/>
         </p:nvSpPr>
@@ -6051,7 +6051,7 @@
       </p:sp>
       <p:sp>
         <p:nvSpPr>
-          <p:cNvPr id="441" name="eth2"/>
+          <p:cNvPr id="442" name="eth2"/>
           <p:cNvSpPr/>
           <p:nvPr/>
         </p:nvSpPr>
@@ -6098,7 +6098,7 @@
       </p:sp>
       <p:sp>
         <p:nvSpPr>
-          <p:cNvPr id="442" name="eth1"/>
+          <p:cNvPr id="443" name="eth1"/>
           <p:cNvSpPr/>
           <p:nvPr/>
         </p:nvSpPr>
@@ -6145,7 +6145,7 @@
       </p:sp>
       <p:sp>
         <p:nvSpPr>
-          <p:cNvPr id="443" name="eth1"/>
+          <p:cNvPr id="444" name="eth1"/>
           <p:cNvSpPr/>
           <p:nvPr/>
         </p:nvSpPr>
@@ -6192,7 +6192,7 @@
       </p:sp>
       <p:sp>
         <p:nvSpPr>
-          <p:cNvPr id="444" name="eth2"/>
+          <p:cNvPr id="445" name="eth2"/>
           <p:cNvSpPr/>
           <p:nvPr/>
         </p:nvSpPr>
@@ -6239,7 +6239,7 @@
       </p:sp>
       <p:sp>
         <p:nvSpPr>
-          <p:cNvPr id="445" name="eth3"/>
+          <p:cNvPr id="446" name="eth3"/>
           <p:cNvSpPr/>
           <p:nvPr/>
         </p:nvSpPr>
@@ -6286,7 +6286,7 @@
       </p:sp>
       <p:sp>
         <p:nvSpPr>
-          <p:cNvPr id="446" name="Oval"/>
+          <p:cNvPr id="447" name="Oval"/>
           <p:cNvSpPr/>
           <p:nvPr/>
         </p:nvSpPr>
@@ -6317,7 +6317,7 @@
       </p:sp>
       <p:sp>
         <p:nvSpPr>
-          <p:cNvPr id="447" name="IP:172.20.25.4"/>
+          <p:cNvPr id="448" name="IP:172.20.25.4"/>
           <p:cNvSpPr txBox="1"/>
           <p:nvPr/>
         </p:nvSpPr>
@@ -6361,7 +6361,7 @@
       </p:sp>
       <p:sp>
         <p:nvSpPr>
-          <p:cNvPr id="448" name="Oval"/>
+          <p:cNvPr id="449" name="Oval"/>
           <p:cNvSpPr/>
           <p:nvPr/>
         </p:nvSpPr>
@@ -6392,7 +6392,7 @@
       </p:sp>
       <p:sp>
         <p:nvSpPr>
-          <p:cNvPr id="449" name="IP:172.20.25.4"/>
+          <p:cNvPr id="450" name="IP:172.20.25.4"/>
           <p:cNvSpPr txBox="1"/>
           <p:nvPr/>
         </p:nvSpPr>
@@ -6436,7 +6436,7 @@
       </p:sp>
       <p:sp>
         <p:nvSpPr>
-          <p:cNvPr id="450" name="eth1"/>
+          <p:cNvPr id="451" name="eth1"/>
           <p:cNvSpPr/>
           <p:nvPr/>
         </p:nvSpPr>
@@ -6483,7 +6483,7 @@
       </p:sp>
       <p:sp>
         <p:nvSpPr>
-          <p:cNvPr id="451" name="eth1"/>
+          <p:cNvPr id="452" name="eth1"/>
           <p:cNvSpPr/>
           <p:nvPr/>
         </p:nvSpPr>
@@ -6530,10 +6530,10 @@
       </p:sp>
       <p:cxnSp>
         <p:nvCxnSpPr>
-          <p:cNvPr id="452" name="Connection Line"/>
+          <p:cNvPr id="453" name="Connection Line"/>
           <p:cNvCxnSpPr>
-            <a:stCxn id="443" idx="0"/>
-            <a:endCxn id="438" idx="0"/>
+            <a:stCxn id="444" idx="0"/>
+            <a:endCxn id="439" idx="0"/>
           </p:cNvCxnSpPr>
           <p:nvPr/>
         </p:nvCxnSpPr>
@@ -6541,30 +6541,6 @@
           <a:xfrm flipV="1">
             <a:off x="7858299" y="2658558"/>
             <a:ext cx="365761" cy="677838"/>
-          </a:xfrm>
-          <a:prstGeom prst="straightConnector1">
-            <a:avLst/>
-          </a:prstGeom>
-          <a:ln w="12700">
-            <a:solidFill>
-              <a:schemeClr val="accent1"/>
-            </a:solidFill>
-          </a:ln>
-        </p:spPr>
-      </p:cxnSp>
-      <p:cxnSp>
-        <p:nvCxnSpPr>
-          <p:cNvPr id="453" name="Connection Line"/>
-          <p:cNvCxnSpPr>
-            <a:stCxn id="444" idx="0"/>
-            <a:endCxn id="450" idx="0"/>
-          </p:cNvCxnSpPr>
-          <p:nvPr/>
-        </p:nvCxnSpPr>
-        <p:spPr>
-          <a:xfrm flipH="1">
-            <a:off x="6484877" y="3759413"/>
-            <a:ext cx="413303" cy="649187"/>
           </a:xfrm>
           <a:prstGeom prst="straightConnector1">
             <a:avLst/>
@@ -6586,9 +6562,9 @@
           <p:nvPr/>
         </p:nvCxnSpPr>
         <p:spPr>
-          <a:xfrm>
-            <a:off x="7589059" y="3759413"/>
-            <a:ext cx="347277" cy="649187"/>
+          <a:xfrm flipH="1">
+            <a:off x="6484877" y="3759413"/>
+            <a:ext cx="413303" cy="649187"/>
           </a:xfrm>
           <a:prstGeom prst="straightConnector1">
             <a:avLst/>
@@ -6604,15 +6580,15 @@
         <p:nvCxnSpPr>
           <p:cNvPr id="455" name="Connection Line"/>
           <p:cNvCxnSpPr>
-            <a:stCxn id="441" idx="0"/>
-            <a:endCxn id="442" idx="0"/>
+            <a:stCxn id="446" idx="0"/>
+            <a:endCxn id="452" idx="0"/>
           </p:cNvCxnSpPr>
           <p:nvPr/>
         </p:nvCxnSpPr>
         <p:spPr>
           <a:xfrm>
-            <a:off x="9539779" y="2606321"/>
-            <a:ext cx="383541" cy="730075"/>
+            <a:off x="7589059" y="3759413"/>
+            <a:ext cx="347277" cy="649187"/>
           </a:xfrm>
           <a:prstGeom prst="straightConnector1">
             <a:avLst/>
@@ -6624,9 +6600,33 @@
           </a:ln>
         </p:spPr>
       </p:cxnSp>
-      <p:sp>
-        <p:nvSpPr>
-          <p:cNvPr id="456" name="lectureStudio-Server"/>
+      <p:cxnSp>
+        <p:nvCxnSpPr>
+          <p:cNvPr id="456" name="Connection Line"/>
+          <p:cNvCxnSpPr>
+            <a:stCxn id="442" idx="0"/>
+            <a:endCxn id="443" idx="0"/>
+          </p:cNvCxnSpPr>
+          <p:nvPr/>
+        </p:nvCxnSpPr>
+        <p:spPr>
+          <a:xfrm>
+            <a:off x="9539779" y="2606321"/>
+            <a:ext cx="383541" cy="730075"/>
+          </a:xfrm>
+          <a:prstGeom prst="straightConnector1">
+            <a:avLst/>
+          </a:prstGeom>
+          <a:ln w="12700">
+            <a:solidFill>
+              <a:schemeClr val="accent1"/>
+            </a:solidFill>
+          </a:ln>
+        </p:spPr>
+      </p:cxnSp>
+      <p:sp>
+        <p:nvSpPr>
+          <p:cNvPr id="457" name="lectureStudio-Server"/>
           <p:cNvSpPr txBox="1"/>
           <p:nvPr/>
         </p:nvSpPr>
@@ -6676,7 +6676,7 @@
       </p:sp>
       <p:sp>
         <p:nvSpPr>
-          <p:cNvPr id="457" name="lectureStudio-Server"/>
+          <p:cNvPr id="458" name="lectureStudio-Server"/>
           <p:cNvSpPr txBox="1"/>
           <p:nvPr/>
         </p:nvSpPr>
@@ -6726,7 +6726,7 @@
       </p:sp>
       <p:sp>
         <p:nvSpPr>
-          <p:cNvPr id="458" name="lectureStudio-Server"/>
+          <p:cNvPr id="459" name="lectureStudio-Server"/>
           <p:cNvSpPr txBox="1"/>
           <p:nvPr/>
         </p:nvSpPr>
@@ -6776,7 +6776,7 @@
       </p:sp>
       <p:sp>
         <p:nvSpPr>
-          <p:cNvPr id="459" name="lectureStudio-Server"/>
+          <p:cNvPr id="460" name="lectureStudio-Server"/>
           <p:cNvSpPr txBox="1"/>
           <p:nvPr/>
         </p:nvSpPr>
@@ -6826,13 +6826,13 @@
       </p:sp>
       <p:sp>
         <p:nvSpPr>
-          <p:cNvPr id="460" name="Configuration of Containerlab File"/>
+          <p:cNvPr id="461" name="Configuration of Containerlab File"/>
           <p:cNvSpPr txBox="1"/>
           <p:nvPr/>
         </p:nvSpPr>
         <p:spPr>
           <a:xfrm>
-            <a:off x="7217078" y="1596828"/>
+            <a:off x="7217078" y="1711128"/>
             <a:ext cx="3337681" cy="320039"/>
           </a:xfrm>
           <a:prstGeom prst="rect">
@@ -6877,7 +6877,7 @@
       </p:sp>
       <p:sp>
         <p:nvSpPr>
-          <p:cNvPr id="461" name="Add Node Info in Testbed Setup…"/>
+          <p:cNvPr id="462" name="Add Node Info in Testbed Setup…"/>
           <p:cNvSpPr txBox="1"/>
           <p:nvPr>
             <p:ph type="body" idx="1"/>
@@ -7025,7 +7025,7 @@
       </p:grpSpPr>
       <p:sp>
         <p:nvSpPr>
-          <p:cNvPr id="463" name="Connection and Data Distribution Among Peers"/>
+          <p:cNvPr id="464" name="Connection and Data Distribution Among Peers"/>
           <p:cNvSpPr txBox="1"/>
           <p:nvPr>
             <p:ph type="title"/>
@@ -7057,7 +7057,7 @@
       </p:sp>
       <p:sp>
         <p:nvSpPr>
-          <p:cNvPr id="464" name="Slide Number"/>
+          <p:cNvPr id="465" name="Slide Number"/>
           <p:cNvSpPr txBox="1"/>
           <p:nvPr>
             <p:ph type="sldNum" sz="quarter" idx="4294967295"/>
@@ -7088,7 +7088,7 @@
       </p:sp>
       <p:sp>
         <p:nvSpPr>
-          <p:cNvPr id="465" name="Footer Placeholder 4"/>
+          <p:cNvPr id="466" name="Footer Placeholder 4"/>
           <p:cNvSpPr txBox="1"/>
           <p:nvPr/>
         </p:nvSpPr>
@@ -7130,7 +7130,7 @@
       </p:sp>
       <p:sp>
         <p:nvSpPr>
-          <p:cNvPr id="466" name="Date Placeholder 3"/>
+          <p:cNvPr id="467" name="Date Placeholder 3"/>
           <p:cNvSpPr txBox="1"/>
           <p:nvPr/>
         </p:nvSpPr>
@@ -7174,7 +7174,7 @@
       </p:sp>
       <p:sp>
         <p:nvSpPr>
-          <p:cNvPr id="467" name="Add Node Info in Testbed Setup…"/>
+          <p:cNvPr id="468" name="Add Node Info in Testbed Setup…"/>
           <p:cNvSpPr txBox="1"/>
           <p:nvPr>
             <p:ph type="body" idx="1"/>
@@ -7376,7 +7376,7 @@
       </p:grpSpPr>
       <p:sp>
         <p:nvSpPr>
-          <p:cNvPr id="469" name="Footer Placeholder 4"/>
+          <p:cNvPr id="470" name="Footer Placeholder 4"/>
           <p:cNvSpPr txBox="1"/>
           <p:nvPr/>
         </p:nvSpPr>
@@ -7422,7 +7422,7 @@
       </p:sp>
       <p:sp>
         <p:nvSpPr>
-          <p:cNvPr id="470" name="Title 1"/>
+          <p:cNvPr id="471" name="Title 1"/>
           <p:cNvSpPr txBox="1"/>
           <p:nvPr>
             <p:ph type="title"/>
@@ -7454,7 +7454,7 @@
       </p:sp>
       <p:sp>
         <p:nvSpPr>
-          <p:cNvPr id="471" name="Content Placeholder 2"/>
+          <p:cNvPr id="472" name="Content Placeholder 2"/>
           <p:cNvSpPr txBox="1"/>
           <p:nvPr>
             <p:ph type="body" idx="1"/>
@@ -7473,22 +7473,22 @@
           <a:bodyPr/>
           <a:lstStyle/>
           <a:p>
-            <a:pPr marL="81381" indent="-81381" algn="ctr" defTabSz="813816">
+            <a:pPr marL="77311" indent="-77311" algn="ctr" defTabSz="773125">
               <a:spcBef>
-                <a:spcPts val="1000"/>
+                <a:spcPts val="900"/>
               </a:spcBef>
-              <a:defRPr b="1" sz="1700"/>
+              <a:defRPr b="1" sz="1615"/>
             </a:pPr>
             <a:r>
               <a:t>Testbed</a:t>
             </a:r>
           </a:p>
           <a:p>
-            <a:pPr marL="81381" indent="-81381" defTabSz="813816">
+            <a:pPr marL="77311" indent="-77311" defTabSz="773125">
               <a:spcBef>
-                <a:spcPts val="1000"/>
+                <a:spcPts val="900"/>
               </a:spcBef>
-              <a:defRPr sz="1700"/>
+              <a:defRPr sz="1615"/>
             </a:pPr>
             <a:r>
               <a:rPr b="1"/>
@@ -7500,11 +7500,11 @@
             <a:br/>
           </a:p>
           <a:p>
-            <a:pPr marL="81381" indent="-81381" defTabSz="813816">
+            <a:pPr marL="77311" indent="-77311" defTabSz="773125">
               <a:spcBef>
-                <a:spcPts val="1000"/>
+                <a:spcPts val="900"/>
               </a:spcBef>
-              <a:defRPr sz="1700"/>
+              <a:defRPr sz="1615"/>
             </a:pPr>
             <a:r>
               <a:rPr b="1"/>
@@ -7515,46 +7515,46 @@
             </a:r>
           </a:p>
           <a:p>
-            <a:pPr marL="81381" indent="-81381" defTabSz="813816">
+            <a:pPr marL="77311" indent="-77311" defTabSz="773125">
               <a:spcBef>
-                <a:spcPts val="1000"/>
+                <a:spcPts val="900"/>
               </a:spcBef>
-              <a:defRPr sz="1700"/>
-            </a:pPr>
-          </a:p>
-          <a:p>
-            <a:pPr marL="81381" indent="-81381" algn="ctr" defTabSz="813816">
+              <a:defRPr sz="1615"/>
+            </a:pPr>
+          </a:p>
+          <a:p>
+            <a:pPr marL="77311" indent="-77311" algn="ctr" defTabSz="773125">
               <a:spcBef>
-                <a:spcPts val="1000"/>
+                <a:spcPts val="900"/>
               </a:spcBef>
-              <a:defRPr b="1" sz="1700"/>
+              <a:defRPr b="1" sz="1615"/>
             </a:pPr>
             <a:r>
               <a:t>P2P Algorithm</a:t>
             </a:r>
           </a:p>
           <a:p>
-            <a:pPr marL="81381" indent="-81381" defTabSz="813816">
+            <a:pPr marL="77311" indent="-77311" defTabSz="773125">
               <a:spcBef>
-                <a:spcPts val="1000"/>
+                <a:spcPts val="900"/>
               </a:spcBef>
-              <a:defRPr sz="1700"/>
+              <a:defRPr sz="1615"/>
             </a:pPr>
             <a:r>
               <a:rPr b="1"/>
               <a:t>RQ2.1</a:t>
             </a:r>
             <a:r>
-              <a:t> How Do CPU and Memory Usage Change of the Participants in Tests with and without the P2P Algorithm? </a:t>
+              <a:t> How Do CPU and Memory Usage Change of the Participants (LectureStudio Server and Peers) in Tests with and without the P2P Algorithm? </a:t>
             </a:r>
             <a:br/>
           </a:p>
           <a:p>
-            <a:pPr marL="81381" indent="-81381" defTabSz="813816">
+            <a:pPr marL="77311" indent="-77311" defTabSz="773125">
               <a:spcBef>
-                <a:spcPts val="1000"/>
+                <a:spcPts val="900"/>
               </a:spcBef>
-              <a:defRPr sz="1700"/>
+              <a:defRPr sz="1615"/>
             </a:pPr>
             <a:r>
               <a:rPr b="1"/>
@@ -7566,11 +7566,11 @@
             <a:br/>
           </a:p>
           <a:p>
-            <a:pPr marL="81381" indent="-81381" defTabSz="813816">
+            <a:pPr marL="77311" indent="-77311" defTabSz="773125">
               <a:spcBef>
-                <a:spcPts val="1000"/>
+                <a:spcPts val="900"/>
               </a:spcBef>
-              <a:defRPr b="1" sz="1700"/>
+              <a:defRPr b="1" sz="1615"/>
             </a:pPr>
             <a:r>
               <a:t>RQ2.3 </a:t>
@@ -7585,7 +7585,7 @@
       </p:sp>
       <p:sp>
         <p:nvSpPr>
-          <p:cNvPr id="472" name="Slide Number Placeholder 5"/>
+          <p:cNvPr id="473" name="Slide Number Placeholder 5"/>
           <p:cNvSpPr txBox="1"/>
           <p:nvPr>
             <p:ph type="sldNum" sz="quarter" idx="4294967295"/>
@@ -7616,7 +7616,7 @@
       </p:sp>
       <p:sp>
         <p:nvSpPr>
-          <p:cNvPr id="473" name="Date Placeholder 3"/>
+          <p:cNvPr id="474" name="Date Placeholder 3"/>
           <p:cNvSpPr txBox="1"/>
           <p:nvPr/>
         </p:nvSpPr>
@@ -7686,7 +7686,7 @@
       </p:grpSpPr>
       <p:sp>
         <p:nvSpPr>
-          <p:cNvPr id="475" name="Footer Placeholder 4"/>
+          <p:cNvPr id="476" name="Footer Placeholder 4"/>
           <p:cNvSpPr txBox="1"/>
           <p:nvPr/>
         </p:nvSpPr>
@@ -7732,7 +7732,7 @@
       </p:sp>
       <p:sp>
         <p:nvSpPr>
-          <p:cNvPr id="476" name="Title 1"/>
+          <p:cNvPr id="477" name="Title 1"/>
           <p:cNvSpPr txBox="1"/>
           <p:nvPr>
             <p:ph type="title"/>
@@ -7764,7 +7764,7 @@
       </p:sp>
       <p:sp>
         <p:nvSpPr>
-          <p:cNvPr id="477" name="Slide Number Placeholder 5"/>
+          <p:cNvPr id="478" name="Slide Number Placeholder 5"/>
           <p:cNvSpPr txBox="1"/>
           <p:nvPr>
             <p:ph type="sldNum" sz="quarter" idx="4294967295"/>
@@ -7795,7 +7795,7 @@
       </p:sp>
       <p:sp>
         <p:nvSpPr>
-          <p:cNvPr id="478" name="Date Placeholder 3"/>
+          <p:cNvPr id="479" name="Date Placeholder 3"/>
           <p:cNvSpPr txBox="1"/>
           <p:nvPr/>
         </p:nvSpPr>
@@ -7839,7 +7839,7 @@
       </p:sp>
       <p:pic>
         <p:nvPicPr>
-          <p:cNvPr id="479" name="latency_error_rate_withP2P.png" descr="latency_error_rate_withP2P.png"/>
+          <p:cNvPr id="480" name="latency_error_rate_withP2P.png" descr="latency_error_rate_withP2P.png"/>
           <p:cNvPicPr>
             <a:picLocks noChangeAspect="1"/>
           </p:cNvPicPr>
@@ -7868,7 +7868,7 @@
       </p:pic>
       <p:sp>
         <p:nvSpPr>
-          <p:cNvPr id="480" name="Configuration of Containerlab File"/>
+          <p:cNvPr id="481" name="Configuration of Containerlab File"/>
           <p:cNvSpPr txBox="1"/>
           <p:nvPr/>
         </p:nvSpPr>
@@ -7915,14 +7915,14 @@
           <a:p>
             <a:pPr/>
             <a:r>
-              <a:t>Error Rate for Latency with P2P Algorithm</a:t>
-            </a:r>
-          </a:p>
-        </p:txBody>
-      </p:sp>
-      <p:sp>
-        <p:nvSpPr>
-          <p:cNvPr id="481" name="Configuration of Containerlab File"/>
+              <a:t>Error Rate for Latency with the P2P Algorithm</a:t>
+            </a:r>
+          </a:p>
+        </p:txBody>
+      </p:sp>
+      <p:sp>
+        <p:nvSpPr>
+          <p:cNvPr id="482" name="Configuration of Containerlab File"/>
           <p:cNvSpPr txBox="1"/>
           <p:nvPr/>
         </p:nvSpPr>
@@ -7969,14 +7969,14 @@
           <a:p>
             <a:pPr/>
             <a:r>
-              <a:t>Error Rate for Latency without P2P Algorithm</a:t>
+              <a:t>Error Rate for Latency without the P2P Algorithm</a:t>
             </a:r>
           </a:p>
         </p:txBody>
       </p:sp>
       <p:pic>
         <p:nvPicPr>
-          <p:cNvPr id="482" name="latency_error_rate_withoutP2P.png" descr="latency_error_rate_withoutP2P.png"/>
+          <p:cNvPr id="483" name="latency_error_rate_withoutP2P.png" descr="latency_error_rate_withoutP2P.png"/>
           <p:cNvPicPr>
             <a:picLocks noChangeAspect="1"/>
           </p:cNvPicPr>
@@ -8005,16 +8005,16 @@
       </p:pic>
       <p:sp>
         <p:nvSpPr>
-          <p:cNvPr id="483" name="Content Placeholder 2"/>
+          <p:cNvPr id="484" name="Content Placeholder 2"/>
           <p:cNvSpPr txBox="1"/>
           <p:nvPr>
-            <p:ph type="body" idx="1"/>
+            <p:ph type="body" sz="half" idx="1"/>
           </p:nvPr>
         </p:nvSpPr>
         <p:spPr>
           <a:xfrm>
-            <a:off x="1097280" y="1358900"/>
-            <a:ext cx="10058401" cy="4515080"/>
+            <a:off x="1097280" y="1358899"/>
+            <a:ext cx="10058401" cy="1688268"/>
           </a:xfrm>
           <a:prstGeom prst="rect">
             <a:avLst/>
@@ -8050,7 +8050,7 @@
               <a:buChar char="•"/>
             </a:pPr>
             <a:r>
-              <a:t>A Reduction in Bandwidth Corresponds to a Rise in Latency.</a:t>
+              <a:t>A Reduction in Bandwidth Corresponds to a Rise in Latency</a:t>
             </a:r>
           </a:p>
           <a:p>
@@ -8060,7 +8060,7 @@
               <a:buChar char="•"/>
             </a:pPr>
             <a:r>
-              <a:t>High CPU and memory usage impacting network performance and Latency</a:t>
+              <a:t>High CPU and Memory Usage Impacting Network Performance and Latency</a:t>
             </a:r>
           </a:p>
         </p:txBody>
@@ -8093,7 +8093,7 @@
       </p:grpSpPr>
       <p:sp>
         <p:nvSpPr>
-          <p:cNvPr id="485" name="Footer Placeholder 4"/>
+          <p:cNvPr id="486" name="Footer Placeholder 4"/>
           <p:cNvSpPr txBox="1"/>
           <p:nvPr/>
         </p:nvSpPr>
@@ -8139,7 +8139,7 @@
       </p:sp>
       <p:sp>
         <p:nvSpPr>
-          <p:cNvPr id="486" name="Title 1"/>
+          <p:cNvPr id="487" name="Title 1"/>
           <p:cNvSpPr txBox="1"/>
           <p:nvPr>
             <p:ph type="title"/>
@@ -8171,7 +8171,7 @@
       </p:sp>
       <p:sp>
         <p:nvSpPr>
-          <p:cNvPr id="487" name="Slide Number Placeholder 5"/>
+          <p:cNvPr id="488" name="Slide Number Placeholder 5"/>
           <p:cNvSpPr txBox="1"/>
           <p:nvPr>
             <p:ph type="sldNum" sz="quarter" idx="4294967295"/>
@@ -8202,7 +8202,7 @@
       </p:sp>
       <p:sp>
         <p:nvSpPr>
-          <p:cNvPr id="488" name="Date Placeholder 3"/>
+          <p:cNvPr id="489" name="Date Placeholder 3"/>
           <p:cNvSpPr txBox="1"/>
           <p:nvPr/>
         </p:nvSpPr>
@@ -8246,7 +8246,7 @@
       </p:sp>
       <p:pic>
         <p:nvPicPr>
-          <p:cNvPr id="489" name="bandwidht_error_rate_withP2P.png" descr="bandwidht_error_rate_withP2P.png"/>
+          <p:cNvPr id="490" name="bandwidht_error_rate_withP2P.png" descr="bandwidht_error_rate_withP2P.png"/>
           <p:cNvPicPr>
             <a:picLocks noChangeAspect="1"/>
           </p:cNvPicPr>
@@ -8275,7 +8275,7 @@
       </p:pic>
       <p:pic>
         <p:nvPicPr>
-          <p:cNvPr id="490" name="bandwidth_error_rate_withoutP2P.png" descr="bandwidth_error_rate_withoutP2P.png"/>
+          <p:cNvPr id="491" name="bandwidth_error_rate_withoutP2P.png" descr="bandwidth_error_rate_withoutP2P.png"/>
           <p:cNvPicPr>
             <a:picLocks noChangeAspect="1"/>
           </p:cNvPicPr>
@@ -8304,7 +8304,7 @@
       </p:pic>
       <p:sp>
         <p:nvSpPr>
-          <p:cNvPr id="491" name="Configuration of Containerlab File"/>
+          <p:cNvPr id="492" name="Configuration of Containerlab File"/>
           <p:cNvSpPr txBox="1"/>
           <p:nvPr/>
         </p:nvSpPr>
@@ -8351,21 +8351,21 @@
           <a:p>
             <a:pPr/>
             <a:r>
-              <a:t>Error Rate for Bandwidth with P2P Algorithm</a:t>
-            </a:r>
-          </a:p>
-        </p:txBody>
-      </p:sp>
-      <p:sp>
-        <p:nvSpPr>
-          <p:cNvPr id="492" name="Configuration of Containerlab File"/>
+              <a:t>Error Rate for Bandwidth with the P2P Algorithm</a:t>
+            </a:r>
+          </a:p>
+        </p:txBody>
+      </p:sp>
+      <p:sp>
+        <p:nvSpPr>
+          <p:cNvPr id="493" name="Configuration of Containerlab File"/>
           <p:cNvSpPr txBox="1"/>
           <p:nvPr/>
         </p:nvSpPr>
         <p:spPr>
           <a:xfrm>
-            <a:off x="7011022" y="2913930"/>
-            <a:ext cx="3751876" cy="280798"/>
+            <a:off x="6931045" y="2913930"/>
+            <a:ext cx="3841607" cy="280798"/>
           </a:xfrm>
           <a:prstGeom prst="rect">
             <a:avLst/>
@@ -8405,23 +8405,23 @@
           <a:p>
             <a:pPr/>
             <a:r>
-              <a:t>Error Rate for Bandwidth without P2P Algorithm</a:t>
-            </a:r>
-          </a:p>
-        </p:txBody>
-      </p:sp>
-      <p:sp>
-        <p:nvSpPr>
-          <p:cNvPr id="493" name="Content Placeholder 2"/>
+              <a:t>Error Rate for Bandwidth without the P2P Algorithm</a:t>
+            </a:r>
+          </a:p>
+        </p:txBody>
+      </p:sp>
+      <p:sp>
+        <p:nvSpPr>
+          <p:cNvPr id="494" name="Content Placeholder 2"/>
           <p:cNvSpPr txBox="1"/>
           <p:nvPr>
-            <p:ph type="body" idx="1"/>
+            <p:ph type="body" sz="quarter" idx="1"/>
           </p:nvPr>
         </p:nvSpPr>
         <p:spPr>
           <a:xfrm>
-            <a:off x="1097280" y="1358900"/>
-            <a:ext cx="10058401" cy="4515080"/>
+            <a:off x="1097280" y="1358899"/>
+            <a:ext cx="10058401" cy="1402272"/>
           </a:xfrm>
           <a:prstGeom prst="rect">
             <a:avLst/>
@@ -8457,7 +8457,7 @@
               <a:buChar char="•"/>
             </a:pPr>
             <a:r>
-              <a:t>Variables Like Network Conditions, Configuration, System overhead</a:t>
+              <a:t>Variables Like Network Conditions, Configuration, System Overhead</a:t>
             </a:r>
           </a:p>
         </p:txBody>
@@ -8490,7 +8490,7 @@
       </p:grpSpPr>
       <p:sp>
         <p:nvSpPr>
-          <p:cNvPr id="495" name="Footer Placeholder 4"/>
+          <p:cNvPr id="496" name="Footer Placeholder 4"/>
           <p:cNvSpPr txBox="1"/>
           <p:nvPr/>
         </p:nvSpPr>
@@ -8536,7 +8536,7 @@
       </p:sp>
       <p:sp>
         <p:nvSpPr>
-          <p:cNvPr id="496" name="Title 1"/>
+          <p:cNvPr id="497" name="Title 1"/>
           <p:cNvSpPr txBox="1"/>
           <p:nvPr>
             <p:ph type="title"/>
@@ -8568,7 +8568,7 @@
       </p:sp>
       <p:sp>
         <p:nvSpPr>
-          <p:cNvPr id="497" name="Slide Number Placeholder 5"/>
+          <p:cNvPr id="498" name="Slide Number Placeholder 5"/>
           <p:cNvSpPr txBox="1"/>
           <p:nvPr>
             <p:ph type="sldNum" sz="quarter" idx="4294967295"/>
@@ -8599,7 +8599,7 @@
       </p:sp>
       <p:sp>
         <p:nvSpPr>
-          <p:cNvPr id="498" name="Date Placeholder 3"/>
+          <p:cNvPr id="499" name="Date Placeholder 3"/>
           <p:cNvSpPr txBox="1"/>
           <p:nvPr/>
         </p:nvSpPr>
@@ -8643,7 +8643,7 @@
       </p:sp>
       <p:pic>
         <p:nvPicPr>
-          <p:cNvPr id="499" name="duration_deploying_destroying_containerlab.png" descr="duration_deploying_destroying_containerlab.png"/>
+          <p:cNvPr id="500" name="duration_deploying_destroying_containerlab.png" descr="duration_deploying_destroying_containerlab.png"/>
           <p:cNvPicPr>
             <a:picLocks noChangeAspect="1"/>
           </p:cNvPicPr>
@@ -8672,7 +8672,7 @@
       </p:pic>
       <p:pic>
         <p:nvPicPr>
-          <p:cNvPr id="500" name="cpu_memory_usage_of_host.png" descr="cpu_memory_usage_of_host.png"/>
+          <p:cNvPr id="501" name="cpu_memory_usage_of_host.png" descr="cpu_memory_usage_of_host.png"/>
           <p:cNvPicPr>
             <a:picLocks noChangeAspect="1"/>
           </p:cNvPicPr>
@@ -8701,7 +8701,7 @@
       </p:pic>
       <p:sp>
         <p:nvSpPr>
-          <p:cNvPr id="501" name="Configuration of Containerlab File"/>
+          <p:cNvPr id="502" name="Configuration of Containerlab File"/>
           <p:cNvSpPr txBox="1"/>
           <p:nvPr/>
         </p:nvSpPr>
@@ -8755,7 +8755,7 @@
       </p:sp>
       <p:sp>
         <p:nvSpPr>
-          <p:cNvPr id="502" name="Configuration of Containerlab File"/>
+          <p:cNvPr id="503" name="Configuration of Containerlab File"/>
           <p:cNvSpPr txBox="1"/>
           <p:nvPr/>
         </p:nvSpPr>
@@ -8809,7 +8809,7 @@
       </p:sp>
       <p:sp>
         <p:nvSpPr>
-          <p:cNvPr id="503" name="Content Placeholder 2"/>
+          <p:cNvPr id="504" name="Content Placeholder 2"/>
           <p:cNvSpPr txBox="1"/>
           <p:nvPr>
             <p:ph type="body" sz="quarter" idx="1"/>
@@ -8873,7 +8873,7 @@
       </p:sp>
       <p:sp>
         <p:nvSpPr>
-          <p:cNvPr id="504" name="Content Placeholder 2"/>
+          <p:cNvPr id="505" name="Content Placeholder 2"/>
           <p:cNvSpPr txBox="1"/>
           <p:nvPr/>
         </p:nvSpPr>
@@ -8989,7 +8989,7 @@
       </p:grpSpPr>
       <p:sp>
         <p:nvSpPr>
-          <p:cNvPr id="506" name="Footer Placeholder 4"/>
+          <p:cNvPr id="507" name="Footer Placeholder 4"/>
           <p:cNvSpPr txBox="1"/>
           <p:nvPr/>
         </p:nvSpPr>
@@ -9035,7 +9035,7 @@
       </p:sp>
       <p:sp>
         <p:nvSpPr>
-          <p:cNvPr id="507" name="Title 1"/>
+          <p:cNvPr id="508" name="Title 1"/>
           <p:cNvSpPr txBox="1"/>
           <p:nvPr>
             <p:ph type="title"/>
@@ -9067,16 +9067,16 @@
       </p:sp>
       <p:sp>
         <p:nvSpPr>
-          <p:cNvPr id="508" name="Content Placeholder 2"/>
+          <p:cNvPr id="509" name="Content Placeholder 2"/>
           <p:cNvSpPr txBox="1"/>
           <p:nvPr>
-            <p:ph type="body" idx="1"/>
+            <p:ph type="body" sz="half" idx="1"/>
           </p:nvPr>
         </p:nvSpPr>
         <p:spPr>
           <a:xfrm>
             <a:off x="1097280" y="1354015"/>
-            <a:ext cx="10058401" cy="4515080"/>
+            <a:ext cx="10058401" cy="1837737"/>
           </a:xfrm>
           <a:prstGeom prst="rect">
             <a:avLst/>
@@ -9129,7 +9129,7 @@
       </p:sp>
       <p:sp>
         <p:nvSpPr>
-          <p:cNvPr id="509" name="Slide Number Placeholder 5"/>
+          <p:cNvPr id="510" name="Slide Number Placeholder 5"/>
           <p:cNvSpPr txBox="1"/>
           <p:nvPr>
             <p:ph type="sldNum" sz="quarter" idx="4294967295"/>
@@ -9160,7 +9160,7 @@
       </p:sp>
       <p:sp>
         <p:nvSpPr>
-          <p:cNvPr id="510" name="Date Placeholder 3"/>
+          <p:cNvPr id="511" name="Date Placeholder 3"/>
           <p:cNvSpPr txBox="1"/>
           <p:nvPr/>
         </p:nvSpPr>
@@ -9204,7 +9204,7 @@
       </p:sp>
       <p:pic>
         <p:nvPicPr>
-          <p:cNvPr id="511" name="cpu_usage_50peers_withoutP2P.png" descr="cpu_usage_50peers_withoutP2P.png"/>
+          <p:cNvPr id="512" name="cpu_usage_50peers_withoutP2P.png" descr="cpu_usage_50peers_withoutP2P.png"/>
           <p:cNvPicPr>
             <a:picLocks noChangeAspect="1"/>
           </p:cNvPicPr>
@@ -9220,7 +9220,7 @@
         </p:blipFill>
         <p:spPr>
           <a:xfrm>
-            <a:off x="6464300" y="3733800"/>
+            <a:off x="6464300" y="3860800"/>
             <a:ext cx="4837495" cy="2222500"/>
           </a:xfrm>
           <a:prstGeom prst="rect">
@@ -9233,7 +9233,7 @@
       </p:pic>
       <p:pic>
         <p:nvPicPr>
-          <p:cNvPr id="512" name="cpu_usage_50peers_withP2P.png" descr="cpu_usage_50peers_withP2P.png"/>
+          <p:cNvPr id="513" name="cpu_usage_50peers_withP2P.png" descr="cpu_usage_50peers_withP2P.png"/>
           <p:cNvPicPr>
             <a:picLocks noChangeAspect="1"/>
           </p:cNvPicPr>
@@ -9249,7 +9249,7 @@
         </p:blipFill>
         <p:spPr>
           <a:xfrm>
-            <a:off x="1181100" y="3733800"/>
+            <a:off x="1181100" y="3860800"/>
             <a:ext cx="4718023" cy="2222500"/>
           </a:xfrm>
           <a:prstGeom prst="rect">
@@ -9262,13 +9262,13 @@
       </p:pic>
       <p:sp>
         <p:nvSpPr>
-          <p:cNvPr id="513" name="Configuration of Containerlab File"/>
+          <p:cNvPr id="514" name="Configuration of Containerlab File"/>
           <p:cNvSpPr txBox="1"/>
           <p:nvPr/>
         </p:nvSpPr>
         <p:spPr>
           <a:xfrm>
-            <a:off x="1803400" y="3314700"/>
+            <a:off x="1803400" y="3441700"/>
             <a:ext cx="3751875" cy="280797"/>
           </a:xfrm>
           <a:prstGeom prst="rect">
@@ -9309,21 +9309,21 @@
           <a:p>
             <a:pPr/>
             <a:r>
-              <a:t>CPU Usage with P2P Algorithm</a:t>
-            </a:r>
-          </a:p>
-        </p:txBody>
-      </p:sp>
-      <p:sp>
-        <p:nvSpPr>
-          <p:cNvPr id="514" name="Configuration of Containerlab File"/>
+              <a:t>CPU Usage with the P2P Algorithm</a:t>
+            </a:r>
+          </a:p>
+        </p:txBody>
+      </p:sp>
+      <p:sp>
+        <p:nvSpPr>
+          <p:cNvPr id="515" name="Configuration of Containerlab File"/>
           <p:cNvSpPr txBox="1"/>
           <p:nvPr/>
         </p:nvSpPr>
         <p:spPr>
           <a:xfrm>
-            <a:off x="7010400" y="3314700"/>
-            <a:ext cx="3751875" cy="280797"/>
+            <a:off x="7188125" y="3441700"/>
+            <a:ext cx="3751876" cy="280797"/>
           </a:xfrm>
           <a:prstGeom prst="rect">
             <a:avLst/>
@@ -9363,7 +9363,7 @@
           <a:p>
             <a:pPr/>
             <a:r>
-              <a:t>CPU Usage without P2P Algorithm</a:t>
+              <a:t>CPU Usage without the P2P Algorithm</a:t>
             </a:r>
           </a:p>
         </p:txBody>
@@ -9396,7 +9396,7 @@
       </p:grpSpPr>
       <p:sp>
         <p:nvSpPr>
-          <p:cNvPr id="516" name="Footer Placeholder 4"/>
+          <p:cNvPr id="517" name="Footer Placeholder 4"/>
           <p:cNvSpPr txBox="1"/>
           <p:nvPr/>
         </p:nvSpPr>
@@ -9442,7 +9442,7 @@
       </p:sp>
       <p:sp>
         <p:nvSpPr>
-          <p:cNvPr id="517" name="Title 1"/>
+          <p:cNvPr id="518" name="Title 1"/>
           <p:cNvSpPr txBox="1"/>
           <p:nvPr>
             <p:ph type="title"/>
@@ -9474,7 +9474,7 @@
       </p:sp>
       <p:sp>
         <p:nvSpPr>
-          <p:cNvPr id="518" name="Slide Number Placeholder 5"/>
+          <p:cNvPr id="519" name="Slide Number Placeholder 5"/>
           <p:cNvSpPr txBox="1"/>
           <p:nvPr>
             <p:ph type="sldNum" sz="quarter" idx="4294967295"/>
@@ -9505,7 +9505,7 @@
       </p:sp>
       <p:sp>
         <p:nvSpPr>
-          <p:cNvPr id="519" name="Date Placeholder 3"/>
+          <p:cNvPr id="520" name="Date Placeholder 3"/>
           <p:cNvSpPr txBox="1"/>
           <p:nvPr/>
         </p:nvSpPr>
@@ -9549,7 +9549,7 @@
       </p:sp>
       <p:pic>
         <p:nvPicPr>
-          <p:cNvPr id="520" name="memory_usage_50peers_withoutP2P.png" descr="memory_usage_50peers_withoutP2P.png"/>
+          <p:cNvPr id="521" name="memory_usage_50peers_withoutP2P.png" descr="memory_usage_50peers_withoutP2P.png"/>
           <p:cNvPicPr>
             <a:picLocks noChangeAspect="1"/>
           </p:cNvPicPr>
@@ -9578,7 +9578,7 @@
       </p:pic>
       <p:pic>
         <p:nvPicPr>
-          <p:cNvPr id="521" name="memory_usage_50peers_withP2P.png" descr="memory_usage_50peers_withP2P.png"/>
+          <p:cNvPr id="522" name="memory_usage_50peers_withP2P.png" descr="memory_usage_50peers_withP2P.png"/>
           <p:cNvPicPr>
             <a:picLocks noChangeAspect="1"/>
           </p:cNvPicPr>
@@ -9607,7 +9607,7 @@
       </p:pic>
       <p:sp>
         <p:nvSpPr>
-          <p:cNvPr id="522" name="Configuration of Containerlab File"/>
+          <p:cNvPr id="523" name="Configuration of Containerlab File"/>
           <p:cNvSpPr txBox="1"/>
           <p:nvPr/>
         </p:nvSpPr>
@@ -9654,14 +9654,14 @@
           <a:p>
             <a:pPr/>
             <a:r>
-              <a:t>Memory Usage with P2P Algorithm</a:t>
-            </a:r>
-          </a:p>
-        </p:txBody>
-      </p:sp>
-      <p:sp>
-        <p:nvSpPr>
-          <p:cNvPr id="523" name="Configuration of Containerlab File"/>
+              <a:t>Memory Usage with the P2P Algorithm</a:t>
+            </a:r>
+          </a:p>
+        </p:txBody>
+      </p:sp>
+      <p:sp>
+        <p:nvSpPr>
+          <p:cNvPr id="524" name="Configuration of Containerlab File"/>
           <p:cNvSpPr txBox="1"/>
           <p:nvPr/>
         </p:nvSpPr>
@@ -9708,23 +9708,23 @@
           <a:p>
             <a:pPr/>
             <a:r>
-              <a:t>Memory Usage without P2P Algorithm</a:t>
-            </a:r>
-          </a:p>
-        </p:txBody>
-      </p:sp>
-      <p:sp>
-        <p:nvSpPr>
-          <p:cNvPr id="524" name="Content Placeholder 2"/>
+              <a:t>Memory Usage without the P2P Algorithm</a:t>
+            </a:r>
+          </a:p>
+        </p:txBody>
+      </p:sp>
+      <p:sp>
+        <p:nvSpPr>
+          <p:cNvPr id="525" name="Content Placeholder 2"/>
           <p:cNvSpPr txBox="1"/>
           <p:nvPr>
-            <p:ph type="body" sz="half" idx="1"/>
+            <p:ph type="body" sz="quarter" idx="1"/>
           </p:nvPr>
         </p:nvSpPr>
         <p:spPr>
           <a:xfrm>
             <a:off x="1097280" y="1354015"/>
-            <a:ext cx="10058401" cy="1837737"/>
+            <a:ext cx="10058401" cy="1478085"/>
           </a:xfrm>
           <a:prstGeom prst="rect">
             <a:avLst/>
@@ -10238,7 +10238,7 @@
               </a:defRPr>
             </a:pPr>
             <a:r>
-              <a:t>P2P Algorithm for lectureStudio</a:t>
+              <a:t>A P2P Algorithm for lectureStudio</a:t>
             </a:r>
           </a:p>
           <a:p>
@@ -10333,7 +10333,7 @@
               </a:defRPr>
             </a:pPr>
             <a:r>
-              <a:t>Developing A Container-Based Testbed Environment for P2P Algorithm</a:t>
+              <a:t>Developing A Container-Based Testbed Environment for the P2P Algorithm</a:t>
             </a:r>
           </a:p>
           <a:p>
@@ -11897,13 +11897,17 @@
       </p:grpSpPr>
       <p:sp>
         <p:nvSpPr>
-          <p:cNvPr id="526" name="Performance Evaluation of P2P Algorithm, RQ2.2 and RQ2.3 (1)"/>
+          <p:cNvPr id="527" name="Performance Evaluation of P2P Algorithm, RQ2.2 and RQ2.3 (1)"/>
           <p:cNvSpPr txBox="1"/>
           <p:nvPr>
             <p:ph type="title"/>
           </p:nvPr>
         </p:nvSpPr>
         <p:spPr>
+          <a:xfrm>
+            <a:off x="1097280" y="586237"/>
+            <a:ext cx="10058401" cy="619904"/>
+          </a:xfrm>
           <a:prstGeom prst="rect">
             <a:avLst/>
           </a:prstGeom>
@@ -11925,7 +11929,7 @@
       </p:sp>
       <p:sp>
         <p:nvSpPr>
-          <p:cNvPr id="527" name="Date Placeholder 3"/>
+          <p:cNvPr id="528" name="Date Placeholder 3"/>
           <p:cNvSpPr txBox="1"/>
           <p:nvPr/>
         </p:nvSpPr>
@@ -11969,7 +11973,7 @@
       </p:sp>
       <p:sp>
         <p:nvSpPr>
-          <p:cNvPr id="528" name="Footer Placeholder 4"/>
+          <p:cNvPr id="529" name="Footer Placeholder 4"/>
           <p:cNvSpPr txBox="1"/>
           <p:nvPr/>
         </p:nvSpPr>
@@ -12015,7 +12019,7 @@
       </p:sp>
       <p:sp>
         <p:nvSpPr>
-          <p:cNvPr id="529" name="Slide Number"/>
+          <p:cNvPr id="530" name="Slide Number"/>
           <p:cNvSpPr txBox="1"/>
           <p:nvPr>
             <p:ph type="sldNum" sz="quarter" idx="4294967295"/>
@@ -12042,7 +12046,7 @@
       </p:sp>
       <p:sp>
         <p:nvSpPr>
-          <p:cNvPr id="530" name="Test Duration Measured from First to Last Acknowledgment Message…"/>
+          <p:cNvPr id="531" name="Test Duration Measurement from First to Last Acknowledgment Message…"/>
           <p:cNvSpPr txBox="1"/>
           <p:nvPr>
             <p:ph type="body" idx="1"/>
@@ -12071,7 +12075,7 @@
               <a:defRPr sz="1779"/>
             </a:pPr>
             <a:r>
-              <a:t>Test Duration Measured from First to Last Acknowledgment Message</a:t>
+              <a:t>Test Duration Measurement from First to Last Acknowledgment Message</a:t>
             </a:r>
           </a:p>
           <a:p>
@@ -12099,7 +12103,7 @@
               <a:defRPr sz="1779"/>
             </a:pPr>
             <a:r>
-              <a:t>Varying Data Size or Number of Peers</a:t>
+              <a:t>Variation in Data Size or Number of Peers</a:t>
             </a:r>
           </a:p>
           <a:p>
@@ -12113,7 +12117,7 @@
               <a:defRPr sz="1779"/>
             </a:pPr>
             <a:r>
-              <a:t>First Configuration Simulates Real Network Data for Performance Analysis</a:t>
+              <a:t>First Configuration for Real Network Data Simulation in Performance Analysis</a:t>
             </a:r>
           </a:p>
           <a:p>
@@ -12127,7 +12131,7 @@
               <a:defRPr sz="1779"/>
             </a:pPr>
             <a:r>
-              <a:t>Minimal Performance Difference between P2P and Server-Client Models Observed</a:t>
+              <a:t>Minimal Performance Difference Between P2P and Server-Client Models</a:t>
             </a:r>
           </a:p>
           <a:p>
@@ -12141,7 +12145,7 @@
               <a:defRPr sz="1779"/>
             </a:pPr>
             <a:r>
-              <a:t>Second Configuration Employs Varied Mean Values for Data Simulation</a:t>
+              <a:t>Second Configuration with Varied Mean Values for Data Simulation</a:t>
             </a:r>
           </a:p>
           <a:p>
@@ -12155,7 +12159,7 @@
               <a:defRPr sz="1779"/>
             </a:pPr>
             <a:r>
-              <a:t>P2P Algorithm Improved Efficiency with Increased Peers and Data Size</a:t>
+              <a:t>P2P Algorithm Efficiency Increase with More Peers and Larger Data Size</a:t>
             </a:r>
           </a:p>
           <a:p>
@@ -12169,7 +12173,7 @@
               <a:defRPr sz="1779"/>
             </a:pPr>
             <a:r>
-              <a:t>Small File Sizes Not Significantly Benefited by P2P Optimization</a:t>
+              <a:t>Small File Sizes Limited Benefit from P2P Optimization</a:t>
             </a:r>
           </a:p>
           <a:p>
@@ -12183,7 +12187,7 @@
               <a:defRPr sz="1779"/>
             </a:pPr>
             <a:r>
-              <a:t>Larger File Transfers Show P2P Algorithm Efficiency</a:t>
+              <a:t>Larger File Transfers Indicative of P2P Algorithm Efficiency</a:t>
             </a:r>
           </a:p>
           <a:p>
@@ -12197,11 +12201,11 @@
               <a:defRPr sz="1779"/>
             </a:pPr>
             <a:r>
-              <a:t>Different Average Speeds for Upload and Download in Configurations Affect Performance</a:t>
-            </a:r>
-          </a:p>
-          <a:p>
-            <a:pPr marL="178468" indent="-178468" defTabSz="813816">
+              <a:t>Variation in Average Upload and Download Speeds Across Configurations Affects Performance</a:t>
+            </a:r>
+          </a:p>
+          <a:p>
+            <a:pPr lvl="1" marL="517558" indent="-178468" defTabSz="813816">
               <a:spcBef>
                 <a:spcPts val="1000"/>
               </a:spcBef>
@@ -12211,21 +12215,7 @@
               <a:defRPr sz="1779"/>
             </a:pPr>
             <a:r>
-              <a:t>Higher Average Speeds in Second Configuration Enhance Network Efficiency, Reduce Bottlenecks</a:t>
-            </a:r>
-          </a:p>
-          <a:p>
-            <a:pPr marL="178468" indent="-178468" defTabSz="813816">
-              <a:spcBef>
-                <a:spcPts val="1000"/>
-              </a:spcBef>
-              <a:buClrTx/>
-              <a:buFontTx/>
-              <a:buChar char="•"/>
-              <a:defRPr sz="1779"/>
-            </a:pPr>
-            <a:r>
-              <a:t>P2P Algorithm Effectively Identifies and Utilizes Super Peers with Higher Capacity</a:t>
+              <a:t>Higher Average Speeds in Second Configuration for Enhanced Network Efficiency, Bottleneck Reduction</a:t>
             </a:r>
           </a:p>
         </p:txBody>
@@ -12258,13 +12248,17 @@
       </p:grpSpPr>
       <p:sp>
         <p:nvSpPr>
-          <p:cNvPr id="532" name="Performance Evaluation of P2P Algorithm, RQ2.2 and RQ2.3 (2)"/>
+          <p:cNvPr id="533" name="Performance Evaluation of P2P Algorithm, RQ2.2 and RQ2.3 (2)"/>
           <p:cNvSpPr txBox="1"/>
           <p:nvPr>
             <p:ph type="title"/>
           </p:nvPr>
         </p:nvSpPr>
         <p:spPr>
+          <a:xfrm>
+            <a:off x="1097280" y="509246"/>
+            <a:ext cx="10058401" cy="696895"/>
+          </a:xfrm>
           <a:prstGeom prst="rect">
             <a:avLst/>
           </a:prstGeom>
@@ -12286,7 +12280,7 @@
       </p:sp>
       <p:sp>
         <p:nvSpPr>
-          <p:cNvPr id="533" name="Date Placeholder 3"/>
+          <p:cNvPr id="534" name="Date Placeholder 3"/>
           <p:cNvSpPr txBox="1"/>
           <p:nvPr/>
         </p:nvSpPr>
@@ -12330,7 +12324,7 @@
       </p:sp>
       <p:sp>
         <p:nvSpPr>
-          <p:cNvPr id="534" name="Footer Placeholder 4"/>
+          <p:cNvPr id="535" name="Footer Placeholder 4"/>
           <p:cNvSpPr txBox="1"/>
           <p:nvPr/>
         </p:nvSpPr>
@@ -12376,7 +12370,7 @@
       </p:sp>
       <p:sp>
         <p:nvSpPr>
-          <p:cNvPr id="535" name="Slide Number"/>
+          <p:cNvPr id="536" name="Slide Number"/>
           <p:cNvSpPr txBox="1"/>
           <p:nvPr>
             <p:ph type="sldNum" sz="quarter" idx="4294967295"/>
@@ -12403,7 +12397,7 @@
       </p:sp>
       <p:pic>
         <p:nvPicPr>
-          <p:cNvPr id="536" name="implemantation2_20_peers_increasingfile.png" descr="implemantation2_20_peers_increasingfile.png"/>
+          <p:cNvPr id="537" name="implemantation2_20_peers_increasingfile.png" descr="implemantation2_20_peers_increasingfile.png"/>
           <p:cNvPicPr>
             <a:picLocks noChangeAspect="1"/>
           </p:cNvPicPr>
@@ -12432,7 +12426,7 @@
       </p:pic>
       <p:sp>
         <p:nvSpPr>
-          <p:cNvPr id="537" name="First Configuration with lectureStudio Server and 20 Peers…"/>
+          <p:cNvPr id="538" name="First Configuration with lectureStudio Server and 20 Peers…"/>
           <p:cNvSpPr txBox="1"/>
           <p:nvPr>
             <p:ph type="body" sz="half" idx="1"/>
@@ -12524,7 +12518,7 @@
       </p:sp>
       <p:sp>
         <p:nvSpPr>
-          <p:cNvPr id="538" name="Configuration of Containerlab File"/>
+          <p:cNvPr id="539" name="Configuration of Containerlab File"/>
           <p:cNvSpPr txBox="1"/>
           <p:nvPr/>
         </p:nvSpPr>
@@ -12578,7 +12572,7 @@
       </p:sp>
       <p:sp>
         <p:nvSpPr>
-          <p:cNvPr id="539" name="Configuration of Containerlab File"/>
+          <p:cNvPr id="540" name="Configuration of Containerlab File"/>
           <p:cNvSpPr txBox="1"/>
           <p:nvPr/>
         </p:nvSpPr>
@@ -12632,7 +12626,7 @@
       </p:sp>
       <p:pic>
         <p:nvPicPr>
-          <p:cNvPr id="540" name="implemantation1_20_peers_increasingfile.png" descr="implemantation1_20_peers_increasingfile.png"/>
+          <p:cNvPr id="541" name="implemantation1_20_peers_increasingfile.png" descr="implemantation1_20_peers_increasingfile.png"/>
           <p:cNvPicPr>
             <a:picLocks noChangeAspect="1"/>
           </p:cNvPicPr>
@@ -12687,13 +12681,17 @@
       </p:grpSpPr>
       <p:sp>
         <p:nvSpPr>
-          <p:cNvPr id="542" name="Performance Evaluation of P2P Algorithm, RQ2.2 and RQ2.3 (3)"/>
+          <p:cNvPr id="543" name="Performance Evaluation of P2P Algorithm, RQ2.2 and RQ2.3 (3)"/>
           <p:cNvSpPr txBox="1"/>
           <p:nvPr>
             <p:ph type="title"/>
           </p:nvPr>
         </p:nvSpPr>
         <p:spPr>
+          <a:xfrm>
+            <a:off x="1097280" y="571971"/>
+            <a:ext cx="10058401" cy="634170"/>
+          </a:xfrm>
           <a:prstGeom prst="rect">
             <a:avLst/>
           </a:prstGeom>
@@ -12715,7 +12713,7 @@
       </p:sp>
       <p:sp>
         <p:nvSpPr>
-          <p:cNvPr id="543" name="Date Placeholder 3"/>
+          <p:cNvPr id="544" name="Date Placeholder 3"/>
           <p:cNvSpPr txBox="1"/>
           <p:nvPr/>
         </p:nvSpPr>
@@ -12759,7 +12757,7 @@
       </p:sp>
       <p:sp>
         <p:nvSpPr>
-          <p:cNvPr id="544" name="Footer Placeholder 4"/>
+          <p:cNvPr id="545" name="Footer Placeholder 4"/>
           <p:cNvSpPr txBox="1"/>
           <p:nvPr/>
         </p:nvSpPr>
@@ -12805,7 +12803,7 @@
       </p:sp>
       <p:sp>
         <p:nvSpPr>
-          <p:cNvPr id="545" name="Slide Number"/>
+          <p:cNvPr id="546" name="Slide Number"/>
           <p:cNvSpPr txBox="1"/>
           <p:nvPr>
             <p:ph type="sldNum" sz="quarter" idx="4294967295"/>
@@ -12832,7 +12830,7 @@
       </p:sp>
       <p:pic>
         <p:nvPicPr>
-          <p:cNvPr id="546" name="implemantation2_50_peers_increasingfile.png" descr="implemantation2_50_peers_increasingfile.png"/>
+          <p:cNvPr id="547" name="implemantation2_50_peers_increasingfile.png" descr="implemantation2_50_peers_increasingfile.png"/>
           <p:cNvPicPr>
             <a:picLocks noChangeAspect="1"/>
           </p:cNvPicPr>
@@ -12861,7 +12859,7 @@
       </p:pic>
       <p:sp>
         <p:nvSpPr>
-          <p:cNvPr id="547" name="Configuration of Containerlab File"/>
+          <p:cNvPr id="548" name="Configuration of Containerlab File"/>
           <p:cNvSpPr txBox="1"/>
           <p:nvPr/>
         </p:nvSpPr>
@@ -12915,7 +12913,7 @@
       </p:sp>
       <p:sp>
         <p:nvSpPr>
-          <p:cNvPr id="548" name="Configuration of Containerlab File"/>
+          <p:cNvPr id="549" name="Configuration of Containerlab File"/>
           <p:cNvSpPr txBox="1"/>
           <p:nvPr/>
         </p:nvSpPr>
@@ -12969,7 +12967,7 @@
       </p:sp>
       <p:sp>
         <p:nvSpPr>
-          <p:cNvPr id="549" name="First Configuration with lectureStudio Server and 50 Peers…"/>
+          <p:cNvPr id="550" name="First Configuration with lectureStudio Server and 50 Peers…"/>
           <p:cNvSpPr txBox="1"/>
           <p:nvPr>
             <p:ph type="body" sz="half" idx="1"/>
@@ -13075,7 +13073,7 @@
       </p:sp>
       <p:pic>
         <p:nvPicPr>
-          <p:cNvPr id="550" name="implemantation1_50_peers_increasingfile.png" descr="implemantation1_50_peers_increasingfile.png"/>
+          <p:cNvPr id="551" name="implemantation1_50_peers_increasingfile.png" descr="implemantation1_50_peers_increasingfile.png"/>
           <p:cNvPicPr>
             <a:picLocks noChangeAspect="1"/>
           </p:cNvPicPr>
@@ -13130,7 +13128,7 @@
       </p:grpSpPr>
       <p:sp>
         <p:nvSpPr>
-          <p:cNvPr id="552" name="Challenges"/>
+          <p:cNvPr id="553" name="Challenges"/>
           <p:cNvSpPr txBox="1"/>
           <p:nvPr>
             <p:ph type="title"/>
@@ -13154,7 +13152,7 @@
       </p:sp>
       <p:sp>
         <p:nvSpPr>
-          <p:cNvPr id="553" name="Finding real network dataset…"/>
+          <p:cNvPr id="554" name="Finding real network dataset…"/>
           <p:cNvSpPr txBox="1"/>
           <p:nvPr>
             <p:ph type="body" idx="1"/>
@@ -13272,7 +13270,7 @@
       </p:sp>
       <p:sp>
         <p:nvSpPr>
-          <p:cNvPr id="554" name="Date Placeholder 3"/>
+          <p:cNvPr id="555" name="Date Placeholder 3"/>
           <p:cNvSpPr txBox="1"/>
           <p:nvPr/>
         </p:nvSpPr>
@@ -13316,7 +13314,7 @@
       </p:sp>
       <p:sp>
         <p:nvSpPr>
-          <p:cNvPr id="555" name="Footer Placeholder 4"/>
+          <p:cNvPr id="556" name="Footer Placeholder 4"/>
           <p:cNvSpPr txBox="1"/>
           <p:nvPr/>
         </p:nvSpPr>
@@ -13362,7 +13360,7 @@
       </p:sp>
       <p:sp>
         <p:nvSpPr>
-          <p:cNvPr id="556" name="Slide Number"/>
+          <p:cNvPr id="557" name="Slide Number"/>
           <p:cNvSpPr txBox="1"/>
           <p:nvPr>
             <p:ph type="sldNum" sz="quarter" idx="4294967295"/>
@@ -13415,7 +13413,7 @@
       </p:grpSpPr>
       <p:sp>
         <p:nvSpPr>
-          <p:cNvPr id="558" name="Conclusion and Future Work"/>
+          <p:cNvPr id="559" name="Conclusion and Future Work"/>
           <p:cNvSpPr txBox="1"/>
           <p:nvPr>
             <p:ph type="title"/>
@@ -13439,7 +13437,7 @@
       </p:sp>
       <p:sp>
         <p:nvSpPr>
-          <p:cNvPr id="559" name="Goal: Develop a Testbed for P2P Data Distribution Algorithm…"/>
+          <p:cNvPr id="560" name="Goal: Develop a Testbed for the P2P Data Distribution Algorithm…"/>
           <p:cNvSpPr txBox="1"/>
           <p:nvPr>
             <p:ph type="body" idx="1"/>
@@ -13464,7 +13462,21 @@
               <a:defRPr sz="1779"/>
             </a:pPr>
             <a:r>
-              <a:t>Goal: Develop a Testbed for P2P Data Distribution Algorithm</a:t>
+              <a:t>Goal: Develop a Testbed for the P2P Data Distribution Algorithm</a:t>
+            </a:r>
+          </a:p>
+          <a:p>
+            <a:pPr lvl="1" marL="517558" indent="-178468" defTabSz="813816">
+              <a:spcBef>
+                <a:spcPts val="1000"/>
+              </a:spcBef>
+              <a:buClrTx/>
+              <a:buFontTx/>
+              <a:buChar char="•"/>
+              <a:defRPr sz="1779"/>
+            </a:pPr>
+            <a:r>
+              <a:t>Utilization of Docker and Containerlab for An Efficient, Isolated Testing Environment</a:t>
             </a:r>
           </a:p>
           <a:p>
@@ -13478,7 +13490,35 @@
               <a:defRPr sz="1779"/>
             </a:pPr>
             <a:r>
-              <a:t>Utilization of Docker and Containerlab for An Efficient, Isolated Testing Environment.</a:t>
+              <a:t>Simulation of Real Network Environments and Complex Network Topologies</a:t>
+            </a:r>
+          </a:p>
+          <a:p>
+            <a:pPr lvl="1" marL="517558" indent="-178468" defTabSz="813816">
+              <a:spcBef>
+                <a:spcPts val="1000"/>
+              </a:spcBef>
+              <a:buClrTx/>
+              <a:buFontTx/>
+              <a:buChar char="•"/>
+              <a:defRPr sz="1779"/>
+            </a:pPr>
+            <a:r>
+              <a:t>High Replication Accuracy of Bandwidth and Latency</a:t>
+            </a:r>
+          </a:p>
+          <a:p>
+            <a:pPr lvl="1" marL="517558" indent="-178468" defTabSz="813816">
+              <a:spcBef>
+                <a:spcPts val="1000"/>
+              </a:spcBef>
+              <a:buClrTx/>
+              <a:buFontTx/>
+              <a:buChar char="•"/>
+              <a:defRPr sz="1779"/>
+            </a:pPr>
+            <a:r>
+              <a:t>Effective Scalability with Increasing Nodes</a:t>
             </a:r>
           </a:p>
           <a:p>
@@ -13492,7 +13532,21 @@
               <a:defRPr sz="1779"/>
             </a:pPr>
             <a:r>
-              <a:t>Simulation of Real Network Environments and Complex Network Topologies</a:t>
+              <a:t>High Resource Demand without the P2P Algorithm; Significant Reduction with the P2P Algorithm</a:t>
+            </a:r>
+          </a:p>
+          <a:p>
+            <a:pPr lvl="1" marL="517558" indent="-178468" defTabSz="813816">
+              <a:spcBef>
+                <a:spcPts val="1000"/>
+              </a:spcBef>
+              <a:buClrTx/>
+              <a:buFontTx/>
+              <a:buChar char="•"/>
+              <a:defRPr sz="1779"/>
+            </a:pPr>
+            <a:r>
+              <a:t>Effective Data Distribution and Reduced Server Load through the P2P Algorithm</a:t>
             </a:r>
           </a:p>
           <a:p>
@@ -13506,7 +13560,7 @@
               <a:defRPr sz="1779"/>
             </a:pPr>
             <a:r>
-              <a:t>High Replication Accuracy of Bandwidth and Latency</a:t>
+              <a:t>Limited P2P Benefits for Small Files and Efficiency Improvements in Different Configurations</a:t>
             </a:r>
           </a:p>
           <a:p>
@@ -13520,7 +13574,7 @@
               <a:defRPr sz="1779"/>
             </a:pPr>
             <a:r>
-              <a:t>Effective Scalability with Increasing Nodes</a:t>
+              <a:t>Robustness of P2P Algorithm with Increased Peers and Data Size</a:t>
             </a:r>
           </a:p>
           <a:p>
@@ -13534,7 +13588,7 @@
               <a:defRPr sz="1779"/>
             </a:pPr>
             <a:r>
-              <a:t>High resource demand without P2P Algorithm; significant reduction with P2P Algorithm</a:t>
+              <a:t>Enhancement of Packet Loss Simulation for Accurate Network Behavior</a:t>
             </a:r>
           </a:p>
           <a:p>
@@ -13548,7 +13602,7 @@
               <a:defRPr sz="1779"/>
             </a:pPr>
             <a:r>
-              <a:t>Effective Data Distribution and Reduced Server Load through P2P Algorithm</a:t>
+              <a:t>Automation Between the Testbed and the P2P Algorithm Optimization</a:t>
             </a:r>
           </a:p>
           <a:p>
@@ -13562,70 +13616,14 @@
               <a:defRPr sz="1779"/>
             </a:pPr>
             <a:r>
-              <a:t>Limited P2P Benefits for Small Files and Efficiency Improvements in Different Configurations</a:t>
-            </a:r>
-          </a:p>
-          <a:p>
-            <a:pPr marL="178468" indent="-178468" defTabSz="813816">
-              <a:spcBef>
-                <a:spcPts val="1000"/>
-              </a:spcBef>
-              <a:buClrTx/>
-              <a:buFontTx/>
-              <a:buChar char="•"/>
-              <a:defRPr sz="1779"/>
-            </a:pPr>
-            <a:r>
-              <a:t>Robustness of P2P Algorithm with Increased Peers and Data Size</a:t>
-            </a:r>
-          </a:p>
-          <a:p>
-            <a:pPr marL="178468" indent="-178468" defTabSz="813816">
-              <a:spcBef>
-                <a:spcPts val="1000"/>
-              </a:spcBef>
-              <a:buClrTx/>
-              <a:buFontTx/>
-              <a:buChar char="•"/>
-              <a:defRPr sz="1779"/>
-            </a:pPr>
-            <a:r>
-              <a:t>Enhancement of Packet Loss Simulation for Accurate Network Behavior</a:t>
-            </a:r>
-          </a:p>
-          <a:p>
-            <a:pPr marL="178468" indent="-178468" defTabSz="813816">
-              <a:spcBef>
-                <a:spcPts val="1000"/>
-              </a:spcBef>
-              <a:buClrTx/>
-              <a:buFontTx/>
-              <a:buChar char="•"/>
-              <a:defRPr sz="1779"/>
-            </a:pPr>
-            <a:r>
-              <a:t>Automation Between Testbed and P2P Algorithm Optimization</a:t>
-            </a:r>
-          </a:p>
-          <a:p>
-            <a:pPr marL="178468" indent="-178468" defTabSz="813816">
-              <a:spcBef>
-                <a:spcPts val="1000"/>
-              </a:spcBef>
-              <a:buClrTx/>
-              <a:buFontTx/>
-              <a:buChar char="•"/>
-              <a:defRPr sz="1779"/>
-            </a:pPr>
-            <a:r>
-              <a:t>Development of A Graphical Testbed interface for Easier Configuration and Real-Time Analysis</a:t>
-            </a:r>
-          </a:p>
-        </p:txBody>
-      </p:sp>
-      <p:sp>
-        <p:nvSpPr>
-          <p:cNvPr id="560" name="Date Placeholder 3"/>
+              <a:t>Development of A Graphical Testbed Interface for Easier Configuration and Real-Time Analysis</a:t>
+            </a:r>
+          </a:p>
+        </p:txBody>
+      </p:sp>
+      <p:sp>
+        <p:nvSpPr>
+          <p:cNvPr id="561" name="Date Placeholder 3"/>
           <p:cNvSpPr txBox="1"/>
           <p:nvPr/>
         </p:nvSpPr>
@@ -13669,7 +13667,7 @@
       </p:sp>
       <p:sp>
         <p:nvSpPr>
-          <p:cNvPr id="561" name="Footer Placeholder 4"/>
+          <p:cNvPr id="562" name="Footer Placeholder 4"/>
           <p:cNvSpPr txBox="1"/>
           <p:nvPr/>
         </p:nvSpPr>
@@ -13715,7 +13713,7 @@
       </p:sp>
       <p:sp>
         <p:nvSpPr>
-          <p:cNvPr id="562" name="Slide Number"/>
+          <p:cNvPr id="563" name="Slide Number"/>
           <p:cNvSpPr txBox="1"/>
           <p:nvPr>
             <p:ph type="sldNum" sz="quarter" idx="4294967295"/>
@@ -13768,7 +13766,7 @@
       </p:grpSpPr>
       <p:sp>
         <p:nvSpPr>
-          <p:cNvPr id="564" name="Title 6"/>
+          <p:cNvPr id="565" name="Title 6"/>
           <p:cNvSpPr txBox="1"/>
           <p:nvPr>
             <p:ph type="title"/>
@@ -13800,7 +13798,7 @@
       </p:sp>
       <p:sp>
         <p:nvSpPr>
-          <p:cNvPr id="565" name="Text Placeholder 7"/>
+          <p:cNvPr id="566" name="Text Placeholder 7"/>
           <p:cNvSpPr txBox="1"/>
           <p:nvPr>
             <p:ph type="body" sz="quarter" idx="1"/>
@@ -13830,7 +13828,7 @@
       </p:sp>
       <p:sp>
         <p:nvSpPr>
-          <p:cNvPr id="566" name="Slide Number Placeholder 5"/>
+          <p:cNvPr id="567" name="Slide Number Placeholder 5"/>
           <p:cNvSpPr txBox="1"/>
           <p:nvPr>
             <p:ph type="sldNum" sz="quarter" idx="4294967295"/>
@@ -13861,7 +13859,7 @@
       </p:sp>
       <p:sp>
         <p:nvSpPr>
-          <p:cNvPr id="567" name="Footer Placeholder 4"/>
+          <p:cNvPr id="568" name="Footer Placeholder 4"/>
           <p:cNvSpPr txBox="1"/>
           <p:nvPr/>
         </p:nvSpPr>
@@ -13907,7 +13905,7 @@
       </p:sp>
       <p:sp>
         <p:nvSpPr>
-          <p:cNvPr id="568" name="Date Placeholder 3"/>
+          <p:cNvPr id="569" name="Date Placeholder 3"/>
           <p:cNvSpPr txBox="1"/>
           <p:nvPr/>
         </p:nvSpPr>
@@ -13977,7 +13975,7 @@
       </p:grpSpPr>
       <p:sp>
         <p:nvSpPr>
-          <p:cNvPr id="570" name="References"/>
+          <p:cNvPr id="571" name="References"/>
           <p:cNvSpPr txBox="1"/>
           <p:nvPr>
             <p:ph type="title"/>
@@ -14007,7 +14005,7 @@
       </p:sp>
       <p:sp>
         <p:nvSpPr>
-          <p:cNvPr id="571" name="[1] https://www.data.gov.uk/dataset/dfe843da-06ca-4680-9ba0-fbb27319e402/uk-fixed-line-broadband-performance…"/>
+          <p:cNvPr id="572" name="[1] https://www.data.gov.uk/dataset/dfe843da-06ca-4680-9ba0-fbb27319e402/uk-fixed-line-broadband-performance…"/>
           <p:cNvSpPr txBox="1"/>
           <p:nvPr>
             <p:ph type="body" idx="1"/>
@@ -14065,6 +14063,26 @@
                 </a:uFill>
                 <a:hlinkClick r:id="rId3" invalidUrl="" action="" tgtFrame="" tooltip="" history="1" highlightClick="0" endSnd="0"/>
               </a:rPr>
+              <a:t>https://www.speedtest.net/</a:t>
+            </a:r>
+          </a:p>
+          <a:p>
+            <a:pPr/>
+            <a:r>
+              <a:t>[3] </a:t>
+            </a:r>
+            <a:r>
+              <a:rPr u="sng">
+                <a:solidFill>
+                  <a:srgbClr val="0000FF"/>
+                </a:solidFill>
+                <a:uFill>
+                  <a:solidFill>
+                    <a:srgbClr val="0000FF"/>
+                  </a:solidFill>
+                </a:uFill>
+                <a:hlinkClick r:id="rId4" invalidUrl="" action="" tgtFrame="" tooltip="" history="1" highlightClick="0" endSnd="0"/>
+              </a:rPr>
               <a:t>https://containerlab.dev/manual/topo-def-file/</a:t>
             </a:r>
           </a:p>
@@ -14072,7 +14090,7 @@
       </p:sp>
       <p:sp>
         <p:nvSpPr>
-          <p:cNvPr id="572" name="Slide Number"/>
+          <p:cNvPr id="573" name="Slide Number"/>
           <p:cNvSpPr txBox="1"/>
           <p:nvPr>
             <p:ph type="sldNum" sz="quarter" idx="4294967295"/>
@@ -14103,7 +14121,7 @@
       </p:sp>
       <p:sp>
         <p:nvSpPr>
-          <p:cNvPr id="573" name="Footer Placeholder 4"/>
+          <p:cNvPr id="574" name="Footer Placeholder 4"/>
           <p:cNvSpPr txBox="1"/>
           <p:nvPr/>
         </p:nvSpPr>
@@ -14149,7 +14167,7 @@
       </p:sp>
       <p:sp>
         <p:nvSpPr>
-          <p:cNvPr id="574" name="Date Placeholder 3"/>
+          <p:cNvPr id="575" name="Date Placeholder 3"/>
           <p:cNvSpPr txBox="1"/>
           <p:nvPr/>
         </p:nvSpPr>
@@ -14569,7 +14587,7 @@
               <a:defRPr sz="1653"/>
             </a:pPr>
             <a:r>
-              <a:t>Analyzing of Resource Efficiency of the P2P Algorithm Components (lectureStudio server and peers)</a:t>
+              <a:t>Analyzing of Resource Efficiency of the P2P Algorithm Components (LectureStudio Server and Peers)</a:t>
             </a:r>
           </a:p>
           <a:p>
@@ -15718,7 +15736,7 @@
               <a:buChar char="•"/>
             </a:pPr>
             <a:r>
-              <a:t>Implementing Traditional Server-Client Based Method</a:t>
+              <a:t>Implementing the Traditional Server-Client Based Approach</a:t>
             </a:r>
           </a:p>
           <a:p>
@@ -15967,7 +15985,7 @@
           <p:nvPr/>
         </p:nvGraphicFramePr>
         <p:xfrm>
-          <a:off x="2578733" y="4500824"/>
+          <a:off x="2312033" y="4500824"/>
           <a:ext cx="10075682" cy="1955125"/>
         </p:xfrm>
         <a:graphic xmlns:a="http://schemas.openxmlformats.org/drawingml/2006/main">
@@ -16275,6 +16293,57 @@
           </a:p>
         </p:txBody>
       </p:sp>
+      <p:sp>
+        <p:nvSpPr>
+          <p:cNvPr id="219" name="[2]"/>
+          <p:cNvSpPr txBox="1"/>
+          <p:nvPr/>
+        </p:nvSpPr>
+        <p:spPr>
+          <a:xfrm>
+            <a:off x="10114279" y="5655894"/>
+            <a:ext cx="619597" cy="457200"/>
+          </a:xfrm>
+          <a:prstGeom prst="rect">
+            <a:avLst/>
+          </a:prstGeom>
+          <a:ln w="12700">
+            <a:miter lim="400000"/>
+          </a:ln>
+          <a:extLst>
+            <a:ext uri="{C572A759-6A51-4108-AA02-DFA0A04FC94B}">
+              <ma14:wrappingTextBoxFlag xmlns:ma14="http://schemas.microsoft.com/office/mac/drawingml/2011/main" val="1"/>
+            </a:ext>
+          </a:extLst>
+        </p:spPr>
+        <p:txBody>
+          <a:bodyPr lIns="45718" tIns="45718" rIns="45718" bIns="45718" anchor="b">
+            <a:normAutofit fontScale="100000" lnSpcReduction="0"/>
+          </a:bodyPr>
+          <a:lstStyle>
+            <a:lvl1pPr defTabSz="722376">
+              <a:lnSpc>
+                <a:spcPct val="85000"/>
+              </a:lnSpc>
+              <a:defRPr spc="-100">
+                <a:solidFill>
+                  <a:srgbClr val="404040"/>
+                </a:solidFill>
+                <a:latin typeface="Calibri Light"/>
+                <a:ea typeface="Calibri Light"/>
+                <a:cs typeface="Calibri Light"/>
+                <a:sym typeface="Calibri Light"/>
+              </a:defRPr>
+            </a:lvl1pPr>
+          </a:lstStyle>
+          <a:p>
+            <a:pPr/>
+            <a:r>
+              <a:t>[1], [2]</a:t>
+            </a:r>
+          </a:p>
+        </p:txBody>
+      </p:sp>
     </p:spTree>
   </p:cSld>
   <p:clrMapOvr>
@@ -16303,7 +16372,7 @@
       </p:grpSpPr>
       <p:sp>
         <p:nvSpPr>
-          <p:cNvPr id="220" name="Network Topology Generator"/>
+          <p:cNvPr id="221" name="Network Topology Generator"/>
           <p:cNvSpPr txBox="1"/>
           <p:nvPr>
             <p:ph type="title"/>
@@ -16335,7 +16404,7 @@
       </p:sp>
       <p:sp>
         <p:nvSpPr>
-          <p:cNvPr id="221" name="Slide Number"/>
+          <p:cNvPr id="222" name="Slide Number"/>
           <p:cNvSpPr txBox="1"/>
           <p:nvPr>
             <p:ph type="sldNum" sz="quarter" idx="4294967295"/>
@@ -16366,7 +16435,7 @@
       </p:sp>
       <p:sp>
         <p:nvSpPr>
-          <p:cNvPr id="222" name="Footer Placeholder 4"/>
+          <p:cNvPr id="223" name="Footer Placeholder 4"/>
           <p:cNvSpPr txBox="1"/>
           <p:nvPr/>
         </p:nvSpPr>
@@ -16408,7 +16477,7 @@
       </p:sp>
       <p:sp>
         <p:nvSpPr>
-          <p:cNvPr id="223" name="{…"/>
+          <p:cNvPr id="224" name="{…"/>
           <p:cNvSpPr txBox="1"/>
           <p:nvPr/>
         </p:nvSpPr>
@@ -16771,7 +16840,7 @@
       </p:sp>
       <p:sp>
         <p:nvSpPr>
-          <p:cNvPr id="224" name="&quot;connections&quot;: […"/>
+          <p:cNvPr id="225" name="&quot;connections&quot;: […"/>
           <p:cNvSpPr txBox="1"/>
           <p:nvPr/>
         </p:nvSpPr>
@@ -17174,7 +17243,7 @@
       </p:sp>
       <p:sp>
         <p:nvSpPr>
-          <p:cNvPr id="225" name="List of Peers and Network Characteristics"/>
+          <p:cNvPr id="226" name="List of Peers and Network Characteristics"/>
           <p:cNvSpPr txBox="1"/>
           <p:nvPr/>
         </p:nvSpPr>
@@ -17228,7 +17297,7 @@
       </p:sp>
       <p:pic>
         <p:nvPicPr>
-          <p:cNvPr id="226" name="136525.png" descr="136525.png"/>
+          <p:cNvPr id="227" name="136525.png" descr="136525.png"/>
           <p:cNvPicPr>
             <a:picLocks noChangeAspect="1"/>
           </p:cNvPicPr>
@@ -17257,7 +17326,7 @@
       </p:pic>
       <p:sp>
         <p:nvSpPr>
-          <p:cNvPr id="227" name="{…"/>
+          <p:cNvPr id="228" name="{…"/>
           <p:cNvSpPr txBox="1"/>
           <p:nvPr/>
         </p:nvSpPr>
@@ -17558,7 +17627,7 @@
       </p:sp>
       <p:sp>
         <p:nvSpPr>
-          <p:cNvPr id="228" name="Connection Between Peers"/>
+          <p:cNvPr id="229" name="Connection Between Peers"/>
           <p:cNvSpPr txBox="1"/>
           <p:nvPr/>
         </p:nvSpPr>
@@ -17612,7 +17681,7 @@
       </p:sp>
       <p:pic>
         <p:nvPicPr>
-          <p:cNvPr id="229" name="136525.png" descr="136525.png"/>
+          <p:cNvPr id="230" name="136525.png" descr="136525.png"/>
           <p:cNvPicPr>
             <a:picLocks noChangeAspect="1"/>
           </p:cNvPicPr>
@@ -17641,7 +17710,7 @@
       </p:pic>
       <p:sp>
         <p:nvSpPr>
-          <p:cNvPr id="230" name="Line"/>
+          <p:cNvPr id="231" name="Line"/>
           <p:cNvSpPr/>
           <p:nvPr/>
         </p:nvSpPr>
@@ -17671,7 +17740,7 @@
       </p:sp>
       <p:sp>
         <p:nvSpPr>
-          <p:cNvPr id="231" name="Date Placeholder 3"/>
+          <p:cNvPr id="232" name="Date Placeholder 3"/>
           <p:cNvSpPr txBox="1"/>
           <p:nvPr/>
         </p:nvSpPr>
@@ -17715,7 +17784,7 @@
       </p:sp>
       <p:sp>
         <p:nvSpPr>
-          <p:cNvPr id="232" name="Develop Java Program…"/>
+          <p:cNvPr id="233" name="Develop Java Program…"/>
           <p:cNvSpPr txBox="1"/>
           <p:nvPr>
             <p:ph type="body" sz="quarter" idx="1"/>
@@ -17734,42 +17803,42 @@
           <a:bodyPr/>
           <a:lstStyle/>
           <a:p>
-            <a:pPr marL="178468" indent="-178468" defTabSz="813816">
+            <a:pPr marL="186489" indent="-186489" defTabSz="850391">
               <a:spcBef>
-                <a:spcPts val="1000"/>
+                <a:spcPts val="1100"/>
               </a:spcBef>
               <a:buClrTx/>
               <a:buFontTx/>
               <a:buChar char="•"/>
-              <a:defRPr sz="1779"/>
-            </a:pPr>
-            <a:r>
-              <a:t>Generating Network Topology with the Testbed</a:t>
-            </a:r>
-          </a:p>
-          <a:p>
-            <a:pPr lvl="1" marL="517558" indent="-178468" defTabSz="813816">
+              <a:defRPr sz="1860"/>
+            </a:pPr>
+            <a:r>
+              <a:t>Generating Network Topology by the Testbed</a:t>
+            </a:r>
+          </a:p>
+          <a:p>
+            <a:pPr lvl="1" marL="540819" indent="-186489" defTabSz="850391">
               <a:spcBef>
-                <a:spcPts val="1000"/>
+                <a:spcPts val="1100"/>
               </a:spcBef>
               <a:buClrTx/>
               <a:buFontTx/>
               <a:buChar char="•"/>
-              <a:defRPr sz="1779"/>
+              <a:defRPr sz="1860"/>
             </a:pPr>
             <a:r>
               <a:t>Listing Nodes with Network Characteristics</a:t>
             </a:r>
           </a:p>
           <a:p>
-            <a:pPr lvl="1" marL="517558" indent="-178468" defTabSz="813816">
+            <a:pPr lvl="1" marL="540819" indent="-186489" defTabSz="850391">
               <a:spcBef>
-                <a:spcPts val="1000"/>
+                <a:spcPts val="1100"/>
               </a:spcBef>
               <a:buClrTx/>
               <a:buFontTx/>
               <a:buChar char="•"/>
-              <a:defRPr sz="1779"/>
+              <a:defRPr sz="1860"/>
             </a:pPr>
             <a:r>
               <a:t>Detailing Connections between LectureStudio Server and All Peers</a:t>
@@ -17779,7 +17848,7 @@
       </p:sp>
       <p:sp>
         <p:nvSpPr>
-          <p:cNvPr id="233" name="Develop Java Program…"/>
+          <p:cNvPr id="234" name="Develop Java Program…"/>
           <p:cNvSpPr txBox="1"/>
           <p:nvPr/>
         </p:nvSpPr>
@@ -17822,7 +17891,7 @@
               </a:defRPr>
             </a:pPr>
             <a:r>
-              <a:t>Optimizing Network Topology with the P2P Algorithm</a:t>
+              <a:t>Optimizing Network Topology by the P2P Algorithm</a:t>
             </a:r>
           </a:p>
           <a:p>
@@ -17895,7 +17964,7 @@
       </p:grpSpPr>
       <p:sp>
         <p:nvSpPr>
-          <p:cNvPr id="235" name="Management of Container-Testbed Environment"/>
+          <p:cNvPr id="236" name="Management of Container-Testbed Environment"/>
           <p:cNvSpPr txBox="1"/>
           <p:nvPr>
             <p:ph type="title"/>
@@ -17925,7 +17994,7 @@
       </p:sp>
       <p:sp>
         <p:nvSpPr>
-          <p:cNvPr id="236" name="Create and Deploy Applications Faster and More Securely…"/>
+          <p:cNvPr id="237" name="Create and Deploy Applications Faster and More Securely…"/>
           <p:cNvSpPr txBox="1"/>
           <p:nvPr>
             <p:ph type="body" idx="1"/>
@@ -18037,7 +18106,7 @@
       </p:sp>
       <p:sp>
         <p:nvSpPr>
-          <p:cNvPr id="237" name="Slide Number"/>
+          <p:cNvPr id="238" name="Slide Number"/>
           <p:cNvSpPr txBox="1"/>
           <p:nvPr>
             <p:ph type="sldNum" sz="quarter" idx="4294967295"/>
@@ -18068,7 +18137,7 @@
       </p:sp>
       <p:sp>
         <p:nvSpPr>
-          <p:cNvPr id="238" name="Footer Placeholder 4"/>
+          <p:cNvPr id="239" name="Footer Placeholder 4"/>
           <p:cNvSpPr txBox="1"/>
           <p:nvPr/>
         </p:nvSpPr>
@@ -18110,7 +18179,7 @@
       </p:sp>
       <p:sp>
         <p:nvSpPr>
-          <p:cNvPr id="239" name="[2]"/>
+          <p:cNvPr id="240" name="[2]"/>
           <p:cNvSpPr txBox="1"/>
           <p:nvPr/>
         </p:nvSpPr>
@@ -18154,14 +18223,14 @@
           <a:p>
             <a:pPr/>
             <a:r>
-              <a:t>[2]</a:t>
-            </a:r>
-          </a:p>
-        </p:txBody>
-      </p:sp>
-      <p:sp>
-        <p:nvSpPr>
-          <p:cNvPr id="240" name="name: p2p-network-topology…"/>
+              <a:t>[3]</a:t>
+            </a:r>
+          </a:p>
+        </p:txBody>
+      </p:sp>
+      <p:sp>
+        <p:nvSpPr>
+          <p:cNvPr id="241" name="name: p2p-network-topology…"/>
           <p:cNvSpPr txBox="1"/>
           <p:nvPr/>
         </p:nvSpPr>
@@ -18613,7 +18682,7 @@
       </p:sp>
       <p:sp>
         <p:nvSpPr>
-          <p:cNvPr id="241" name="Configuration of Containerlab File"/>
+          <p:cNvPr id="242" name="Configuration of Containerlab File"/>
           <p:cNvSpPr txBox="1"/>
           <p:nvPr/>
         </p:nvSpPr>
@@ -18667,7 +18736,7 @@
       </p:sp>
       <p:pic>
         <p:nvPicPr>
-          <p:cNvPr id="242" name="yaml-file-format-line-icon-free-vector.jpg" descr="yaml-file-format-line-icon-free-vector.jpg"/>
+          <p:cNvPr id="243" name="yaml-file-format-line-icon-free-vector.jpg" descr="yaml-file-format-line-icon-free-vector.jpg"/>
           <p:cNvPicPr>
             <a:picLocks noChangeAspect="1"/>
           </p:cNvPicPr>
@@ -18696,7 +18765,7 @@
       </p:pic>
       <p:sp>
         <p:nvSpPr>
-          <p:cNvPr id="243" name="Date Placeholder 3"/>
+          <p:cNvPr id="244" name="Date Placeholder 3"/>
           <p:cNvSpPr txBox="1"/>
           <p:nvPr/>
         </p:nvSpPr>
@@ -18740,7 +18809,7 @@
       </p:sp>
       <p:pic>
         <p:nvPicPr>
-          <p:cNvPr id="244" name="containerlabTestbed.png" descr="containerlabTestbed.png"/>
+          <p:cNvPr id="245" name="containerlabTestbed.png" descr="containerlabTestbed.png"/>
           <p:cNvPicPr>
             <a:picLocks noChangeAspect="1"/>
           </p:cNvPicPr>
@@ -18769,7 +18838,7 @@
       </p:pic>
       <p:pic>
         <p:nvPicPr>
-          <p:cNvPr id="245" name="Screenshot 2024-03-13 at 19.19.39.png" descr="Screenshot 2024-03-13 at 19.19.39.png"/>
+          <p:cNvPr id="246" name="Screenshot 2024-03-13 at 19.19.39.png" descr="Screenshot 2024-03-13 at 19.19.39.png"/>
           <p:cNvPicPr>
             <a:picLocks noChangeAspect="1"/>
           </p:cNvPicPr>
@@ -18824,7 +18893,7 @@
       </p:grpSpPr>
       <p:sp>
         <p:nvSpPr>
-          <p:cNvPr id="247" name="Rounded Rectangle"/>
+          <p:cNvPr id="248" name="Rounded Rectangle"/>
           <p:cNvSpPr/>
           <p:nvPr/>
         </p:nvSpPr>
@@ -18858,7 +18927,7 @@
       </p:sp>
       <p:sp>
         <p:nvSpPr>
-          <p:cNvPr id="248" name="Square"/>
+          <p:cNvPr id="249" name="Square"/>
           <p:cNvSpPr/>
           <p:nvPr/>
         </p:nvSpPr>
@@ -18890,7 +18959,7 @@
       </p:sp>
       <p:sp>
         <p:nvSpPr>
-          <p:cNvPr id="249" name="Circle"/>
+          <p:cNvPr id="250" name="Circle"/>
           <p:cNvSpPr/>
           <p:nvPr/>
         </p:nvSpPr>
@@ -18921,7 +18990,7 @@
       </p:sp>
       <p:sp>
         <p:nvSpPr>
-          <p:cNvPr id="250" name="Shape"/>
+          <p:cNvPr id="251" name="Shape"/>
           <p:cNvSpPr/>
           <p:nvPr/>
         </p:nvSpPr>
@@ -18986,7 +19055,7 @@
       </p:sp>
       <p:sp>
         <p:nvSpPr>
-          <p:cNvPr id="251" name="Java…"/>
+          <p:cNvPr id="252" name="Java…"/>
           <p:cNvSpPr txBox="1"/>
           <p:nvPr/>
         </p:nvSpPr>
@@ -19026,7 +19095,7 @@
       </p:sp>
       <p:sp>
         <p:nvSpPr>
-          <p:cNvPr id="252" name="Java…"/>
+          <p:cNvPr id="253" name="Java…"/>
           <p:cNvSpPr txBox="1"/>
           <p:nvPr/>
         </p:nvSpPr>
@@ -19066,7 +19135,7 @@
       </p:sp>
       <p:sp>
         <p:nvSpPr>
-          <p:cNvPr id="253" name="Java…"/>
+          <p:cNvPr id="254" name="Java…"/>
           <p:cNvSpPr txBox="1"/>
           <p:nvPr/>
         </p:nvSpPr>
@@ -19106,7 +19175,7 @@
       </p:sp>
       <p:sp>
         <p:nvSpPr>
-          <p:cNvPr id="254" name="Java…"/>
+          <p:cNvPr id="255" name="Java…"/>
           <p:cNvSpPr txBox="1"/>
           <p:nvPr/>
         </p:nvSpPr>
@@ -19146,7 +19215,7 @@
       </p:sp>
       <p:pic>
         <p:nvPicPr>
-          <p:cNvPr id="255" name="473791.png" descr="473791.png"/>
+          <p:cNvPr id="256" name="473791.png" descr="473791.png"/>
           <p:cNvPicPr>
             <a:picLocks noChangeAspect="1"/>
           </p:cNvPicPr>
@@ -19175,7 +19244,7 @@
       </p:pic>
       <p:pic>
         <p:nvPicPr>
-          <p:cNvPr id="256" name="yaml-file-format-line-icon-free-vector.jpg" descr="yaml-file-format-line-icon-free-vector.jpg"/>
+          <p:cNvPr id="257" name="yaml-file-format-line-icon-free-vector.jpg" descr="yaml-file-format-line-icon-free-vector.jpg"/>
           <p:cNvPicPr>
             <a:picLocks noChangeAspect="1"/>
           </p:cNvPicPr>
@@ -19204,7 +19273,7 @@
       </p:pic>
       <p:pic>
         <p:nvPicPr>
-          <p:cNvPr id="257" name="1654914-200.png" descr="1654914-200.png"/>
+          <p:cNvPr id="258" name="1654914-200.png" descr="1654914-200.png"/>
           <p:cNvPicPr>
             <a:picLocks noChangeAspect="1"/>
           </p:cNvPicPr>
@@ -19233,7 +19302,7 @@
       </p:pic>
       <p:sp>
         <p:nvSpPr>
-          <p:cNvPr id="258" name="Java…"/>
+          <p:cNvPr id="259" name="Java…"/>
           <p:cNvSpPr txBox="1"/>
           <p:nvPr/>
         </p:nvSpPr>
@@ -19273,7 +19342,7 @@
       </p:sp>
       <p:pic>
         <p:nvPicPr>
-          <p:cNvPr id="259" name="images.png" descr="images.png"/>
+          <p:cNvPr id="260" name="images.png" descr="images.png"/>
           <p:cNvPicPr>
             <a:picLocks noChangeAspect="1"/>
           </p:cNvPicPr>
@@ -19302,7 +19371,7 @@
       </p:pic>
       <p:sp>
         <p:nvSpPr>
-          <p:cNvPr id="260" name="Oval"/>
+          <p:cNvPr id="261" name="Oval"/>
           <p:cNvSpPr/>
           <p:nvPr/>
         </p:nvSpPr>
@@ -19333,7 +19402,7 @@
       </p:sp>
       <p:sp>
         <p:nvSpPr>
-          <p:cNvPr id="261" name="1"/>
+          <p:cNvPr id="262" name="1"/>
           <p:cNvSpPr txBox="1"/>
           <p:nvPr/>
         </p:nvSpPr>
@@ -19371,7 +19440,7 @@
       </p:sp>
       <p:sp>
         <p:nvSpPr>
-          <p:cNvPr id="262" name="Oval"/>
+          <p:cNvPr id="263" name="Oval"/>
           <p:cNvSpPr/>
           <p:nvPr/>
         </p:nvSpPr>
@@ -19402,7 +19471,7 @@
       </p:sp>
       <p:sp>
         <p:nvSpPr>
-          <p:cNvPr id="263" name="4"/>
+          <p:cNvPr id="264" name="4"/>
           <p:cNvSpPr txBox="1"/>
           <p:nvPr/>
         </p:nvSpPr>
@@ -19440,7 +19509,7 @@
       </p:sp>
       <p:sp>
         <p:nvSpPr>
-          <p:cNvPr id="264" name="Oval"/>
+          <p:cNvPr id="265" name="Oval"/>
           <p:cNvSpPr/>
           <p:nvPr/>
         </p:nvSpPr>
@@ -19471,7 +19540,7 @@
       </p:sp>
       <p:sp>
         <p:nvSpPr>
-          <p:cNvPr id="265" name="5"/>
+          <p:cNvPr id="266" name="5"/>
           <p:cNvSpPr txBox="1"/>
           <p:nvPr/>
         </p:nvSpPr>
@@ -19511,7 +19580,7 @@
       </p:sp>
       <p:pic>
         <p:nvPicPr>
-          <p:cNvPr id="266" name="1351844-200.png" descr="1351844-200.png"/>
+          <p:cNvPr id="267" name="1351844-200.png" descr="1351844-200.png"/>
           <p:cNvPicPr>
             <a:picLocks noChangeAspect="1"/>
           </p:cNvPicPr>
@@ -19540,7 +19609,7 @@
       </p:pic>
       <p:sp>
         <p:nvSpPr>
-          <p:cNvPr id="267" name="Oval"/>
+          <p:cNvPr id="268" name="Oval"/>
           <p:cNvSpPr/>
           <p:nvPr/>
         </p:nvSpPr>
@@ -19571,7 +19640,7 @@
       </p:sp>
       <p:sp>
         <p:nvSpPr>
-          <p:cNvPr id="268" name="3"/>
+          <p:cNvPr id="269" name="3"/>
           <p:cNvSpPr txBox="1"/>
           <p:nvPr/>
         </p:nvSpPr>
@@ -19609,7 +19678,7 @@
       </p:sp>
       <p:pic>
         <p:nvPicPr>
-          <p:cNvPr id="269" name="239207.png" descr="239207.png"/>
+          <p:cNvPr id="270" name="239207.png" descr="239207.png"/>
           <p:cNvPicPr>
             <a:picLocks noChangeAspect="1"/>
           </p:cNvPicPr>
@@ -19638,7 +19707,7 @@
       </p:pic>
       <p:pic>
         <p:nvPicPr>
-          <p:cNvPr id="270" name="Unknown.png" descr="Unknown.png"/>
+          <p:cNvPr id="271" name="Unknown.png" descr="Unknown.png"/>
           <p:cNvPicPr>
             <a:picLocks noChangeAspect="1"/>
           </p:cNvPicPr>
@@ -19667,7 +19736,7 @@
       </p:pic>
       <p:sp>
         <p:nvSpPr>
-          <p:cNvPr id="271" name="Rounded Rectangle"/>
+          <p:cNvPr id="272" name="Rounded Rectangle"/>
           <p:cNvSpPr/>
           <p:nvPr/>
         </p:nvSpPr>
@@ -19700,7 +19769,7 @@
       </p:sp>
       <p:pic>
         <p:nvPicPr>
-          <p:cNvPr id="272" name="logo.png" descr="logo.png"/>
+          <p:cNvPr id="273" name="logo.png" descr="logo.png"/>
           <p:cNvPicPr>
             <a:picLocks noChangeAspect="1"/>
           </p:cNvPicPr>
@@ -19729,7 +19798,7 @@
       </p:pic>
       <p:pic>
         <p:nvPicPr>
-          <p:cNvPr id="273" name="Unknown.png" descr="Unknown.png"/>
+          <p:cNvPr id="274" name="Unknown.png" descr="Unknown.png"/>
           <p:cNvPicPr>
             <a:picLocks noChangeAspect="1"/>
           </p:cNvPicPr>
@@ -19758,7 +19827,7 @@
       </p:pic>
       <p:sp>
         <p:nvSpPr>
-          <p:cNvPr id="274" name="Square"/>
+          <p:cNvPr id="275" name="Square"/>
           <p:cNvSpPr/>
           <p:nvPr/>
         </p:nvSpPr>
@@ -19790,7 +19859,7 @@
       </p:sp>
       <p:sp>
         <p:nvSpPr>
-          <p:cNvPr id="275" name="Rounded Rectangle"/>
+          <p:cNvPr id="276" name="Rounded Rectangle"/>
           <p:cNvSpPr/>
           <p:nvPr/>
         </p:nvSpPr>
@@ -19824,7 +19893,7 @@
       </p:sp>
       <p:sp>
         <p:nvSpPr>
-          <p:cNvPr id="276" name="Square"/>
+          <p:cNvPr id="277" name="Square"/>
           <p:cNvSpPr/>
           <p:nvPr/>
         </p:nvSpPr>
@@ -19856,7 +19925,7 @@
       </p:sp>
       <p:sp>
         <p:nvSpPr>
-          <p:cNvPr id="277" name="Circle"/>
+          <p:cNvPr id="278" name="Circle"/>
           <p:cNvSpPr/>
           <p:nvPr/>
         </p:nvSpPr>
@@ -19887,7 +19956,7 @@
       </p:sp>
       <p:sp>
         <p:nvSpPr>
-          <p:cNvPr id="278" name="Circle"/>
+          <p:cNvPr id="279" name="Circle"/>
           <p:cNvSpPr/>
           <p:nvPr/>
         </p:nvSpPr>
@@ -19918,7 +19987,7 @@
       </p:sp>
       <p:sp>
         <p:nvSpPr>
-          <p:cNvPr id="279" name="Circle"/>
+          <p:cNvPr id="280" name="Circle"/>
           <p:cNvSpPr/>
           <p:nvPr/>
         </p:nvSpPr>
@@ -19949,7 +20018,7 @@
       </p:sp>
       <p:sp>
         <p:nvSpPr>
-          <p:cNvPr id="280" name="Circle"/>
+          <p:cNvPr id="281" name="Circle"/>
           <p:cNvSpPr/>
           <p:nvPr/>
         </p:nvSpPr>
@@ -19980,7 +20049,7 @@
       </p:sp>
       <p:sp>
         <p:nvSpPr>
-          <p:cNvPr id="281" name="Circle"/>
+          <p:cNvPr id="282" name="Circle"/>
           <p:cNvSpPr/>
           <p:nvPr/>
         </p:nvSpPr>
@@ -20011,7 +20080,7 @@
       </p:sp>
       <p:sp>
         <p:nvSpPr>
-          <p:cNvPr id="282" name="Circle"/>
+          <p:cNvPr id="283" name="Circle"/>
           <p:cNvSpPr/>
           <p:nvPr/>
         </p:nvSpPr>
@@ -20042,7 +20111,7 @@
       </p:sp>
       <p:sp>
         <p:nvSpPr>
-          <p:cNvPr id="283" name="Circle"/>
+          <p:cNvPr id="284" name="Circle"/>
           <p:cNvSpPr/>
           <p:nvPr/>
         </p:nvSpPr>
@@ -20073,7 +20142,7 @@
       </p:sp>
       <p:sp>
         <p:nvSpPr>
-          <p:cNvPr id="284" name="Circle"/>
+          <p:cNvPr id="285" name="Circle"/>
           <p:cNvSpPr/>
           <p:nvPr/>
         </p:nvSpPr>
@@ -20104,7 +20173,7 @@
       </p:sp>
       <p:sp>
         <p:nvSpPr>
-          <p:cNvPr id="285" name="Shape"/>
+          <p:cNvPr id="286" name="Shape"/>
           <p:cNvSpPr/>
           <p:nvPr/>
         </p:nvSpPr>
@@ -20169,10 +20238,10 @@
       </p:sp>
       <p:cxnSp>
         <p:nvCxnSpPr>
-          <p:cNvPr id="286" name="Connection Line"/>
+          <p:cNvPr id="287" name="Connection Line"/>
           <p:cNvCxnSpPr>
-            <a:stCxn id="275" idx="0"/>
-            <a:endCxn id="281" idx="0"/>
+            <a:stCxn id="276" idx="0"/>
+            <a:endCxn id="282" idx="0"/>
           </p:cNvCxnSpPr>
           <p:nvPr/>
         </p:nvCxnSpPr>
@@ -20180,30 +20249,6 @@
           <a:xfrm>
             <a:off x="6379625" y="3351819"/>
             <a:ext cx="288956" cy="611940"/>
-          </a:xfrm>
-          <a:prstGeom prst="straightConnector1">
-            <a:avLst/>
-          </a:prstGeom>
-          <a:ln w="12700">
-            <a:solidFill>
-              <a:schemeClr val="accent1"/>
-            </a:solidFill>
-          </a:ln>
-        </p:spPr>
-      </p:cxnSp>
-      <p:cxnSp>
-        <p:nvCxnSpPr>
-          <p:cNvPr id="287" name="Connection Line"/>
-          <p:cNvCxnSpPr>
-            <a:stCxn id="275" idx="0"/>
-            <a:endCxn id="282" idx="0"/>
-          </p:cNvCxnSpPr>
-          <p:nvPr/>
-        </p:nvCxnSpPr>
-        <p:spPr>
-          <a:xfrm>
-            <a:off x="6379625" y="3351819"/>
-            <a:ext cx="1296237" cy="609308"/>
           </a:xfrm>
           <a:prstGeom prst="straightConnector1">
             <a:avLst/>
@@ -20219,15 +20264,15 @@
         <p:nvCxnSpPr>
           <p:cNvPr id="288" name="Connection Line"/>
           <p:cNvCxnSpPr>
-            <a:stCxn id="283" idx="0"/>
-            <a:endCxn id="275" idx="0"/>
+            <a:stCxn id="276" idx="0"/>
+            <a:endCxn id="283" idx="0"/>
           </p:cNvCxnSpPr>
           <p:nvPr/>
         </p:nvCxnSpPr>
         <p:spPr>
-          <a:xfrm flipH="1" flipV="1">
+          <a:xfrm>
             <a:off x="6379625" y="3351819"/>
-            <a:ext cx="806804" cy="609308"/>
+            <a:ext cx="1296237" cy="609308"/>
           </a:xfrm>
           <a:prstGeom prst="straightConnector1">
             <a:avLst/>
@@ -20243,15 +20288,15 @@
         <p:nvCxnSpPr>
           <p:cNvPr id="289" name="Connection Line"/>
           <p:cNvCxnSpPr>
-            <a:stCxn id="275" idx="0"/>
-            <a:endCxn id="284" idx="0"/>
+            <a:stCxn id="284" idx="0"/>
+            <a:endCxn id="276" idx="0"/>
           </p:cNvCxnSpPr>
           <p:nvPr/>
         </p:nvCxnSpPr>
         <p:spPr>
-          <a:xfrm>
+          <a:xfrm flipH="1" flipV="1">
             <a:off x="6379625" y="3351819"/>
-            <a:ext cx="1830105" cy="611156"/>
+            <a:ext cx="806804" cy="609308"/>
           </a:xfrm>
           <a:prstGeom prst="straightConnector1">
             <a:avLst/>
@@ -20267,15 +20312,15 @@
         <p:nvCxnSpPr>
           <p:cNvPr id="290" name="Connection Line"/>
           <p:cNvCxnSpPr>
-            <a:stCxn id="275" idx="0"/>
-            <a:endCxn id="276" idx="0"/>
+            <a:stCxn id="276" idx="0"/>
+            <a:endCxn id="285" idx="0"/>
           </p:cNvCxnSpPr>
           <p:nvPr/>
         </p:nvCxnSpPr>
         <p:spPr>
-          <a:xfrm flipH="1">
-            <a:off x="4741905" y="3351819"/>
-            <a:ext cx="1637721" cy="611940"/>
+          <a:xfrm>
+            <a:off x="6379625" y="3351819"/>
+            <a:ext cx="1830105" cy="611156"/>
           </a:xfrm>
           <a:prstGeom prst="straightConnector1">
             <a:avLst/>
@@ -20291,15 +20336,15 @@
         <p:nvCxnSpPr>
           <p:cNvPr id="291" name="Connection Line"/>
           <p:cNvCxnSpPr>
-            <a:stCxn id="275" idx="0"/>
-            <a:endCxn id="274" idx="0"/>
+            <a:stCxn id="276" idx="0"/>
+            <a:endCxn id="277" idx="0"/>
           </p:cNvCxnSpPr>
           <p:nvPr/>
         </p:nvCxnSpPr>
         <p:spPr>
           <a:xfrm flipH="1">
-            <a:off x="5941909" y="3351819"/>
-            <a:ext cx="437717" cy="611940"/>
+            <a:off x="4741905" y="3351819"/>
+            <a:ext cx="1637721" cy="611940"/>
           </a:xfrm>
           <a:prstGeom prst="straightConnector1">
             <a:avLst/>
@@ -20315,15 +20360,15 @@
         <p:nvCxnSpPr>
           <p:cNvPr id="292" name="Connection Line"/>
           <p:cNvCxnSpPr>
-            <a:stCxn id="280" idx="0"/>
-            <a:endCxn id="274" idx="0"/>
+            <a:stCxn id="276" idx="0"/>
+            <a:endCxn id="275" idx="0"/>
           </p:cNvCxnSpPr>
           <p:nvPr/>
         </p:nvCxnSpPr>
         <p:spPr>
-          <a:xfrm flipV="1">
-            <a:off x="5620372" y="3963758"/>
-            <a:ext cx="321538" cy="693404"/>
+          <a:xfrm flipH="1">
+            <a:off x="5941909" y="3351819"/>
+            <a:ext cx="437717" cy="611940"/>
           </a:xfrm>
           <a:prstGeom prst="straightConnector1">
             <a:avLst/>
@@ -20339,15 +20384,15 @@
         <p:nvCxnSpPr>
           <p:cNvPr id="293" name="Connection Line"/>
           <p:cNvCxnSpPr>
-            <a:stCxn id="279" idx="0"/>
-            <a:endCxn id="276" idx="0"/>
+            <a:stCxn id="281" idx="0"/>
+            <a:endCxn id="275" idx="0"/>
           </p:cNvCxnSpPr>
           <p:nvPr/>
         </p:nvCxnSpPr>
         <p:spPr>
           <a:xfrm flipV="1">
-            <a:off x="3850477" y="3963758"/>
-            <a:ext cx="891429" cy="680941"/>
+            <a:off x="5620372" y="3963758"/>
+            <a:ext cx="321538" cy="693404"/>
           </a:xfrm>
           <a:prstGeom prst="straightConnector1">
             <a:avLst/>
@@ -20363,15 +20408,15 @@
         <p:nvCxnSpPr>
           <p:cNvPr id="294" name="Connection Line"/>
           <p:cNvCxnSpPr>
-            <a:stCxn id="278" idx="0"/>
-            <a:endCxn id="276" idx="0"/>
+            <a:stCxn id="280" idx="0"/>
+            <a:endCxn id="277" idx="0"/>
           </p:cNvCxnSpPr>
           <p:nvPr/>
         </p:nvCxnSpPr>
         <p:spPr>
           <a:xfrm flipV="1">
-            <a:off x="4293146" y="3963758"/>
-            <a:ext cx="448760" cy="695706"/>
+            <a:off x="3850477" y="3963758"/>
+            <a:ext cx="891429" cy="680941"/>
           </a:xfrm>
           <a:prstGeom prst="straightConnector1">
             <a:avLst/>
@@ -20387,15 +20432,15 @@
         <p:nvCxnSpPr>
           <p:cNvPr id="295" name="Connection Line"/>
           <p:cNvCxnSpPr>
-            <a:stCxn id="277" idx="0"/>
-            <a:endCxn id="276" idx="0"/>
+            <a:stCxn id="279" idx="0"/>
+            <a:endCxn id="277" idx="0"/>
           </p:cNvCxnSpPr>
           <p:nvPr/>
         </p:nvCxnSpPr>
         <p:spPr>
           <a:xfrm flipV="1">
-            <a:off x="4735816" y="3963758"/>
-            <a:ext cx="6090" cy="680941"/>
+            <a:off x="4293146" y="3963758"/>
+            <a:ext cx="448760" cy="695706"/>
           </a:xfrm>
           <a:prstGeom prst="straightConnector1">
             <a:avLst/>
@@ -20411,15 +20456,15 @@
         <p:nvCxnSpPr>
           <p:cNvPr id="296" name="Connection Line"/>
           <p:cNvCxnSpPr>
-            <a:stCxn id="285" idx="0"/>
-            <a:endCxn id="284" idx="0"/>
+            <a:stCxn id="278" idx="0"/>
+            <a:endCxn id="277" idx="0"/>
           </p:cNvCxnSpPr>
           <p:nvPr/>
         </p:nvCxnSpPr>
         <p:spPr>
           <a:xfrm flipV="1">
-            <a:off x="5839535" y="3962974"/>
-            <a:ext cx="2370195" cy="1559876"/>
+            <a:off x="4735816" y="3963758"/>
+            <a:ext cx="6090" cy="680941"/>
           </a:xfrm>
           <a:prstGeom prst="straightConnector1">
             <a:avLst/>
@@ -20435,15 +20480,15 @@
         <p:nvCxnSpPr>
           <p:cNvPr id="297" name="Connection Line"/>
           <p:cNvCxnSpPr>
-            <a:stCxn id="283" idx="0"/>
+            <a:stCxn id="286" idx="0"/>
             <a:endCxn id="285" idx="0"/>
           </p:cNvCxnSpPr>
           <p:nvPr/>
         </p:nvCxnSpPr>
         <p:spPr>
-          <a:xfrm flipH="1">
-            <a:off x="5839535" y="3961126"/>
-            <a:ext cx="1346894" cy="1561724"/>
+          <a:xfrm flipV="1">
+            <a:off x="5839535" y="3962974"/>
+            <a:ext cx="2370195" cy="1559876"/>
           </a:xfrm>
           <a:prstGeom prst="straightConnector1">
             <a:avLst/>
@@ -20459,15 +20504,15 @@
         <p:nvCxnSpPr>
           <p:cNvPr id="298" name="Connection Line"/>
           <p:cNvCxnSpPr>
-            <a:stCxn id="285" idx="0"/>
-            <a:endCxn id="282" idx="0"/>
+            <a:stCxn id="284" idx="0"/>
+            <a:endCxn id="286" idx="0"/>
           </p:cNvCxnSpPr>
           <p:nvPr/>
         </p:nvCxnSpPr>
         <p:spPr>
-          <a:xfrm flipV="1">
+          <a:xfrm flipH="1">
             <a:off x="5839535" y="3961126"/>
-            <a:ext cx="1836327" cy="1561724"/>
+            <a:ext cx="1346894" cy="1561724"/>
           </a:xfrm>
           <a:prstGeom prst="straightConnector1">
             <a:avLst/>
@@ -20483,15 +20528,15 @@
         <p:nvCxnSpPr>
           <p:cNvPr id="299" name="Connection Line"/>
           <p:cNvCxnSpPr>
-            <a:stCxn id="285" idx="0"/>
-            <a:endCxn id="281" idx="0"/>
+            <a:stCxn id="286" idx="0"/>
+            <a:endCxn id="283" idx="0"/>
           </p:cNvCxnSpPr>
           <p:nvPr/>
         </p:nvCxnSpPr>
         <p:spPr>
           <a:xfrm flipV="1">
-            <a:off x="5839535" y="3963758"/>
-            <a:ext cx="829046" cy="1559092"/>
+            <a:off x="5839535" y="3961126"/>
+            <a:ext cx="1836327" cy="1561724"/>
           </a:xfrm>
           <a:prstGeom prst="straightConnector1">
             <a:avLst/>
@@ -20507,15 +20552,15 @@
         <p:nvCxnSpPr>
           <p:cNvPr id="300" name="Connection Line"/>
           <p:cNvCxnSpPr>
-            <a:stCxn id="285" idx="0"/>
-            <a:endCxn id="275" idx="0"/>
+            <a:stCxn id="286" idx="0"/>
+            <a:endCxn id="282" idx="0"/>
           </p:cNvCxnSpPr>
           <p:nvPr/>
         </p:nvCxnSpPr>
         <p:spPr>
           <a:xfrm flipV="1">
-            <a:off x="5839535" y="3351819"/>
-            <a:ext cx="540091" cy="2171031"/>
+            <a:off x="5839535" y="3963758"/>
+            <a:ext cx="829046" cy="1559092"/>
           </a:xfrm>
           <a:prstGeom prst="straightConnector1">
             <a:avLst/>
@@ -20531,15 +20576,15 @@
         <p:nvCxnSpPr>
           <p:cNvPr id="301" name="Connection Line"/>
           <p:cNvCxnSpPr>
-            <a:stCxn id="277" idx="0"/>
-            <a:endCxn id="285" idx="0"/>
+            <a:stCxn id="286" idx="0"/>
+            <a:endCxn id="276" idx="0"/>
           </p:cNvCxnSpPr>
           <p:nvPr/>
         </p:nvCxnSpPr>
         <p:spPr>
-          <a:xfrm>
-            <a:off x="4735816" y="4644698"/>
-            <a:ext cx="1103720" cy="878152"/>
+          <a:xfrm flipV="1">
+            <a:off x="5839535" y="3351819"/>
+            <a:ext cx="540091" cy="2171031"/>
           </a:xfrm>
           <a:prstGeom prst="straightConnector1">
             <a:avLst/>
@@ -20555,15 +20600,15 @@
         <p:nvCxnSpPr>
           <p:cNvPr id="302" name="Connection Line"/>
           <p:cNvCxnSpPr>
-            <a:stCxn id="285" idx="0"/>
-            <a:endCxn id="278" idx="0"/>
+            <a:stCxn id="278" idx="0"/>
+            <a:endCxn id="286" idx="0"/>
           </p:cNvCxnSpPr>
           <p:nvPr/>
         </p:nvCxnSpPr>
         <p:spPr>
-          <a:xfrm flipH="1" flipV="1">
-            <a:off x="4293146" y="4659463"/>
-            <a:ext cx="1546390" cy="863387"/>
+          <a:xfrm>
+            <a:off x="4735816" y="4644698"/>
+            <a:ext cx="1103720" cy="878152"/>
           </a:xfrm>
           <a:prstGeom prst="straightConnector1">
             <a:avLst/>
@@ -20579,15 +20624,15 @@
         <p:nvCxnSpPr>
           <p:cNvPr id="303" name="Connection Line"/>
           <p:cNvCxnSpPr>
-            <a:stCxn id="279" idx="0"/>
-            <a:endCxn id="285" idx="0"/>
+            <a:stCxn id="286" idx="0"/>
+            <a:endCxn id="279" idx="0"/>
           </p:cNvCxnSpPr>
           <p:nvPr/>
         </p:nvCxnSpPr>
         <p:spPr>
-          <a:xfrm>
-            <a:off x="3850477" y="4644698"/>
-            <a:ext cx="1989059" cy="878152"/>
+          <a:xfrm flipH="1" flipV="1">
+            <a:off x="4293146" y="4659463"/>
+            <a:ext cx="1546390" cy="863387"/>
           </a:xfrm>
           <a:prstGeom prst="straightConnector1">
             <a:avLst/>
@@ -20603,15 +20648,15 @@
         <p:nvCxnSpPr>
           <p:cNvPr id="304" name="Connection Line"/>
           <p:cNvCxnSpPr>
-            <a:stCxn id="285" idx="0"/>
-            <a:endCxn id="280" idx="0"/>
+            <a:stCxn id="280" idx="0"/>
+            <a:endCxn id="286" idx="0"/>
           </p:cNvCxnSpPr>
           <p:nvPr/>
         </p:nvCxnSpPr>
         <p:spPr>
-          <a:xfrm flipH="1" flipV="1">
-            <a:off x="5620372" y="4657161"/>
-            <a:ext cx="219164" cy="865689"/>
+          <a:xfrm>
+            <a:off x="3850477" y="4644698"/>
+            <a:ext cx="1989059" cy="878152"/>
           </a:xfrm>
           <a:prstGeom prst="straightConnector1">
             <a:avLst/>
@@ -20627,15 +20672,15 @@
         <p:nvCxnSpPr>
           <p:cNvPr id="305" name="Connection Line"/>
           <p:cNvCxnSpPr>
-            <a:stCxn id="276" idx="0"/>
-            <a:endCxn id="285" idx="0"/>
+            <a:stCxn id="286" idx="0"/>
+            <a:endCxn id="281" idx="0"/>
           </p:cNvCxnSpPr>
           <p:nvPr/>
         </p:nvCxnSpPr>
         <p:spPr>
-          <a:xfrm>
-            <a:off x="4741905" y="3963758"/>
-            <a:ext cx="1097631" cy="1559092"/>
+          <a:xfrm flipH="1" flipV="1">
+            <a:off x="5620372" y="4657161"/>
+            <a:ext cx="219164" cy="865689"/>
           </a:xfrm>
           <a:prstGeom prst="straightConnector1">
             <a:avLst/>
@@ -20651,8 +20696,32 @@
         <p:nvCxnSpPr>
           <p:cNvPr id="306" name="Connection Line"/>
           <p:cNvCxnSpPr>
-            <a:stCxn id="274" idx="0"/>
-            <a:endCxn id="285" idx="0"/>
+            <a:stCxn id="277" idx="0"/>
+            <a:endCxn id="286" idx="0"/>
+          </p:cNvCxnSpPr>
+          <p:nvPr/>
+        </p:nvCxnSpPr>
+        <p:spPr>
+          <a:xfrm>
+            <a:off x="4741905" y="3963758"/>
+            <a:ext cx="1097631" cy="1559092"/>
+          </a:xfrm>
+          <a:prstGeom prst="straightConnector1">
+            <a:avLst/>
+          </a:prstGeom>
+          <a:ln w="12700">
+            <a:solidFill>
+              <a:schemeClr val="accent1"/>
+            </a:solidFill>
+          </a:ln>
+        </p:spPr>
+      </p:cxnSp>
+      <p:cxnSp>
+        <p:nvCxnSpPr>
+          <p:cNvPr id="307" name="Connection Line"/>
+          <p:cNvCxnSpPr>
+            <a:stCxn id="275" idx="0"/>
+            <a:endCxn id="286" idx="0"/>
           </p:cNvCxnSpPr>
           <p:nvPr/>
         </p:nvCxnSpPr>
@@ -20673,7 +20742,7 @@
       </p:cxnSp>
       <p:pic>
         <p:nvPicPr>
-          <p:cNvPr id="307" name="3621249.png" descr="3621249.png"/>
+          <p:cNvPr id="308" name="3621249.png" descr="3621249.png"/>
           <p:cNvPicPr>
             <a:picLocks noChangeAspect="1"/>
           </p:cNvPicPr>
@@ -20702,7 +20771,7 @@
       </p:pic>
       <p:sp>
         <p:nvSpPr>
-          <p:cNvPr id="308" name="Oval"/>
+          <p:cNvPr id="309" name="Oval"/>
           <p:cNvSpPr/>
           <p:nvPr/>
         </p:nvSpPr>
@@ -20733,7 +20802,7 @@
       </p:sp>
       <p:sp>
         <p:nvSpPr>
-          <p:cNvPr id="309" name="6"/>
+          <p:cNvPr id="310" name="6"/>
           <p:cNvSpPr txBox="1"/>
           <p:nvPr/>
         </p:nvSpPr>
@@ -20771,7 +20840,7 @@
       </p:sp>
       <p:sp>
         <p:nvSpPr>
-          <p:cNvPr id="310" name="Line"/>
+          <p:cNvPr id="311" name="Line"/>
           <p:cNvSpPr/>
           <p:nvPr/>
         </p:nvSpPr>
@@ -20804,7 +20873,7 @@
       </p:sp>
       <p:pic>
         <p:nvPicPr>
-          <p:cNvPr id="311" name="102642.png" descr="102642.png"/>
+          <p:cNvPr id="312" name="102642.png" descr="102642.png"/>
           <p:cNvPicPr>
             <a:picLocks noChangeAspect="1"/>
           </p:cNvPicPr>
@@ -20833,7 +20902,7 @@
       </p:pic>
       <p:pic>
         <p:nvPicPr>
-          <p:cNvPr id="312" name="239207.png" descr="239207.png"/>
+          <p:cNvPr id="313" name="239207.png" descr="239207.png"/>
           <p:cNvPicPr>
             <a:picLocks noChangeAspect="1"/>
           </p:cNvPicPr>
@@ -20862,7 +20931,7 @@
       </p:pic>
       <p:sp>
         <p:nvSpPr>
-          <p:cNvPr id="313" name="Oval"/>
+          <p:cNvPr id="314" name="Oval"/>
           <p:cNvSpPr/>
           <p:nvPr/>
         </p:nvSpPr>
@@ -20893,7 +20962,7 @@
       </p:sp>
       <p:sp>
         <p:nvSpPr>
-          <p:cNvPr id="314" name="2"/>
+          <p:cNvPr id="315" name="2"/>
           <p:cNvSpPr txBox="1"/>
           <p:nvPr/>
         </p:nvSpPr>
@@ -20931,7 +21000,7 @@
       </p:sp>
       <p:pic>
         <p:nvPicPr>
-          <p:cNvPr id="315" name="Screenshot 2024-01-21 at 16.09.34.png" descr="Screenshot 2024-01-21 at 16.09.34.png"/>
+          <p:cNvPr id="316" name="Screenshot 2024-01-21 at 16.09.34.png" descr="Screenshot 2024-01-21 at 16.09.34.png"/>
           <p:cNvPicPr>
             <a:picLocks noChangeAspect="1"/>
           </p:cNvPicPr>
@@ -20960,7 +21029,7 @@
       </p:pic>
       <p:sp>
         <p:nvSpPr>
-          <p:cNvPr id="316" name="Line"/>
+          <p:cNvPr id="317" name="Line"/>
           <p:cNvSpPr/>
           <p:nvPr/>
         </p:nvSpPr>
@@ -20989,7 +21058,7 @@
       </p:sp>
       <p:sp>
         <p:nvSpPr>
-          <p:cNvPr id="317" name="Java…"/>
+          <p:cNvPr id="318" name="Java…"/>
           <p:cNvSpPr txBox="1"/>
           <p:nvPr/>
         </p:nvSpPr>
@@ -21029,7 +21098,7 @@
       </p:sp>
       <p:sp>
         <p:nvSpPr>
-          <p:cNvPr id="318" name="Line"/>
+          <p:cNvPr id="319" name="Line"/>
           <p:cNvSpPr/>
           <p:nvPr/>
         </p:nvSpPr>
@@ -21062,7 +21131,7 @@
       </p:sp>
       <p:sp>
         <p:nvSpPr>
-          <p:cNvPr id="319" name="Java…"/>
+          <p:cNvPr id="320" name="Java…"/>
           <p:cNvSpPr txBox="1"/>
           <p:nvPr/>
         </p:nvSpPr>
@@ -21102,7 +21171,7 @@
       </p:sp>
       <p:sp>
         <p:nvSpPr>
-          <p:cNvPr id="320" name="Line"/>
+          <p:cNvPr id="321" name="Line"/>
           <p:cNvSpPr/>
           <p:nvPr/>
         </p:nvSpPr>
@@ -21135,7 +21204,7 @@
       </p:sp>
       <p:sp>
         <p:nvSpPr>
-          <p:cNvPr id="321" name="Line"/>
+          <p:cNvPr id="322" name="Line"/>
           <p:cNvSpPr/>
           <p:nvPr/>
         </p:nvSpPr>
@@ -21168,7 +21237,7 @@
       </p:sp>
       <p:pic>
         <p:nvPicPr>
-          <p:cNvPr id="322" name="Data_Cleaning-512.png" descr="Data_Cleaning-512.png"/>
+          <p:cNvPr id="323" name="Data_Cleaning-512.png" descr="Data_Cleaning-512.png"/>
           <p:cNvPicPr>
             <a:picLocks noChangeAspect="1"/>
           </p:cNvPicPr>
@@ -21198,7 +21267,7 @@
       </p:pic>
       <p:sp>
         <p:nvSpPr>
-          <p:cNvPr id="323" name="Line"/>
+          <p:cNvPr id="324" name="Line"/>
           <p:cNvSpPr/>
           <p:nvPr/>
         </p:nvSpPr>
@@ -21231,7 +21300,7 @@
       </p:sp>
       <p:sp>
         <p:nvSpPr>
-          <p:cNvPr id="324" name="Oval"/>
+          <p:cNvPr id="325" name="Oval"/>
           <p:cNvSpPr/>
           <p:nvPr/>
         </p:nvSpPr>
@@ -21262,7 +21331,7 @@
       </p:sp>
       <p:sp>
         <p:nvSpPr>
-          <p:cNvPr id="325" name="7"/>
+          <p:cNvPr id="326" name="7"/>
           <p:cNvSpPr txBox="1"/>
           <p:nvPr/>
         </p:nvSpPr>
@@ -21300,7 +21369,7 @@
       </p:sp>
       <p:sp>
         <p:nvSpPr>
-          <p:cNvPr id="326" name="Line"/>
+          <p:cNvPr id="327" name="Line"/>
           <p:cNvSpPr/>
           <p:nvPr/>
         </p:nvSpPr>
@@ -21329,7 +21398,7 @@
       </p:sp>
       <p:sp>
         <p:nvSpPr>
-          <p:cNvPr id="327" name="Java…"/>
+          <p:cNvPr id="328" name="Java…"/>
           <p:cNvSpPr txBox="1"/>
           <p:nvPr/>
         </p:nvSpPr>
@@ -21372,7 +21441,7 @@
       </p:sp>
       <p:sp>
         <p:nvSpPr>
-          <p:cNvPr id="328" name="Line"/>
+          <p:cNvPr id="329" name="Line"/>
           <p:cNvSpPr/>
           <p:nvPr/>
         </p:nvSpPr>
@@ -21405,7 +21474,7 @@
       </p:sp>
       <p:sp>
         <p:nvSpPr>
-          <p:cNvPr id="329" name="Line"/>
+          <p:cNvPr id="330" name="Line"/>
           <p:cNvSpPr/>
           <p:nvPr/>
         </p:nvSpPr>
@@ -21438,7 +21507,7 @@
       </p:sp>
       <p:sp>
         <p:nvSpPr>
-          <p:cNvPr id="330" name="Oval"/>
+          <p:cNvPr id="331" name="Oval"/>
           <p:cNvSpPr/>
           <p:nvPr/>
         </p:nvSpPr>
@@ -21469,7 +21538,7 @@
       </p:sp>
       <p:sp>
         <p:nvSpPr>
-          <p:cNvPr id="331" name="1"/>
+          <p:cNvPr id="332" name="1"/>
           <p:cNvSpPr txBox="1"/>
           <p:nvPr/>
         </p:nvSpPr>
@@ -21507,7 +21576,7 @@
       </p:sp>
       <p:sp>
         <p:nvSpPr>
-          <p:cNvPr id="332" name="Java…"/>
+          <p:cNvPr id="333" name="Java…"/>
           <p:cNvSpPr txBox="1"/>
           <p:nvPr/>
         </p:nvSpPr>
@@ -21547,7 +21616,7 @@
       </p:sp>
       <p:sp>
         <p:nvSpPr>
-          <p:cNvPr id="333" name="Java…"/>
+          <p:cNvPr id="334" name="Java…"/>
           <p:cNvSpPr txBox="1"/>
           <p:nvPr/>
         </p:nvSpPr>
@@ -21587,7 +21656,7 @@
       </p:sp>
       <p:sp>
         <p:nvSpPr>
-          <p:cNvPr id="334" name="Java…"/>
+          <p:cNvPr id="335" name="Java…"/>
           <p:cNvSpPr txBox="1"/>
           <p:nvPr/>
         </p:nvSpPr>
@@ -21627,7 +21696,7 @@
       </p:sp>
       <p:sp>
         <p:nvSpPr>
-          <p:cNvPr id="335" name="Java…"/>
+          <p:cNvPr id="336" name="Java…"/>
           <p:cNvSpPr txBox="1"/>
           <p:nvPr/>
         </p:nvSpPr>
@@ -21667,7 +21736,7 @@
       </p:sp>
       <p:sp>
         <p:nvSpPr>
-          <p:cNvPr id="336" name="Java…"/>
+          <p:cNvPr id="337" name="Java…"/>
           <p:cNvSpPr txBox="1"/>
           <p:nvPr/>
         </p:nvSpPr>
@@ -21707,7 +21776,7 @@
       </p:sp>
       <p:sp>
         <p:nvSpPr>
-          <p:cNvPr id="337" name="Execution Steps (Repeated) of the Testbed"/>
+          <p:cNvPr id="338" name="Execution Steps (Repeated) of the Testbed"/>
           <p:cNvSpPr txBox="1"/>
           <p:nvPr>
             <p:ph type="title"/>
@@ -21735,7 +21804,7 @@
       </p:sp>
       <p:pic>
         <p:nvPicPr>
-          <p:cNvPr id="338" name="Unknown.png" descr="Unknown.png"/>
+          <p:cNvPr id="339" name="Unknown.png" descr="Unknown.png"/>
           <p:cNvPicPr>
             <a:picLocks noChangeAspect="1"/>
           </p:cNvPicPr>
@@ -21764,7 +21833,7 @@
       </p:pic>
       <p:sp>
         <p:nvSpPr>
-          <p:cNvPr id="339" name="Date Placeholder 3"/>
+          <p:cNvPr id="340" name="Date Placeholder 3"/>
           <p:cNvSpPr txBox="1"/>
           <p:nvPr/>
         </p:nvSpPr>
@@ -21808,7 +21877,7 @@
       </p:sp>
       <p:sp>
         <p:nvSpPr>
-          <p:cNvPr id="340" name="Footer Placeholder 4"/>
+          <p:cNvPr id="341" name="Footer Placeholder 4"/>
           <p:cNvSpPr txBox="1"/>
           <p:nvPr/>
         </p:nvSpPr>
@@ -21850,7 +21919,7 @@
       </p:sp>
       <p:sp>
         <p:nvSpPr>
-          <p:cNvPr id="341" name="Slide Number"/>
+          <p:cNvPr id="342" name="Slide Number"/>
           <p:cNvSpPr txBox="1"/>
           <p:nvPr>
             <p:ph type="sldNum" sz="quarter" idx="4294967295"/>
@@ -21907,7 +21976,7 @@
       </p:grpSpPr>
       <p:sp>
         <p:nvSpPr>
-          <p:cNvPr id="343" name="Configuring the Components of the P2P Algorithm"/>
+          <p:cNvPr id="344" name="Configuring the Components of the P2P Algorithm"/>
           <p:cNvSpPr txBox="1"/>
           <p:nvPr>
             <p:ph type="title"/>
@@ -21935,7 +22004,7 @@
       </p:sp>
       <p:sp>
         <p:nvSpPr>
-          <p:cNvPr id="344" name="Slide Number"/>
+          <p:cNvPr id="345" name="Slide Number"/>
           <p:cNvSpPr txBox="1"/>
           <p:nvPr>
             <p:ph type="sldNum" sz="quarter" idx="4294967295"/>
@@ -21966,7 +22035,7 @@
       </p:sp>
       <p:sp>
         <p:nvSpPr>
-          <p:cNvPr id="345" name="Date Placeholder 3"/>
+          <p:cNvPr id="346" name="Date Placeholder 3"/>
           <p:cNvSpPr txBox="1"/>
           <p:nvPr/>
         </p:nvSpPr>
@@ -22010,7 +22079,7 @@
       </p:sp>
       <p:sp>
         <p:nvSpPr>
-          <p:cNvPr id="346" name="Footer Placeholder 4"/>
+          <p:cNvPr id="347" name="Footer Placeholder 4"/>
           <p:cNvSpPr txBox="1"/>
           <p:nvPr/>
         </p:nvSpPr>
@@ -22052,7 +22121,7 @@
       </p:sp>
       <p:sp>
         <p:nvSpPr>
-          <p:cNvPr id="347" name="name: p2p-network-topology…"/>
+          <p:cNvPr id="348" name="name: p2p-network-topology…"/>
           <p:cNvSpPr txBox="1"/>
           <p:nvPr/>
         </p:nvSpPr>
@@ -22968,7 +23037,7 @@
       </p:sp>
       <p:sp>
         <p:nvSpPr>
-          <p:cNvPr id="348" name="Configuration of Containerlab File"/>
+          <p:cNvPr id="349" name="Configuration of Containerlab File"/>
           <p:cNvSpPr txBox="1"/>
           <p:nvPr/>
         </p:nvSpPr>
@@ -23022,7 +23091,7 @@
       </p:sp>
       <p:pic>
         <p:nvPicPr>
-          <p:cNvPr id="349" name="yaml-file-format-line-icon-free-vector.jpg" descr="yaml-file-format-line-icon-free-vector.jpg"/>
+          <p:cNvPr id="350" name="yaml-file-format-line-icon-free-vector.jpg" descr="yaml-file-format-line-icon-free-vector.jpg"/>
           <p:cNvPicPr>
             <a:picLocks noChangeAspect="1"/>
           </p:cNvPicPr>
@@ -23051,7 +23120,7 @@
       </p:pic>
       <p:sp>
         <p:nvSpPr>
-          <p:cNvPr id="350" name="Rounded Rectangle"/>
+          <p:cNvPr id="351" name="Rounded Rectangle"/>
           <p:cNvSpPr/>
           <p:nvPr/>
         </p:nvSpPr>
@@ -23085,7 +23154,7 @@
       </p:sp>
       <p:sp>
         <p:nvSpPr>
-          <p:cNvPr id="351" name="Square"/>
+          <p:cNvPr id="352" name="Square"/>
           <p:cNvSpPr/>
           <p:nvPr/>
         </p:nvSpPr>
@@ -23117,7 +23186,7 @@
       </p:sp>
       <p:sp>
         <p:nvSpPr>
-          <p:cNvPr id="352" name="Circle"/>
+          <p:cNvPr id="353" name="Circle"/>
           <p:cNvSpPr/>
           <p:nvPr/>
         </p:nvSpPr>
@@ -23148,7 +23217,7 @@
       </p:sp>
       <p:sp>
         <p:nvSpPr>
-          <p:cNvPr id="353" name="Shape"/>
+          <p:cNvPr id="354" name="Shape"/>
           <p:cNvSpPr/>
           <p:nvPr/>
         </p:nvSpPr>
@@ -23213,7 +23282,7 @@
       </p:sp>
       <p:sp>
         <p:nvSpPr>
-          <p:cNvPr id="354" name="Java…"/>
+          <p:cNvPr id="355" name="Java…"/>
           <p:cNvSpPr txBox="1"/>
           <p:nvPr/>
         </p:nvSpPr>
@@ -23253,7 +23322,7 @@
       </p:sp>
       <p:sp>
         <p:nvSpPr>
-          <p:cNvPr id="355" name="Square"/>
+          <p:cNvPr id="356" name="Square"/>
           <p:cNvSpPr/>
           <p:nvPr/>
         </p:nvSpPr>
@@ -23285,7 +23354,7 @@
       </p:sp>
       <p:sp>
         <p:nvSpPr>
-          <p:cNvPr id="356" name="Rounded Rectangle"/>
+          <p:cNvPr id="357" name="Rounded Rectangle"/>
           <p:cNvSpPr/>
           <p:nvPr/>
         </p:nvSpPr>
@@ -23319,7 +23388,7 @@
       </p:sp>
       <p:sp>
         <p:nvSpPr>
-          <p:cNvPr id="357" name="Square"/>
+          <p:cNvPr id="358" name="Square"/>
           <p:cNvSpPr/>
           <p:nvPr/>
         </p:nvSpPr>
@@ -23351,7 +23420,7 @@
       </p:sp>
       <p:sp>
         <p:nvSpPr>
-          <p:cNvPr id="358" name="Circle"/>
+          <p:cNvPr id="359" name="Circle"/>
           <p:cNvSpPr/>
           <p:nvPr/>
         </p:nvSpPr>
@@ -23382,7 +23451,7 @@
       </p:sp>
       <p:sp>
         <p:nvSpPr>
-          <p:cNvPr id="359" name="Circle"/>
+          <p:cNvPr id="360" name="Circle"/>
           <p:cNvSpPr/>
           <p:nvPr/>
         </p:nvSpPr>
@@ -23413,7 +23482,7 @@
       </p:sp>
       <p:sp>
         <p:nvSpPr>
-          <p:cNvPr id="360" name="Circle"/>
+          <p:cNvPr id="361" name="Circle"/>
           <p:cNvSpPr/>
           <p:nvPr/>
         </p:nvSpPr>
@@ -23444,7 +23513,7 @@
       </p:sp>
       <p:sp>
         <p:nvSpPr>
-          <p:cNvPr id="361" name="Circle"/>
+          <p:cNvPr id="362" name="Circle"/>
           <p:cNvSpPr/>
           <p:nvPr/>
         </p:nvSpPr>
@@ -23475,7 +23544,7 @@
       </p:sp>
       <p:sp>
         <p:nvSpPr>
-          <p:cNvPr id="362" name="Circle"/>
+          <p:cNvPr id="363" name="Circle"/>
           <p:cNvSpPr/>
           <p:nvPr/>
         </p:nvSpPr>
@@ -23506,7 +23575,7 @@
       </p:sp>
       <p:sp>
         <p:nvSpPr>
-          <p:cNvPr id="363" name="Circle"/>
+          <p:cNvPr id="364" name="Circle"/>
           <p:cNvSpPr/>
           <p:nvPr/>
         </p:nvSpPr>
@@ -23537,7 +23606,7 @@
       </p:sp>
       <p:sp>
         <p:nvSpPr>
-          <p:cNvPr id="364" name="Circle"/>
+          <p:cNvPr id="365" name="Circle"/>
           <p:cNvSpPr/>
           <p:nvPr/>
         </p:nvSpPr>
@@ -23568,7 +23637,7 @@
       </p:sp>
       <p:sp>
         <p:nvSpPr>
-          <p:cNvPr id="365" name="Circle"/>
+          <p:cNvPr id="366" name="Circle"/>
           <p:cNvSpPr/>
           <p:nvPr/>
         </p:nvSpPr>
@@ -23599,7 +23668,7 @@
       </p:sp>
       <p:sp>
         <p:nvSpPr>
-          <p:cNvPr id="366" name="Shape"/>
+          <p:cNvPr id="367" name="Shape"/>
           <p:cNvSpPr/>
           <p:nvPr/>
         </p:nvSpPr>
@@ -23664,10 +23733,10 @@
       </p:sp>
       <p:cxnSp>
         <p:nvCxnSpPr>
-          <p:cNvPr id="367" name="Connection Line"/>
+          <p:cNvPr id="368" name="Connection Line"/>
           <p:cNvCxnSpPr>
-            <a:stCxn id="356" idx="0"/>
-            <a:endCxn id="362" idx="0"/>
+            <a:stCxn id="357" idx="0"/>
+            <a:endCxn id="363" idx="0"/>
           </p:cNvCxnSpPr>
           <p:nvPr/>
         </p:nvCxnSpPr>
@@ -23675,30 +23744,6 @@
           <a:xfrm>
             <a:off x="9090651" y="2459347"/>
             <a:ext cx="225456" cy="815140"/>
-          </a:xfrm>
-          <a:prstGeom prst="straightConnector1">
-            <a:avLst/>
-          </a:prstGeom>
-          <a:ln w="12700">
-            <a:solidFill>
-              <a:schemeClr val="accent1"/>
-            </a:solidFill>
-          </a:ln>
-        </p:spPr>
-      </p:cxnSp>
-      <p:cxnSp>
-        <p:nvCxnSpPr>
-          <p:cNvPr id="368" name="Connection Line"/>
-          <p:cNvCxnSpPr>
-            <a:stCxn id="356" idx="0"/>
-            <a:endCxn id="363" idx="0"/>
-          </p:cNvCxnSpPr>
-          <p:nvPr/>
-        </p:nvCxnSpPr>
-        <p:spPr>
-          <a:xfrm>
-            <a:off x="9090651" y="2459347"/>
-            <a:ext cx="1232737" cy="812508"/>
           </a:xfrm>
           <a:prstGeom prst="straightConnector1">
             <a:avLst/>
@@ -23714,15 +23759,15 @@
         <p:nvCxnSpPr>
           <p:cNvPr id="369" name="Connection Line"/>
           <p:cNvCxnSpPr>
-            <a:stCxn id="364" idx="0"/>
-            <a:endCxn id="356" idx="0"/>
+            <a:stCxn id="357" idx="0"/>
+            <a:endCxn id="364" idx="0"/>
           </p:cNvCxnSpPr>
           <p:nvPr/>
         </p:nvCxnSpPr>
         <p:spPr>
-          <a:xfrm flipH="1" flipV="1">
+          <a:xfrm>
             <a:off x="9090651" y="2459347"/>
-            <a:ext cx="743304" cy="812508"/>
+            <a:ext cx="1232737" cy="812508"/>
           </a:xfrm>
           <a:prstGeom prst="straightConnector1">
             <a:avLst/>
@@ -23738,15 +23783,15 @@
         <p:nvCxnSpPr>
           <p:cNvPr id="370" name="Connection Line"/>
           <p:cNvCxnSpPr>
-            <a:stCxn id="356" idx="0"/>
-            <a:endCxn id="365" idx="0"/>
+            <a:stCxn id="365" idx="0"/>
+            <a:endCxn id="357" idx="0"/>
           </p:cNvCxnSpPr>
           <p:nvPr/>
         </p:nvCxnSpPr>
         <p:spPr>
-          <a:xfrm>
+          <a:xfrm flipH="1" flipV="1">
             <a:off x="9090651" y="2459347"/>
-            <a:ext cx="1766605" cy="814356"/>
+            <a:ext cx="743304" cy="812508"/>
           </a:xfrm>
           <a:prstGeom prst="straightConnector1">
             <a:avLst/>
@@ -23762,15 +23807,15 @@
         <p:nvCxnSpPr>
           <p:cNvPr id="371" name="Connection Line"/>
           <p:cNvCxnSpPr>
-            <a:stCxn id="356" idx="0"/>
-            <a:endCxn id="357" idx="0"/>
+            <a:stCxn id="357" idx="0"/>
+            <a:endCxn id="366" idx="0"/>
           </p:cNvCxnSpPr>
           <p:nvPr/>
         </p:nvCxnSpPr>
         <p:spPr>
-          <a:xfrm flipH="1">
-            <a:off x="7389431" y="2459347"/>
-            <a:ext cx="1701221" cy="815140"/>
+          <a:xfrm>
+            <a:off x="9090651" y="2459347"/>
+            <a:ext cx="1766605" cy="814356"/>
           </a:xfrm>
           <a:prstGeom prst="straightConnector1">
             <a:avLst/>
@@ -23786,15 +23831,15 @@
         <p:nvCxnSpPr>
           <p:cNvPr id="372" name="Connection Line"/>
           <p:cNvCxnSpPr>
-            <a:stCxn id="356" idx="0"/>
-            <a:endCxn id="355" idx="0"/>
+            <a:stCxn id="357" idx="0"/>
+            <a:endCxn id="358" idx="0"/>
           </p:cNvCxnSpPr>
           <p:nvPr/>
         </p:nvCxnSpPr>
         <p:spPr>
           <a:xfrm flipH="1">
-            <a:off x="8589436" y="2459347"/>
-            <a:ext cx="501216" cy="815140"/>
+            <a:off x="7389431" y="2459347"/>
+            <a:ext cx="1701221" cy="815140"/>
           </a:xfrm>
           <a:prstGeom prst="straightConnector1">
             <a:avLst/>
@@ -23810,15 +23855,15 @@
         <p:nvCxnSpPr>
           <p:cNvPr id="373" name="Connection Line"/>
           <p:cNvCxnSpPr>
-            <a:stCxn id="361" idx="0"/>
-            <a:endCxn id="355" idx="0"/>
+            <a:stCxn id="357" idx="0"/>
+            <a:endCxn id="356" idx="0"/>
           </p:cNvCxnSpPr>
           <p:nvPr/>
         </p:nvCxnSpPr>
         <p:spPr>
-          <a:xfrm flipV="1">
-            <a:off x="8267899" y="3274486"/>
-            <a:ext cx="321538" cy="693404"/>
+          <a:xfrm flipH="1">
+            <a:off x="8589436" y="2459347"/>
+            <a:ext cx="501216" cy="815140"/>
           </a:xfrm>
           <a:prstGeom prst="straightConnector1">
             <a:avLst/>
@@ -23834,15 +23879,15 @@
         <p:nvCxnSpPr>
           <p:cNvPr id="374" name="Connection Line"/>
           <p:cNvCxnSpPr>
-            <a:stCxn id="360" idx="0"/>
-            <a:endCxn id="357" idx="0"/>
+            <a:stCxn id="362" idx="0"/>
+            <a:endCxn id="356" idx="0"/>
           </p:cNvCxnSpPr>
           <p:nvPr/>
         </p:nvCxnSpPr>
         <p:spPr>
           <a:xfrm flipV="1">
-            <a:off x="6498003" y="3274486"/>
-            <a:ext cx="891429" cy="680941"/>
+            <a:off x="8267899" y="3274486"/>
+            <a:ext cx="321538" cy="693404"/>
           </a:xfrm>
           <a:prstGeom prst="straightConnector1">
             <a:avLst/>
@@ -23858,15 +23903,15 @@
         <p:nvCxnSpPr>
           <p:cNvPr id="375" name="Connection Line"/>
           <p:cNvCxnSpPr>
-            <a:stCxn id="359" idx="0"/>
-            <a:endCxn id="357" idx="0"/>
+            <a:stCxn id="361" idx="0"/>
+            <a:endCxn id="358" idx="0"/>
           </p:cNvCxnSpPr>
           <p:nvPr/>
         </p:nvCxnSpPr>
         <p:spPr>
           <a:xfrm flipV="1">
-            <a:off x="6940673" y="3274486"/>
-            <a:ext cx="448759" cy="695706"/>
+            <a:off x="6498003" y="3274486"/>
+            <a:ext cx="891429" cy="680941"/>
           </a:xfrm>
           <a:prstGeom prst="straightConnector1">
             <a:avLst/>
@@ -23882,15 +23927,15 @@
         <p:nvCxnSpPr>
           <p:cNvPr id="376" name="Connection Line"/>
           <p:cNvCxnSpPr>
-            <a:stCxn id="358" idx="0"/>
-            <a:endCxn id="357" idx="0"/>
+            <a:stCxn id="360" idx="0"/>
+            <a:endCxn id="358" idx="0"/>
           </p:cNvCxnSpPr>
           <p:nvPr/>
         </p:nvCxnSpPr>
         <p:spPr>
           <a:xfrm flipV="1">
-            <a:off x="7383343" y="3274486"/>
-            <a:ext cx="6089" cy="680941"/>
+            <a:off x="6940673" y="3274486"/>
+            <a:ext cx="448759" cy="695706"/>
           </a:xfrm>
           <a:prstGeom prst="straightConnector1">
             <a:avLst/>
@@ -23906,15 +23951,15 @@
         <p:nvCxnSpPr>
           <p:cNvPr id="377" name="Connection Line"/>
           <p:cNvCxnSpPr>
-            <a:stCxn id="366" idx="0"/>
-            <a:endCxn id="365" idx="0"/>
+            <a:stCxn id="359" idx="0"/>
+            <a:endCxn id="358" idx="0"/>
           </p:cNvCxnSpPr>
           <p:nvPr/>
         </p:nvCxnSpPr>
         <p:spPr>
           <a:xfrm flipV="1">
-            <a:off x="8487061" y="3273702"/>
-            <a:ext cx="2370195" cy="1559876"/>
+            <a:off x="7383343" y="3274486"/>
+            <a:ext cx="6089" cy="680941"/>
           </a:xfrm>
           <a:prstGeom prst="straightConnector1">
             <a:avLst/>
@@ -23930,15 +23975,15 @@
         <p:nvCxnSpPr>
           <p:cNvPr id="378" name="Connection Line"/>
           <p:cNvCxnSpPr>
-            <a:stCxn id="364" idx="0"/>
+            <a:stCxn id="367" idx="0"/>
             <a:endCxn id="366" idx="0"/>
           </p:cNvCxnSpPr>
           <p:nvPr/>
         </p:nvCxnSpPr>
         <p:spPr>
-          <a:xfrm flipH="1">
-            <a:off x="8487061" y="3271854"/>
-            <a:ext cx="1346894" cy="1561724"/>
+          <a:xfrm flipV="1">
+            <a:off x="8487061" y="3273702"/>
+            <a:ext cx="2370195" cy="1559876"/>
           </a:xfrm>
           <a:prstGeom prst="straightConnector1">
             <a:avLst/>
@@ -23954,15 +23999,15 @@
         <p:nvCxnSpPr>
           <p:cNvPr id="379" name="Connection Line"/>
           <p:cNvCxnSpPr>
-            <a:stCxn id="366" idx="0"/>
-            <a:endCxn id="363" idx="0"/>
+            <a:stCxn id="365" idx="0"/>
+            <a:endCxn id="367" idx="0"/>
           </p:cNvCxnSpPr>
           <p:nvPr/>
         </p:nvCxnSpPr>
         <p:spPr>
-          <a:xfrm flipV="1">
+          <a:xfrm flipH="1">
             <a:off x="8487061" y="3271854"/>
-            <a:ext cx="1836327" cy="1561724"/>
+            <a:ext cx="1346894" cy="1561724"/>
           </a:xfrm>
           <a:prstGeom prst="straightConnector1">
             <a:avLst/>
@@ -23978,15 +24023,15 @@
         <p:nvCxnSpPr>
           <p:cNvPr id="380" name="Connection Line"/>
           <p:cNvCxnSpPr>
-            <a:stCxn id="366" idx="0"/>
-            <a:endCxn id="362" idx="0"/>
+            <a:stCxn id="367" idx="0"/>
+            <a:endCxn id="364" idx="0"/>
           </p:cNvCxnSpPr>
           <p:nvPr/>
         </p:nvCxnSpPr>
         <p:spPr>
           <a:xfrm flipV="1">
-            <a:off x="8487061" y="3274486"/>
-            <a:ext cx="829046" cy="1559092"/>
+            <a:off x="8487061" y="3271854"/>
+            <a:ext cx="1836327" cy="1561724"/>
           </a:xfrm>
           <a:prstGeom prst="straightConnector1">
             <a:avLst/>
@@ -24002,15 +24047,15 @@
         <p:nvCxnSpPr>
           <p:cNvPr id="381" name="Connection Line"/>
           <p:cNvCxnSpPr>
-            <a:stCxn id="366" idx="0"/>
-            <a:endCxn id="356" idx="0"/>
+            <a:stCxn id="367" idx="0"/>
+            <a:endCxn id="363" idx="0"/>
           </p:cNvCxnSpPr>
           <p:nvPr/>
         </p:nvCxnSpPr>
         <p:spPr>
           <a:xfrm flipV="1">
-            <a:off x="8487061" y="2459347"/>
-            <a:ext cx="603591" cy="2374231"/>
+            <a:off x="8487061" y="3274486"/>
+            <a:ext cx="829046" cy="1559092"/>
           </a:xfrm>
           <a:prstGeom prst="straightConnector1">
             <a:avLst/>
@@ -24026,15 +24071,15 @@
         <p:nvCxnSpPr>
           <p:cNvPr id="382" name="Connection Line"/>
           <p:cNvCxnSpPr>
-            <a:stCxn id="358" idx="0"/>
-            <a:endCxn id="366" idx="0"/>
+            <a:stCxn id="367" idx="0"/>
+            <a:endCxn id="357" idx="0"/>
           </p:cNvCxnSpPr>
           <p:nvPr/>
         </p:nvCxnSpPr>
         <p:spPr>
-          <a:xfrm>
-            <a:off x="7383343" y="3955426"/>
-            <a:ext cx="1103719" cy="878152"/>
+          <a:xfrm flipV="1">
+            <a:off x="8487061" y="2459347"/>
+            <a:ext cx="603591" cy="2374231"/>
           </a:xfrm>
           <a:prstGeom prst="straightConnector1">
             <a:avLst/>
@@ -24050,15 +24095,15 @@
         <p:nvCxnSpPr>
           <p:cNvPr id="383" name="Connection Line"/>
           <p:cNvCxnSpPr>
-            <a:stCxn id="366" idx="0"/>
-            <a:endCxn id="359" idx="0"/>
+            <a:stCxn id="359" idx="0"/>
+            <a:endCxn id="367" idx="0"/>
           </p:cNvCxnSpPr>
           <p:nvPr/>
         </p:nvCxnSpPr>
         <p:spPr>
-          <a:xfrm flipH="1" flipV="1">
-            <a:off x="6940673" y="3970191"/>
-            <a:ext cx="1546389" cy="863387"/>
+          <a:xfrm>
+            <a:off x="7383343" y="3955426"/>
+            <a:ext cx="1103719" cy="878152"/>
           </a:xfrm>
           <a:prstGeom prst="straightConnector1">
             <a:avLst/>
@@ -24074,15 +24119,15 @@
         <p:nvCxnSpPr>
           <p:cNvPr id="384" name="Connection Line"/>
           <p:cNvCxnSpPr>
-            <a:stCxn id="360" idx="0"/>
-            <a:endCxn id="366" idx="0"/>
+            <a:stCxn id="367" idx="0"/>
+            <a:endCxn id="360" idx="0"/>
           </p:cNvCxnSpPr>
           <p:nvPr/>
         </p:nvCxnSpPr>
         <p:spPr>
-          <a:xfrm>
-            <a:off x="6498003" y="3955426"/>
-            <a:ext cx="1989059" cy="878152"/>
+          <a:xfrm flipH="1" flipV="1">
+            <a:off x="6940673" y="3970191"/>
+            <a:ext cx="1546389" cy="863387"/>
           </a:xfrm>
           <a:prstGeom prst="straightConnector1">
             <a:avLst/>
@@ -24098,15 +24143,15 @@
         <p:nvCxnSpPr>
           <p:cNvPr id="385" name="Connection Line"/>
           <p:cNvCxnSpPr>
-            <a:stCxn id="366" idx="0"/>
-            <a:endCxn id="361" idx="0"/>
+            <a:stCxn id="361" idx="0"/>
+            <a:endCxn id="367" idx="0"/>
           </p:cNvCxnSpPr>
           <p:nvPr/>
         </p:nvCxnSpPr>
         <p:spPr>
-          <a:xfrm flipH="1" flipV="1">
-            <a:off x="8267899" y="3967889"/>
-            <a:ext cx="219163" cy="865689"/>
+          <a:xfrm>
+            <a:off x="6498003" y="3955426"/>
+            <a:ext cx="1989059" cy="878152"/>
           </a:xfrm>
           <a:prstGeom prst="straightConnector1">
             <a:avLst/>
@@ -24122,15 +24167,15 @@
         <p:nvCxnSpPr>
           <p:cNvPr id="386" name="Connection Line"/>
           <p:cNvCxnSpPr>
-            <a:stCxn id="357" idx="0"/>
-            <a:endCxn id="366" idx="0"/>
+            <a:stCxn id="367" idx="0"/>
+            <a:endCxn id="362" idx="0"/>
           </p:cNvCxnSpPr>
           <p:nvPr/>
         </p:nvCxnSpPr>
         <p:spPr>
-          <a:xfrm>
-            <a:off x="7389431" y="3274486"/>
-            <a:ext cx="1097631" cy="1559092"/>
+          <a:xfrm flipH="1" flipV="1">
+            <a:off x="8267899" y="3967889"/>
+            <a:ext cx="219163" cy="865689"/>
           </a:xfrm>
           <a:prstGeom prst="straightConnector1">
             <a:avLst/>
@@ -24146,8 +24191,32 @@
         <p:nvCxnSpPr>
           <p:cNvPr id="387" name="Connection Line"/>
           <p:cNvCxnSpPr>
-            <a:stCxn id="355" idx="0"/>
-            <a:endCxn id="366" idx="0"/>
+            <a:stCxn id="358" idx="0"/>
+            <a:endCxn id="367" idx="0"/>
+          </p:cNvCxnSpPr>
+          <p:nvPr/>
+        </p:nvCxnSpPr>
+        <p:spPr>
+          <a:xfrm>
+            <a:off x="7389431" y="3274486"/>
+            <a:ext cx="1097631" cy="1559092"/>
+          </a:xfrm>
+          <a:prstGeom prst="straightConnector1">
+            <a:avLst/>
+          </a:prstGeom>
+          <a:ln w="12700">
+            <a:solidFill>
+              <a:schemeClr val="accent1"/>
+            </a:solidFill>
+          </a:ln>
+        </p:spPr>
+      </p:cxnSp>
+      <p:cxnSp>
+        <p:nvCxnSpPr>
+          <p:cNvPr id="388" name="Connection Line"/>
+          <p:cNvCxnSpPr>
+            <a:stCxn id="356" idx="0"/>
+            <a:endCxn id="367" idx="0"/>
           </p:cNvCxnSpPr>
           <p:nvPr/>
         </p:nvCxnSpPr>
@@ -24168,7 +24237,7 @@
       </p:cxnSp>
       <p:sp>
         <p:nvSpPr>
-          <p:cNvPr id="388" name="Java…"/>
+          <p:cNvPr id="389" name="Java…"/>
           <p:cNvSpPr txBox="1"/>
           <p:nvPr/>
         </p:nvSpPr>
@@ -24208,7 +24277,7 @@
       </p:sp>
       <p:sp>
         <p:nvSpPr>
-          <p:cNvPr id="389" name="Java…"/>
+          <p:cNvPr id="390" name="Java…"/>
           <p:cNvSpPr txBox="1"/>
           <p:nvPr/>
         </p:nvSpPr>
@@ -24248,7 +24317,7 @@
       </p:sp>
       <p:sp>
         <p:nvSpPr>
-          <p:cNvPr id="390" name="Java…"/>
+          <p:cNvPr id="391" name="Java…"/>
           <p:cNvSpPr txBox="1"/>
           <p:nvPr/>
         </p:nvSpPr>
@@ -24288,7 +24357,7 @@
       </p:sp>
       <p:sp>
         <p:nvSpPr>
-          <p:cNvPr id="391" name="Configuration of Containerlab File"/>
+          <p:cNvPr id="392" name="Configuration of Containerlab File"/>
           <p:cNvSpPr txBox="1"/>
           <p:nvPr/>
         </p:nvSpPr>

--- a/Abschlussvortrag.pptx
+++ b/Abschlussvortrag.pptx
@@ -4052,7 +4052,7 @@
         <p:spPr>
           <a:xfrm>
             <a:off x="3731905" y="6529495"/>
-            <a:ext cx="5199484" cy="225706"/>
+            <a:ext cx="5863819" cy="225706"/>
           </a:xfrm>
           <a:prstGeom prst="rect">
             <a:avLst/>
@@ -4080,7 +4080,7 @@
               </a:defRPr>
             </a:pPr>
             <a:r>
-              <a:t>NeTwork topology configuration &amp; verifying</a:t>
+              <a:t>Configuring and Verifying the network characteristics</a:t>
             </a:r>
           </a:p>
         </p:txBody>
@@ -6681,7 +6681,7 @@
         </p:blipFill>
         <p:spPr>
           <a:xfrm>
-            <a:off x="5742617" y="2157563"/>
+            <a:off x="5463217" y="2157563"/>
             <a:ext cx="5637755" cy="3127074"/>
           </a:xfrm>
           <a:prstGeom prst="rect">
@@ -7031,7 +7031,7 @@
         </p:nvSpPr>
         <p:spPr>
           <a:xfrm>
-            <a:off x="6892654" y="1603321"/>
+            <a:off x="6613254" y="1603321"/>
             <a:ext cx="3337681" cy="320039"/>
           </a:xfrm>
           <a:prstGeom prst="rect">
@@ -8396,38 +8396,9 @@
           </a:ln>
         </p:spPr>
       </p:pic>
-      <p:pic>
-        <p:nvPicPr>
-          <p:cNvPr id="489" name="cpu_memory_usage_of_host.png" descr="cpu_memory_usage_of_host.png"/>
-          <p:cNvPicPr>
-            <a:picLocks noChangeAspect="1"/>
-          </p:cNvPicPr>
-          <p:nvPr/>
-        </p:nvPicPr>
-        <p:blipFill>
-          <a:blip r:embed="rId3">
-            <a:extLst/>
-          </a:blip>
-          <a:stretch>
-            <a:fillRect/>
-          </a:stretch>
-        </p:blipFill>
-        <p:spPr>
-          <a:xfrm>
-            <a:off x="1668779" y="4015740"/>
-            <a:ext cx="3205071" cy="1905001"/>
-          </a:xfrm>
-          <a:prstGeom prst="rect">
-            <a:avLst/>
-          </a:prstGeom>
-          <a:ln w="12700">
-            <a:miter lim="400000"/>
-          </a:ln>
-        </p:spPr>
-      </p:pic>
-      <p:sp>
-        <p:nvSpPr>
-          <p:cNvPr id="490" name="Configuration of Containerlab File"/>
+      <p:sp>
+        <p:nvSpPr>
+          <p:cNvPr id="489" name="Configuration of Containerlab File"/>
           <p:cNvSpPr txBox="1"/>
           <p:nvPr/>
         </p:nvSpPr>
@@ -8481,7 +8452,7 @@
       </p:sp>
       <p:sp>
         <p:nvSpPr>
-          <p:cNvPr id="491" name="Configuration of Containerlab File"/>
+          <p:cNvPr id="490" name="Configuration of Containerlab File"/>
           <p:cNvSpPr txBox="1"/>
           <p:nvPr/>
         </p:nvSpPr>
@@ -8535,7 +8506,7 @@
       </p:sp>
       <p:sp>
         <p:nvSpPr>
-          <p:cNvPr id="492" name="Content Placeholder 2"/>
+          <p:cNvPr id="491" name="Content Placeholder 2"/>
           <p:cNvSpPr txBox="1"/>
           <p:nvPr>
             <p:ph type="body" sz="quarter" idx="1"/>
@@ -8599,7 +8570,7 @@
       </p:sp>
       <p:sp>
         <p:nvSpPr>
-          <p:cNvPr id="493" name="Content Placeholder 2"/>
+          <p:cNvPr id="492" name="Content Placeholder 2"/>
           <p:cNvSpPr txBox="1"/>
           <p:nvPr/>
         </p:nvSpPr>
@@ -8687,6 +8658,35 @@
           </a:p>
         </p:txBody>
       </p:sp>
+      <p:pic>
+        <p:nvPicPr>
+          <p:cNvPr id="493" name="Figure 2024-03-16 115618.png" descr="Figure 2024-03-16 115618.png"/>
+          <p:cNvPicPr>
+            <a:picLocks noChangeAspect="1"/>
+          </p:cNvPicPr>
+          <p:nvPr/>
+        </p:nvPicPr>
+        <p:blipFill>
+          <a:blip r:embed="rId3">
+            <a:extLst/>
+          </a:blip>
+          <a:stretch>
+            <a:fillRect/>
+          </a:stretch>
+        </p:blipFill>
+        <p:spPr>
+          <a:xfrm>
+            <a:off x="1685583" y="4039018"/>
+            <a:ext cx="3205071" cy="1905001"/>
+          </a:xfrm>
+          <a:prstGeom prst="rect">
+            <a:avLst/>
+          </a:prstGeom>
+          <a:ln w="12700">
+            <a:miter lim="400000"/>
+          </a:ln>
+        </p:spPr>
+      </p:pic>
     </p:spTree>
   </p:cSld>
   <p:clrMapOvr>
@@ -8740,21 +8740,19 @@
           <a:bodyPr lIns="45718" tIns="45718" rIns="45718" bIns="45718" anchor="ctr">
             <a:spAutoFit/>
           </a:bodyPr>
-          <a:lstStyle/>
-          <a:p>
-            <a:pPr algn="ctr">
+          <a:lstStyle>
+            <a:lvl1pPr algn="ctr">
               <a:defRPr b="1" cap="all" sz="1100">
                 <a:solidFill>
                   <a:srgbClr val="FFFFFF"/>
                 </a:solidFill>
               </a:defRPr>
-            </a:pPr>
-            <a:r>
-              <a:t>                                                           </a:t>
-            </a:r>
-            <a:r>
-              <a:rPr u="sng"/>
-              <a:t>Evaluation Setup</a:t>
+            </a:lvl1pPr>
+          </a:lstStyle>
+          <a:p>
+            <a:pPr/>
+            <a:r>
+              <a:t>CPU And memory usage analysis of nodes, rq2.1 (1)</a:t>
             </a:r>
           </a:p>
         </p:txBody>
@@ -9122,53 +9120,7 @@
       </p:grpSpPr>
       <p:sp>
         <p:nvSpPr>
-          <p:cNvPr id="505" name="Footer Placeholder 4"/>
-          <p:cNvSpPr txBox="1"/>
-          <p:nvPr/>
-        </p:nvSpPr>
-        <p:spPr>
-          <a:xfrm>
-            <a:off x="3731905" y="6529495"/>
-            <a:ext cx="4731366" cy="225706"/>
-          </a:xfrm>
-          <a:prstGeom prst="rect">
-            <a:avLst/>
-          </a:prstGeom>
-          <a:ln w="12700">
-            <a:miter lim="400000"/>
-          </a:ln>
-          <a:extLst>
-            <a:ext uri="{C572A759-6A51-4108-AA02-DFA0A04FC94B}">
-              <ma14:wrappingTextBoxFlag xmlns:ma14="http://schemas.microsoft.com/office/mac/drawingml/2011/main" val="1"/>
-            </a:ext>
-          </a:extLst>
-        </p:spPr>
-        <p:txBody>
-          <a:bodyPr lIns="45718" tIns="45718" rIns="45718" bIns="45718" anchor="ctr">
-            <a:spAutoFit/>
-          </a:bodyPr>
-          <a:lstStyle/>
-          <a:p>
-            <a:pPr algn="ctr">
-              <a:defRPr b="1" cap="all" sz="1100">
-                <a:solidFill>
-                  <a:srgbClr val="FFFFFF"/>
-                </a:solidFill>
-              </a:defRPr>
-            </a:pPr>
-            <a:r>
-              <a:t>                                                           </a:t>
-            </a:r>
-            <a:r>
-              <a:rPr u="sng"/>
-              <a:t>Evaluation Setup</a:t>
-            </a:r>
-          </a:p>
-        </p:txBody>
-      </p:sp>
-      <p:sp>
-        <p:nvSpPr>
-          <p:cNvPr id="506" name="Title 1"/>
+          <p:cNvPr id="505" name="Title 1"/>
           <p:cNvSpPr txBox="1"/>
           <p:nvPr>
             <p:ph type="title"/>
@@ -9200,7 +9152,7 @@
       </p:sp>
       <p:sp>
         <p:nvSpPr>
-          <p:cNvPr id="507" name="Slide Number Placeholder 5"/>
+          <p:cNvPr id="506" name="Slide Number Placeholder 5"/>
           <p:cNvSpPr txBox="1"/>
           <p:nvPr>
             <p:ph type="sldNum" sz="quarter" idx="4294967295"/>
@@ -9231,7 +9183,7 @@
       </p:sp>
       <p:sp>
         <p:nvSpPr>
-          <p:cNvPr id="508" name="Date Placeholder 3"/>
+          <p:cNvPr id="507" name="Date Placeholder 3"/>
           <p:cNvSpPr txBox="1"/>
           <p:nvPr/>
         </p:nvSpPr>
@@ -9275,7 +9227,7 @@
       </p:sp>
       <p:pic>
         <p:nvPicPr>
-          <p:cNvPr id="509" name="memory_usage_50peers_withoutP2P.png" descr="memory_usage_50peers_withoutP2P.png"/>
+          <p:cNvPr id="508" name="memory_usage_50peers_withoutP2P.png" descr="memory_usage_50peers_withoutP2P.png"/>
           <p:cNvPicPr>
             <a:picLocks noChangeAspect="1"/>
           </p:cNvPicPr>
@@ -9304,7 +9256,7 @@
       </p:pic>
       <p:pic>
         <p:nvPicPr>
-          <p:cNvPr id="510" name="memory_usage_50peers_withP2P.png" descr="memory_usage_50peers_withP2P.png"/>
+          <p:cNvPr id="509" name="memory_usage_50peers_withP2P.png" descr="memory_usage_50peers_withP2P.png"/>
           <p:cNvPicPr>
             <a:picLocks noChangeAspect="1"/>
           </p:cNvPicPr>
@@ -9333,7 +9285,7 @@
       </p:pic>
       <p:sp>
         <p:nvSpPr>
-          <p:cNvPr id="511" name="Configuration of Containerlab File"/>
+          <p:cNvPr id="510" name="Configuration of Containerlab File"/>
           <p:cNvSpPr txBox="1"/>
           <p:nvPr/>
         </p:nvSpPr>
@@ -9387,7 +9339,7 @@
       </p:sp>
       <p:sp>
         <p:nvSpPr>
-          <p:cNvPr id="512" name="Configuration of Containerlab File"/>
+          <p:cNvPr id="511" name="Configuration of Containerlab File"/>
           <p:cNvSpPr txBox="1"/>
           <p:nvPr/>
         </p:nvSpPr>
@@ -9441,7 +9393,7 @@
       </p:sp>
       <p:sp>
         <p:nvSpPr>
-          <p:cNvPr id="513" name="Content Placeholder 2"/>
+          <p:cNvPr id="512" name="Content Placeholder 2"/>
           <p:cNvSpPr txBox="1"/>
           <p:nvPr>
             <p:ph type="body" sz="quarter" idx="1"/>
@@ -9487,6 +9439,50 @@
             </a:pPr>
             <a:r>
               <a:t>Task Distribution to Super Peers Lowers Server's Memory Usage Requirement</a:t>
+            </a:r>
+          </a:p>
+        </p:txBody>
+      </p:sp>
+      <p:sp>
+        <p:nvSpPr>
+          <p:cNvPr id="513" name="Footer Placeholder 4"/>
+          <p:cNvSpPr txBox="1"/>
+          <p:nvPr/>
+        </p:nvSpPr>
+        <p:spPr>
+          <a:xfrm>
+            <a:off x="3731905" y="6529495"/>
+            <a:ext cx="4731366" cy="225706"/>
+          </a:xfrm>
+          <a:prstGeom prst="rect">
+            <a:avLst/>
+          </a:prstGeom>
+          <a:ln w="12700">
+            <a:miter lim="400000"/>
+          </a:ln>
+          <a:extLst>
+            <a:ext uri="{C572A759-6A51-4108-AA02-DFA0A04FC94B}">
+              <ma14:wrappingTextBoxFlag xmlns:ma14="http://schemas.microsoft.com/office/mac/drawingml/2011/main" val="1"/>
+            </a:ext>
+          </a:extLst>
+        </p:spPr>
+        <p:txBody>
+          <a:bodyPr lIns="45718" tIns="45718" rIns="45718" bIns="45718" anchor="ctr">
+            <a:spAutoFit/>
+          </a:bodyPr>
+          <a:lstStyle>
+            <a:lvl1pPr algn="ctr">
+              <a:defRPr b="1" cap="all" sz="1100">
+                <a:solidFill>
+                  <a:srgbClr val="FFFFFF"/>
+                </a:solidFill>
+              </a:defRPr>
+            </a:lvl1pPr>
+          </a:lstStyle>
+          <a:p>
+            <a:pPr/>
+            <a:r>
+              <a:t>CPU And memory usage analysis of nodes, rq2.1 (2)</a:t>
             </a:r>
           </a:p>
         </p:txBody>
@@ -9519,7 +9515,7 @@
       </p:grpSpPr>
       <p:sp>
         <p:nvSpPr>
-          <p:cNvPr id="515" name="Performance Evaluation of P2P Algorithm, RQ2.2 and RQ2.3 (1)"/>
+          <p:cNvPr id="515" name="Performance Evaluation of the P2P Algorithm, RQ2.2 and RQ2.3 (1)"/>
           <p:cNvSpPr txBox="1"/>
           <p:nvPr>
             <p:ph type="title"/>
@@ -9537,14 +9533,14 @@
         <p:txBody>
           <a:bodyPr/>
           <a:lstStyle>
-            <a:lvl1pPr defTabSz="594359">
-              <a:defRPr spc="-32" sz="3120"/>
+            <a:lvl1pPr defTabSz="557784">
+              <a:defRPr spc="-30" sz="2928"/>
             </a:lvl1pPr>
           </a:lstStyle>
           <a:p>
             <a:pPr/>
             <a:r>
-              <a:t>Performance Evaluation of P2P Algorithm, RQ2.2 and RQ2.3 (1)</a:t>
+              <a:t>Performance Evaluation of the P2P Algorithm, RQ2.2 and RQ2.3 (1)</a:t>
             </a:r>
           </a:p>
         </p:txBody>
@@ -9602,7 +9598,7 @@
         <p:spPr>
           <a:xfrm>
             <a:off x="3731905" y="6529495"/>
-            <a:ext cx="4731366" cy="225706"/>
+            <a:ext cx="6479865" cy="225706"/>
           </a:xfrm>
           <a:prstGeom prst="rect">
             <a:avLst/>
@@ -9634,7 +9630,7 @@
             </a:r>
             <a:r>
               <a:rPr u="sng"/>
-              <a:t>CHALLENGES</a:t>
+              <a:t>Performance evaluation of the p2p algorithm, rq2.2 and rq2.3 (1)</a:t>
             </a:r>
           </a:p>
         </p:txBody>
@@ -11974,7 +11970,7 @@
       </p:grpSpPr>
       <p:sp>
         <p:nvSpPr>
-          <p:cNvPr id="521" name="Performance Evaluation of P2P Algorithm, RQ2.2 and RQ2.3 (2)"/>
+          <p:cNvPr id="521" name="Performance Evaluation of the P2P Algorithm, RQ2.2 and RQ2.3 (2)"/>
           <p:cNvSpPr txBox="1"/>
           <p:nvPr>
             <p:ph type="title"/>
@@ -11992,14 +11988,14 @@
         <p:txBody>
           <a:bodyPr/>
           <a:lstStyle>
-            <a:lvl1pPr defTabSz="594359">
-              <a:defRPr spc="-32" sz="3120"/>
+            <a:lvl1pPr defTabSz="557784">
+              <a:defRPr spc="-30" sz="2928"/>
             </a:lvl1pPr>
           </a:lstStyle>
           <a:p>
             <a:pPr/>
             <a:r>
-              <a:t>Performance Evaluation of P2P Algorithm, RQ2.2 and RQ2.3 (2)</a:t>
+              <a:t>Performance Evaluation of the P2P Algorithm, RQ2.2 and RQ2.3 (2)</a:t>
             </a:r>
           </a:p>
         </p:txBody>
@@ -12050,21 +12046,16 @@
       </p:sp>
       <p:sp>
         <p:nvSpPr>
-          <p:cNvPr id="523" name="Footer Placeholder 4"/>
+          <p:cNvPr id="523" name="Slide Number"/>
           <p:cNvSpPr txBox="1"/>
-          <p:nvPr/>
-        </p:nvSpPr>
-        <p:spPr>
-          <a:xfrm>
-            <a:off x="3731905" y="6529495"/>
-            <a:ext cx="4731366" cy="225706"/>
-          </a:xfrm>
-          <a:prstGeom prst="rect">
-            <a:avLst/>
-          </a:prstGeom>
-          <a:ln w="12700">
-            <a:miter lim="400000"/>
-          </a:ln>
+          <p:nvPr>
+            <p:ph type="sldNum" sz="quarter" idx="4294967295"/>
+          </p:nvPr>
+        </p:nvSpPr>
+        <p:spPr>
+          <a:prstGeom prst="rect">
+            <a:avLst/>
+          </a:prstGeom>
           <a:extLst>
             <a:ext uri="{C572A759-6A51-4108-AA02-DFA0A04FC94B}">
               <ma14:wrappingTextBoxFlag xmlns:ma14="http://schemas.microsoft.com/office/mac/drawingml/2011/main" val="1"/>
@@ -12072,47 +12063,6 @@
           </a:extLst>
         </p:spPr>
         <p:txBody>
-          <a:bodyPr lIns="45718" tIns="45718" rIns="45718" bIns="45718" anchor="ctr">
-            <a:spAutoFit/>
-          </a:bodyPr>
-          <a:lstStyle/>
-          <a:p>
-            <a:pPr algn="ctr">
-              <a:defRPr b="1" cap="all" sz="1100">
-                <a:solidFill>
-                  <a:srgbClr val="FFFFFF"/>
-                </a:solidFill>
-              </a:defRPr>
-            </a:pPr>
-            <a:r>
-              <a:t>                                                           </a:t>
-            </a:r>
-            <a:r>
-              <a:rPr u="sng"/>
-              <a:t>CHALLENGES</a:t>
-            </a:r>
-          </a:p>
-        </p:txBody>
-      </p:sp>
-      <p:sp>
-        <p:nvSpPr>
-          <p:cNvPr id="524" name="Slide Number"/>
-          <p:cNvSpPr txBox="1"/>
-          <p:nvPr>
-            <p:ph type="sldNum" sz="quarter" idx="4294967295"/>
-          </p:nvPr>
-        </p:nvSpPr>
-        <p:spPr>
-          <a:prstGeom prst="rect">
-            <a:avLst/>
-          </a:prstGeom>
-          <a:extLst>
-            <a:ext uri="{C572A759-6A51-4108-AA02-DFA0A04FC94B}">
-              <ma14:wrappingTextBoxFlag xmlns:ma14="http://schemas.microsoft.com/office/mac/drawingml/2011/main" val="1"/>
-            </a:ext>
-          </a:extLst>
-        </p:spPr>
-        <p:txBody>
           <a:bodyPr/>
           <a:lstStyle/>
           <a:p>
@@ -12123,7 +12073,7 @@
       </p:sp>
       <p:pic>
         <p:nvPicPr>
-          <p:cNvPr id="525" name="implemantation2_20_peers_increasingfile.png" descr="implemantation2_20_peers_increasingfile.png"/>
+          <p:cNvPr id="524" name="implemantation2_20_peers_increasingfile.png" descr="implemantation2_20_peers_increasingfile.png"/>
           <p:cNvPicPr>
             <a:picLocks noChangeAspect="1"/>
           </p:cNvPicPr>
@@ -12152,7 +12102,7 @@
       </p:pic>
       <p:sp>
         <p:nvSpPr>
-          <p:cNvPr id="526" name="First Configuration with the LectureStudio Server and 20 Peers…"/>
+          <p:cNvPr id="525" name="First Configuration with the LectureStudio Server and 20 Peers…"/>
           <p:cNvSpPr txBox="1"/>
           <p:nvPr>
             <p:ph type="body" sz="half" idx="1"/>
@@ -12244,7 +12194,7 @@
       </p:sp>
       <p:sp>
         <p:nvSpPr>
-          <p:cNvPr id="527" name="Configuration of Containerlab File"/>
+          <p:cNvPr id="526" name="Configuration of Containerlab File"/>
           <p:cNvSpPr txBox="1"/>
           <p:nvPr/>
         </p:nvSpPr>
@@ -12298,7 +12248,7 @@
       </p:sp>
       <p:sp>
         <p:nvSpPr>
-          <p:cNvPr id="528" name="Configuration of Containerlab File"/>
+          <p:cNvPr id="527" name="Configuration of Containerlab File"/>
           <p:cNvSpPr txBox="1"/>
           <p:nvPr/>
         </p:nvSpPr>
@@ -12352,7 +12302,7 @@
       </p:sp>
       <p:pic>
         <p:nvPicPr>
-          <p:cNvPr id="529" name="implemantation1_20_peers_increasingfile.png" descr="implemantation1_20_peers_increasingfile.png"/>
+          <p:cNvPr id="528" name="implemantation1_20_peers_increasingfile.png" descr="implemantation1_20_peers_increasingfile.png"/>
           <p:cNvPicPr>
             <a:picLocks noChangeAspect="1"/>
           </p:cNvPicPr>
@@ -12379,6 +12329,52 @@
           </a:ln>
         </p:spPr>
       </p:pic>
+      <p:sp>
+        <p:nvSpPr>
+          <p:cNvPr id="529" name="Footer Placeholder 4"/>
+          <p:cNvSpPr txBox="1"/>
+          <p:nvPr/>
+        </p:nvSpPr>
+        <p:spPr>
+          <a:xfrm>
+            <a:off x="3731905" y="6529495"/>
+            <a:ext cx="6479865" cy="225706"/>
+          </a:xfrm>
+          <a:prstGeom prst="rect">
+            <a:avLst/>
+          </a:prstGeom>
+          <a:ln w="12700">
+            <a:miter lim="400000"/>
+          </a:ln>
+          <a:extLst>
+            <a:ext uri="{C572A759-6A51-4108-AA02-DFA0A04FC94B}">
+              <ma14:wrappingTextBoxFlag xmlns:ma14="http://schemas.microsoft.com/office/mac/drawingml/2011/main" val="1"/>
+            </a:ext>
+          </a:extLst>
+        </p:spPr>
+        <p:txBody>
+          <a:bodyPr lIns="45718" tIns="45718" rIns="45718" bIns="45718" anchor="ctr">
+            <a:spAutoFit/>
+          </a:bodyPr>
+          <a:lstStyle/>
+          <a:p>
+            <a:pPr algn="ctr">
+              <a:defRPr b="1" cap="all" sz="1100">
+                <a:solidFill>
+                  <a:srgbClr val="FFFFFF"/>
+                </a:solidFill>
+              </a:defRPr>
+            </a:pPr>
+            <a:r>
+              <a:t>                                                           </a:t>
+            </a:r>
+            <a:r>
+              <a:rPr u="sng"/>
+              <a:t>Performance evaluation of the p2p algorithm, rq2.2 and rq2.3 (2)</a:t>
+            </a:r>
+          </a:p>
+        </p:txBody>
+      </p:sp>
     </p:spTree>
   </p:cSld>
   <p:clrMapOvr>
@@ -12407,7 +12403,7 @@
       </p:grpSpPr>
       <p:sp>
         <p:nvSpPr>
-          <p:cNvPr id="531" name="Performance Evaluation of P2P Algorithm, RQ2.2 and RQ2.3 (3)"/>
+          <p:cNvPr id="531" name="Performance Evaluation of the P2P Algorithm, RQ2.2 and RQ2.3 (3)"/>
           <p:cNvSpPr txBox="1"/>
           <p:nvPr>
             <p:ph type="title"/>
@@ -12425,14 +12421,14 @@
         <p:txBody>
           <a:bodyPr/>
           <a:lstStyle>
-            <a:lvl1pPr defTabSz="594359">
-              <a:defRPr spc="-32" sz="3120"/>
+            <a:lvl1pPr defTabSz="557784">
+              <a:defRPr spc="-30" sz="2928"/>
             </a:lvl1pPr>
           </a:lstStyle>
           <a:p>
             <a:pPr/>
             <a:r>
-              <a:t>Performance Evaluation of P2P Algorithm, RQ2.2 and RQ2.3 (3)</a:t>
+              <a:t>Performance Evaluation of the P2P Algorithm, RQ2.2 and RQ2.3 (3)</a:t>
             </a:r>
           </a:p>
         </p:txBody>
@@ -12483,21 +12479,16 @@
       </p:sp>
       <p:sp>
         <p:nvSpPr>
-          <p:cNvPr id="533" name="Footer Placeholder 4"/>
+          <p:cNvPr id="533" name="Slide Number"/>
           <p:cNvSpPr txBox="1"/>
-          <p:nvPr/>
-        </p:nvSpPr>
-        <p:spPr>
-          <a:xfrm>
-            <a:off x="3731905" y="6529495"/>
-            <a:ext cx="4731366" cy="225706"/>
-          </a:xfrm>
-          <a:prstGeom prst="rect">
-            <a:avLst/>
-          </a:prstGeom>
-          <a:ln w="12700">
-            <a:miter lim="400000"/>
-          </a:ln>
+          <p:nvPr>
+            <p:ph type="sldNum" sz="quarter" idx="4294967295"/>
+          </p:nvPr>
+        </p:nvSpPr>
+        <p:spPr>
+          <a:prstGeom prst="rect">
+            <a:avLst/>
+          </a:prstGeom>
           <a:extLst>
             <a:ext uri="{C572A759-6A51-4108-AA02-DFA0A04FC94B}">
               <ma14:wrappingTextBoxFlag xmlns:ma14="http://schemas.microsoft.com/office/mac/drawingml/2011/main" val="1"/>
@@ -12505,47 +12496,6 @@
           </a:extLst>
         </p:spPr>
         <p:txBody>
-          <a:bodyPr lIns="45718" tIns="45718" rIns="45718" bIns="45718" anchor="ctr">
-            <a:spAutoFit/>
-          </a:bodyPr>
-          <a:lstStyle/>
-          <a:p>
-            <a:pPr algn="ctr">
-              <a:defRPr b="1" cap="all" sz="1100">
-                <a:solidFill>
-                  <a:srgbClr val="FFFFFF"/>
-                </a:solidFill>
-              </a:defRPr>
-            </a:pPr>
-            <a:r>
-              <a:t>                                                           </a:t>
-            </a:r>
-            <a:r>
-              <a:rPr u="sng"/>
-              <a:t>CHALLENGES</a:t>
-            </a:r>
-          </a:p>
-        </p:txBody>
-      </p:sp>
-      <p:sp>
-        <p:nvSpPr>
-          <p:cNvPr id="534" name="Slide Number"/>
-          <p:cNvSpPr txBox="1"/>
-          <p:nvPr>
-            <p:ph type="sldNum" sz="quarter" idx="4294967295"/>
-          </p:nvPr>
-        </p:nvSpPr>
-        <p:spPr>
-          <a:prstGeom prst="rect">
-            <a:avLst/>
-          </a:prstGeom>
-          <a:extLst>
-            <a:ext uri="{C572A759-6A51-4108-AA02-DFA0A04FC94B}">
-              <ma14:wrappingTextBoxFlag xmlns:ma14="http://schemas.microsoft.com/office/mac/drawingml/2011/main" val="1"/>
-            </a:ext>
-          </a:extLst>
-        </p:spPr>
-        <p:txBody>
           <a:bodyPr/>
           <a:lstStyle/>
           <a:p>
@@ -12556,7 +12506,7 @@
       </p:sp>
       <p:pic>
         <p:nvPicPr>
-          <p:cNvPr id="535" name="implemantation2_50_peers_increasingfile.png" descr="implemantation2_50_peers_increasingfile.png"/>
+          <p:cNvPr id="534" name="implemantation2_50_peers_increasingfile.png" descr="implemantation2_50_peers_increasingfile.png"/>
           <p:cNvPicPr>
             <a:picLocks noChangeAspect="1"/>
           </p:cNvPicPr>
@@ -12585,7 +12535,7 @@
       </p:pic>
       <p:sp>
         <p:nvSpPr>
-          <p:cNvPr id="536" name="Configuration of Containerlab File"/>
+          <p:cNvPr id="535" name="Configuration of Containerlab File"/>
           <p:cNvSpPr txBox="1"/>
           <p:nvPr/>
         </p:nvSpPr>
@@ -12639,7 +12589,7 @@
       </p:sp>
       <p:sp>
         <p:nvSpPr>
-          <p:cNvPr id="537" name="Configuration of Containerlab File"/>
+          <p:cNvPr id="536" name="Configuration of Containerlab File"/>
           <p:cNvSpPr txBox="1"/>
           <p:nvPr/>
         </p:nvSpPr>
@@ -12693,7 +12643,7 @@
       </p:sp>
       <p:sp>
         <p:nvSpPr>
-          <p:cNvPr id="538" name="First Configuration with the LectureStudio Server and 50 Peers…"/>
+          <p:cNvPr id="537" name="First Configuration with the LectureStudio Server and 50 Peers…"/>
           <p:cNvSpPr txBox="1"/>
           <p:nvPr>
             <p:ph type="body" sz="half" idx="1"/>
@@ -12799,7 +12749,7 @@
       </p:sp>
       <p:pic>
         <p:nvPicPr>
-          <p:cNvPr id="539" name="implemantation1_50_peers_increasingfile.png" descr="implemantation1_50_peers_increasingfile.png"/>
+          <p:cNvPr id="538" name="implemantation1_50_peers_increasingfile.png" descr="implemantation1_50_peers_increasingfile.png"/>
           <p:cNvPicPr>
             <a:picLocks noChangeAspect="1"/>
           </p:cNvPicPr>
@@ -12826,6 +12776,52 @@
           </a:ln>
         </p:spPr>
       </p:pic>
+      <p:sp>
+        <p:nvSpPr>
+          <p:cNvPr id="539" name="Footer Placeholder 4"/>
+          <p:cNvSpPr txBox="1"/>
+          <p:nvPr/>
+        </p:nvSpPr>
+        <p:spPr>
+          <a:xfrm>
+            <a:off x="3731905" y="6529495"/>
+            <a:ext cx="6479865" cy="225706"/>
+          </a:xfrm>
+          <a:prstGeom prst="rect">
+            <a:avLst/>
+          </a:prstGeom>
+          <a:ln w="12700">
+            <a:miter lim="400000"/>
+          </a:ln>
+          <a:extLst>
+            <a:ext uri="{C572A759-6A51-4108-AA02-DFA0A04FC94B}">
+              <ma14:wrappingTextBoxFlag xmlns:ma14="http://schemas.microsoft.com/office/mac/drawingml/2011/main" val="1"/>
+            </a:ext>
+          </a:extLst>
+        </p:spPr>
+        <p:txBody>
+          <a:bodyPr lIns="45718" tIns="45718" rIns="45718" bIns="45718" anchor="ctr">
+            <a:spAutoFit/>
+          </a:bodyPr>
+          <a:lstStyle/>
+          <a:p>
+            <a:pPr algn="ctr">
+              <a:defRPr b="1" cap="all" sz="1100">
+                <a:solidFill>
+                  <a:srgbClr val="FFFFFF"/>
+                </a:solidFill>
+              </a:defRPr>
+            </a:pPr>
+            <a:r>
+              <a:t>                                                           </a:t>
+            </a:r>
+            <a:r>
+              <a:rPr u="sng"/>
+              <a:t>Performance evaluation of the p2p algorithm, rq2.2 and rq2.3 (3)</a:t>
+            </a:r>
+          </a:p>
+        </p:txBody>
+      </p:sp>
     </p:spTree>
   </p:cSld>
   <p:clrMapOvr>
@@ -12878,7 +12874,7 @@
       </p:sp>
       <p:sp>
         <p:nvSpPr>
-          <p:cNvPr id="542" name="Finding real network dataset…"/>
+          <p:cNvPr id="542" name="Finding Real Network Dataset…"/>
           <p:cNvSpPr txBox="1"/>
           <p:nvPr>
             <p:ph type="body" idx="1"/>
@@ -12899,7 +12895,7 @@
               <a:buChar char="•"/>
             </a:pPr>
             <a:r>
-              <a:t>Finding real network dataset</a:t>
+              <a:t>Finding Real Network Dataset</a:t>
             </a:r>
           </a:p>
           <a:p>
@@ -12949,7 +12945,7 @@
               <a:buChar char="•"/>
             </a:pPr>
             <a:r>
-              <a:t>Synchronisation Problem of Total Time</a:t>
+              <a:t>Data Transmission between the LectureStudio Server and Peers (or Super Peers)</a:t>
             </a:r>
           </a:p>
           <a:p>
@@ -12959,27 +12955,7 @@
               <a:buChar char="•"/>
             </a:pPr>
             <a:r>
-              <a:t>Allocation of Bandwidth for the Connections between the LectureStudio Server and Peers</a:t>
-            </a:r>
-          </a:p>
-          <a:p>
-            <a:pPr marL="200526" indent="-200526">
-              <a:buClrTx/>
-              <a:buFontTx/>
-              <a:buChar char="•"/>
-            </a:pPr>
-            <a:r>
-              <a:t>Measurement of the Network Characteristics for Connections</a:t>
-            </a:r>
-          </a:p>
-          <a:p>
-            <a:pPr marL="200526" indent="-200526">
-              <a:buClrTx/>
-              <a:buFontTx/>
-              <a:buChar char="•"/>
-            </a:pPr>
-            <a:r>
-              <a:t>Data Transmission between the LectureStudio Server and Peers</a:t>
+              <a:t>Synchronisation Problem of Total Time</a:t>
             </a:r>
           </a:p>
           <a:p>
@@ -13432,7 +13408,7 @@
             </a:r>
             <a:r>
               <a:rPr u="sng"/>
-              <a:t>CHALLENGES</a:t>
+              <a:t>Conclusion and future work</a:t>
             </a:r>
           </a:p>
         </p:txBody>
@@ -14504,7 +14480,7 @@
         </p:blipFill>
         <p:spPr>
           <a:xfrm>
-            <a:off x="9708519" y="4724142"/>
+            <a:off x="9626952" y="4707209"/>
             <a:ext cx="241293" cy="241292"/>
           </a:xfrm>
           <a:prstGeom prst="rect">
@@ -18538,8 +18514,8 @@
         </p:blipFill>
         <p:spPr>
           <a:xfrm>
-            <a:off x="1334176" y="4430742"/>
-            <a:ext cx="4498477" cy="1441017"/>
+            <a:off x="2163909" y="4413809"/>
+            <a:ext cx="3738821" cy="1197673"/>
           </a:xfrm>
           <a:prstGeom prst="rect">
             <a:avLst/>

--- a/Abschlussvortrag.pptx
+++ b/Abschlussvortrag.pptx
@@ -7600,8 +7600,8 @@
         </p:nvSpPr>
         <p:spPr>
           <a:xfrm>
-            <a:off x="1803400" y="3175000"/>
-            <a:ext cx="3751875" cy="280797"/>
+            <a:off x="1803400" y="3288601"/>
+            <a:ext cx="3751875" cy="280798"/>
           </a:xfrm>
           <a:prstGeom prst="rect">
             <a:avLst/>
@@ -7654,8 +7654,8 @@
         </p:nvSpPr>
         <p:spPr>
           <a:xfrm>
-            <a:off x="7010400" y="3175000"/>
-            <a:ext cx="3751875" cy="280797"/>
+            <a:off x="7010400" y="3288601"/>
+            <a:ext cx="3751875" cy="280798"/>
           </a:xfrm>
           <a:prstGeom prst="rect">
             <a:avLst/>
@@ -7750,43 +7750,59 @@
           <a:bodyPr/>
           <a:lstStyle/>
           <a:p>
-            <a:pPr marL="200526" indent="-200526">
+            <a:pPr marL="190499" indent="-190499" defTabSz="868680">
+              <a:spcBef>
+                <a:spcPts val="1100"/>
+              </a:spcBef>
               <a:buClrTx/>
               <a:buFontTx/>
               <a:buChar char="•"/>
+              <a:defRPr sz="1900"/>
             </a:pPr>
             <a:r>
               <a:t>Discrepancy between Desired and Measured Values</a:t>
             </a:r>
           </a:p>
           <a:p>
-            <a:pPr marL="200526" indent="-200526">
+            <a:pPr marL="190499" indent="-190499" defTabSz="868680">
+              <a:spcBef>
+                <a:spcPts val="1100"/>
+              </a:spcBef>
               <a:buClrTx/>
               <a:buFontTx/>
               <a:buChar char="•"/>
-            </a:pPr>
-            <a:r>
-              <a:t>More Nodes Decrease Bandwidth Allocation Per Connection</a:t>
-            </a:r>
-          </a:p>
-          <a:p>
-            <a:pPr lvl="1" marL="581526" indent="-200526">
+              <a:defRPr sz="1900"/>
+            </a:pPr>
+            <a:r>
+              <a:t>More Nodes Result in Reduced Bandwidth Allocation, Leading to Increased Latency</a:t>
+            </a:r>
+          </a:p>
+          <a:p>
+            <a:pPr marL="190499" indent="-190499" defTabSz="868680">
+              <a:spcBef>
+                <a:spcPts val="1100"/>
+              </a:spcBef>
               <a:buClrTx/>
               <a:buFontTx/>
               <a:buChar char="•"/>
-            </a:pPr>
-            <a:r>
-              <a:t>A Reduction in Bandwidth Corresponds to a Rise in Latency</a:t>
-            </a:r>
-          </a:p>
-          <a:p>
-            <a:pPr marL="200526" indent="-200526">
+              <a:defRPr sz="1900"/>
+            </a:pPr>
+            <a:r>
+              <a:t>Containerization Technologies Increase Latency, Reduce Overheads</a:t>
+            </a:r>
+          </a:p>
+          <a:p>
+            <a:pPr marL="190499" indent="-190499" defTabSz="868680">
+              <a:spcBef>
+                <a:spcPts val="1100"/>
+              </a:spcBef>
               <a:buClrTx/>
               <a:buFontTx/>
               <a:buChar char="•"/>
-            </a:pPr>
-            <a:r>
-              <a:t>High CPU and Memory Usage Impacting Network Performance and Latency</a:t>
+              <a:defRPr sz="1900"/>
+            </a:pPr>
+            <a:r>
+              <a:t>Reduced Bandwidth Increases CPU and Memory Usage, Affecting Network Performance and Latency</a:t>
             </a:r>
           </a:p>
         </p:txBody>
@@ -8810,43 +8826,73 @@
           <a:bodyPr/>
           <a:lstStyle/>
           <a:p>
-            <a:pPr marL="200526" indent="-200526">
+            <a:pPr marL="158415" indent="-158415" defTabSz="722376">
+              <a:spcBef>
+                <a:spcPts val="900"/>
+              </a:spcBef>
               <a:buClrTx/>
               <a:buFontTx/>
               <a:buChar char="•"/>
+              <a:defRPr sz="1580"/>
             </a:pPr>
             <a:r>
               <a:t>Analysis of Resource Consumption (CPU and Memory Usage) of the P2P Algorithm Components (LectureStudio Server and Peers)</a:t>
             </a:r>
           </a:p>
           <a:p>
-            <a:pPr marL="200526" indent="-200526">
+            <a:pPr marL="158415" indent="-158415" defTabSz="722376">
+              <a:spcBef>
+                <a:spcPts val="900"/>
+              </a:spcBef>
               <a:buClrTx/>
               <a:buFontTx/>
               <a:buChar char="•"/>
-            </a:pPr>
-            <a:r>
-              <a:t>High Initial CPU Usage on LectureStudio Server at Data Transfer Start</a:t>
-            </a:r>
-          </a:p>
-          <a:p>
-            <a:pPr marL="200526" indent="-200526">
+              <a:defRPr sz="1580"/>
+            </a:pPr>
+            <a:r>
+              <a:t>CPU Usage Evaluation with and without the P2P Algorithm</a:t>
+            </a:r>
+          </a:p>
+          <a:p>
+            <a:pPr lvl="1" marL="459405" indent="-158415" defTabSz="722376">
+              <a:spcBef>
+                <a:spcPts val="900"/>
+              </a:spcBef>
               <a:buClrTx/>
               <a:buFontTx/>
               <a:buChar char="•"/>
-            </a:pPr>
-            <a:r>
-              <a:t>Peak CPU Usage Reduction of 52% by the P2P Algorithm</a:t>
-            </a:r>
-          </a:p>
-          <a:p>
-            <a:pPr marL="200526" indent="-200526">
+              <a:defRPr sz="1580"/>
+            </a:pPr>
+            <a:r>
+              <a:t>Direct Data Transfer, Increased CPU Usage on the LectureStudio Server</a:t>
+            </a:r>
+          </a:p>
+          <a:p>
+            <a:pPr lvl="1" marL="459405" indent="-158415" defTabSz="722376">
+              <a:spcBef>
+                <a:spcPts val="900"/>
+              </a:spcBef>
               <a:buClrTx/>
               <a:buFontTx/>
               <a:buChar char="•"/>
-            </a:pPr>
-            <a:r>
-              <a:t>Load Distribution Leading to Decreased CPU Usage</a:t>
+              <a:defRPr sz="1580"/>
+            </a:pPr>
+            <a:r>
+              <a:t>P2P Algorithm, Data Distribution Leading to Decreased CPU Usage on the LectureStudio Server</a:t>
+            </a:r>
+          </a:p>
+          <a:p>
+            <a:pPr lvl="1" marL="459405" indent="-158415" defTabSz="722376">
+              <a:spcBef>
+                <a:spcPts val="900"/>
+              </a:spcBef>
+              <a:buClrTx/>
+              <a:buFontTx/>
+              <a:buChar char="•"/>
+              <a:defRPr sz="1580"/>
+            </a:pPr>
+            <a:r>
+              <a:t>Peak CPU Usage Reduction of 52% by the P2P Algorithm </a:t>
             </a:r>
           </a:p>
         </p:txBody>
@@ -8944,8 +8990,8 @@
         </p:blipFill>
         <p:spPr>
           <a:xfrm>
-            <a:off x="6464300" y="3860800"/>
-            <a:ext cx="4837495" cy="2222500"/>
+            <a:off x="1498600" y="3875525"/>
+            <a:ext cx="4146424" cy="1905001"/>
           </a:xfrm>
           <a:prstGeom prst="rect">
             <a:avLst/>
@@ -8955,9 +9001,117 @@
           </a:ln>
         </p:spPr>
       </p:pic>
+      <p:sp>
+        <p:nvSpPr>
+          <p:cNvPr id="501" name="Configuration of Containerlab File"/>
+          <p:cNvSpPr txBox="1"/>
+          <p:nvPr/>
+        </p:nvSpPr>
+        <p:spPr>
+          <a:xfrm>
+            <a:off x="2182688" y="3513981"/>
+            <a:ext cx="2667377" cy="248304"/>
+          </a:xfrm>
+          <a:prstGeom prst="rect">
+            <a:avLst/>
+          </a:prstGeom>
+          <a:solidFill>
+            <a:srgbClr val="9CA0CB"/>
+          </a:solidFill>
+          <a:ln w="12700">
+            <a:miter lim="400000"/>
+          </a:ln>
+          <a:extLst>
+            <a:ext uri="{C572A759-6A51-4108-AA02-DFA0A04FC94B}">
+              <ma14:wrappingTextBoxFlag xmlns:ma14="http://schemas.microsoft.com/office/mac/drawingml/2011/main" val="1"/>
+            </a:ext>
+          </a:extLst>
+        </p:spPr>
+        <p:txBody>
+          <a:bodyPr lIns="45718" tIns="45718" rIns="45718" bIns="45718">
+            <a:spAutoFit/>
+          </a:bodyPr>
+          <a:lstStyle>
+            <a:lvl1pPr algn="ctr" defTabSz="914400">
+              <a:lnSpc>
+                <a:spcPct val="85000"/>
+              </a:lnSpc>
+              <a:defRPr spc="-12" sz="1200">
+                <a:solidFill>
+                  <a:srgbClr val="404040"/>
+                </a:solidFill>
+                <a:latin typeface="Calibri Light"/>
+                <a:ea typeface="Calibri Light"/>
+                <a:cs typeface="Calibri Light"/>
+                <a:sym typeface="Calibri Light"/>
+              </a:defRPr>
+            </a:lvl1pPr>
+          </a:lstStyle>
+          <a:p>
+            <a:pPr/>
+            <a:r>
+              <a:t>CPU Usage without the P2P Algorithm</a:t>
+            </a:r>
+          </a:p>
+        </p:txBody>
+      </p:sp>
+      <p:sp>
+        <p:nvSpPr>
+          <p:cNvPr id="502" name="Configuration of Containerlab File"/>
+          <p:cNvSpPr txBox="1"/>
+          <p:nvPr/>
+        </p:nvSpPr>
+        <p:spPr>
+          <a:xfrm>
+            <a:off x="7201955" y="3456425"/>
+            <a:ext cx="2595046" cy="248304"/>
+          </a:xfrm>
+          <a:prstGeom prst="rect">
+            <a:avLst/>
+          </a:prstGeom>
+          <a:solidFill>
+            <a:srgbClr val="9CA0CB"/>
+          </a:solidFill>
+          <a:ln w="12700">
+            <a:miter lim="400000"/>
+          </a:ln>
+          <a:extLst>
+            <a:ext uri="{C572A759-6A51-4108-AA02-DFA0A04FC94B}">
+              <ma14:wrappingTextBoxFlag xmlns:ma14="http://schemas.microsoft.com/office/mac/drawingml/2011/main" val="1"/>
+            </a:ext>
+          </a:extLst>
+        </p:spPr>
+        <p:txBody>
+          <a:bodyPr lIns="45718" tIns="45718" rIns="45718" bIns="45718">
+            <a:spAutoFit/>
+          </a:bodyPr>
+          <a:lstStyle>
+            <a:lvl1pPr algn="ctr" defTabSz="914400">
+              <a:lnSpc>
+                <a:spcPct val="85000"/>
+              </a:lnSpc>
+              <a:defRPr spc="-12" sz="1200">
+                <a:solidFill>
+                  <a:srgbClr val="404040"/>
+                </a:solidFill>
+                <a:latin typeface="Calibri Light"/>
+                <a:ea typeface="Calibri Light"/>
+                <a:cs typeface="Calibri Light"/>
+                <a:sym typeface="Calibri Light"/>
+              </a:defRPr>
+            </a:lvl1pPr>
+          </a:lstStyle>
+          <a:p>
+            <a:pPr/>
+            <a:r>
+              <a:t>CPU Usage with the P2P Algorithm</a:t>
+            </a:r>
+          </a:p>
+        </p:txBody>
+      </p:sp>
       <p:pic>
         <p:nvPicPr>
-          <p:cNvPr id="501" name="cpu_usage_50peers_withP2P.png" descr="cpu_usage_50peers_withP2P.png"/>
+          <p:cNvPr id="503" name="cpu_usage_50peers_withP2P.png" descr="cpu_usage_50peers_withP2P.png"/>
           <p:cNvPicPr>
             <a:picLocks noChangeAspect="1"/>
           </p:cNvPicPr>
@@ -8973,8 +9127,8 @@
         </p:blipFill>
         <p:spPr>
           <a:xfrm>
-            <a:off x="1181100" y="3860800"/>
-            <a:ext cx="4718023" cy="2222500"/>
+            <a:off x="6248400" y="3875525"/>
+            <a:ext cx="4044020" cy="1905001"/>
           </a:xfrm>
           <a:prstGeom prst="rect">
             <a:avLst/>
@@ -8984,114 +9138,6 @@
           </a:ln>
         </p:spPr>
       </p:pic>
-      <p:sp>
-        <p:nvSpPr>
-          <p:cNvPr id="502" name="Configuration of Containerlab File"/>
-          <p:cNvSpPr txBox="1"/>
-          <p:nvPr/>
-        </p:nvSpPr>
-        <p:spPr>
-          <a:xfrm>
-            <a:off x="1803400" y="3441700"/>
-            <a:ext cx="3751875" cy="280797"/>
-          </a:xfrm>
-          <a:prstGeom prst="rect">
-            <a:avLst/>
-          </a:prstGeom>
-          <a:solidFill>
-            <a:srgbClr val="9CA0CB"/>
-          </a:solidFill>
-          <a:ln w="12700">
-            <a:miter lim="400000"/>
-          </a:ln>
-          <a:extLst>
-            <a:ext uri="{C572A759-6A51-4108-AA02-DFA0A04FC94B}">
-              <ma14:wrappingTextBoxFlag xmlns:ma14="http://schemas.microsoft.com/office/mac/drawingml/2011/main" val="1"/>
-            </a:ext>
-          </a:extLst>
-        </p:spPr>
-        <p:txBody>
-          <a:bodyPr lIns="45718" tIns="45718" rIns="45718" bIns="45718">
-            <a:spAutoFit/>
-          </a:bodyPr>
-          <a:lstStyle>
-            <a:lvl1pPr algn="ctr" defTabSz="914400">
-              <a:lnSpc>
-                <a:spcPct val="85000"/>
-              </a:lnSpc>
-              <a:defRPr spc="-14" sz="1400">
-                <a:solidFill>
-                  <a:srgbClr val="404040"/>
-                </a:solidFill>
-                <a:latin typeface="Calibri Light"/>
-                <a:ea typeface="Calibri Light"/>
-                <a:cs typeface="Calibri Light"/>
-                <a:sym typeface="Calibri Light"/>
-              </a:defRPr>
-            </a:lvl1pPr>
-          </a:lstStyle>
-          <a:p>
-            <a:pPr/>
-            <a:r>
-              <a:t>CPU Usage with the P2P Algorithm</a:t>
-            </a:r>
-          </a:p>
-        </p:txBody>
-      </p:sp>
-      <p:sp>
-        <p:nvSpPr>
-          <p:cNvPr id="503" name="Configuration of Containerlab File"/>
-          <p:cNvSpPr txBox="1"/>
-          <p:nvPr/>
-        </p:nvSpPr>
-        <p:spPr>
-          <a:xfrm>
-            <a:off x="7188125" y="3441700"/>
-            <a:ext cx="3751876" cy="280797"/>
-          </a:xfrm>
-          <a:prstGeom prst="rect">
-            <a:avLst/>
-          </a:prstGeom>
-          <a:solidFill>
-            <a:srgbClr val="9CA0CB"/>
-          </a:solidFill>
-          <a:ln w="12700">
-            <a:miter lim="400000"/>
-          </a:ln>
-          <a:extLst>
-            <a:ext uri="{C572A759-6A51-4108-AA02-DFA0A04FC94B}">
-              <ma14:wrappingTextBoxFlag xmlns:ma14="http://schemas.microsoft.com/office/mac/drawingml/2011/main" val="1"/>
-            </a:ext>
-          </a:extLst>
-        </p:spPr>
-        <p:txBody>
-          <a:bodyPr lIns="45718" tIns="45718" rIns="45718" bIns="45718">
-            <a:spAutoFit/>
-          </a:bodyPr>
-          <a:lstStyle>
-            <a:lvl1pPr algn="ctr" defTabSz="914400">
-              <a:lnSpc>
-                <a:spcPct val="85000"/>
-              </a:lnSpc>
-              <a:defRPr spc="-14" sz="1400">
-                <a:solidFill>
-                  <a:srgbClr val="404040"/>
-                </a:solidFill>
-                <a:latin typeface="Calibri Light"/>
-                <a:ea typeface="Calibri Light"/>
-                <a:cs typeface="Calibri Light"/>
-                <a:sym typeface="Calibri Light"/>
-              </a:defRPr>
-            </a:lvl1pPr>
-          </a:lstStyle>
-          <a:p>
-            <a:pPr/>
-            <a:r>
-              <a:t>CPU Usage without the P2P Algorithm</a:t>
-            </a:r>
-          </a:p>
-        </p:txBody>
-      </p:sp>
     </p:spTree>
   </p:cSld>
   <p:clrMapOvr>
@@ -9243,7 +9289,7 @@
         </p:blipFill>
         <p:spPr>
           <a:xfrm>
-            <a:off x="1321792" y="3505200"/>
+            <a:off x="1321792" y="3581400"/>
             <a:ext cx="4774260" cy="2222500"/>
           </a:xfrm>
           <a:prstGeom prst="rect">
@@ -9272,7 +9318,7 @@
         </p:blipFill>
         <p:spPr>
           <a:xfrm>
-            <a:off x="6223992" y="3505200"/>
+            <a:off x="6223992" y="3581400"/>
             <a:ext cx="4826001" cy="2222500"/>
           </a:xfrm>
           <a:prstGeom prst="rect">
@@ -9291,7 +9337,7 @@
         </p:nvSpPr>
         <p:spPr>
           <a:xfrm>
-            <a:off x="1803400" y="3086100"/>
+            <a:off x="1803400" y="3162300"/>
             <a:ext cx="3751875" cy="280797"/>
           </a:xfrm>
           <a:prstGeom prst="rect">
@@ -9332,7 +9378,7 @@
           <a:p>
             <a:pPr/>
             <a:r>
-              <a:t>Memory Usage with the P2P Algorithm</a:t>
+              <a:t>Memory Usage without the P2P Algorithm</a:t>
             </a:r>
           </a:p>
         </p:txBody>
@@ -9345,7 +9391,7 @@
         </p:nvSpPr>
         <p:spPr>
           <a:xfrm>
-            <a:off x="7010400" y="3086100"/>
+            <a:off x="7010400" y="3162300"/>
             <a:ext cx="3751875" cy="280797"/>
           </a:xfrm>
           <a:prstGeom prst="rect">
@@ -9386,7 +9432,7 @@
           <a:p>
             <a:pPr/>
             <a:r>
-              <a:t>Memory Usage without the P2P Algorithm</a:t>
+              <a:t>Memory Usage with the P2P Algorithm</a:t>
             </a:r>
           </a:p>
         </p:txBody>
@@ -9412,33 +9458,59 @@
           <a:bodyPr/>
           <a:lstStyle/>
           <a:p>
-            <a:pPr marL="200526" indent="-200526">
+            <a:pPr marL="186489" indent="-186489" defTabSz="850391">
+              <a:spcBef>
+                <a:spcPts val="1100"/>
+              </a:spcBef>
               <a:buClrTx/>
               <a:buFontTx/>
               <a:buChar char="•"/>
-            </a:pPr>
-            <a:r>
-              <a:t>Memory Usage Reduction of 41% by theP2P Algorithm</a:t>
-            </a:r>
-          </a:p>
-          <a:p>
-            <a:pPr marL="200526" indent="-200526">
+              <a:defRPr sz="1860"/>
+            </a:pPr>
+            <a:r>
+              <a:t>Memory Usage Evaluation with and without the P2P Algorithm</a:t>
+            </a:r>
+          </a:p>
+          <a:p>
+            <a:pPr lvl="1" marL="540819" indent="-186489" defTabSz="850391">
+              <a:spcBef>
+                <a:spcPts val="1100"/>
+              </a:spcBef>
               <a:buClrTx/>
               <a:buFontTx/>
               <a:buChar char="•"/>
-            </a:pPr>
-            <a:r>
-              <a:t>Resource Savings Due to the P2P Algorithm Utilization</a:t>
-            </a:r>
-          </a:p>
-          <a:p>
-            <a:pPr marL="200526" indent="-200526">
+              <a:defRPr sz="1860"/>
+            </a:pPr>
+            <a:r>
+              <a:t>Direct Data Transfer, Increased Memory Usage on LectureStudio Server</a:t>
+            </a:r>
+          </a:p>
+          <a:p>
+            <a:pPr lvl="1" marL="540819" indent="-186489" defTabSz="850391">
+              <a:spcBef>
+                <a:spcPts val="1100"/>
+              </a:spcBef>
               <a:buClrTx/>
               <a:buFontTx/>
               <a:buChar char="•"/>
-            </a:pPr>
-            <a:r>
-              <a:t>Task Distribution to Super Peers Lowers Server's Memory Usage Requirement</a:t>
+              <a:defRPr sz="1860"/>
+            </a:pPr>
+            <a:r>
+              <a:t>Memory Usage Reduction of 41% by the P2P Algorithm</a:t>
+            </a:r>
+          </a:p>
+          <a:p>
+            <a:pPr marL="186489" indent="-186489" defTabSz="850391">
+              <a:spcBef>
+                <a:spcPts val="1100"/>
+              </a:spcBef>
+              <a:buClrTx/>
+              <a:buFontTx/>
+              <a:buChar char="•"/>
+              <a:defRPr sz="1860"/>
+            </a:pPr>
+            <a:r>
+              <a:t>Manageable Increase in Memory Usage of Super Peers Handling Data Flow</a:t>
             </a:r>
           </a:p>
         </p:txBody>
@@ -9735,7 +9807,7 @@
               <a:defRPr sz="1779"/>
             </a:pPr>
             <a:r>
-              <a:t>First Configuration for Real Network Data Simulation in Performance Analysis</a:t>
+              <a:t>First Configuration:</a:t>
             </a:r>
           </a:p>
           <a:p>
@@ -9749,7 +9821,35 @@
               <a:defRPr sz="1779"/>
             </a:pPr>
             <a:r>
-              <a:t>Minimal Performance Difference between the P2P Algorithm and Server-Client Models</a:t>
+              <a:t>Simulation of Real Network Data Using Normal Distribution</a:t>
+            </a:r>
+          </a:p>
+          <a:p>
+            <a:pPr lvl="1" marL="517558" indent="-178468" defTabSz="813816">
+              <a:spcBef>
+                <a:spcPts val="1000"/>
+              </a:spcBef>
+              <a:buClrTx/>
+              <a:buFontTx/>
+              <a:buChar char="•"/>
+              <a:defRPr sz="1779"/>
+            </a:pPr>
+            <a:r>
+              <a:t>Minimal Difference between the P2P Algorithm and Server-Client Based Approach</a:t>
+            </a:r>
+          </a:p>
+          <a:p>
+            <a:pPr lvl="1" marL="517558" indent="-178468" defTabSz="813816">
+              <a:spcBef>
+                <a:spcPts val="1000"/>
+              </a:spcBef>
+              <a:buClrTx/>
+              <a:buFontTx/>
+              <a:buChar char="•"/>
+              <a:defRPr sz="1779"/>
+            </a:pPr>
+            <a:r>
+              <a:t>Optimization by the P2P Algorithm not Significant Advantageous with Small File Sizes</a:t>
             </a:r>
           </a:p>
           <a:p>
@@ -9763,7 +9863,7 @@
               <a:defRPr sz="1779"/>
             </a:pPr>
             <a:r>
-              <a:t>Second Configuration with Varied Mean Values for Data Simulation</a:t>
+              <a:t>Second Configuration:</a:t>
             </a:r>
           </a:p>
           <a:p>
@@ -9777,49 +9877,7 @@
               <a:defRPr sz="1779"/>
             </a:pPr>
             <a:r>
-              <a:t>The P2P Algorithm Efficiency Increase with More Peers and Larger Data Size</a:t>
-            </a:r>
-          </a:p>
-          <a:p>
-            <a:pPr marL="178468" indent="-178468" defTabSz="813816">
-              <a:spcBef>
-                <a:spcPts val="1000"/>
-              </a:spcBef>
-              <a:buClrTx/>
-              <a:buFontTx/>
-              <a:buChar char="•"/>
-              <a:defRPr sz="1779"/>
-            </a:pPr>
-            <a:r>
-              <a:t>Small File Sizes Limited Benefit from P2P Optimization</a:t>
-            </a:r>
-          </a:p>
-          <a:p>
-            <a:pPr marL="178468" indent="-178468" defTabSz="813816">
-              <a:spcBef>
-                <a:spcPts val="1000"/>
-              </a:spcBef>
-              <a:buClrTx/>
-              <a:buFontTx/>
-              <a:buChar char="•"/>
-              <a:defRPr sz="1779"/>
-            </a:pPr>
-            <a:r>
-              <a:t>Larger File Transfers Indicative of the P2P Algorithm Efficiency</a:t>
-            </a:r>
-          </a:p>
-          <a:p>
-            <a:pPr marL="178468" indent="-178468" defTabSz="813816">
-              <a:spcBef>
-                <a:spcPts val="1000"/>
-              </a:spcBef>
-              <a:buClrTx/>
-              <a:buFontTx/>
-              <a:buChar char="•"/>
-              <a:defRPr sz="1779"/>
-            </a:pPr>
-            <a:r>
-              <a:t>Variation in Average Upload and Download Speeds Across Configurations Affects Performance</a:t>
+              <a:t>Simulation Using Different Source for Mean Value (e.g., Germany)</a:t>
             </a:r>
           </a:p>
           <a:p>
@@ -9833,7 +9891,35 @@
               <a:defRPr sz="1779"/>
             </a:pPr>
             <a:r>
-              <a:t>Higher Average Speeds in Second Configuration for Enhanced Network Efficiency, Bottleneck Reduction</a:t>
+              <a:t>Combination of German Mean Values with Real Network Data's Standard Deviation</a:t>
+            </a:r>
+          </a:p>
+          <a:p>
+            <a:pPr lvl="1" marL="517558" indent="-178468" defTabSz="813816">
+              <a:spcBef>
+                <a:spcPts val="1000"/>
+              </a:spcBef>
+              <a:buClrTx/>
+              <a:buFontTx/>
+              <a:buChar char="•"/>
+              <a:defRPr sz="1779"/>
+            </a:pPr>
+            <a:r>
+              <a:t>Results with the P2P Algorithm Quite Good in this Configuration</a:t>
+            </a:r>
+          </a:p>
+          <a:p>
+            <a:pPr lvl="1" marL="517558" indent="-178468" defTabSz="813816">
+              <a:spcBef>
+                <a:spcPts val="1000"/>
+              </a:spcBef>
+              <a:buClrTx/>
+              <a:buFontTx/>
+              <a:buChar char="•"/>
+              <a:defRPr sz="1779"/>
+            </a:pPr>
+            <a:r>
+              <a:t>Efficiency Increases as Number of Peers and Data Size Grow</a:t>
             </a:r>
           </a:p>
         </p:txBody>
@@ -12850,7 +12936,7 @@
       </p:grpSpPr>
       <p:sp>
         <p:nvSpPr>
-          <p:cNvPr id="541" name="Challenges"/>
+          <p:cNvPr id="541" name="Conclusion and Future Work"/>
           <p:cNvSpPr txBox="1"/>
           <p:nvPr>
             <p:ph type="title"/>
@@ -12867,14 +12953,14 @@
           <a:p>
             <a:pPr/>
             <a:r>
-              <a:t>Challenges</a:t>
-            </a:r>
-          </a:p>
-        </p:txBody>
-      </p:sp>
-      <p:sp>
-        <p:nvSpPr>
-          <p:cNvPr id="542" name="Finding Real Network Dataset…"/>
+              <a:t>Conclusion and Future Work</a:t>
+            </a:r>
+          </a:p>
+        </p:txBody>
+      </p:sp>
+      <p:sp>
+        <p:nvSpPr>
+          <p:cNvPr id="542" name="Goal: Develop a Testbed for the P2P Data Distribution Algorithm…"/>
           <p:cNvSpPr txBox="1"/>
           <p:nvPr>
             <p:ph type="body" idx="1"/>
@@ -12889,83 +12975,199 @@
           <a:bodyPr/>
           <a:lstStyle/>
           <a:p>
-            <a:pPr marL="200526" indent="-200526">
+            <a:pPr marL="152399" indent="-152399" defTabSz="694944">
+              <a:spcBef>
+                <a:spcPts val="900"/>
+              </a:spcBef>
               <a:buClrTx/>
               <a:buFontTx/>
               <a:buChar char="•"/>
-            </a:pPr>
-            <a:r>
-              <a:t>Finding Real Network Dataset</a:t>
-            </a:r>
-          </a:p>
-          <a:p>
-            <a:pPr marL="200526" indent="-200526">
+              <a:defRPr sz="1520"/>
+            </a:pPr>
+            <a:r>
+              <a:t>Goal: Develop a Testbed for the P2P Data Distribution Algorithm</a:t>
+            </a:r>
+          </a:p>
+          <a:p>
+            <a:pPr lvl="1" marL="441959" indent="-152399" defTabSz="694944">
+              <a:spcBef>
+                <a:spcPts val="900"/>
+              </a:spcBef>
               <a:buClrTx/>
               <a:buFontTx/>
               <a:buChar char="•"/>
-            </a:pPr>
-            <a:r>
-              <a:t>Configuration of the Network Characteristics for Connections </a:t>
-            </a:r>
-          </a:p>
-          <a:p>
-            <a:pPr lvl="1" marL="581526" indent="-200526">
+              <a:defRPr sz="1520"/>
+            </a:pPr>
+            <a:r>
+              <a:t>Utilization of Docker and Containerlab for An Efficient, Isolated Testing Environment</a:t>
+            </a:r>
+          </a:p>
+          <a:p>
+            <a:pPr marL="152399" indent="-152399" defTabSz="694944">
+              <a:spcBef>
+                <a:spcPts val="900"/>
+              </a:spcBef>
               <a:buClrTx/>
               <a:buFontTx/>
               <a:buChar char="•"/>
-            </a:pPr>
-            <a:r>
-              <a:t>Bandwidth Limitation</a:t>
-            </a:r>
-          </a:p>
-          <a:p>
-            <a:pPr lvl="1" marL="581526" indent="-200526">
+              <a:defRPr sz="1520"/>
+            </a:pPr>
+            <a:r>
+              <a:t>Simulation of Real Network Environments and Complex Network Topologies</a:t>
+            </a:r>
+          </a:p>
+          <a:p>
+            <a:pPr lvl="1" marL="441959" indent="-152399" defTabSz="694944">
+              <a:spcBef>
+                <a:spcPts val="900"/>
+              </a:spcBef>
               <a:buClrTx/>
               <a:buFontTx/>
               <a:buChar char="•"/>
-            </a:pPr>
-            <a:r>
-              <a:t>Latency Addition</a:t>
-            </a:r>
-          </a:p>
-          <a:p>
-            <a:pPr lvl="1" marL="581526" indent="-200526">
+              <a:defRPr sz="1520"/>
+            </a:pPr>
+            <a:r>
+              <a:t>High Replication Accuracy of Bandwidth and Latency</a:t>
+            </a:r>
+          </a:p>
+          <a:p>
+            <a:pPr lvl="1" marL="441959" indent="-152399" defTabSz="694944">
+              <a:spcBef>
+                <a:spcPts val="900"/>
+              </a:spcBef>
               <a:buClrTx/>
               <a:buFontTx/>
               <a:buChar char="•"/>
-            </a:pPr>
-            <a:r>
-              <a:t>Packet Loss Simulation</a:t>
-            </a:r>
-          </a:p>
-          <a:p>
-            <a:pPr marL="200526" indent="-200526">
+              <a:defRPr sz="1520"/>
+            </a:pPr>
+            <a:r>
+              <a:t>Effective Scalability with Increasing Nodes</a:t>
+            </a:r>
+          </a:p>
+          <a:p>
+            <a:pPr marL="152399" indent="-152399" defTabSz="694944">
+              <a:spcBef>
+                <a:spcPts val="900"/>
+              </a:spcBef>
               <a:buClrTx/>
               <a:buFontTx/>
               <a:buChar char="•"/>
-            </a:pPr>
-            <a:r>
-              <a:t>Data Transmission between the LectureStudio Server and Peers (or Super Peers)</a:t>
-            </a:r>
-          </a:p>
-          <a:p>
-            <a:pPr marL="200526" indent="-200526">
+              <a:defRPr sz="1520"/>
+            </a:pPr>
+            <a:r>
+              <a:t>Performance of the P2P Algorithm </a:t>
+            </a:r>
+          </a:p>
+          <a:p>
+            <a:pPr lvl="1" marL="441959" indent="-152399" defTabSz="694944">
+              <a:spcBef>
+                <a:spcPts val="900"/>
+              </a:spcBef>
               <a:buClrTx/>
               <a:buFontTx/>
               <a:buChar char="•"/>
-            </a:pPr>
-            <a:r>
-              <a:t>Synchronisation Problem of Total Time</a:t>
-            </a:r>
-          </a:p>
-          <a:p>
-            <a:pPr marL="200526" indent="-200526">
+              <a:defRPr sz="1520"/>
+            </a:pPr>
+            <a:r>
+              <a:t>High Resource Usage Demand without P2P Algorithm on the LectureStudio Server</a:t>
+            </a:r>
+          </a:p>
+          <a:p>
+            <a:pPr lvl="1" marL="441959" indent="-152399" defTabSz="694944">
+              <a:spcBef>
+                <a:spcPts val="900"/>
+              </a:spcBef>
               <a:buClrTx/>
               <a:buFontTx/>
               <a:buChar char="•"/>
-            </a:pPr>
-            <a:r>
-              <a:t>Monitoring by Grafana, Prometheus and cAdvisor</a:t>
+              <a:defRPr sz="1520"/>
+            </a:pPr>
+            <a:r>
+              <a:t>Significant Reduction Achieved with P2P Algorithm on the LectureStudio Server</a:t>
+            </a:r>
+          </a:p>
+          <a:p>
+            <a:pPr lvl="1" marL="441959" indent="-152399" defTabSz="694944">
+              <a:spcBef>
+                <a:spcPts val="900"/>
+              </a:spcBef>
+              <a:buClrTx/>
+              <a:buFontTx/>
+              <a:buChar char="•"/>
+              <a:defRPr sz="1520"/>
+            </a:pPr>
+            <a:r>
+              <a:t>Limited Benefits Observed for Small Files</a:t>
+            </a:r>
+          </a:p>
+          <a:p>
+            <a:pPr lvl="1" marL="441959" indent="-152399" defTabSz="694944">
+              <a:spcBef>
+                <a:spcPts val="900"/>
+              </a:spcBef>
+              <a:buClrTx/>
+              <a:buFontTx/>
+              <a:buChar char="•"/>
+              <a:defRPr sz="1520"/>
+            </a:pPr>
+            <a:r>
+              <a:t>Increased Robustness of the P2P Algorithm with Larger Numbers of Peers and Data Sizes</a:t>
+            </a:r>
+          </a:p>
+          <a:p>
+            <a:pPr marL="152399" indent="-152399" defTabSz="694944">
+              <a:spcBef>
+                <a:spcPts val="900"/>
+              </a:spcBef>
+              <a:buClrTx/>
+              <a:buFontTx/>
+              <a:buChar char="•"/>
+              <a:defRPr sz="1520"/>
+            </a:pPr>
+            <a:r>
+              <a:t>Future Works</a:t>
+            </a:r>
+          </a:p>
+          <a:p>
+            <a:pPr lvl="1" marL="441959" indent="-152399" defTabSz="694944">
+              <a:spcBef>
+                <a:spcPts val="900"/>
+              </a:spcBef>
+              <a:buClrTx/>
+              <a:buFontTx/>
+              <a:buChar char="•"/>
+              <a:defRPr sz="1520"/>
+            </a:pPr>
+            <a:r>
+              <a:t>Enhancement of Packet Loss Simulation for Accurate Network Behavior</a:t>
+            </a:r>
+          </a:p>
+          <a:p>
+            <a:pPr lvl="1" marL="441959" indent="-152399" defTabSz="694944">
+              <a:spcBef>
+                <a:spcPts val="900"/>
+              </a:spcBef>
+              <a:buClrTx/>
+              <a:buFontTx/>
+              <a:buChar char="•"/>
+              <a:defRPr sz="1520"/>
+            </a:pPr>
+            <a:r>
+              <a:t>Automatic Integration between the Testbed and the P2P Algorithm Optimization</a:t>
+            </a:r>
+          </a:p>
+          <a:p>
+            <a:pPr lvl="1" marL="441959" indent="-152399" defTabSz="694944">
+              <a:spcBef>
+                <a:spcPts val="900"/>
+              </a:spcBef>
+              <a:buClrTx/>
+              <a:buFontTx/>
+              <a:buChar char="•"/>
+              <a:defRPr sz="1520"/>
+            </a:pPr>
+            <a:r>
+              <a:t>Development of A Graphical Testbed Interface for Easier Configuration and Real-Time Analysis</a:t>
             </a:r>
           </a:p>
         </p:txBody>
@@ -13055,7 +13257,7 @@
             </a:r>
             <a:r>
               <a:rPr u="sng"/>
-              <a:t>CHALLENGES</a:t>
+              <a:t>Conclusion and future work</a:t>
             </a:r>
           </a:p>
         </p:txBody>
@@ -13115,217 +13317,146 @@
       </p:grpSpPr>
       <p:sp>
         <p:nvSpPr>
-          <p:cNvPr id="547" name="Conclusion and Future Work"/>
+          <p:cNvPr id="547" name="Title 6"/>
           <p:cNvSpPr txBox="1"/>
           <p:nvPr>
             <p:ph type="title"/>
           </p:nvPr>
         </p:nvSpPr>
         <p:spPr>
+          <a:xfrm>
+            <a:off x="1097280" y="758950"/>
+            <a:ext cx="10058401" cy="3566164"/>
+          </a:xfrm>
           <a:prstGeom prst="rect">
             <a:avLst/>
           </a:prstGeom>
         </p:spPr>
         <p:txBody>
           <a:bodyPr/>
-          <a:lstStyle/>
-          <a:p>
-            <a:pPr/>
-            <a:r>
-              <a:t>Conclusion and Future Work</a:t>
-            </a:r>
-          </a:p>
-        </p:txBody>
-      </p:sp>
-      <p:sp>
-        <p:nvSpPr>
-          <p:cNvPr id="548" name="Goal: Develop a Testbed for the P2P Data Distribution Algorithm…"/>
+          <a:lstStyle>
+            <a:lvl1pPr algn="ctr">
+              <a:defRPr spc="-100"/>
+            </a:lvl1pPr>
+          </a:lstStyle>
+          <a:p>
+            <a:pPr/>
+            <a:r>
+              <a:t>Thank you for your attention!</a:t>
+            </a:r>
+          </a:p>
+        </p:txBody>
+      </p:sp>
+      <p:sp>
+        <p:nvSpPr>
+          <p:cNvPr id="548" name="Text Placeholder 7"/>
           <p:cNvSpPr txBox="1"/>
           <p:nvPr>
-            <p:ph type="body" idx="1"/>
+            <p:ph type="body" sz="quarter" idx="1"/>
           </p:nvPr>
         </p:nvSpPr>
         <p:spPr>
+          <a:xfrm>
+            <a:off x="1097280" y="4453128"/>
+            <a:ext cx="10058401" cy="1143003"/>
+          </a:xfrm>
           <a:prstGeom prst="rect">
             <a:avLst/>
           </a:prstGeom>
         </p:spPr>
         <p:txBody>
           <a:bodyPr/>
+          <a:lstStyle>
+            <a:lvl1pPr algn="ctr"/>
+          </a:lstStyle>
+          <a:p>
+            <a:pPr/>
+            <a:r>
+              <a:t>Any questions?</a:t>
+            </a:r>
+          </a:p>
+        </p:txBody>
+      </p:sp>
+      <p:sp>
+        <p:nvSpPr>
+          <p:cNvPr id="549" name="Slide Number Placeholder 5"/>
+          <p:cNvSpPr txBox="1"/>
+          <p:nvPr>
+            <p:ph type="sldNum" sz="quarter" idx="4294967295"/>
+          </p:nvPr>
+        </p:nvSpPr>
+        <p:spPr>
+          <a:xfrm>
+            <a:off x="10966732" y="6529493"/>
+            <a:ext cx="245747" cy="225705"/>
+          </a:xfrm>
+          <a:prstGeom prst="rect">
+            <a:avLst/>
+          </a:prstGeom>
+          <a:extLst>
+            <a:ext uri="{C572A759-6A51-4108-AA02-DFA0A04FC94B}">
+              <ma14:wrappingTextBoxFlag xmlns:ma14="http://schemas.microsoft.com/office/mac/drawingml/2011/main" val="1"/>
+            </a:ext>
+          </a:extLst>
+        </p:spPr>
+        <p:txBody>
+          <a:bodyPr lIns="45718" tIns="45718" rIns="45718" bIns="45718"/>
           <a:lstStyle/>
           <a:p>
-            <a:pPr marL="178468" indent="-178468" defTabSz="813816">
-              <a:spcBef>
-                <a:spcPts val="1000"/>
-              </a:spcBef>
-              <a:buClrTx/>
-              <a:buFontTx/>
-              <a:buChar char="•"/>
-              <a:defRPr sz="1779"/>
-            </a:pPr>
-            <a:r>
-              <a:t>Goal: Develop a Testbed for the P2P Data Distribution Algorithm</a:t>
-            </a:r>
-          </a:p>
-          <a:p>
-            <a:pPr lvl="1" marL="517558" indent="-178468" defTabSz="813816">
-              <a:spcBef>
-                <a:spcPts val="1000"/>
-              </a:spcBef>
-              <a:buClrTx/>
-              <a:buFontTx/>
-              <a:buChar char="•"/>
-              <a:defRPr sz="1779"/>
-            </a:pPr>
-            <a:r>
-              <a:t>Utilization of Docker and Containerlab for An Efficient, Isolated Testing Environment</a:t>
-            </a:r>
-          </a:p>
-          <a:p>
-            <a:pPr marL="178468" indent="-178468" defTabSz="813816">
-              <a:spcBef>
-                <a:spcPts val="1000"/>
-              </a:spcBef>
-              <a:buClrTx/>
-              <a:buFontTx/>
-              <a:buChar char="•"/>
-              <a:defRPr sz="1779"/>
-            </a:pPr>
-            <a:r>
-              <a:t>Simulation of Real Network Environments and Complex Network Topologies</a:t>
-            </a:r>
-          </a:p>
-          <a:p>
-            <a:pPr lvl="1" marL="517558" indent="-178468" defTabSz="813816">
-              <a:spcBef>
-                <a:spcPts val="1000"/>
-              </a:spcBef>
-              <a:buClrTx/>
-              <a:buFontTx/>
-              <a:buChar char="•"/>
-              <a:defRPr sz="1779"/>
-            </a:pPr>
-            <a:r>
-              <a:t>High Replication Accuracy of Bandwidth and Latency</a:t>
-            </a:r>
-          </a:p>
-          <a:p>
-            <a:pPr lvl="1" marL="517558" indent="-178468" defTabSz="813816">
-              <a:spcBef>
-                <a:spcPts val="1000"/>
-              </a:spcBef>
-              <a:buClrTx/>
-              <a:buFontTx/>
-              <a:buChar char="•"/>
-              <a:defRPr sz="1779"/>
-            </a:pPr>
-            <a:r>
-              <a:t>Effective Scalability with Increasing Nodes</a:t>
-            </a:r>
-          </a:p>
-          <a:p>
-            <a:pPr marL="178468" indent="-178468" defTabSz="813816">
-              <a:spcBef>
-                <a:spcPts val="1000"/>
-              </a:spcBef>
-              <a:buClrTx/>
-              <a:buFontTx/>
-              <a:buChar char="•"/>
-              <a:defRPr sz="1779"/>
-            </a:pPr>
-            <a:r>
-              <a:t>High Resource Demand without the P2P Algorithm; Significant Reduction with the P2P Algorithm</a:t>
-            </a:r>
-          </a:p>
-          <a:p>
-            <a:pPr lvl="1" marL="517558" indent="-178468" defTabSz="813816">
-              <a:spcBef>
-                <a:spcPts val="1000"/>
-              </a:spcBef>
-              <a:buClrTx/>
-              <a:buFontTx/>
-              <a:buChar char="•"/>
-              <a:defRPr sz="1779"/>
-            </a:pPr>
-            <a:r>
-              <a:t>Effective Data Distribution and Reduced Server Load through the P2P Algorithm</a:t>
-            </a:r>
-          </a:p>
-          <a:p>
-            <a:pPr marL="178468" indent="-178468" defTabSz="813816">
-              <a:spcBef>
-                <a:spcPts val="1000"/>
-              </a:spcBef>
-              <a:buClrTx/>
-              <a:buFontTx/>
-              <a:buChar char="•"/>
-              <a:defRPr sz="1779"/>
-            </a:pPr>
-            <a:r>
-              <a:t>Limited P2P Benefits for Small Files and Efficiency Improvements in Different Configurations</a:t>
-            </a:r>
-          </a:p>
-          <a:p>
-            <a:pPr marL="178468" indent="-178468" defTabSz="813816">
-              <a:spcBef>
-                <a:spcPts val="1000"/>
-              </a:spcBef>
-              <a:buClrTx/>
-              <a:buFontTx/>
-              <a:buChar char="•"/>
-              <a:defRPr sz="1779"/>
-            </a:pPr>
-            <a:r>
-              <a:t>Robustness of the P2P Algorithm with Increased Peers and Data Size</a:t>
-            </a:r>
-          </a:p>
-          <a:p>
-            <a:pPr marL="178468" indent="-178468" defTabSz="813816">
-              <a:spcBef>
-                <a:spcPts val="1000"/>
-              </a:spcBef>
-              <a:buClrTx/>
-              <a:buFontTx/>
-              <a:buChar char="•"/>
-              <a:defRPr sz="1779"/>
-            </a:pPr>
-            <a:r>
-              <a:t>Enhancement of Packet Loss Simulation for Accurate Network Behavior</a:t>
-            </a:r>
-          </a:p>
-          <a:p>
-            <a:pPr marL="178468" indent="-178468" defTabSz="813816">
-              <a:spcBef>
-                <a:spcPts val="1000"/>
-              </a:spcBef>
-              <a:buClrTx/>
-              <a:buFontTx/>
-              <a:buChar char="•"/>
-              <a:defRPr sz="1779"/>
-            </a:pPr>
-            <a:r>
-              <a:t>Automation between the Testbed and the P2P Algorithm Optimization</a:t>
-            </a:r>
-          </a:p>
-          <a:p>
-            <a:pPr marL="178468" indent="-178468" defTabSz="813816">
-              <a:spcBef>
-                <a:spcPts val="1000"/>
-              </a:spcBef>
-              <a:buClrTx/>
-              <a:buFontTx/>
-              <a:buChar char="•"/>
-              <a:defRPr sz="1779"/>
-            </a:pPr>
-            <a:r>
-              <a:t>Development of A Graphical Testbed Interface for Easier Configuration and Real-Time Analysis</a:t>
-            </a:r>
-          </a:p>
-        </p:txBody>
-      </p:sp>
-      <p:sp>
-        <p:nvSpPr>
-          <p:cNvPr id="549" name="Date Placeholder 3"/>
+            <a:pPr/>
+            <a:fld id="{86CB4B4D-7CA3-9044-876B-883B54F8677D}" type="slidenum"/>
+          </a:p>
+        </p:txBody>
+      </p:sp>
+      <p:sp>
+        <p:nvSpPr>
+          <p:cNvPr id="550" name="Footer Placeholder 4"/>
+          <p:cNvSpPr txBox="1"/>
+          <p:nvPr/>
+        </p:nvSpPr>
+        <p:spPr>
+          <a:xfrm>
+            <a:off x="3731905" y="6529495"/>
+            <a:ext cx="4731366" cy="225706"/>
+          </a:xfrm>
+          <a:prstGeom prst="rect">
+            <a:avLst/>
+          </a:prstGeom>
+          <a:ln w="12700">
+            <a:miter lim="400000"/>
+          </a:ln>
+          <a:extLst>
+            <a:ext uri="{C572A759-6A51-4108-AA02-DFA0A04FC94B}">
+              <ma14:wrappingTextBoxFlag xmlns:ma14="http://schemas.microsoft.com/office/mac/drawingml/2011/main" val="1"/>
+            </a:ext>
+          </a:extLst>
+        </p:spPr>
+        <p:txBody>
+          <a:bodyPr lIns="45718" tIns="45718" rIns="45718" bIns="45718" anchor="ctr">
+            <a:spAutoFit/>
+          </a:bodyPr>
+          <a:lstStyle/>
+          <a:p>
+            <a:pPr algn="ctr">
+              <a:defRPr b="1" cap="all" sz="1100">
+                <a:solidFill>
+                  <a:srgbClr val="FFFFFF"/>
+                </a:solidFill>
+              </a:defRPr>
+            </a:pPr>
+            <a:r>
+              <a:t>                                                           </a:t>
+            </a:r>
+            <a:r>
+              <a:rPr u="sng"/>
+              <a:t>questions</a:t>
+            </a:r>
+          </a:p>
+        </p:txBody>
+      </p:sp>
+      <p:sp>
+        <p:nvSpPr>
+          <p:cNvPr id="551" name="Date Placeholder 3"/>
           <p:cNvSpPr txBox="1"/>
           <p:nvPr/>
         </p:nvSpPr>
@@ -13364,79 +13495,6 @@
             <a:r>
               <a:t>25.03.2024</a:t>
             </a:r>
-          </a:p>
-        </p:txBody>
-      </p:sp>
-      <p:sp>
-        <p:nvSpPr>
-          <p:cNvPr id="550" name="Footer Placeholder 4"/>
-          <p:cNvSpPr txBox="1"/>
-          <p:nvPr/>
-        </p:nvSpPr>
-        <p:spPr>
-          <a:xfrm>
-            <a:off x="3731905" y="6529495"/>
-            <a:ext cx="4731366" cy="225706"/>
-          </a:xfrm>
-          <a:prstGeom prst="rect">
-            <a:avLst/>
-          </a:prstGeom>
-          <a:ln w="12700">
-            <a:miter lim="400000"/>
-          </a:ln>
-          <a:extLst>
-            <a:ext uri="{C572A759-6A51-4108-AA02-DFA0A04FC94B}">
-              <ma14:wrappingTextBoxFlag xmlns:ma14="http://schemas.microsoft.com/office/mac/drawingml/2011/main" val="1"/>
-            </a:ext>
-          </a:extLst>
-        </p:spPr>
-        <p:txBody>
-          <a:bodyPr lIns="45718" tIns="45718" rIns="45718" bIns="45718" anchor="ctr">
-            <a:spAutoFit/>
-          </a:bodyPr>
-          <a:lstStyle/>
-          <a:p>
-            <a:pPr algn="ctr">
-              <a:defRPr b="1" cap="all" sz="1100">
-                <a:solidFill>
-                  <a:srgbClr val="FFFFFF"/>
-                </a:solidFill>
-              </a:defRPr>
-            </a:pPr>
-            <a:r>
-              <a:t>                                                           </a:t>
-            </a:r>
-            <a:r>
-              <a:rPr u="sng"/>
-              <a:t>Conclusion and future work</a:t>
-            </a:r>
-          </a:p>
-        </p:txBody>
-      </p:sp>
-      <p:sp>
-        <p:nvSpPr>
-          <p:cNvPr id="551" name="Slide Number"/>
-          <p:cNvSpPr txBox="1"/>
-          <p:nvPr>
-            <p:ph type="sldNum" sz="quarter" idx="4294967295"/>
-          </p:nvPr>
-        </p:nvSpPr>
-        <p:spPr>
-          <a:prstGeom prst="rect">
-            <a:avLst/>
-          </a:prstGeom>
-          <a:extLst>
-            <a:ext uri="{C572A759-6A51-4108-AA02-DFA0A04FC94B}">
-              <ma14:wrappingTextBoxFlag xmlns:ma14="http://schemas.microsoft.com/office/mac/drawingml/2011/main" val="1"/>
-            </a:ext>
-          </a:extLst>
-        </p:spPr>
-        <p:txBody>
-          <a:bodyPr/>
-          <a:lstStyle/>
-          <a:p>
-            <a:pPr/>
-            <a:fld id="{86CB4B4D-7CA3-9044-876B-883B54F8677D}" type="slidenum"/>
           </a:p>
         </p:txBody>
       </p:sp>
@@ -13468,7 +13526,7 @@
       </p:grpSpPr>
       <p:sp>
         <p:nvSpPr>
-          <p:cNvPr id="553" name="Title 6"/>
+          <p:cNvPr id="553" name="References"/>
           <p:cNvSpPr txBox="1"/>
           <p:nvPr>
             <p:ph type="title"/>
@@ -13476,8 +13534,8 @@
         </p:nvSpPr>
         <p:spPr>
           <a:xfrm>
-            <a:off x="1097280" y="758950"/>
-            <a:ext cx="10058401" cy="3566164"/>
+            <a:off x="1097280" y="286603"/>
+            <a:ext cx="10058401" cy="919537"/>
           </a:xfrm>
           <a:prstGeom prst="rect">
             <a:avLst/>
@@ -13485,31 +13543,29 @@
         </p:spPr>
         <p:txBody>
           <a:bodyPr/>
-          <a:lstStyle>
-            <a:lvl1pPr algn="ctr">
+          <a:lstStyle/>
+          <a:p>
+            <a:pPr lvl="1">
               <a:defRPr spc="-100"/>
-            </a:lvl1pPr>
-          </a:lstStyle>
-          <a:p>
-            <a:pPr/>
-            <a:r>
-              <a:t>Thank you for your attention!</a:t>
-            </a:r>
-          </a:p>
-        </p:txBody>
-      </p:sp>
-      <p:sp>
-        <p:nvSpPr>
-          <p:cNvPr id="554" name="Text Placeholder 7"/>
+            </a:pPr>
+            <a:r>
+              <a:t>References</a:t>
+            </a:r>
+          </a:p>
+        </p:txBody>
+      </p:sp>
+      <p:sp>
+        <p:nvSpPr>
+          <p:cNvPr id="554" name="[1] https://www.data.gov.uk/dataset/dfe843da-06ca-4680-9ba0-fbb27319e402/uk-fixed-line-broadband-performance…"/>
           <p:cNvSpPr txBox="1"/>
           <p:nvPr>
-            <p:ph type="body" sz="quarter" idx="1"/>
+            <p:ph type="body" idx="1"/>
           </p:nvPr>
         </p:nvSpPr>
         <p:spPr>
           <a:xfrm>
-            <a:off x="1097280" y="4453128"/>
-            <a:ext cx="10058401" cy="1143003"/>
+            <a:off x="1097280" y="1354015"/>
+            <a:ext cx="10058401" cy="4515080"/>
           </a:xfrm>
           <a:prstGeom prst="rect">
             <a:avLst/>
@@ -13517,20 +13573,75 @@
         </p:spPr>
         <p:txBody>
           <a:bodyPr/>
-          <a:lstStyle>
-            <a:lvl1pPr algn="ctr"/>
-          </a:lstStyle>
-          <a:p>
-            <a:pPr/>
-            <a:r>
-              <a:t>Any questions?</a:t>
-            </a:r>
-          </a:p>
-        </p:txBody>
-      </p:sp>
-      <p:sp>
-        <p:nvSpPr>
-          <p:cNvPr id="555" name="Slide Number Placeholder 5"/>
+          <a:lstStyle/>
+          <a:p>
+            <a:pPr/>
+          </a:p>
+          <a:p>
+            <a:pPr/>
+            <a:r>
+              <a:t>[1] </a:t>
+            </a:r>
+            <a:r>
+              <a:rPr u="sng">
+                <a:solidFill>
+                  <a:srgbClr val="0000FF"/>
+                </a:solidFill>
+                <a:uFill>
+                  <a:solidFill>
+                    <a:srgbClr val="0000FF"/>
+                  </a:solidFill>
+                </a:uFill>
+                <a:hlinkClick r:id="rId2" invalidUrl="" action="" tgtFrame="" tooltip="" history="1" highlightClick="0" endSnd="0"/>
+              </a:rPr>
+              <a:t>https://www.data.gov.uk/dataset/dfe843da-06ca-4680-9ba0-fbb27319e402/uk-fixed-line-broadband-performance</a:t>
+            </a:r>
+          </a:p>
+          <a:p>
+            <a:pPr/>
+            <a:r>
+              <a:t>[2] </a:t>
+            </a:r>
+            <a:r>
+              <a:rPr u="sng">
+                <a:solidFill>
+                  <a:srgbClr val="0000FF"/>
+                </a:solidFill>
+                <a:uFill>
+                  <a:solidFill>
+                    <a:srgbClr val="0000FF"/>
+                  </a:solidFill>
+                </a:uFill>
+                <a:hlinkClick r:id="rId3" invalidUrl="" action="" tgtFrame="" tooltip="" history="1" highlightClick="0" endSnd="0"/>
+              </a:rPr>
+              <a:t>https://www.speedtest.net/</a:t>
+            </a:r>
+          </a:p>
+          <a:p>
+            <a:pPr/>
+            <a:r>
+              <a:t>[3] </a:t>
+            </a:r>
+            <a:r>
+              <a:rPr u="sng">
+                <a:solidFill>
+                  <a:srgbClr val="0000FF"/>
+                </a:solidFill>
+                <a:uFill>
+                  <a:solidFill>
+                    <a:srgbClr val="0000FF"/>
+                  </a:solidFill>
+                </a:uFill>
+                <a:hlinkClick r:id="rId4" invalidUrl="" action="" tgtFrame="" tooltip="" history="1" highlightClick="0" endSnd="0"/>
+              </a:rPr>
+              <a:t>https://containerlab.dev/manual/topo-def-file/</a:t>
+            </a:r>
+          </a:p>
+        </p:txBody>
+      </p:sp>
+      <p:sp>
+        <p:nvSpPr>
+          <p:cNvPr id="555" name="Slide Number"/>
           <p:cNvSpPr txBox="1"/>
           <p:nvPr>
             <p:ph type="sldNum" sz="quarter" idx="4294967295"/>
@@ -13538,8 +13649,8 @@
         </p:nvSpPr>
         <p:spPr>
           <a:xfrm>
-            <a:off x="10966732" y="6529493"/>
-            <a:ext cx="245747" cy="225705"/>
+            <a:off x="10966733" y="6529494"/>
+            <a:ext cx="245749" cy="225706"/>
           </a:xfrm>
           <a:prstGeom prst="rect">
             <a:avLst/>
@@ -13551,7 +13662,7 @@
           </a:extLst>
         </p:spPr>
         <p:txBody>
-          <a:bodyPr lIns="45718" tIns="45718" rIns="45718" bIns="45718"/>
+          <a:bodyPr/>
           <a:lstStyle/>
           <a:p>
             <a:pPr/>
@@ -13600,7 +13711,7 @@
             </a:r>
             <a:r>
               <a:rPr u="sng"/>
-              <a:t>questions</a:t>
+              <a:t>References</a:t>
             </a:r>
           </a:p>
         </p:txBody>
@@ -13677,17 +13788,13 @@
       </p:grpSpPr>
       <p:sp>
         <p:nvSpPr>
-          <p:cNvPr id="559" name="References"/>
+          <p:cNvPr id="559" name="Challenges"/>
           <p:cNvSpPr txBox="1"/>
           <p:nvPr>
             <p:ph type="title"/>
           </p:nvPr>
         </p:nvSpPr>
         <p:spPr>
-          <a:xfrm>
-            <a:off x="1097280" y="286603"/>
-            <a:ext cx="10058401" cy="919537"/>
-          </a:xfrm>
           <a:prstGeom prst="rect">
             <a:avLst/>
           </a:prstGeom>
@@ -13696,28 +13803,22 @@
           <a:bodyPr/>
           <a:lstStyle/>
           <a:p>
-            <a:pPr lvl="1">
-              <a:defRPr spc="-100"/>
-            </a:pPr>
-            <a:r>
-              <a:t>References</a:t>
-            </a:r>
-          </a:p>
-        </p:txBody>
-      </p:sp>
-      <p:sp>
-        <p:nvSpPr>
-          <p:cNvPr id="560" name="[1] https://www.data.gov.uk/dataset/dfe843da-06ca-4680-9ba0-fbb27319e402/uk-fixed-line-broadband-performance…"/>
+            <a:pPr/>
+            <a:r>
+              <a:t>Challenges</a:t>
+            </a:r>
+          </a:p>
+        </p:txBody>
+      </p:sp>
+      <p:sp>
+        <p:nvSpPr>
+          <p:cNvPr id="560" name="Finding Real Network Dataset…"/>
           <p:cNvSpPr txBox="1"/>
           <p:nvPr>
             <p:ph type="body" idx="1"/>
           </p:nvPr>
         </p:nvSpPr>
         <p:spPr>
-          <a:xfrm>
-            <a:off x="1097280" y="1354015"/>
-            <a:ext cx="10058401" cy="4515080"/>
-          </a:xfrm>
           <a:prstGeom prst="rect">
             <a:avLst/>
           </a:prstGeom>
@@ -13726,150 +13827,90 @@
           <a:bodyPr/>
           <a:lstStyle/>
           <a:p>
-            <a:pPr/>
-          </a:p>
-          <a:p>
-            <a:pPr/>
-            <a:r>
-              <a:t>[1] </a:t>
-            </a:r>
-            <a:r>
-              <a:rPr u="sng">
-                <a:solidFill>
-                  <a:srgbClr val="0000FF"/>
-                </a:solidFill>
-                <a:uFill>
-                  <a:solidFill>
-                    <a:srgbClr val="0000FF"/>
-                  </a:solidFill>
-                </a:uFill>
-                <a:hlinkClick r:id="rId2" invalidUrl="" action="" tgtFrame="" tooltip="" history="1" highlightClick="0" endSnd="0"/>
-              </a:rPr>
-              <a:t>https://www.data.gov.uk/dataset/dfe843da-06ca-4680-9ba0-fbb27319e402/uk-fixed-line-broadband-performance</a:t>
-            </a:r>
-          </a:p>
-          <a:p>
-            <a:pPr/>
-            <a:r>
-              <a:t>[2] </a:t>
-            </a:r>
-            <a:r>
-              <a:rPr u="sng">
-                <a:solidFill>
-                  <a:srgbClr val="0000FF"/>
-                </a:solidFill>
-                <a:uFill>
-                  <a:solidFill>
-                    <a:srgbClr val="0000FF"/>
-                  </a:solidFill>
-                </a:uFill>
-                <a:hlinkClick r:id="rId3" invalidUrl="" action="" tgtFrame="" tooltip="" history="1" highlightClick="0" endSnd="0"/>
-              </a:rPr>
-              <a:t>https://www.speedtest.net/</a:t>
-            </a:r>
-          </a:p>
-          <a:p>
-            <a:pPr/>
-            <a:r>
-              <a:t>[3] </a:t>
-            </a:r>
-            <a:r>
-              <a:rPr u="sng">
-                <a:solidFill>
-                  <a:srgbClr val="0000FF"/>
-                </a:solidFill>
-                <a:uFill>
-                  <a:solidFill>
-                    <a:srgbClr val="0000FF"/>
-                  </a:solidFill>
-                </a:uFill>
-                <a:hlinkClick r:id="rId4" invalidUrl="" action="" tgtFrame="" tooltip="" history="1" highlightClick="0" endSnd="0"/>
-              </a:rPr>
-              <a:t>https://containerlab.dev/manual/topo-def-file/</a:t>
-            </a:r>
-          </a:p>
-        </p:txBody>
-      </p:sp>
-      <p:sp>
-        <p:nvSpPr>
-          <p:cNvPr id="561" name="Slide Number"/>
-          <p:cNvSpPr txBox="1"/>
-          <p:nvPr>
-            <p:ph type="sldNum" sz="quarter" idx="4294967295"/>
-          </p:nvPr>
-        </p:nvSpPr>
-        <p:spPr>
-          <a:xfrm>
-            <a:off x="10966733" y="6529494"/>
-            <a:ext cx="245749" cy="225706"/>
-          </a:xfrm>
-          <a:prstGeom prst="rect">
-            <a:avLst/>
-          </a:prstGeom>
-          <a:extLst>
-            <a:ext uri="{C572A759-6A51-4108-AA02-DFA0A04FC94B}">
-              <ma14:wrappingTextBoxFlag xmlns:ma14="http://schemas.microsoft.com/office/mac/drawingml/2011/main" val="1"/>
-            </a:ext>
-          </a:extLst>
-        </p:spPr>
-        <p:txBody>
-          <a:bodyPr/>
-          <a:lstStyle/>
-          <a:p>
-            <a:pPr/>
-            <a:fld id="{86CB4B4D-7CA3-9044-876B-883B54F8677D}" type="slidenum"/>
-          </a:p>
-        </p:txBody>
-      </p:sp>
-      <p:sp>
-        <p:nvSpPr>
-          <p:cNvPr id="562" name="Footer Placeholder 4"/>
-          <p:cNvSpPr txBox="1"/>
-          <p:nvPr/>
-        </p:nvSpPr>
-        <p:spPr>
-          <a:xfrm>
-            <a:off x="3731905" y="6529495"/>
-            <a:ext cx="4731366" cy="225706"/>
-          </a:xfrm>
-          <a:prstGeom prst="rect">
-            <a:avLst/>
-          </a:prstGeom>
-          <a:ln w="12700">
-            <a:miter lim="400000"/>
-          </a:ln>
-          <a:extLst>
-            <a:ext uri="{C572A759-6A51-4108-AA02-DFA0A04FC94B}">
-              <ma14:wrappingTextBoxFlag xmlns:ma14="http://schemas.microsoft.com/office/mac/drawingml/2011/main" val="1"/>
-            </a:ext>
-          </a:extLst>
-        </p:spPr>
-        <p:txBody>
-          <a:bodyPr lIns="45718" tIns="45718" rIns="45718" bIns="45718" anchor="ctr">
-            <a:spAutoFit/>
-          </a:bodyPr>
-          <a:lstStyle/>
-          <a:p>
-            <a:pPr algn="ctr">
-              <a:defRPr b="1" cap="all" sz="1100">
-                <a:solidFill>
-                  <a:srgbClr val="FFFFFF"/>
-                </a:solidFill>
-              </a:defRPr>
-            </a:pPr>
-            <a:r>
-              <a:t>                                                           </a:t>
-            </a:r>
-            <a:r>
-              <a:rPr u="sng"/>
-              <a:t>References</a:t>
-            </a:r>
-          </a:p>
-        </p:txBody>
-      </p:sp>
-      <p:sp>
-        <p:nvSpPr>
-          <p:cNvPr id="563" name="Date Placeholder 3"/>
+            <a:pPr marL="200526" indent="-200526">
+              <a:buClrTx/>
+              <a:buFontTx/>
+              <a:buChar char="•"/>
+            </a:pPr>
+            <a:r>
+              <a:t>Finding Real Network Dataset</a:t>
+            </a:r>
+          </a:p>
+          <a:p>
+            <a:pPr marL="200526" indent="-200526">
+              <a:buClrTx/>
+              <a:buFontTx/>
+              <a:buChar char="•"/>
+            </a:pPr>
+            <a:r>
+              <a:t>Configuration and Validation of the Network Characteristics for Connections </a:t>
+            </a:r>
+          </a:p>
+          <a:p>
+            <a:pPr lvl="1" marL="581526" indent="-200526">
+              <a:buClrTx/>
+              <a:buFontTx/>
+              <a:buChar char="•"/>
+            </a:pPr>
+            <a:r>
+              <a:t>Bandwidth Limitation</a:t>
+            </a:r>
+          </a:p>
+          <a:p>
+            <a:pPr lvl="1" marL="581526" indent="-200526">
+              <a:buClrTx/>
+              <a:buFontTx/>
+              <a:buChar char="•"/>
+            </a:pPr>
+            <a:r>
+              <a:t>Latency Addition</a:t>
+            </a:r>
+          </a:p>
+          <a:p>
+            <a:pPr lvl="1" marL="581526" indent="-200526">
+              <a:buClrTx/>
+              <a:buFontTx/>
+              <a:buChar char="•"/>
+            </a:pPr>
+            <a:r>
+              <a:t>Packet Loss Simulation</a:t>
+            </a:r>
+          </a:p>
+          <a:p>
+            <a:pPr marL="200526" indent="-200526">
+              <a:buClrTx/>
+              <a:buFontTx/>
+              <a:buChar char="•"/>
+            </a:pPr>
+            <a:r>
+              <a:t>Data Transmission between the LectureStudio Server and Peers (or Super Peers)</a:t>
+            </a:r>
+          </a:p>
+          <a:p>
+            <a:pPr marL="200526" indent="-200526">
+              <a:buClrTx/>
+              <a:buFontTx/>
+              <a:buChar char="•"/>
+            </a:pPr>
+            <a:r>
+              <a:t>Synchronisation Problem of Total Time</a:t>
+            </a:r>
+          </a:p>
+          <a:p>
+            <a:pPr marL="200526" indent="-200526">
+              <a:buClrTx/>
+              <a:buFontTx/>
+              <a:buChar char="•"/>
+            </a:pPr>
+            <a:r>
+              <a:t>Monitoring by Grafana, Prometheus and cAdvisor</a:t>
+            </a:r>
+          </a:p>
+        </p:txBody>
+      </p:sp>
+      <p:sp>
+        <p:nvSpPr>
+          <p:cNvPr id="561" name="Date Placeholder 3"/>
           <p:cNvSpPr txBox="1"/>
           <p:nvPr/>
         </p:nvSpPr>
@@ -13908,6 +13949,79 @@
             <a:r>
               <a:t>25.03.2024</a:t>
             </a:r>
+          </a:p>
+        </p:txBody>
+      </p:sp>
+      <p:sp>
+        <p:nvSpPr>
+          <p:cNvPr id="562" name="Footer Placeholder 4"/>
+          <p:cNvSpPr txBox="1"/>
+          <p:nvPr/>
+        </p:nvSpPr>
+        <p:spPr>
+          <a:xfrm>
+            <a:off x="3731905" y="6529495"/>
+            <a:ext cx="4731366" cy="225706"/>
+          </a:xfrm>
+          <a:prstGeom prst="rect">
+            <a:avLst/>
+          </a:prstGeom>
+          <a:ln w="12700">
+            <a:miter lim="400000"/>
+          </a:ln>
+          <a:extLst>
+            <a:ext uri="{C572A759-6A51-4108-AA02-DFA0A04FC94B}">
+              <ma14:wrappingTextBoxFlag xmlns:ma14="http://schemas.microsoft.com/office/mac/drawingml/2011/main" val="1"/>
+            </a:ext>
+          </a:extLst>
+        </p:spPr>
+        <p:txBody>
+          <a:bodyPr lIns="45718" tIns="45718" rIns="45718" bIns="45718" anchor="ctr">
+            <a:spAutoFit/>
+          </a:bodyPr>
+          <a:lstStyle/>
+          <a:p>
+            <a:pPr algn="ctr">
+              <a:defRPr b="1" cap="all" sz="1100">
+                <a:solidFill>
+                  <a:srgbClr val="FFFFFF"/>
+                </a:solidFill>
+              </a:defRPr>
+            </a:pPr>
+            <a:r>
+              <a:t>                                                           </a:t>
+            </a:r>
+            <a:r>
+              <a:rPr u="sng"/>
+              <a:t>CHALLENGES</a:t>
+            </a:r>
+          </a:p>
+        </p:txBody>
+      </p:sp>
+      <p:sp>
+        <p:nvSpPr>
+          <p:cNvPr id="563" name="Slide Number"/>
+          <p:cNvSpPr txBox="1"/>
+          <p:nvPr>
+            <p:ph type="sldNum" sz="quarter" idx="4294967295"/>
+          </p:nvPr>
+        </p:nvSpPr>
+        <p:spPr>
+          <a:prstGeom prst="rect">
+            <a:avLst/>
+          </a:prstGeom>
+          <a:extLst>
+            <a:ext uri="{C572A759-6A51-4108-AA02-DFA0A04FC94B}">
+              <ma14:wrappingTextBoxFlag xmlns:ma14="http://schemas.microsoft.com/office/mac/drawingml/2011/main" val="1"/>
+            </a:ext>
+          </a:extLst>
+        </p:spPr>
+        <p:txBody>
+          <a:bodyPr/>
+          <a:lstStyle/>
+          <a:p>
+            <a:pPr/>
+            <a:fld id="{86CB4B4D-7CA3-9044-876B-883B54F8677D}" type="slidenum"/>
           </a:p>
         </p:txBody>
       </p:sp>

--- a/Abschlussvortrag.pptx
+++ b/Abschlussvortrag.pptx
@@ -5077,7 +5077,7 @@
               <a:buChar char="•"/>
             </a:pPr>
             <a:r>
-              <a:t>Configurating the Connection Characteristics Using Traffic Control Commands</a:t>
+              <a:t>Configuring the Connection Characteristics Using Traffic Control Commands</a:t>
             </a:r>
           </a:p>
           <a:p>
@@ -5127,7 +5127,7 @@
               <a:buChar char="•"/>
             </a:pPr>
             <a:r>
-              <a:t>Properties of Containerlab (exec, binds or cmd)</a:t>
+              <a:t>Properties of Containerlab (exec, binds, or cmd)</a:t>
             </a:r>
           </a:p>
           <a:p>
@@ -5278,7 +5278,7 @@
               </a:defRPr>
             </a:pPr>
             <a:r>
-              <a:t>Connection and data distribution among peers</a:t>
+              <a:t>Connection Strategy among peers</a:t>
             </a:r>
           </a:p>
         </p:txBody>
@@ -6552,7 +6552,7 @@
               <a:buChar char="•"/>
             </a:pPr>
             <a:r>
-              <a:t>Add Node Info in Testbed Setup</a:t>
+              <a:t>Add Node Info in the Testbed Setup</a:t>
             </a:r>
           </a:p>
           <a:p>
@@ -7221,7 +7221,7 @@
               <a:t>RQ1.1 </a:t>
             </a:r>
             <a:r>
-              <a:t>How Accurately Does the Testbed Measure the Configured Bandwidth, Latency and Packet Loss? </a:t>
+              <a:t>How Accurately Does the Testbed Measure the Configured Bandwidth, Latency, and Packet Loss? </a:t>
             </a:r>
             <a:br/>
           </a:p>
@@ -7237,7 +7237,7 @@
               <a:t>RQ1.2</a:t>
             </a:r>
             <a:r>
-              <a:t> How Well Does the Testbed Scale with More Nodes and Complex Topologies Affects The Host in Terms of Resource Utilization?</a:t>
+              <a:t> How Well Does the Testbed Scale with More Nodes and Complex Topologies Affect The Host in Terms of Resource Utilization?</a:t>
             </a:r>
           </a:p>
           <a:p>
@@ -7303,7 +7303,7 @@
             </a:r>
             <a:r>
               <a:rPr b="0"/>
-              <a:t>Overall, is the P2P Algorithm Efficient for Data Transfer? How Does the Total Duration Obtained with the P2P Algorithm Respond to the Changing Number of Peers and Data Size? </a:t>
+              <a:t>Overall, is the P2P Algorithm Efficient for Data Transfer? How Does the Total Duration Obtained by the P2P Algorithm Respond to the Changing Number of Peers and Data Size? </a:t>
             </a:r>
             <a:br/>
           </a:p>
@@ -7451,7 +7451,7 @@
             </a:r>
             <a:r>
               <a:rPr u="sng"/>
-              <a:t>ACCUracy of the testbed, rq1.2</a:t>
+              <a:t>ACCUracy of the testbed, rq1.2 (1)</a:t>
             </a:r>
           </a:p>
         </p:txBody>
@@ -7750,59 +7750,43 @@
           <a:bodyPr/>
           <a:lstStyle/>
           <a:p>
-            <a:pPr marL="190499" indent="-190499" defTabSz="868680">
-              <a:spcBef>
-                <a:spcPts val="1100"/>
-              </a:spcBef>
+            <a:pPr marL="200526" indent="-200526">
               <a:buClrTx/>
               <a:buFontTx/>
               <a:buChar char="•"/>
-              <a:defRPr sz="1900"/>
             </a:pPr>
             <a:r>
               <a:t>Discrepancy between Desired and Measured Values</a:t>
             </a:r>
           </a:p>
           <a:p>
-            <a:pPr marL="190499" indent="-190499" defTabSz="868680">
-              <a:spcBef>
-                <a:spcPts val="1100"/>
-              </a:spcBef>
+            <a:pPr marL="200526" indent="-200526">
               <a:buClrTx/>
               <a:buFontTx/>
               <a:buChar char="•"/>
-              <a:defRPr sz="1900"/>
             </a:pPr>
             <a:r>
               <a:t>More Nodes Result in Reduced Bandwidth Allocation, Leading to Increased Latency</a:t>
             </a:r>
           </a:p>
           <a:p>
-            <a:pPr marL="190499" indent="-190499" defTabSz="868680">
-              <a:spcBef>
-                <a:spcPts val="1100"/>
-              </a:spcBef>
+            <a:pPr marL="200526" indent="-200526">
               <a:buClrTx/>
               <a:buFontTx/>
               <a:buChar char="•"/>
-              <a:defRPr sz="1900"/>
             </a:pPr>
             <a:r>
               <a:t>Containerization Technologies Increase Latency, Reduce Overheads</a:t>
             </a:r>
           </a:p>
           <a:p>
-            <a:pPr marL="190499" indent="-190499" defTabSz="868680">
-              <a:spcBef>
-                <a:spcPts val="1100"/>
-              </a:spcBef>
+            <a:pPr marL="200526" indent="-200526">
               <a:buClrTx/>
               <a:buFontTx/>
               <a:buChar char="•"/>
-              <a:defRPr sz="1900"/>
-            </a:pPr>
-            <a:r>
-              <a:t>Reduced Bandwidth Increases CPU and Memory Usage, Affecting Network Performance and Latency</a:t>
+            </a:pPr>
+            <a:r>
+              <a:t>High CPU and Memory Usage, Affecting Network Performance and Latency</a:t>
             </a:r>
           </a:p>
         </p:txBody>
@@ -7874,7 +7858,7 @@
             </a:r>
             <a:r>
               <a:rPr u="sng"/>
-              <a:t>ACCUracy of the testbed, rq1.1</a:t>
+              <a:t>ACCUracy of the testbed, rq1.1 (2)</a:t>
             </a:r>
           </a:p>
         </p:txBody>
@@ -8004,8 +7988,8 @@
         </p:blipFill>
         <p:spPr>
           <a:xfrm>
-            <a:off x="1318119" y="3333075"/>
-            <a:ext cx="4419601" cy="2634791"/>
+            <a:off x="1437499" y="2714875"/>
+            <a:ext cx="3834541" cy="2286001"/>
           </a:xfrm>
           <a:prstGeom prst="rect">
             <a:avLst/>
@@ -8033,8 +8017,8 @@
         </p:blipFill>
         <p:spPr>
           <a:xfrm>
-            <a:off x="6464159" y="3327400"/>
-            <a:ext cx="4419601" cy="2634790"/>
+            <a:off x="6126339" y="2709200"/>
+            <a:ext cx="3834540" cy="2286001"/>
           </a:xfrm>
           <a:prstGeom prst="rect">
             <a:avLst/>
@@ -8052,8 +8036,8 @@
         </p:nvSpPr>
         <p:spPr>
           <a:xfrm>
-            <a:off x="1804022" y="2913930"/>
-            <a:ext cx="3751876" cy="280798"/>
+            <a:off x="1906468" y="2431196"/>
+            <a:ext cx="3196714" cy="248304"/>
           </a:xfrm>
           <a:prstGeom prst="rect">
             <a:avLst/>
@@ -8079,7 +8063,7 @@
               <a:lnSpc>
                 <a:spcPct val="85000"/>
               </a:lnSpc>
-              <a:defRPr spc="-14" sz="1400">
+              <a:defRPr spc="-12" sz="1200">
                 <a:solidFill>
                   <a:srgbClr val="404040"/>
                 </a:solidFill>
@@ -8106,8 +8090,8 @@
         </p:nvSpPr>
         <p:spPr>
           <a:xfrm>
-            <a:off x="6931045" y="2913930"/>
-            <a:ext cx="3841607" cy="280798"/>
+            <a:off x="6534459" y="2431196"/>
+            <a:ext cx="3341573" cy="248304"/>
           </a:xfrm>
           <a:prstGeom prst="rect">
             <a:avLst/>
@@ -8133,7 +8117,7 @@
               <a:lnSpc>
                 <a:spcPct val="85000"/>
               </a:lnSpc>
-              <a:defRPr spc="-14" sz="1400">
+              <a:defRPr spc="-12" sz="1200">
                 <a:solidFill>
                   <a:srgbClr val="404040"/>
                 </a:solidFill>
@@ -8163,7 +8147,7 @@
         <p:spPr>
           <a:xfrm>
             <a:off x="1097280" y="1358900"/>
-            <a:ext cx="10058401" cy="1402271"/>
+            <a:ext cx="10058401" cy="919537"/>
           </a:xfrm>
           <a:prstGeom prst="rect">
             <a:avLst/>
@@ -8173,33 +8157,135 @@
           <a:bodyPr/>
           <a:lstStyle/>
           <a:p>
-            <a:pPr marL="200526" indent="-200526">
+            <a:pPr marL="158415" indent="-158415" defTabSz="722376">
+              <a:spcBef>
+                <a:spcPts val="900"/>
+              </a:spcBef>
               <a:buClrTx/>
               <a:buFontTx/>
               <a:buChar char="•"/>
+              <a:defRPr sz="1580"/>
             </a:pPr>
             <a:r>
               <a:t>Accuracy of Measuring Tools</a:t>
             </a:r>
           </a:p>
           <a:p>
-            <a:pPr lvl="1" marL="581526" indent="-200526">
+            <a:pPr lvl="1" marL="459405" indent="-158415" defTabSz="722376">
+              <a:spcBef>
+                <a:spcPts val="900"/>
+              </a:spcBef>
               <a:buClrTx/>
               <a:buFontTx/>
               <a:buChar char="•"/>
+              <a:defRPr sz="1580"/>
             </a:pPr>
             <a:r>
               <a:t>Iperf Accuracy Results Variation from Actual Performance</a:t>
             </a:r>
           </a:p>
           <a:p>
-            <a:pPr lvl="1" marL="581526" indent="-200526">
+            <a:pPr lvl="1" marL="459405" indent="-158415" defTabSz="722376">
+              <a:spcBef>
+                <a:spcPts val="900"/>
+              </a:spcBef>
               <a:buClrTx/>
               <a:buFontTx/>
               <a:buChar char="•"/>
+              <a:defRPr sz="1580"/>
             </a:pPr>
             <a:r>
               <a:t>Variables Like Network Conditions, Configuration, System Overhead</a:t>
+            </a:r>
+          </a:p>
+        </p:txBody>
+      </p:sp>
+      <p:sp>
+        <p:nvSpPr>
+          <p:cNvPr id="483" name="Content Placeholder 2"/>
+          <p:cNvSpPr txBox="1"/>
+          <p:nvPr/>
+        </p:nvSpPr>
+        <p:spPr>
+          <a:xfrm>
+            <a:off x="1147811" y="5138420"/>
+            <a:ext cx="10058402" cy="919538"/>
+          </a:xfrm>
+          <a:prstGeom prst="rect">
+            <a:avLst/>
+          </a:prstGeom>
+          <a:ln w="12700">
+            <a:miter lim="400000"/>
+          </a:ln>
+          <a:extLst>
+            <a:ext uri="{C572A759-6A51-4108-AA02-DFA0A04FC94B}">
+              <ma14:wrappingTextBoxFlag xmlns:ma14="http://schemas.microsoft.com/office/mac/drawingml/2011/main" val="1"/>
+            </a:ext>
+          </a:extLst>
+        </p:spPr>
+        <p:txBody>
+          <a:bodyPr lIns="0" tIns="0" rIns="0" bIns="0">
+            <a:normAutofit fontScale="100000" lnSpcReduction="0"/>
+          </a:bodyPr>
+          <a:lstStyle/>
+          <a:p>
+            <a:pPr marL="158415" indent="-158415" defTabSz="722376">
+              <a:lnSpc>
+                <a:spcPct val="90000"/>
+              </a:lnSpc>
+              <a:spcBef>
+                <a:spcPts val="900"/>
+              </a:spcBef>
+              <a:buSzPct val="100000"/>
+              <a:buChar char="•"/>
+              <a:defRPr sz="1580">
+                <a:solidFill>
+                  <a:srgbClr val="404040"/>
+                </a:solidFill>
+              </a:defRPr>
+            </a:pPr>
+            <a:r>
+              <a:t>Testbed desired with Packet Loss Values from Real Network Data</a:t>
+            </a:r>
+          </a:p>
+          <a:p>
+            <a:pPr lvl="1" marL="459405" indent="-158415" defTabSz="722376">
+              <a:lnSpc>
+                <a:spcPct val="90000"/>
+              </a:lnSpc>
+              <a:spcBef>
+                <a:spcPts val="900"/>
+              </a:spcBef>
+              <a:buSzPct val="100000"/>
+              <a:buChar char="•"/>
+              <a:defRPr sz="1580">
+                <a:solidFill>
+                  <a:srgbClr val="404040"/>
+                </a:solidFill>
+              </a:defRPr>
+            </a:pPr>
+            <a:r>
+              <a:t>Noted Limitation in Accurately Measuring Packet Loss</a:t>
+            </a:r>
+          </a:p>
+          <a:p>
+            <a:pPr lvl="1" marL="459405" indent="-158415" defTabSz="722376">
+              <a:lnSpc>
+                <a:spcPct val="90000"/>
+              </a:lnSpc>
+              <a:spcBef>
+                <a:spcPts val="900"/>
+              </a:spcBef>
+              <a:buSzPct val="100000"/>
+              <a:buChar char="•"/>
+              <a:defRPr sz="1580">
+                <a:solidFill>
+                  <a:srgbClr val="404040"/>
+                </a:solidFill>
+              </a:defRPr>
+            </a:pPr>
+            <a:r>
+              <a:t>Increase of Latency with Observed Packet Losses</a:t>
             </a:r>
           </a:p>
         </p:txBody>
@@ -8232,7 +8318,7 @@
       </p:grpSpPr>
       <p:sp>
         <p:nvSpPr>
-          <p:cNvPr id="484" name="Footer Placeholder 4"/>
+          <p:cNvPr id="485" name="Footer Placeholder 4"/>
           <p:cNvSpPr txBox="1"/>
           <p:nvPr/>
         </p:nvSpPr>
@@ -8278,7 +8364,7 @@
       </p:sp>
       <p:sp>
         <p:nvSpPr>
-          <p:cNvPr id="485" name="Title 1"/>
+          <p:cNvPr id="486" name="Title 1"/>
           <p:cNvSpPr txBox="1"/>
           <p:nvPr>
             <p:ph type="title"/>
@@ -8310,7 +8396,7 @@
       </p:sp>
       <p:sp>
         <p:nvSpPr>
-          <p:cNvPr id="486" name="Slide Number Placeholder 5"/>
+          <p:cNvPr id="487" name="Slide Number Placeholder 5"/>
           <p:cNvSpPr txBox="1"/>
           <p:nvPr>
             <p:ph type="sldNum" sz="quarter" idx="4294967295"/>
@@ -8341,7 +8427,7 @@
       </p:sp>
       <p:sp>
         <p:nvSpPr>
-          <p:cNvPr id="487" name="Date Placeholder 3"/>
+          <p:cNvPr id="488" name="Date Placeholder 3"/>
           <p:cNvSpPr txBox="1"/>
           <p:nvPr/>
         </p:nvSpPr>
@@ -8385,7 +8471,7 @@
       </p:sp>
       <p:pic>
         <p:nvPicPr>
-          <p:cNvPr id="488" name="duration_deploying_destroying_containerlab.png" descr="duration_deploying_destroying_containerlab.png"/>
+          <p:cNvPr id="489" name="duration_deploying_destroying_containerlab.png" descr="duration_deploying_destroying_containerlab.png"/>
           <p:cNvPicPr>
             <a:picLocks noChangeAspect="1"/>
           </p:cNvPicPr>
@@ -8414,7 +8500,7 @@
       </p:pic>
       <p:sp>
         <p:nvSpPr>
-          <p:cNvPr id="489" name="Configuration of Containerlab File"/>
+          <p:cNvPr id="490" name="Configuration of Containerlab File"/>
           <p:cNvSpPr txBox="1"/>
           <p:nvPr/>
         </p:nvSpPr>
@@ -8468,7 +8554,7 @@
       </p:sp>
       <p:sp>
         <p:nvSpPr>
-          <p:cNvPr id="490" name="Configuration of Containerlab File"/>
+          <p:cNvPr id="491" name="Configuration of Containerlab File"/>
           <p:cNvSpPr txBox="1"/>
           <p:nvPr/>
         </p:nvSpPr>
@@ -8522,7 +8608,7 @@
       </p:sp>
       <p:sp>
         <p:nvSpPr>
-          <p:cNvPr id="491" name="Content Placeholder 2"/>
+          <p:cNvPr id="492" name="Content Placeholder 2"/>
           <p:cNvSpPr txBox="1"/>
           <p:nvPr>
             <p:ph type="body" sz="quarter" idx="1"/>
@@ -8541,42 +8627,42 @@
           <a:bodyPr/>
           <a:lstStyle/>
           <a:p>
-            <a:pPr marL="198520" indent="-198520" defTabSz="905255">
+            <a:pPr marL="188494" indent="-188494" defTabSz="859536">
               <a:spcBef>
                 <a:spcPts val="1100"/>
               </a:spcBef>
               <a:buClrTx/>
               <a:buFontTx/>
               <a:buChar char="•"/>
-              <a:defRPr sz="1979"/>
-            </a:pPr>
-            <a:r>
-              <a:t>Scaling Peers with Containerlab for Simplified Topology Deployment</a:t>
-            </a:r>
-          </a:p>
-          <a:p>
-            <a:pPr marL="198520" indent="-198520" defTabSz="905255">
+              <a:defRPr sz="1879"/>
+            </a:pPr>
+            <a:r>
+              <a:t>Scaling Peers with Containerlab for Simplified Topology Deployment and Destroying</a:t>
+            </a:r>
+          </a:p>
+          <a:p>
+            <a:pPr lvl="1" marL="546634" indent="-188494" defTabSz="859536">
               <a:spcBef>
                 <a:spcPts val="1100"/>
               </a:spcBef>
               <a:buClrTx/>
               <a:buFontTx/>
               <a:buChar char="•"/>
-              <a:defRPr sz="1979"/>
+              <a:defRPr sz="1879"/>
             </a:pPr>
             <a:r>
               <a:t>Deployment Time Increase of 5.37s per Additional Node</a:t>
             </a:r>
           </a:p>
           <a:p>
-            <a:pPr marL="198520" indent="-198520" defTabSz="905255">
+            <a:pPr lvl="1" marL="546634" indent="-188494" defTabSz="859536">
               <a:spcBef>
                 <a:spcPts val="1100"/>
               </a:spcBef>
               <a:buClrTx/>
               <a:buFontTx/>
               <a:buChar char="•"/>
-              <a:defRPr sz="1979"/>
+              <a:defRPr sz="1879"/>
             </a:pPr>
             <a:r>
               <a:t>Destroying Process Time Low, Approximately 9 Seconds for 75 Nodes</a:t>
@@ -8586,7 +8672,7 @@
       </p:sp>
       <p:sp>
         <p:nvSpPr>
-          <p:cNvPr id="492" name="Content Placeholder 2"/>
+          <p:cNvPr id="493" name="Content Placeholder 2"/>
           <p:cNvSpPr txBox="1"/>
           <p:nvPr/>
         </p:nvSpPr>
@@ -8629,11 +8715,11 @@
               </a:defRPr>
             </a:pPr>
             <a:r>
-              <a:t>CPU and Memory Usage Rise with More Peers Indicating Increased Host Load</a:t>
-            </a:r>
-          </a:p>
-          <a:p>
-            <a:pPr marL="188494" indent="-188494" defTabSz="859536">
+              <a:t>CPU and Memory Usage Rise with More Peers, Indicating Increased Host Load</a:t>
+            </a:r>
+          </a:p>
+          <a:p>
+            <a:pPr lvl="1" marL="546634" indent="-188494" defTabSz="859536">
               <a:lnSpc>
                 <a:spcPct val="90000"/>
               </a:lnSpc>
@@ -8649,11 +8735,11 @@
               </a:defRPr>
             </a:pPr>
             <a:r>
-              <a:t>CPU and Memory Utilization Increase Linearly Showing Scalable Performance</a:t>
-            </a:r>
-          </a:p>
-          <a:p>
-            <a:pPr marL="188494" indent="-188494" defTabSz="859536">
+              <a:t>CPU and Memory Usage Increase Linearly, Showing Scalable Performance</a:t>
+            </a:r>
+          </a:p>
+          <a:p>
+            <a:pPr lvl="1" marL="546634" indent="-188494" defTabSz="859536">
               <a:lnSpc>
                 <a:spcPct val="90000"/>
               </a:lnSpc>
@@ -8676,7 +8762,7 @@
       </p:sp>
       <p:pic>
         <p:nvPicPr>
-          <p:cNvPr id="493" name="Figure 2024-03-16 115618.png" descr="Figure 2024-03-16 115618.png"/>
+          <p:cNvPr id="494" name="Figure 2024-03-16 115618.png" descr="Figure 2024-03-16 115618.png"/>
           <p:cNvPicPr>
             <a:picLocks noChangeAspect="1"/>
           </p:cNvPicPr>
@@ -8731,7 +8817,7 @@
       </p:grpSpPr>
       <p:sp>
         <p:nvSpPr>
-          <p:cNvPr id="495" name="Footer Placeholder 4"/>
+          <p:cNvPr id="496" name="Footer Placeholder 4"/>
           <p:cNvSpPr txBox="1"/>
           <p:nvPr/>
         </p:nvSpPr>
@@ -8758,7 +8844,7 @@
           </a:bodyPr>
           <a:lstStyle>
             <a:lvl1pPr algn="ctr">
-              <a:defRPr b="1" cap="all" sz="1100">
+              <a:defRPr b="1" cap="all" sz="1100" u="sng">
                 <a:solidFill>
                   <a:srgbClr val="FFFFFF"/>
                 </a:solidFill>
@@ -8775,7 +8861,7 @@
       </p:sp>
       <p:sp>
         <p:nvSpPr>
-          <p:cNvPr id="496" name="Title 1"/>
+          <p:cNvPr id="497" name="Title 1"/>
           <p:cNvSpPr txBox="1"/>
           <p:nvPr>
             <p:ph type="title"/>
@@ -8807,7 +8893,7 @@
       </p:sp>
       <p:sp>
         <p:nvSpPr>
-          <p:cNvPr id="497" name="Content Placeholder 2"/>
+          <p:cNvPr id="498" name="Content Placeholder 2"/>
           <p:cNvSpPr txBox="1"/>
           <p:nvPr>
             <p:ph type="body" sz="half" idx="1"/>
@@ -8836,7 +8922,7 @@
               <a:defRPr sz="1580"/>
             </a:pPr>
             <a:r>
-              <a:t>Analysis of Resource Consumption (CPU and Memory Usage) of the P2P Algorithm Components (LectureStudio Server and Peers)</a:t>
+              <a:t>Analysis of Resource Consumption (CPU and Memory Usage) of the P2P Algorithm Components (the LectureStudio Server and Peers)</a:t>
             </a:r>
           </a:p>
           <a:p>
@@ -8850,7 +8936,7 @@
               <a:defRPr sz="1580"/>
             </a:pPr>
             <a:r>
-              <a:t>CPU Usage Evaluation with and without the P2P Algorithm</a:t>
+              <a:t>CPU Usage Evaluation with and without the P2P Algorithm in the Testbed</a:t>
             </a:r>
           </a:p>
           <a:p>
@@ -8899,7 +8985,7 @@
       </p:sp>
       <p:sp>
         <p:nvSpPr>
-          <p:cNvPr id="498" name="Slide Number Placeholder 5"/>
+          <p:cNvPr id="499" name="Slide Number Placeholder 5"/>
           <p:cNvSpPr txBox="1"/>
           <p:nvPr>
             <p:ph type="sldNum" sz="quarter" idx="4294967295"/>
@@ -8930,7 +9016,7 @@
       </p:sp>
       <p:sp>
         <p:nvSpPr>
-          <p:cNvPr id="499" name="Date Placeholder 3"/>
+          <p:cNvPr id="500" name="Date Placeholder 3"/>
           <p:cNvSpPr txBox="1"/>
           <p:nvPr/>
         </p:nvSpPr>
@@ -8974,7 +9060,7 @@
       </p:sp>
       <p:pic>
         <p:nvPicPr>
-          <p:cNvPr id="500" name="cpu_usage_50peers_withoutP2P.png" descr="cpu_usage_50peers_withoutP2P.png"/>
+          <p:cNvPr id="501" name="cpu_usage_50peers_withoutP2P.png" descr="cpu_usage_50peers_withoutP2P.png"/>
           <p:cNvPicPr>
             <a:picLocks noChangeAspect="1"/>
           </p:cNvPicPr>
@@ -9003,14 +9089,14 @@
       </p:pic>
       <p:sp>
         <p:nvSpPr>
-          <p:cNvPr id="501" name="Configuration of Containerlab File"/>
+          <p:cNvPr id="502" name="Configuration of Containerlab File"/>
           <p:cNvSpPr txBox="1"/>
           <p:nvPr/>
         </p:nvSpPr>
         <p:spPr>
           <a:xfrm>
-            <a:off x="2182688" y="3513981"/>
-            <a:ext cx="2667377" cy="248304"/>
+            <a:off x="2182688" y="3513982"/>
+            <a:ext cx="2667377" cy="248303"/>
           </a:xfrm>
           <a:prstGeom prst="rect">
             <a:avLst/>
@@ -9057,14 +9143,14 @@
       </p:sp>
       <p:sp>
         <p:nvSpPr>
-          <p:cNvPr id="502" name="Configuration of Containerlab File"/>
+          <p:cNvPr id="503" name="Configuration of Containerlab File"/>
           <p:cNvSpPr txBox="1"/>
           <p:nvPr/>
         </p:nvSpPr>
         <p:spPr>
           <a:xfrm>
-            <a:off x="7201955" y="3456425"/>
-            <a:ext cx="2595046" cy="248304"/>
+            <a:off x="7201954" y="3456425"/>
+            <a:ext cx="2595047" cy="248304"/>
           </a:xfrm>
           <a:prstGeom prst="rect">
             <a:avLst/>
@@ -9111,7 +9197,7 @@
       </p:sp>
       <p:pic>
         <p:nvPicPr>
-          <p:cNvPr id="503" name="cpu_usage_50peers_withP2P.png" descr="cpu_usage_50peers_withP2P.png"/>
+          <p:cNvPr id="504" name="cpu_usage_50peers_withP2P.png" descr="cpu_usage_50peers_withP2P.png"/>
           <p:cNvPicPr>
             <a:picLocks noChangeAspect="1"/>
           </p:cNvPicPr>
@@ -9166,7 +9252,7 @@
       </p:grpSpPr>
       <p:sp>
         <p:nvSpPr>
-          <p:cNvPr id="505" name="Title 1"/>
+          <p:cNvPr id="506" name="Title 1"/>
           <p:cNvSpPr txBox="1"/>
           <p:nvPr>
             <p:ph type="title"/>
@@ -9198,7 +9284,7 @@
       </p:sp>
       <p:sp>
         <p:nvSpPr>
-          <p:cNvPr id="506" name="Slide Number Placeholder 5"/>
+          <p:cNvPr id="507" name="Slide Number Placeholder 5"/>
           <p:cNvSpPr txBox="1"/>
           <p:nvPr>
             <p:ph type="sldNum" sz="quarter" idx="4294967295"/>
@@ -9229,7 +9315,7 @@
       </p:sp>
       <p:sp>
         <p:nvSpPr>
-          <p:cNvPr id="507" name="Date Placeholder 3"/>
+          <p:cNvPr id="508" name="Date Placeholder 3"/>
           <p:cNvSpPr txBox="1"/>
           <p:nvPr/>
         </p:nvSpPr>
@@ -9273,7 +9359,7 @@
       </p:sp>
       <p:pic>
         <p:nvPicPr>
-          <p:cNvPr id="508" name="memory_usage_50peers_withoutP2P.png" descr="memory_usage_50peers_withoutP2P.png"/>
+          <p:cNvPr id="509" name="memory_usage_50peers_withoutP2P.png" descr="memory_usage_50peers_withoutP2P.png"/>
           <p:cNvPicPr>
             <a:picLocks noChangeAspect="1"/>
           </p:cNvPicPr>
@@ -9289,8 +9375,8 @@
         </p:blipFill>
         <p:spPr>
           <a:xfrm>
-            <a:off x="1321792" y="3581400"/>
-            <a:ext cx="4774260" cy="2222500"/>
+            <a:off x="1321792" y="3352800"/>
+            <a:ext cx="4092223" cy="1905000"/>
           </a:xfrm>
           <a:prstGeom prst="rect">
             <a:avLst/>
@@ -9302,7 +9388,7 @@
       </p:pic>
       <p:pic>
         <p:nvPicPr>
-          <p:cNvPr id="509" name="memory_usage_50peers_withP2P.png" descr="memory_usage_50peers_withP2P.png"/>
+          <p:cNvPr id="510" name="memory_usage_50peers_withP2P.png" descr="memory_usage_50peers_withP2P.png"/>
           <p:cNvPicPr>
             <a:picLocks noChangeAspect="1"/>
           </p:cNvPicPr>
@@ -9318,8 +9404,8 @@
         </p:blipFill>
         <p:spPr>
           <a:xfrm>
-            <a:off x="6223992" y="3581400"/>
-            <a:ext cx="4826001" cy="2222500"/>
+            <a:off x="6223992" y="3352800"/>
+            <a:ext cx="4136572" cy="1905000"/>
           </a:xfrm>
           <a:prstGeom prst="rect">
             <a:avLst/>
@@ -9331,14 +9417,14 @@
       </p:pic>
       <p:sp>
         <p:nvSpPr>
-          <p:cNvPr id="510" name="Configuration of Containerlab File"/>
+          <p:cNvPr id="511" name="Configuration of Containerlab File"/>
           <p:cNvSpPr txBox="1"/>
           <p:nvPr/>
         </p:nvSpPr>
         <p:spPr>
           <a:xfrm>
-            <a:off x="1803400" y="3162300"/>
-            <a:ext cx="3751875" cy="280797"/>
+            <a:off x="1936282" y="3076248"/>
+            <a:ext cx="3129008" cy="248304"/>
           </a:xfrm>
           <a:prstGeom prst="rect">
             <a:avLst/>
@@ -9364,7 +9450,7 @@
               <a:lnSpc>
                 <a:spcPct val="85000"/>
               </a:lnSpc>
-              <a:defRPr spc="-14" sz="1400">
+              <a:defRPr spc="-12" sz="1200">
                 <a:solidFill>
                   <a:srgbClr val="404040"/>
                 </a:solidFill>
@@ -9385,14 +9471,14 @@
       </p:sp>
       <p:sp>
         <p:nvSpPr>
-          <p:cNvPr id="511" name="Configuration of Containerlab File"/>
+          <p:cNvPr id="512" name="Configuration of Containerlab File"/>
           <p:cNvSpPr txBox="1"/>
           <p:nvPr/>
         </p:nvSpPr>
         <p:spPr>
           <a:xfrm>
-            <a:off x="7010400" y="3162300"/>
-            <a:ext cx="3751875" cy="280797"/>
+            <a:off x="7087914" y="3076248"/>
+            <a:ext cx="2864434" cy="248304"/>
           </a:xfrm>
           <a:prstGeom prst="rect">
             <a:avLst/>
@@ -9418,7 +9504,7 @@
               <a:lnSpc>
                 <a:spcPct val="85000"/>
               </a:lnSpc>
-              <a:defRPr spc="-14" sz="1400">
+              <a:defRPr spc="-12" sz="1200">
                 <a:solidFill>
                   <a:srgbClr val="404040"/>
                 </a:solidFill>
@@ -9439,7 +9525,7 @@
       </p:sp>
       <p:sp>
         <p:nvSpPr>
-          <p:cNvPr id="512" name="Content Placeholder 2"/>
+          <p:cNvPr id="513" name="Content Placeholder 2"/>
           <p:cNvSpPr txBox="1"/>
           <p:nvPr>
             <p:ph type="body" sz="quarter" idx="1"/>
@@ -9468,7 +9554,7 @@
               <a:defRPr sz="1860"/>
             </a:pPr>
             <a:r>
-              <a:t>Memory Usage Evaluation with and without the P2P Algorithm</a:t>
+              <a:t>Memory Usage Evaluation with and without the P2P Algorithm in the Testbed</a:t>
             </a:r>
           </a:p>
           <a:p>
@@ -9482,7 +9568,7 @@
               <a:defRPr sz="1860"/>
             </a:pPr>
             <a:r>
-              <a:t>Direct Data Transfer, Increased Memory Usage on LectureStudio Server</a:t>
+              <a:t>Direct Data Transfer, Increased Memory Usage on the LectureStudio Server</a:t>
             </a:r>
           </a:p>
           <a:p>
@@ -9496,11 +9582,11 @@
               <a:defRPr sz="1860"/>
             </a:pPr>
             <a:r>
-              <a:t>Memory Usage Reduction of 41% by the P2P Algorithm</a:t>
-            </a:r>
-          </a:p>
-          <a:p>
-            <a:pPr marL="186489" indent="-186489" defTabSz="850391">
+              <a:t>P2P Algorithm, Data Distribution Leading to Decreased Memory Usage on the LectureStudio Server</a:t>
+            </a:r>
+          </a:p>
+          <a:p>
+            <a:pPr lvl="1" marL="540819" indent="-186489" defTabSz="850391">
               <a:spcBef>
                 <a:spcPts val="1100"/>
               </a:spcBef>
@@ -9510,14 +9596,14 @@
               <a:defRPr sz="1860"/>
             </a:pPr>
             <a:r>
-              <a:t>Manageable Increase in Memory Usage of Super Peers Handling Data Flow</a:t>
-            </a:r>
-          </a:p>
-        </p:txBody>
-      </p:sp>
-      <p:sp>
-        <p:nvSpPr>
-          <p:cNvPr id="513" name="Footer Placeholder 4"/>
+              <a:t>Memory Usage Reduction of 41% by the P2P Algorithm</a:t>
+            </a:r>
+          </a:p>
+        </p:txBody>
+      </p:sp>
+      <p:sp>
+        <p:nvSpPr>
+          <p:cNvPr id="514" name="Footer Placeholder 4"/>
           <p:cNvSpPr txBox="1"/>
           <p:nvPr/>
         </p:nvSpPr>
@@ -9544,7 +9630,7 @@
           </a:bodyPr>
           <a:lstStyle>
             <a:lvl1pPr algn="ctr">
-              <a:defRPr b="1" cap="all" sz="1100">
+              <a:defRPr b="1" cap="all" sz="1100" u="sng">
                 <a:solidFill>
                   <a:srgbClr val="FFFFFF"/>
                 </a:solidFill>
@@ -9555,6 +9641,58 @@
             <a:pPr/>
             <a:r>
               <a:t>CPU And memory usage analysis of nodes, rq2.1 (2)</a:t>
+            </a:r>
+          </a:p>
+        </p:txBody>
+      </p:sp>
+      <p:sp>
+        <p:nvSpPr>
+          <p:cNvPr id="515" name="Content Placeholder 2"/>
+          <p:cNvSpPr txBox="1"/>
+          <p:nvPr/>
+        </p:nvSpPr>
+        <p:spPr>
+          <a:xfrm>
+            <a:off x="1147811" y="5513861"/>
+            <a:ext cx="10058402" cy="823073"/>
+          </a:xfrm>
+          <a:prstGeom prst="rect">
+            <a:avLst/>
+          </a:prstGeom>
+          <a:ln w="12700">
+            <a:miter lim="400000"/>
+          </a:ln>
+          <a:extLst>
+            <a:ext uri="{C572A759-6A51-4108-AA02-DFA0A04FC94B}">
+              <ma14:wrappingTextBoxFlag xmlns:ma14="http://schemas.microsoft.com/office/mac/drawingml/2011/main" val="1"/>
+            </a:ext>
+          </a:extLst>
+        </p:spPr>
+        <p:txBody>
+          <a:bodyPr lIns="0" tIns="0" rIns="0" bIns="0">
+            <a:normAutofit fontScale="100000" lnSpcReduction="0"/>
+          </a:bodyPr>
+          <a:lstStyle>
+            <a:lvl1pPr marL="200526" indent="-200526" defTabSz="914400">
+              <a:lnSpc>
+                <a:spcPct val="90000"/>
+              </a:lnSpc>
+              <a:spcBef>
+                <a:spcPts val="1200"/>
+              </a:spcBef>
+              <a:buSzPct val="100000"/>
+              <a:buChar char="•"/>
+              <a:defRPr sz="2000">
+                <a:solidFill>
+                  <a:srgbClr val="404040"/>
+                </a:solidFill>
+              </a:defRPr>
+            </a:lvl1pPr>
+          </a:lstStyle>
+          <a:p>
+            <a:pPr/>
+            <a:r>
+              <a:t>Manageable Increase in Memory Usage of Super Peers Handling Data Flow </a:t>
             </a:r>
           </a:p>
         </p:txBody>
@@ -9587,7 +9725,7 @@
       </p:grpSpPr>
       <p:sp>
         <p:nvSpPr>
-          <p:cNvPr id="515" name="Performance Evaluation of the P2P Algorithm, RQ2.2 and RQ2.3 (1)"/>
+          <p:cNvPr id="517" name="Performance Evaluation of the P2P Algorithm, RQ2.2 and RQ2.3 (1)"/>
           <p:cNvSpPr txBox="1"/>
           <p:nvPr>
             <p:ph type="title"/>
@@ -9619,7 +9757,7 @@
       </p:sp>
       <p:sp>
         <p:nvSpPr>
-          <p:cNvPr id="516" name="Date Placeholder 3"/>
+          <p:cNvPr id="518" name="Date Placeholder 3"/>
           <p:cNvSpPr txBox="1"/>
           <p:nvPr/>
         </p:nvSpPr>
@@ -9663,7 +9801,7 @@
       </p:sp>
       <p:sp>
         <p:nvSpPr>
-          <p:cNvPr id="517" name="Footer Placeholder 4"/>
+          <p:cNvPr id="519" name="Footer Placeholder 4"/>
           <p:cNvSpPr txBox="1"/>
           <p:nvPr/>
         </p:nvSpPr>
@@ -9709,7 +9847,7 @@
       </p:sp>
       <p:sp>
         <p:nvSpPr>
-          <p:cNvPr id="518" name="Slide Number"/>
+          <p:cNvPr id="520" name="Slide Number"/>
           <p:cNvSpPr txBox="1"/>
           <p:nvPr>
             <p:ph type="sldNum" sz="quarter" idx="4294967295"/>
@@ -9736,7 +9874,7 @@
       </p:sp>
       <p:sp>
         <p:nvSpPr>
-          <p:cNvPr id="519" name="Test Duration Measurement from First to Last Acknowledgment Message…"/>
+          <p:cNvPr id="521" name="Test Duration Measurement from First to Last Acknowledgment Message…"/>
           <p:cNvSpPr txBox="1"/>
           <p:nvPr>
             <p:ph type="body" idx="1"/>
@@ -9779,7 +9917,7 @@
               <a:defRPr sz="1779"/>
             </a:pPr>
             <a:r>
-              <a:t>Over 1000 Tests Conducted</a:t>
+              <a:t>Over 1000 Tests Performed</a:t>
             </a:r>
           </a:p>
           <a:p>
@@ -9877,7 +10015,7 @@
               <a:defRPr sz="1779"/>
             </a:pPr>
             <a:r>
-              <a:t>Simulation Using Different Source for Mean Value (e.g., Germany)</a:t>
+              <a:t>Simulation Using Normal Distribution with Different Source for Mean Value (e.g., Germany)</a:t>
             </a:r>
           </a:p>
           <a:p>
@@ -9994,7 +10132,6 @@
               <a:t>Motivation</a:t>
             </a:r>
             <a:r>
-              <a:rPr b="0"/>
               <a:t> </a:t>
             </a:r>
           </a:p>
@@ -12056,7 +12193,7 @@
       </p:grpSpPr>
       <p:sp>
         <p:nvSpPr>
-          <p:cNvPr id="521" name="Performance Evaluation of the P2P Algorithm, RQ2.2 and RQ2.3 (2)"/>
+          <p:cNvPr id="523" name="Performance Evaluation of the P2P Algorithm, RQ2.2 and RQ2.3 (2)"/>
           <p:cNvSpPr txBox="1"/>
           <p:nvPr>
             <p:ph type="title"/>
@@ -12088,7 +12225,7 @@
       </p:sp>
       <p:sp>
         <p:nvSpPr>
-          <p:cNvPr id="522" name="Date Placeholder 3"/>
+          <p:cNvPr id="524" name="Date Placeholder 3"/>
           <p:cNvSpPr txBox="1"/>
           <p:nvPr/>
         </p:nvSpPr>
@@ -12132,7 +12269,7 @@
       </p:sp>
       <p:sp>
         <p:nvSpPr>
-          <p:cNvPr id="523" name="Slide Number"/>
+          <p:cNvPr id="525" name="Slide Number"/>
           <p:cNvSpPr txBox="1"/>
           <p:nvPr>
             <p:ph type="sldNum" sz="quarter" idx="4294967295"/>
@@ -12159,7 +12296,7 @@
       </p:sp>
       <p:pic>
         <p:nvPicPr>
-          <p:cNvPr id="524" name="implemantation2_20_peers_increasingfile.png" descr="implemantation2_20_peers_increasingfile.png"/>
+          <p:cNvPr id="526" name="implemantation2_20_peers_increasingfile.png" descr="implemantation2_20_peers_increasingfile.png"/>
           <p:cNvPicPr>
             <a:picLocks noChangeAspect="1"/>
           </p:cNvPicPr>
@@ -12188,7 +12325,7 @@
       </p:pic>
       <p:sp>
         <p:nvSpPr>
-          <p:cNvPr id="525" name="First Configuration with the LectureStudio Server and 20 Peers…"/>
+          <p:cNvPr id="527" name="First Configuration with the LectureStudio Server and 20 Peers…"/>
           <p:cNvSpPr txBox="1"/>
           <p:nvPr>
             <p:ph type="body" sz="half" idx="1"/>
@@ -12207,80 +12344,80 @@
           <a:bodyPr/>
           <a:lstStyle/>
           <a:p>
-            <a:pPr marL="178468" indent="-178468" defTabSz="813816">
+            <a:pPr marL="176462" indent="-176462" defTabSz="804672">
               <a:spcBef>
                 <a:spcPts val="1000"/>
               </a:spcBef>
               <a:buClrTx/>
               <a:buFontTx/>
               <a:buChar char="•"/>
-              <a:defRPr sz="1779"/>
+              <a:defRPr sz="1760"/>
             </a:pPr>
             <a:r>
               <a:t>First Configuration with the LectureStudio Server and 20 Peers</a:t>
             </a:r>
           </a:p>
           <a:p>
-            <a:pPr lvl="1" marL="517558" indent="-178468" defTabSz="813816">
+            <a:pPr lvl="1" marL="511742" indent="-176462" defTabSz="804672">
               <a:spcBef>
                 <a:spcPts val="1000"/>
               </a:spcBef>
               <a:buClrTx/>
               <a:buFontTx/>
               <a:buChar char="•"/>
-              <a:defRPr sz="1779"/>
-            </a:pPr>
-            <a:r>
-              <a:t>The P2P Algorithm Performance Little Worse to Traditional Approach</a:t>
-            </a:r>
-          </a:p>
-          <a:p>
-            <a:pPr marL="178468" indent="-178468" defTabSz="813816">
+              <a:defRPr sz="1760"/>
+            </a:pPr>
+            <a:r>
+              <a:t>The P2P Algorithm Performance Little Worse to the Traditional Approach</a:t>
+            </a:r>
+          </a:p>
+          <a:p>
+            <a:pPr marL="176462" indent="-176462" defTabSz="804672">
               <a:spcBef>
                 <a:spcPts val="1000"/>
               </a:spcBef>
               <a:buClrTx/>
               <a:buFontTx/>
               <a:buChar char="•"/>
-              <a:defRPr sz="1779"/>
+              <a:defRPr sz="1760"/>
             </a:pPr>
             <a:r>
               <a:t>Second Configuration with the LectureStudio Server and 20 Peers</a:t>
             </a:r>
           </a:p>
           <a:p>
-            <a:pPr lvl="1" marL="517558" indent="-178468" defTabSz="813816">
+            <a:pPr lvl="1" marL="511742" indent="-176462" defTabSz="804672">
               <a:spcBef>
                 <a:spcPts val="1000"/>
               </a:spcBef>
               <a:buClrTx/>
               <a:buFontTx/>
               <a:buChar char="•"/>
-              <a:defRPr sz="1779"/>
-            </a:pPr>
-            <a:r>
-              <a:t>Transferring 2MB Data Size, the P2P Algorithm Performance Nearly Identical to Traditional Approach</a:t>
-            </a:r>
-          </a:p>
-          <a:p>
-            <a:pPr lvl="1" marL="517558" indent="-178468" defTabSz="813816">
+              <a:defRPr sz="1760"/>
+            </a:pPr>
+            <a:r>
+              <a:t>Transferring 2MB Data Size, the P2P Algorithm Performance Nearly Identical to the Traditional Approach</a:t>
+            </a:r>
+          </a:p>
+          <a:p>
+            <a:pPr lvl="1" marL="511742" indent="-176462" defTabSz="804672">
               <a:spcBef>
                 <a:spcPts val="1000"/>
               </a:spcBef>
               <a:buClrTx/>
               <a:buFontTx/>
               <a:buChar char="•"/>
-              <a:defRPr sz="1779"/>
-            </a:pPr>
-            <a:r>
-              <a:t>Transferring 128MB Data Size, the P2P Algorithm Performance 27% Faster than Traditional Approach</a:t>
-            </a:r>
-          </a:p>
-        </p:txBody>
-      </p:sp>
-      <p:sp>
-        <p:nvSpPr>
-          <p:cNvPr id="526" name="Configuration of Containerlab File"/>
+              <a:defRPr sz="1760"/>
+            </a:pPr>
+            <a:r>
+              <a:t>Transferring 128MB Data Size, the P2P Algorithm Performance 27% Faster than the Traditional Approach</a:t>
+            </a:r>
+          </a:p>
+        </p:txBody>
+      </p:sp>
+      <p:sp>
+        <p:nvSpPr>
+          <p:cNvPr id="528" name="Configuration of Containerlab File"/>
           <p:cNvSpPr txBox="1"/>
           <p:nvPr/>
         </p:nvSpPr>
@@ -12334,7 +12471,7 @@
       </p:sp>
       <p:sp>
         <p:nvSpPr>
-          <p:cNvPr id="527" name="Configuration of Containerlab File"/>
+          <p:cNvPr id="529" name="Configuration of Containerlab File"/>
           <p:cNvSpPr txBox="1"/>
           <p:nvPr/>
         </p:nvSpPr>
@@ -12388,7 +12525,7 @@
       </p:sp>
       <p:pic>
         <p:nvPicPr>
-          <p:cNvPr id="528" name="implemantation1_20_peers_increasingfile.png" descr="implemantation1_20_peers_increasingfile.png"/>
+          <p:cNvPr id="530" name="implemantation1_20_peers_increasingfile.png" descr="implemantation1_20_peers_increasingfile.png"/>
           <p:cNvPicPr>
             <a:picLocks noChangeAspect="1"/>
           </p:cNvPicPr>
@@ -12417,7 +12554,7 @@
       </p:pic>
       <p:sp>
         <p:nvSpPr>
-          <p:cNvPr id="529" name="Footer Placeholder 4"/>
+          <p:cNvPr id="531" name="Footer Placeholder 4"/>
           <p:cNvSpPr txBox="1"/>
           <p:nvPr/>
         </p:nvSpPr>
@@ -12489,7 +12626,7 @@
       </p:grpSpPr>
       <p:sp>
         <p:nvSpPr>
-          <p:cNvPr id="531" name="Performance Evaluation of the P2P Algorithm, RQ2.2 and RQ2.3 (3)"/>
+          <p:cNvPr id="533" name="Performance Evaluation of the P2P Algorithm, RQ2.2 and RQ2.3 (3)"/>
           <p:cNvSpPr txBox="1"/>
           <p:nvPr>
             <p:ph type="title"/>
@@ -12521,7 +12658,7 @@
       </p:sp>
       <p:sp>
         <p:nvSpPr>
-          <p:cNvPr id="532" name="Date Placeholder 3"/>
+          <p:cNvPr id="534" name="Date Placeholder 3"/>
           <p:cNvSpPr txBox="1"/>
           <p:nvPr/>
         </p:nvSpPr>
@@ -12565,7 +12702,7 @@
       </p:sp>
       <p:sp>
         <p:nvSpPr>
-          <p:cNvPr id="533" name="Slide Number"/>
+          <p:cNvPr id="535" name="Slide Number"/>
           <p:cNvSpPr txBox="1"/>
           <p:nvPr>
             <p:ph type="sldNum" sz="quarter" idx="4294967295"/>
@@ -12592,7 +12729,7 @@
       </p:sp>
       <p:pic>
         <p:nvPicPr>
-          <p:cNvPr id="534" name="implemantation2_50_peers_increasingfile.png" descr="implemantation2_50_peers_increasingfile.png"/>
+          <p:cNvPr id="536" name="implemantation2_50_peers_increasingfile.png" descr="implemantation2_50_peers_increasingfile.png"/>
           <p:cNvPicPr>
             <a:picLocks noChangeAspect="1"/>
           </p:cNvPicPr>
@@ -12621,7 +12758,7 @@
       </p:pic>
       <p:sp>
         <p:nvSpPr>
-          <p:cNvPr id="535" name="Configuration of Containerlab File"/>
+          <p:cNvPr id="537" name="Configuration of Containerlab File"/>
           <p:cNvSpPr txBox="1"/>
           <p:nvPr/>
         </p:nvSpPr>
@@ -12675,7 +12812,7 @@
       </p:sp>
       <p:sp>
         <p:nvSpPr>
-          <p:cNvPr id="536" name="Configuration of Containerlab File"/>
+          <p:cNvPr id="538" name="Configuration of Containerlab File"/>
           <p:cNvSpPr txBox="1"/>
           <p:nvPr/>
         </p:nvSpPr>
@@ -12729,7 +12866,7 @@
       </p:sp>
       <p:sp>
         <p:nvSpPr>
-          <p:cNvPr id="537" name="First Configuration with the LectureStudio Server and 50 Peers…"/>
+          <p:cNvPr id="539" name="First Configuration with the LectureStudio Server and 50 Peers…"/>
           <p:cNvSpPr txBox="1"/>
           <p:nvPr>
             <p:ph type="body" sz="half" idx="1"/>
@@ -12748,94 +12885,94 @@
           <a:bodyPr/>
           <a:lstStyle/>
           <a:p>
-            <a:pPr marL="178468" indent="-178468" defTabSz="813816">
+            <a:pPr marL="176462" indent="-176462" defTabSz="804672">
               <a:spcBef>
                 <a:spcPts val="1000"/>
               </a:spcBef>
               <a:buClrTx/>
               <a:buFontTx/>
               <a:buChar char="•"/>
-              <a:defRPr sz="1779"/>
+              <a:defRPr sz="1760"/>
             </a:pPr>
             <a:r>
               <a:t>First Configuration with the LectureStudio Server and 50 Peers</a:t>
             </a:r>
           </a:p>
           <a:p>
-            <a:pPr lvl="1" marL="517558" indent="-178468" defTabSz="813816">
+            <a:pPr lvl="1" marL="511742" indent="-176462" defTabSz="804672">
               <a:spcBef>
                 <a:spcPts val="1000"/>
               </a:spcBef>
               <a:buClrTx/>
               <a:buFontTx/>
               <a:buChar char="•"/>
-              <a:defRPr sz="1779"/>
-            </a:pPr>
-            <a:r>
-              <a:t>Transferring 2MB Data Size, the P2P Algorithm Performance Nearly Identical to Traditional Approach</a:t>
-            </a:r>
-          </a:p>
-          <a:p>
-            <a:pPr lvl="1" marL="517558" indent="-178468" defTabSz="813816">
+              <a:defRPr sz="1760"/>
+            </a:pPr>
+            <a:r>
+              <a:t>Transferring 2MB Data Size, the P2P Algorithm Performance Nearly Identical to the Traditional Approach</a:t>
+            </a:r>
+          </a:p>
+          <a:p>
+            <a:pPr lvl="1" marL="511742" indent="-176462" defTabSz="804672">
               <a:spcBef>
                 <a:spcPts val="1000"/>
               </a:spcBef>
               <a:buClrTx/>
               <a:buFontTx/>
               <a:buChar char="•"/>
-              <a:defRPr sz="1779"/>
-            </a:pPr>
-            <a:r>
-              <a:t>Transferring 128MB Data Size, the P2P Algorithm Performance 5% Faster than Traditional Approach</a:t>
-            </a:r>
-          </a:p>
-          <a:p>
-            <a:pPr marL="178468" indent="-178468" defTabSz="813816">
+              <a:defRPr sz="1760"/>
+            </a:pPr>
+            <a:r>
+              <a:t>Transferring 128MB Data Size, the P2P Algorithm Performance 5% Faster than the Traditional Approach</a:t>
+            </a:r>
+          </a:p>
+          <a:p>
+            <a:pPr marL="176462" indent="-176462" defTabSz="804672">
               <a:spcBef>
                 <a:spcPts val="1000"/>
               </a:spcBef>
               <a:buClrTx/>
               <a:buFontTx/>
               <a:buChar char="•"/>
-              <a:defRPr sz="1779"/>
+              <a:defRPr sz="1760"/>
             </a:pPr>
             <a:r>
               <a:t>Second Configuration with the LectureStudio Server and 50 Peers</a:t>
             </a:r>
           </a:p>
           <a:p>
-            <a:pPr lvl="1" marL="517558" indent="-178468" defTabSz="813816">
+            <a:pPr lvl="1" marL="511742" indent="-176462" defTabSz="804672">
               <a:spcBef>
                 <a:spcPts val="1000"/>
               </a:spcBef>
               <a:buClrTx/>
               <a:buFontTx/>
               <a:buChar char="•"/>
-              <a:defRPr sz="1779"/>
-            </a:pPr>
-            <a:r>
-              <a:t>Transferring 2MB Data Size, the P2P Algorithm Performance 12% Faster than Traditional Approach</a:t>
-            </a:r>
-          </a:p>
-          <a:p>
-            <a:pPr lvl="1" marL="517558" indent="-178468" defTabSz="813816">
+              <a:defRPr sz="1760"/>
+            </a:pPr>
+            <a:r>
+              <a:t>Transferring 2MB Data Size, the P2P Algorithm Performance 12% Faster than the Traditional Approach</a:t>
+            </a:r>
+          </a:p>
+          <a:p>
+            <a:pPr lvl="1" marL="511742" indent="-176462" defTabSz="804672">
               <a:spcBef>
                 <a:spcPts val="1000"/>
               </a:spcBef>
               <a:buClrTx/>
               <a:buFontTx/>
               <a:buChar char="•"/>
-              <a:defRPr sz="1779"/>
-            </a:pPr>
-            <a:r>
-              <a:t>Transferring 128MB Data Size, the P2P Algorithm Performance 35% Faster than Traditional Approach</a:t>
+              <a:defRPr sz="1760"/>
+            </a:pPr>
+            <a:r>
+              <a:t>Transferring 128MB Data Size, the P2P Algorithm Performance 35% Faster than the Traditional Approach</a:t>
             </a:r>
           </a:p>
         </p:txBody>
       </p:sp>
       <p:pic>
         <p:nvPicPr>
-          <p:cNvPr id="538" name="implemantation1_50_peers_increasingfile.png" descr="implemantation1_50_peers_increasingfile.png"/>
+          <p:cNvPr id="540" name="implemantation1_50_peers_increasingfile.png" descr="implemantation1_50_peers_increasingfile.png"/>
           <p:cNvPicPr>
             <a:picLocks noChangeAspect="1"/>
           </p:cNvPicPr>
@@ -12864,7 +13001,7 @@
       </p:pic>
       <p:sp>
         <p:nvSpPr>
-          <p:cNvPr id="539" name="Footer Placeholder 4"/>
+          <p:cNvPr id="541" name="Footer Placeholder 4"/>
           <p:cNvSpPr txBox="1"/>
           <p:nvPr/>
         </p:nvSpPr>
@@ -12936,7 +13073,7 @@
       </p:grpSpPr>
       <p:sp>
         <p:nvSpPr>
-          <p:cNvPr id="541" name="Conclusion and Future Work"/>
+          <p:cNvPr id="543" name="Conclusion and Future Work"/>
           <p:cNvSpPr txBox="1"/>
           <p:nvPr>
             <p:ph type="title"/>
@@ -12960,7 +13097,7 @@
       </p:sp>
       <p:sp>
         <p:nvSpPr>
-          <p:cNvPr id="542" name="Goal: Develop a Testbed for the P2P Data Distribution Algorithm…"/>
+          <p:cNvPr id="544" name="Goal: Develop a Testbed for the P2P Data Distribution Algorithm…"/>
           <p:cNvSpPr txBox="1"/>
           <p:nvPr>
             <p:ph type="body" idx="1"/>
@@ -13069,7 +13206,7 @@
               <a:defRPr sz="1520"/>
             </a:pPr>
             <a:r>
-              <a:t>High Resource Usage Demand without P2P Algorithm on the LectureStudio Server</a:t>
+              <a:t>High Resource Usage Demand without the P2P Algorithm on the LectureStudio Server</a:t>
             </a:r>
           </a:p>
           <a:p>
@@ -13083,7 +13220,7 @@
               <a:defRPr sz="1520"/>
             </a:pPr>
             <a:r>
-              <a:t>Significant Reduction Achieved with P2P Algorithm on the LectureStudio Server</a:t>
+              <a:t>Significant Reduction Achieved with the P2P Algorithm on the LectureStudio Server</a:t>
             </a:r>
           </a:p>
           <a:p>
@@ -13174,7 +13311,7 @@
       </p:sp>
       <p:sp>
         <p:nvSpPr>
-          <p:cNvPr id="543" name="Date Placeholder 3"/>
+          <p:cNvPr id="545" name="Date Placeholder 3"/>
           <p:cNvSpPr txBox="1"/>
           <p:nvPr/>
         </p:nvSpPr>
@@ -13218,7 +13355,7 @@
       </p:sp>
       <p:sp>
         <p:nvSpPr>
-          <p:cNvPr id="544" name="Footer Placeholder 4"/>
+          <p:cNvPr id="546" name="Footer Placeholder 4"/>
           <p:cNvSpPr txBox="1"/>
           <p:nvPr/>
         </p:nvSpPr>
@@ -13264,7 +13401,7 @@
       </p:sp>
       <p:sp>
         <p:nvSpPr>
-          <p:cNvPr id="545" name="Slide Number"/>
+          <p:cNvPr id="547" name="Slide Number"/>
           <p:cNvSpPr txBox="1"/>
           <p:nvPr>
             <p:ph type="sldNum" sz="quarter" idx="4294967295"/>
@@ -13317,7 +13454,7 @@
       </p:grpSpPr>
       <p:sp>
         <p:nvSpPr>
-          <p:cNvPr id="547" name="Title 6"/>
+          <p:cNvPr id="549" name="Title 6"/>
           <p:cNvSpPr txBox="1"/>
           <p:nvPr>
             <p:ph type="title"/>
@@ -13349,7 +13486,7 @@
       </p:sp>
       <p:sp>
         <p:nvSpPr>
-          <p:cNvPr id="548" name="Text Placeholder 7"/>
+          <p:cNvPr id="550" name="Text Placeholder 7"/>
           <p:cNvSpPr txBox="1"/>
           <p:nvPr>
             <p:ph type="body" sz="quarter" idx="1"/>
@@ -13379,7 +13516,7 @@
       </p:sp>
       <p:sp>
         <p:nvSpPr>
-          <p:cNvPr id="549" name="Slide Number Placeholder 5"/>
+          <p:cNvPr id="551" name="Slide Number Placeholder 5"/>
           <p:cNvSpPr txBox="1"/>
           <p:nvPr>
             <p:ph type="sldNum" sz="quarter" idx="4294967295"/>
@@ -13410,7 +13547,7 @@
       </p:sp>
       <p:sp>
         <p:nvSpPr>
-          <p:cNvPr id="550" name="Footer Placeholder 4"/>
+          <p:cNvPr id="552" name="Footer Placeholder 4"/>
           <p:cNvSpPr txBox="1"/>
           <p:nvPr/>
         </p:nvSpPr>
@@ -13456,7 +13593,7 @@
       </p:sp>
       <p:sp>
         <p:nvSpPr>
-          <p:cNvPr id="551" name="Date Placeholder 3"/>
+          <p:cNvPr id="553" name="Date Placeholder 3"/>
           <p:cNvSpPr txBox="1"/>
           <p:nvPr/>
         </p:nvSpPr>
@@ -13526,7 +13663,7 @@
       </p:grpSpPr>
       <p:sp>
         <p:nvSpPr>
-          <p:cNvPr id="553" name="References"/>
+          <p:cNvPr id="555" name="References"/>
           <p:cNvSpPr txBox="1"/>
           <p:nvPr>
             <p:ph type="title"/>
@@ -13556,7 +13693,7 @@
       </p:sp>
       <p:sp>
         <p:nvSpPr>
-          <p:cNvPr id="554" name="[1] https://www.data.gov.uk/dataset/dfe843da-06ca-4680-9ba0-fbb27319e402/uk-fixed-line-broadband-performance…"/>
+          <p:cNvPr id="556" name="[1] https://www.data.gov.uk/dataset/dfe843da-06ca-4680-9ba0-fbb27319e402/uk-fixed-line-broadband-performance…"/>
           <p:cNvSpPr txBox="1"/>
           <p:nvPr>
             <p:ph type="body" idx="1"/>
@@ -13641,7 +13778,7 @@
       </p:sp>
       <p:sp>
         <p:nvSpPr>
-          <p:cNvPr id="555" name="Slide Number"/>
+          <p:cNvPr id="557" name="Slide Number"/>
           <p:cNvSpPr txBox="1"/>
           <p:nvPr>
             <p:ph type="sldNum" sz="quarter" idx="4294967295"/>
@@ -13672,7 +13809,7 @@
       </p:sp>
       <p:sp>
         <p:nvSpPr>
-          <p:cNvPr id="556" name="Footer Placeholder 4"/>
+          <p:cNvPr id="558" name="Footer Placeholder 4"/>
           <p:cNvSpPr txBox="1"/>
           <p:nvPr/>
         </p:nvSpPr>
@@ -13718,7 +13855,7 @@
       </p:sp>
       <p:sp>
         <p:nvSpPr>
-          <p:cNvPr id="557" name="Date Placeholder 3"/>
+          <p:cNvPr id="559" name="Date Placeholder 3"/>
           <p:cNvSpPr txBox="1"/>
           <p:nvPr/>
         </p:nvSpPr>
@@ -13788,7 +13925,7 @@
       </p:grpSpPr>
       <p:sp>
         <p:nvSpPr>
-          <p:cNvPr id="559" name="Challenges"/>
+          <p:cNvPr id="561" name="Challenges"/>
           <p:cNvSpPr txBox="1"/>
           <p:nvPr>
             <p:ph type="title"/>
@@ -13812,7 +13949,7 @@
       </p:sp>
       <p:sp>
         <p:nvSpPr>
-          <p:cNvPr id="560" name="Finding Real Network Dataset…"/>
+          <p:cNvPr id="562" name="Finding Real Network Dataset…"/>
           <p:cNvSpPr txBox="1"/>
           <p:nvPr>
             <p:ph type="body" idx="1"/>
@@ -13903,14 +14040,14 @@
               <a:buChar char="•"/>
             </a:pPr>
             <a:r>
-              <a:t>Monitoring by Grafana, Prometheus and cAdvisor</a:t>
-            </a:r>
-          </a:p>
-        </p:txBody>
-      </p:sp>
-      <p:sp>
-        <p:nvSpPr>
-          <p:cNvPr id="561" name="Date Placeholder 3"/>
+              <a:t>Monitoring by Grafana, Prometheus, and cAdvisor</a:t>
+            </a:r>
+          </a:p>
+        </p:txBody>
+      </p:sp>
+      <p:sp>
+        <p:nvSpPr>
+          <p:cNvPr id="563" name="Date Placeholder 3"/>
           <p:cNvSpPr txBox="1"/>
           <p:nvPr/>
         </p:nvSpPr>
@@ -13954,7 +14091,7 @@
       </p:sp>
       <p:sp>
         <p:nvSpPr>
-          <p:cNvPr id="562" name="Footer Placeholder 4"/>
+          <p:cNvPr id="564" name="Footer Placeholder 4"/>
           <p:cNvSpPr txBox="1"/>
           <p:nvPr/>
         </p:nvSpPr>
@@ -14000,7 +14137,7 @@
       </p:sp>
       <p:sp>
         <p:nvSpPr>
-          <p:cNvPr id="563" name="Slide Number"/>
+          <p:cNvPr id="565" name="Slide Number"/>
           <p:cNvSpPr txBox="1"/>
           <p:nvPr>
             <p:ph type="sldNum" sz="quarter" idx="4294967295"/>
@@ -14389,7 +14526,7 @@
               <a:defRPr sz="1900"/>
             </a:pPr>
             <a:r>
-              <a:t>Evaluating of the Testbed and the P2P Algorithm Performance</a:t>
+              <a:t>Evaluating the Testbed and the P2P Algorithm Performance</a:t>
             </a:r>
           </a:p>
         </p:txBody>
@@ -15730,7 +15867,7 @@
               <a:buChar char="•"/>
             </a:pPr>
             <a:r>
-              <a:t>Having Mean and Standard Deviation from UK and Germany Based Data</a:t>
+              <a:t>Having Mean and Standard Deviation from UK and Germany-Based Data</a:t>
             </a:r>
           </a:p>
         </p:txBody>
@@ -17775,7 +17912,7 @@
               <a:defRPr spc="-120"/>
             </a:pPr>
             <a:r>
-              <a:t>Container—Based Testbed Environment</a:t>
+              <a:t>Container-Based Testbed Environment</a:t>
             </a:r>
           </a:p>
         </p:txBody>
@@ -17975,7 +18112,7 @@
               </a:defRPr>
             </a:pPr>
             <a:r>
-              <a:t>Management of Container-Testbed Environment</a:t>
+              <a:t>Container-Based Testbed Environment</a:t>
             </a:r>
           </a:p>
         </p:txBody>
@@ -18492,7 +18629,7 @@
         <p:spPr>
           <a:xfrm>
             <a:off x="7302802" y="2949396"/>
-            <a:ext cx="2822827" cy="248304"/>
+            <a:ext cx="2822826" cy="248304"/>
           </a:xfrm>
           <a:prstGeom prst="rect">
             <a:avLst/>
@@ -18555,7 +18692,7 @@
         </p:blipFill>
         <p:spPr>
           <a:xfrm>
-            <a:off x="10037012" y="5459292"/>
+            <a:off x="10037012" y="5621852"/>
             <a:ext cx="223437" cy="243839"/>
           </a:xfrm>
           <a:prstGeom prst="rect">
@@ -18707,7 +18844,7 @@
         </p:nvSpPr>
         <p:spPr>
           <a:xfrm>
-            <a:off x="9128820" y="3706416"/>
+            <a:off x="9128821" y="3706416"/>
             <a:ext cx="284410" cy="285708"/>
           </a:xfrm>
           <a:prstGeom prst="rect">
@@ -18739,7 +18876,7 @@
         </p:nvSpPr>
         <p:spPr>
           <a:xfrm>
-            <a:off x="9128820" y="4137534"/>
+            <a:off x="9128821" y="4137534"/>
             <a:ext cx="284410" cy="285708"/>
           </a:xfrm>
           <a:prstGeom prst="ellipse">
@@ -18916,7 +19053,7 @@
         <p:spPr>
           <a:xfrm>
             <a:off x="9532102" y="4144699"/>
-            <a:ext cx="1802856" cy="285707"/>
+            <a:ext cx="1802856" cy="285708"/>
           </a:xfrm>
           <a:prstGeom prst="rect">
             <a:avLst/>
@@ -19034,7 +19171,7 @@
         </p:blipFill>
         <p:spPr>
           <a:xfrm>
-            <a:off x="9009969" y="5616870"/>
+            <a:off x="9009968" y="5616870"/>
             <a:ext cx="233469" cy="254787"/>
           </a:xfrm>
           <a:prstGeom prst="rect">
@@ -20532,7 +20669,7 @@
         </p:blipFill>
         <p:spPr>
           <a:xfrm>
-            <a:off x="2075167" y="4664558"/>
+            <a:off x="2075166" y="4664558"/>
             <a:ext cx="447442" cy="447442"/>
           </a:xfrm>
           <a:prstGeom prst="rect">
@@ -20551,7 +20688,7 @@
         </p:nvSpPr>
         <p:spPr>
           <a:xfrm>
-            <a:off x="2566246" y="4889740"/>
+            <a:off x="2566246" y="4889741"/>
             <a:ext cx="257949" cy="285037"/>
           </a:xfrm>
           <a:prstGeom prst="ellipse">
@@ -20951,7 +21088,7 @@
         </p:nvSpPr>
         <p:spPr>
           <a:xfrm flipV="1">
-            <a:off x="2915636" y="4964413"/>
+            <a:off x="2915636" y="4964414"/>
             <a:ext cx="634343" cy="1"/>
           </a:xfrm>
           <a:prstGeom prst="line">
@@ -21688,7 +21825,7 @@
         <p:spPr>
           <a:xfrm>
             <a:off x="3731905" y="6529495"/>
-            <a:ext cx="4731366" cy="225706"/>
+            <a:ext cx="5405736" cy="225706"/>
           </a:xfrm>
           <a:prstGeom prst="rect">
             <a:avLst/>
@@ -21716,7 +21853,7 @@
               </a:defRPr>
             </a:pPr>
             <a:r>
-              <a:t>Configuring the Testbed Environment</a:t>
+              <a:t>Configuring the components of the p2p algorithm</a:t>
             </a:r>
           </a:p>
         </p:txBody>
@@ -21729,7 +21866,7 @@
         </p:nvSpPr>
         <p:spPr>
           <a:xfrm>
-            <a:off x="1245222" y="2007181"/>
+            <a:off x="1397000" y="2007181"/>
             <a:ext cx="3344360" cy="3867804"/>
           </a:xfrm>
           <a:prstGeom prst="rect">
@@ -22645,8 +22782,8 @@
         </p:nvSpPr>
         <p:spPr>
           <a:xfrm>
-            <a:off x="1245222" y="1397677"/>
-            <a:ext cx="3751876" cy="480994"/>
+            <a:off x="1244600" y="1397000"/>
+            <a:ext cx="3686867" cy="480994"/>
           </a:xfrm>
           <a:prstGeom prst="rect">
             <a:avLst/>
@@ -22709,7 +22846,7 @@
         </p:blipFill>
         <p:spPr>
           <a:xfrm>
-            <a:off x="4302522" y="5737646"/>
+            <a:off x="4688602" y="5722586"/>
             <a:ext cx="223437" cy="243839"/>
           </a:xfrm>
           <a:prstGeom prst="rect">
@@ -22728,7 +22865,7 @@
         </p:nvSpPr>
         <p:spPr>
           <a:xfrm>
-            <a:off x="7105773" y="5101394"/>
+            <a:off x="6800973" y="5101394"/>
             <a:ext cx="357123" cy="273007"/>
           </a:xfrm>
           <a:prstGeom prst="roundRect">
@@ -22762,7 +22899,7 @@
         </p:nvSpPr>
         <p:spPr>
           <a:xfrm>
-            <a:off x="8318720" y="5095044"/>
+            <a:off x="8013920" y="5095044"/>
             <a:ext cx="284410" cy="285707"/>
           </a:xfrm>
           <a:prstGeom prst="rect">
@@ -22794,7 +22931,7 @@
         </p:nvSpPr>
         <p:spPr>
           <a:xfrm>
-            <a:off x="9149460" y="5094636"/>
+            <a:off x="8844660" y="5094636"/>
             <a:ext cx="284410" cy="285708"/>
           </a:xfrm>
           <a:prstGeom prst="ellipse">
@@ -22825,7 +22962,7 @@
         </p:nvSpPr>
         <p:spPr>
           <a:xfrm>
-            <a:off x="9866140" y="5040538"/>
+            <a:off x="9561340" y="5040538"/>
             <a:ext cx="357124" cy="369318"/>
           </a:xfrm>
           <a:custGeom>
@@ -22890,7 +23027,7 @@
         </p:nvSpPr>
         <p:spPr>
           <a:xfrm>
-            <a:off x="6599261" y="5425244"/>
+            <a:off x="6294461" y="5425244"/>
             <a:ext cx="1370147" cy="285707"/>
           </a:xfrm>
           <a:prstGeom prst="rect">
@@ -22930,7 +23067,7 @@
         </p:nvSpPr>
         <p:spPr>
           <a:xfrm>
-            <a:off x="8447231" y="3131633"/>
+            <a:off x="8142431" y="3131633"/>
             <a:ext cx="284410" cy="285708"/>
           </a:xfrm>
           <a:prstGeom prst="rect">
@@ -22962,7 +23099,7 @@
         </p:nvSpPr>
         <p:spPr>
           <a:xfrm>
-            <a:off x="8912090" y="2322844"/>
+            <a:off x="8607290" y="2322844"/>
             <a:ext cx="357123" cy="273008"/>
           </a:xfrm>
           <a:prstGeom prst="roundRect">
@@ -22996,7 +23133,7 @@
         </p:nvSpPr>
         <p:spPr>
           <a:xfrm>
-            <a:off x="7247227" y="3131633"/>
+            <a:off x="6942427" y="3131633"/>
             <a:ext cx="284410" cy="285708"/>
           </a:xfrm>
           <a:prstGeom prst="rect">
@@ -23028,7 +23165,7 @@
         </p:nvSpPr>
         <p:spPr>
           <a:xfrm>
-            <a:off x="7241138" y="3812573"/>
+            <a:off x="6936338" y="3812573"/>
             <a:ext cx="284410" cy="285708"/>
           </a:xfrm>
           <a:prstGeom prst="ellipse">
@@ -23059,7 +23196,7 @@
         </p:nvSpPr>
         <p:spPr>
           <a:xfrm>
-            <a:off x="6798468" y="3827338"/>
+            <a:off x="6493668" y="3827338"/>
             <a:ext cx="284410" cy="285708"/>
           </a:xfrm>
           <a:prstGeom prst="ellipse">
@@ -23090,7 +23227,7 @@
         </p:nvSpPr>
         <p:spPr>
           <a:xfrm>
-            <a:off x="6355799" y="3812573"/>
+            <a:off x="6050999" y="3812573"/>
             <a:ext cx="284410" cy="285708"/>
           </a:xfrm>
           <a:prstGeom prst="ellipse">
@@ -23121,7 +23258,7 @@
         </p:nvSpPr>
         <p:spPr>
           <a:xfrm>
-            <a:off x="8125694" y="3825036"/>
+            <a:off x="7820894" y="3825036"/>
             <a:ext cx="284410" cy="285708"/>
           </a:xfrm>
           <a:prstGeom prst="ellipse">
@@ -23152,7 +23289,7 @@
         </p:nvSpPr>
         <p:spPr>
           <a:xfrm>
-            <a:off x="9173902" y="3131633"/>
+            <a:off x="8869102" y="3131633"/>
             <a:ext cx="284410" cy="285708"/>
           </a:xfrm>
           <a:prstGeom prst="ellipse">
@@ -23183,7 +23320,7 @@
         </p:nvSpPr>
         <p:spPr>
           <a:xfrm>
-            <a:off x="10181183" y="3129001"/>
+            <a:off x="9876383" y="3129001"/>
             <a:ext cx="284410" cy="285707"/>
           </a:xfrm>
           <a:prstGeom prst="ellipse">
@@ -23214,7 +23351,7 @@
         </p:nvSpPr>
         <p:spPr>
           <a:xfrm>
-            <a:off x="9691749" y="3129001"/>
+            <a:off x="9386949" y="3129001"/>
             <a:ext cx="284410" cy="285707"/>
           </a:xfrm>
           <a:prstGeom prst="ellipse">
@@ -23245,7 +23382,7 @@
         </p:nvSpPr>
         <p:spPr>
           <a:xfrm>
-            <a:off x="10715051" y="3130848"/>
+            <a:off x="10410251" y="3130848"/>
             <a:ext cx="284410" cy="285708"/>
           </a:xfrm>
           <a:prstGeom prst="ellipse">
@@ -23276,7 +23413,7 @@
         </p:nvSpPr>
         <p:spPr>
           <a:xfrm>
-            <a:off x="8308500" y="4648918"/>
+            <a:off x="8003700" y="4648918"/>
             <a:ext cx="357124" cy="369318"/>
           </a:xfrm>
           <a:custGeom>
@@ -23344,7 +23481,7 @@
         </p:nvCxnSpPr>
         <p:spPr>
           <a:xfrm>
-            <a:off x="9090651" y="2459347"/>
+            <a:off x="8785851" y="2459347"/>
             <a:ext cx="225456" cy="815140"/>
           </a:xfrm>
           <a:prstGeom prst="straightConnector1">
@@ -23368,7 +23505,7 @@
         </p:nvCxnSpPr>
         <p:spPr>
           <a:xfrm>
-            <a:off x="9090651" y="2459347"/>
+            <a:off x="8785851" y="2459347"/>
             <a:ext cx="1232737" cy="812508"/>
           </a:xfrm>
           <a:prstGeom prst="straightConnector1">
@@ -23392,7 +23529,7 @@
         </p:nvCxnSpPr>
         <p:spPr>
           <a:xfrm flipH="1" flipV="1">
-            <a:off x="9090651" y="2459347"/>
+            <a:off x="8785851" y="2459347"/>
             <a:ext cx="743304" cy="812508"/>
           </a:xfrm>
           <a:prstGeom prst="straightConnector1">
@@ -23416,7 +23553,7 @@
         </p:nvCxnSpPr>
         <p:spPr>
           <a:xfrm>
-            <a:off x="9090651" y="2459347"/>
+            <a:off x="8785851" y="2459347"/>
             <a:ext cx="1766605" cy="814356"/>
           </a:xfrm>
           <a:prstGeom prst="straightConnector1">
@@ -23440,7 +23577,7 @@
         </p:nvCxnSpPr>
         <p:spPr>
           <a:xfrm flipH="1">
-            <a:off x="7389431" y="2459347"/>
+            <a:off x="7084631" y="2459347"/>
             <a:ext cx="1701221" cy="815140"/>
           </a:xfrm>
           <a:prstGeom prst="straightConnector1">
@@ -23464,7 +23601,7 @@
         </p:nvCxnSpPr>
         <p:spPr>
           <a:xfrm flipH="1">
-            <a:off x="8589436" y="2459347"/>
+            <a:off x="8284636" y="2459347"/>
             <a:ext cx="501216" cy="815140"/>
           </a:xfrm>
           <a:prstGeom prst="straightConnector1">
@@ -23488,7 +23625,7 @@
         </p:nvCxnSpPr>
         <p:spPr>
           <a:xfrm flipV="1">
-            <a:off x="8267899" y="3274486"/>
+            <a:off x="7963099" y="3274486"/>
             <a:ext cx="321538" cy="693404"/>
           </a:xfrm>
           <a:prstGeom prst="straightConnector1">
@@ -23512,7 +23649,7 @@
         </p:nvCxnSpPr>
         <p:spPr>
           <a:xfrm flipV="1">
-            <a:off x="6498003" y="3274486"/>
+            <a:off x="6193203" y="3274486"/>
             <a:ext cx="891429" cy="680941"/>
           </a:xfrm>
           <a:prstGeom prst="straightConnector1">
@@ -23536,7 +23673,7 @@
         </p:nvCxnSpPr>
         <p:spPr>
           <a:xfrm flipV="1">
-            <a:off x="6940673" y="3274486"/>
+            <a:off x="6635873" y="3274486"/>
             <a:ext cx="448759" cy="695706"/>
           </a:xfrm>
           <a:prstGeom prst="straightConnector1">
@@ -23560,7 +23697,7 @@
         </p:nvCxnSpPr>
         <p:spPr>
           <a:xfrm flipV="1">
-            <a:off x="7383343" y="3274486"/>
+            <a:off x="7078543" y="3274486"/>
             <a:ext cx="6089" cy="680941"/>
           </a:xfrm>
           <a:prstGeom prst="straightConnector1">
@@ -23584,7 +23721,7 @@
         </p:nvCxnSpPr>
         <p:spPr>
           <a:xfrm flipV="1">
-            <a:off x="8487061" y="3273702"/>
+            <a:off x="8182261" y="3273702"/>
             <a:ext cx="2370195" cy="1559876"/>
           </a:xfrm>
           <a:prstGeom prst="straightConnector1">
@@ -23608,7 +23745,7 @@
         </p:nvCxnSpPr>
         <p:spPr>
           <a:xfrm flipH="1">
-            <a:off x="8487061" y="3271854"/>
+            <a:off x="8182261" y="3271854"/>
             <a:ext cx="1346894" cy="1561724"/>
           </a:xfrm>
           <a:prstGeom prst="straightConnector1">
@@ -23632,7 +23769,7 @@
         </p:nvCxnSpPr>
         <p:spPr>
           <a:xfrm flipV="1">
-            <a:off x="8487061" y="3271854"/>
+            <a:off x="8182261" y="3271854"/>
             <a:ext cx="1836327" cy="1561724"/>
           </a:xfrm>
           <a:prstGeom prst="straightConnector1">
@@ -23656,7 +23793,7 @@
         </p:nvCxnSpPr>
         <p:spPr>
           <a:xfrm flipV="1">
-            <a:off x="8487061" y="3274486"/>
+            <a:off x="8182261" y="3274486"/>
             <a:ext cx="829046" cy="1559092"/>
           </a:xfrm>
           <a:prstGeom prst="straightConnector1">
@@ -23680,7 +23817,7 @@
         </p:nvCxnSpPr>
         <p:spPr>
           <a:xfrm flipV="1">
-            <a:off x="8487061" y="2459347"/>
+            <a:off x="8182261" y="2459347"/>
             <a:ext cx="603591" cy="2374231"/>
           </a:xfrm>
           <a:prstGeom prst="straightConnector1">
@@ -23704,7 +23841,7 @@
         </p:nvCxnSpPr>
         <p:spPr>
           <a:xfrm>
-            <a:off x="7383343" y="3955426"/>
+            <a:off x="7078543" y="3955426"/>
             <a:ext cx="1103719" cy="878152"/>
           </a:xfrm>
           <a:prstGeom prst="straightConnector1">
@@ -23728,7 +23865,7 @@
         </p:nvCxnSpPr>
         <p:spPr>
           <a:xfrm flipH="1" flipV="1">
-            <a:off x="6940673" y="3970191"/>
+            <a:off x="6635873" y="3970191"/>
             <a:ext cx="1546389" cy="863387"/>
           </a:xfrm>
           <a:prstGeom prst="straightConnector1">
@@ -23752,7 +23889,7 @@
         </p:nvCxnSpPr>
         <p:spPr>
           <a:xfrm>
-            <a:off x="6498003" y="3955426"/>
+            <a:off x="6193203" y="3955426"/>
             <a:ext cx="1989059" cy="878152"/>
           </a:xfrm>
           <a:prstGeom prst="straightConnector1">
@@ -23776,7 +23913,7 @@
         </p:nvCxnSpPr>
         <p:spPr>
           <a:xfrm flipH="1" flipV="1">
-            <a:off x="8267899" y="3967889"/>
+            <a:off x="7963099" y="3967889"/>
             <a:ext cx="219163" cy="865689"/>
           </a:xfrm>
           <a:prstGeom prst="straightConnector1">
@@ -23800,7 +23937,7 @@
         </p:nvCxnSpPr>
         <p:spPr>
           <a:xfrm>
-            <a:off x="7389431" y="3274486"/>
+            <a:off x="7084631" y="3274486"/>
             <a:ext cx="1097631" cy="1559092"/>
           </a:xfrm>
           <a:prstGeom prst="straightConnector1">
@@ -23824,7 +23961,7 @@
         </p:nvCxnSpPr>
         <p:spPr>
           <a:xfrm flipH="1">
-            <a:off x="8487061" y="3274486"/>
+            <a:off x="8182261" y="3274486"/>
             <a:ext cx="102376" cy="1559092"/>
           </a:xfrm>
           <a:prstGeom prst="straightConnector1">
@@ -23845,7 +23982,7 @@
         </p:nvSpPr>
         <p:spPr>
           <a:xfrm>
-            <a:off x="8071918" y="5425244"/>
+            <a:off x="7767118" y="5425244"/>
             <a:ext cx="778013" cy="285707"/>
           </a:xfrm>
           <a:prstGeom prst="rect">
@@ -23885,7 +24022,7 @@
         </p:nvSpPr>
         <p:spPr>
           <a:xfrm>
-            <a:off x="9094782" y="5425244"/>
+            <a:off x="8789982" y="5425244"/>
             <a:ext cx="434370" cy="285707"/>
           </a:xfrm>
           <a:prstGeom prst="rect">
@@ -23925,7 +24062,7 @@
         </p:nvSpPr>
         <p:spPr>
           <a:xfrm>
-            <a:off x="9655694" y="5449577"/>
+            <a:off x="9350894" y="5449577"/>
             <a:ext cx="923916" cy="285708"/>
           </a:xfrm>
           <a:prstGeom prst="rect">
@@ -23965,7 +24102,7 @@
         </p:nvSpPr>
         <p:spPr>
           <a:xfrm>
-            <a:off x="7827874" y="1867481"/>
+            <a:off x="7523074" y="1867481"/>
             <a:ext cx="2525556" cy="280798"/>
           </a:xfrm>
           <a:prstGeom prst="rect">

--- a/Abschlussvortrag.pptx
+++ b/Abschlussvortrag.pptx
@@ -6681,7 +6681,7 @@
         </p:blipFill>
         <p:spPr>
           <a:xfrm>
-            <a:off x="5463217" y="2157563"/>
+            <a:off x="5704517" y="2157563"/>
             <a:ext cx="5637755" cy="3127074"/>
           </a:xfrm>
           <a:prstGeom prst="rect">
@@ -6948,7 +6948,7 @@
               <a:defRPr sz="1779"/>
             </a:pPr>
             <a:r>
-              <a:t>Calculation of Data Transfer Duration </a:t>
+              <a:t>Calculation of Data Transfer Duration by Tracker Peer</a:t>
             </a:r>
           </a:p>
           <a:p>
@@ -7031,7 +7031,7 @@
         </p:nvSpPr>
         <p:spPr>
           <a:xfrm>
-            <a:off x="6613254" y="1603321"/>
+            <a:off x="6854554" y="1603321"/>
             <a:ext cx="3337681" cy="320039"/>
           </a:xfrm>
           <a:prstGeom prst="rect">
@@ -7756,7 +7756,7 @@
               <a:buChar char="•"/>
             </a:pPr>
             <a:r>
-              <a:t>Discrepancy between Desired and Measured Values</a:t>
+              <a:t>Discrepancy between Configured and Measured Values</a:t>
             </a:r>
           </a:p>
           <a:p>
@@ -8245,7 +8245,7 @@
               </a:defRPr>
             </a:pPr>
             <a:r>
-              <a:t>Testbed desired with Packet Loss Values from Real Network Data</a:t>
+              <a:t>Testbed Configured with Packet Loss Values from Real Network Data (%0.001)</a:t>
             </a:r>
           </a:p>
           <a:p>
@@ -9654,7 +9654,7 @@
         <p:spPr>
           <a:xfrm>
             <a:off x="1147811" y="5513861"/>
-            <a:ext cx="10058402" cy="823073"/>
+            <a:ext cx="10058402" cy="630878"/>
           </a:xfrm>
           <a:prstGeom prst="rect">
             <a:avLst/>
@@ -9673,16 +9673,16 @@
             <a:normAutofit fontScale="100000" lnSpcReduction="0"/>
           </a:bodyPr>
           <a:lstStyle>
-            <a:lvl1pPr marL="200526" indent="-200526" defTabSz="914400">
+            <a:lvl1pPr marL="178468" indent="-178468" defTabSz="813816">
               <a:lnSpc>
                 <a:spcPct val="90000"/>
               </a:lnSpc>
               <a:spcBef>
-                <a:spcPts val="1200"/>
+                <a:spcPts val="1000"/>
               </a:spcBef>
               <a:buSzPct val="100000"/>
               <a:buChar char="•"/>
-              <a:defRPr sz="2000">
+              <a:defRPr sz="1779">
                 <a:solidFill>
                   <a:srgbClr val="404040"/>
                 </a:solidFill>
@@ -9692,7 +9692,7 @@
           <a:p>
             <a:pPr/>
             <a:r>
-              <a:t>Manageable Increase in Memory Usage of Super Peers Handling Data Flow </a:t>
+              <a:t>Manageable Increase in CPU and Memory Usage of Super Peers Handling Data Flow </a:t>
             </a:r>
           </a:p>
         </p:txBody>
@@ -13112,196 +13112,224 @@
           <a:bodyPr/>
           <a:lstStyle/>
           <a:p>
-            <a:pPr marL="152399" indent="-152399" defTabSz="694944">
+            <a:pPr marL="136357" indent="-136357" defTabSz="621791">
               <a:spcBef>
-                <a:spcPts val="900"/>
+                <a:spcPts val="800"/>
               </a:spcBef>
               <a:buClrTx/>
               <a:buFontTx/>
               <a:buChar char="•"/>
-              <a:defRPr sz="1520"/>
+              <a:defRPr sz="1360"/>
             </a:pPr>
             <a:r>
               <a:t>Goal: Develop a Testbed for the P2P Data Distribution Algorithm</a:t>
             </a:r>
           </a:p>
           <a:p>
-            <a:pPr lvl="1" marL="441959" indent="-152399" defTabSz="694944">
+            <a:pPr lvl="1" marL="395437" indent="-136357" defTabSz="621791">
               <a:spcBef>
-                <a:spcPts val="900"/>
+                <a:spcPts val="800"/>
               </a:spcBef>
               <a:buClrTx/>
               <a:buFontTx/>
               <a:buChar char="•"/>
-              <a:defRPr sz="1520"/>
+              <a:defRPr sz="1360"/>
             </a:pPr>
             <a:r>
               <a:t>Utilization of Docker and Containerlab for An Efficient, Isolated Testing Environment</a:t>
             </a:r>
           </a:p>
           <a:p>
-            <a:pPr marL="152399" indent="-152399" defTabSz="694944">
+            <a:pPr marL="136357" indent="-136357" defTabSz="621791">
               <a:spcBef>
-                <a:spcPts val="900"/>
+                <a:spcPts val="800"/>
               </a:spcBef>
               <a:buClrTx/>
               <a:buFontTx/>
               <a:buChar char="•"/>
-              <a:defRPr sz="1520"/>
-            </a:pPr>
-            <a:r>
-              <a:t>Simulation of Real Network Environments and Complex Network Topologies</a:t>
-            </a:r>
-          </a:p>
-          <a:p>
-            <a:pPr lvl="1" marL="441959" indent="-152399" defTabSz="694944">
+              <a:defRPr sz="1360"/>
+            </a:pPr>
+            <a:r>
+              <a:t>Simulation of Real Network Environments and Complex Network Topologies in the Testbed</a:t>
+            </a:r>
+          </a:p>
+          <a:p>
+            <a:pPr lvl="1" marL="395437" indent="-136357" defTabSz="621791">
               <a:spcBef>
-                <a:spcPts val="900"/>
+                <a:spcPts val="800"/>
               </a:spcBef>
               <a:buClrTx/>
               <a:buFontTx/>
               <a:buChar char="•"/>
-              <a:defRPr sz="1520"/>
-            </a:pPr>
-            <a:r>
-              <a:t>High Replication Accuracy of Bandwidth and Latency</a:t>
-            </a:r>
-          </a:p>
-          <a:p>
-            <a:pPr lvl="1" marL="441959" indent="-152399" defTabSz="694944">
+              <a:defRPr sz="1360"/>
+            </a:pPr>
+            <a:r>
+              <a:t>High Replication Accuracy of Bandwidth Limitation and Latency Addition</a:t>
+            </a:r>
+          </a:p>
+          <a:p>
+            <a:pPr lvl="1" marL="395437" indent="-136357" defTabSz="621791">
               <a:spcBef>
-                <a:spcPts val="900"/>
+                <a:spcPts val="800"/>
               </a:spcBef>
               <a:buClrTx/>
               <a:buFontTx/>
               <a:buChar char="•"/>
-              <a:defRPr sz="1520"/>
+              <a:defRPr sz="1360"/>
             </a:pPr>
             <a:r>
               <a:t>Effective Scalability with Increasing Nodes</a:t>
             </a:r>
           </a:p>
           <a:p>
-            <a:pPr marL="152399" indent="-152399" defTabSz="694944">
+            <a:pPr marL="136357" indent="-136357" defTabSz="621791">
               <a:spcBef>
-                <a:spcPts val="900"/>
+                <a:spcPts val="800"/>
               </a:spcBef>
               <a:buClrTx/>
               <a:buFontTx/>
               <a:buChar char="•"/>
-              <a:defRPr sz="1520"/>
-            </a:pPr>
-            <a:r>
-              <a:t>Performance of the P2P Algorithm </a:t>
-            </a:r>
-          </a:p>
-          <a:p>
-            <a:pPr lvl="1" marL="441959" indent="-152399" defTabSz="694944">
+              <a:defRPr sz="1360"/>
+            </a:pPr>
+            <a:r>
+              <a:t>Resource Consumption Performance of the P2P Algorithm</a:t>
+            </a:r>
+          </a:p>
+          <a:p>
+            <a:pPr lvl="1" marL="395437" indent="-136357" defTabSz="621791">
               <a:spcBef>
-                <a:spcPts val="900"/>
+                <a:spcPts val="800"/>
               </a:spcBef>
               <a:buClrTx/>
               <a:buFontTx/>
               <a:buChar char="•"/>
-              <a:defRPr sz="1520"/>
+              <a:defRPr sz="1360"/>
             </a:pPr>
             <a:r>
               <a:t>High Resource Usage Demand without the P2P Algorithm on the LectureStudio Server</a:t>
             </a:r>
           </a:p>
           <a:p>
-            <a:pPr lvl="1" marL="441959" indent="-152399" defTabSz="694944">
+            <a:pPr lvl="1" marL="395437" indent="-136357" defTabSz="621791">
               <a:spcBef>
-                <a:spcPts val="900"/>
+                <a:spcPts val="800"/>
               </a:spcBef>
               <a:buClrTx/>
               <a:buFontTx/>
               <a:buChar char="•"/>
-              <a:defRPr sz="1520"/>
+              <a:defRPr sz="1360"/>
             </a:pPr>
             <a:r>
               <a:t>Significant Reduction Achieved with the P2P Algorithm on the LectureStudio Server</a:t>
             </a:r>
           </a:p>
           <a:p>
-            <a:pPr lvl="1" marL="441959" indent="-152399" defTabSz="694944">
+            <a:pPr marL="136357" indent="-136357" defTabSz="621791">
               <a:spcBef>
-                <a:spcPts val="900"/>
+                <a:spcPts val="800"/>
               </a:spcBef>
               <a:buClrTx/>
               <a:buFontTx/>
               <a:buChar char="•"/>
-              <a:defRPr sz="1520"/>
-            </a:pPr>
-            <a:r>
-              <a:t>Limited Benefits Observed for Small Files</a:t>
-            </a:r>
-          </a:p>
-          <a:p>
-            <a:pPr lvl="1" marL="441959" indent="-152399" defTabSz="694944">
+              <a:defRPr sz="1360"/>
+            </a:pPr>
+            <a:r>
+              <a:t>Total Duration Performance of the P2P Algorithm</a:t>
+            </a:r>
+          </a:p>
+          <a:p>
+            <a:pPr lvl="1" marL="395437" indent="-136357" defTabSz="621791">
               <a:spcBef>
-                <a:spcPts val="900"/>
+                <a:spcPts val="800"/>
               </a:spcBef>
               <a:buClrTx/>
               <a:buFontTx/>
               <a:buChar char="•"/>
-              <a:defRPr sz="1520"/>
-            </a:pPr>
-            <a:r>
-              <a:t>Increased Robustness of the P2P Algorithm with Larger Numbers of Peers and Data Sizes</a:t>
-            </a:r>
-          </a:p>
-          <a:p>
-            <a:pPr marL="152399" indent="-152399" defTabSz="694944">
+              <a:defRPr sz="1360"/>
+            </a:pPr>
+            <a:r>
+              <a:t>Limited Benefits Observed for Small Files</a:t>
+            </a:r>
+          </a:p>
+          <a:p>
+            <a:pPr lvl="1" marL="395437" indent="-136357" defTabSz="621791">
               <a:spcBef>
-                <a:spcPts val="900"/>
+                <a:spcPts val="800"/>
               </a:spcBef>
               <a:buClrTx/>
               <a:buFontTx/>
               <a:buChar char="•"/>
-              <a:defRPr sz="1520"/>
-            </a:pPr>
-            <a:r>
-              <a:t>Future Works</a:t>
-            </a:r>
-          </a:p>
-          <a:p>
-            <a:pPr lvl="1" marL="441959" indent="-152399" defTabSz="694944">
+              <a:defRPr sz="1360"/>
+            </a:pPr>
+            <a:r>
+              <a:t>Increased Robustness of the P2P Algorithm with Larger Numbers of Peers and Data Sizes</a:t>
+            </a:r>
+          </a:p>
+          <a:p>
+            <a:pPr marL="136357" indent="-136357" defTabSz="621791">
               <a:spcBef>
-                <a:spcPts val="900"/>
+                <a:spcPts val="800"/>
               </a:spcBef>
               <a:buClrTx/>
               <a:buFontTx/>
               <a:buChar char="•"/>
-              <a:defRPr sz="1520"/>
-            </a:pPr>
-            <a:r>
-              <a:t>Enhancement of Packet Loss Simulation for Accurate Network Behavior</a:t>
-            </a:r>
-          </a:p>
-          <a:p>
-            <a:pPr lvl="1" marL="441959" indent="-152399" defTabSz="694944">
+              <a:defRPr sz="1360"/>
+            </a:pPr>
+            <a:r>
+              <a:t>Future Works</a:t>
+            </a:r>
+          </a:p>
+          <a:p>
+            <a:pPr lvl="1" marL="395437" indent="-136357" defTabSz="621791">
               <a:spcBef>
-                <a:spcPts val="900"/>
+                <a:spcPts val="800"/>
               </a:spcBef>
               <a:buClrTx/>
               <a:buFontTx/>
               <a:buChar char="•"/>
-              <a:defRPr sz="1520"/>
-            </a:pPr>
-            <a:r>
-              <a:t>Automatic Integration between the Testbed and the P2P Algorithm Optimization</a:t>
-            </a:r>
-          </a:p>
-          <a:p>
-            <a:pPr lvl="1" marL="441959" indent="-152399" defTabSz="694944">
+              <a:defRPr sz="1360"/>
+            </a:pPr>
+            <a:r>
+              <a:t>Enhancement of Packet Loss Simulation for Accurate Network Behavior</a:t>
+            </a:r>
+          </a:p>
+          <a:p>
+            <a:pPr lvl="1" marL="395437" indent="-136357" defTabSz="621791">
               <a:spcBef>
-                <a:spcPts val="900"/>
+                <a:spcPts val="800"/>
               </a:spcBef>
               <a:buClrTx/>
               <a:buFontTx/>
               <a:buChar char="•"/>
-              <a:defRPr sz="1520"/>
+              <a:defRPr sz="1360"/>
+            </a:pPr>
+            <a:r>
+              <a:t>Automatic Integration between the Testbed and the P2P Algorithm Optimization</a:t>
+            </a:r>
+          </a:p>
+          <a:p>
+            <a:pPr lvl="1" marL="395437" indent="-136357" defTabSz="621791">
+              <a:spcBef>
+                <a:spcPts val="800"/>
+              </a:spcBef>
+              <a:buClrTx/>
+              <a:buFontTx/>
+              <a:buChar char="•"/>
+              <a:defRPr sz="1360"/>
+            </a:pPr>
+            <a:r>
+              <a:t>Integration of Additional P2P Algorithms into the Testbed</a:t>
+            </a:r>
+          </a:p>
+          <a:p>
+            <a:pPr lvl="1" marL="395437" indent="-136357" defTabSz="621791">
+              <a:spcBef>
+                <a:spcPts val="800"/>
+              </a:spcBef>
+              <a:buClrTx/>
+              <a:buFontTx/>
+              <a:buChar char="•"/>
+              <a:defRPr sz="1360"/>
             </a:pPr>
             <a:r>
               <a:t>Development of A Graphical Testbed Interface for Easier Configuration and Real-Time Analysis</a:t>

--- a/Abschlussvortrag.pptx
+++ b/Abschlussvortrag.pptx
@@ -3980,7 +3980,7 @@
       </p:grpSpPr>
       <p:sp>
         <p:nvSpPr>
-          <p:cNvPr id="403" name="Connection and Data Distribution Among Peers"/>
+          <p:cNvPr id="404" name="Connection and Data Distribution Among Peers"/>
           <p:cNvSpPr txBox="1"/>
           <p:nvPr>
             <p:ph type="title"/>
@@ -4012,7 +4012,7 @@
       </p:sp>
       <p:sp>
         <p:nvSpPr>
-          <p:cNvPr id="404" name="Slide Number"/>
+          <p:cNvPr id="405" name="Slide Number"/>
           <p:cNvSpPr txBox="1"/>
           <p:nvPr>
             <p:ph type="sldNum" sz="quarter" idx="4294967295"/>
@@ -4043,7 +4043,7 @@
       </p:sp>
       <p:sp>
         <p:nvSpPr>
-          <p:cNvPr id="405" name="Date Placeholder 3"/>
+          <p:cNvPr id="406" name="Date Placeholder 3"/>
           <p:cNvSpPr txBox="1"/>
           <p:nvPr/>
         </p:nvSpPr>
@@ -4087,7 +4087,7 @@
       </p:sp>
       <p:sp>
         <p:nvSpPr>
-          <p:cNvPr id="406" name="Rounded Rectangle"/>
+          <p:cNvPr id="407" name="Rounded Rectangle"/>
           <p:cNvSpPr/>
           <p:nvPr/>
         </p:nvSpPr>
@@ -4120,7 +4120,7 @@
       </p:sp>
       <p:sp>
         <p:nvSpPr>
-          <p:cNvPr id="407" name="Oval"/>
+          <p:cNvPr id="408" name="Oval"/>
           <p:cNvSpPr/>
           <p:nvPr/>
         </p:nvSpPr>
@@ -4151,7 +4151,7 @@
       </p:sp>
       <p:sp>
         <p:nvSpPr>
-          <p:cNvPr id="408" name="lectureStudio-Server"/>
+          <p:cNvPr id="409" name="lectureStudio-Server"/>
           <p:cNvSpPr txBox="1"/>
           <p:nvPr/>
         </p:nvSpPr>
@@ -4201,7 +4201,7 @@
       </p:sp>
       <p:sp>
         <p:nvSpPr>
-          <p:cNvPr id="409" name="Port:9090…"/>
+          <p:cNvPr id="410" name="Port:9090…"/>
           <p:cNvSpPr txBox="1"/>
           <p:nvPr/>
         </p:nvSpPr>
@@ -4267,7 +4267,7 @@
       </p:sp>
       <p:sp>
         <p:nvSpPr>
-          <p:cNvPr id="410" name="IP:172.20.25.4"/>
+          <p:cNvPr id="411" name="IP:172.20.25.4"/>
           <p:cNvSpPr txBox="1"/>
           <p:nvPr/>
         </p:nvSpPr>
@@ -4311,7 +4311,7 @@
       </p:sp>
       <p:sp>
         <p:nvSpPr>
-          <p:cNvPr id="411" name="eth1"/>
+          <p:cNvPr id="412" name="eth1"/>
           <p:cNvSpPr/>
           <p:nvPr/>
         </p:nvSpPr>
@@ -4358,7 +4358,7 @@
       </p:sp>
       <p:sp>
         <p:nvSpPr>
-          <p:cNvPr id="412" name="Rectangle"/>
+          <p:cNvPr id="413" name="Rectangle"/>
           <p:cNvSpPr/>
           <p:nvPr/>
         </p:nvSpPr>
@@ -4395,7 +4395,7 @@
       </p:sp>
       <p:sp>
         <p:nvSpPr>
-          <p:cNvPr id="413" name="Port:8080…"/>
+          <p:cNvPr id="414" name="Port:8080…"/>
           <p:cNvSpPr txBox="1"/>
           <p:nvPr/>
         </p:nvSpPr>
@@ -4459,7 +4459,7 @@
       </p:sp>
       <p:sp>
         <p:nvSpPr>
-          <p:cNvPr id="414" name="eth2"/>
+          <p:cNvPr id="415" name="eth2"/>
           <p:cNvSpPr/>
           <p:nvPr/>
         </p:nvSpPr>
@@ -4506,7 +4506,7 @@
       </p:sp>
       <p:sp>
         <p:nvSpPr>
-          <p:cNvPr id="415" name="eth1"/>
+          <p:cNvPr id="416" name="eth1"/>
           <p:cNvSpPr/>
           <p:nvPr/>
         </p:nvSpPr>
@@ -4553,7 +4553,7 @@
       </p:sp>
       <p:sp>
         <p:nvSpPr>
-          <p:cNvPr id="416" name="eth1"/>
+          <p:cNvPr id="417" name="eth1"/>
           <p:cNvSpPr/>
           <p:nvPr/>
         </p:nvSpPr>
@@ -4600,7 +4600,7 @@
       </p:sp>
       <p:sp>
         <p:nvSpPr>
-          <p:cNvPr id="417" name="eth2"/>
+          <p:cNvPr id="418" name="eth2"/>
           <p:cNvSpPr/>
           <p:nvPr/>
         </p:nvSpPr>
@@ -4647,7 +4647,7 @@
       </p:sp>
       <p:sp>
         <p:nvSpPr>
-          <p:cNvPr id="418" name="eth3"/>
+          <p:cNvPr id="419" name="eth3"/>
           <p:cNvSpPr/>
           <p:nvPr/>
         </p:nvSpPr>
@@ -4694,7 +4694,7 @@
       </p:sp>
       <p:sp>
         <p:nvSpPr>
-          <p:cNvPr id="419" name="Oval"/>
+          <p:cNvPr id="420" name="Oval"/>
           <p:cNvSpPr/>
           <p:nvPr/>
         </p:nvSpPr>
@@ -4725,7 +4725,7 @@
       </p:sp>
       <p:sp>
         <p:nvSpPr>
-          <p:cNvPr id="420" name="IP:172.20.25.4"/>
+          <p:cNvPr id="421" name="IP:172.20.25.4"/>
           <p:cNvSpPr txBox="1"/>
           <p:nvPr/>
         </p:nvSpPr>
@@ -4769,7 +4769,7 @@
       </p:sp>
       <p:sp>
         <p:nvSpPr>
-          <p:cNvPr id="421" name="Oval"/>
+          <p:cNvPr id="422" name="Oval"/>
           <p:cNvSpPr/>
           <p:nvPr/>
         </p:nvSpPr>
@@ -4800,7 +4800,7 @@
       </p:sp>
       <p:sp>
         <p:nvSpPr>
-          <p:cNvPr id="422" name="IP:172.20.25.4"/>
+          <p:cNvPr id="423" name="IP:172.20.25.4"/>
           <p:cNvSpPr txBox="1"/>
           <p:nvPr/>
         </p:nvSpPr>
@@ -4844,7 +4844,7 @@
       </p:sp>
       <p:sp>
         <p:nvSpPr>
-          <p:cNvPr id="423" name="eth1"/>
+          <p:cNvPr id="424" name="eth1"/>
           <p:cNvSpPr/>
           <p:nvPr/>
         </p:nvSpPr>
@@ -4891,7 +4891,7 @@
       </p:sp>
       <p:sp>
         <p:nvSpPr>
-          <p:cNvPr id="424" name="eth1"/>
+          <p:cNvPr id="425" name="eth1"/>
           <p:cNvSpPr/>
           <p:nvPr/>
         </p:nvSpPr>
@@ -4938,10 +4938,10 @@
       </p:sp>
       <p:cxnSp>
         <p:nvCxnSpPr>
-          <p:cNvPr id="425" name="Connection Line"/>
+          <p:cNvPr id="426" name="Connection Line"/>
           <p:cNvCxnSpPr>
-            <a:stCxn id="416" idx="0"/>
-            <a:endCxn id="411" idx="0"/>
+            <a:stCxn id="417" idx="0"/>
+            <a:endCxn id="412" idx="0"/>
           </p:cNvCxnSpPr>
           <p:nvPr/>
         </p:nvCxnSpPr>
@@ -4949,30 +4949,6 @@
           <a:xfrm flipV="1">
             <a:off x="7858299" y="2658558"/>
             <a:ext cx="365761" cy="677838"/>
-          </a:xfrm>
-          <a:prstGeom prst="straightConnector1">
-            <a:avLst/>
-          </a:prstGeom>
-          <a:ln w="12700">
-            <a:solidFill>
-              <a:schemeClr val="accent1"/>
-            </a:solidFill>
-          </a:ln>
-        </p:spPr>
-      </p:cxnSp>
-      <p:cxnSp>
-        <p:nvCxnSpPr>
-          <p:cNvPr id="426" name="Connection Line"/>
-          <p:cNvCxnSpPr>
-            <a:stCxn id="417" idx="0"/>
-            <a:endCxn id="423" idx="0"/>
-          </p:cNvCxnSpPr>
-          <p:nvPr/>
-        </p:nvCxnSpPr>
-        <p:spPr>
-          <a:xfrm flipH="1">
-            <a:off x="6484877" y="3759413"/>
-            <a:ext cx="413303" cy="649187"/>
           </a:xfrm>
           <a:prstGeom prst="straightConnector1">
             <a:avLst/>
@@ -4994,9 +4970,9 @@
           <p:nvPr/>
         </p:nvCxnSpPr>
         <p:spPr>
-          <a:xfrm>
-            <a:off x="7589059" y="3759413"/>
-            <a:ext cx="347277" cy="649187"/>
+          <a:xfrm flipH="1">
+            <a:off x="6484877" y="3759413"/>
+            <a:ext cx="413303" cy="649187"/>
           </a:xfrm>
           <a:prstGeom prst="straightConnector1">
             <a:avLst/>
@@ -5012,15 +4988,15 @@
         <p:nvCxnSpPr>
           <p:cNvPr id="428" name="Connection Line"/>
           <p:cNvCxnSpPr>
-            <a:stCxn id="414" idx="0"/>
-            <a:endCxn id="415" idx="0"/>
+            <a:stCxn id="419" idx="0"/>
+            <a:endCxn id="425" idx="0"/>
           </p:cNvCxnSpPr>
           <p:nvPr/>
         </p:nvCxnSpPr>
         <p:spPr>
           <a:xfrm>
-            <a:off x="9539779" y="2606321"/>
-            <a:ext cx="383541" cy="730075"/>
+            <a:off x="7589059" y="3759413"/>
+            <a:ext cx="347277" cy="649187"/>
           </a:xfrm>
           <a:prstGeom prst="straightConnector1">
             <a:avLst/>
@@ -5032,9 +5008,33 @@
           </a:ln>
         </p:spPr>
       </p:cxnSp>
-      <p:sp>
-        <p:nvSpPr>
-          <p:cNvPr id="429" name="lectureStudio-Server"/>
+      <p:cxnSp>
+        <p:nvCxnSpPr>
+          <p:cNvPr id="429" name="Connection Line"/>
+          <p:cNvCxnSpPr>
+            <a:stCxn id="415" idx="0"/>
+            <a:endCxn id="416" idx="0"/>
+          </p:cNvCxnSpPr>
+          <p:nvPr/>
+        </p:nvCxnSpPr>
+        <p:spPr>
+          <a:xfrm>
+            <a:off x="9539779" y="2606321"/>
+            <a:ext cx="383541" cy="730075"/>
+          </a:xfrm>
+          <a:prstGeom prst="straightConnector1">
+            <a:avLst/>
+          </a:prstGeom>
+          <a:ln w="12700">
+            <a:solidFill>
+              <a:schemeClr val="accent1"/>
+            </a:solidFill>
+          </a:ln>
+        </p:spPr>
+      </p:cxnSp>
+      <p:sp>
+        <p:nvSpPr>
+          <p:cNvPr id="430" name="lectureStudio-Server"/>
           <p:cNvSpPr txBox="1"/>
           <p:nvPr/>
         </p:nvSpPr>
@@ -5084,7 +5084,7 @@
       </p:sp>
       <p:sp>
         <p:nvSpPr>
-          <p:cNvPr id="430" name="lectureStudio-Server"/>
+          <p:cNvPr id="431" name="lectureStudio-Server"/>
           <p:cNvSpPr txBox="1"/>
           <p:nvPr/>
         </p:nvSpPr>
@@ -5134,7 +5134,7 @@
       </p:sp>
       <p:sp>
         <p:nvSpPr>
-          <p:cNvPr id="431" name="lectureStudio-Server"/>
+          <p:cNvPr id="432" name="lectureStudio-Server"/>
           <p:cNvSpPr txBox="1"/>
           <p:nvPr/>
         </p:nvSpPr>
@@ -5184,7 +5184,7 @@
       </p:sp>
       <p:sp>
         <p:nvSpPr>
-          <p:cNvPr id="432" name="lectureStudio-Server"/>
+          <p:cNvPr id="433" name="lectureStudio-Server"/>
           <p:cNvSpPr txBox="1"/>
           <p:nvPr/>
         </p:nvSpPr>
@@ -5234,7 +5234,7 @@
       </p:sp>
       <p:sp>
         <p:nvSpPr>
-          <p:cNvPr id="433" name="Configuration of Containerlab File"/>
+          <p:cNvPr id="434" name="Configuration of Containerlab File"/>
           <p:cNvSpPr txBox="1"/>
           <p:nvPr/>
         </p:nvSpPr>
@@ -5285,7 +5285,7 @@
       </p:sp>
       <p:sp>
         <p:nvSpPr>
-          <p:cNvPr id="434" name="Add Node Info in Testbed Setup…"/>
+          <p:cNvPr id="435" name="Add Node Info in Testbed Setup…"/>
           <p:cNvSpPr txBox="1"/>
           <p:nvPr>
             <p:ph type="body" idx="1"/>
@@ -5397,7 +5397,7 @@
       </p:sp>
       <p:sp>
         <p:nvSpPr>
-          <p:cNvPr id="435" name="Date Placeholder 3"/>
+          <p:cNvPr id="436" name="Date Placeholder 3"/>
           <p:cNvSpPr txBox="1"/>
           <p:nvPr/>
         </p:nvSpPr>
@@ -5467,7 +5467,7 @@
       </p:grpSpPr>
       <p:sp>
         <p:nvSpPr>
-          <p:cNvPr id="437" name="Title 1"/>
+          <p:cNvPr id="438" name="Title 1"/>
           <p:cNvSpPr txBox="1"/>
           <p:nvPr>
             <p:ph type="title"/>
@@ -5499,7 +5499,7 @@
       </p:sp>
       <p:sp>
         <p:nvSpPr>
-          <p:cNvPr id="438" name="Slide Number Placeholder 5"/>
+          <p:cNvPr id="439" name="Slide Number Placeholder 5"/>
           <p:cNvSpPr txBox="1"/>
           <p:nvPr>
             <p:ph type="sldNum" sz="quarter" idx="4294967295"/>
@@ -5530,7 +5530,7 @@
       </p:sp>
       <p:sp>
         <p:nvSpPr>
-          <p:cNvPr id="439" name="Date Placeholder 3"/>
+          <p:cNvPr id="440" name="Date Placeholder 3"/>
           <p:cNvSpPr txBox="1"/>
           <p:nvPr/>
         </p:nvSpPr>
@@ -5574,14 +5574,14 @@
       </p:sp>
       <p:sp>
         <p:nvSpPr>
-          <p:cNvPr id="440" name="Configuration of Containerlab File"/>
+          <p:cNvPr id="441" name="Configuration of Containerlab File"/>
           <p:cNvSpPr txBox="1"/>
           <p:nvPr/>
         </p:nvSpPr>
         <p:spPr>
           <a:xfrm>
-            <a:off x="1752600" y="3352101"/>
-            <a:ext cx="3751875" cy="280798"/>
+            <a:off x="2285777" y="3194592"/>
+            <a:ext cx="3047117" cy="248303"/>
           </a:xfrm>
           <a:prstGeom prst="rect">
             <a:avLst/>
@@ -5607,7 +5607,7 @@
               <a:lnSpc>
                 <a:spcPct val="85000"/>
               </a:lnSpc>
-              <a:defRPr spc="-14" sz="1400">
+              <a:defRPr spc="-12" sz="1200">
                 <a:solidFill>
                   <a:srgbClr val="404040"/>
                 </a:solidFill>
@@ -5628,14 +5628,14 @@
       </p:sp>
       <p:sp>
         <p:nvSpPr>
-          <p:cNvPr id="441" name="Configuration of Containerlab File"/>
+          <p:cNvPr id="442" name="Configuration of Containerlab File"/>
           <p:cNvSpPr txBox="1"/>
           <p:nvPr/>
         </p:nvSpPr>
         <p:spPr>
           <a:xfrm>
-            <a:off x="6959600" y="3352101"/>
-            <a:ext cx="3751875" cy="280798"/>
+            <a:off x="7341710" y="3194592"/>
+            <a:ext cx="3133445" cy="248303"/>
           </a:xfrm>
           <a:prstGeom prst="rect">
             <a:avLst/>
@@ -5661,7 +5661,7 @@
               <a:lnSpc>
                 <a:spcPct val="85000"/>
               </a:lnSpc>
-              <a:defRPr spc="-14" sz="1400">
+              <a:defRPr spc="-12" sz="1200">
                 <a:solidFill>
                   <a:srgbClr val="404040"/>
                 </a:solidFill>
@@ -5682,7 +5682,7 @@
       </p:sp>
       <p:sp>
         <p:nvSpPr>
-          <p:cNvPr id="442" name="Content Placeholder 2"/>
+          <p:cNvPr id="443" name="Content Placeholder 2"/>
           <p:cNvSpPr txBox="1"/>
           <p:nvPr>
             <p:ph type="body" sz="half" idx="1"/>
@@ -5762,7 +5762,7 @@
       </p:sp>
       <p:sp>
         <p:nvSpPr>
-          <p:cNvPr id="443" name="Date Placeholder 3"/>
+          <p:cNvPr id="444" name="Date Placeholder 3"/>
           <p:cNvSpPr txBox="1"/>
           <p:nvPr/>
         </p:nvSpPr>
@@ -5806,7 +5806,7 @@
       </p:sp>
       <p:pic>
         <p:nvPicPr>
-          <p:cNvPr id="444" name="latencyP2P.png" descr="latencyP2P.png"/>
+          <p:cNvPr id="445" name="latencyP2P.png" descr="latencyP2P.png"/>
           <p:cNvPicPr>
             <a:picLocks noChangeAspect="1"/>
           </p:cNvPicPr>
@@ -5822,8 +5822,8 @@
         </p:blipFill>
         <p:spPr>
           <a:xfrm>
-            <a:off x="1270000" y="3657600"/>
-            <a:ext cx="4419601" cy="2634791"/>
+            <a:off x="1270000" y="3429000"/>
+            <a:ext cx="4699000" cy="2801358"/>
           </a:xfrm>
           <a:prstGeom prst="rect">
             <a:avLst/>
@@ -5835,7 +5835,7 @@
       </p:pic>
       <p:pic>
         <p:nvPicPr>
-          <p:cNvPr id="445" name="latencyNonP2P.png" descr="latencyNonP2P.png"/>
+          <p:cNvPr id="446" name="latencyNonP2P.png" descr="latencyNonP2P.png"/>
           <p:cNvPicPr>
             <a:picLocks noChangeAspect="1"/>
           </p:cNvPicPr>
@@ -5851,8 +5851,8 @@
         </p:blipFill>
         <p:spPr>
           <a:xfrm>
-            <a:off x="6413500" y="3657600"/>
-            <a:ext cx="4419600" cy="2634791"/>
+            <a:off x="6413500" y="3429000"/>
+            <a:ext cx="4699000" cy="2801358"/>
           </a:xfrm>
           <a:prstGeom prst="rect">
             <a:avLst/>
@@ -5890,7 +5890,7 @@
       </p:grpSpPr>
       <p:sp>
         <p:nvSpPr>
-          <p:cNvPr id="447" name="Title 1"/>
+          <p:cNvPr id="448" name="Title 1"/>
           <p:cNvSpPr txBox="1"/>
           <p:nvPr>
             <p:ph type="title"/>
@@ -5922,7 +5922,7 @@
       </p:sp>
       <p:sp>
         <p:nvSpPr>
-          <p:cNvPr id="448" name="Slide Number Placeholder 5"/>
+          <p:cNvPr id="449" name="Slide Number Placeholder 5"/>
           <p:cNvSpPr txBox="1"/>
           <p:nvPr>
             <p:ph type="sldNum" sz="quarter" idx="4294967295"/>
@@ -5953,7 +5953,7 @@
       </p:sp>
       <p:sp>
         <p:nvSpPr>
-          <p:cNvPr id="449" name="Date Placeholder 3"/>
+          <p:cNvPr id="450" name="Date Placeholder 3"/>
           <p:cNvSpPr txBox="1"/>
           <p:nvPr/>
         </p:nvSpPr>
@@ -5997,13 +5997,13 @@
       </p:sp>
       <p:sp>
         <p:nvSpPr>
-          <p:cNvPr id="450" name="Configuration of Containerlab File"/>
+          <p:cNvPr id="451" name="Configuration of Containerlab File"/>
           <p:cNvSpPr txBox="1"/>
           <p:nvPr/>
         </p:nvSpPr>
         <p:spPr>
           <a:xfrm>
-            <a:off x="1906468" y="2431196"/>
+            <a:off x="2059243" y="2324487"/>
             <a:ext cx="3196714" cy="248304"/>
           </a:xfrm>
           <a:prstGeom prst="rect">
@@ -6051,14 +6051,14 @@
       </p:sp>
       <p:sp>
         <p:nvSpPr>
-          <p:cNvPr id="451" name="Configuration of Containerlab File"/>
+          <p:cNvPr id="452" name="Configuration of Containerlab File"/>
           <p:cNvSpPr txBox="1"/>
           <p:nvPr/>
         </p:nvSpPr>
         <p:spPr>
           <a:xfrm>
-            <a:off x="6453179" y="2431196"/>
-            <a:ext cx="3341573" cy="248304"/>
+            <a:off x="6673113" y="2324487"/>
+            <a:ext cx="3341574" cy="248304"/>
           </a:xfrm>
           <a:prstGeom prst="rect">
             <a:avLst/>
@@ -6105,7 +6105,7 @@
       </p:sp>
       <p:sp>
         <p:nvSpPr>
-          <p:cNvPr id="452" name="Content Placeholder 2"/>
+          <p:cNvPr id="453" name="Content Placeholder 2"/>
           <p:cNvSpPr txBox="1"/>
           <p:nvPr>
             <p:ph type="body" sz="quarter" idx="1"/>
@@ -6169,13 +6169,13 @@
       </p:sp>
       <p:sp>
         <p:nvSpPr>
-          <p:cNvPr id="453" name="Content Placeholder 2"/>
+          <p:cNvPr id="454" name="Content Placeholder 2"/>
           <p:cNvSpPr txBox="1"/>
           <p:nvPr/>
         </p:nvSpPr>
         <p:spPr>
           <a:xfrm>
-            <a:off x="1147811" y="5138420"/>
+            <a:off x="1147811" y="5360577"/>
             <a:ext cx="10058402" cy="919538"/>
           </a:xfrm>
           <a:prstGeom prst="rect">
@@ -6259,7 +6259,7 @@
       </p:sp>
       <p:sp>
         <p:nvSpPr>
-          <p:cNvPr id="454" name="Date Placeholder 3"/>
+          <p:cNvPr id="455" name="Date Placeholder 3"/>
           <p:cNvSpPr txBox="1"/>
           <p:nvPr/>
         </p:nvSpPr>
@@ -6303,7 +6303,7 @@
       </p:sp>
       <p:pic>
         <p:nvPicPr>
-          <p:cNvPr id="455" name="bandwidthP2P.png" descr="bandwidthP2P.png"/>
+          <p:cNvPr id="456" name="bandwidthP2P.png" descr="bandwidthP2P.png"/>
           <p:cNvPicPr>
             <a:picLocks noChangeAspect="1"/>
           </p:cNvPicPr>
@@ -6319,8 +6319,8 @@
         </p:blipFill>
         <p:spPr>
           <a:xfrm>
-            <a:off x="1435100" y="2717800"/>
-            <a:ext cx="3835400" cy="2336084"/>
+            <a:off x="1435100" y="2565400"/>
+            <a:ext cx="4445000" cy="2707382"/>
           </a:xfrm>
           <a:prstGeom prst="rect">
             <a:avLst/>
@@ -6332,7 +6332,7 @@
       </p:pic>
       <p:pic>
         <p:nvPicPr>
-          <p:cNvPr id="456" name="bandwidthNonP2P.png" descr="bandwidthNonP2P.png"/>
+          <p:cNvPr id="457" name="bandwidthNonP2P.png" descr="bandwidthNonP2P.png"/>
           <p:cNvPicPr>
             <a:picLocks noChangeAspect="1"/>
           </p:cNvPicPr>
@@ -6348,8 +6348,8 @@
         </p:blipFill>
         <p:spPr>
           <a:xfrm>
-            <a:off x="6121400" y="2705100"/>
-            <a:ext cx="3835400" cy="2336084"/>
+            <a:off x="6121400" y="2552700"/>
+            <a:ext cx="4445000" cy="2707382"/>
           </a:xfrm>
           <a:prstGeom prst="rect">
             <a:avLst/>
@@ -6387,7 +6387,7 @@
       </p:grpSpPr>
       <p:sp>
         <p:nvSpPr>
-          <p:cNvPr id="458" name="Title 1"/>
+          <p:cNvPr id="459" name="Title 1"/>
           <p:cNvSpPr txBox="1"/>
           <p:nvPr>
             <p:ph type="title"/>
@@ -6419,7 +6419,7 @@
       </p:sp>
       <p:sp>
         <p:nvSpPr>
-          <p:cNvPr id="459" name="Slide Number Placeholder 5"/>
+          <p:cNvPr id="460" name="Slide Number Placeholder 5"/>
           <p:cNvSpPr txBox="1"/>
           <p:nvPr>
             <p:ph type="sldNum" sz="quarter" idx="4294967295"/>
@@ -6450,7 +6450,7 @@
       </p:sp>
       <p:sp>
         <p:nvSpPr>
-          <p:cNvPr id="460" name="Date Placeholder 3"/>
+          <p:cNvPr id="461" name="Date Placeholder 3"/>
           <p:cNvSpPr txBox="1"/>
           <p:nvPr/>
         </p:nvSpPr>
@@ -6494,7 +6494,7 @@
       </p:sp>
       <p:pic>
         <p:nvPicPr>
-          <p:cNvPr id="461" name="duration_deploying_destroying_containerlab.png" descr="duration_deploying_destroying_containerlab.png"/>
+          <p:cNvPr id="462" name="duration_deploying_destroying_containerlab.png" descr="duration_deploying_destroying_containerlab.png"/>
           <p:cNvPicPr>
             <a:picLocks noChangeAspect="1"/>
           </p:cNvPicPr>
@@ -6510,8 +6510,8 @@
         </p:blipFill>
         <p:spPr>
           <a:xfrm>
-            <a:off x="7376159" y="2012404"/>
-            <a:ext cx="3249645" cy="1905001"/>
+            <a:off x="7376159" y="1961604"/>
+            <a:ext cx="3429001" cy="2010143"/>
           </a:xfrm>
           <a:prstGeom prst="rect">
             <a:avLst/>
@@ -6523,14 +6523,14 @@
       </p:pic>
       <p:sp>
         <p:nvSpPr>
-          <p:cNvPr id="462" name="Configuration of Containerlab File"/>
+          <p:cNvPr id="463" name="Configuration of Containerlab File"/>
           <p:cNvSpPr txBox="1"/>
           <p:nvPr/>
         </p:nvSpPr>
         <p:spPr>
           <a:xfrm>
-            <a:off x="7634326" y="1795659"/>
-            <a:ext cx="2920238" cy="228510"/>
+            <a:off x="7824752" y="1693845"/>
+            <a:ext cx="2920238" cy="228509"/>
           </a:xfrm>
           <a:prstGeom prst="rect">
             <a:avLst/>
@@ -6577,14 +6577,14 @@
       </p:sp>
       <p:sp>
         <p:nvSpPr>
-          <p:cNvPr id="463" name="Configuration of Containerlab File"/>
+          <p:cNvPr id="464" name="Configuration of Containerlab File"/>
           <p:cNvSpPr txBox="1"/>
           <p:nvPr/>
         </p:nvSpPr>
         <p:spPr>
           <a:xfrm>
-            <a:off x="7904028" y="4085446"/>
-            <a:ext cx="2380833" cy="228509"/>
+            <a:off x="8094454" y="4082891"/>
+            <a:ext cx="2380833" cy="228510"/>
           </a:xfrm>
           <a:prstGeom prst="rect">
             <a:avLst/>
@@ -6631,7 +6631,7 @@
       </p:sp>
       <p:sp>
         <p:nvSpPr>
-          <p:cNvPr id="464" name="Content Placeholder 2"/>
+          <p:cNvPr id="465" name="Content Placeholder 2"/>
           <p:cNvSpPr txBox="1"/>
           <p:nvPr>
             <p:ph type="body" sz="quarter" idx="1"/>
@@ -6686,7 +6686,7 @@
       </p:sp>
       <p:pic>
         <p:nvPicPr>
-          <p:cNvPr id="465" name="Figure 2024-03-16 115618.png" descr="Figure 2024-03-16 115618.png"/>
+          <p:cNvPr id="466" name="Figure 2024-03-16 115618.png" descr="Figure 2024-03-16 115618.png"/>
           <p:cNvPicPr>
             <a:picLocks noChangeAspect="1"/>
           </p:cNvPicPr>
@@ -6702,8 +6702,8 @@
         </p:blipFill>
         <p:spPr>
           <a:xfrm>
-            <a:off x="7398446" y="4327757"/>
-            <a:ext cx="3251201" cy="1932420"/>
+            <a:off x="7398446" y="4289657"/>
+            <a:ext cx="3429001" cy="2038099"/>
           </a:xfrm>
           <a:prstGeom prst="rect">
             <a:avLst/>
@@ -6715,7 +6715,7 @@
       </p:pic>
       <p:sp>
         <p:nvSpPr>
-          <p:cNvPr id="466" name="RQ1.2 How well does the testbed scale with more nodes and complex topologies affect the host in terms of resource utilization?"/>
+          <p:cNvPr id="467" name="RQ1.2 How well does the testbed scale with more nodes and complex topologies affect the host in terms of resource utilization?"/>
           <p:cNvSpPr txBox="1"/>
           <p:nvPr/>
         </p:nvSpPr>
@@ -6767,7 +6767,7 @@
       </p:sp>
       <p:sp>
         <p:nvSpPr>
-          <p:cNvPr id="467" name="Content Placeholder 2"/>
+          <p:cNvPr id="468" name="Content Placeholder 2"/>
           <p:cNvSpPr txBox="1"/>
           <p:nvPr/>
         </p:nvSpPr>
@@ -6857,7 +6857,7 @@
       </p:sp>
       <p:sp>
         <p:nvSpPr>
-          <p:cNvPr id="468" name="Date Placeholder 3"/>
+          <p:cNvPr id="469" name="Date Placeholder 3"/>
           <p:cNvSpPr txBox="1"/>
           <p:nvPr/>
         </p:nvSpPr>
@@ -6927,7 +6927,7 @@
       </p:grpSpPr>
       <p:sp>
         <p:nvSpPr>
-          <p:cNvPr id="470" name="Title 1"/>
+          <p:cNvPr id="471" name="Title 1"/>
           <p:cNvSpPr txBox="1"/>
           <p:nvPr>
             <p:ph type="title"/>
@@ -6959,7 +6959,7 @@
       </p:sp>
       <p:sp>
         <p:nvSpPr>
-          <p:cNvPr id="471" name="Content Placeholder 2"/>
+          <p:cNvPr id="472" name="Content Placeholder 2"/>
           <p:cNvSpPr txBox="1"/>
           <p:nvPr>
             <p:ph type="body" sz="half" idx="1"/>
@@ -7004,7 +7004,7 @@
               <a:defRPr sz="1660"/>
             </a:pPr>
             <a:r>
-              <a:t>CPU usage evaluation with and without the P2P algorithm in the testbed</a:t>
+              <a:t>CPU Usage Evaluation with and without the P2P Algorithm in the Testbed</a:t>
             </a:r>
           </a:p>
           <a:p>
@@ -7053,7 +7053,7 @@
       </p:sp>
       <p:sp>
         <p:nvSpPr>
-          <p:cNvPr id="472" name="Slide Number Placeholder 5"/>
+          <p:cNvPr id="473" name="Slide Number Placeholder 5"/>
           <p:cNvSpPr txBox="1"/>
           <p:nvPr>
             <p:ph type="sldNum" sz="quarter" idx="4294967295"/>
@@ -7084,7 +7084,7 @@
       </p:sp>
       <p:sp>
         <p:nvSpPr>
-          <p:cNvPr id="473" name="Date Placeholder 3"/>
+          <p:cNvPr id="474" name="Date Placeholder 3"/>
           <p:cNvSpPr txBox="1"/>
           <p:nvPr/>
         </p:nvSpPr>
@@ -7126,9 +7126,161 @@
           </a:p>
         </p:txBody>
       </p:sp>
+      <p:sp>
+        <p:nvSpPr>
+          <p:cNvPr id="475" name="Configuration of Containerlab File"/>
+          <p:cNvSpPr txBox="1"/>
+          <p:nvPr/>
+        </p:nvSpPr>
+        <p:spPr>
+          <a:xfrm>
+            <a:off x="2209612" y="3761225"/>
+            <a:ext cx="2667376" cy="248304"/>
+          </a:xfrm>
+          <a:prstGeom prst="rect">
+            <a:avLst/>
+          </a:prstGeom>
+          <a:solidFill>
+            <a:srgbClr val="9CA0CB"/>
+          </a:solidFill>
+          <a:ln w="12700">
+            <a:miter lim="400000"/>
+          </a:ln>
+          <a:extLst>
+            <a:ext uri="{C572A759-6A51-4108-AA02-DFA0A04FC94B}">
+              <ma14:wrappingTextBoxFlag xmlns:ma14="http://schemas.microsoft.com/office/mac/drawingml/2011/main" val="1"/>
+            </a:ext>
+          </a:extLst>
+        </p:spPr>
+        <p:txBody>
+          <a:bodyPr lIns="45718" tIns="45718" rIns="45718" bIns="45718">
+            <a:spAutoFit/>
+          </a:bodyPr>
+          <a:lstStyle>
+            <a:lvl1pPr algn="ctr" defTabSz="914400">
+              <a:lnSpc>
+                <a:spcPct val="85000"/>
+              </a:lnSpc>
+              <a:defRPr spc="-12" sz="1200">
+                <a:solidFill>
+                  <a:srgbClr val="404040"/>
+                </a:solidFill>
+                <a:latin typeface="Calibri Light"/>
+                <a:ea typeface="Calibri Light"/>
+                <a:cs typeface="Calibri Light"/>
+                <a:sym typeface="Calibri Light"/>
+              </a:defRPr>
+            </a:lvl1pPr>
+          </a:lstStyle>
+          <a:p>
+            <a:pPr/>
+            <a:r>
+              <a:t>CPU Usage without the P2P Algorithm</a:t>
+            </a:r>
+          </a:p>
+        </p:txBody>
+      </p:sp>
+      <p:sp>
+        <p:nvSpPr>
+          <p:cNvPr id="476" name="Configuration of Containerlab File"/>
+          <p:cNvSpPr txBox="1"/>
+          <p:nvPr/>
+        </p:nvSpPr>
+        <p:spPr>
+          <a:xfrm>
+            <a:off x="7313077" y="3736299"/>
+            <a:ext cx="2595046" cy="248304"/>
+          </a:xfrm>
+          <a:prstGeom prst="rect">
+            <a:avLst/>
+          </a:prstGeom>
+          <a:solidFill>
+            <a:srgbClr val="9CA0CB"/>
+          </a:solidFill>
+          <a:ln w="12700">
+            <a:miter lim="400000"/>
+          </a:ln>
+          <a:extLst>
+            <a:ext uri="{C572A759-6A51-4108-AA02-DFA0A04FC94B}">
+              <ma14:wrappingTextBoxFlag xmlns:ma14="http://schemas.microsoft.com/office/mac/drawingml/2011/main" val="1"/>
+            </a:ext>
+          </a:extLst>
+        </p:spPr>
+        <p:txBody>
+          <a:bodyPr lIns="45718" tIns="45718" rIns="45718" bIns="45718">
+            <a:spAutoFit/>
+          </a:bodyPr>
+          <a:lstStyle>
+            <a:lvl1pPr algn="ctr" defTabSz="914400">
+              <a:lnSpc>
+                <a:spcPct val="85000"/>
+              </a:lnSpc>
+              <a:defRPr spc="-12" sz="1200">
+                <a:solidFill>
+                  <a:srgbClr val="404040"/>
+                </a:solidFill>
+                <a:latin typeface="Calibri Light"/>
+                <a:ea typeface="Calibri Light"/>
+                <a:cs typeface="Calibri Light"/>
+                <a:sym typeface="Calibri Light"/>
+              </a:defRPr>
+            </a:lvl1pPr>
+          </a:lstStyle>
+          <a:p>
+            <a:pPr/>
+            <a:r>
+              <a:t>CPU Usage with the P2P Algorithm</a:t>
+            </a:r>
+          </a:p>
+        </p:txBody>
+      </p:sp>
+      <p:sp>
+        <p:nvSpPr>
+          <p:cNvPr id="477" name="Date Placeholder 3"/>
+          <p:cNvSpPr txBox="1"/>
+          <p:nvPr/>
+        </p:nvSpPr>
+        <p:spPr>
+          <a:xfrm>
+            <a:off x="4430762" y="6529495"/>
+            <a:ext cx="3492501" cy="225706"/>
+          </a:xfrm>
+          <a:prstGeom prst="rect">
+            <a:avLst/>
+          </a:prstGeom>
+          <a:ln w="12700">
+            <a:miter lim="400000"/>
+          </a:ln>
+          <a:extLst>
+            <a:ext uri="{C572A759-6A51-4108-AA02-DFA0A04FC94B}">
+              <ma14:wrappingTextBoxFlag xmlns:ma14="http://schemas.microsoft.com/office/mac/drawingml/2011/main" val="1"/>
+            </a:ext>
+          </a:extLst>
+        </p:spPr>
+        <p:txBody>
+          <a:bodyPr lIns="45718" tIns="45718" rIns="45718" bIns="45718" anchor="ctr">
+            <a:spAutoFit/>
+          </a:bodyPr>
+          <a:lstStyle>
+            <a:lvl1pPr algn="ctr">
+              <a:defRPr b="1" sz="1100" u="sng">
+                <a:solidFill>
+                  <a:srgbClr val="FFFFFF"/>
+                </a:solidFill>
+              </a:defRPr>
+            </a:lvl1pPr>
+          </a:lstStyle>
+          <a:p>
+            <a:pPr/>
+            <a:r>
+              <a:t>CPU AND MEMORY USAGE ANALYSIS OF NODES, RQ2.1 (1)</a:t>
+            </a:r>
+          </a:p>
+        </p:txBody>
+      </p:sp>
       <p:pic>
         <p:nvPicPr>
-          <p:cNvPr id="474" name="cpu_usage_50peers_withoutP2P.png" descr="cpu_usage_50peers_withoutP2P.png"/>
+          <p:cNvPr id="478" name="cpu50_lastwithoutP2P.png" descr="cpu50_lastwithoutP2P.png"/>
           <p:cNvPicPr>
             <a:picLocks noChangeAspect="1"/>
           </p:cNvPicPr>
@@ -7144,8 +7296,8 @@
         </p:blipFill>
         <p:spPr>
           <a:xfrm>
-            <a:off x="1498600" y="4180325"/>
-            <a:ext cx="4146424" cy="1905001"/>
+            <a:off x="1257300" y="4051300"/>
+            <a:ext cx="4572000" cy="2082389"/>
           </a:xfrm>
           <a:prstGeom prst="rect">
             <a:avLst/>
@@ -7155,117 +7307,9 @@
           </a:ln>
         </p:spPr>
       </p:pic>
-      <p:sp>
-        <p:nvSpPr>
-          <p:cNvPr id="475" name="Configuration of Containerlab File"/>
-          <p:cNvSpPr txBox="1"/>
-          <p:nvPr/>
-        </p:nvSpPr>
-        <p:spPr>
-          <a:xfrm>
-            <a:off x="2182688" y="3818782"/>
-            <a:ext cx="2667377" cy="248303"/>
-          </a:xfrm>
-          <a:prstGeom prst="rect">
-            <a:avLst/>
-          </a:prstGeom>
-          <a:solidFill>
-            <a:srgbClr val="9CA0CB"/>
-          </a:solidFill>
-          <a:ln w="12700">
-            <a:miter lim="400000"/>
-          </a:ln>
-          <a:extLst>
-            <a:ext uri="{C572A759-6A51-4108-AA02-DFA0A04FC94B}">
-              <ma14:wrappingTextBoxFlag xmlns:ma14="http://schemas.microsoft.com/office/mac/drawingml/2011/main" val="1"/>
-            </a:ext>
-          </a:extLst>
-        </p:spPr>
-        <p:txBody>
-          <a:bodyPr lIns="45718" tIns="45718" rIns="45718" bIns="45718">
-            <a:spAutoFit/>
-          </a:bodyPr>
-          <a:lstStyle>
-            <a:lvl1pPr algn="ctr" defTabSz="914400">
-              <a:lnSpc>
-                <a:spcPct val="85000"/>
-              </a:lnSpc>
-              <a:defRPr spc="-12" sz="1200">
-                <a:solidFill>
-                  <a:srgbClr val="404040"/>
-                </a:solidFill>
-                <a:latin typeface="Calibri Light"/>
-                <a:ea typeface="Calibri Light"/>
-                <a:cs typeface="Calibri Light"/>
-                <a:sym typeface="Calibri Light"/>
-              </a:defRPr>
-            </a:lvl1pPr>
-          </a:lstStyle>
-          <a:p>
-            <a:pPr/>
-            <a:r>
-              <a:t>CPU Usage without the P2P Algorithm</a:t>
-            </a:r>
-          </a:p>
-        </p:txBody>
-      </p:sp>
-      <p:sp>
-        <p:nvSpPr>
-          <p:cNvPr id="476" name="Configuration of Containerlab File"/>
-          <p:cNvSpPr txBox="1"/>
-          <p:nvPr/>
-        </p:nvSpPr>
-        <p:spPr>
-          <a:xfrm>
-            <a:off x="7201954" y="3761225"/>
-            <a:ext cx="2595047" cy="248304"/>
-          </a:xfrm>
-          <a:prstGeom prst="rect">
-            <a:avLst/>
-          </a:prstGeom>
-          <a:solidFill>
-            <a:srgbClr val="9CA0CB"/>
-          </a:solidFill>
-          <a:ln w="12700">
-            <a:miter lim="400000"/>
-          </a:ln>
-          <a:extLst>
-            <a:ext uri="{C572A759-6A51-4108-AA02-DFA0A04FC94B}">
-              <ma14:wrappingTextBoxFlag xmlns:ma14="http://schemas.microsoft.com/office/mac/drawingml/2011/main" val="1"/>
-            </a:ext>
-          </a:extLst>
-        </p:spPr>
-        <p:txBody>
-          <a:bodyPr lIns="45718" tIns="45718" rIns="45718" bIns="45718">
-            <a:spAutoFit/>
-          </a:bodyPr>
-          <a:lstStyle>
-            <a:lvl1pPr algn="ctr" defTabSz="914400">
-              <a:lnSpc>
-                <a:spcPct val="85000"/>
-              </a:lnSpc>
-              <a:defRPr spc="-12" sz="1200">
-                <a:solidFill>
-                  <a:srgbClr val="404040"/>
-                </a:solidFill>
-                <a:latin typeface="Calibri Light"/>
-                <a:ea typeface="Calibri Light"/>
-                <a:cs typeface="Calibri Light"/>
-                <a:sym typeface="Calibri Light"/>
-              </a:defRPr>
-            </a:lvl1pPr>
-          </a:lstStyle>
-          <a:p>
-            <a:pPr/>
-            <a:r>
-              <a:t>CPU Usage with the P2P Algorithm</a:t>
-            </a:r>
-          </a:p>
-        </p:txBody>
-      </p:sp>
       <p:pic>
         <p:nvPicPr>
-          <p:cNvPr id="477" name="cpu_usage_50peers_withP2P.png" descr="cpu_usage_50peers_withP2P.png"/>
+          <p:cNvPr id="479" name="cpu50_lastwithP2P.png" descr="cpu50_lastwithP2P.png"/>
           <p:cNvPicPr>
             <a:picLocks noChangeAspect="1"/>
           </p:cNvPicPr>
@@ -7281,8 +7325,8 @@
         </p:blipFill>
         <p:spPr>
           <a:xfrm>
-            <a:off x="6248400" y="4180325"/>
-            <a:ext cx="4044020" cy="1905001"/>
+            <a:off x="6324600" y="3985600"/>
+            <a:ext cx="4572000" cy="2121558"/>
           </a:xfrm>
           <a:prstGeom prst="rect">
             <a:avLst/>
@@ -7292,50 +7336,6 @@
           </a:ln>
         </p:spPr>
       </p:pic>
-      <p:sp>
-        <p:nvSpPr>
-          <p:cNvPr id="478" name="Date Placeholder 3"/>
-          <p:cNvSpPr txBox="1"/>
-          <p:nvPr/>
-        </p:nvSpPr>
-        <p:spPr>
-          <a:xfrm>
-            <a:off x="4430762" y="6529495"/>
-            <a:ext cx="3492501" cy="225706"/>
-          </a:xfrm>
-          <a:prstGeom prst="rect">
-            <a:avLst/>
-          </a:prstGeom>
-          <a:ln w="12700">
-            <a:miter lim="400000"/>
-          </a:ln>
-          <a:extLst>
-            <a:ext uri="{C572A759-6A51-4108-AA02-DFA0A04FC94B}">
-              <ma14:wrappingTextBoxFlag xmlns:ma14="http://schemas.microsoft.com/office/mac/drawingml/2011/main" val="1"/>
-            </a:ext>
-          </a:extLst>
-        </p:spPr>
-        <p:txBody>
-          <a:bodyPr lIns="45718" tIns="45718" rIns="45718" bIns="45718" anchor="ctr">
-            <a:spAutoFit/>
-          </a:bodyPr>
-          <a:lstStyle>
-            <a:lvl1pPr algn="ctr">
-              <a:defRPr b="1" sz="1100" u="sng">
-                <a:solidFill>
-                  <a:srgbClr val="FFFFFF"/>
-                </a:solidFill>
-              </a:defRPr>
-            </a:lvl1pPr>
-          </a:lstStyle>
-          <a:p>
-            <a:pPr/>
-            <a:r>
-              <a:t>CPU AND MEMORY USAGE ANALYSIS OF NODES, RQ2.1 (1)</a:t>
-            </a:r>
-          </a:p>
-        </p:txBody>
-      </p:sp>
     </p:spTree>
   </p:cSld>
   <p:clrMapOvr>
@@ -7364,7 +7364,7 @@
       </p:grpSpPr>
       <p:sp>
         <p:nvSpPr>
-          <p:cNvPr id="480" name="Title 1"/>
+          <p:cNvPr id="481" name="Title 1"/>
           <p:cNvSpPr txBox="1"/>
           <p:nvPr>
             <p:ph type="title"/>
@@ -7396,7 +7396,7 @@
       </p:sp>
       <p:sp>
         <p:nvSpPr>
-          <p:cNvPr id="481" name="Slide Number Placeholder 5"/>
+          <p:cNvPr id="482" name="Slide Number Placeholder 5"/>
           <p:cNvSpPr txBox="1"/>
           <p:nvPr>
             <p:ph type="sldNum" sz="quarter" idx="4294967295"/>
@@ -7427,7 +7427,7 @@
       </p:sp>
       <p:sp>
         <p:nvSpPr>
-          <p:cNvPr id="482" name="Date Placeholder 3"/>
+          <p:cNvPr id="483" name="Date Placeholder 3"/>
           <p:cNvSpPr txBox="1"/>
           <p:nvPr/>
         </p:nvSpPr>
@@ -7469,9 +7469,291 @@
           </a:p>
         </p:txBody>
       </p:sp>
+      <p:sp>
+        <p:nvSpPr>
+          <p:cNvPr id="484" name="Configuration of Containerlab File"/>
+          <p:cNvSpPr txBox="1"/>
+          <p:nvPr/>
+        </p:nvSpPr>
+        <p:spPr>
+          <a:xfrm>
+            <a:off x="2012482" y="3139748"/>
+            <a:ext cx="3129008" cy="248304"/>
+          </a:xfrm>
+          <a:prstGeom prst="rect">
+            <a:avLst/>
+          </a:prstGeom>
+          <a:solidFill>
+            <a:srgbClr val="9CA0CB"/>
+          </a:solidFill>
+          <a:ln w="12700">
+            <a:miter lim="400000"/>
+          </a:ln>
+          <a:extLst>
+            <a:ext uri="{C572A759-6A51-4108-AA02-DFA0A04FC94B}">
+              <ma14:wrappingTextBoxFlag xmlns:ma14="http://schemas.microsoft.com/office/mac/drawingml/2011/main" val="1"/>
+            </a:ext>
+          </a:extLst>
+        </p:spPr>
+        <p:txBody>
+          <a:bodyPr lIns="45718" tIns="45718" rIns="45718" bIns="45718">
+            <a:spAutoFit/>
+          </a:bodyPr>
+          <a:lstStyle>
+            <a:lvl1pPr algn="ctr" defTabSz="914400">
+              <a:lnSpc>
+                <a:spcPct val="85000"/>
+              </a:lnSpc>
+              <a:defRPr spc="-12" sz="1200">
+                <a:solidFill>
+                  <a:srgbClr val="404040"/>
+                </a:solidFill>
+                <a:latin typeface="Calibri Light"/>
+                <a:ea typeface="Calibri Light"/>
+                <a:cs typeface="Calibri Light"/>
+                <a:sym typeface="Calibri Light"/>
+              </a:defRPr>
+            </a:lvl1pPr>
+          </a:lstStyle>
+          <a:p>
+            <a:pPr/>
+            <a:r>
+              <a:t>Memory Usage without the P2P Algorithm</a:t>
+            </a:r>
+          </a:p>
+        </p:txBody>
+      </p:sp>
+      <p:sp>
+        <p:nvSpPr>
+          <p:cNvPr id="485" name="Configuration of Containerlab File"/>
+          <p:cNvSpPr txBox="1"/>
+          <p:nvPr/>
+        </p:nvSpPr>
+        <p:spPr>
+          <a:xfrm>
+            <a:off x="7265171" y="3139748"/>
+            <a:ext cx="2864433" cy="248304"/>
+          </a:xfrm>
+          <a:prstGeom prst="rect">
+            <a:avLst/>
+          </a:prstGeom>
+          <a:solidFill>
+            <a:srgbClr val="9CA0CB"/>
+          </a:solidFill>
+          <a:ln w="12700">
+            <a:miter lim="400000"/>
+          </a:ln>
+          <a:extLst>
+            <a:ext uri="{C572A759-6A51-4108-AA02-DFA0A04FC94B}">
+              <ma14:wrappingTextBoxFlag xmlns:ma14="http://schemas.microsoft.com/office/mac/drawingml/2011/main" val="1"/>
+            </a:ext>
+          </a:extLst>
+        </p:spPr>
+        <p:txBody>
+          <a:bodyPr lIns="45718" tIns="45718" rIns="45718" bIns="45718">
+            <a:spAutoFit/>
+          </a:bodyPr>
+          <a:lstStyle>
+            <a:lvl1pPr algn="ctr" defTabSz="914400">
+              <a:lnSpc>
+                <a:spcPct val="85000"/>
+              </a:lnSpc>
+              <a:defRPr spc="-12" sz="1200">
+                <a:solidFill>
+                  <a:srgbClr val="404040"/>
+                </a:solidFill>
+                <a:latin typeface="Calibri Light"/>
+                <a:ea typeface="Calibri Light"/>
+                <a:cs typeface="Calibri Light"/>
+                <a:sym typeface="Calibri Light"/>
+              </a:defRPr>
+            </a:lvl1pPr>
+          </a:lstStyle>
+          <a:p>
+            <a:pPr/>
+            <a:r>
+              <a:t>Memory Usage with the P2P Algorithm</a:t>
+            </a:r>
+          </a:p>
+        </p:txBody>
+      </p:sp>
+      <p:sp>
+        <p:nvSpPr>
+          <p:cNvPr id="486" name="Content Placeholder 2"/>
+          <p:cNvSpPr txBox="1"/>
+          <p:nvPr>
+            <p:ph type="body" sz="quarter" idx="1"/>
+          </p:nvPr>
+        </p:nvSpPr>
+        <p:spPr>
+          <a:xfrm>
+            <a:off x="1097280" y="1354015"/>
+            <a:ext cx="10058401" cy="1478085"/>
+          </a:xfrm>
+          <a:prstGeom prst="rect">
+            <a:avLst/>
+          </a:prstGeom>
+        </p:spPr>
+        <p:txBody>
+          <a:bodyPr/>
+          <a:lstStyle/>
+          <a:p>
+            <a:pPr marL="186489" indent="-186489" defTabSz="850391">
+              <a:spcBef>
+                <a:spcPts val="1100"/>
+              </a:spcBef>
+              <a:buClrTx/>
+              <a:buFontTx/>
+              <a:buChar char="•"/>
+              <a:defRPr sz="1860"/>
+            </a:pPr>
+            <a:r>
+              <a:t>Memory Usage Evaluation with and without the P2P Algorithm in the Testbed</a:t>
+            </a:r>
+          </a:p>
+          <a:p>
+            <a:pPr lvl="1" marL="540819" indent="-186489" defTabSz="850391">
+              <a:spcBef>
+                <a:spcPts val="1100"/>
+              </a:spcBef>
+              <a:buClrTx/>
+              <a:buFontTx/>
+              <a:buChar char="•"/>
+              <a:defRPr sz="1860"/>
+            </a:pPr>
+            <a:r>
+              <a:t>Direct data transfer, increased memory usage on the lectureStudio server</a:t>
+            </a:r>
+          </a:p>
+          <a:p>
+            <a:pPr lvl="1" marL="540819" indent="-186489" defTabSz="850391">
+              <a:spcBef>
+                <a:spcPts val="1100"/>
+              </a:spcBef>
+              <a:buClrTx/>
+              <a:buFontTx/>
+              <a:buChar char="•"/>
+              <a:defRPr sz="1860"/>
+            </a:pPr>
+            <a:r>
+              <a:t>P2P algorithm, data distribution leading to decreased memory usage on the lectureStudio server</a:t>
+            </a:r>
+          </a:p>
+          <a:p>
+            <a:pPr lvl="1" marL="540819" indent="-186489" defTabSz="850391">
+              <a:spcBef>
+                <a:spcPts val="1100"/>
+              </a:spcBef>
+              <a:buClrTx/>
+              <a:buFontTx/>
+              <a:buChar char="•"/>
+              <a:defRPr sz="1860"/>
+            </a:pPr>
+            <a:r>
+              <a:t>Memory usage reduction of 55% by the P2P algorithm</a:t>
+            </a:r>
+          </a:p>
+        </p:txBody>
+      </p:sp>
+      <p:sp>
+        <p:nvSpPr>
+          <p:cNvPr id="487" name="Content Placeholder 2"/>
+          <p:cNvSpPr txBox="1"/>
+          <p:nvPr/>
+        </p:nvSpPr>
+        <p:spPr>
+          <a:xfrm>
+            <a:off x="1164909" y="5786684"/>
+            <a:ext cx="6914845" cy="515165"/>
+          </a:xfrm>
+          <a:prstGeom prst="rect">
+            <a:avLst/>
+          </a:prstGeom>
+          <a:ln w="12700">
+            <a:miter lim="400000"/>
+          </a:ln>
+          <a:extLst>
+            <a:ext uri="{C572A759-6A51-4108-AA02-DFA0A04FC94B}">
+              <ma14:wrappingTextBoxFlag xmlns:ma14="http://schemas.microsoft.com/office/mac/drawingml/2011/main" val="1"/>
+            </a:ext>
+          </a:extLst>
+        </p:spPr>
+        <p:txBody>
+          <a:bodyPr lIns="0" tIns="0" rIns="0" bIns="0">
+            <a:normAutofit fontScale="100000" lnSpcReduction="0"/>
+          </a:bodyPr>
+          <a:lstStyle>
+            <a:lvl1pPr marL="152399" indent="-152399" defTabSz="694944">
+              <a:lnSpc>
+                <a:spcPct val="90000"/>
+              </a:lnSpc>
+              <a:spcBef>
+                <a:spcPts val="900"/>
+              </a:spcBef>
+              <a:buSzPct val="100000"/>
+              <a:buChar char="•"/>
+              <a:defRPr sz="1520">
+                <a:solidFill>
+                  <a:srgbClr val="404040"/>
+                </a:solidFill>
+              </a:defRPr>
+            </a:lvl1pPr>
+          </a:lstStyle>
+          <a:p>
+            <a:pPr/>
+            <a:r>
+              <a:t>Manageable Increase in CPU and Memory Usage of Super Peers Handling Data Flow </a:t>
+            </a:r>
+          </a:p>
+        </p:txBody>
+      </p:sp>
+      <p:sp>
+        <p:nvSpPr>
+          <p:cNvPr id="488" name="Date Placeholder 3"/>
+          <p:cNvSpPr txBox="1"/>
+          <p:nvPr/>
+        </p:nvSpPr>
+        <p:spPr>
+          <a:xfrm>
+            <a:off x="4430762" y="6529495"/>
+            <a:ext cx="3492501" cy="225706"/>
+          </a:xfrm>
+          <a:prstGeom prst="rect">
+            <a:avLst/>
+          </a:prstGeom>
+          <a:ln w="12700">
+            <a:miter lim="400000"/>
+          </a:ln>
+          <a:extLst>
+            <a:ext uri="{C572A759-6A51-4108-AA02-DFA0A04FC94B}">
+              <ma14:wrappingTextBoxFlag xmlns:ma14="http://schemas.microsoft.com/office/mac/drawingml/2011/main" val="1"/>
+            </a:ext>
+          </a:extLst>
+        </p:spPr>
+        <p:txBody>
+          <a:bodyPr lIns="45718" tIns="45718" rIns="45718" bIns="45718" anchor="ctr">
+            <a:spAutoFit/>
+          </a:bodyPr>
+          <a:lstStyle>
+            <a:lvl1pPr algn="ctr">
+              <a:defRPr b="1" sz="1100" u="sng">
+                <a:solidFill>
+                  <a:srgbClr val="FFFFFF"/>
+                </a:solidFill>
+              </a:defRPr>
+            </a:lvl1pPr>
+          </a:lstStyle>
+          <a:p>
+            <a:pPr/>
+            <a:r>
+              <a:t>CPU AND MEMORY USAGE ANALYSIS OF NODES, RQ2.1 (2)</a:t>
+            </a:r>
+          </a:p>
+        </p:txBody>
+      </p:sp>
       <p:pic>
         <p:nvPicPr>
-          <p:cNvPr id="483" name="memory_usage_50peers_withoutP2P.png" descr="memory_usage_50peers_withoutP2P.png"/>
+          <p:cNvPr id="489" name="memoryusagelastwithoutP2P.png" descr="memoryusagelastwithoutP2P.png"/>
           <p:cNvPicPr>
             <a:picLocks noChangeAspect="1"/>
           </p:cNvPicPr>
@@ -7487,8 +7769,8 @@
         </p:blipFill>
         <p:spPr>
           <a:xfrm>
-            <a:off x="1321792" y="3352800"/>
-            <a:ext cx="4092223" cy="1905000"/>
+            <a:off x="1290986" y="3417249"/>
+            <a:ext cx="4572001" cy="2098776"/>
           </a:xfrm>
           <a:prstGeom prst="rect">
             <a:avLst/>
@@ -7500,7 +7782,7 @@
       </p:pic>
       <p:pic>
         <p:nvPicPr>
-          <p:cNvPr id="484" name="memory_usage_50peers_withP2P.png" descr="memory_usage_50peers_withP2P.png"/>
+          <p:cNvPr id="490" name="memoryusagelastwithP2P.png" descr="memoryusagelastwithP2P.png"/>
           <p:cNvPicPr>
             <a:picLocks noChangeAspect="1"/>
           </p:cNvPicPr>
@@ -7516,8 +7798,8 @@
         </p:blipFill>
         <p:spPr>
           <a:xfrm>
-            <a:off x="6223992" y="3352800"/>
-            <a:ext cx="4136572" cy="1905000"/>
+            <a:off x="6411387" y="3416300"/>
+            <a:ext cx="4572001" cy="2100899"/>
           </a:xfrm>
           <a:prstGeom prst="rect">
             <a:avLst/>
@@ -7527,288 +7809,6 @@
           </a:ln>
         </p:spPr>
       </p:pic>
-      <p:sp>
-        <p:nvSpPr>
-          <p:cNvPr id="485" name="Configuration of Containerlab File"/>
-          <p:cNvSpPr txBox="1"/>
-          <p:nvPr/>
-        </p:nvSpPr>
-        <p:spPr>
-          <a:xfrm>
-            <a:off x="1936282" y="3076248"/>
-            <a:ext cx="3129008" cy="248304"/>
-          </a:xfrm>
-          <a:prstGeom prst="rect">
-            <a:avLst/>
-          </a:prstGeom>
-          <a:solidFill>
-            <a:srgbClr val="9CA0CB"/>
-          </a:solidFill>
-          <a:ln w="12700">
-            <a:miter lim="400000"/>
-          </a:ln>
-          <a:extLst>
-            <a:ext uri="{C572A759-6A51-4108-AA02-DFA0A04FC94B}">
-              <ma14:wrappingTextBoxFlag xmlns:ma14="http://schemas.microsoft.com/office/mac/drawingml/2011/main" val="1"/>
-            </a:ext>
-          </a:extLst>
-        </p:spPr>
-        <p:txBody>
-          <a:bodyPr lIns="45718" tIns="45718" rIns="45718" bIns="45718">
-            <a:spAutoFit/>
-          </a:bodyPr>
-          <a:lstStyle>
-            <a:lvl1pPr algn="ctr" defTabSz="914400">
-              <a:lnSpc>
-                <a:spcPct val="85000"/>
-              </a:lnSpc>
-              <a:defRPr spc="-12" sz="1200">
-                <a:solidFill>
-                  <a:srgbClr val="404040"/>
-                </a:solidFill>
-                <a:latin typeface="Calibri Light"/>
-                <a:ea typeface="Calibri Light"/>
-                <a:cs typeface="Calibri Light"/>
-                <a:sym typeface="Calibri Light"/>
-              </a:defRPr>
-            </a:lvl1pPr>
-          </a:lstStyle>
-          <a:p>
-            <a:pPr/>
-            <a:r>
-              <a:t>Memory Usage without the P2P Algorithm</a:t>
-            </a:r>
-          </a:p>
-        </p:txBody>
-      </p:sp>
-      <p:sp>
-        <p:nvSpPr>
-          <p:cNvPr id="486" name="Configuration of Containerlab File"/>
-          <p:cNvSpPr txBox="1"/>
-          <p:nvPr/>
-        </p:nvSpPr>
-        <p:spPr>
-          <a:xfrm>
-            <a:off x="7087914" y="3076248"/>
-            <a:ext cx="2864434" cy="248304"/>
-          </a:xfrm>
-          <a:prstGeom prst="rect">
-            <a:avLst/>
-          </a:prstGeom>
-          <a:solidFill>
-            <a:srgbClr val="9CA0CB"/>
-          </a:solidFill>
-          <a:ln w="12700">
-            <a:miter lim="400000"/>
-          </a:ln>
-          <a:extLst>
-            <a:ext uri="{C572A759-6A51-4108-AA02-DFA0A04FC94B}">
-              <ma14:wrappingTextBoxFlag xmlns:ma14="http://schemas.microsoft.com/office/mac/drawingml/2011/main" val="1"/>
-            </a:ext>
-          </a:extLst>
-        </p:spPr>
-        <p:txBody>
-          <a:bodyPr lIns="45718" tIns="45718" rIns="45718" bIns="45718">
-            <a:spAutoFit/>
-          </a:bodyPr>
-          <a:lstStyle>
-            <a:lvl1pPr algn="ctr" defTabSz="914400">
-              <a:lnSpc>
-                <a:spcPct val="85000"/>
-              </a:lnSpc>
-              <a:defRPr spc="-12" sz="1200">
-                <a:solidFill>
-                  <a:srgbClr val="404040"/>
-                </a:solidFill>
-                <a:latin typeface="Calibri Light"/>
-                <a:ea typeface="Calibri Light"/>
-                <a:cs typeface="Calibri Light"/>
-                <a:sym typeface="Calibri Light"/>
-              </a:defRPr>
-            </a:lvl1pPr>
-          </a:lstStyle>
-          <a:p>
-            <a:pPr/>
-            <a:r>
-              <a:t>Memory Usage with the P2P Algorithm</a:t>
-            </a:r>
-          </a:p>
-        </p:txBody>
-      </p:sp>
-      <p:sp>
-        <p:nvSpPr>
-          <p:cNvPr id="487" name="Content Placeholder 2"/>
-          <p:cNvSpPr txBox="1"/>
-          <p:nvPr>
-            <p:ph type="body" sz="quarter" idx="1"/>
-          </p:nvPr>
-        </p:nvSpPr>
-        <p:spPr>
-          <a:xfrm>
-            <a:off x="1097280" y="1354015"/>
-            <a:ext cx="10058401" cy="1478085"/>
-          </a:xfrm>
-          <a:prstGeom prst="rect">
-            <a:avLst/>
-          </a:prstGeom>
-        </p:spPr>
-        <p:txBody>
-          <a:bodyPr/>
-          <a:lstStyle/>
-          <a:p>
-            <a:pPr marL="186489" indent="-186489" defTabSz="850391">
-              <a:spcBef>
-                <a:spcPts val="1100"/>
-              </a:spcBef>
-              <a:buClrTx/>
-              <a:buFontTx/>
-              <a:buChar char="•"/>
-              <a:defRPr sz="1860"/>
-            </a:pPr>
-            <a:r>
-              <a:t>Memory Usage Evaluation with and without the P2P Algorithm in the Testbed</a:t>
-            </a:r>
-          </a:p>
-          <a:p>
-            <a:pPr lvl="1" marL="540819" indent="-186489" defTabSz="850391">
-              <a:spcBef>
-                <a:spcPts val="1100"/>
-              </a:spcBef>
-              <a:buClrTx/>
-              <a:buFontTx/>
-              <a:buChar char="•"/>
-              <a:defRPr sz="1860"/>
-            </a:pPr>
-            <a:r>
-              <a:t>Direct Data Transfer, Increased Memory Usage on the LectureStudio Server</a:t>
-            </a:r>
-          </a:p>
-          <a:p>
-            <a:pPr lvl="1" marL="540819" indent="-186489" defTabSz="850391">
-              <a:spcBef>
-                <a:spcPts val="1100"/>
-              </a:spcBef>
-              <a:buClrTx/>
-              <a:buFontTx/>
-              <a:buChar char="•"/>
-              <a:defRPr sz="1860"/>
-            </a:pPr>
-            <a:r>
-              <a:t>P2P Algorithm, Data Distribution Leading to Decreased Memory Usage on the LectureStudio Server</a:t>
-            </a:r>
-          </a:p>
-          <a:p>
-            <a:pPr lvl="1" marL="540819" indent="-186489" defTabSz="850391">
-              <a:spcBef>
-                <a:spcPts val="1100"/>
-              </a:spcBef>
-              <a:buClrTx/>
-              <a:buFontTx/>
-              <a:buChar char="•"/>
-              <a:defRPr sz="1860"/>
-            </a:pPr>
-            <a:r>
-              <a:t>Memory Usage Reduction of 41% by the P2P Algorithm</a:t>
-            </a:r>
-          </a:p>
-        </p:txBody>
-      </p:sp>
-      <p:sp>
-        <p:nvSpPr>
-          <p:cNvPr id="488" name="Content Placeholder 2"/>
-          <p:cNvSpPr txBox="1"/>
-          <p:nvPr/>
-        </p:nvSpPr>
-        <p:spPr>
-          <a:xfrm>
-            <a:off x="1147811" y="5590061"/>
-            <a:ext cx="10058402" cy="630878"/>
-          </a:xfrm>
-          <a:prstGeom prst="rect">
-            <a:avLst/>
-          </a:prstGeom>
-          <a:ln w="12700">
-            <a:miter lim="400000"/>
-          </a:ln>
-          <a:extLst>
-            <a:ext uri="{C572A759-6A51-4108-AA02-DFA0A04FC94B}">
-              <ma14:wrappingTextBoxFlag xmlns:ma14="http://schemas.microsoft.com/office/mac/drawingml/2011/main" val="1"/>
-            </a:ext>
-          </a:extLst>
-        </p:spPr>
-        <p:txBody>
-          <a:bodyPr lIns="0" tIns="0" rIns="0" bIns="0">
-            <a:normAutofit fontScale="100000" lnSpcReduction="0"/>
-          </a:bodyPr>
-          <a:lstStyle>
-            <a:lvl1pPr marL="178468" indent="-178468" defTabSz="813816">
-              <a:lnSpc>
-                <a:spcPct val="90000"/>
-              </a:lnSpc>
-              <a:spcBef>
-                <a:spcPts val="1000"/>
-              </a:spcBef>
-              <a:buSzPct val="100000"/>
-              <a:buChar char="•"/>
-              <a:defRPr sz="1779">
-                <a:solidFill>
-                  <a:srgbClr val="404040"/>
-                </a:solidFill>
-              </a:defRPr>
-            </a:lvl1pPr>
-          </a:lstStyle>
-          <a:p>
-            <a:pPr/>
-            <a:r>
-              <a:t>Manageable Increase in CPU and Memory Usage of Super Peers Handling Data Flow </a:t>
-            </a:r>
-          </a:p>
-        </p:txBody>
-      </p:sp>
-      <p:sp>
-        <p:nvSpPr>
-          <p:cNvPr id="489" name="Date Placeholder 3"/>
-          <p:cNvSpPr txBox="1"/>
-          <p:nvPr/>
-        </p:nvSpPr>
-        <p:spPr>
-          <a:xfrm>
-            <a:off x="4430761" y="6529495"/>
-            <a:ext cx="3492501" cy="225706"/>
-          </a:xfrm>
-          <a:prstGeom prst="rect">
-            <a:avLst/>
-          </a:prstGeom>
-          <a:ln w="12700">
-            <a:miter lim="400000"/>
-          </a:ln>
-          <a:extLst>
-            <a:ext uri="{C572A759-6A51-4108-AA02-DFA0A04FC94B}">
-              <ma14:wrappingTextBoxFlag xmlns:ma14="http://schemas.microsoft.com/office/mac/drawingml/2011/main" val="1"/>
-            </a:ext>
-          </a:extLst>
-        </p:spPr>
-        <p:txBody>
-          <a:bodyPr lIns="45718" tIns="45718" rIns="45718" bIns="45718" anchor="ctr">
-            <a:spAutoFit/>
-          </a:bodyPr>
-          <a:lstStyle>
-            <a:lvl1pPr algn="ctr">
-              <a:defRPr b="1" sz="1100" u="sng">
-                <a:solidFill>
-                  <a:srgbClr val="FFFFFF"/>
-                </a:solidFill>
-              </a:defRPr>
-            </a:lvl1pPr>
-          </a:lstStyle>
-          <a:p>
-            <a:pPr/>
-            <a:r>
-              <a:t>CPU AND MEMORY USAGE ANALYSIS OF NODES, RQ2.1 (2)</a:t>
-            </a:r>
-          </a:p>
-        </p:txBody>
-      </p:sp>
     </p:spTree>
   </p:cSld>
   <p:clrMapOvr>
@@ -7837,7 +7837,7 @@
       </p:grpSpPr>
       <p:sp>
         <p:nvSpPr>
-          <p:cNvPr id="491" name="Performance Evaluation of the P2P Algorithm, RQ2.2 and RQ2.3 (1)"/>
+          <p:cNvPr id="492" name="Performance Evaluation of the P2P Algorithm, RQ2.2 and RQ2.3 (1)"/>
           <p:cNvSpPr txBox="1"/>
           <p:nvPr>
             <p:ph type="title"/>
@@ -7869,7 +7869,7 @@
       </p:sp>
       <p:sp>
         <p:nvSpPr>
-          <p:cNvPr id="492" name="Date Placeholder 3"/>
+          <p:cNvPr id="493" name="Date Placeholder 3"/>
           <p:cNvSpPr txBox="1"/>
           <p:nvPr/>
         </p:nvSpPr>
@@ -7913,7 +7913,7 @@
       </p:sp>
       <p:sp>
         <p:nvSpPr>
-          <p:cNvPr id="493" name="Slide Number"/>
+          <p:cNvPr id="494" name="Slide Number"/>
           <p:cNvSpPr txBox="1"/>
           <p:nvPr>
             <p:ph type="sldNum" sz="quarter" idx="4294967295"/>
@@ -7940,7 +7940,7 @@
       </p:sp>
       <p:sp>
         <p:nvSpPr>
-          <p:cNvPr id="494" name="RQ2.2 How does the P2P algorithm react to changing network characteristics (bandwidth, latency, packet loss)?…"/>
+          <p:cNvPr id="495" name="RQ2.2 How does the P2P algorithm react to changing network characteristics (bandwidth, latency, packet loss)?…"/>
           <p:cNvSpPr txBox="1"/>
           <p:nvPr>
             <p:ph type="body" idx="1"/>
@@ -8161,7 +8161,7 @@
       </p:sp>
       <p:sp>
         <p:nvSpPr>
-          <p:cNvPr id="495" name="Date Placeholder 3"/>
+          <p:cNvPr id="496" name="Date Placeholder 3"/>
           <p:cNvSpPr txBox="1"/>
           <p:nvPr/>
         </p:nvSpPr>
@@ -8231,7 +8231,7 @@
       </p:grpSpPr>
       <p:sp>
         <p:nvSpPr>
-          <p:cNvPr id="497" name="Performance Evaluation of the P2P Algorithm, RQ2.2 and RQ2.3 (2)"/>
+          <p:cNvPr id="498" name="Performance Evaluation of the P2P Algorithm, RQ2.2 and RQ2.3 (2)"/>
           <p:cNvSpPr txBox="1"/>
           <p:nvPr>
             <p:ph type="title"/>
@@ -8263,7 +8263,7 @@
       </p:sp>
       <p:sp>
         <p:nvSpPr>
-          <p:cNvPr id="498" name="Date Placeholder 3"/>
+          <p:cNvPr id="499" name="Date Placeholder 3"/>
           <p:cNvSpPr txBox="1"/>
           <p:nvPr/>
         </p:nvSpPr>
@@ -8307,7 +8307,7 @@
       </p:sp>
       <p:sp>
         <p:nvSpPr>
-          <p:cNvPr id="499" name="Slide Number"/>
+          <p:cNvPr id="500" name="Slide Number"/>
           <p:cNvSpPr txBox="1"/>
           <p:nvPr>
             <p:ph type="sldNum" sz="quarter" idx="4294967295"/>
@@ -8334,7 +8334,7 @@
       </p:sp>
       <p:sp>
         <p:nvSpPr>
-          <p:cNvPr id="500" name="First configuration with the lectureStudio server and 20 peers…"/>
+          <p:cNvPr id="501" name="First configuration with the lectureStudio server and 20 peers…"/>
           <p:cNvSpPr txBox="1"/>
           <p:nvPr>
             <p:ph type="body" sz="half" idx="1"/>
@@ -8426,14 +8426,14 @@
       </p:sp>
       <p:sp>
         <p:nvSpPr>
-          <p:cNvPr id="501" name="Configuration of Containerlab File"/>
+          <p:cNvPr id="502" name="Configuration of Containerlab File"/>
           <p:cNvSpPr txBox="1"/>
           <p:nvPr/>
         </p:nvSpPr>
         <p:spPr>
           <a:xfrm>
-            <a:off x="2386151" y="3492499"/>
-            <a:ext cx="2948841" cy="228510"/>
+            <a:off x="2348280" y="3238500"/>
+            <a:ext cx="2948840" cy="228509"/>
           </a:xfrm>
           <a:prstGeom prst="rect">
             <a:avLst/>
@@ -8480,14 +8480,14 @@
       </p:sp>
       <p:sp>
         <p:nvSpPr>
-          <p:cNvPr id="502" name="Configuration of Containerlab File"/>
+          <p:cNvPr id="503" name="Configuration of Containerlab File"/>
           <p:cNvSpPr txBox="1"/>
           <p:nvPr/>
         </p:nvSpPr>
         <p:spPr>
           <a:xfrm>
-            <a:off x="6998995" y="3492499"/>
-            <a:ext cx="3183474" cy="228510"/>
+            <a:off x="7006163" y="3238500"/>
+            <a:ext cx="3183473" cy="228509"/>
           </a:xfrm>
           <a:prstGeom prst="rect">
             <a:avLst/>
@@ -8534,7 +8534,7 @@
       </p:sp>
       <p:pic>
         <p:nvPicPr>
-          <p:cNvPr id="503" name="implemantation1_20_peers_increasingfile.png" descr="implemantation1_20_peers_increasingfile.png"/>
+          <p:cNvPr id="504" name="implemantation1_20_peers_increasingfile.png" descr="implemantation1_20_peers_increasingfile.png"/>
           <p:cNvPicPr>
             <a:picLocks noChangeAspect="1"/>
           </p:cNvPicPr>
@@ -8550,8 +8550,8 @@
         </p:blipFill>
         <p:spPr>
           <a:xfrm>
-            <a:off x="1739900" y="3721100"/>
-            <a:ext cx="3939209" cy="2286000"/>
+            <a:off x="1409700" y="3467100"/>
+            <a:ext cx="4826000" cy="2800623"/>
           </a:xfrm>
           <a:prstGeom prst="rect">
             <a:avLst/>
@@ -8563,7 +8563,7 @@
       </p:pic>
       <p:sp>
         <p:nvSpPr>
-          <p:cNvPr id="504" name="Date Placeholder 3"/>
+          <p:cNvPr id="505" name="Date Placeholder 3"/>
           <p:cNvSpPr txBox="1"/>
           <p:nvPr/>
         </p:nvSpPr>
@@ -8607,7 +8607,7 @@
       </p:sp>
       <p:pic>
         <p:nvPicPr>
-          <p:cNvPr id="505" name="20last.png" descr="20last.png"/>
+          <p:cNvPr id="506" name="20last.png" descr="20last.png"/>
           <p:cNvPicPr>
             <a:picLocks noChangeAspect="1"/>
           </p:cNvPicPr>
@@ -8623,8 +8623,8 @@
         </p:blipFill>
         <p:spPr>
           <a:xfrm>
-            <a:off x="6515100" y="3721100"/>
-            <a:ext cx="3937000" cy="2284719"/>
+            <a:off x="6184900" y="3467100"/>
+            <a:ext cx="4826000" cy="2800623"/>
           </a:xfrm>
           <a:prstGeom prst="rect">
             <a:avLst/>
@@ -8662,7 +8662,7 @@
       </p:grpSpPr>
       <p:sp>
         <p:nvSpPr>
-          <p:cNvPr id="507" name="Performance Evaluation of the P2P Algorithm, RQ2.2 and RQ2.3 (3)"/>
+          <p:cNvPr id="508" name="Performance Evaluation of the P2P Algorithm, RQ2.2 and RQ2.3 (3)"/>
           <p:cNvSpPr txBox="1"/>
           <p:nvPr>
             <p:ph type="title"/>
@@ -8694,7 +8694,7 @@
       </p:sp>
       <p:sp>
         <p:nvSpPr>
-          <p:cNvPr id="508" name="Date Placeholder 3"/>
+          <p:cNvPr id="509" name="Date Placeholder 3"/>
           <p:cNvSpPr txBox="1"/>
           <p:nvPr/>
         </p:nvSpPr>
@@ -8738,7 +8738,7 @@
       </p:sp>
       <p:sp>
         <p:nvSpPr>
-          <p:cNvPr id="509" name="Slide Number"/>
+          <p:cNvPr id="510" name="Slide Number"/>
           <p:cNvSpPr txBox="1"/>
           <p:nvPr>
             <p:ph type="sldNum" sz="quarter" idx="4294967295"/>
@@ -8765,13 +8765,13 @@
       </p:sp>
       <p:sp>
         <p:nvSpPr>
-          <p:cNvPr id="510" name="Configuration of Containerlab File"/>
+          <p:cNvPr id="511" name="Configuration of Containerlab File"/>
           <p:cNvSpPr txBox="1"/>
           <p:nvPr/>
         </p:nvSpPr>
         <p:spPr>
           <a:xfrm>
-            <a:off x="2459934" y="3714616"/>
+            <a:off x="2475280" y="3543300"/>
             <a:ext cx="2948840" cy="228509"/>
           </a:xfrm>
           <a:prstGeom prst="rect">
@@ -8819,13 +8819,13 @@
       </p:sp>
       <p:sp>
         <p:nvSpPr>
-          <p:cNvPr id="511" name="Configuration of Containerlab File"/>
+          <p:cNvPr id="512" name="Configuration of Containerlab File"/>
           <p:cNvSpPr txBox="1"/>
           <p:nvPr/>
         </p:nvSpPr>
         <p:spPr>
           <a:xfrm>
-            <a:off x="7062013" y="3708400"/>
+            <a:off x="7143323" y="3543300"/>
             <a:ext cx="3183473" cy="228509"/>
           </a:xfrm>
           <a:prstGeom prst="rect">
@@ -8873,7 +8873,7 @@
       </p:sp>
       <p:sp>
         <p:nvSpPr>
-          <p:cNvPr id="512" name="First configuration with the lectureStudio server and 50 peers…"/>
+          <p:cNvPr id="513" name="First configuration with the lectureStudio server and 50 peers…"/>
           <p:cNvSpPr txBox="1"/>
           <p:nvPr>
             <p:ph type="body" sz="half" idx="1"/>
@@ -8979,7 +8979,7 @@
       </p:sp>
       <p:pic>
         <p:nvPicPr>
-          <p:cNvPr id="513" name="implemantation1_50_peers_increasingfile.png" descr="implemantation1_50_peers_increasingfile.png"/>
+          <p:cNvPr id="514" name="implemantation1_50_peers_increasingfile.png" descr="implemantation1_50_peers_increasingfile.png"/>
           <p:cNvPicPr>
             <a:picLocks noChangeAspect="1"/>
           </p:cNvPicPr>
@@ -8995,8 +8995,8 @@
         </p:blipFill>
         <p:spPr>
           <a:xfrm>
-            <a:off x="1739900" y="3947071"/>
-            <a:ext cx="3939209" cy="2286001"/>
+            <a:off x="1574800" y="3781971"/>
+            <a:ext cx="4445000" cy="2579521"/>
           </a:xfrm>
           <a:prstGeom prst="rect">
             <a:avLst/>
@@ -9008,14 +9008,14 @@
       </p:pic>
       <p:sp>
         <p:nvSpPr>
-          <p:cNvPr id="514" name="Date Placeholder 3"/>
+          <p:cNvPr id="515" name="Date Placeholder 3"/>
           <p:cNvSpPr txBox="1"/>
           <p:nvPr/>
         </p:nvSpPr>
         <p:spPr>
           <a:xfrm>
-            <a:off x="3840480" y="6527800"/>
-            <a:ext cx="4572001" cy="225706"/>
+            <a:off x="3840480" y="6527799"/>
+            <a:ext cx="4572001" cy="225707"/>
           </a:xfrm>
           <a:prstGeom prst="rect">
             <a:avLst/>
@@ -9052,7 +9052,7 @@
       </p:sp>
       <p:pic>
         <p:nvPicPr>
-          <p:cNvPr id="515" name="50last.png" descr="50last.png"/>
+          <p:cNvPr id="516" name="50last.png" descr="50last.png"/>
           <p:cNvPicPr>
             <a:picLocks noChangeAspect="1"/>
           </p:cNvPicPr>
@@ -9068,8 +9068,8 @@
         </p:blipFill>
         <p:spPr>
           <a:xfrm>
-            <a:off x="6515100" y="3949700"/>
-            <a:ext cx="3937000" cy="2284719"/>
+            <a:off x="6350000" y="3784600"/>
+            <a:ext cx="4445000" cy="2579521"/>
           </a:xfrm>
           <a:prstGeom prst="rect">
             <a:avLst/>
@@ -9107,7 +9107,7 @@
       </p:grpSpPr>
       <p:sp>
         <p:nvSpPr>
-          <p:cNvPr id="517" name="Conclusion and Future Work"/>
+          <p:cNvPr id="518" name="Conclusion and Future Work"/>
           <p:cNvSpPr txBox="1"/>
           <p:nvPr>
             <p:ph type="title"/>
@@ -9131,7 +9131,7 @@
       </p:sp>
       <p:sp>
         <p:nvSpPr>
-          <p:cNvPr id="518" name="Goal: Develop a Testbed for the P2P Data Distribution Algorithm…"/>
+          <p:cNvPr id="519" name="Goal: Develop a Testbed for the P2P Data Distribution Algorithm…"/>
           <p:cNvSpPr txBox="1"/>
           <p:nvPr>
             <p:ph type="body" idx="1"/>
@@ -9373,7 +9373,7 @@
       </p:sp>
       <p:sp>
         <p:nvSpPr>
-          <p:cNvPr id="519" name="Date Placeholder 3"/>
+          <p:cNvPr id="520" name="Date Placeholder 3"/>
           <p:cNvSpPr txBox="1"/>
           <p:nvPr/>
         </p:nvSpPr>
@@ -9417,7 +9417,7 @@
       </p:sp>
       <p:sp>
         <p:nvSpPr>
-          <p:cNvPr id="520" name="Slide Number"/>
+          <p:cNvPr id="521" name="Slide Number"/>
           <p:cNvSpPr txBox="1"/>
           <p:nvPr>
             <p:ph type="sldNum" sz="quarter" idx="4294967295"/>
@@ -9444,7 +9444,7 @@
       </p:sp>
       <p:sp>
         <p:nvSpPr>
-          <p:cNvPr id="521" name="Date Placeholder 3"/>
+          <p:cNvPr id="522" name="Date Placeholder 3"/>
           <p:cNvSpPr txBox="1"/>
           <p:nvPr/>
         </p:nvSpPr>
@@ -9514,56 +9514,7 @@
       </p:grpSpPr>
       <p:sp>
         <p:nvSpPr>
-          <p:cNvPr id="128" name="Footer Placeholder 4"/>
-          <p:cNvSpPr txBox="1"/>
-          <p:nvPr/>
-        </p:nvSpPr>
-        <p:spPr>
-          <a:xfrm>
-            <a:off x="3731905" y="6529495"/>
-            <a:ext cx="4731366" cy="225706"/>
-          </a:xfrm>
-          <a:prstGeom prst="rect">
-            <a:avLst/>
-          </a:prstGeom>
-          <a:ln w="12700">
-            <a:miter lim="400000"/>
-          </a:ln>
-          <a:extLst>
-            <a:ext uri="{C572A759-6A51-4108-AA02-DFA0A04FC94B}">
-              <ma14:wrappingTextBoxFlag xmlns:ma14="http://schemas.microsoft.com/office/mac/drawingml/2011/main" val="1"/>
-            </a:ext>
-          </a:extLst>
-        </p:spPr>
-        <p:txBody>
-          <a:bodyPr lIns="45718" tIns="45718" rIns="45718" bIns="45718" anchor="ctr">
-            <a:spAutoFit/>
-          </a:bodyPr>
-          <a:lstStyle/>
-          <a:p>
-            <a:pPr>
-              <a:defRPr b="1" cap="all" sz="1100">
-                <a:solidFill>
-                  <a:srgbClr val="FFFFFF"/>
-                </a:solidFill>
-              </a:defRPr>
-            </a:pPr>
-            <a:r>
-              <a:t>                                                           </a:t>
-            </a:r>
-            <a:r>
-              <a:rPr u="sng"/>
-              <a:t>Motivation</a:t>
-            </a:r>
-            <a:r>
-              <a:t> </a:t>
-            </a:r>
-          </a:p>
-        </p:txBody>
-      </p:sp>
-      <p:sp>
-        <p:nvSpPr>
-          <p:cNvPr id="129" name="Title 1"/>
+          <p:cNvPr id="128" name="Title 1"/>
           <p:cNvSpPr txBox="1"/>
           <p:nvPr>
             <p:ph type="title"/>
@@ -9595,7 +9546,7 @@
       </p:sp>
       <p:sp>
         <p:nvSpPr>
-          <p:cNvPr id="130" name="Slide Number Placeholder 5"/>
+          <p:cNvPr id="129" name="Slide Number Placeholder 5"/>
           <p:cNvSpPr txBox="1"/>
           <p:nvPr>
             <p:ph type="sldNum" sz="quarter" idx="4294967295"/>
@@ -9626,14 +9577,14 @@
       </p:sp>
       <p:sp>
         <p:nvSpPr>
-          <p:cNvPr id="131" name="Rounded Rectangle"/>
+          <p:cNvPr id="130" name="Rounded Rectangle"/>
           <p:cNvSpPr/>
           <p:nvPr/>
         </p:nvSpPr>
         <p:spPr>
           <a:xfrm>
-            <a:off x="9188360" y="2159000"/>
-            <a:ext cx="317501" cy="317500"/>
+            <a:off x="9178200" y="3212235"/>
+            <a:ext cx="317501" cy="317501"/>
           </a:xfrm>
           <a:prstGeom prst="roundRect">
             <a:avLst>
@@ -9659,13 +9610,13 @@
       </p:sp>
       <p:sp>
         <p:nvSpPr>
-          <p:cNvPr id="132" name="Oval"/>
+          <p:cNvPr id="131" name="Oval"/>
           <p:cNvSpPr/>
           <p:nvPr/>
         </p:nvSpPr>
         <p:spPr>
           <a:xfrm>
-            <a:off x="8617429" y="2791883"/>
+            <a:off x="8607269" y="3845119"/>
             <a:ext cx="317501" cy="317501"/>
           </a:xfrm>
           <a:prstGeom prst="ellipse">
@@ -9690,13 +9641,13 @@
       </p:sp>
       <p:sp>
         <p:nvSpPr>
-          <p:cNvPr id="133" name="Rectangle"/>
+          <p:cNvPr id="132" name="Rectangle"/>
           <p:cNvSpPr/>
           <p:nvPr/>
         </p:nvSpPr>
         <p:spPr>
           <a:xfrm>
-            <a:off x="6784395" y="1419656"/>
+            <a:off x="6774235" y="2472892"/>
             <a:ext cx="317501" cy="317501"/>
           </a:xfrm>
           <a:prstGeom prst="rect">
@@ -9721,14 +9672,14 @@
       </p:sp>
       <p:sp>
         <p:nvSpPr>
-          <p:cNvPr id="134" name="Oval"/>
+          <p:cNvPr id="133" name="Oval"/>
           <p:cNvSpPr/>
           <p:nvPr/>
         </p:nvSpPr>
         <p:spPr>
           <a:xfrm>
-            <a:off x="7084962" y="2159000"/>
-            <a:ext cx="317501" cy="317500"/>
+            <a:off x="7074802" y="3212235"/>
+            <a:ext cx="317501" cy="317501"/>
           </a:xfrm>
           <a:prstGeom prst="ellipse">
             <a:avLst/>
@@ -9752,13 +9703,13 @@
       </p:sp>
       <p:sp>
         <p:nvSpPr>
-          <p:cNvPr id="135" name="Server"/>
+          <p:cNvPr id="134" name="Server"/>
           <p:cNvSpPr txBox="1"/>
           <p:nvPr/>
         </p:nvSpPr>
         <p:spPr>
           <a:xfrm>
-            <a:off x="6776457" y="1196197"/>
+            <a:off x="6766297" y="2249433"/>
             <a:ext cx="333376" cy="225707"/>
           </a:xfrm>
           <a:prstGeom prst="rect">
@@ -9803,13 +9754,13 @@
       </p:sp>
       <p:sp>
         <p:nvSpPr>
-          <p:cNvPr id="136" name="Client"/>
+          <p:cNvPr id="135" name="Client"/>
           <p:cNvSpPr txBox="1"/>
           <p:nvPr/>
         </p:nvSpPr>
         <p:spPr>
           <a:xfrm>
-            <a:off x="5874757" y="2464423"/>
+            <a:off x="5864597" y="3517659"/>
             <a:ext cx="333376" cy="225707"/>
           </a:xfrm>
           <a:prstGeom prst="rect">
@@ -9854,13 +9805,13 @@
       </p:sp>
       <p:sp>
         <p:nvSpPr>
-          <p:cNvPr id="137" name="Line"/>
+          <p:cNvPr id="136" name="Line"/>
           <p:cNvSpPr/>
           <p:nvPr/>
         </p:nvSpPr>
         <p:spPr>
           <a:xfrm>
-            <a:off x="7884277" y="1778577"/>
+            <a:off x="7874117" y="2831813"/>
             <a:ext cx="897759" cy="1"/>
           </a:xfrm>
           <a:prstGeom prst="line">
@@ -9884,7 +9835,7 @@
       </p:sp>
       <p:sp>
         <p:nvSpPr>
-          <p:cNvPr id="138" name="Date Placeholder 3"/>
+          <p:cNvPr id="137" name="Date Placeholder 3"/>
           <p:cNvSpPr txBox="1"/>
           <p:nvPr/>
         </p:nvSpPr>
@@ -9928,7 +9879,7 @@
       </p:sp>
       <p:sp>
         <p:nvSpPr>
-          <p:cNvPr id="139" name="Content Placeholder 2"/>
+          <p:cNvPr id="138" name="Content Placeholder 2"/>
           <p:cNvSpPr txBox="1"/>
           <p:nvPr>
             <p:ph type="body" sz="quarter" idx="1"/>
@@ -9936,8 +9887,8 @@
         </p:nvSpPr>
         <p:spPr>
           <a:xfrm>
-            <a:off x="1097280" y="1358900"/>
-            <a:ext cx="4512898" cy="1866499"/>
+            <a:off x="1087120" y="2412135"/>
+            <a:ext cx="4512898" cy="1866500"/>
           </a:xfrm>
           <a:prstGeom prst="rect">
             <a:avLst/>
@@ -9958,7 +9909,7 @@
               </a:defRPr>
             </a:pPr>
             <a:r>
-              <a:t>A P2P algorithm for lectureStudio</a:t>
+              <a:t>A P2P Algorithm for lectureStudio</a:t>
             </a:r>
           </a:p>
           <a:p>
@@ -10010,14 +9961,14 @@
       </p:sp>
       <p:sp>
         <p:nvSpPr>
-          <p:cNvPr id="140" name="Content Placeholder 2"/>
+          <p:cNvPr id="139" name="Content Placeholder 2"/>
           <p:cNvSpPr txBox="1"/>
           <p:nvPr/>
         </p:nvSpPr>
         <p:spPr>
           <a:xfrm>
-            <a:off x="1081126" y="3229216"/>
-            <a:ext cx="7437332" cy="1866499"/>
+            <a:off x="1081126" y="4541913"/>
+            <a:ext cx="7117610" cy="790595"/>
           </a:xfrm>
           <a:prstGeom prst="rect">
             <a:avLst/>
@@ -10035,9 +9986,8 @@
           <a:bodyPr lIns="0" tIns="0" rIns="0" bIns="0">
             <a:normAutofit fontScale="100000" lnSpcReduction="0"/>
           </a:bodyPr>
-          <a:lstStyle/>
-          <a:p>
-            <a:pPr marL="200525" indent="-200525" defTabSz="914400">
+          <a:lstStyle>
+            <a:lvl1pPr marL="200525" indent="-200525" defTabSz="914400">
               <a:lnSpc>
                 <a:spcPct val="90000"/>
               </a:lnSpc>
@@ -10051,13 +10001,831 @@
                   <a:srgbClr val="404040"/>
                 </a:solidFill>
               </a:defRPr>
-            </a:pPr>
-            <a:r>
-              <a:t>Developing a container-based testbed environment for the P2P algorithm</a:t>
-            </a:r>
-          </a:p>
-          <a:p>
-            <a:pPr lvl="1" marL="581525" indent="-200525" defTabSz="914400">
+            </a:lvl1pPr>
+          </a:lstStyle>
+          <a:p>
+            <a:pPr/>
+            <a:r>
+              <a:t>Developing a Container-Based Testbed Environment for the P2P Algorithm</a:t>
+            </a:r>
+          </a:p>
+        </p:txBody>
+      </p:sp>
+      <p:sp>
+        <p:nvSpPr>
+          <p:cNvPr id="140" name="Oval"/>
+          <p:cNvSpPr/>
+          <p:nvPr/>
+        </p:nvSpPr>
+        <p:spPr>
+          <a:xfrm>
+            <a:off x="6473668" y="3210093"/>
+            <a:ext cx="317501" cy="317501"/>
+          </a:xfrm>
+          <a:prstGeom prst="ellipse">
+            <a:avLst/>
+          </a:prstGeom>
+          <a:solidFill>
+            <a:srgbClr val="FFFFFF"/>
+          </a:solidFill>
+          <a:ln w="15875">
+            <a:solidFill>
+              <a:schemeClr val="accent1"/>
+            </a:solidFill>
+          </a:ln>
+        </p:spPr>
+        <p:txBody>
+          <a:bodyPr lIns="45718" tIns="45718" rIns="45718" bIns="45718" anchor="ctr"/>
+          <a:lstStyle/>
+          <a:p>
+            <a:pPr/>
+          </a:p>
+        </p:txBody>
+      </p:sp>
+      <p:sp>
+        <p:nvSpPr>
+          <p:cNvPr id="141" name="Oval"/>
+          <p:cNvSpPr/>
+          <p:nvPr/>
+        </p:nvSpPr>
+        <p:spPr>
+          <a:xfrm>
+            <a:off x="5872535" y="3210093"/>
+            <a:ext cx="317501" cy="317501"/>
+          </a:xfrm>
+          <a:prstGeom prst="ellipse">
+            <a:avLst/>
+          </a:prstGeom>
+          <a:solidFill>
+            <a:srgbClr val="FFFFFF"/>
+          </a:solidFill>
+          <a:ln w="15875">
+            <a:solidFill>
+              <a:schemeClr val="accent1"/>
+            </a:solidFill>
+          </a:ln>
+        </p:spPr>
+        <p:txBody>
+          <a:bodyPr lIns="45718" tIns="45718" rIns="45718" bIns="45718" anchor="ctr"/>
+          <a:lstStyle/>
+          <a:p>
+            <a:pPr/>
+          </a:p>
+        </p:txBody>
+      </p:sp>
+      <p:sp>
+        <p:nvSpPr>
+          <p:cNvPr id="142" name="Oval"/>
+          <p:cNvSpPr/>
+          <p:nvPr/>
+        </p:nvSpPr>
+        <p:spPr>
+          <a:xfrm>
+            <a:off x="7675936" y="3212235"/>
+            <a:ext cx="317501" cy="317501"/>
+          </a:xfrm>
+          <a:prstGeom prst="ellipse">
+            <a:avLst/>
+          </a:prstGeom>
+          <a:solidFill>
+            <a:srgbClr val="FFFFFF"/>
+          </a:solidFill>
+          <a:ln w="15875">
+            <a:solidFill>
+              <a:schemeClr val="accent1"/>
+            </a:solidFill>
+          </a:ln>
+        </p:spPr>
+        <p:txBody>
+          <a:bodyPr lIns="45718" tIns="45718" rIns="45718" bIns="45718" anchor="ctr"/>
+          <a:lstStyle/>
+          <a:p>
+            <a:pPr/>
+          </a:p>
+        </p:txBody>
+      </p:sp>
+      <p:cxnSp>
+        <p:nvCxnSpPr>
+          <p:cNvPr id="143" name="Connection Line"/>
+          <p:cNvCxnSpPr>
+            <a:stCxn id="132" idx="0"/>
+            <a:endCxn id="141" idx="0"/>
+          </p:cNvCxnSpPr>
+          <p:nvPr/>
+        </p:nvCxnSpPr>
+        <p:spPr>
+          <a:xfrm flipH="1">
+            <a:off x="6031285" y="2631642"/>
+            <a:ext cx="901701" cy="737202"/>
+          </a:xfrm>
+          <a:prstGeom prst="straightConnector1">
+            <a:avLst/>
+          </a:prstGeom>
+          <a:ln w="12700">
+            <a:solidFill>
+              <a:schemeClr val="accent1"/>
+            </a:solidFill>
+          </a:ln>
+        </p:spPr>
+      </p:cxnSp>
+      <p:cxnSp>
+        <p:nvCxnSpPr>
+          <p:cNvPr id="144" name="Connection Line"/>
+          <p:cNvCxnSpPr>
+            <a:stCxn id="132" idx="0"/>
+            <a:endCxn id="140" idx="0"/>
+          </p:cNvCxnSpPr>
+          <p:nvPr/>
+        </p:nvCxnSpPr>
+        <p:spPr>
+          <a:xfrm flipH="1">
+            <a:off x="6632418" y="2631642"/>
+            <a:ext cx="300568" cy="737202"/>
+          </a:xfrm>
+          <a:prstGeom prst="straightConnector1">
+            <a:avLst/>
+          </a:prstGeom>
+          <a:ln w="12700">
+            <a:solidFill>
+              <a:schemeClr val="accent1"/>
+            </a:solidFill>
+          </a:ln>
+        </p:spPr>
+      </p:cxnSp>
+      <p:cxnSp>
+        <p:nvCxnSpPr>
+          <p:cNvPr id="145" name="Connection Line"/>
+          <p:cNvCxnSpPr>
+            <a:stCxn id="132" idx="0"/>
+            <a:endCxn id="133" idx="0"/>
+          </p:cNvCxnSpPr>
+          <p:nvPr/>
+        </p:nvCxnSpPr>
+        <p:spPr>
+          <a:xfrm>
+            <a:off x="6932985" y="2631642"/>
+            <a:ext cx="300568" cy="739344"/>
+          </a:xfrm>
+          <a:prstGeom prst="straightConnector1">
+            <a:avLst/>
+          </a:prstGeom>
+          <a:ln w="12700">
+            <a:solidFill>
+              <a:schemeClr val="accent1"/>
+            </a:solidFill>
+          </a:ln>
+        </p:spPr>
+      </p:cxnSp>
+      <p:cxnSp>
+        <p:nvCxnSpPr>
+          <p:cNvPr id="146" name="Connection Line"/>
+          <p:cNvCxnSpPr>
+            <a:stCxn id="132" idx="0"/>
+            <a:endCxn id="142" idx="0"/>
+          </p:cNvCxnSpPr>
+          <p:nvPr/>
+        </p:nvCxnSpPr>
+        <p:spPr>
+          <a:xfrm>
+            <a:off x="6932985" y="2631642"/>
+            <a:ext cx="901702" cy="739344"/>
+          </a:xfrm>
+          <a:prstGeom prst="straightConnector1">
+            <a:avLst/>
+          </a:prstGeom>
+          <a:ln w="12700">
+            <a:solidFill>
+              <a:schemeClr val="accent1"/>
+            </a:solidFill>
+          </a:ln>
+        </p:spPr>
+      </p:cxnSp>
+      <p:sp>
+        <p:nvSpPr>
+          <p:cNvPr id="147" name="Client"/>
+          <p:cNvSpPr txBox="1"/>
+          <p:nvPr/>
+        </p:nvSpPr>
+        <p:spPr>
+          <a:xfrm>
+            <a:off x="6465731" y="3517659"/>
+            <a:ext cx="333376" cy="225707"/>
+          </a:xfrm>
+          <a:prstGeom prst="rect">
+            <a:avLst/>
+          </a:prstGeom>
+          <a:ln w="12700">
+            <a:miter lim="400000"/>
+          </a:ln>
+          <a:extLst>
+            <a:ext uri="{C572A759-6A51-4108-AA02-DFA0A04FC94B}">
+              <ma14:wrappingTextBoxFlag xmlns:ma14="http://schemas.microsoft.com/office/mac/drawingml/2011/main" val="1"/>
+            </a:ext>
+          </a:extLst>
+        </p:spPr>
+        <p:txBody>
+          <a:bodyPr lIns="45718" tIns="45718" rIns="45718" bIns="45718" anchor="b">
+            <a:normAutofit fontScale="100000" lnSpcReduction="0"/>
+          </a:bodyPr>
+          <a:lstStyle>
+            <a:lvl1pPr defTabSz="676655">
+              <a:lnSpc>
+                <a:spcPct val="85000"/>
+              </a:lnSpc>
+              <a:defRPr spc="-76" sz="1000">
+                <a:solidFill>
+                  <a:srgbClr val="404040"/>
+                </a:solidFill>
+                <a:latin typeface="Calibri Light"/>
+                <a:ea typeface="Calibri Light"/>
+                <a:cs typeface="Calibri Light"/>
+                <a:sym typeface="Calibri Light"/>
+              </a:defRPr>
+            </a:lvl1pPr>
+          </a:lstStyle>
+          <a:p>
+            <a:pPr/>
+            <a:r>
+              <a:t>Client</a:t>
+            </a:r>
+          </a:p>
+        </p:txBody>
+      </p:sp>
+      <p:sp>
+        <p:nvSpPr>
+          <p:cNvPr id="148" name="Client"/>
+          <p:cNvSpPr txBox="1"/>
+          <p:nvPr/>
+        </p:nvSpPr>
+        <p:spPr>
+          <a:xfrm>
+            <a:off x="7065275" y="3517036"/>
+            <a:ext cx="333376" cy="225707"/>
+          </a:xfrm>
+          <a:prstGeom prst="rect">
+            <a:avLst/>
+          </a:prstGeom>
+          <a:ln w="12700">
+            <a:miter lim="400000"/>
+          </a:ln>
+          <a:extLst>
+            <a:ext uri="{C572A759-6A51-4108-AA02-DFA0A04FC94B}">
+              <ma14:wrappingTextBoxFlag xmlns:ma14="http://schemas.microsoft.com/office/mac/drawingml/2011/main" val="1"/>
+            </a:ext>
+          </a:extLst>
+        </p:spPr>
+        <p:txBody>
+          <a:bodyPr lIns="45718" tIns="45718" rIns="45718" bIns="45718" anchor="b">
+            <a:normAutofit fontScale="100000" lnSpcReduction="0"/>
+          </a:bodyPr>
+          <a:lstStyle>
+            <a:lvl1pPr defTabSz="676655">
+              <a:lnSpc>
+                <a:spcPct val="85000"/>
+              </a:lnSpc>
+              <a:defRPr spc="-76" sz="1000">
+                <a:solidFill>
+                  <a:srgbClr val="404040"/>
+                </a:solidFill>
+                <a:latin typeface="Calibri Light"/>
+                <a:ea typeface="Calibri Light"/>
+                <a:cs typeface="Calibri Light"/>
+                <a:sym typeface="Calibri Light"/>
+              </a:defRPr>
+            </a:lvl1pPr>
+          </a:lstStyle>
+          <a:p>
+            <a:pPr/>
+            <a:r>
+              <a:t>Client</a:t>
+            </a:r>
+          </a:p>
+        </p:txBody>
+      </p:sp>
+      <p:sp>
+        <p:nvSpPr>
+          <p:cNvPr id="149" name="Client"/>
+          <p:cNvSpPr txBox="1"/>
+          <p:nvPr/>
+        </p:nvSpPr>
+        <p:spPr>
+          <a:xfrm>
+            <a:off x="7664819" y="3517659"/>
+            <a:ext cx="333376" cy="225707"/>
+          </a:xfrm>
+          <a:prstGeom prst="rect">
+            <a:avLst/>
+          </a:prstGeom>
+          <a:ln w="12700">
+            <a:miter lim="400000"/>
+          </a:ln>
+          <a:extLst>
+            <a:ext uri="{C572A759-6A51-4108-AA02-DFA0A04FC94B}">
+              <ma14:wrappingTextBoxFlag xmlns:ma14="http://schemas.microsoft.com/office/mac/drawingml/2011/main" val="1"/>
+            </a:ext>
+          </a:extLst>
+        </p:spPr>
+        <p:txBody>
+          <a:bodyPr lIns="45718" tIns="45718" rIns="45718" bIns="45718" anchor="b">
+            <a:normAutofit fontScale="100000" lnSpcReduction="0"/>
+          </a:bodyPr>
+          <a:lstStyle>
+            <a:lvl1pPr defTabSz="676655">
+              <a:lnSpc>
+                <a:spcPct val="85000"/>
+              </a:lnSpc>
+              <a:defRPr spc="-76" sz="1000">
+                <a:solidFill>
+                  <a:srgbClr val="404040"/>
+                </a:solidFill>
+                <a:latin typeface="Calibri Light"/>
+                <a:ea typeface="Calibri Light"/>
+                <a:cs typeface="Calibri Light"/>
+                <a:sym typeface="Calibri Light"/>
+              </a:defRPr>
+            </a:lvl1pPr>
+          </a:lstStyle>
+          <a:p>
+            <a:pPr/>
+            <a:r>
+              <a:t>Client</a:t>
+            </a:r>
+          </a:p>
+        </p:txBody>
+      </p:sp>
+      <p:sp>
+        <p:nvSpPr>
+          <p:cNvPr id="150" name="Rectangle"/>
+          <p:cNvSpPr/>
+          <p:nvPr/>
+        </p:nvSpPr>
+        <p:spPr>
+          <a:xfrm>
+            <a:off x="9746035" y="2472892"/>
+            <a:ext cx="317501" cy="317501"/>
+          </a:xfrm>
+          <a:prstGeom prst="rect">
+            <a:avLst/>
+          </a:prstGeom>
+          <a:solidFill>
+            <a:srgbClr val="FFFFFF"/>
+          </a:solidFill>
+          <a:ln w="15875">
+            <a:solidFill>
+              <a:schemeClr val="accent1"/>
+            </a:solidFill>
+          </a:ln>
+        </p:spPr>
+        <p:txBody>
+          <a:bodyPr lIns="45718" tIns="45718" rIns="45718" bIns="45718" anchor="ctr"/>
+          <a:lstStyle/>
+          <a:p>
+            <a:pPr/>
+          </a:p>
+        </p:txBody>
+      </p:sp>
+      <p:sp>
+        <p:nvSpPr>
+          <p:cNvPr id="151" name="Oval"/>
+          <p:cNvSpPr/>
+          <p:nvPr/>
+        </p:nvSpPr>
+        <p:spPr>
+          <a:xfrm>
+            <a:off x="10249803" y="3212235"/>
+            <a:ext cx="317501" cy="317501"/>
+          </a:xfrm>
+          <a:prstGeom prst="ellipse">
+            <a:avLst/>
+          </a:prstGeom>
+          <a:solidFill>
+            <a:srgbClr val="FFFFFF"/>
+          </a:solidFill>
+          <a:ln w="15875">
+            <a:solidFill>
+              <a:schemeClr val="accent1"/>
+            </a:solidFill>
+          </a:ln>
+        </p:spPr>
+        <p:txBody>
+          <a:bodyPr lIns="45718" tIns="45718" rIns="45718" bIns="45718" anchor="ctr"/>
+          <a:lstStyle/>
+          <a:p>
+            <a:pPr/>
+          </a:p>
+        </p:txBody>
+      </p:sp>
+      <p:sp>
+        <p:nvSpPr>
+          <p:cNvPr id="152" name="Oval"/>
+          <p:cNvSpPr/>
+          <p:nvPr/>
+        </p:nvSpPr>
+        <p:spPr>
+          <a:xfrm>
+            <a:off x="9606336" y="3845119"/>
+            <a:ext cx="317501" cy="317501"/>
+          </a:xfrm>
+          <a:prstGeom prst="ellipse">
+            <a:avLst/>
+          </a:prstGeom>
+          <a:solidFill>
+            <a:srgbClr val="FFFFFF"/>
+          </a:solidFill>
+          <a:ln w="15875">
+            <a:solidFill>
+              <a:schemeClr val="accent1"/>
+            </a:solidFill>
+          </a:ln>
+        </p:spPr>
+        <p:txBody>
+          <a:bodyPr lIns="45718" tIns="45718" rIns="45718" bIns="45718" anchor="ctr"/>
+          <a:lstStyle/>
+          <a:p>
+            <a:pPr/>
+          </a:p>
+        </p:txBody>
+      </p:sp>
+      <p:cxnSp>
+        <p:nvCxnSpPr>
+          <p:cNvPr id="153" name="Connection Line"/>
+          <p:cNvCxnSpPr>
+            <a:stCxn id="150" idx="0"/>
+            <a:endCxn id="130" idx="0"/>
+          </p:cNvCxnSpPr>
+          <p:nvPr/>
+        </p:nvCxnSpPr>
+        <p:spPr>
+          <a:xfrm flipH="1">
+            <a:off x="9336950" y="2631642"/>
+            <a:ext cx="567836" cy="739344"/>
+          </a:xfrm>
+          <a:prstGeom prst="straightConnector1">
+            <a:avLst/>
+          </a:prstGeom>
+          <a:ln w="12700">
+            <a:solidFill>
+              <a:schemeClr val="accent1"/>
+            </a:solidFill>
+          </a:ln>
+        </p:spPr>
+      </p:cxnSp>
+      <p:cxnSp>
+        <p:nvCxnSpPr>
+          <p:cNvPr id="154" name="Connection Line"/>
+          <p:cNvCxnSpPr>
+            <a:stCxn id="150" idx="0"/>
+            <a:endCxn id="151" idx="0"/>
+          </p:cNvCxnSpPr>
+          <p:nvPr/>
+        </p:nvCxnSpPr>
+        <p:spPr>
+          <a:xfrm>
+            <a:off x="9904785" y="2631642"/>
+            <a:ext cx="503769" cy="739344"/>
+          </a:xfrm>
+          <a:prstGeom prst="straightConnector1">
+            <a:avLst/>
+          </a:prstGeom>
+          <a:ln w="12700">
+            <a:solidFill>
+              <a:schemeClr val="accent1"/>
+            </a:solidFill>
+          </a:ln>
+        </p:spPr>
+      </p:cxnSp>
+      <p:cxnSp>
+        <p:nvCxnSpPr>
+          <p:cNvPr id="155" name="Connection Line"/>
+          <p:cNvCxnSpPr>
+            <a:stCxn id="130" idx="0"/>
+            <a:endCxn id="131" idx="0"/>
+          </p:cNvCxnSpPr>
+          <p:nvPr/>
+        </p:nvCxnSpPr>
+        <p:spPr>
+          <a:xfrm flipH="1">
+            <a:off x="8766019" y="3370985"/>
+            <a:ext cx="570932" cy="632885"/>
+          </a:xfrm>
+          <a:prstGeom prst="straightConnector1">
+            <a:avLst/>
+          </a:prstGeom>
+          <a:ln w="12700">
+            <a:solidFill>
+              <a:schemeClr val="accent1"/>
+            </a:solidFill>
+          </a:ln>
+        </p:spPr>
+      </p:cxnSp>
+      <p:cxnSp>
+        <p:nvCxnSpPr>
+          <p:cNvPr id="156" name="Connection Line"/>
+          <p:cNvCxnSpPr>
+            <a:stCxn id="130" idx="0"/>
+            <a:endCxn id="152" idx="0"/>
+          </p:cNvCxnSpPr>
+          <p:nvPr/>
+        </p:nvCxnSpPr>
+        <p:spPr>
+          <a:xfrm>
+            <a:off x="9336950" y="3370985"/>
+            <a:ext cx="428137" cy="632885"/>
+          </a:xfrm>
+          <a:prstGeom prst="straightConnector1">
+            <a:avLst/>
+          </a:prstGeom>
+          <a:ln w="12700">
+            <a:solidFill>
+              <a:schemeClr val="accent1"/>
+            </a:solidFill>
+          </a:ln>
+        </p:spPr>
+      </p:cxnSp>
+      <p:sp>
+        <p:nvSpPr>
+          <p:cNvPr id="157" name="Server"/>
+          <p:cNvSpPr txBox="1"/>
+          <p:nvPr/>
+        </p:nvSpPr>
+        <p:spPr>
+          <a:xfrm>
+            <a:off x="9738097" y="2249433"/>
+            <a:ext cx="333376" cy="225707"/>
+          </a:xfrm>
+          <a:prstGeom prst="rect">
+            <a:avLst/>
+          </a:prstGeom>
+          <a:ln w="12700">
+            <a:miter lim="400000"/>
+          </a:ln>
+          <a:extLst>
+            <a:ext uri="{C572A759-6A51-4108-AA02-DFA0A04FC94B}">
+              <ma14:wrappingTextBoxFlag xmlns:ma14="http://schemas.microsoft.com/office/mac/drawingml/2011/main" val="1"/>
+            </a:ext>
+          </a:extLst>
+        </p:spPr>
+        <p:txBody>
+          <a:bodyPr lIns="45718" tIns="45718" rIns="45718" bIns="45718" anchor="b">
+            <a:normAutofit fontScale="100000" lnSpcReduction="0"/>
+          </a:bodyPr>
+          <a:lstStyle>
+            <a:lvl1pPr defTabSz="595456">
+              <a:lnSpc>
+                <a:spcPct val="85000"/>
+              </a:lnSpc>
+              <a:defRPr spc="-67" sz="880">
+                <a:solidFill>
+                  <a:srgbClr val="404040"/>
+                </a:solidFill>
+                <a:latin typeface="Calibri Light"/>
+                <a:ea typeface="Calibri Light"/>
+                <a:cs typeface="Calibri Light"/>
+                <a:sym typeface="Calibri Light"/>
+              </a:defRPr>
+            </a:lvl1pPr>
+          </a:lstStyle>
+          <a:p>
+            <a:pPr/>
+            <a:r>
+              <a:t>Server</a:t>
+            </a:r>
+          </a:p>
+        </p:txBody>
+      </p:sp>
+      <p:sp>
+        <p:nvSpPr>
+          <p:cNvPr id="158" name="Client"/>
+          <p:cNvSpPr txBox="1"/>
+          <p:nvPr/>
+        </p:nvSpPr>
+        <p:spPr>
+          <a:xfrm>
+            <a:off x="8599331" y="4178882"/>
+            <a:ext cx="333376" cy="225707"/>
+          </a:xfrm>
+          <a:prstGeom prst="rect">
+            <a:avLst/>
+          </a:prstGeom>
+          <a:ln w="12700">
+            <a:miter lim="400000"/>
+          </a:ln>
+          <a:extLst>
+            <a:ext uri="{C572A759-6A51-4108-AA02-DFA0A04FC94B}">
+              <ma14:wrappingTextBoxFlag xmlns:ma14="http://schemas.microsoft.com/office/mac/drawingml/2011/main" val="1"/>
+            </a:ext>
+          </a:extLst>
+        </p:spPr>
+        <p:txBody>
+          <a:bodyPr lIns="45718" tIns="45718" rIns="45718" bIns="45718" anchor="b">
+            <a:normAutofit fontScale="100000" lnSpcReduction="0"/>
+          </a:bodyPr>
+          <a:lstStyle>
+            <a:lvl1pPr defTabSz="676655">
+              <a:lnSpc>
+                <a:spcPct val="85000"/>
+              </a:lnSpc>
+              <a:defRPr spc="-76" sz="1000">
+                <a:solidFill>
+                  <a:srgbClr val="404040"/>
+                </a:solidFill>
+                <a:latin typeface="Calibri Light"/>
+                <a:ea typeface="Calibri Light"/>
+                <a:cs typeface="Calibri Light"/>
+                <a:sym typeface="Calibri Light"/>
+              </a:defRPr>
+            </a:lvl1pPr>
+          </a:lstStyle>
+          <a:p>
+            <a:pPr/>
+            <a:r>
+              <a:t>Client</a:t>
+            </a:r>
+          </a:p>
+        </p:txBody>
+      </p:sp>
+      <p:sp>
+        <p:nvSpPr>
+          <p:cNvPr id="159" name="Client"/>
+          <p:cNvSpPr txBox="1"/>
+          <p:nvPr/>
+        </p:nvSpPr>
+        <p:spPr>
+          <a:xfrm>
+            <a:off x="9598398" y="4178882"/>
+            <a:ext cx="333376" cy="225707"/>
+          </a:xfrm>
+          <a:prstGeom prst="rect">
+            <a:avLst/>
+          </a:prstGeom>
+          <a:ln w="12700">
+            <a:miter lim="400000"/>
+          </a:ln>
+          <a:extLst>
+            <a:ext uri="{C572A759-6A51-4108-AA02-DFA0A04FC94B}">
+              <ma14:wrappingTextBoxFlag xmlns:ma14="http://schemas.microsoft.com/office/mac/drawingml/2011/main" val="1"/>
+            </a:ext>
+          </a:extLst>
+        </p:spPr>
+        <p:txBody>
+          <a:bodyPr lIns="45718" tIns="45718" rIns="45718" bIns="45718" anchor="b">
+            <a:normAutofit fontScale="100000" lnSpcReduction="0"/>
+          </a:bodyPr>
+          <a:lstStyle>
+            <a:lvl1pPr defTabSz="676655">
+              <a:lnSpc>
+                <a:spcPct val="85000"/>
+              </a:lnSpc>
+              <a:defRPr spc="-76" sz="1000">
+                <a:solidFill>
+                  <a:srgbClr val="404040"/>
+                </a:solidFill>
+                <a:latin typeface="Calibri Light"/>
+                <a:ea typeface="Calibri Light"/>
+                <a:cs typeface="Calibri Light"/>
+                <a:sym typeface="Calibri Light"/>
+              </a:defRPr>
+            </a:lvl1pPr>
+          </a:lstStyle>
+          <a:p>
+            <a:pPr/>
+            <a:r>
+              <a:t>Client</a:t>
+            </a:r>
+          </a:p>
+        </p:txBody>
+      </p:sp>
+      <p:sp>
+        <p:nvSpPr>
+          <p:cNvPr id="160" name="Client"/>
+          <p:cNvSpPr txBox="1"/>
+          <p:nvPr/>
+        </p:nvSpPr>
+        <p:spPr>
+          <a:xfrm>
+            <a:off x="8592454" y="3243488"/>
+            <a:ext cx="592664" cy="225707"/>
+          </a:xfrm>
+          <a:prstGeom prst="rect">
+            <a:avLst/>
+          </a:prstGeom>
+          <a:ln w="12700">
+            <a:miter lim="400000"/>
+          </a:ln>
+          <a:extLst>
+            <a:ext uri="{C572A759-6A51-4108-AA02-DFA0A04FC94B}">
+              <ma14:wrappingTextBoxFlag xmlns:ma14="http://schemas.microsoft.com/office/mac/drawingml/2011/main" val="1"/>
+            </a:ext>
+          </a:extLst>
+        </p:spPr>
+        <p:txBody>
+          <a:bodyPr lIns="45718" tIns="45718" rIns="45718" bIns="45718" anchor="b">
+            <a:normAutofit fontScale="100000" lnSpcReduction="0"/>
+          </a:bodyPr>
+          <a:lstStyle>
+            <a:lvl1pPr defTabSz="676655">
+              <a:lnSpc>
+                <a:spcPct val="85000"/>
+              </a:lnSpc>
+              <a:defRPr spc="-76" sz="1000">
+                <a:solidFill>
+                  <a:srgbClr val="404040"/>
+                </a:solidFill>
+                <a:latin typeface="Calibri Light"/>
+                <a:ea typeface="Calibri Light"/>
+                <a:cs typeface="Calibri Light"/>
+                <a:sym typeface="Calibri Light"/>
+              </a:defRPr>
+            </a:lvl1pPr>
+          </a:lstStyle>
+          <a:p>
+            <a:pPr/>
+            <a:r>
+              <a:t>Relay-Client</a:t>
+            </a:r>
+          </a:p>
+        </p:txBody>
+      </p:sp>
+      <p:sp>
+        <p:nvSpPr>
+          <p:cNvPr id="161" name="Client"/>
+          <p:cNvSpPr txBox="1"/>
+          <p:nvPr/>
+        </p:nvSpPr>
+        <p:spPr>
+          <a:xfrm>
+            <a:off x="10241865" y="3517659"/>
+            <a:ext cx="333376" cy="225707"/>
+          </a:xfrm>
+          <a:prstGeom prst="rect">
+            <a:avLst/>
+          </a:prstGeom>
+          <a:ln w="12700">
+            <a:miter lim="400000"/>
+          </a:ln>
+          <a:extLst>
+            <a:ext uri="{C572A759-6A51-4108-AA02-DFA0A04FC94B}">
+              <ma14:wrappingTextBoxFlag xmlns:ma14="http://schemas.microsoft.com/office/mac/drawingml/2011/main" val="1"/>
+            </a:ext>
+          </a:extLst>
+        </p:spPr>
+        <p:txBody>
+          <a:bodyPr lIns="45718" tIns="45718" rIns="45718" bIns="45718" anchor="b">
+            <a:normAutofit fontScale="100000" lnSpcReduction="0"/>
+          </a:bodyPr>
+          <a:lstStyle>
+            <a:lvl1pPr defTabSz="676655">
+              <a:lnSpc>
+                <a:spcPct val="85000"/>
+              </a:lnSpc>
+              <a:defRPr spc="-76" sz="1000">
+                <a:solidFill>
+                  <a:srgbClr val="404040"/>
+                </a:solidFill>
+                <a:latin typeface="Calibri Light"/>
+                <a:ea typeface="Calibri Light"/>
+                <a:cs typeface="Calibri Light"/>
+                <a:sym typeface="Calibri Light"/>
+              </a:defRPr>
+            </a:lvl1pPr>
+          </a:lstStyle>
+          <a:p>
+            <a:pPr/>
+            <a:r>
+              <a:t>Client</a:t>
+            </a:r>
+          </a:p>
+        </p:txBody>
+      </p:sp>
+      <p:sp>
+        <p:nvSpPr>
+          <p:cNvPr id="162" name="Content Placeholder 2"/>
+          <p:cNvSpPr txBox="1"/>
+          <p:nvPr/>
+        </p:nvSpPr>
+        <p:spPr>
+          <a:xfrm>
+            <a:off x="1055086" y="5369587"/>
+            <a:ext cx="4637926" cy="702028"/>
+          </a:xfrm>
+          <a:prstGeom prst="rect">
+            <a:avLst/>
+          </a:prstGeom>
+          <a:ln w="12700">
+            <a:miter lim="400000"/>
+          </a:ln>
+          <a:extLst>
+            <a:ext uri="{C572A759-6A51-4108-AA02-DFA0A04FC94B}">
+              <ma14:wrappingTextBoxFlag xmlns:ma14="http://schemas.microsoft.com/office/mac/drawingml/2011/main" val="1"/>
+            </a:ext>
+          </a:extLst>
+        </p:spPr>
+        <p:txBody>
+          <a:bodyPr lIns="0" tIns="0" rIns="0" bIns="0">
+            <a:normAutofit fontScale="100000" lnSpcReduction="0"/>
+          </a:bodyPr>
+          <a:lstStyle>
+            <a:lvl1pPr marL="200525" indent="-200525" defTabSz="914400">
               <a:lnSpc>
                 <a:spcPct val="90000"/>
               </a:lnSpc>
@@ -10071,932 +10839,19 @@
                   <a:srgbClr val="404040"/>
                 </a:solidFill>
               </a:defRPr>
-            </a:pPr>
-            <a:r>
-              <a:t>Simulation of real network data</a:t>
-            </a:r>
-          </a:p>
-          <a:p>
-            <a:pPr lvl="1" marL="581525" indent="-200525" defTabSz="914400">
-              <a:lnSpc>
-                <a:spcPct val="90000"/>
-              </a:lnSpc>
-              <a:spcBef>
-                <a:spcPts val="1200"/>
-              </a:spcBef>
-              <a:buSzPct val="100000"/>
-              <a:buChar char="•"/>
-              <a:defRPr>
-                <a:solidFill>
-                  <a:srgbClr val="404040"/>
-                </a:solidFill>
-              </a:defRPr>
-            </a:pPr>
-            <a:r>
-              <a:t>Configuration and validation of the network characteristics</a:t>
-            </a:r>
-          </a:p>
-          <a:p>
-            <a:pPr lvl="1" marL="581525" indent="-200525" defTabSz="914400">
-              <a:lnSpc>
-                <a:spcPct val="90000"/>
-              </a:lnSpc>
-              <a:spcBef>
-                <a:spcPts val="1200"/>
-              </a:spcBef>
-              <a:buSzPct val="100000"/>
-              <a:buChar char="•"/>
-              <a:defRPr>
-                <a:solidFill>
-                  <a:srgbClr val="404040"/>
-                </a:solidFill>
-              </a:defRPr>
-            </a:pPr>
-            <a:r>
-              <a:t>Communication and data transfer between nodes</a:t>
-            </a:r>
-          </a:p>
-        </p:txBody>
-      </p:sp>
-      <p:sp>
-        <p:nvSpPr>
-          <p:cNvPr id="141" name="Oval"/>
-          <p:cNvSpPr/>
-          <p:nvPr/>
-        </p:nvSpPr>
-        <p:spPr>
-          <a:xfrm>
-            <a:off x="6483828" y="2156857"/>
-            <a:ext cx="317501" cy="317501"/>
-          </a:xfrm>
-          <a:prstGeom prst="ellipse">
-            <a:avLst/>
-          </a:prstGeom>
-          <a:solidFill>
-            <a:srgbClr val="FFFFFF"/>
-          </a:solidFill>
-          <a:ln w="15875">
-            <a:solidFill>
-              <a:schemeClr val="accent1"/>
-            </a:solidFill>
-          </a:ln>
-        </p:spPr>
-        <p:txBody>
-          <a:bodyPr lIns="45718" tIns="45718" rIns="45718" bIns="45718" anchor="ctr"/>
-          <a:lstStyle/>
-          <a:p>
-            <a:pPr/>
-          </a:p>
-        </p:txBody>
-      </p:sp>
-      <p:sp>
-        <p:nvSpPr>
-          <p:cNvPr id="142" name="Oval"/>
-          <p:cNvSpPr/>
-          <p:nvPr/>
-        </p:nvSpPr>
-        <p:spPr>
-          <a:xfrm>
-            <a:off x="5882695" y="2156857"/>
-            <a:ext cx="317501" cy="317501"/>
-          </a:xfrm>
-          <a:prstGeom prst="ellipse">
-            <a:avLst/>
-          </a:prstGeom>
-          <a:solidFill>
-            <a:srgbClr val="FFFFFF"/>
-          </a:solidFill>
-          <a:ln w="15875">
-            <a:solidFill>
-              <a:schemeClr val="accent1"/>
-            </a:solidFill>
-          </a:ln>
-        </p:spPr>
-        <p:txBody>
-          <a:bodyPr lIns="45718" tIns="45718" rIns="45718" bIns="45718" anchor="ctr"/>
-          <a:lstStyle/>
-          <a:p>
-            <a:pPr/>
-          </a:p>
-        </p:txBody>
-      </p:sp>
-      <p:sp>
-        <p:nvSpPr>
-          <p:cNvPr id="143" name="Oval"/>
-          <p:cNvSpPr/>
-          <p:nvPr/>
-        </p:nvSpPr>
-        <p:spPr>
-          <a:xfrm>
-            <a:off x="7686095" y="2159000"/>
-            <a:ext cx="317501" cy="317500"/>
-          </a:xfrm>
-          <a:prstGeom prst="ellipse">
-            <a:avLst/>
-          </a:prstGeom>
-          <a:solidFill>
-            <a:srgbClr val="FFFFFF"/>
-          </a:solidFill>
-          <a:ln w="15875">
-            <a:solidFill>
-              <a:schemeClr val="accent1"/>
-            </a:solidFill>
-          </a:ln>
-        </p:spPr>
-        <p:txBody>
-          <a:bodyPr lIns="45718" tIns="45718" rIns="45718" bIns="45718" anchor="ctr"/>
-          <a:lstStyle/>
-          <a:p>
-            <a:pPr/>
-          </a:p>
-        </p:txBody>
-      </p:sp>
-      <p:cxnSp>
-        <p:nvCxnSpPr>
-          <p:cNvPr id="144" name="Connection Line"/>
-          <p:cNvCxnSpPr>
-            <a:stCxn id="133" idx="0"/>
-            <a:endCxn id="142" idx="0"/>
-          </p:cNvCxnSpPr>
-          <p:nvPr/>
-        </p:nvCxnSpPr>
-        <p:spPr>
-          <a:xfrm flipH="1">
-            <a:off x="6041445" y="1578406"/>
-            <a:ext cx="901701" cy="737202"/>
-          </a:xfrm>
-          <a:prstGeom prst="straightConnector1">
-            <a:avLst/>
-          </a:prstGeom>
-          <a:ln w="12700">
-            <a:solidFill>
-              <a:schemeClr val="accent1"/>
-            </a:solidFill>
-          </a:ln>
-        </p:spPr>
-      </p:cxnSp>
-      <p:cxnSp>
-        <p:nvCxnSpPr>
-          <p:cNvPr id="145" name="Connection Line"/>
-          <p:cNvCxnSpPr>
-            <a:stCxn id="133" idx="0"/>
-            <a:endCxn id="141" idx="0"/>
-          </p:cNvCxnSpPr>
-          <p:nvPr/>
-        </p:nvCxnSpPr>
-        <p:spPr>
-          <a:xfrm flipH="1">
-            <a:off x="6642578" y="1578406"/>
-            <a:ext cx="300568" cy="737202"/>
-          </a:xfrm>
-          <a:prstGeom prst="straightConnector1">
-            <a:avLst/>
-          </a:prstGeom>
-          <a:ln w="12700">
-            <a:solidFill>
-              <a:schemeClr val="accent1"/>
-            </a:solidFill>
-          </a:ln>
-        </p:spPr>
-      </p:cxnSp>
-      <p:cxnSp>
-        <p:nvCxnSpPr>
-          <p:cNvPr id="146" name="Connection Line"/>
-          <p:cNvCxnSpPr>
-            <a:stCxn id="133" idx="0"/>
-            <a:endCxn id="134" idx="0"/>
-          </p:cNvCxnSpPr>
-          <p:nvPr/>
-        </p:nvCxnSpPr>
-        <p:spPr>
-          <a:xfrm>
-            <a:off x="6943145" y="1578406"/>
-            <a:ext cx="300568" cy="739344"/>
-          </a:xfrm>
-          <a:prstGeom prst="straightConnector1">
-            <a:avLst/>
-          </a:prstGeom>
-          <a:ln w="12700">
-            <a:solidFill>
-              <a:schemeClr val="accent1"/>
-            </a:solidFill>
-          </a:ln>
-        </p:spPr>
-      </p:cxnSp>
-      <p:cxnSp>
-        <p:nvCxnSpPr>
-          <p:cNvPr id="147" name="Connection Line"/>
-          <p:cNvCxnSpPr>
-            <a:stCxn id="133" idx="0"/>
-            <a:endCxn id="143" idx="0"/>
-          </p:cNvCxnSpPr>
-          <p:nvPr/>
-        </p:nvCxnSpPr>
-        <p:spPr>
-          <a:xfrm>
-            <a:off x="6943145" y="1578406"/>
-            <a:ext cx="901701" cy="739344"/>
-          </a:xfrm>
-          <a:prstGeom prst="straightConnector1">
-            <a:avLst/>
-          </a:prstGeom>
-          <a:ln w="12700">
-            <a:solidFill>
-              <a:schemeClr val="accent1"/>
-            </a:solidFill>
-          </a:ln>
-        </p:spPr>
-      </p:cxnSp>
-      <p:sp>
-        <p:nvSpPr>
-          <p:cNvPr id="148" name="Client"/>
-          <p:cNvSpPr txBox="1"/>
-          <p:nvPr/>
-        </p:nvSpPr>
-        <p:spPr>
-          <a:xfrm>
-            <a:off x="6475891" y="2464423"/>
-            <a:ext cx="333376" cy="225707"/>
-          </a:xfrm>
-          <a:prstGeom prst="rect">
-            <a:avLst/>
-          </a:prstGeom>
-          <a:ln w="12700">
-            <a:miter lim="400000"/>
-          </a:ln>
-          <a:extLst>
-            <a:ext uri="{C572A759-6A51-4108-AA02-DFA0A04FC94B}">
-              <ma14:wrappingTextBoxFlag xmlns:ma14="http://schemas.microsoft.com/office/mac/drawingml/2011/main" val="1"/>
-            </a:ext>
-          </a:extLst>
-        </p:spPr>
-        <p:txBody>
-          <a:bodyPr lIns="45718" tIns="45718" rIns="45718" bIns="45718" anchor="b">
-            <a:normAutofit fontScale="100000" lnSpcReduction="0"/>
-          </a:bodyPr>
-          <a:lstStyle>
-            <a:lvl1pPr defTabSz="676655">
-              <a:lnSpc>
-                <a:spcPct val="85000"/>
-              </a:lnSpc>
-              <a:defRPr spc="-76" sz="1000">
-                <a:solidFill>
-                  <a:srgbClr val="404040"/>
-                </a:solidFill>
-                <a:latin typeface="Calibri Light"/>
-                <a:ea typeface="Calibri Light"/>
-                <a:cs typeface="Calibri Light"/>
-                <a:sym typeface="Calibri Light"/>
-              </a:defRPr>
             </a:lvl1pPr>
           </a:lstStyle>
           <a:p>
             <a:pPr/>
             <a:r>
-              <a:t>Client</a:t>
-            </a:r>
-          </a:p>
-        </p:txBody>
-      </p:sp>
-      <p:sp>
-        <p:nvSpPr>
-          <p:cNvPr id="149" name="Client"/>
-          <p:cNvSpPr txBox="1"/>
-          <p:nvPr/>
-        </p:nvSpPr>
-        <p:spPr>
-          <a:xfrm>
-            <a:off x="7075435" y="2463800"/>
-            <a:ext cx="333376" cy="225706"/>
-          </a:xfrm>
-          <a:prstGeom prst="rect">
-            <a:avLst/>
-          </a:prstGeom>
-          <a:ln w="12700">
-            <a:miter lim="400000"/>
-          </a:ln>
-          <a:extLst>
-            <a:ext uri="{C572A759-6A51-4108-AA02-DFA0A04FC94B}">
-              <ma14:wrappingTextBoxFlag xmlns:ma14="http://schemas.microsoft.com/office/mac/drawingml/2011/main" val="1"/>
-            </a:ext>
-          </a:extLst>
-        </p:spPr>
-        <p:txBody>
-          <a:bodyPr lIns="45718" tIns="45718" rIns="45718" bIns="45718" anchor="b">
-            <a:normAutofit fontScale="100000" lnSpcReduction="0"/>
-          </a:bodyPr>
-          <a:lstStyle>
-            <a:lvl1pPr defTabSz="676655">
-              <a:lnSpc>
-                <a:spcPct val="85000"/>
-              </a:lnSpc>
-              <a:defRPr spc="-76" sz="1000">
-                <a:solidFill>
-                  <a:srgbClr val="404040"/>
-                </a:solidFill>
-                <a:latin typeface="Calibri Light"/>
-                <a:ea typeface="Calibri Light"/>
-                <a:cs typeface="Calibri Light"/>
-                <a:sym typeface="Calibri Light"/>
-              </a:defRPr>
-            </a:lvl1pPr>
-          </a:lstStyle>
-          <a:p>
-            <a:pPr/>
-            <a:r>
-              <a:t>Client</a:t>
-            </a:r>
-          </a:p>
-        </p:txBody>
-      </p:sp>
-      <p:sp>
-        <p:nvSpPr>
-          <p:cNvPr id="150" name="Client"/>
-          <p:cNvSpPr txBox="1"/>
-          <p:nvPr/>
-        </p:nvSpPr>
-        <p:spPr>
-          <a:xfrm>
-            <a:off x="7674979" y="2464423"/>
-            <a:ext cx="333376" cy="225707"/>
-          </a:xfrm>
-          <a:prstGeom prst="rect">
-            <a:avLst/>
-          </a:prstGeom>
-          <a:ln w="12700">
-            <a:miter lim="400000"/>
-          </a:ln>
-          <a:extLst>
-            <a:ext uri="{C572A759-6A51-4108-AA02-DFA0A04FC94B}">
-              <ma14:wrappingTextBoxFlag xmlns:ma14="http://schemas.microsoft.com/office/mac/drawingml/2011/main" val="1"/>
-            </a:ext>
-          </a:extLst>
-        </p:spPr>
-        <p:txBody>
-          <a:bodyPr lIns="45718" tIns="45718" rIns="45718" bIns="45718" anchor="b">
-            <a:normAutofit fontScale="100000" lnSpcReduction="0"/>
-          </a:bodyPr>
-          <a:lstStyle>
-            <a:lvl1pPr defTabSz="676655">
-              <a:lnSpc>
-                <a:spcPct val="85000"/>
-              </a:lnSpc>
-              <a:defRPr spc="-76" sz="1000">
-                <a:solidFill>
-                  <a:srgbClr val="404040"/>
-                </a:solidFill>
-                <a:latin typeface="Calibri Light"/>
-                <a:ea typeface="Calibri Light"/>
-                <a:cs typeface="Calibri Light"/>
-                <a:sym typeface="Calibri Light"/>
-              </a:defRPr>
-            </a:lvl1pPr>
-          </a:lstStyle>
-          <a:p>
-            <a:pPr/>
-            <a:r>
-              <a:t>Client</a:t>
-            </a:r>
-          </a:p>
-        </p:txBody>
-      </p:sp>
-      <p:sp>
-        <p:nvSpPr>
-          <p:cNvPr id="151" name="Rectangle"/>
-          <p:cNvSpPr/>
-          <p:nvPr/>
-        </p:nvSpPr>
-        <p:spPr>
-          <a:xfrm>
-            <a:off x="9756195" y="1419656"/>
-            <a:ext cx="317501" cy="317501"/>
-          </a:xfrm>
-          <a:prstGeom prst="rect">
-            <a:avLst/>
-          </a:prstGeom>
-          <a:solidFill>
-            <a:srgbClr val="FFFFFF"/>
-          </a:solidFill>
-          <a:ln w="15875">
-            <a:solidFill>
-              <a:schemeClr val="accent1"/>
-            </a:solidFill>
-          </a:ln>
-        </p:spPr>
-        <p:txBody>
-          <a:bodyPr lIns="45718" tIns="45718" rIns="45718" bIns="45718" anchor="ctr"/>
-          <a:lstStyle/>
-          <a:p>
-            <a:pPr/>
-          </a:p>
-        </p:txBody>
-      </p:sp>
-      <p:sp>
-        <p:nvSpPr>
-          <p:cNvPr id="152" name="Oval"/>
-          <p:cNvSpPr/>
-          <p:nvPr/>
-        </p:nvSpPr>
-        <p:spPr>
-          <a:xfrm>
-            <a:off x="10259962" y="2159000"/>
-            <a:ext cx="317501" cy="317500"/>
-          </a:xfrm>
-          <a:prstGeom prst="ellipse">
-            <a:avLst/>
-          </a:prstGeom>
-          <a:solidFill>
-            <a:srgbClr val="FFFFFF"/>
-          </a:solidFill>
-          <a:ln w="15875">
-            <a:solidFill>
-              <a:schemeClr val="accent1"/>
-            </a:solidFill>
-          </a:ln>
-        </p:spPr>
-        <p:txBody>
-          <a:bodyPr lIns="45718" tIns="45718" rIns="45718" bIns="45718" anchor="ctr"/>
-          <a:lstStyle/>
-          <a:p>
-            <a:pPr/>
-          </a:p>
-        </p:txBody>
-      </p:sp>
-      <p:sp>
-        <p:nvSpPr>
-          <p:cNvPr id="153" name="Oval"/>
-          <p:cNvSpPr/>
-          <p:nvPr/>
-        </p:nvSpPr>
-        <p:spPr>
-          <a:xfrm>
-            <a:off x="9616495" y="2791883"/>
-            <a:ext cx="317501" cy="317501"/>
-          </a:xfrm>
-          <a:prstGeom prst="ellipse">
-            <a:avLst/>
-          </a:prstGeom>
-          <a:solidFill>
-            <a:srgbClr val="FFFFFF"/>
-          </a:solidFill>
-          <a:ln w="15875">
-            <a:solidFill>
-              <a:schemeClr val="accent1"/>
-            </a:solidFill>
-          </a:ln>
-        </p:spPr>
-        <p:txBody>
-          <a:bodyPr lIns="45718" tIns="45718" rIns="45718" bIns="45718" anchor="ctr"/>
-          <a:lstStyle/>
-          <a:p>
-            <a:pPr/>
-          </a:p>
-        </p:txBody>
-      </p:sp>
-      <p:cxnSp>
-        <p:nvCxnSpPr>
-          <p:cNvPr id="154" name="Connection Line"/>
-          <p:cNvCxnSpPr>
-            <a:stCxn id="151" idx="0"/>
-            <a:endCxn id="131" idx="0"/>
-          </p:cNvCxnSpPr>
-          <p:nvPr/>
-        </p:nvCxnSpPr>
-        <p:spPr>
-          <a:xfrm flipH="1">
-            <a:off x="9347110" y="1578406"/>
-            <a:ext cx="567836" cy="739344"/>
-          </a:xfrm>
-          <a:prstGeom prst="straightConnector1">
-            <a:avLst/>
-          </a:prstGeom>
-          <a:ln w="12700">
-            <a:solidFill>
-              <a:schemeClr val="accent1"/>
-            </a:solidFill>
-          </a:ln>
-        </p:spPr>
-      </p:cxnSp>
-      <p:cxnSp>
-        <p:nvCxnSpPr>
-          <p:cNvPr id="155" name="Connection Line"/>
-          <p:cNvCxnSpPr>
-            <a:stCxn id="151" idx="0"/>
-            <a:endCxn id="152" idx="0"/>
-          </p:cNvCxnSpPr>
-          <p:nvPr/>
-        </p:nvCxnSpPr>
-        <p:spPr>
-          <a:xfrm>
-            <a:off x="9914945" y="1578406"/>
-            <a:ext cx="503768" cy="739344"/>
-          </a:xfrm>
-          <a:prstGeom prst="straightConnector1">
-            <a:avLst/>
-          </a:prstGeom>
-          <a:ln w="12700">
-            <a:solidFill>
-              <a:schemeClr val="accent1"/>
-            </a:solidFill>
-          </a:ln>
-        </p:spPr>
-      </p:cxnSp>
-      <p:cxnSp>
-        <p:nvCxnSpPr>
-          <p:cNvPr id="156" name="Connection Line"/>
-          <p:cNvCxnSpPr>
-            <a:stCxn id="131" idx="0"/>
-            <a:endCxn id="132" idx="0"/>
-          </p:cNvCxnSpPr>
-          <p:nvPr/>
-        </p:nvCxnSpPr>
-        <p:spPr>
-          <a:xfrm flipH="1">
-            <a:off x="8776179" y="2317750"/>
-            <a:ext cx="570932" cy="632884"/>
-          </a:xfrm>
-          <a:prstGeom prst="straightConnector1">
-            <a:avLst/>
-          </a:prstGeom>
-          <a:ln w="12700">
-            <a:solidFill>
-              <a:schemeClr val="accent1"/>
-            </a:solidFill>
-          </a:ln>
-        </p:spPr>
-      </p:cxnSp>
-      <p:cxnSp>
-        <p:nvCxnSpPr>
-          <p:cNvPr id="157" name="Connection Line"/>
-          <p:cNvCxnSpPr>
-            <a:stCxn id="131" idx="0"/>
-            <a:endCxn id="153" idx="0"/>
-          </p:cNvCxnSpPr>
-          <p:nvPr/>
-        </p:nvCxnSpPr>
-        <p:spPr>
-          <a:xfrm>
-            <a:off x="9347110" y="2317750"/>
-            <a:ext cx="428136" cy="632884"/>
-          </a:xfrm>
-          <a:prstGeom prst="straightConnector1">
-            <a:avLst/>
-          </a:prstGeom>
-          <a:ln w="12700">
-            <a:solidFill>
-              <a:schemeClr val="accent1"/>
-            </a:solidFill>
-          </a:ln>
-        </p:spPr>
-      </p:cxnSp>
-      <p:sp>
-        <p:nvSpPr>
-          <p:cNvPr id="158" name="Server"/>
-          <p:cNvSpPr txBox="1"/>
-          <p:nvPr/>
-        </p:nvSpPr>
-        <p:spPr>
-          <a:xfrm>
-            <a:off x="9748257" y="1196197"/>
-            <a:ext cx="333376" cy="225707"/>
-          </a:xfrm>
-          <a:prstGeom prst="rect">
-            <a:avLst/>
-          </a:prstGeom>
-          <a:ln w="12700">
-            <a:miter lim="400000"/>
-          </a:ln>
-          <a:extLst>
-            <a:ext uri="{C572A759-6A51-4108-AA02-DFA0A04FC94B}">
-              <ma14:wrappingTextBoxFlag xmlns:ma14="http://schemas.microsoft.com/office/mac/drawingml/2011/main" val="1"/>
-            </a:ext>
-          </a:extLst>
-        </p:spPr>
-        <p:txBody>
-          <a:bodyPr lIns="45718" tIns="45718" rIns="45718" bIns="45718" anchor="b">
-            <a:normAutofit fontScale="100000" lnSpcReduction="0"/>
-          </a:bodyPr>
-          <a:lstStyle>
-            <a:lvl1pPr defTabSz="595456">
-              <a:lnSpc>
-                <a:spcPct val="85000"/>
-              </a:lnSpc>
-              <a:defRPr spc="-67" sz="880">
-                <a:solidFill>
-                  <a:srgbClr val="404040"/>
-                </a:solidFill>
-                <a:latin typeface="Calibri Light"/>
-                <a:ea typeface="Calibri Light"/>
-                <a:cs typeface="Calibri Light"/>
-                <a:sym typeface="Calibri Light"/>
-              </a:defRPr>
-            </a:lvl1pPr>
-          </a:lstStyle>
-          <a:p>
-            <a:pPr/>
-            <a:r>
-              <a:t>Server</a:t>
-            </a:r>
-          </a:p>
-        </p:txBody>
-      </p:sp>
-      <p:sp>
-        <p:nvSpPr>
-          <p:cNvPr id="159" name="Client"/>
-          <p:cNvSpPr txBox="1"/>
-          <p:nvPr/>
-        </p:nvSpPr>
-        <p:spPr>
-          <a:xfrm>
-            <a:off x="8609491" y="3125647"/>
-            <a:ext cx="333376" cy="225706"/>
-          </a:xfrm>
-          <a:prstGeom prst="rect">
-            <a:avLst/>
-          </a:prstGeom>
-          <a:ln w="12700">
-            <a:miter lim="400000"/>
-          </a:ln>
-          <a:extLst>
-            <a:ext uri="{C572A759-6A51-4108-AA02-DFA0A04FC94B}">
-              <ma14:wrappingTextBoxFlag xmlns:ma14="http://schemas.microsoft.com/office/mac/drawingml/2011/main" val="1"/>
-            </a:ext>
-          </a:extLst>
-        </p:spPr>
-        <p:txBody>
-          <a:bodyPr lIns="45718" tIns="45718" rIns="45718" bIns="45718" anchor="b">
-            <a:normAutofit fontScale="100000" lnSpcReduction="0"/>
-          </a:bodyPr>
-          <a:lstStyle>
-            <a:lvl1pPr defTabSz="676655">
-              <a:lnSpc>
-                <a:spcPct val="85000"/>
-              </a:lnSpc>
-              <a:defRPr spc="-76" sz="1000">
-                <a:solidFill>
-                  <a:srgbClr val="404040"/>
-                </a:solidFill>
-                <a:latin typeface="Calibri Light"/>
-                <a:ea typeface="Calibri Light"/>
-                <a:cs typeface="Calibri Light"/>
-                <a:sym typeface="Calibri Light"/>
-              </a:defRPr>
-            </a:lvl1pPr>
-          </a:lstStyle>
-          <a:p>
-            <a:pPr/>
-            <a:r>
-              <a:t>Client</a:t>
-            </a:r>
-          </a:p>
-        </p:txBody>
-      </p:sp>
-      <p:sp>
-        <p:nvSpPr>
-          <p:cNvPr id="160" name="Client"/>
-          <p:cNvSpPr txBox="1"/>
-          <p:nvPr/>
-        </p:nvSpPr>
-        <p:spPr>
-          <a:xfrm>
-            <a:off x="9608558" y="3125647"/>
-            <a:ext cx="333376" cy="225706"/>
-          </a:xfrm>
-          <a:prstGeom prst="rect">
-            <a:avLst/>
-          </a:prstGeom>
-          <a:ln w="12700">
-            <a:miter lim="400000"/>
-          </a:ln>
-          <a:extLst>
-            <a:ext uri="{C572A759-6A51-4108-AA02-DFA0A04FC94B}">
-              <ma14:wrappingTextBoxFlag xmlns:ma14="http://schemas.microsoft.com/office/mac/drawingml/2011/main" val="1"/>
-            </a:ext>
-          </a:extLst>
-        </p:spPr>
-        <p:txBody>
-          <a:bodyPr lIns="45718" tIns="45718" rIns="45718" bIns="45718" anchor="b">
-            <a:normAutofit fontScale="100000" lnSpcReduction="0"/>
-          </a:bodyPr>
-          <a:lstStyle>
-            <a:lvl1pPr defTabSz="676655">
-              <a:lnSpc>
-                <a:spcPct val="85000"/>
-              </a:lnSpc>
-              <a:defRPr spc="-76" sz="1000">
-                <a:solidFill>
-                  <a:srgbClr val="404040"/>
-                </a:solidFill>
-                <a:latin typeface="Calibri Light"/>
-                <a:ea typeface="Calibri Light"/>
-                <a:cs typeface="Calibri Light"/>
-                <a:sym typeface="Calibri Light"/>
-              </a:defRPr>
-            </a:lvl1pPr>
-          </a:lstStyle>
-          <a:p>
-            <a:pPr/>
-            <a:r>
-              <a:t>Client</a:t>
-            </a:r>
-          </a:p>
-        </p:txBody>
-      </p:sp>
-      <p:sp>
-        <p:nvSpPr>
-          <p:cNvPr id="161" name="Client"/>
-          <p:cNvSpPr txBox="1"/>
-          <p:nvPr/>
-        </p:nvSpPr>
-        <p:spPr>
-          <a:xfrm>
-            <a:off x="8602614" y="2190252"/>
-            <a:ext cx="592664" cy="225707"/>
-          </a:xfrm>
-          <a:prstGeom prst="rect">
-            <a:avLst/>
-          </a:prstGeom>
-          <a:ln w="12700">
-            <a:miter lim="400000"/>
-          </a:ln>
-          <a:extLst>
-            <a:ext uri="{C572A759-6A51-4108-AA02-DFA0A04FC94B}">
-              <ma14:wrappingTextBoxFlag xmlns:ma14="http://schemas.microsoft.com/office/mac/drawingml/2011/main" val="1"/>
-            </a:ext>
-          </a:extLst>
-        </p:spPr>
-        <p:txBody>
-          <a:bodyPr lIns="45718" tIns="45718" rIns="45718" bIns="45718" anchor="b">
-            <a:normAutofit fontScale="100000" lnSpcReduction="0"/>
-          </a:bodyPr>
-          <a:lstStyle>
-            <a:lvl1pPr defTabSz="676655">
-              <a:lnSpc>
-                <a:spcPct val="85000"/>
-              </a:lnSpc>
-              <a:defRPr spc="-76" sz="1000">
-                <a:solidFill>
-                  <a:srgbClr val="404040"/>
-                </a:solidFill>
-                <a:latin typeface="Calibri Light"/>
-                <a:ea typeface="Calibri Light"/>
-                <a:cs typeface="Calibri Light"/>
-                <a:sym typeface="Calibri Light"/>
-              </a:defRPr>
-            </a:lvl1pPr>
-          </a:lstStyle>
-          <a:p>
-            <a:pPr/>
-            <a:r>
-              <a:t>Relay-Client</a:t>
-            </a:r>
-          </a:p>
-        </p:txBody>
-      </p:sp>
-      <p:sp>
-        <p:nvSpPr>
-          <p:cNvPr id="162" name="Client"/>
-          <p:cNvSpPr txBox="1"/>
-          <p:nvPr/>
-        </p:nvSpPr>
-        <p:spPr>
-          <a:xfrm>
-            <a:off x="10252025" y="2464423"/>
-            <a:ext cx="333376" cy="225707"/>
-          </a:xfrm>
-          <a:prstGeom prst="rect">
-            <a:avLst/>
-          </a:prstGeom>
-          <a:ln w="12700">
-            <a:miter lim="400000"/>
-          </a:ln>
-          <a:extLst>
-            <a:ext uri="{C572A759-6A51-4108-AA02-DFA0A04FC94B}">
-              <ma14:wrappingTextBoxFlag xmlns:ma14="http://schemas.microsoft.com/office/mac/drawingml/2011/main" val="1"/>
-            </a:ext>
-          </a:extLst>
-        </p:spPr>
-        <p:txBody>
-          <a:bodyPr lIns="45718" tIns="45718" rIns="45718" bIns="45718" anchor="b">
-            <a:normAutofit fontScale="100000" lnSpcReduction="0"/>
-          </a:bodyPr>
-          <a:lstStyle>
-            <a:lvl1pPr defTabSz="676655">
-              <a:lnSpc>
-                <a:spcPct val="85000"/>
-              </a:lnSpc>
-              <a:defRPr spc="-76" sz="1000">
-                <a:solidFill>
-                  <a:srgbClr val="404040"/>
-                </a:solidFill>
-                <a:latin typeface="Calibri Light"/>
-                <a:ea typeface="Calibri Light"/>
-                <a:cs typeface="Calibri Light"/>
-                <a:sym typeface="Calibri Light"/>
-              </a:defRPr>
-            </a:lvl1pPr>
-          </a:lstStyle>
-          <a:p>
-            <a:pPr/>
-            <a:r>
-              <a:t>Client</a:t>
-            </a:r>
-          </a:p>
-        </p:txBody>
-      </p:sp>
-      <p:sp>
-        <p:nvSpPr>
-          <p:cNvPr id="163" name="Content Placeholder 2"/>
-          <p:cNvSpPr txBox="1"/>
-          <p:nvPr/>
-        </p:nvSpPr>
-        <p:spPr>
-          <a:xfrm>
-            <a:off x="1079500" y="5115681"/>
-            <a:ext cx="8161699" cy="1158918"/>
-          </a:xfrm>
-          <a:prstGeom prst="rect">
-            <a:avLst/>
-          </a:prstGeom>
-          <a:ln w="12700">
-            <a:miter lim="400000"/>
-          </a:ln>
-          <a:extLst>
-            <a:ext uri="{C572A759-6A51-4108-AA02-DFA0A04FC94B}">
-              <ma14:wrappingTextBoxFlag xmlns:ma14="http://schemas.microsoft.com/office/mac/drawingml/2011/main" val="1"/>
-            </a:ext>
-          </a:extLst>
-        </p:spPr>
-        <p:txBody>
-          <a:bodyPr lIns="0" tIns="0" rIns="0" bIns="0">
-            <a:normAutofit fontScale="100000" lnSpcReduction="0"/>
-          </a:bodyPr>
-          <a:lstStyle/>
-          <a:p>
-            <a:pPr marL="200525" indent="-200525" defTabSz="914400">
-              <a:lnSpc>
-                <a:spcPct val="90000"/>
-              </a:lnSpc>
-              <a:spcBef>
-                <a:spcPts val="1200"/>
-              </a:spcBef>
-              <a:buSzPct val="100000"/>
-              <a:buChar char="•"/>
-              <a:defRPr>
-                <a:solidFill>
-                  <a:srgbClr val="404040"/>
-                </a:solidFill>
-              </a:defRPr>
-            </a:pPr>
-            <a:r>
-              <a:t>Performance evaluation of the P2P algorithm</a:t>
-            </a:r>
-          </a:p>
-          <a:p>
-            <a:pPr lvl="1" marL="581525" indent="-200525" defTabSz="914400">
-              <a:lnSpc>
-                <a:spcPct val="90000"/>
-              </a:lnSpc>
-              <a:spcBef>
-                <a:spcPts val="1200"/>
-              </a:spcBef>
-              <a:buSzPct val="100000"/>
-              <a:buChar char="•"/>
-              <a:defRPr>
-                <a:solidFill>
-                  <a:srgbClr val="404040"/>
-                </a:solidFill>
-              </a:defRPr>
-            </a:pPr>
-            <a:r>
-              <a:t>Analysis of resource consumption</a:t>
-            </a:r>
-          </a:p>
-          <a:p>
-            <a:pPr lvl="1" marL="581525" indent="-200525" defTabSz="914400">
-              <a:lnSpc>
-                <a:spcPct val="90000"/>
-              </a:lnSpc>
-              <a:spcBef>
-                <a:spcPts val="1200"/>
-              </a:spcBef>
-              <a:buSzPct val="100000"/>
-              <a:buChar char="•"/>
-              <a:defRPr>
-                <a:solidFill>
-                  <a:srgbClr val="404040"/>
-                </a:solidFill>
-              </a:defRPr>
-            </a:pPr>
-            <a:r>
-              <a:t>Analysis of total duration</a:t>
+              <a:t>Performance Evaluation of the P2P Algorithm</a:t>
             </a:r>
           </a:p>
         </p:txBody>
       </p:sp>
       <p:pic>
         <p:nvPicPr>
-          <p:cNvPr id="164" name="docker_logo.png" descr="docker_logo.png"/>
+          <p:cNvPr id="163" name="docker_logo.png" descr="docker_logo.png"/>
           <p:cNvPicPr>
             <a:picLocks noChangeAspect="1"/>
           </p:cNvPicPr>
@@ -11012,8 +10867,8 @@
         </p:blipFill>
         <p:spPr>
           <a:xfrm>
-            <a:off x="7340055" y="3728358"/>
-            <a:ext cx="1245205" cy="1245204"/>
+            <a:off x="8508455" y="4377746"/>
+            <a:ext cx="1245205" cy="1245205"/>
           </a:xfrm>
           <a:prstGeom prst="rect">
             <a:avLst/>
@@ -11025,7 +10880,7 @@
       </p:pic>
       <p:pic>
         <p:nvPicPr>
-          <p:cNvPr id="165" name="logo.png" descr="logo.png"/>
+          <p:cNvPr id="164" name="logo.png" descr="logo.png"/>
           <p:cNvPicPr>
             <a:picLocks noChangeAspect="1"/>
           </p:cNvPicPr>
@@ -11041,7 +10896,7 @@
         </p:blipFill>
         <p:spPr>
           <a:xfrm>
-            <a:off x="5931671" y="5577147"/>
+            <a:off x="6409191" y="5633206"/>
             <a:ext cx="870347" cy="382018"/>
           </a:xfrm>
           <a:prstGeom prst="rect">
@@ -11054,7 +10909,7 @@
       </p:pic>
       <p:pic>
         <p:nvPicPr>
-          <p:cNvPr id="166" name="Unknown.png" descr="Unknown.png"/>
+          <p:cNvPr id="165" name="Unknown.png" descr="Unknown.png"/>
           <p:cNvPicPr>
             <a:picLocks noChangeAspect="1"/>
           </p:cNvPicPr>
@@ -11070,7 +10925,7 @@
         </p:blipFill>
         <p:spPr>
           <a:xfrm>
-            <a:off x="7571885" y="5577147"/>
+            <a:off x="8049405" y="5633206"/>
             <a:ext cx="1225534" cy="547115"/>
           </a:xfrm>
           <a:prstGeom prst="rect">
@@ -11083,7 +10938,7 @@
       </p:pic>
       <p:pic>
         <p:nvPicPr>
-          <p:cNvPr id="167" name="Unknown.png" descr="Unknown.png"/>
+          <p:cNvPr id="166" name="Unknown.png" descr="Unknown.png"/>
           <p:cNvPicPr>
             <a:picLocks noChangeAspect="1"/>
           </p:cNvPicPr>
@@ -11099,7 +10954,7 @@
         </p:blipFill>
         <p:spPr>
           <a:xfrm>
-            <a:off x="9294250" y="5610206"/>
+            <a:off x="9771770" y="5666264"/>
             <a:ext cx="961992" cy="480998"/>
           </a:xfrm>
           <a:prstGeom prst="rect">
@@ -11112,13 +10967,13 @@
       </p:pic>
       <p:sp>
         <p:nvSpPr>
-          <p:cNvPr id="168" name="Plus Mark"/>
+          <p:cNvPr id="167" name="Plus Mark"/>
           <p:cNvSpPr/>
           <p:nvPr/>
         </p:nvSpPr>
         <p:spPr>
           <a:xfrm>
-            <a:off x="7032964" y="5696717"/>
+            <a:off x="7510484" y="5752775"/>
             <a:ext cx="307976" cy="307976"/>
           </a:xfrm>
           <a:custGeom>
@@ -11262,13 +11117,13 @@
       </p:sp>
       <p:sp>
         <p:nvSpPr>
-          <p:cNvPr id="169" name="Plus Mark"/>
+          <p:cNvPr id="168" name="Plus Mark"/>
           <p:cNvSpPr/>
           <p:nvPr/>
         </p:nvSpPr>
         <p:spPr>
           <a:xfrm>
-            <a:off x="8891847" y="5696717"/>
+            <a:off x="9369366" y="5752775"/>
             <a:ext cx="307976" cy="307976"/>
           </a:xfrm>
           <a:custGeom>
@@ -11412,14 +11267,14 @@
       </p:sp>
       <p:sp>
         <p:nvSpPr>
-          <p:cNvPr id="170" name="Plus Mark"/>
+          <p:cNvPr id="169" name="Plus Mark"/>
           <p:cNvSpPr/>
           <p:nvPr/>
         </p:nvSpPr>
         <p:spPr>
           <a:xfrm>
-            <a:off x="8710194" y="4084677"/>
-            <a:ext cx="395609" cy="395609"/>
+            <a:off x="9846298" y="4802545"/>
+            <a:ext cx="395608" cy="395608"/>
           </a:xfrm>
           <a:custGeom>
             <a:avLst/>
@@ -11562,7 +11417,7 @@
       </p:sp>
       <p:pic>
         <p:nvPicPr>
-          <p:cNvPr id="171" name="Screenshot 2024-01-21 at 16.09.34.png" descr="Screenshot 2024-01-21 at 16.09.34.png"/>
+          <p:cNvPr id="170" name="Screenshot 2024-01-21 at 16.09.34.png" descr="Screenshot 2024-01-21 at 16.09.34.png"/>
           <p:cNvPicPr>
             <a:picLocks noChangeAspect="1"/>
           </p:cNvPicPr>
@@ -11578,8 +11433,8 @@
         </p:blipFill>
         <p:spPr>
           <a:xfrm>
-            <a:off x="9166143" y="3855212"/>
-            <a:ext cx="1225534" cy="1106027"/>
+            <a:off x="10334543" y="4504601"/>
+            <a:ext cx="1225534" cy="1106026"/>
           </a:xfrm>
           <a:prstGeom prst="rect">
             <a:avLst/>
@@ -11589,6 +11444,160 @@
           </a:ln>
         </p:spPr>
       </p:pic>
+      <p:sp>
+        <p:nvSpPr>
+          <p:cNvPr id="171" name="Date Placeholder 3"/>
+          <p:cNvSpPr txBox="1"/>
+          <p:nvPr/>
+        </p:nvSpPr>
+        <p:spPr>
+          <a:xfrm>
+            <a:off x="4615589" y="6529495"/>
+            <a:ext cx="3122846" cy="225706"/>
+          </a:xfrm>
+          <a:prstGeom prst="rect">
+            <a:avLst/>
+          </a:prstGeom>
+          <a:ln w="12700">
+            <a:miter lim="400000"/>
+          </a:ln>
+          <a:extLst>
+            <a:ext uri="{C572A759-6A51-4108-AA02-DFA0A04FC94B}">
+              <ma14:wrappingTextBoxFlag xmlns:ma14="http://schemas.microsoft.com/office/mac/drawingml/2011/main" val="1"/>
+            </a:ext>
+          </a:extLst>
+        </p:spPr>
+        <p:txBody>
+          <a:bodyPr lIns="45718" tIns="45718" rIns="45718" bIns="45718" anchor="ctr">
+            <a:spAutoFit/>
+          </a:bodyPr>
+          <a:lstStyle>
+            <a:lvl1pPr algn="ctr">
+              <a:defRPr b="1" sz="1100" u="sng">
+                <a:solidFill>
+                  <a:srgbClr val="FFFFFF"/>
+                </a:solidFill>
+              </a:defRPr>
+            </a:lvl1pPr>
+          </a:lstStyle>
+          <a:p>
+            <a:pPr/>
+            <a:r>
+              <a:t>MOTIVATION</a:t>
+            </a:r>
+          </a:p>
+        </p:txBody>
+      </p:sp>
+      <p:sp>
+        <p:nvSpPr>
+          <p:cNvPr id="172" name="Content Placeholder 2"/>
+          <p:cNvSpPr txBox="1"/>
+          <p:nvPr/>
+        </p:nvSpPr>
+        <p:spPr>
+          <a:xfrm>
+            <a:off x="1214120" y="1355893"/>
+            <a:ext cx="5204017" cy="601690"/>
+          </a:xfrm>
+          <a:prstGeom prst="rect">
+            <a:avLst/>
+          </a:prstGeom>
+          <a:ln w="12700">
+            <a:miter lim="400000"/>
+          </a:ln>
+          <a:extLst>
+            <a:ext uri="{C572A759-6A51-4108-AA02-DFA0A04FC94B}">
+              <ma14:wrappingTextBoxFlag xmlns:ma14="http://schemas.microsoft.com/office/mac/drawingml/2011/main" val="1"/>
+            </a:ext>
+          </a:extLst>
+        </p:spPr>
+        <p:txBody>
+          <a:bodyPr lIns="0" tIns="0" rIns="0" bIns="0">
+            <a:normAutofit fontScale="100000" lnSpcReduction="0"/>
+          </a:bodyPr>
+          <a:lstStyle/>
+          <a:p>
+            <a:pPr marL="80210" indent="-80210" defTabSz="365760">
+              <a:lnSpc>
+                <a:spcPct val="90000"/>
+              </a:lnSpc>
+              <a:spcBef>
+                <a:spcPts val="400"/>
+              </a:spcBef>
+              <a:buSzPct val="100000"/>
+              <a:buChar char="•"/>
+              <a:defRPr sz="720">
+                <a:solidFill>
+                  <a:srgbClr val="9C9C9C"/>
+                </a:solidFill>
+              </a:defRPr>
+            </a:pPr>
+            <a:r>
+              <a:t>A P2P algorithm for lectureStudio</a:t>
+            </a:r>
+          </a:p>
+          <a:p>
+            <a:pPr lvl="1" marL="224589" indent="-72189" defTabSz="365760">
+              <a:lnSpc>
+                <a:spcPct val="90000"/>
+              </a:lnSpc>
+              <a:spcBef>
+                <a:spcPts val="400"/>
+              </a:spcBef>
+              <a:buSzPct val="100000"/>
+              <a:buChar char="•"/>
+              <a:defRPr sz="720">
+                <a:solidFill>
+                  <a:srgbClr val="9C9C9C"/>
+                </a:solidFill>
+              </a:defRPr>
+            </a:pPr>
+            <a:r>
+              <a:t>Direct distribution among clients</a:t>
+            </a:r>
+          </a:p>
+          <a:p>
+            <a:pPr lvl="1" marL="224589" indent="-72189" defTabSz="365760">
+              <a:lnSpc>
+                <a:spcPct val="90000"/>
+              </a:lnSpc>
+              <a:spcBef>
+                <a:spcPts val="400"/>
+              </a:spcBef>
+              <a:buSzPct val="100000"/>
+              <a:buChar char="•"/>
+              <a:defRPr sz="720">
+                <a:solidFill>
+                  <a:srgbClr val="9C9C9C"/>
+                </a:solidFill>
+              </a:defRPr>
+            </a:pPr>
+            <a:r>
+              <a:t>Reducing the central server's load</a:t>
+            </a:r>
+          </a:p>
+          <a:p>
+            <a:pPr lvl="1" marL="224589" indent="-72189" defTabSz="365760">
+              <a:lnSpc>
+                <a:spcPct val="90000"/>
+              </a:lnSpc>
+              <a:spcBef>
+                <a:spcPts val="400"/>
+              </a:spcBef>
+              <a:buSzPct val="100000"/>
+              <a:buChar char="•"/>
+              <a:defRPr sz="720">
+                <a:solidFill>
+                  <a:srgbClr val="9C9C9C"/>
+                </a:solidFill>
+              </a:defRPr>
+            </a:pPr>
+            <a:r>
+              <a:t>Optimizing bandwidth</a:t>
+            </a:r>
+          </a:p>
+        </p:txBody>
+      </p:sp>
     </p:spTree>
   </p:cSld>
   <p:clrMapOvr>
@@ -11617,7 +11626,7 @@
       </p:grpSpPr>
       <p:sp>
         <p:nvSpPr>
-          <p:cNvPr id="523" name="Title 6"/>
+          <p:cNvPr id="524" name="Title 6"/>
           <p:cNvSpPr txBox="1"/>
           <p:nvPr>
             <p:ph type="title"/>
@@ -11649,7 +11658,7 @@
       </p:sp>
       <p:sp>
         <p:nvSpPr>
-          <p:cNvPr id="524" name="Text Placeholder 7"/>
+          <p:cNvPr id="525" name="Text Placeholder 7"/>
           <p:cNvSpPr txBox="1"/>
           <p:nvPr>
             <p:ph type="body" sz="quarter" idx="1"/>
@@ -11679,7 +11688,7 @@
       </p:sp>
       <p:sp>
         <p:nvSpPr>
-          <p:cNvPr id="525" name="Slide Number Placeholder 5"/>
+          <p:cNvPr id="526" name="Slide Number Placeholder 5"/>
           <p:cNvSpPr txBox="1"/>
           <p:nvPr>
             <p:ph type="sldNum" sz="quarter" idx="4294967295"/>
@@ -11710,7 +11719,7 @@
       </p:sp>
       <p:sp>
         <p:nvSpPr>
-          <p:cNvPr id="526" name="Date Placeholder 3"/>
+          <p:cNvPr id="527" name="Date Placeholder 3"/>
           <p:cNvSpPr txBox="1"/>
           <p:nvPr/>
         </p:nvSpPr>
@@ -11754,7 +11763,7 @@
       </p:sp>
       <p:sp>
         <p:nvSpPr>
-          <p:cNvPr id="527" name="Date Placeholder 3"/>
+          <p:cNvPr id="528" name="Date Placeholder 3"/>
           <p:cNvSpPr txBox="1"/>
           <p:nvPr/>
         </p:nvSpPr>
@@ -11824,7 +11833,7 @@
       </p:grpSpPr>
       <p:sp>
         <p:nvSpPr>
-          <p:cNvPr id="529" name="References"/>
+          <p:cNvPr id="530" name="References"/>
           <p:cNvSpPr txBox="1"/>
           <p:nvPr>
             <p:ph type="title"/>
@@ -11854,7 +11863,7 @@
       </p:sp>
       <p:sp>
         <p:nvSpPr>
-          <p:cNvPr id="530" name="[1] https://www.data.gov.uk/dataset/dfe843da-06ca-4680-9ba0-fbb27319e402/uk-fixed-line-broadband-performance…"/>
+          <p:cNvPr id="531" name="[1] https://www.data.gov.uk/dataset/dfe843da-06ca-4680-9ba0-fbb27319e402/uk-fixed-line-broadband-performance…"/>
           <p:cNvSpPr txBox="1"/>
           <p:nvPr>
             <p:ph type="body" idx="1"/>
@@ -11939,7 +11948,7 @@
       </p:sp>
       <p:sp>
         <p:nvSpPr>
-          <p:cNvPr id="531" name="Slide Number"/>
+          <p:cNvPr id="532" name="Slide Number"/>
           <p:cNvSpPr txBox="1"/>
           <p:nvPr>
             <p:ph type="sldNum" sz="quarter" idx="4294967295"/>
@@ -11970,7 +11979,7 @@
       </p:sp>
       <p:sp>
         <p:nvSpPr>
-          <p:cNvPr id="532" name="Date Placeholder 3"/>
+          <p:cNvPr id="533" name="Date Placeholder 3"/>
           <p:cNvSpPr txBox="1"/>
           <p:nvPr/>
         </p:nvSpPr>
@@ -12014,7 +12023,7 @@
       </p:sp>
       <p:sp>
         <p:nvSpPr>
-          <p:cNvPr id="533" name="Date Placeholder 3"/>
+          <p:cNvPr id="534" name="Date Placeholder 3"/>
           <p:cNvSpPr txBox="1"/>
           <p:nvPr/>
         </p:nvSpPr>
@@ -12084,7 +12093,7 @@
       </p:grpSpPr>
       <p:sp>
         <p:nvSpPr>
-          <p:cNvPr id="535" name="Network Topology Generator"/>
+          <p:cNvPr id="536" name="Network Topology Generator"/>
           <p:cNvSpPr txBox="1"/>
           <p:nvPr>
             <p:ph type="title"/>
@@ -12116,7 +12125,7 @@
       </p:sp>
       <p:sp>
         <p:nvSpPr>
-          <p:cNvPr id="536" name="Slide Number"/>
+          <p:cNvPr id="537" name="Slide Number"/>
           <p:cNvSpPr txBox="1"/>
           <p:nvPr>
             <p:ph type="sldNum" sz="quarter" idx="4294967295"/>
@@ -12147,7 +12156,7 @@
       </p:sp>
       <p:sp>
         <p:nvSpPr>
-          <p:cNvPr id="537" name="{…"/>
+          <p:cNvPr id="538" name="{…"/>
           <p:cNvSpPr txBox="1"/>
           <p:nvPr/>
         </p:nvSpPr>
@@ -12510,7 +12519,7 @@
       </p:sp>
       <p:sp>
         <p:nvSpPr>
-          <p:cNvPr id="538" name="&quot;connections&quot;: […"/>
+          <p:cNvPr id="539" name="&quot;connections&quot;: […"/>
           <p:cNvSpPr txBox="1"/>
           <p:nvPr/>
         </p:nvSpPr>
@@ -12913,7 +12922,7 @@
       </p:sp>
       <p:sp>
         <p:nvSpPr>
-          <p:cNvPr id="539" name="List of Peers and Network Characteristics"/>
+          <p:cNvPr id="540" name="List of Peers and Network Characteristics"/>
           <p:cNvSpPr txBox="1"/>
           <p:nvPr/>
         </p:nvSpPr>
@@ -12967,7 +12976,7 @@
       </p:sp>
       <p:pic>
         <p:nvPicPr>
-          <p:cNvPr id="540" name="136525.png" descr="136525.png"/>
+          <p:cNvPr id="541" name="136525.png" descr="136525.png"/>
           <p:cNvPicPr>
             <a:picLocks noChangeAspect="1"/>
           </p:cNvPicPr>
@@ -12996,7 +13005,7 @@
       </p:pic>
       <p:sp>
         <p:nvSpPr>
-          <p:cNvPr id="541" name="{…"/>
+          <p:cNvPr id="542" name="{…"/>
           <p:cNvSpPr txBox="1"/>
           <p:nvPr/>
         </p:nvSpPr>
@@ -13297,7 +13306,7 @@
       </p:sp>
       <p:sp>
         <p:nvSpPr>
-          <p:cNvPr id="542" name="Connection Between Peers"/>
+          <p:cNvPr id="543" name="Connection Between Peers"/>
           <p:cNvSpPr txBox="1"/>
           <p:nvPr/>
         </p:nvSpPr>
@@ -13351,7 +13360,7 @@
       </p:sp>
       <p:pic>
         <p:nvPicPr>
-          <p:cNvPr id="543" name="136525.png" descr="136525.png"/>
+          <p:cNvPr id="544" name="136525.png" descr="136525.png"/>
           <p:cNvPicPr>
             <a:picLocks noChangeAspect="1"/>
           </p:cNvPicPr>
@@ -13380,7 +13389,7 @@
       </p:pic>
       <p:sp>
         <p:nvSpPr>
-          <p:cNvPr id="544" name="Line"/>
+          <p:cNvPr id="545" name="Line"/>
           <p:cNvSpPr/>
           <p:nvPr/>
         </p:nvSpPr>
@@ -13410,7 +13419,7 @@
       </p:sp>
       <p:sp>
         <p:nvSpPr>
-          <p:cNvPr id="545" name="Date Placeholder 3"/>
+          <p:cNvPr id="546" name="Date Placeholder 3"/>
           <p:cNvSpPr txBox="1"/>
           <p:nvPr/>
         </p:nvSpPr>
@@ -13454,7 +13463,7 @@
       </p:sp>
       <p:sp>
         <p:nvSpPr>
-          <p:cNvPr id="546" name="Develop Java Program…"/>
+          <p:cNvPr id="547" name="Develop Java Program…"/>
           <p:cNvSpPr txBox="1"/>
           <p:nvPr>
             <p:ph type="body" sz="quarter" idx="1"/>
@@ -13518,7 +13527,7 @@
       </p:sp>
       <p:sp>
         <p:nvSpPr>
-          <p:cNvPr id="547" name="Develop Java Program…"/>
+          <p:cNvPr id="548" name="Develop Java Program…"/>
           <p:cNvSpPr txBox="1"/>
           <p:nvPr/>
         </p:nvSpPr>
@@ -13608,14 +13617,14 @@
       </p:sp>
       <p:sp>
         <p:nvSpPr>
-          <p:cNvPr id="548" name="Date Placeholder 3"/>
+          <p:cNvPr id="549" name="Date Placeholder 3"/>
           <p:cNvSpPr txBox="1"/>
           <p:nvPr/>
         </p:nvSpPr>
         <p:spPr>
           <a:xfrm>
-            <a:off x="4986596" y="6527800"/>
-            <a:ext cx="2380833" cy="225706"/>
+            <a:off x="4986596" y="6527799"/>
+            <a:ext cx="2380833" cy="225707"/>
           </a:xfrm>
           <a:prstGeom prst="rect">
             <a:avLst/>
@@ -13678,7 +13687,7 @@
       </p:grpSpPr>
       <p:sp>
         <p:nvSpPr>
-          <p:cNvPr id="550" name="Challenges"/>
+          <p:cNvPr id="551" name="Challenges"/>
           <p:cNvSpPr txBox="1"/>
           <p:nvPr>
             <p:ph type="title"/>
@@ -13702,7 +13711,7 @@
       </p:sp>
       <p:sp>
         <p:nvSpPr>
-          <p:cNvPr id="551" name="Finding Real Network Dataset…"/>
+          <p:cNvPr id="552" name="Finding Real Network Dataset…"/>
           <p:cNvSpPr txBox="1"/>
           <p:nvPr>
             <p:ph type="body" idx="1"/>
@@ -13800,7 +13809,7 @@
       </p:sp>
       <p:sp>
         <p:nvSpPr>
-          <p:cNvPr id="552" name="Date Placeholder 3"/>
+          <p:cNvPr id="553" name="Date Placeholder 3"/>
           <p:cNvSpPr txBox="1"/>
           <p:nvPr/>
         </p:nvSpPr>
@@ -13844,7 +13853,7 @@
       </p:sp>
       <p:sp>
         <p:nvSpPr>
-          <p:cNvPr id="553" name="Slide Number"/>
+          <p:cNvPr id="554" name="Slide Number"/>
           <p:cNvSpPr txBox="1"/>
           <p:nvPr>
             <p:ph type="sldNum" sz="quarter" idx="4294967295"/>
@@ -13871,14 +13880,14 @@
       </p:sp>
       <p:sp>
         <p:nvSpPr>
-          <p:cNvPr id="554" name="Date Placeholder 3"/>
+          <p:cNvPr id="555" name="Date Placeholder 3"/>
           <p:cNvSpPr txBox="1"/>
           <p:nvPr/>
         </p:nvSpPr>
         <p:spPr>
           <a:xfrm>
-            <a:off x="4986596" y="6527800"/>
-            <a:ext cx="2380833" cy="225706"/>
+            <a:off x="4986596" y="6527799"/>
+            <a:ext cx="2380833" cy="225707"/>
           </a:xfrm>
           <a:prstGeom prst="rect">
             <a:avLst/>
@@ -13941,7 +13950,7 @@
       </p:grpSpPr>
       <p:pic>
         <p:nvPicPr>
-          <p:cNvPr id="173" name="239207.png" descr="239207.png"/>
+          <p:cNvPr id="174" name="239207.png" descr="239207.png"/>
           <p:cNvPicPr>
             <a:picLocks noChangeAspect="1"/>
           </p:cNvPicPr>
@@ -13970,7 +13979,7 @@
       </p:pic>
       <p:pic>
         <p:nvPicPr>
-          <p:cNvPr id="174" name="Image" descr="Image"/>
+          <p:cNvPr id="175" name="Image" descr="Image"/>
           <p:cNvPicPr>
             <a:picLocks noChangeAspect="1"/>
           </p:cNvPicPr>
@@ -13999,7 +14008,7 @@
       </p:pic>
       <p:pic>
         <p:nvPicPr>
-          <p:cNvPr id="175" name="519151.png" descr="519151.png"/>
+          <p:cNvPr id="176" name="519151.png" descr="519151.png"/>
           <p:cNvPicPr>
             <a:picLocks noChangeAspect="1"/>
           </p:cNvPicPr>
@@ -14028,7 +14037,7 @@
       </p:pic>
       <p:pic>
         <p:nvPicPr>
-          <p:cNvPr id="176" name="binary-tree-flat-icon-image-vector-40350078.jpg" descr="binary-tree-flat-icon-image-vector-40350078.jpg"/>
+          <p:cNvPr id="177" name="binary-tree-flat-icon-image-vector-40350078.jpg" descr="binary-tree-flat-icon-image-vector-40350078.jpg"/>
           <p:cNvPicPr>
             <a:picLocks noChangeAspect="1"/>
           </p:cNvPicPr>
@@ -14057,7 +14066,7 @@
       </p:pic>
       <p:pic>
         <p:nvPicPr>
-          <p:cNvPr id="177" name="5968282.png" descr="5968282.png"/>
+          <p:cNvPr id="178" name="5968282.png" descr="5968282.png"/>
           <p:cNvPicPr>
             <a:picLocks noChangeAspect="1"/>
           </p:cNvPicPr>
@@ -14086,7 +14095,7 @@
       </p:pic>
       <p:pic>
         <p:nvPicPr>
-          <p:cNvPr id="178" name="136525.png" descr="136525.png"/>
+          <p:cNvPr id="179" name="136525.png" descr="136525.png"/>
           <p:cNvPicPr>
             <a:picLocks noChangeAspect="1"/>
           </p:cNvPicPr>
@@ -14115,7 +14124,7 @@
       </p:pic>
       <p:pic>
         <p:nvPicPr>
-          <p:cNvPr id="179" name="136525.png" descr="136525.png"/>
+          <p:cNvPr id="180" name="136525.png" descr="136525.png"/>
           <p:cNvPicPr>
             <a:picLocks noChangeAspect="1"/>
           </p:cNvPicPr>
@@ -14144,7 +14153,7 @@
       </p:pic>
       <p:sp>
         <p:nvSpPr>
-          <p:cNvPr id="180" name="Oval"/>
+          <p:cNvPr id="181" name="Oval"/>
           <p:cNvSpPr/>
           <p:nvPr/>
         </p:nvSpPr>
@@ -14175,7 +14184,7 @@
       </p:sp>
       <p:sp>
         <p:nvSpPr>
-          <p:cNvPr id="181" name="1"/>
+          <p:cNvPr id="182" name="1"/>
           <p:cNvSpPr txBox="1"/>
           <p:nvPr/>
         </p:nvSpPr>
@@ -14213,7 +14222,7 @@
       </p:sp>
       <p:sp>
         <p:nvSpPr>
-          <p:cNvPr id="182" name="Oval"/>
+          <p:cNvPr id="183" name="Oval"/>
           <p:cNvSpPr/>
           <p:nvPr/>
         </p:nvSpPr>
@@ -14244,7 +14253,7 @@
       </p:sp>
       <p:sp>
         <p:nvSpPr>
-          <p:cNvPr id="183" name="2"/>
+          <p:cNvPr id="184" name="2"/>
           <p:cNvSpPr txBox="1"/>
           <p:nvPr/>
         </p:nvSpPr>
@@ -14282,7 +14291,7 @@
       </p:sp>
       <p:sp>
         <p:nvSpPr>
-          <p:cNvPr id="184" name="Oval"/>
+          <p:cNvPr id="185" name="Oval"/>
           <p:cNvSpPr/>
           <p:nvPr/>
         </p:nvSpPr>
@@ -14313,7 +14322,7 @@
       </p:sp>
       <p:sp>
         <p:nvSpPr>
-          <p:cNvPr id="185" name="3"/>
+          <p:cNvPr id="186" name="3"/>
           <p:cNvSpPr txBox="1"/>
           <p:nvPr/>
         </p:nvSpPr>
@@ -14351,7 +14360,7 @@
       </p:sp>
       <p:sp>
         <p:nvSpPr>
-          <p:cNvPr id="186" name="Oval"/>
+          <p:cNvPr id="187" name="Oval"/>
           <p:cNvSpPr/>
           <p:nvPr/>
         </p:nvSpPr>
@@ -14382,7 +14391,7 @@
       </p:sp>
       <p:sp>
         <p:nvSpPr>
-          <p:cNvPr id="187" name="4"/>
+          <p:cNvPr id="188" name="4"/>
           <p:cNvSpPr txBox="1"/>
           <p:nvPr/>
         </p:nvSpPr>
@@ -14420,7 +14429,7 @@
       </p:sp>
       <p:sp>
         <p:nvSpPr>
-          <p:cNvPr id="188" name="Oval"/>
+          <p:cNvPr id="189" name="Oval"/>
           <p:cNvSpPr/>
           <p:nvPr/>
         </p:nvSpPr>
@@ -14451,7 +14460,7 @@
       </p:sp>
       <p:sp>
         <p:nvSpPr>
-          <p:cNvPr id="189" name="5"/>
+          <p:cNvPr id="190" name="5"/>
           <p:cNvSpPr txBox="1"/>
           <p:nvPr/>
         </p:nvSpPr>
@@ -14489,7 +14498,7 @@
       </p:sp>
       <p:sp>
         <p:nvSpPr>
-          <p:cNvPr id="190" name="Line"/>
+          <p:cNvPr id="191" name="Line"/>
           <p:cNvSpPr/>
           <p:nvPr/>
         </p:nvSpPr>
@@ -14518,7 +14527,7 @@
       </p:sp>
       <p:sp>
         <p:nvSpPr>
-          <p:cNvPr id="191" name="Line"/>
+          <p:cNvPr id="192" name="Line"/>
           <p:cNvSpPr/>
           <p:nvPr/>
         </p:nvSpPr>
@@ -14547,7 +14556,7 @@
       </p:sp>
       <p:sp>
         <p:nvSpPr>
-          <p:cNvPr id="192" name="Java…"/>
+          <p:cNvPr id="193" name="Java…"/>
           <p:cNvSpPr txBox="1"/>
           <p:nvPr/>
         </p:nvSpPr>
@@ -14587,7 +14596,7 @@
       </p:sp>
       <p:sp>
         <p:nvSpPr>
-          <p:cNvPr id="193" name="Java…"/>
+          <p:cNvPr id="194" name="Java…"/>
           <p:cNvSpPr txBox="1"/>
           <p:nvPr/>
         </p:nvSpPr>
@@ -14627,7 +14636,7 @@
       </p:sp>
       <p:sp>
         <p:nvSpPr>
-          <p:cNvPr id="194" name="Java…"/>
+          <p:cNvPr id="195" name="Java…"/>
           <p:cNvSpPr txBox="1"/>
           <p:nvPr/>
         </p:nvSpPr>
@@ -14667,7 +14676,7 @@
       </p:sp>
       <p:sp>
         <p:nvSpPr>
-          <p:cNvPr id="195" name="Java…"/>
+          <p:cNvPr id="196" name="Java…"/>
           <p:cNvSpPr txBox="1"/>
           <p:nvPr/>
         </p:nvSpPr>
@@ -14707,7 +14716,7 @@
       </p:sp>
       <p:sp>
         <p:nvSpPr>
-          <p:cNvPr id="196" name="Java…"/>
+          <p:cNvPr id="197" name="Java…"/>
           <p:cNvSpPr txBox="1"/>
           <p:nvPr/>
         </p:nvSpPr>
@@ -14747,7 +14756,7 @@
       </p:sp>
       <p:sp>
         <p:nvSpPr>
-          <p:cNvPr id="197" name="Java…"/>
+          <p:cNvPr id="198" name="Java…"/>
           <p:cNvSpPr txBox="1"/>
           <p:nvPr/>
         </p:nvSpPr>
@@ -14787,7 +14796,7 @@
       </p:sp>
       <p:sp>
         <p:nvSpPr>
-          <p:cNvPr id="198" name="Line"/>
+          <p:cNvPr id="199" name="Line"/>
           <p:cNvSpPr/>
           <p:nvPr/>
         </p:nvSpPr>
@@ -14816,7 +14825,7 @@
       </p:sp>
       <p:sp>
         <p:nvSpPr>
-          <p:cNvPr id="199" name="Line"/>
+          <p:cNvPr id="200" name="Line"/>
           <p:cNvSpPr/>
           <p:nvPr/>
         </p:nvSpPr>
@@ -14845,7 +14854,7 @@
       </p:sp>
       <p:sp>
         <p:nvSpPr>
-          <p:cNvPr id="200" name="Line"/>
+          <p:cNvPr id="201" name="Line"/>
           <p:cNvSpPr/>
           <p:nvPr/>
         </p:nvSpPr>
@@ -14874,7 +14883,7 @@
       </p:sp>
       <p:sp>
         <p:nvSpPr>
-          <p:cNvPr id="201" name="Initial Steps (Not Repeated) of the Testbed"/>
+          <p:cNvPr id="202" name="Initial Steps (Not Repeated) of the Testbed"/>
           <p:cNvSpPr txBox="1"/>
           <p:nvPr>
             <p:ph type="title"/>
@@ -14902,7 +14911,7 @@
       </p:sp>
       <p:sp>
         <p:nvSpPr>
-          <p:cNvPr id="202" name="Slide Number"/>
+          <p:cNvPr id="203" name="Slide Number"/>
           <p:cNvSpPr txBox="1"/>
           <p:nvPr>
             <p:ph type="sldNum" sz="quarter" idx="4294967295"/>
@@ -14933,7 +14942,7 @@
       </p:sp>
       <p:sp>
         <p:nvSpPr>
-          <p:cNvPr id="203" name="Date Placeholder 3"/>
+          <p:cNvPr id="204" name="Date Placeholder 3"/>
           <p:cNvSpPr txBox="1"/>
           <p:nvPr/>
         </p:nvSpPr>
@@ -14977,7 +14986,7 @@
       </p:sp>
       <p:sp>
         <p:nvSpPr>
-          <p:cNvPr id="204" name="Simulating real network data using normal distribution…"/>
+          <p:cNvPr id="205" name="Generating Real Network Data Using Normal Distribution…"/>
           <p:cNvSpPr txBox="1"/>
           <p:nvPr>
             <p:ph type="body" sz="half" idx="1"/>
@@ -15002,7 +15011,7 @@
               <a:buChar char="•"/>
             </a:pPr>
             <a:r>
-              <a:t>Simulating real network data using normal distribution</a:t>
+              <a:t>Generating Real Network Data Using Normal Distribution</a:t>
             </a:r>
           </a:p>
           <a:p>
@@ -15012,7 +15021,7 @@
               <a:buChar char="•"/>
             </a:pPr>
             <a:r>
-              <a:t>Generating mesh network topology by the testbed</a:t>
+              <a:t>Creating Mesh Network Topology by the Testbed</a:t>
             </a:r>
           </a:p>
           <a:p>
@@ -15042,21 +15051,21 @@
               <a:buChar char="•"/>
             </a:pPr>
             <a:r>
-              <a:t>Calculating optimized network topology by the P2P algorithm</a:t>
-            </a:r>
-          </a:p>
-        </p:txBody>
-      </p:sp>
-      <p:sp>
-        <p:nvSpPr>
-          <p:cNvPr id="205" name="Footer Placeholder 4"/>
+              <a:t>Calculating Optimized Network Topology by the P2P Algorithm</a:t>
+            </a:r>
+          </a:p>
+        </p:txBody>
+      </p:sp>
+      <p:sp>
+        <p:nvSpPr>
+          <p:cNvPr id="206" name="Date Placeholder 3"/>
           <p:cNvSpPr txBox="1"/>
           <p:nvPr/>
         </p:nvSpPr>
         <p:spPr>
           <a:xfrm>
-            <a:off x="3731905" y="6529495"/>
-            <a:ext cx="4731366" cy="225706"/>
+            <a:off x="4615589" y="6529495"/>
+            <a:ext cx="3122846" cy="225706"/>
           </a:xfrm>
           <a:prstGeom prst="rect">
             <a:avLst/>
@@ -15074,21 +15083,19 @@
           <a:bodyPr lIns="45718" tIns="45718" rIns="45718" bIns="45718" anchor="ctr">
             <a:spAutoFit/>
           </a:bodyPr>
-          <a:lstStyle/>
-          <a:p>
-            <a:pPr>
-              <a:defRPr b="1" cap="all" sz="1100">
+          <a:lstStyle>
+            <a:lvl1pPr algn="ctr">
+              <a:defRPr b="1" sz="1100" u="sng">
                 <a:solidFill>
                   <a:srgbClr val="FFFFFF"/>
                 </a:solidFill>
               </a:defRPr>
-            </a:pPr>
-            <a:r>
-              <a:t>                                                           </a:t>
-            </a:r>
-            <a:r>
-              <a:rPr u="sng"/>
-              <a:t>INITAL steps (not repeated) of the testbed</a:t>
+            </a:lvl1pPr>
+          </a:lstStyle>
+          <a:p>
+            <a:pPr/>
+            <a:r>
+              <a:t>INITIAL STEPS (NOT REPEATED) OF THE TESTBED</a:t>
             </a:r>
           </a:p>
         </p:txBody>
@@ -15132,7 +15139,7 @@
       </p:grpSpPr>
       <p:sp>
         <p:nvSpPr>
-          <p:cNvPr id="207" name="Collecting &amp; Analyzing Network Data"/>
+          <p:cNvPr id="208" name="Collecting &amp; Analyzing Network Data"/>
           <p:cNvSpPr txBox="1"/>
           <p:nvPr>
             <p:ph type="title"/>
@@ -15157,14 +15164,14 @@
           <a:p>
             <a:pPr/>
             <a:r>
-              <a:t>Simulating Real Network Data</a:t>
-            </a:r>
-          </a:p>
-        </p:txBody>
-      </p:sp>
-      <p:sp>
-        <p:nvSpPr>
-          <p:cNvPr id="208" name="Network Data Collection…"/>
+              <a:t>Generating Real Network Data</a:t>
+            </a:r>
+          </a:p>
+        </p:txBody>
+      </p:sp>
+      <p:sp>
+        <p:nvSpPr>
+          <p:cNvPr id="209" name="Network Data Collection…"/>
           <p:cNvSpPr txBox="1"/>
           <p:nvPr>
             <p:ph type="body" idx="1"/>
@@ -15189,7 +15196,7 @@
               <a:buChar char="•"/>
             </a:pPr>
             <a:r>
-              <a:t>Analyzing real network dataset</a:t>
+              <a:t>Analyzing Real Network Dataset</a:t>
             </a:r>
           </a:p>
           <a:p>
@@ -15229,7 +15236,7 @@
               <a:buChar char="•"/>
             </a:pPr>
             <a:r>
-              <a:t>Reading real network data from CSV file</a:t>
+              <a:t>Reading Real Network Data from CSV File</a:t>
             </a:r>
           </a:p>
           <a:p>
@@ -15239,7 +15246,7 @@
               <a:buChar char="•"/>
             </a:pPr>
             <a:r>
-              <a:t>Generating network data using normal distribution </a:t>
+              <a:t>Generating Network Data Using Normal Distribution </a:t>
             </a:r>
           </a:p>
           <a:p>
@@ -15256,7 +15263,7 @@
       </p:sp>
       <p:sp>
         <p:nvSpPr>
-          <p:cNvPr id="209" name="Slide Number"/>
+          <p:cNvPr id="210" name="Slide Number"/>
           <p:cNvSpPr txBox="1"/>
           <p:nvPr>
             <p:ph type="sldNum" sz="quarter" idx="4294967295"/>
@@ -15287,7 +15294,7 @@
       </p:sp>
       <p:graphicFrame>
         <p:nvGraphicFramePr>
-          <p:cNvPr id="210" name="Table"/>
+          <p:cNvPr id="211" name="Table"/>
           <p:cNvGraphicFramePr/>
           <p:nvPr/>
         </p:nvGraphicFramePr>
@@ -15516,7 +15523,7 @@
       </p:graphicFrame>
       <p:sp>
         <p:nvSpPr>
-          <p:cNvPr id="211" name="Date Placeholder 3"/>
+          <p:cNvPr id="212" name="Date Placeholder 3"/>
           <p:cNvSpPr txBox="1"/>
           <p:nvPr/>
         </p:nvSpPr>
@@ -15554,48 +15561,6 @@
             <a:pPr/>
             <a:r>
               <a:t>25.03.2024</a:t>
-            </a:r>
-          </a:p>
-        </p:txBody>
-      </p:sp>
-      <p:sp>
-        <p:nvSpPr>
-          <p:cNvPr id="212" name="Footer Placeholder 4"/>
-          <p:cNvSpPr txBox="1"/>
-          <p:nvPr/>
-        </p:nvSpPr>
-        <p:spPr>
-          <a:xfrm>
-            <a:off x="3731905" y="6529495"/>
-            <a:ext cx="4731366" cy="225706"/>
-          </a:xfrm>
-          <a:prstGeom prst="rect">
-            <a:avLst/>
-          </a:prstGeom>
-          <a:ln w="12700">
-            <a:miter lim="400000"/>
-          </a:ln>
-          <a:extLst>
-            <a:ext uri="{C572A759-6A51-4108-AA02-DFA0A04FC94B}">
-              <ma14:wrappingTextBoxFlag xmlns:ma14="http://schemas.microsoft.com/office/mac/drawingml/2011/main" val="1"/>
-            </a:ext>
-          </a:extLst>
-        </p:spPr>
-        <p:txBody>
-          <a:bodyPr lIns="45718" tIns="45718" rIns="45718" bIns="45718" anchor="ctr">
-            <a:spAutoFit/>
-          </a:bodyPr>
-          <a:lstStyle/>
-          <a:p>
-            <a:pPr lvl="4" indent="1828800" algn="ctr">
-              <a:defRPr b="1" cap="all" sz="1100" u="sng">
-                <a:solidFill>
-                  <a:srgbClr val="FFFFFF"/>
-                </a:solidFill>
-              </a:defRPr>
-            </a:pPr>
-            <a:r>
-              <a:t>Simulating real network data</a:t>
             </a:r>
           </a:p>
         </p:txBody>
@@ -15647,6 +15612,50 @@
             <a:pPr/>
             <a:r>
               <a:t>[1], [2]</a:t>
+            </a:r>
+          </a:p>
+        </p:txBody>
+      </p:sp>
+      <p:sp>
+        <p:nvSpPr>
+          <p:cNvPr id="214" name="Date Placeholder 3"/>
+          <p:cNvSpPr txBox="1"/>
+          <p:nvPr/>
+        </p:nvSpPr>
+        <p:spPr>
+          <a:xfrm>
+            <a:off x="4615589" y="6529495"/>
+            <a:ext cx="3122846" cy="225706"/>
+          </a:xfrm>
+          <a:prstGeom prst="rect">
+            <a:avLst/>
+          </a:prstGeom>
+          <a:ln w="12700">
+            <a:miter lim="400000"/>
+          </a:ln>
+          <a:extLst>
+            <a:ext uri="{C572A759-6A51-4108-AA02-DFA0A04FC94B}">
+              <ma14:wrappingTextBoxFlag xmlns:ma14="http://schemas.microsoft.com/office/mac/drawingml/2011/main" val="1"/>
+            </a:ext>
+          </a:extLst>
+        </p:spPr>
+        <p:txBody>
+          <a:bodyPr lIns="45718" tIns="45718" rIns="45718" bIns="45718" anchor="ctr">
+            <a:spAutoFit/>
+          </a:bodyPr>
+          <a:lstStyle>
+            <a:lvl1pPr algn="ctr">
+              <a:defRPr b="1" sz="1100" u="sng">
+                <a:solidFill>
+                  <a:srgbClr val="FFFFFF"/>
+                </a:solidFill>
+              </a:defRPr>
+            </a:lvl1pPr>
+          </a:lstStyle>
+          <a:p>
+            <a:pPr/>
+            <a:r>
+              <a:t>GENERATING REAL NETWORK DATA</a:t>
             </a:r>
           </a:p>
         </p:txBody>
@@ -15679,7 +15688,7 @@
       </p:grpSpPr>
       <p:sp>
         <p:nvSpPr>
-          <p:cNvPr id="215" name="Rounded Rectangle"/>
+          <p:cNvPr id="216" name="Rounded Rectangle"/>
           <p:cNvSpPr/>
           <p:nvPr/>
         </p:nvSpPr>
@@ -15713,7 +15722,7 @@
       </p:sp>
       <p:sp>
         <p:nvSpPr>
-          <p:cNvPr id="216" name="Square"/>
+          <p:cNvPr id="217" name="Square"/>
           <p:cNvSpPr/>
           <p:nvPr/>
         </p:nvSpPr>
@@ -15745,7 +15754,7 @@
       </p:sp>
       <p:sp>
         <p:nvSpPr>
-          <p:cNvPr id="217" name="Circle"/>
+          <p:cNvPr id="218" name="Circle"/>
           <p:cNvSpPr/>
           <p:nvPr/>
         </p:nvSpPr>
@@ -15776,7 +15785,7 @@
       </p:sp>
       <p:sp>
         <p:nvSpPr>
-          <p:cNvPr id="218" name="Shape"/>
+          <p:cNvPr id="219" name="Shape"/>
           <p:cNvSpPr/>
           <p:nvPr/>
         </p:nvSpPr>
@@ -15841,7 +15850,7 @@
       </p:sp>
       <p:sp>
         <p:nvSpPr>
-          <p:cNvPr id="219" name="Java…"/>
+          <p:cNvPr id="220" name="Java…"/>
           <p:cNvSpPr txBox="1"/>
           <p:nvPr/>
         </p:nvSpPr>
@@ -15881,7 +15890,7 @@
       </p:sp>
       <p:sp>
         <p:nvSpPr>
-          <p:cNvPr id="220" name="Java…"/>
+          <p:cNvPr id="221" name="Java…"/>
           <p:cNvSpPr txBox="1"/>
           <p:nvPr/>
         </p:nvSpPr>
@@ -15921,7 +15930,7 @@
       </p:sp>
       <p:sp>
         <p:nvSpPr>
-          <p:cNvPr id="221" name="Java…"/>
+          <p:cNvPr id="222" name="Java…"/>
           <p:cNvSpPr txBox="1"/>
           <p:nvPr/>
         </p:nvSpPr>
@@ -15961,7 +15970,7 @@
       </p:sp>
       <p:sp>
         <p:nvSpPr>
-          <p:cNvPr id="222" name="Java…"/>
+          <p:cNvPr id="223" name="Java…"/>
           <p:cNvSpPr txBox="1"/>
           <p:nvPr/>
         </p:nvSpPr>
@@ -16001,7 +16010,7 @@
       </p:sp>
       <p:pic>
         <p:nvPicPr>
-          <p:cNvPr id="223" name="473791.png" descr="473791.png"/>
+          <p:cNvPr id="224" name="473791.png" descr="473791.png"/>
           <p:cNvPicPr>
             <a:picLocks noChangeAspect="1"/>
           </p:cNvPicPr>
@@ -16030,7 +16039,7 @@
       </p:pic>
       <p:pic>
         <p:nvPicPr>
-          <p:cNvPr id="224" name="yaml-file-format-line-icon-free-vector.jpg" descr="yaml-file-format-line-icon-free-vector.jpg"/>
+          <p:cNvPr id="225" name="yaml-file-format-line-icon-free-vector.jpg" descr="yaml-file-format-line-icon-free-vector.jpg"/>
           <p:cNvPicPr>
             <a:picLocks noChangeAspect="1"/>
           </p:cNvPicPr>
@@ -16059,7 +16068,7 @@
       </p:pic>
       <p:pic>
         <p:nvPicPr>
-          <p:cNvPr id="225" name="1654914-200.png" descr="1654914-200.png"/>
+          <p:cNvPr id="226" name="1654914-200.png" descr="1654914-200.png"/>
           <p:cNvPicPr>
             <a:picLocks noChangeAspect="1"/>
           </p:cNvPicPr>
@@ -16088,7 +16097,7 @@
       </p:pic>
       <p:sp>
         <p:nvSpPr>
-          <p:cNvPr id="226" name="Java…"/>
+          <p:cNvPr id="227" name="Java…"/>
           <p:cNvSpPr txBox="1"/>
           <p:nvPr/>
         </p:nvSpPr>
@@ -16128,7 +16137,7 @@
       </p:sp>
       <p:pic>
         <p:nvPicPr>
-          <p:cNvPr id="227" name="images.png" descr="images.png"/>
+          <p:cNvPr id="228" name="images.png" descr="images.png"/>
           <p:cNvPicPr>
             <a:picLocks noChangeAspect="1"/>
           </p:cNvPicPr>
@@ -16157,7 +16166,7 @@
       </p:pic>
       <p:sp>
         <p:nvSpPr>
-          <p:cNvPr id="228" name="Oval"/>
+          <p:cNvPr id="229" name="Oval"/>
           <p:cNvSpPr/>
           <p:nvPr/>
         </p:nvSpPr>
@@ -16188,7 +16197,7 @@
       </p:sp>
       <p:sp>
         <p:nvSpPr>
-          <p:cNvPr id="229" name="1"/>
+          <p:cNvPr id="230" name="1"/>
           <p:cNvSpPr txBox="1"/>
           <p:nvPr/>
         </p:nvSpPr>
@@ -16226,7 +16235,7 @@
       </p:sp>
       <p:sp>
         <p:nvSpPr>
-          <p:cNvPr id="230" name="Oval"/>
+          <p:cNvPr id="231" name="Oval"/>
           <p:cNvSpPr/>
           <p:nvPr/>
         </p:nvSpPr>
@@ -16257,7 +16266,7 @@
       </p:sp>
       <p:sp>
         <p:nvSpPr>
-          <p:cNvPr id="231" name="4"/>
+          <p:cNvPr id="232" name="4"/>
           <p:cNvSpPr txBox="1"/>
           <p:nvPr/>
         </p:nvSpPr>
@@ -16295,7 +16304,7 @@
       </p:sp>
       <p:sp>
         <p:nvSpPr>
-          <p:cNvPr id="232" name="Oval"/>
+          <p:cNvPr id="233" name="Oval"/>
           <p:cNvSpPr/>
           <p:nvPr/>
         </p:nvSpPr>
@@ -16326,7 +16335,7 @@
       </p:sp>
       <p:sp>
         <p:nvSpPr>
-          <p:cNvPr id="233" name="5"/>
+          <p:cNvPr id="234" name="5"/>
           <p:cNvSpPr txBox="1"/>
           <p:nvPr/>
         </p:nvSpPr>
@@ -16366,7 +16375,7 @@
       </p:sp>
       <p:pic>
         <p:nvPicPr>
-          <p:cNvPr id="234" name="1351844-200.png" descr="1351844-200.png"/>
+          <p:cNvPr id="235" name="1351844-200.png" descr="1351844-200.png"/>
           <p:cNvPicPr>
             <a:picLocks noChangeAspect="1"/>
           </p:cNvPicPr>
@@ -16395,7 +16404,7 @@
       </p:pic>
       <p:sp>
         <p:nvSpPr>
-          <p:cNvPr id="235" name="Oval"/>
+          <p:cNvPr id="236" name="Oval"/>
           <p:cNvSpPr/>
           <p:nvPr/>
         </p:nvSpPr>
@@ -16426,7 +16435,7 @@
       </p:sp>
       <p:sp>
         <p:nvSpPr>
-          <p:cNvPr id="236" name="3"/>
+          <p:cNvPr id="237" name="3"/>
           <p:cNvSpPr txBox="1"/>
           <p:nvPr/>
         </p:nvSpPr>
@@ -16464,7 +16473,7 @@
       </p:sp>
       <p:pic>
         <p:nvPicPr>
-          <p:cNvPr id="237" name="239207.png" descr="239207.png"/>
+          <p:cNvPr id="238" name="239207.png" descr="239207.png"/>
           <p:cNvPicPr>
             <a:picLocks noChangeAspect="1"/>
           </p:cNvPicPr>
@@ -16493,7 +16502,7 @@
       </p:pic>
       <p:pic>
         <p:nvPicPr>
-          <p:cNvPr id="238" name="Unknown.png" descr="Unknown.png"/>
+          <p:cNvPr id="239" name="Unknown.png" descr="Unknown.png"/>
           <p:cNvPicPr>
             <a:picLocks noChangeAspect="1"/>
           </p:cNvPicPr>
@@ -16522,7 +16531,7 @@
       </p:pic>
       <p:sp>
         <p:nvSpPr>
-          <p:cNvPr id="239" name="Rounded Rectangle"/>
+          <p:cNvPr id="240" name="Rounded Rectangle"/>
           <p:cNvSpPr/>
           <p:nvPr/>
         </p:nvSpPr>
@@ -16555,7 +16564,7 @@
       </p:sp>
       <p:pic>
         <p:nvPicPr>
-          <p:cNvPr id="240" name="logo.png" descr="logo.png"/>
+          <p:cNvPr id="241" name="logo.png" descr="logo.png"/>
           <p:cNvPicPr>
             <a:picLocks noChangeAspect="1"/>
           </p:cNvPicPr>
@@ -16584,7 +16593,7 @@
       </p:pic>
       <p:pic>
         <p:nvPicPr>
-          <p:cNvPr id="241" name="Unknown.png" descr="Unknown.png"/>
+          <p:cNvPr id="242" name="Unknown.png" descr="Unknown.png"/>
           <p:cNvPicPr>
             <a:picLocks noChangeAspect="1"/>
           </p:cNvPicPr>
@@ -16613,7 +16622,7 @@
       </p:pic>
       <p:sp>
         <p:nvSpPr>
-          <p:cNvPr id="242" name="Square"/>
+          <p:cNvPr id="243" name="Square"/>
           <p:cNvSpPr/>
           <p:nvPr/>
         </p:nvSpPr>
@@ -16645,7 +16654,7 @@
       </p:sp>
       <p:sp>
         <p:nvSpPr>
-          <p:cNvPr id="243" name="Rounded Rectangle"/>
+          <p:cNvPr id="244" name="Rounded Rectangle"/>
           <p:cNvSpPr/>
           <p:nvPr/>
         </p:nvSpPr>
@@ -16679,7 +16688,7 @@
       </p:sp>
       <p:sp>
         <p:nvSpPr>
-          <p:cNvPr id="244" name="Square"/>
+          <p:cNvPr id="245" name="Square"/>
           <p:cNvSpPr/>
           <p:nvPr/>
         </p:nvSpPr>
@@ -16711,7 +16720,7 @@
       </p:sp>
       <p:sp>
         <p:nvSpPr>
-          <p:cNvPr id="245" name="Circle"/>
+          <p:cNvPr id="246" name="Circle"/>
           <p:cNvSpPr/>
           <p:nvPr/>
         </p:nvSpPr>
@@ -16742,7 +16751,7 @@
       </p:sp>
       <p:sp>
         <p:nvSpPr>
-          <p:cNvPr id="246" name="Circle"/>
+          <p:cNvPr id="247" name="Circle"/>
           <p:cNvSpPr/>
           <p:nvPr/>
         </p:nvSpPr>
@@ -16773,7 +16782,7 @@
       </p:sp>
       <p:sp>
         <p:nvSpPr>
-          <p:cNvPr id="247" name="Circle"/>
+          <p:cNvPr id="248" name="Circle"/>
           <p:cNvSpPr/>
           <p:nvPr/>
         </p:nvSpPr>
@@ -16804,7 +16813,7 @@
       </p:sp>
       <p:sp>
         <p:nvSpPr>
-          <p:cNvPr id="248" name="Circle"/>
+          <p:cNvPr id="249" name="Circle"/>
           <p:cNvSpPr/>
           <p:nvPr/>
         </p:nvSpPr>
@@ -16835,7 +16844,7 @@
       </p:sp>
       <p:sp>
         <p:nvSpPr>
-          <p:cNvPr id="249" name="Circle"/>
+          <p:cNvPr id="250" name="Circle"/>
           <p:cNvSpPr/>
           <p:nvPr/>
         </p:nvSpPr>
@@ -16866,7 +16875,7 @@
       </p:sp>
       <p:sp>
         <p:nvSpPr>
-          <p:cNvPr id="250" name="Circle"/>
+          <p:cNvPr id="251" name="Circle"/>
           <p:cNvSpPr/>
           <p:nvPr/>
         </p:nvSpPr>
@@ -16897,7 +16906,7 @@
       </p:sp>
       <p:sp>
         <p:nvSpPr>
-          <p:cNvPr id="251" name="Circle"/>
+          <p:cNvPr id="252" name="Circle"/>
           <p:cNvSpPr/>
           <p:nvPr/>
         </p:nvSpPr>
@@ -16928,7 +16937,7 @@
       </p:sp>
       <p:sp>
         <p:nvSpPr>
-          <p:cNvPr id="252" name="Circle"/>
+          <p:cNvPr id="253" name="Circle"/>
           <p:cNvSpPr/>
           <p:nvPr/>
         </p:nvSpPr>
@@ -16959,7 +16968,7 @@
       </p:sp>
       <p:sp>
         <p:nvSpPr>
-          <p:cNvPr id="253" name="Shape"/>
+          <p:cNvPr id="254" name="Shape"/>
           <p:cNvSpPr/>
           <p:nvPr/>
         </p:nvSpPr>
@@ -17024,10 +17033,10 @@
       </p:sp>
       <p:cxnSp>
         <p:nvCxnSpPr>
-          <p:cNvPr id="254" name="Connection Line"/>
+          <p:cNvPr id="255" name="Connection Line"/>
           <p:cNvCxnSpPr>
-            <a:stCxn id="243" idx="0"/>
-            <a:endCxn id="249" idx="0"/>
+            <a:stCxn id="244" idx="0"/>
+            <a:endCxn id="250" idx="0"/>
           </p:cNvCxnSpPr>
           <p:nvPr/>
         </p:nvCxnSpPr>
@@ -17035,30 +17044,6 @@
           <a:xfrm>
             <a:off x="6379625" y="3351819"/>
             <a:ext cx="288956" cy="611940"/>
-          </a:xfrm>
-          <a:prstGeom prst="straightConnector1">
-            <a:avLst/>
-          </a:prstGeom>
-          <a:ln w="12700">
-            <a:solidFill>
-              <a:schemeClr val="accent1"/>
-            </a:solidFill>
-          </a:ln>
-        </p:spPr>
-      </p:cxnSp>
-      <p:cxnSp>
-        <p:nvCxnSpPr>
-          <p:cNvPr id="255" name="Connection Line"/>
-          <p:cNvCxnSpPr>
-            <a:stCxn id="243" idx="0"/>
-            <a:endCxn id="250" idx="0"/>
-          </p:cNvCxnSpPr>
-          <p:nvPr/>
-        </p:nvCxnSpPr>
-        <p:spPr>
-          <a:xfrm>
-            <a:off x="6379625" y="3351819"/>
-            <a:ext cx="1296237" cy="609308"/>
           </a:xfrm>
           <a:prstGeom prst="straightConnector1">
             <a:avLst/>
@@ -17074,15 +17059,15 @@
         <p:nvCxnSpPr>
           <p:cNvPr id="256" name="Connection Line"/>
           <p:cNvCxnSpPr>
-            <a:stCxn id="251" idx="0"/>
-            <a:endCxn id="243" idx="0"/>
+            <a:stCxn id="244" idx="0"/>
+            <a:endCxn id="251" idx="0"/>
           </p:cNvCxnSpPr>
           <p:nvPr/>
         </p:nvCxnSpPr>
         <p:spPr>
-          <a:xfrm flipH="1" flipV="1">
+          <a:xfrm>
             <a:off x="6379625" y="3351819"/>
-            <a:ext cx="806804" cy="609308"/>
+            <a:ext cx="1296237" cy="609308"/>
           </a:xfrm>
           <a:prstGeom prst="straightConnector1">
             <a:avLst/>
@@ -17098,15 +17083,15 @@
         <p:nvCxnSpPr>
           <p:cNvPr id="257" name="Connection Line"/>
           <p:cNvCxnSpPr>
-            <a:stCxn id="243" idx="0"/>
-            <a:endCxn id="252" idx="0"/>
+            <a:stCxn id="252" idx="0"/>
+            <a:endCxn id="244" idx="0"/>
           </p:cNvCxnSpPr>
           <p:nvPr/>
         </p:nvCxnSpPr>
         <p:spPr>
-          <a:xfrm>
+          <a:xfrm flipH="1" flipV="1">
             <a:off x="6379625" y="3351819"/>
-            <a:ext cx="1830105" cy="611156"/>
+            <a:ext cx="806804" cy="609308"/>
           </a:xfrm>
           <a:prstGeom prst="straightConnector1">
             <a:avLst/>
@@ -17122,15 +17107,15 @@
         <p:nvCxnSpPr>
           <p:cNvPr id="258" name="Connection Line"/>
           <p:cNvCxnSpPr>
-            <a:stCxn id="243" idx="0"/>
-            <a:endCxn id="244" idx="0"/>
+            <a:stCxn id="244" idx="0"/>
+            <a:endCxn id="253" idx="0"/>
           </p:cNvCxnSpPr>
           <p:nvPr/>
         </p:nvCxnSpPr>
         <p:spPr>
-          <a:xfrm flipH="1">
-            <a:off x="4741905" y="3351819"/>
-            <a:ext cx="1637721" cy="611940"/>
+          <a:xfrm>
+            <a:off x="6379625" y="3351819"/>
+            <a:ext cx="1830105" cy="611156"/>
           </a:xfrm>
           <a:prstGeom prst="straightConnector1">
             <a:avLst/>
@@ -17146,15 +17131,15 @@
         <p:nvCxnSpPr>
           <p:cNvPr id="259" name="Connection Line"/>
           <p:cNvCxnSpPr>
-            <a:stCxn id="243" idx="0"/>
-            <a:endCxn id="242" idx="0"/>
+            <a:stCxn id="244" idx="0"/>
+            <a:endCxn id="245" idx="0"/>
           </p:cNvCxnSpPr>
           <p:nvPr/>
         </p:nvCxnSpPr>
         <p:spPr>
           <a:xfrm flipH="1">
-            <a:off x="5941909" y="3351819"/>
-            <a:ext cx="437717" cy="611940"/>
+            <a:off x="4741905" y="3351819"/>
+            <a:ext cx="1637721" cy="611940"/>
           </a:xfrm>
           <a:prstGeom prst="straightConnector1">
             <a:avLst/>
@@ -17170,15 +17155,15 @@
         <p:nvCxnSpPr>
           <p:cNvPr id="260" name="Connection Line"/>
           <p:cNvCxnSpPr>
-            <a:stCxn id="248" idx="0"/>
-            <a:endCxn id="242" idx="0"/>
+            <a:stCxn id="244" idx="0"/>
+            <a:endCxn id="243" idx="0"/>
           </p:cNvCxnSpPr>
           <p:nvPr/>
         </p:nvCxnSpPr>
         <p:spPr>
-          <a:xfrm flipV="1">
-            <a:off x="5620372" y="3963758"/>
-            <a:ext cx="321538" cy="693404"/>
+          <a:xfrm flipH="1">
+            <a:off x="5941909" y="3351819"/>
+            <a:ext cx="437717" cy="611940"/>
           </a:xfrm>
           <a:prstGeom prst="straightConnector1">
             <a:avLst/>
@@ -17194,15 +17179,15 @@
         <p:nvCxnSpPr>
           <p:cNvPr id="261" name="Connection Line"/>
           <p:cNvCxnSpPr>
-            <a:stCxn id="247" idx="0"/>
-            <a:endCxn id="244" idx="0"/>
+            <a:stCxn id="249" idx="0"/>
+            <a:endCxn id="243" idx="0"/>
           </p:cNvCxnSpPr>
           <p:nvPr/>
         </p:nvCxnSpPr>
         <p:spPr>
           <a:xfrm flipV="1">
-            <a:off x="3850477" y="3963758"/>
-            <a:ext cx="891429" cy="680941"/>
+            <a:off x="5620372" y="3963758"/>
+            <a:ext cx="321538" cy="693404"/>
           </a:xfrm>
           <a:prstGeom prst="straightConnector1">
             <a:avLst/>
@@ -17218,15 +17203,15 @@
         <p:nvCxnSpPr>
           <p:cNvPr id="262" name="Connection Line"/>
           <p:cNvCxnSpPr>
-            <a:stCxn id="246" idx="0"/>
-            <a:endCxn id="244" idx="0"/>
+            <a:stCxn id="248" idx="0"/>
+            <a:endCxn id="245" idx="0"/>
           </p:cNvCxnSpPr>
           <p:nvPr/>
         </p:nvCxnSpPr>
         <p:spPr>
           <a:xfrm flipV="1">
-            <a:off x="4293146" y="3963758"/>
-            <a:ext cx="448760" cy="695706"/>
+            <a:off x="3850477" y="3963758"/>
+            <a:ext cx="891429" cy="680941"/>
           </a:xfrm>
           <a:prstGeom prst="straightConnector1">
             <a:avLst/>
@@ -17242,15 +17227,15 @@
         <p:nvCxnSpPr>
           <p:cNvPr id="263" name="Connection Line"/>
           <p:cNvCxnSpPr>
-            <a:stCxn id="245" idx="0"/>
-            <a:endCxn id="244" idx="0"/>
+            <a:stCxn id="247" idx="0"/>
+            <a:endCxn id="245" idx="0"/>
           </p:cNvCxnSpPr>
           <p:nvPr/>
         </p:nvCxnSpPr>
         <p:spPr>
           <a:xfrm flipV="1">
-            <a:off x="4735816" y="3963758"/>
-            <a:ext cx="6090" cy="680941"/>
+            <a:off x="4293146" y="3963758"/>
+            <a:ext cx="448760" cy="695706"/>
           </a:xfrm>
           <a:prstGeom prst="straightConnector1">
             <a:avLst/>
@@ -17266,15 +17251,15 @@
         <p:nvCxnSpPr>
           <p:cNvPr id="264" name="Connection Line"/>
           <p:cNvCxnSpPr>
-            <a:stCxn id="253" idx="0"/>
-            <a:endCxn id="252" idx="0"/>
+            <a:stCxn id="246" idx="0"/>
+            <a:endCxn id="245" idx="0"/>
           </p:cNvCxnSpPr>
           <p:nvPr/>
         </p:nvCxnSpPr>
         <p:spPr>
           <a:xfrm flipV="1">
-            <a:off x="5839535" y="3962974"/>
-            <a:ext cx="2370195" cy="1559876"/>
+            <a:off x="4735816" y="3963758"/>
+            <a:ext cx="6090" cy="680941"/>
           </a:xfrm>
           <a:prstGeom prst="straightConnector1">
             <a:avLst/>
@@ -17290,15 +17275,15 @@
         <p:nvCxnSpPr>
           <p:cNvPr id="265" name="Connection Line"/>
           <p:cNvCxnSpPr>
-            <a:stCxn id="251" idx="0"/>
+            <a:stCxn id="254" idx="0"/>
             <a:endCxn id="253" idx="0"/>
           </p:cNvCxnSpPr>
           <p:nvPr/>
         </p:nvCxnSpPr>
         <p:spPr>
-          <a:xfrm flipH="1">
-            <a:off x="5839535" y="3961126"/>
-            <a:ext cx="1346894" cy="1561724"/>
+          <a:xfrm flipV="1">
+            <a:off x="5839535" y="3962974"/>
+            <a:ext cx="2370195" cy="1559876"/>
           </a:xfrm>
           <a:prstGeom prst="straightConnector1">
             <a:avLst/>
@@ -17314,15 +17299,15 @@
         <p:nvCxnSpPr>
           <p:cNvPr id="266" name="Connection Line"/>
           <p:cNvCxnSpPr>
-            <a:stCxn id="253" idx="0"/>
-            <a:endCxn id="250" idx="0"/>
+            <a:stCxn id="252" idx="0"/>
+            <a:endCxn id="254" idx="0"/>
           </p:cNvCxnSpPr>
           <p:nvPr/>
         </p:nvCxnSpPr>
         <p:spPr>
-          <a:xfrm flipV="1">
+          <a:xfrm flipH="1">
             <a:off x="5839535" y="3961126"/>
-            <a:ext cx="1836327" cy="1561724"/>
+            <a:ext cx="1346894" cy="1561724"/>
           </a:xfrm>
           <a:prstGeom prst="straightConnector1">
             <a:avLst/>
@@ -17338,15 +17323,15 @@
         <p:nvCxnSpPr>
           <p:cNvPr id="267" name="Connection Line"/>
           <p:cNvCxnSpPr>
-            <a:stCxn id="253" idx="0"/>
-            <a:endCxn id="249" idx="0"/>
+            <a:stCxn id="254" idx="0"/>
+            <a:endCxn id="251" idx="0"/>
           </p:cNvCxnSpPr>
           <p:nvPr/>
         </p:nvCxnSpPr>
         <p:spPr>
           <a:xfrm flipV="1">
-            <a:off x="5839535" y="3963758"/>
-            <a:ext cx="829046" cy="1559092"/>
+            <a:off x="5839535" y="3961126"/>
+            <a:ext cx="1836327" cy="1561724"/>
           </a:xfrm>
           <a:prstGeom prst="straightConnector1">
             <a:avLst/>
@@ -17362,15 +17347,15 @@
         <p:nvCxnSpPr>
           <p:cNvPr id="268" name="Connection Line"/>
           <p:cNvCxnSpPr>
-            <a:stCxn id="253" idx="0"/>
-            <a:endCxn id="243" idx="0"/>
+            <a:stCxn id="254" idx="0"/>
+            <a:endCxn id="250" idx="0"/>
           </p:cNvCxnSpPr>
           <p:nvPr/>
         </p:nvCxnSpPr>
         <p:spPr>
           <a:xfrm flipV="1">
-            <a:off x="5839535" y="3351819"/>
-            <a:ext cx="540091" cy="2171031"/>
+            <a:off x="5839535" y="3963758"/>
+            <a:ext cx="829046" cy="1559092"/>
           </a:xfrm>
           <a:prstGeom prst="straightConnector1">
             <a:avLst/>
@@ -17386,15 +17371,15 @@
         <p:nvCxnSpPr>
           <p:cNvPr id="269" name="Connection Line"/>
           <p:cNvCxnSpPr>
-            <a:stCxn id="245" idx="0"/>
-            <a:endCxn id="253" idx="0"/>
+            <a:stCxn id="254" idx="0"/>
+            <a:endCxn id="244" idx="0"/>
           </p:cNvCxnSpPr>
           <p:nvPr/>
         </p:nvCxnSpPr>
         <p:spPr>
-          <a:xfrm>
-            <a:off x="4735816" y="4644698"/>
-            <a:ext cx="1103720" cy="878152"/>
+          <a:xfrm flipV="1">
+            <a:off x="5839535" y="3351819"/>
+            <a:ext cx="540091" cy="2171031"/>
           </a:xfrm>
           <a:prstGeom prst="straightConnector1">
             <a:avLst/>
@@ -17410,15 +17395,15 @@
         <p:nvCxnSpPr>
           <p:cNvPr id="270" name="Connection Line"/>
           <p:cNvCxnSpPr>
-            <a:stCxn id="253" idx="0"/>
-            <a:endCxn id="246" idx="0"/>
+            <a:stCxn id="246" idx="0"/>
+            <a:endCxn id="254" idx="0"/>
           </p:cNvCxnSpPr>
           <p:nvPr/>
         </p:nvCxnSpPr>
         <p:spPr>
-          <a:xfrm flipH="1" flipV="1">
-            <a:off x="4293146" y="4659463"/>
-            <a:ext cx="1546390" cy="863387"/>
+          <a:xfrm>
+            <a:off x="4735816" y="4644698"/>
+            <a:ext cx="1103720" cy="878152"/>
           </a:xfrm>
           <a:prstGeom prst="straightConnector1">
             <a:avLst/>
@@ -17434,15 +17419,15 @@
         <p:nvCxnSpPr>
           <p:cNvPr id="271" name="Connection Line"/>
           <p:cNvCxnSpPr>
-            <a:stCxn id="247" idx="0"/>
-            <a:endCxn id="253" idx="0"/>
+            <a:stCxn id="254" idx="0"/>
+            <a:endCxn id="247" idx="0"/>
           </p:cNvCxnSpPr>
           <p:nvPr/>
         </p:nvCxnSpPr>
         <p:spPr>
-          <a:xfrm>
-            <a:off x="3850477" y="4644698"/>
-            <a:ext cx="1989059" cy="878152"/>
+          <a:xfrm flipH="1" flipV="1">
+            <a:off x="4293146" y="4659463"/>
+            <a:ext cx="1546390" cy="863387"/>
           </a:xfrm>
           <a:prstGeom prst="straightConnector1">
             <a:avLst/>
@@ -17458,15 +17443,15 @@
         <p:nvCxnSpPr>
           <p:cNvPr id="272" name="Connection Line"/>
           <p:cNvCxnSpPr>
-            <a:stCxn id="253" idx="0"/>
-            <a:endCxn id="248" idx="0"/>
+            <a:stCxn id="248" idx="0"/>
+            <a:endCxn id="254" idx="0"/>
           </p:cNvCxnSpPr>
           <p:nvPr/>
         </p:nvCxnSpPr>
         <p:spPr>
-          <a:xfrm flipH="1" flipV="1">
-            <a:off x="5620372" y="4657161"/>
-            <a:ext cx="219164" cy="865689"/>
+          <a:xfrm>
+            <a:off x="3850477" y="4644698"/>
+            <a:ext cx="1989059" cy="878152"/>
           </a:xfrm>
           <a:prstGeom prst="straightConnector1">
             <a:avLst/>
@@ -17482,15 +17467,15 @@
         <p:nvCxnSpPr>
           <p:cNvPr id="273" name="Connection Line"/>
           <p:cNvCxnSpPr>
-            <a:stCxn id="244" idx="0"/>
-            <a:endCxn id="253" idx="0"/>
+            <a:stCxn id="254" idx="0"/>
+            <a:endCxn id="249" idx="0"/>
           </p:cNvCxnSpPr>
           <p:nvPr/>
         </p:nvCxnSpPr>
         <p:spPr>
-          <a:xfrm>
-            <a:off x="4741905" y="3963758"/>
-            <a:ext cx="1097631" cy="1559092"/>
+          <a:xfrm flipH="1" flipV="1">
+            <a:off x="5620372" y="4657161"/>
+            <a:ext cx="219164" cy="865689"/>
           </a:xfrm>
           <a:prstGeom prst="straightConnector1">
             <a:avLst/>
@@ -17506,8 +17491,32 @@
         <p:nvCxnSpPr>
           <p:cNvPr id="274" name="Connection Line"/>
           <p:cNvCxnSpPr>
-            <a:stCxn id="242" idx="0"/>
-            <a:endCxn id="253" idx="0"/>
+            <a:stCxn id="245" idx="0"/>
+            <a:endCxn id="254" idx="0"/>
+          </p:cNvCxnSpPr>
+          <p:nvPr/>
+        </p:nvCxnSpPr>
+        <p:spPr>
+          <a:xfrm>
+            <a:off x="4741905" y="3963758"/>
+            <a:ext cx="1097631" cy="1559092"/>
+          </a:xfrm>
+          <a:prstGeom prst="straightConnector1">
+            <a:avLst/>
+          </a:prstGeom>
+          <a:ln w="12700">
+            <a:solidFill>
+              <a:schemeClr val="accent1"/>
+            </a:solidFill>
+          </a:ln>
+        </p:spPr>
+      </p:cxnSp>
+      <p:cxnSp>
+        <p:nvCxnSpPr>
+          <p:cNvPr id="275" name="Connection Line"/>
+          <p:cNvCxnSpPr>
+            <a:stCxn id="243" idx="0"/>
+            <a:endCxn id="254" idx="0"/>
           </p:cNvCxnSpPr>
           <p:nvPr/>
         </p:nvCxnSpPr>
@@ -17528,7 +17537,7 @@
       </p:cxnSp>
       <p:pic>
         <p:nvPicPr>
-          <p:cNvPr id="275" name="3621249.png" descr="3621249.png"/>
+          <p:cNvPr id="276" name="3621249.png" descr="3621249.png"/>
           <p:cNvPicPr>
             <a:picLocks noChangeAspect="1"/>
           </p:cNvPicPr>
@@ -17557,7 +17566,7 @@
       </p:pic>
       <p:sp>
         <p:nvSpPr>
-          <p:cNvPr id="276" name="Oval"/>
+          <p:cNvPr id="277" name="Oval"/>
           <p:cNvSpPr/>
           <p:nvPr/>
         </p:nvSpPr>
@@ -17588,7 +17597,7 @@
       </p:sp>
       <p:sp>
         <p:nvSpPr>
-          <p:cNvPr id="277" name="6"/>
+          <p:cNvPr id="278" name="6"/>
           <p:cNvSpPr txBox="1"/>
           <p:nvPr/>
         </p:nvSpPr>
@@ -17626,7 +17635,7 @@
       </p:sp>
       <p:sp>
         <p:nvSpPr>
-          <p:cNvPr id="278" name="Line"/>
+          <p:cNvPr id="279" name="Line"/>
           <p:cNvSpPr/>
           <p:nvPr/>
         </p:nvSpPr>
@@ -17659,7 +17668,7 @@
       </p:sp>
       <p:pic>
         <p:nvPicPr>
-          <p:cNvPr id="279" name="102642.png" descr="102642.png"/>
+          <p:cNvPr id="280" name="102642.png" descr="102642.png"/>
           <p:cNvPicPr>
             <a:picLocks noChangeAspect="1"/>
           </p:cNvPicPr>
@@ -17688,7 +17697,7 @@
       </p:pic>
       <p:pic>
         <p:nvPicPr>
-          <p:cNvPr id="280" name="239207.png" descr="239207.png"/>
+          <p:cNvPr id="281" name="239207.png" descr="239207.png"/>
           <p:cNvPicPr>
             <a:picLocks noChangeAspect="1"/>
           </p:cNvPicPr>
@@ -17717,7 +17726,7 @@
       </p:pic>
       <p:sp>
         <p:nvSpPr>
-          <p:cNvPr id="281" name="Oval"/>
+          <p:cNvPr id="282" name="Oval"/>
           <p:cNvSpPr/>
           <p:nvPr/>
         </p:nvSpPr>
@@ -17748,7 +17757,7 @@
       </p:sp>
       <p:sp>
         <p:nvSpPr>
-          <p:cNvPr id="282" name="2"/>
+          <p:cNvPr id="283" name="2"/>
           <p:cNvSpPr txBox="1"/>
           <p:nvPr/>
         </p:nvSpPr>
@@ -17786,7 +17795,7 @@
       </p:sp>
       <p:pic>
         <p:nvPicPr>
-          <p:cNvPr id="283" name="Screenshot 2024-01-21 at 16.09.34.png" descr="Screenshot 2024-01-21 at 16.09.34.png"/>
+          <p:cNvPr id="284" name="Screenshot 2024-01-21 at 16.09.34.png" descr="Screenshot 2024-01-21 at 16.09.34.png"/>
           <p:cNvPicPr>
             <a:picLocks noChangeAspect="1"/>
           </p:cNvPicPr>
@@ -17815,7 +17824,7 @@
       </p:pic>
       <p:sp>
         <p:nvSpPr>
-          <p:cNvPr id="284" name="Line"/>
+          <p:cNvPr id="285" name="Line"/>
           <p:cNvSpPr/>
           <p:nvPr/>
         </p:nvSpPr>
@@ -17844,7 +17853,7 @@
       </p:sp>
       <p:sp>
         <p:nvSpPr>
-          <p:cNvPr id="285" name="Java…"/>
+          <p:cNvPr id="286" name="Java…"/>
           <p:cNvSpPr txBox="1"/>
           <p:nvPr/>
         </p:nvSpPr>
@@ -17884,7 +17893,7 @@
       </p:sp>
       <p:sp>
         <p:nvSpPr>
-          <p:cNvPr id="286" name="Line"/>
+          <p:cNvPr id="287" name="Line"/>
           <p:cNvSpPr/>
           <p:nvPr/>
         </p:nvSpPr>
@@ -17917,7 +17926,7 @@
       </p:sp>
       <p:sp>
         <p:nvSpPr>
-          <p:cNvPr id="287" name="Java…"/>
+          <p:cNvPr id="288" name="Java…"/>
           <p:cNvSpPr txBox="1"/>
           <p:nvPr/>
         </p:nvSpPr>
@@ -17957,7 +17966,7 @@
       </p:sp>
       <p:sp>
         <p:nvSpPr>
-          <p:cNvPr id="288" name="Line"/>
+          <p:cNvPr id="289" name="Line"/>
           <p:cNvSpPr/>
           <p:nvPr/>
         </p:nvSpPr>
@@ -17990,7 +17999,7 @@
       </p:sp>
       <p:sp>
         <p:nvSpPr>
-          <p:cNvPr id="289" name="Line"/>
+          <p:cNvPr id="290" name="Line"/>
           <p:cNvSpPr/>
           <p:nvPr/>
         </p:nvSpPr>
@@ -18023,7 +18032,7 @@
       </p:sp>
       <p:sp>
         <p:nvSpPr>
-          <p:cNvPr id="290" name="Line"/>
+          <p:cNvPr id="291" name="Line"/>
           <p:cNvSpPr/>
           <p:nvPr/>
         </p:nvSpPr>
@@ -18052,7 +18061,7 @@
       </p:sp>
       <p:sp>
         <p:nvSpPr>
-          <p:cNvPr id="291" name="Java…"/>
+          <p:cNvPr id="292" name="Java…"/>
           <p:cNvSpPr txBox="1"/>
           <p:nvPr/>
         </p:nvSpPr>
@@ -18095,7 +18104,7 @@
       </p:sp>
       <p:sp>
         <p:nvSpPr>
-          <p:cNvPr id="292" name="Line"/>
+          <p:cNvPr id="293" name="Line"/>
           <p:cNvSpPr/>
           <p:nvPr/>
         </p:nvSpPr>
@@ -18128,7 +18137,7 @@
       </p:sp>
       <p:sp>
         <p:nvSpPr>
-          <p:cNvPr id="293" name="Line"/>
+          <p:cNvPr id="294" name="Line"/>
           <p:cNvSpPr/>
           <p:nvPr/>
         </p:nvSpPr>
@@ -18161,7 +18170,7 @@
       </p:sp>
       <p:sp>
         <p:nvSpPr>
-          <p:cNvPr id="294" name="Oval"/>
+          <p:cNvPr id="295" name="Oval"/>
           <p:cNvSpPr/>
           <p:nvPr/>
         </p:nvSpPr>
@@ -18192,7 +18201,7 @@
       </p:sp>
       <p:sp>
         <p:nvSpPr>
-          <p:cNvPr id="295" name="1"/>
+          <p:cNvPr id="296" name="1"/>
           <p:cNvSpPr txBox="1"/>
           <p:nvPr/>
         </p:nvSpPr>
@@ -18230,7 +18239,7 @@
       </p:sp>
       <p:sp>
         <p:nvSpPr>
-          <p:cNvPr id="296" name="Java…"/>
+          <p:cNvPr id="297" name="Java…"/>
           <p:cNvSpPr txBox="1"/>
           <p:nvPr/>
         </p:nvSpPr>
@@ -18270,7 +18279,7 @@
       </p:sp>
       <p:sp>
         <p:nvSpPr>
-          <p:cNvPr id="297" name="Java…"/>
+          <p:cNvPr id="298" name="Java…"/>
           <p:cNvSpPr txBox="1"/>
           <p:nvPr/>
         </p:nvSpPr>
@@ -18310,7 +18319,7 @@
       </p:sp>
       <p:sp>
         <p:nvSpPr>
-          <p:cNvPr id="298" name="Java…"/>
+          <p:cNvPr id="299" name="Java…"/>
           <p:cNvSpPr txBox="1"/>
           <p:nvPr/>
         </p:nvSpPr>
@@ -18350,7 +18359,7 @@
       </p:sp>
       <p:sp>
         <p:nvSpPr>
-          <p:cNvPr id="299" name="Java…"/>
+          <p:cNvPr id="300" name="Java…"/>
           <p:cNvSpPr txBox="1"/>
           <p:nvPr/>
         </p:nvSpPr>
@@ -18390,7 +18399,7 @@
       </p:sp>
       <p:sp>
         <p:nvSpPr>
-          <p:cNvPr id="300" name="Execution Steps (Repeated) of the Testbed"/>
+          <p:cNvPr id="301" name="Execution Steps (Repeated) of the Testbed"/>
           <p:cNvSpPr txBox="1"/>
           <p:nvPr>
             <p:ph type="title"/>
@@ -18418,7 +18427,7 @@
       </p:sp>
       <p:pic>
         <p:nvPicPr>
-          <p:cNvPr id="301" name="Unknown.png" descr="Unknown.png"/>
+          <p:cNvPr id="302" name="Unknown.png" descr="Unknown.png"/>
           <p:cNvPicPr>
             <a:picLocks noChangeAspect="1"/>
           </p:cNvPicPr>
@@ -18447,7 +18456,7 @@
       </p:pic>
       <p:sp>
         <p:nvSpPr>
-          <p:cNvPr id="302" name="Date Placeholder 3"/>
+          <p:cNvPr id="303" name="Date Placeholder 3"/>
           <p:cNvSpPr txBox="1"/>
           <p:nvPr/>
         </p:nvSpPr>
@@ -18491,21 +18500,20 @@
       </p:sp>
       <p:sp>
         <p:nvSpPr>
-          <p:cNvPr id="303" name="Footer Placeholder 4"/>
+          <p:cNvPr id="304" name="Slide Number"/>
           <p:cNvSpPr txBox="1"/>
-          <p:nvPr/>
-        </p:nvSpPr>
-        <p:spPr>
-          <a:xfrm>
-            <a:off x="3731905" y="6529495"/>
-            <a:ext cx="4731366" cy="225706"/>
-          </a:xfrm>
-          <a:prstGeom prst="rect">
-            <a:avLst/>
-          </a:prstGeom>
-          <a:ln w="12700">
-            <a:miter lim="400000"/>
-          </a:ln>
+          <p:nvPr>
+            <p:ph type="sldNum" sz="quarter" idx="4294967295"/>
+          </p:nvPr>
+        </p:nvSpPr>
+        <p:spPr>
+          <a:xfrm>
+            <a:off x="11037540" y="6529495"/>
+            <a:ext cx="174944" cy="225706"/>
+          </a:xfrm>
+          <a:prstGeom prst="rect">
+            <a:avLst/>
+          </a:prstGeom>
           <a:extLst>
             <a:ext uri="{C572A759-6A51-4108-AA02-DFA0A04FC94B}">
               <ma14:wrappingTextBoxFlag xmlns:ma14="http://schemas.microsoft.com/office/mac/drawingml/2011/main" val="1"/>
@@ -18513,40 +18521,31 @@
           </a:extLst>
         </p:spPr>
         <p:txBody>
-          <a:bodyPr lIns="45718" tIns="45718" rIns="45718" bIns="45718" anchor="ctr">
-            <a:spAutoFit/>
-          </a:bodyPr>
+          <a:bodyPr/>
           <a:lstStyle/>
           <a:p>
-            <a:pPr lvl="4" indent="1828800" algn="ctr">
-              <a:defRPr b="1" cap="all" sz="1100" u="sng">
-                <a:solidFill>
-                  <a:srgbClr val="FFFFFF"/>
-                </a:solidFill>
-              </a:defRPr>
-            </a:pPr>
-            <a:r>
-              <a:t>Execution Steps (Repeated) of the Testbed</a:t>
-            </a:r>
-          </a:p>
-        </p:txBody>
-      </p:sp>
-      <p:sp>
-        <p:nvSpPr>
-          <p:cNvPr id="304" name="Slide Number"/>
+            <a:pPr/>
+            <a:fld id="{86CB4B4D-7CA3-9044-876B-883B54F8677D}" type="slidenum"/>
+          </a:p>
+        </p:txBody>
+      </p:sp>
+      <p:sp>
+        <p:nvSpPr>
+          <p:cNvPr id="305" name="Date Placeholder 3"/>
           <p:cNvSpPr txBox="1"/>
-          <p:nvPr>
-            <p:ph type="sldNum" sz="quarter" idx="4294967295"/>
-          </p:nvPr>
-        </p:nvSpPr>
-        <p:spPr>
-          <a:xfrm>
-            <a:off x="11037540" y="6529495"/>
-            <a:ext cx="174944" cy="225706"/>
-          </a:xfrm>
-          <a:prstGeom prst="rect">
-            <a:avLst/>
-          </a:prstGeom>
+          <p:nvPr/>
+        </p:nvSpPr>
+        <p:spPr>
+          <a:xfrm>
+            <a:off x="4615589" y="6529495"/>
+            <a:ext cx="3122846" cy="225706"/>
+          </a:xfrm>
+          <a:prstGeom prst="rect">
+            <a:avLst/>
+          </a:prstGeom>
+          <a:ln w="12700">
+            <a:miter lim="400000"/>
+          </a:ln>
           <a:extLst>
             <a:ext uri="{C572A759-6A51-4108-AA02-DFA0A04FC94B}">
               <ma14:wrappingTextBoxFlag xmlns:ma14="http://schemas.microsoft.com/office/mac/drawingml/2011/main" val="1"/>
@@ -18554,11 +18553,23 @@
           </a:extLst>
         </p:spPr>
         <p:txBody>
-          <a:bodyPr/>
-          <a:lstStyle/>
-          <a:p>
-            <a:pPr/>
-            <a:fld id="{86CB4B4D-7CA3-9044-876B-883B54F8677D}" type="slidenum"/>
+          <a:bodyPr lIns="45718" tIns="45718" rIns="45718" bIns="45718" anchor="ctr">
+            <a:spAutoFit/>
+          </a:bodyPr>
+          <a:lstStyle>
+            <a:lvl1pPr algn="ctr">
+              <a:defRPr b="1" sz="1100" u="sng">
+                <a:solidFill>
+                  <a:srgbClr val="FFFFFF"/>
+                </a:solidFill>
+              </a:defRPr>
+            </a:lvl1pPr>
+          </a:lstStyle>
+          <a:p>
+            <a:pPr/>
+            <a:r>
+              <a:t>EXECUTION STEPS (REPEATED) OF THE TESTBED</a:t>
+            </a:r>
           </a:p>
         </p:txBody>
       </p:sp>
@@ -18590,7 +18601,7 @@
       </p:grpSpPr>
       <p:sp>
         <p:nvSpPr>
-          <p:cNvPr id="306" name="Management of Container-Testbed Environment"/>
+          <p:cNvPr id="307" name="Management of Container-Testbed Environment"/>
           <p:cNvSpPr txBox="1"/>
           <p:nvPr>
             <p:ph type="title"/>
@@ -18620,7 +18631,7 @@
       </p:sp>
       <p:sp>
         <p:nvSpPr>
-          <p:cNvPr id="307" name="Create and Deploy Applications Faster and More Securely…"/>
+          <p:cNvPr id="308" name="Create and Deploy Applications Faster and More Securely…"/>
           <p:cNvSpPr txBox="1"/>
           <p:nvPr>
             <p:ph type="body" idx="1"/>
@@ -18747,7 +18758,7 @@
       </p:sp>
       <p:sp>
         <p:nvSpPr>
-          <p:cNvPr id="308" name="Slide Number"/>
+          <p:cNvPr id="309" name="Slide Number"/>
           <p:cNvSpPr txBox="1"/>
           <p:nvPr>
             <p:ph type="sldNum" sz="quarter" idx="4294967295"/>
@@ -18773,48 +18784,6 @@
           <a:p>
             <a:pPr/>
             <a:fld id="{86CB4B4D-7CA3-9044-876B-883B54F8677D}" type="slidenum"/>
-          </a:p>
-        </p:txBody>
-      </p:sp>
-      <p:sp>
-        <p:nvSpPr>
-          <p:cNvPr id="309" name="Footer Placeholder 4"/>
-          <p:cNvSpPr txBox="1"/>
-          <p:nvPr/>
-        </p:nvSpPr>
-        <p:spPr>
-          <a:xfrm>
-            <a:off x="3731905" y="6529495"/>
-            <a:ext cx="5417365" cy="225706"/>
-          </a:xfrm>
-          <a:prstGeom prst="rect">
-            <a:avLst/>
-          </a:prstGeom>
-          <a:ln w="12700">
-            <a:miter lim="400000"/>
-          </a:ln>
-          <a:extLst>
-            <a:ext uri="{C572A759-6A51-4108-AA02-DFA0A04FC94B}">
-              <ma14:wrappingTextBoxFlag xmlns:ma14="http://schemas.microsoft.com/office/mac/drawingml/2011/main" val="1"/>
-            </a:ext>
-          </a:extLst>
-        </p:spPr>
-        <p:txBody>
-          <a:bodyPr lIns="45718" tIns="45718" rIns="45718" bIns="45718" anchor="ctr">
-            <a:spAutoFit/>
-          </a:bodyPr>
-          <a:lstStyle/>
-          <a:p>
-            <a:pPr lvl="4" indent="1828800" algn="ctr">
-              <a:defRPr b="1" cap="all" sz="1100" u="sng">
-                <a:solidFill>
-                  <a:srgbClr val="FFFFFF"/>
-                </a:solidFill>
-              </a:defRPr>
-            </a:pPr>
-            <a:r>
-              <a:t>Container-Based Testbed Environment</a:t>
-            </a:r>
           </a:p>
         </p:txBody>
       </p:sp>
@@ -19477,6 +19446,50 @@
           </a:ln>
         </p:spPr>
       </p:pic>
+      <p:sp>
+        <p:nvSpPr>
+          <p:cNvPr id="316" name="Date Placeholder 3"/>
+          <p:cNvSpPr txBox="1"/>
+          <p:nvPr/>
+        </p:nvSpPr>
+        <p:spPr>
+          <a:xfrm>
+            <a:off x="4615589" y="6529495"/>
+            <a:ext cx="3122846" cy="225706"/>
+          </a:xfrm>
+          <a:prstGeom prst="rect">
+            <a:avLst/>
+          </a:prstGeom>
+          <a:ln w="12700">
+            <a:miter lim="400000"/>
+          </a:ln>
+          <a:extLst>
+            <a:ext uri="{C572A759-6A51-4108-AA02-DFA0A04FC94B}">
+              <ma14:wrappingTextBoxFlag xmlns:ma14="http://schemas.microsoft.com/office/mac/drawingml/2011/main" val="1"/>
+            </a:ext>
+          </a:extLst>
+        </p:spPr>
+        <p:txBody>
+          <a:bodyPr lIns="45718" tIns="45718" rIns="45718" bIns="45718" anchor="ctr">
+            <a:spAutoFit/>
+          </a:bodyPr>
+          <a:lstStyle>
+            <a:lvl1pPr algn="ctr">
+              <a:defRPr b="1" sz="1100" u="sng">
+                <a:solidFill>
+                  <a:srgbClr val="FFFFFF"/>
+                </a:solidFill>
+              </a:defRPr>
+            </a:lvl1pPr>
+          </a:lstStyle>
+          <a:p>
+            <a:pPr/>
+            <a:r>
+              <a:t>CONTAINER-BASED TESTBED ENVIRONMENT</a:t>
+            </a:r>
+          </a:p>
+        </p:txBody>
+      </p:sp>
     </p:spTree>
   </p:cSld>
   <p:clrMapOvr>
@@ -19505,7 +19518,7 @@
       </p:grpSpPr>
       <p:sp>
         <p:nvSpPr>
-          <p:cNvPr id="317" name="Configuring the Components of the P2P Algorithm"/>
+          <p:cNvPr id="318" name="Configuring the Components of the P2P Algorithm"/>
           <p:cNvSpPr txBox="1"/>
           <p:nvPr>
             <p:ph type="title"/>
@@ -19533,7 +19546,7 @@
       </p:sp>
       <p:sp>
         <p:nvSpPr>
-          <p:cNvPr id="318" name="Slide Number"/>
+          <p:cNvPr id="319" name="Slide Number"/>
           <p:cNvSpPr txBox="1"/>
           <p:nvPr>
             <p:ph type="sldNum" sz="quarter" idx="4294967295"/>
@@ -19564,7 +19577,7 @@
       </p:sp>
       <p:sp>
         <p:nvSpPr>
-          <p:cNvPr id="319" name="Date Placeholder 3"/>
+          <p:cNvPr id="320" name="Date Placeholder 3"/>
           <p:cNvSpPr txBox="1"/>
           <p:nvPr/>
         </p:nvSpPr>
@@ -19602,48 +19615,6 @@
             <a:pPr/>
             <a:r>
               <a:t>25.03.2024</a:t>
-            </a:r>
-          </a:p>
-        </p:txBody>
-      </p:sp>
-      <p:sp>
-        <p:nvSpPr>
-          <p:cNvPr id="320" name="Footer Placeholder 4"/>
-          <p:cNvSpPr txBox="1"/>
-          <p:nvPr/>
-        </p:nvSpPr>
-        <p:spPr>
-          <a:xfrm>
-            <a:off x="3731905" y="6529495"/>
-            <a:ext cx="5405736" cy="225706"/>
-          </a:xfrm>
-          <a:prstGeom prst="rect">
-            <a:avLst/>
-          </a:prstGeom>
-          <a:ln w="12700">
-            <a:miter lim="400000"/>
-          </a:ln>
-          <a:extLst>
-            <a:ext uri="{C572A759-6A51-4108-AA02-DFA0A04FC94B}">
-              <ma14:wrappingTextBoxFlag xmlns:ma14="http://schemas.microsoft.com/office/mac/drawingml/2011/main" val="1"/>
-            </a:ext>
-          </a:extLst>
-        </p:spPr>
-        <p:txBody>
-          <a:bodyPr lIns="45718" tIns="45718" rIns="45718" bIns="45718" anchor="ctr">
-            <a:spAutoFit/>
-          </a:bodyPr>
-          <a:lstStyle/>
-          <a:p>
-            <a:pPr lvl="4" indent="1828800">
-              <a:defRPr b="1" cap="all" sz="1100" u="sng">
-                <a:solidFill>
-                  <a:srgbClr val="FFFFFF"/>
-                </a:solidFill>
-              </a:defRPr>
-            </a:pPr>
-            <a:r>
-              <a:t>Configuring the components of the p2p algorithm</a:t>
             </a:r>
           </a:p>
         </p:txBody>
@@ -21938,6 +21909,50 @@
           </a:p>
         </p:txBody>
       </p:sp>
+      <p:sp>
+        <p:nvSpPr>
+          <p:cNvPr id="366" name="Date Placeholder 3"/>
+          <p:cNvSpPr txBox="1"/>
+          <p:nvPr/>
+        </p:nvSpPr>
+        <p:spPr>
+          <a:xfrm>
+            <a:off x="4323679" y="6536325"/>
+            <a:ext cx="3605603" cy="225707"/>
+          </a:xfrm>
+          <a:prstGeom prst="rect">
+            <a:avLst/>
+          </a:prstGeom>
+          <a:ln w="12700">
+            <a:miter lim="400000"/>
+          </a:ln>
+          <a:extLst>
+            <a:ext uri="{C572A759-6A51-4108-AA02-DFA0A04FC94B}">
+              <ma14:wrappingTextBoxFlag xmlns:ma14="http://schemas.microsoft.com/office/mac/drawingml/2011/main" val="1"/>
+            </a:ext>
+          </a:extLst>
+        </p:spPr>
+        <p:txBody>
+          <a:bodyPr lIns="45718" tIns="45718" rIns="45718" bIns="45718" anchor="ctr">
+            <a:spAutoFit/>
+          </a:bodyPr>
+          <a:lstStyle>
+            <a:lvl1pPr algn="ctr">
+              <a:defRPr b="1" sz="1100" u="sng">
+                <a:solidFill>
+                  <a:srgbClr val="FFFFFF"/>
+                </a:solidFill>
+              </a:defRPr>
+            </a:lvl1pPr>
+          </a:lstStyle>
+          <a:p>
+            <a:pPr/>
+            <a:r>
+              <a:t>CONFIGURING THE COMPONENTS OF THE P2P ALGORITHM</a:t>
+            </a:r>
+          </a:p>
+        </p:txBody>
+      </p:sp>
     </p:spTree>
   </p:cSld>
   <p:clrMapOvr>
@@ -21966,7 +21981,7 @@
       </p:grpSpPr>
       <p:sp>
         <p:nvSpPr>
-          <p:cNvPr id="367" name="Network Topology Configuration &amp; Verifying"/>
+          <p:cNvPr id="368" name="Network Topology Configuration &amp; Verifying"/>
           <p:cNvSpPr txBox="1"/>
           <p:nvPr>
             <p:ph type="title"/>
@@ -21998,7 +22013,7 @@
       </p:sp>
       <p:sp>
         <p:nvSpPr>
-          <p:cNvPr id="368" name="Slide Number"/>
+          <p:cNvPr id="369" name="Slide Number"/>
           <p:cNvSpPr txBox="1"/>
           <p:nvPr>
             <p:ph type="sldNum" sz="quarter" idx="4294967295"/>
@@ -22024,48 +22039,6 @@
           <a:p>
             <a:pPr/>
             <a:fld id="{86CB4B4D-7CA3-9044-876B-883B54F8677D}" type="slidenum"/>
-          </a:p>
-        </p:txBody>
-      </p:sp>
-      <p:sp>
-        <p:nvSpPr>
-          <p:cNvPr id="369" name="Footer Placeholder 4"/>
-          <p:cNvSpPr txBox="1"/>
-          <p:nvPr/>
-        </p:nvSpPr>
-        <p:spPr>
-          <a:xfrm>
-            <a:off x="3731905" y="6529495"/>
-            <a:ext cx="5863819" cy="225706"/>
-          </a:xfrm>
-          <a:prstGeom prst="rect">
-            <a:avLst/>
-          </a:prstGeom>
-          <a:ln w="12700">
-            <a:miter lim="400000"/>
-          </a:ln>
-          <a:extLst>
-            <a:ext uri="{C572A759-6A51-4108-AA02-DFA0A04FC94B}">
-              <ma14:wrappingTextBoxFlag xmlns:ma14="http://schemas.microsoft.com/office/mac/drawingml/2011/main" val="1"/>
-            </a:ext>
-          </a:extLst>
-        </p:spPr>
-        <p:txBody>
-          <a:bodyPr lIns="45718" tIns="45718" rIns="45718" bIns="45718" anchor="ctr">
-            <a:spAutoFit/>
-          </a:bodyPr>
-          <a:lstStyle/>
-          <a:p>
-            <a:pPr lvl="4" indent="1828800" algn="ctr">
-              <a:defRPr b="1" cap="all" sz="1100" u="sng">
-                <a:solidFill>
-                  <a:srgbClr val="FFFFFF"/>
-                </a:solidFill>
-              </a:defRPr>
-            </a:pPr>
-            <a:r>
-              <a:t>Configuring and Verifying the network characteristics</a:t>
-            </a:r>
           </a:p>
         </p:txBody>
       </p:sp>
@@ -23136,6 +23109,50 @@
           </a:p>
         </p:txBody>
       </p:sp>
+      <p:sp>
+        <p:nvSpPr>
+          <p:cNvPr id="394" name="Date Placeholder 3"/>
+          <p:cNvSpPr txBox="1"/>
+          <p:nvPr/>
+        </p:nvSpPr>
+        <p:spPr>
+          <a:xfrm>
+            <a:off x="4249135" y="6529494"/>
+            <a:ext cx="3855754" cy="225707"/>
+          </a:xfrm>
+          <a:prstGeom prst="rect">
+            <a:avLst/>
+          </a:prstGeom>
+          <a:ln w="12700">
+            <a:miter lim="400000"/>
+          </a:ln>
+          <a:extLst>
+            <a:ext uri="{C572A759-6A51-4108-AA02-DFA0A04FC94B}">
+              <ma14:wrappingTextBoxFlag xmlns:ma14="http://schemas.microsoft.com/office/mac/drawingml/2011/main" val="1"/>
+            </a:ext>
+          </a:extLst>
+        </p:spPr>
+        <p:txBody>
+          <a:bodyPr lIns="45718" tIns="45718" rIns="45718" bIns="45718" anchor="ctr">
+            <a:spAutoFit/>
+          </a:bodyPr>
+          <a:lstStyle>
+            <a:lvl1pPr algn="ctr">
+              <a:defRPr b="1" sz="1100" u="sng">
+                <a:solidFill>
+                  <a:srgbClr val="FFFFFF"/>
+                </a:solidFill>
+              </a:defRPr>
+            </a:lvl1pPr>
+          </a:lstStyle>
+          <a:p>
+            <a:pPr/>
+            <a:r>
+              <a:t>CONFIGURING AND VERIFYING THE NETWORK CHARACTERISTICS</a:t>
+            </a:r>
+          </a:p>
+        </p:txBody>
+      </p:sp>
     </p:spTree>
   </p:cSld>
   <p:clrMapOvr>
@@ -23164,7 +23181,7 @@
       </p:grpSpPr>
       <p:pic>
         <p:nvPicPr>
-          <p:cNvPr id="395" name="sequenzediagram.jp2" descr="sequenzediagram.jp2"/>
+          <p:cNvPr id="396" name="sequenzediagram.jp2" descr="sequenzediagram.jp2"/>
           <p:cNvPicPr>
             <a:picLocks noChangeAspect="1"/>
           </p:cNvPicPr>
@@ -23193,7 +23210,7 @@
       </p:pic>
       <p:sp>
         <p:nvSpPr>
-          <p:cNvPr id="396" name="Date Placeholder 3"/>
+          <p:cNvPr id="397" name="Date Placeholder 3"/>
           <p:cNvSpPr txBox="1"/>
           <p:nvPr/>
         </p:nvSpPr>
@@ -23237,7 +23254,7 @@
       </p:sp>
       <p:sp>
         <p:nvSpPr>
-          <p:cNvPr id="397" name="Slide Number"/>
+          <p:cNvPr id="398" name="Slide Number"/>
           <p:cNvSpPr txBox="1"/>
           <p:nvPr>
             <p:ph type="sldNum" sz="quarter" idx="4294967295"/>
@@ -23263,48 +23280,6 @@
           <a:p>
             <a:pPr/>
             <a:fld id="{86CB4B4D-7CA3-9044-876B-883B54F8677D}" type="slidenum"/>
-          </a:p>
-        </p:txBody>
-      </p:sp>
-      <p:sp>
-        <p:nvSpPr>
-          <p:cNvPr id="398" name="Footer Placeholder 4"/>
-          <p:cNvSpPr txBox="1"/>
-          <p:nvPr/>
-        </p:nvSpPr>
-        <p:spPr>
-          <a:xfrm>
-            <a:off x="3731905" y="6529495"/>
-            <a:ext cx="5152649" cy="225706"/>
-          </a:xfrm>
-          <a:prstGeom prst="rect">
-            <a:avLst/>
-          </a:prstGeom>
-          <a:ln w="12700">
-            <a:miter lim="400000"/>
-          </a:ln>
-          <a:extLst>
-            <a:ext uri="{C572A759-6A51-4108-AA02-DFA0A04FC94B}">
-              <ma14:wrappingTextBoxFlag xmlns:ma14="http://schemas.microsoft.com/office/mac/drawingml/2011/main" val="1"/>
-            </a:ext>
-          </a:extLst>
-        </p:spPr>
-        <p:txBody>
-          <a:bodyPr lIns="45718" tIns="45718" rIns="45718" bIns="45718" anchor="ctr">
-            <a:spAutoFit/>
-          </a:bodyPr>
-          <a:lstStyle/>
-          <a:p>
-            <a:pPr lvl="4" indent="1828800" algn="ctr">
-              <a:defRPr b="1" cap="all" sz="1100" u="sng">
-                <a:solidFill>
-                  <a:srgbClr val="FFFFFF"/>
-                </a:solidFill>
-              </a:defRPr>
-            </a:pPr>
-            <a:r>
-              <a:t>Communication and Data transfer Processes</a:t>
-            </a:r>
           </a:p>
         </p:txBody>
       </p:sp>
@@ -23573,6 +23548,50 @@
             <a:pPr/>
             <a:r>
               <a:t>Connection and Communication Strategy</a:t>
+            </a:r>
+          </a:p>
+        </p:txBody>
+      </p:sp>
+      <p:sp>
+        <p:nvSpPr>
+          <p:cNvPr id="402" name="Date Placeholder 3"/>
+          <p:cNvSpPr txBox="1"/>
+          <p:nvPr/>
+        </p:nvSpPr>
+        <p:spPr>
+          <a:xfrm>
+            <a:off x="4615589" y="6529495"/>
+            <a:ext cx="3122846" cy="225706"/>
+          </a:xfrm>
+          <a:prstGeom prst="rect">
+            <a:avLst/>
+          </a:prstGeom>
+          <a:ln w="12700">
+            <a:miter lim="400000"/>
+          </a:ln>
+          <a:extLst>
+            <a:ext uri="{C572A759-6A51-4108-AA02-DFA0A04FC94B}">
+              <ma14:wrappingTextBoxFlag xmlns:ma14="http://schemas.microsoft.com/office/mac/drawingml/2011/main" val="1"/>
+            </a:ext>
+          </a:extLst>
+        </p:spPr>
+        <p:txBody>
+          <a:bodyPr lIns="45718" tIns="45718" rIns="45718" bIns="45718" anchor="ctr">
+            <a:spAutoFit/>
+          </a:bodyPr>
+          <a:lstStyle>
+            <a:lvl1pPr algn="ctr">
+              <a:defRPr b="1" sz="1100" u="sng">
+                <a:solidFill>
+                  <a:srgbClr val="FFFFFF"/>
+                </a:solidFill>
+              </a:defRPr>
+            </a:lvl1pPr>
+          </a:lstStyle>
+          <a:p>
+            <a:pPr/>
+            <a:r>
+              <a:t>COMMUNICATION AND DATA TRANSFER PROCESSES</a:t>
             </a:r>
           </a:p>
         </p:txBody>

--- a/Abschlussvortrag.pptx
+++ b/Abschlussvortrag.pptx
@@ -3982,7 +3982,7 @@
       </p:grpSpPr>
       <p:pic>
         <p:nvPicPr>
-          <p:cNvPr id="399" name="sequenzediagram.jp2" descr="sequenzediagram.jp2"/>
+          <p:cNvPr id="418" name="sequenzediagram.jp2" descr="sequenzediagram.jp2"/>
           <p:cNvPicPr>
             <a:picLocks noChangeAspect="1"/>
           </p:cNvPicPr>
@@ -4011,7 +4011,7 @@
       </p:pic>
       <p:sp>
         <p:nvSpPr>
-          <p:cNvPr id="400" name="Date Placeholder 3"/>
+          <p:cNvPr id="419" name="Date Placeholder 3"/>
           <p:cNvSpPr txBox="1"/>
           <p:nvPr/>
         </p:nvSpPr>
@@ -4055,7 +4055,7 @@
       </p:sp>
       <p:sp>
         <p:nvSpPr>
-          <p:cNvPr id="401" name="Slide Number"/>
+          <p:cNvPr id="420" name="Slide Number"/>
           <p:cNvSpPr txBox="1"/>
           <p:nvPr>
             <p:ph type="sldNum" sz="quarter" idx="4294967295"/>
@@ -4082,7 +4082,7 @@
       </p:sp>
       <p:sp>
         <p:nvSpPr>
-          <p:cNvPr id="402" name="Initial Notification by the LectureStudio Server…"/>
+          <p:cNvPr id="421" name="Initial Notification by the LectureStudio Server…"/>
           <p:cNvSpPr txBox="1"/>
           <p:nvPr>
             <p:ph type="body" idx="1"/>
@@ -4272,7 +4272,7 @@
       </p:sp>
       <p:sp>
         <p:nvSpPr>
-          <p:cNvPr id="403" name="Communication and Data Transfer Processes"/>
+          <p:cNvPr id="422" name="Communication and Data Transfer Processes"/>
           <p:cNvSpPr txBox="1"/>
           <p:nvPr>
             <p:ph type="title"/>
@@ -4300,7 +4300,7 @@
       </p:sp>
       <p:sp>
         <p:nvSpPr>
-          <p:cNvPr id="404" name="Configuration of Containerlab File"/>
+          <p:cNvPr id="423" name="Configuration of Containerlab File"/>
           <p:cNvSpPr txBox="1"/>
           <p:nvPr/>
         </p:nvSpPr>
@@ -4351,7 +4351,7 @@
       </p:sp>
       <p:sp>
         <p:nvSpPr>
-          <p:cNvPr id="405" name="Date Placeholder 3"/>
+          <p:cNvPr id="424" name="Date Placeholder 3"/>
           <p:cNvSpPr txBox="1"/>
           <p:nvPr/>
         </p:nvSpPr>
@@ -4395,7 +4395,7 @@
       </p:sp>
       <p:sp>
         <p:nvSpPr>
-          <p:cNvPr id="406" name="Oval"/>
+          <p:cNvPr id="425" name="Oval"/>
           <p:cNvSpPr/>
           <p:nvPr/>
         </p:nvSpPr>
@@ -4426,7 +4426,7 @@
       </p:sp>
       <p:sp>
         <p:nvSpPr>
-          <p:cNvPr id="407" name="4"/>
+          <p:cNvPr id="426" name="4"/>
           <p:cNvSpPr txBox="1"/>
           <p:nvPr/>
         </p:nvSpPr>
@@ -4464,7 +4464,7 @@
       </p:sp>
       <p:sp>
         <p:nvSpPr>
-          <p:cNvPr id="408" name="Oval"/>
+          <p:cNvPr id="427" name="Oval"/>
           <p:cNvSpPr/>
           <p:nvPr/>
         </p:nvSpPr>
@@ -4495,7 +4495,7 @@
       </p:sp>
       <p:sp>
         <p:nvSpPr>
-          <p:cNvPr id="409" name="5"/>
+          <p:cNvPr id="428" name="5"/>
           <p:cNvSpPr txBox="1"/>
           <p:nvPr/>
         </p:nvSpPr>
@@ -4533,7 +4533,7 @@
       </p:sp>
       <p:sp>
         <p:nvSpPr>
-          <p:cNvPr id="410" name="Oval"/>
+          <p:cNvPr id="429" name="Oval"/>
           <p:cNvSpPr/>
           <p:nvPr/>
         </p:nvSpPr>
@@ -4564,7 +4564,7 @@
       </p:sp>
       <p:sp>
         <p:nvSpPr>
-          <p:cNvPr id="411" name="6"/>
+          <p:cNvPr id="430" name="6"/>
           <p:cNvSpPr txBox="1"/>
           <p:nvPr/>
         </p:nvSpPr>
@@ -4628,7 +4628,7 @@
       </p:grpSpPr>
       <p:sp>
         <p:nvSpPr>
-          <p:cNvPr id="413" name="Connection and Data Distribution Among Peers"/>
+          <p:cNvPr id="432" name="Connection and Data Distribution Among Peers"/>
           <p:cNvSpPr txBox="1"/>
           <p:nvPr>
             <p:ph type="title"/>
@@ -4660,7 +4660,7 @@
       </p:sp>
       <p:sp>
         <p:nvSpPr>
-          <p:cNvPr id="414" name="Slide Number"/>
+          <p:cNvPr id="433" name="Slide Number"/>
           <p:cNvSpPr txBox="1"/>
           <p:nvPr>
             <p:ph type="sldNum" sz="quarter" idx="4294967295"/>
@@ -4691,7 +4691,7 @@
       </p:sp>
       <p:sp>
         <p:nvSpPr>
-          <p:cNvPr id="415" name="Date Placeholder 3"/>
+          <p:cNvPr id="434" name="Date Placeholder 3"/>
           <p:cNvSpPr txBox="1"/>
           <p:nvPr/>
         </p:nvSpPr>
@@ -4735,7 +4735,7 @@
       </p:sp>
       <p:sp>
         <p:nvSpPr>
-          <p:cNvPr id="416" name="Rounded Rectangle"/>
+          <p:cNvPr id="435" name="Rounded Rectangle"/>
           <p:cNvSpPr/>
           <p:nvPr/>
         </p:nvSpPr>
@@ -4768,7 +4768,7 @@
       </p:sp>
       <p:sp>
         <p:nvSpPr>
-          <p:cNvPr id="417" name="Oval"/>
+          <p:cNvPr id="436" name="Oval"/>
           <p:cNvSpPr/>
           <p:nvPr/>
         </p:nvSpPr>
@@ -4799,7 +4799,7 @@
       </p:sp>
       <p:sp>
         <p:nvSpPr>
-          <p:cNvPr id="418" name="lectureStudio-Server"/>
+          <p:cNvPr id="437" name="lectureStudio-Server"/>
           <p:cNvSpPr txBox="1"/>
           <p:nvPr/>
         </p:nvSpPr>
@@ -4849,7 +4849,7 @@
       </p:sp>
       <p:sp>
         <p:nvSpPr>
-          <p:cNvPr id="419" name="Port:9090…"/>
+          <p:cNvPr id="438" name="Port:9090…"/>
           <p:cNvSpPr txBox="1"/>
           <p:nvPr/>
         </p:nvSpPr>
@@ -4915,7 +4915,7 @@
       </p:sp>
       <p:sp>
         <p:nvSpPr>
-          <p:cNvPr id="420" name="IP:172.20.25.4"/>
+          <p:cNvPr id="439" name="IP:172.20.25.4"/>
           <p:cNvSpPr txBox="1"/>
           <p:nvPr/>
         </p:nvSpPr>
@@ -4959,7 +4959,7 @@
       </p:sp>
       <p:sp>
         <p:nvSpPr>
-          <p:cNvPr id="421" name="eth1"/>
+          <p:cNvPr id="440" name="eth1"/>
           <p:cNvSpPr/>
           <p:nvPr/>
         </p:nvSpPr>
@@ -5006,7 +5006,7 @@
       </p:sp>
       <p:sp>
         <p:nvSpPr>
-          <p:cNvPr id="422" name="Rectangle"/>
+          <p:cNvPr id="441" name="Rectangle"/>
           <p:cNvSpPr/>
           <p:nvPr/>
         </p:nvSpPr>
@@ -5043,7 +5043,7 @@
       </p:sp>
       <p:sp>
         <p:nvSpPr>
-          <p:cNvPr id="423" name="Port:8080…"/>
+          <p:cNvPr id="442" name="Port:8080…"/>
           <p:cNvSpPr txBox="1"/>
           <p:nvPr/>
         </p:nvSpPr>
@@ -5107,7 +5107,7 @@
       </p:sp>
       <p:sp>
         <p:nvSpPr>
-          <p:cNvPr id="424" name="eth2"/>
+          <p:cNvPr id="443" name="eth2"/>
           <p:cNvSpPr/>
           <p:nvPr/>
         </p:nvSpPr>
@@ -5154,7 +5154,7 @@
       </p:sp>
       <p:sp>
         <p:nvSpPr>
-          <p:cNvPr id="425" name="eth1"/>
+          <p:cNvPr id="444" name="eth1"/>
           <p:cNvSpPr/>
           <p:nvPr/>
         </p:nvSpPr>
@@ -5201,7 +5201,7 @@
       </p:sp>
       <p:sp>
         <p:nvSpPr>
-          <p:cNvPr id="426" name="eth1"/>
+          <p:cNvPr id="445" name="eth1"/>
           <p:cNvSpPr/>
           <p:nvPr/>
         </p:nvSpPr>
@@ -5248,7 +5248,7 @@
       </p:sp>
       <p:sp>
         <p:nvSpPr>
-          <p:cNvPr id="427" name="eth2"/>
+          <p:cNvPr id="446" name="eth2"/>
           <p:cNvSpPr/>
           <p:nvPr/>
         </p:nvSpPr>
@@ -5295,7 +5295,7 @@
       </p:sp>
       <p:sp>
         <p:nvSpPr>
-          <p:cNvPr id="428" name="eth3"/>
+          <p:cNvPr id="447" name="eth3"/>
           <p:cNvSpPr/>
           <p:nvPr/>
         </p:nvSpPr>
@@ -5342,7 +5342,7 @@
       </p:sp>
       <p:sp>
         <p:nvSpPr>
-          <p:cNvPr id="429" name="Oval"/>
+          <p:cNvPr id="448" name="Oval"/>
           <p:cNvSpPr/>
           <p:nvPr/>
         </p:nvSpPr>
@@ -5373,7 +5373,7 @@
       </p:sp>
       <p:sp>
         <p:nvSpPr>
-          <p:cNvPr id="430" name="IP:172.20.25.4"/>
+          <p:cNvPr id="449" name="IP:172.20.25.4"/>
           <p:cNvSpPr txBox="1"/>
           <p:nvPr/>
         </p:nvSpPr>
@@ -5417,7 +5417,7 @@
       </p:sp>
       <p:sp>
         <p:nvSpPr>
-          <p:cNvPr id="431" name="Oval"/>
+          <p:cNvPr id="450" name="Oval"/>
           <p:cNvSpPr/>
           <p:nvPr/>
         </p:nvSpPr>
@@ -5448,7 +5448,7 @@
       </p:sp>
       <p:sp>
         <p:nvSpPr>
-          <p:cNvPr id="432" name="IP:172.20.25.4"/>
+          <p:cNvPr id="451" name="IP:172.20.25.4"/>
           <p:cNvSpPr txBox="1"/>
           <p:nvPr/>
         </p:nvSpPr>
@@ -5492,7 +5492,7 @@
       </p:sp>
       <p:sp>
         <p:nvSpPr>
-          <p:cNvPr id="433" name="eth1"/>
+          <p:cNvPr id="452" name="eth1"/>
           <p:cNvSpPr/>
           <p:nvPr/>
         </p:nvSpPr>
@@ -5539,7 +5539,7 @@
       </p:sp>
       <p:sp>
         <p:nvSpPr>
-          <p:cNvPr id="434" name="eth1"/>
+          <p:cNvPr id="453" name="eth1"/>
           <p:cNvSpPr/>
           <p:nvPr/>
         </p:nvSpPr>
@@ -5586,10 +5586,10 @@
       </p:sp>
       <p:cxnSp>
         <p:nvCxnSpPr>
-          <p:cNvPr id="435" name="Connection Line"/>
+          <p:cNvPr id="454" name="Connection Line"/>
           <p:cNvCxnSpPr>
-            <a:stCxn id="426" idx="0"/>
-            <a:endCxn id="421" idx="0"/>
+            <a:stCxn id="445" idx="0"/>
+            <a:endCxn id="440" idx="0"/>
           </p:cNvCxnSpPr>
           <p:nvPr/>
         </p:nvCxnSpPr>
@@ -5610,10 +5610,10 @@
       </p:cxnSp>
       <p:cxnSp>
         <p:nvCxnSpPr>
-          <p:cNvPr id="436" name="Connection Line"/>
+          <p:cNvPr id="455" name="Connection Line"/>
           <p:cNvCxnSpPr>
-            <a:stCxn id="427" idx="0"/>
-            <a:endCxn id="433" idx="0"/>
+            <a:stCxn id="446" idx="0"/>
+            <a:endCxn id="452" idx="0"/>
           </p:cNvCxnSpPr>
           <p:nvPr/>
         </p:nvCxnSpPr>
@@ -5634,10 +5634,10 @@
       </p:cxnSp>
       <p:cxnSp>
         <p:nvCxnSpPr>
-          <p:cNvPr id="437" name="Connection Line"/>
+          <p:cNvPr id="456" name="Connection Line"/>
           <p:cNvCxnSpPr>
-            <a:stCxn id="428" idx="0"/>
-            <a:endCxn id="434" idx="0"/>
+            <a:stCxn id="447" idx="0"/>
+            <a:endCxn id="453" idx="0"/>
           </p:cNvCxnSpPr>
           <p:nvPr/>
         </p:nvCxnSpPr>
@@ -5658,10 +5658,10 @@
       </p:cxnSp>
       <p:cxnSp>
         <p:nvCxnSpPr>
-          <p:cNvPr id="438" name="Connection Line"/>
+          <p:cNvPr id="457" name="Connection Line"/>
           <p:cNvCxnSpPr>
-            <a:stCxn id="424" idx="0"/>
-            <a:endCxn id="425" idx="0"/>
+            <a:stCxn id="443" idx="0"/>
+            <a:endCxn id="444" idx="0"/>
           </p:cNvCxnSpPr>
           <p:nvPr/>
         </p:nvCxnSpPr>
@@ -5682,7 +5682,7 @@
       </p:cxnSp>
       <p:sp>
         <p:nvSpPr>
-          <p:cNvPr id="439" name="lectureStudio-Server"/>
+          <p:cNvPr id="458" name="lectureStudio-Server"/>
           <p:cNvSpPr txBox="1"/>
           <p:nvPr/>
         </p:nvSpPr>
@@ -5732,7 +5732,7 @@
       </p:sp>
       <p:sp>
         <p:nvSpPr>
-          <p:cNvPr id="440" name="lectureStudio-Server"/>
+          <p:cNvPr id="459" name="lectureStudio-Server"/>
           <p:cNvSpPr txBox="1"/>
           <p:nvPr/>
         </p:nvSpPr>
@@ -5782,7 +5782,7 @@
       </p:sp>
       <p:sp>
         <p:nvSpPr>
-          <p:cNvPr id="441" name="lectureStudio-Server"/>
+          <p:cNvPr id="460" name="lectureStudio-Server"/>
           <p:cNvSpPr txBox="1"/>
           <p:nvPr/>
         </p:nvSpPr>
@@ -5832,7 +5832,7 @@
       </p:sp>
       <p:sp>
         <p:nvSpPr>
-          <p:cNvPr id="442" name="lectureStudio-Server"/>
+          <p:cNvPr id="461" name="lectureStudio-Server"/>
           <p:cNvSpPr txBox="1"/>
           <p:nvPr/>
         </p:nvSpPr>
@@ -5882,7 +5882,7 @@
       </p:sp>
       <p:sp>
         <p:nvSpPr>
-          <p:cNvPr id="443" name="Configuration of Containerlab File"/>
+          <p:cNvPr id="462" name="Configuration of Containerlab File"/>
           <p:cNvSpPr txBox="1"/>
           <p:nvPr/>
         </p:nvSpPr>
@@ -5933,7 +5933,7 @@
       </p:sp>
       <p:sp>
         <p:nvSpPr>
-          <p:cNvPr id="444" name="Add Node Info in Testbed Setup…"/>
+          <p:cNvPr id="463" name="Add Node Info in Testbed Setup…"/>
           <p:cNvSpPr txBox="1"/>
           <p:nvPr>
             <p:ph type="body" idx="1"/>
@@ -6045,7 +6045,7 @@
       </p:sp>
       <p:sp>
         <p:nvSpPr>
-          <p:cNvPr id="445" name="Date Placeholder 3"/>
+          <p:cNvPr id="464" name="Date Placeholder 3"/>
           <p:cNvSpPr txBox="1"/>
           <p:nvPr/>
         </p:nvSpPr>
@@ -6115,7 +6115,7 @@
       </p:grpSpPr>
       <p:sp>
         <p:nvSpPr>
-          <p:cNvPr id="447" name="Title 1"/>
+          <p:cNvPr id="466" name="Title 1"/>
           <p:cNvSpPr txBox="1"/>
           <p:nvPr>
             <p:ph type="title"/>
@@ -6147,7 +6147,7 @@
       </p:sp>
       <p:sp>
         <p:nvSpPr>
-          <p:cNvPr id="448" name="Slide Number Placeholder 5"/>
+          <p:cNvPr id="467" name="Slide Number Placeholder 5"/>
           <p:cNvSpPr txBox="1"/>
           <p:nvPr>
             <p:ph type="sldNum" sz="quarter" idx="4294967295"/>
@@ -6178,7 +6178,7 @@
       </p:sp>
       <p:sp>
         <p:nvSpPr>
-          <p:cNvPr id="449" name="Date Placeholder 3"/>
+          <p:cNvPr id="468" name="Date Placeholder 3"/>
           <p:cNvSpPr txBox="1"/>
           <p:nvPr/>
         </p:nvSpPr>
@@ -6222,7 +6222,7 @@
       </p:sp>
       <p:sp>
         <p:nvSpPr>
-          <p:cNvPr id="450" name="Configuration of Containerlab File"/>
+          <p:cNvPr id="469" name="Configuration of Containerlab File"/>
           <p:cNvSpPr txBox="1"/>
           <p:nvPr/>
         </p:nvSpPr>
@@ -6276,7 +6276,7 @@
       </p:sp>
       <p:sp>
         <p:nvSpPr>
-          <p:cNvPr id="451" name="Configuration of Containerlab File"/>
+          <p:cNvPr id="470" name="Configuration of Containerlab File"/>
           <p:cNvSpPr txBox="1"/>
           <p:nvPr/>
         </p:nvSpPr>
@@ -6330,7 +6330,7 @@
       </p:sp>
       <p:sp>
         <p:nvSpPr>
-          <p:cNvPr id="452" name="Content Placeholder 2"/>
+          <p:cNvPr id="471" name="Content Placeholder 2"/>
           <p:cNvSpPr txBox="1"/>
           <p:nvPr>
             <p:ph type="body" sz="half" idx="1"/>
@@ -6410,7 +6410,7 @@
       </p:sp>
       <p:sp>
         <p:nvSpPr>
-          <p:cNvPr id="453" name="Date Placeholder 3"/>
+          <p:cNvPr id="472" name="Date Placeholder 3"/>
           <p:cNvSpPr txBox="1"/>
           <p:nvPr/>
         </p:nvSpPr>
@@ -6454,7 +6454,7 @@
       </p:sp>
       <p:pic>
         <p:nvPicPr>
-          <p:cNvPr id="454" name="latencyP2P.png" descr="latencyP2P.png"/>
+          <p:cNvPr id="473" name="latencyP2P.png" descr="latencyP2P.png"/>
           <p:cNvPicPr>
             <a:picLocks noChangeAspect="1"/>
           </p:cNvPicPr>
@@ -6483,7 +6483,7 @@
       </p:pic>
       <p:pic>
         <p:nvPicPr>
-          <p:cNvPr id="455" name="latencyNonP2P.png" descr="latencyNonP2P.png"/>
+          <p:cNvPr id="474" name="latencyNonP2P.png" descr="latencyNonP2P.png"/>
           <p:cNvPicPr>
             <a:picLocks noChangeAspect="1"/>
           </p:cNvPicPr>
@@ -6538,7 +6538,7 @@
       </p:grpSpPr>
       <p:sp>
         <p:nvSpPr>
-          <p:cNvPr id="457" name="Title 1"/>
+          <p:cNvPr id="476" name="Title 1"/>
           <p:cNvSpPr txBox="1"/>
           <p:nvPr>
             <p:ph type="title"/>
@@ -6570,7 +6570,7 @@
       </p:sp>
       <p:sp>
         <p:nvSpPr>
-          <p:cNvPr id="458" name="Slide Number Placeholder 5"/>
+          <p:cNvPr id="477" name="Slide Number Placeholder 5"/>
           <p:cNvSpPr txBox="1"/>
           <p:nvPr>
             <p:ph type="sldNum" sz="quarter" idx="4294967295"/>
@@ -6601,7 +6601,7 @@
       </p:sp>
       <p:sp>
         <p:nvSpPr>
-          <p:cNvPr id="459" name="Date Placeholder 3"/>
+          <p:cNvPr id="478" name="Date Placeholder 3"/>
           <p:cNvSpPr txBox="1"/>
           <p:nvPr/>
         </p:nvSpPr>
@@ -6645,7 +6645,7 @@
       </p:sp>
       <p:sp>
         <p:nvSpPr>
-          <p:cNvPr id="460" name="Configuration of Containerlab File"/>
+          <p:cNvPr id="479" name="Configuration of Containerlab File"/>
           <p:cNvSpPr txBox="1"/>
           <p:nvPr/>
         </p:nvSpPr>
@@ -6699,7 +6699,7 @@
       </p:sp>
       <p:sp>
         <p:nvSpPr>
-          <p:cNvPr id="461" name="Configuration of Containerlab File"/>
+          <p:cNvPr id="480" name="Configuration of Containerlab File"/>
           <p:cNvSpPr txBox="1"/>
           <p:nvPr/>
         </p:nvSpPr>
@@ -6753,7 +6753,7 @@
       </p:sp>
       <p:sp>
         <p:nvSpPr>
-          <p:cNvPr id="462" name="Content Placeholder 2"/>
+          <p:cNvPr id="481" name="Content Placeholder 2"/>
           <p:cNvSpPr txBox="1"/>
           <p:nvPr>
             <p:ph type="body" sz="quarter" idx="1"/>
@@ -6817,7 +6817,7 @@
       </p:sp>
       <p:sp>
         <p:nvSpPr>
-          <p:cNvPr id="463" name="Content Placeholder 2"/>
+          <p:cNvPr id="482" name="Content Placeholder 2"/>
           <p:cNvSpPr txBox="1"/>
           <p:nvPr/>
         </p:nvSpPr>
@@ -6907,7 +6907,7 @@
       </p:sp>
       <p:sp>
         <p:nvSpPr>
-          <p:cNvPr id="464" name="Date Placeholder 3"/>
+          <p:cNvPr id="483" name="Date Placeholder 3"/>
           <p:cNvSpPr txBox="1"/>
           <p:nvPr/>
         </p:nvSpPr>
@@ -6951,7 +6951,7 @@
       </p:sp>
       <p:pic>
         <p:nvPicPr>
-          <p:cNvPr id="465" name="bandwidthP2P.png" descr="bandwidthP2P.png"/>
+          <p:cNvPr id="484" name="bandwidthP2P.png" descr="bandwidthP2P.png"/>
           <p:cNvPicPr>
             <a:picLocks noChangeAspect="1"/>
           </p:cNvPicPr>
@@ -6980,7 +6980,7 @@
       </p:pic>
       <p:pic>
         <p:nvPicPr>
-          <p:cNvPr id="466" name="bandwidthNonP2P.png" descr="bandwidthNonP2P.png"/>
+          <p:cNvPr id="485" name="bandwidthNonP2P.png" descr="bandwidthNonP2P.png"/>
           <p:cNvPicPr>
             <a:picLocks noChangeAspect="1"/>
           </p:cNvPicPr>
@@ -7035,7 +7035,7 @@
       </p:grpSpPr>
       <p:sp>
         <p:nvSpPr>
-          <p:cNvPr id="468" name="Title 1"/>
+          <p:cNvPr id="487" name="Title 1"/>
           <p:cNvSpPr txBox="1"/>
           <p:nvPr>
             <p:ph type="title"/>
@@ -7067,7 +7067,7 @@
       </p:sp>
       <p:sp>
         <p:nvSpPr>
-          <p:cNvPr id="469" name="Slide Number Placeholder 5"/>
+          <p:cNvPr id="488" name="Slide Number Placeholder 5"/>
           <p:cNvSpPr txBox="1"/>
           <p:nvPr>
             <p:ph type="sldNum" sz="quarter" idx="4294967295"/>
@@ -7098,7 +7098,7 @@
       </p:sp>
       <p:sp>
         <p:nvSpPr>
-          <p:cNvPr id="470" name="Date Placeholder 3"/>
+          <p:cNvPr id="489" name="Date Placeholder 3"/>
           <p:cNvSpPr txBox="1"/>
           <p:nvPr/>
         </p:nvSpPr>
@@ -7142,7 +7142,7 @@
       </p:sp>
       <p:pic>
         <p:nvPicPr>
-          <p:cNvPr id="471" name="duration_deploying_destroying_containerlab.png" descr="duration_deploying_destroying_containerlab.png"/>
+          <p:cNvPr id="490" name="duration_deploying_destroying_containerlab.png" descr="duration_deploying_destroying_containerlab.png"/>
           <p:cNvPicPr>
             <a:picLocks noChangeAspect="1"/>
           </p:cNvPicPr>
@@ -7171,7 +7171,7 @@
       </p:pic>
       <p:sp>
         <p:nvSpPr>
-          <p:cNvPr id="472" name="Configuration of Containerlab File"/>
+          <p:cNvPr id="491" name="Configuration of Containerlab File"/>
           <p:cNvSpPr txBox="1"/>
           <p:nvPr/>
         </p:nvSpPr>
@@ -7225,7 +7225,7 @@
       </p:sp>
       <p:sp>
         <p:nvSpPr>
-          <p:cNvPr id="473" name="Configuration of Containerlab File"/>
+          <p:cNvPr id="492" name="Configuration of Containerlab File"/>
           <p:cNvSpPr txBox="1"/>
           <p:nvPr/>
         </p:nvSpPr>
@@ -7279,7 +7279,7 @@
       </p:sp>
       <p:sp>
         <p:nvSpPr>
-          <p:cNvPr id="474" name="Content Placeholder 2"/>
+          <p:cNvPr id="493" name="Content Placeholder 2"/>
           <p:cNvSpPr txBox="1"/>
           <p:nvPr>
             <p:ph type="body" sz="quarter" idx="1"/>
@@ -7327,14 +7327,14 @@
               <a:defRPr sz="1800"/>
             </a:pPr>
             <a:r>
-              <a:t>Destroying time low, approximately 9 seconds for 75 nodes</a:t>
+              <a:t>Destroying time low, approximately 9s for 75 nodes</a:t>
             </a:r>
           </a:p>
         </p:txBody>
       </p:sp>
       <p:pic>
         <p:nvPicPr>
-          <p:cNvPr id="475" name="Figure 2024-03-16 115618.png" descr="Figure 2024-03-16 115618.png"/>
+          <p:cNvPr id="494" name="Figure 2024-03-16 115618.png" descr="Figure 2024-03-16 115618.png"/>
           <p:cNvPicPr>
             <a:picLocks noChangeAspect="1"/>
           </p:cNvPicPr>
@@ -7363,7 +7363,7 @@
       </p:pic>
       <p:sp>
         <p:nvSpPr>
-          <p:cNvPr id="476" name="RQ1.2 How well does the testbed scale with more nodes and complex topologies affect the host in terms of resource utilization?"/>
+          <p:cNvPr id="495" name="RQ1.2 How well does the testbed scale with more nodes and complex topologies affect the host in terms of resource utilization?"/>
           <p:cNvSpPr txBox="1"/>
           <p:nvPr/>
         </p:nvSpPr>
@@ -7415,7 +7415,7 @@
       </p:sp>
       <p:sp>
         <p:nvSpPr>
-          <p:cNvPr id="477" name="Content Placeholder 2"/>
+          <p:cNvPr id="496" name="Content Placeholder 2"/>
           <p:cNvSpPr txBox="1"/>
           <p:nvPr/>
         </p:nvSpPr>
@@ -7505,7 +7505,7 @@
       </p:sp>
       <p:sp>
         <p:nvSpPr>
-          <p:cNvPr id="478" name="Date Placeholder 3"/>
+          <p:cNvPr id="497" name="Date Placeholder 3"/>
           <p:cNvSpPr txBox="1"/>
           <p:nvPr/>
         </p:nvSpPr>
@@ -7575,7 +7575,7 @@
       </p:grpSpPr>
       <p:sp>
         <p:nvSpPr>
-          <p:cNvPr id="480" name="Title 1"/>
+          <p:cNvPr id="499" name="Title 1"/>
           <p:cNvSpPr txBox="1"/>
           <p:nvPr>
             <p:ph type="title"/>
@@ -7607,7 +7607,7 @@
       </p:sp>
       <p:sp>
         <p:nvSpPr>
-          <p:cNvPr id="481" name="Content Placeholder 2"/>
+          <p:cNvPr id="500" name="Content Placeholder 2"/>
           <p:cNvSpPr txBox="1"/>
           <p:nvPr>
             <p:ph type="body" sz="half" idx="1"/>
@@ -7701,7 +7701,7 @@
       </p:sp>
       <p:sp>
         <p:nvSpPr>
-          <p:cNvPr id="482" name="Slide Number Placeholder 5"/>
+          <p:cNvPr id="501" name="Slide Number Placeholder 5"/>
           <p:cNvSpPr txBox="1"/>
           <p:nvPr>
             <p:ph type="sldNum" sz="quarter" idx="4294967295"/>
@@ -7732,7 +7732,7 @@
       </p:sp>
       <p:sp>
         <p:nvSpPr>
-          <p:cNvPr id="483" name="Date Placeholder 3"/>
+          <p:cNvPr id="502" name="Date Placeholder 3"/>
           <p:cNvSpPr txBox="1"/>
           <p:nvPr/>
         </p:nvSpPr>
@@ -7776,7 +7776,7 @@
       </p:sp>
       <p:sp>
         <p:nvSpPr>
-          <p:cNvPr id="484" name="Configuration of Containerlab File"/>
+          <p:cNvPr id="503" name="Configuration of Containerlab File"/>
           <p:cNvSpPr txBox="1"/>
           <p:nvPr/>
         </p:nvSpPr>
@@ -7830,7 +7830,7 @@
       </p:sp>
       <p:sp>
         <p:nvSpPr>
-          <p:cNvPr id="485" name="Configuration of Containerlab File"/>
+          <p:cNvPr id="504" name="Configuration of Containerlab File"/>
           <p:cNvSpPr txBox="1"/>
           <p:nvPr/>
         </p:nvSpPr>
@@ -7884,7 +7884,7 @@
       </p:sp>
       <p:sp>
         <p:nvSpPr>
-          <p:cNvPr id="486" name="Date Placeholder 3"/>
+          <p:cNvPr id="505" name="Date Placeholder 3"/>
           <p:cNvSpPr txBox="1"/>
           <p:nvPr/>
         </p:nvSpPr>
@@ -7928,7 +7928,7 @@
       </p:sp>
       <p:pic>
         <p:nvPicPr>
-          <p:cNvPr id="487" name="cpu50_lastwithoutP2P.png" descr="cpu50_lastwithoutP2P.png"/>
+          <p:cNvPr id="506" name="cpu50_lastwithoutP2P.png" descr="cpu50_lastwithoutP2P.png"/>
           <p:cNvPicPr>
             <a:picLocks noChangeAspect="1"/>
           </p:cNvPicPr>
@@ -7957,7 +7957,7 @@
       </p:pic>
       <p:pic>
         <p:nvPicPr>
-          <p:cNvPr id="488" name="cpu50_lastwithP2P.png" descr="cpu50_lastwithP2P.png"/>
+          <p:cNvPr id="507" name="cpu50_lastwithP2P.png" descr="cpu50_lastwithP2P.png"/>
           <p:cNvPicPr>
             <a:picLocks noChangeAspect="1"/>
           </p:cNvPicPr>
@@ -8012,7 +8012,7 @@
       </p:grpSpPr>
       <p:sp>
         <p:nvSpPr>
-          <p:cNvPr id="490" name="Title 1"/>
+          <p:cNvPr id="509" name="Title 1"/>
           <p:cNvSpPr txBox="1"/>
           <p:nvPr>
             <p:ph type="title"/>
@@ -8044,7 +8044,7 @@
       </p:sp>
       <p:sp>
         <p:nvSpPr>
-          <p:cNvPr id="491" name="Slide Number Placeholder 5"/>
+          <p:cNvPr id="510" name="Slide Number Placeholder 5"/>
           <p:cNvSpPr txBox="1"/>
           <p:nvPr>
             <p:ph type="sldNum" sz="quarter" idx="4294967295"/>
@@ -8075,7 +8075,7 @@
       </p:sp>
       <p:sp>
         <p:nvSpPr>
-          <p:cNvPr id="492" name="Date Placeholder 3"/>
+          <p:cNvPr id="511" name="Date Placeholder 3"/>
           <p:cNvSpPr txBox="1"/>
           <p:nvPr/>
         </p:nvSpPr>
@@ -8119,7 +8119,7 @@
       </p:sp>
       <p:sp>
         <p:nvSpPr>
-          <p:cNvPr id="493" name="Configuration of Containerlab File"/>
+          <p:cNvPr id="512" name="Configuration of Containerlab File"/>
           <p:cNvSpPr txBox="1"/>
           <p:nvPr/>
         </p:nvSpPr>
@@ -8173,7 +8173,7 @@
       </p:sp>
       <p:sp>
         <p:nvSpPr>
-          <p:cNvPr id="494" name="Configuration of Containerlab File"/>
+          <p:cNvPr id="513" name="Configuration of Containerlab File"/>
           <p:cNvSpPr txBox="1"/>
           <p:nvPr/>
         </p:nvSpPr>
@@ -8227,7 +8227,7 @@
       </p:sp>
       <p:sp>
         <p:nvSpPr>
-          <p:cNvPr id="495" name="Content Placeholder 2"/>
+          <p:cNvPr id="514" name="Content Placeholder 2"/>
           <p:cNvSpPr txBox="1"/>
           <p:nvPr>
             <p:ph type="body" sz="quarter" idx="1"/>
@@ -8256,7 +8256,7 @@
               <a:defRPr sz="1860"/>
             </a:pPr>
             <a:r>
-              <a:t>Memory Usage Evaluation with and without the P2P Algorithm in the Testbed</a:t>
+              <a:t>Memory usage evaluation with and without the P2P algorithm in the testbed</a:t>
             </a:r>
           </a:p>
           <a:p>
@@ -8305,7 +8305,7 @@
       </p:sp>
       <p:sp>
         <p:nvSpPr>
-          <p:cNvPr id="496" name="Content Placeholder 2"/>
+          <p:cNvPr id="515" name="Content Placeholder 2"/>
           <p:cNvSpPr txBox="1"/>
           <p:nvPr/>
         </p:nvSpPr>
@@ -8357,7 +8357,7 @@
       </p:sp>
       <p:sp>
         <p:nvSpPr>
-          <p:cNvPr id="497" name="Date Placeholder 3"/>
+          <p:cNvPr id="516" name="Date Placeholder 3"/>
           <p:cNvSpPr txBox="1"/>
           <p:nvPr/>
         </p:nvSpPr>
@@ -8401,7 +8401,7 @@
       </p:sp>
       <p:pic>
         <p:nvPicPr>
-          <p:cNvPr id="498" name="memoryusagelastwithoutP2P.png" descr="memoryusagelastwithoutP2P.png"/>
+          <p:cNvPr id="517" name="memoryusagelastwithoutP2P.png" descr="memoryusagelastwithoutP2P.png"/>
           <p:cNvPicPr>
             <a:picLocks noChangeAspect="1"/>
           </p:cNvPicPr>
@@ -8430,7 +8430,7 @@
       </p:pic>
       <p:pic>
         <p:nvPicPr>
-          <p:cNvPr id="499" name="memoryusagelastwithP2P.png" descr="memoryusagelastwithP2P.png"/>
+          <p:cNvPr id="518" name="memoryusagelastwithP2P.png" descr="memoryusagelastwithP2P.png"/>
           <p:cNvPicPr>
             <a:picLocks noChangeAspect="1"/>
           </p:cNvPicPr>
@@ -8485,7 +8485,7 @@
       </p:grpSpPr>
       <p:sp>
         <p:nvSpPr>
-          <p:cNvPr id="501" name="Performance Evaluation of the P2P Algorithm, RQ2.2 and RQ2.3 (1)"/>
+          <p:cNvPr id="520" name="Performance Evaluation of the P2P Algorithm, RQ2.2 and RQ2.3 (1)"/>
           <p:cNvSpPr txBox="1"/>
           <p:nvPr>
             <p:ph type="title"/>
@@ -8517,7 +8517,7 @@
       </p:sp>
       <p:sp>
         <p:nvSpPr>
-          <p:cNvPr id="502" name="Date Placeholder 3"/>
+          <p:cNvPr id="521" name="Date Placeholder 3"/>
           <p:cNvSpPr txBox="1"/>
           <p:nvPr/>
         </p:nvSpPr>
@@ -8561,7 +8561,7 @@
       </p:sp>
       <p:sp>
         <p:nvSpPr>
-          <p:cNvPr id="503" name="Slide Number"/>
+          <p:cNvPr id="522" name="Slide Number"/>
           <p:cNvSpPr txBox="1"/>
           <p:nvPr>
             <p:ph type="sldNum" sz="quarter" idx="4294967295"/>
@@ -8588,7 +8588,7 @@
       </p:sp>
       <p:sp>
         <p:nvSpPr>
-          <p:cNvPr id="504" name="RQ2.2 How does the P2P algorithm react to changing network characteristics (bandwidth, latency, packet loss)?…"/>
+          <p:cNvPr id="523" name="RQ2.2 How does the P2P algorithm react to changing network characteristics (bandwidth, latency, packet loss)?…"/>
           <p:cNvSpPr txBox="1"/>
           <p:nvPr>
             <p:ph type="body" sz="quarter" idx="1"/>
@@ -8640,7 +8640,7 @@
       </p:sp>
       <p:sp>
         <p:nvSpPr>
-          <p:cNvPr id="505" name="Date Placeholder 3"/>
+          <p:cNvPr id="524" name="Date Placeholder 3"/>
           <p:cNvSpPr txBox="1"/>
           <p:nvPr/>
         </p:nvSpPr>
@@ -8684,7 +8684,7 @@
       </p:sp>
       <p:sp>
         <p:nvSpPr>
-          <p:cNvPr id="506" name="Test duration measurement from first to last acknowledgment message…"/>
+          <p:cNvPr id="525" name="Test duration measurement from first to last acknowledgment message…"/>
           <p:cNvSpPr txBox="1"/>
           <p:nvPr/>
         </p:nvSpPr>
@@ -8787,7 +8787,7 @@
               </a:defRPr>
             </a:pPr>
             <a:r>
-              <a:t>First Configuration:</a:t>
+              <a:t>1.Configuration:</a:t>
             </a:r>
           </a:p>
           <a:p>
@@ -8847,7 +8847,7 @@
               </a:defRPr>
             </a:pPr>
             <a:r>
-              <a:t>Second Configuration:</a:t>
+              <a:t>2.Configuration:</a:t>
             </a:r>
           </a:p>
           <a:p>
@@ -8894,7 +8894,7 @@
       </p:sp>
       <p:graphicFrame>
         <p:nvGraphicFramePr>
-          <p:cNvPr id="507" name="Table"/>
+          <p:cNvPr id="526" name="Table"/>
           <p:cNvGraphicFramePr/>
           <p:nvPr/>
         </p:nvGraphicFramePr>
@@ -9151,7 +9151,7 @@
       </p:grpSpPr>
       <p:sp>
         <p:nvSpPr>
-          <p:cNvPr id="509" name="Performance Evaluation of the P2P Algorithm, RQ2.2 and RQ2.3 (2)"/>
+          <p:cNvPr id="528" name="Performance Evaluation of the P2P Algorithm, RQ2.2 and RQ2.3 (2)"/>
           <p:cNvSpPr txBox="1"/>
           <p:nvPr>
             <p:ph type="title"/>
@@ -9183,7 +9183,7 @@
       </p:sp>
       <p:sp>
         <p:nvSpPr>
-          <p:cNvPr id="510" name="Date Placeholder 3"/>
+          <p:cNvPr id="529" name="Date Placeholder 3"/>
           <p:cNvSpPr txBox="1"/>
           <p:nvPr/>
         </p:nvSpPr>
@@ -9227,7 +9227,7 @@
       </p:sp>
       <p:sp>
         <p:nvSpPr>
-          <p:cNvPr id="511" name="Slide Number"/>
+          <p:cNvPr id="530" name="Slide Number"/>
           <p:cNvSpPr txBox="1"/>
           <p:nvPr>
             <p:ph type="sldNum" sz="quarter" idx="4294967295"/>
@@ -9254,7 +9254,7 @@
       </p:sp>
       <p:sp>
         <p:nvSpPr>
-          <p:cNvPr id="512" name="First configuration with the lectureStudio server and 20 peers…"/>
+          <p:cNvPr id="531" name="First configuration with the lectureStudio server and 20 peers…"/>
           <p:cNvSpPr txBox="1"/>
           <p:nvPr>
             <p:ph type="body" sz="quarter" idx="1"/>
@@ -9283,7 +9283,11 @@
               <a:defRPr sz="1700"/>
             </a:pPr>
             <a:r>
-              <a:t>First configuration with the lectureStudio server and 20 peers</a:t>
+              <a:t>First configuration with </a:t>
+            </a:r>
+            <a:r>
+              <a:rPr b="1"/>
+              <a:t>the lectureStudio server and 20 peers</a:t>
             </a:r>
           </a:p>
           <a:p>
@@ -9297,7 +9301,14 @@
               <a:defRPr sz="1700"/>
             </a:pPr>
             <a:r>
-              <a:t>The P2P algorithm performance little worse to the traditional approach</a:t>
+              <a:t>The P2P algorithm performance </a:t>
+            </a:r>
+            <a:r>
+              <a:rPr u="sng"/>
+              <a:t>little worse</a:t>
+            </a:r>
+            <a:r>
+              <a:t> to the traditional approach</a:t>
             </a:r>
           </a:p>
           <a:p>
@@ -9311,7 +9322,11 @@
               <a:defRPr sz="1700"/>
             </a:pPr>
             <a:r>
-              <a:t>Second configuration with the lectureStudio server and 20 peers</a:t>
+              <a:t>Second configuration with </a:t>
+            </a:r>
+            <a:r>
+              <a:rPr b="1"/>
+              <a:t>the lectureStudio server and 20 peers</a:t>
             </a:r>
           </a:p>
           <a:p>
@@ -9325,7 +9340,21 @@
               <a:defRPr sz="1700"/>
             </a:pPr>
             <a:r>
-              <a:t>Transferring 2MB data size, the P2P algorithm performance nearly identical to the traditional approach</a:t>
+              <a:t>Transferring </a:t>
+            </a:r>
+            <a:r>
+              <a:rPr u="sng"/>
+              <a:t>2MB</a:t>
+            </a:r>
+            <a:r>
+              <a:t> data size, the P2P algorithm performance </a:t>
+            </a:r>
+            <a:r>
+              <a:rPr u="sng"/>
+              <a:t>nearly</a:t>
+            </a:r>
+            <a:r>
+              <a:t> identical to the traditional approach</a:t>
             </a:r>
           </a:p>
           <a:p>
@@ -9339,14 +9368,28 @@
               <a:defRPr sz="1700"/>
             </a:pPr>
             <a:r>
-              <a:t>Transferring 128MB data size, the P2P algorithm performance 27% faster than the traditional approach</a:t>
-            </a:r>
-          </a:p>
-        </p:txBody>
-      </p:sp>
-      <p:sp>
-        <p:nvSpPr>
-          <p:cNvPr id="513" name="Configuration of Containerlab File"/>
+              <a:t>Transferring </a:t>
+            </a:r>
+            <a:r>
+              <a:rPr u="sng"/>
+              <a:t>128MB</a:t>
+            </a:r>
+            <a:r>
+              <a:t> data size, the P2P algorithm performance </a:t>
+            </a:r>
+            <a:r>
+              <a:rPr u="sng"/>
+              <a:t>27%</a:t>
+            </a:r>
+            <a:r>
+              <a:t> faster than the traditional approach</a:t>
+            </a:r>
+          </a:p>
+        </p:txBody>
+      </p:sp>
+      <p:sp>
+        <p:nvSpPr>
+          <p:cNvPr id="532" name="Configuration of Containerlab File"/>
           <p:cNvSpPr txBox="1"/>
           <p:nvPr/>
         </p:nvSpPr>
@@ -9400,7 +9443,7 @@
       </p:sp>
       <p:sp>
         <p:nvSpPr>
-          <p:cNvPr id="514" name="Configuration of Containerlab File"/>
+          <p:cNvPr id="533" name="Configuration of Containerlab File"/>
           <p:cNvSpPr txBox="1"/>
           <p:nvPr/>
         </p:nvSpPr>
@@ -9454,7 +9497,7 @@
       </p:sp>
       <p:pic>
         <p:nvPicPr>
-          <p:cNvPr id="515" name="implemantation1_20_peers_increasingfile.png" descr="implemantation1_20_peers_increasingfile.png"/>
+          <p:cNvPr id="534" name="implemantation1_20_peers_increasingfile.png" descr="implemantation1_20_peers_increasingfile.png"/>
           <p:cNvPicPr>
             <a:picLocks noChangeAspect="1"/>
           </p:cNvPicPr>
@@ -9483,7 +9526,7 @@
       </p:pic>
       <p:sp>
         <p:nvSpPr>
-          <p:cNvPr id="516" name="Date Placeholder 3"/>
+          <p:cNvPr id="535" name="Date Placeholder 3"/>
           <p:cNvSpPr txBox="1"/>
           <p:nvPr/>
         </p:nvSpPr>
@@ -9527,7 +9570,7 @@
       </p:sp>
       <p:pic>
         <p:nvPicPr>
-          <p:cNvPr id="517" name="20last.png" descr="20last.png"/>
+          <p:cNvPr id="536" name="20last.png" descr="20last.png"/>
           <p:cNvPicPr>
             <a:picLocks noChangeAspect="1"/>
           </p:cNvPicPr>
@@ -9582,7 +9625,7 @@
       </p:grpSpPr>
       <p:sp>
         <p:nvSpPr>
-          <p:cNvPr id="519" name="Performance Evaluation of the P2P Algorithm, RQ2.2 and RQ2.3 (3)"/>
+          <p:cNvPr id="538" name="Performance Evaluation of the P2P Algorithm, RQ2.2 and RQ2.3 (3)"/>
           <p:cNvSpPr txBox="1"/>
           <p:nvPr>
             <p:ph type="title"/>
@@ -9614,7 +9657,7 @@
       </p:sp>
       <p:sp>
         <p:nvSpPr>
-          <p:cNvPr id="520" name="Date Placeholder 3"/>
+          <p:cNvPr id="539" name="Date Placeholder 3"/>
           <p:cNvSpPr txBox="1"/>
           <p:nvPr/>
         </p:nvSpPr>
@@ -9658,7 +9701,7 @@
       </p:sp>
       <p:sp>
         <p:nvSpPr>
-          <p:cNvPr id="521" name="Slide Number"/>
+          <p:cNvPr id="540" name="Slide Number"/>
           <p:cNvSpPr txBox="1"/>
           <p:nvPr>
             <p:ph type="sldNum" sz="quarter" idx="4294967295"/>
@@ -9685,7 +9728,7 @@
       </p:sp>
       <p:sp>
         <p:nvSpPr>
-          <p:cNvPr id="522" name="Configuration of Containerlab File"/>
+          <p:cNvPr id="541" name="Configuration of Containerlab File"/>
           <p:cNvSpPr txBox="1"/>
           <p:nvPr/>
         </p:nvSpPr>
@@ -9739,7 +9782,7 @@
       </p:sp>
       <p:sp>
         <p:nvSpPr>
-          <p:cNvPr id="523" name="Configuration of Containerlab File"/>
+          <p:cNvPr id="542" name="Configuration of Containerlab File"/>
           <p:cNvSpPr txBox="1"/>
           <p:nvPr/>
         </p:nvSpPr>
@@ -9793,7 +9836,7 @@
       </p:sp>
       <p:sp>
         <p:nvSpPr>
-          <p:cNvPr id="524" name="First configuration with the lectureStudio server and 50 peers…"/>
+          <p:cNvPr id="543" name="First configuration with the lectureStudio server and 50 peers…"/>
           <p:cNvSpPr txBox="1"/>
           <p:nvPr>
             <p:ph type="body" sz="half" idx="1"/>
@@ -9822,7 +9865,18 @@
               <a:defRPr sz="1656"/>
             </a:pPr>
             <a:r>
-              <a:t>First configuration with the lectureStudio server and 50 peers</a:t>
+              <a:t>First configuration with </a:t>
+            </a:r>
+            <a:r>
+              <a:rPr b="1"/>
+              <a:t>the lectureStudio server</a:t>
+            </a:r>
+            <a:r>
+              <a:t> and </a:t>
+            </a:r>
+            <a:r>
+              <a:rPr b="1"/>
+              <a:t>50 peers</a:t>
             </a:r>
           </a:p>
           <a:p>
@@ -9836,7 +9890,14 @@
               <a:defRPr sz="1656"/>
             </a:pPr>
             <a:r>
-              <a:t>Transferring 2MB data size, the P2P algorithm performance nearly identical to the traditional approach</a:t>
+              <a:t>Transferring </a:t>
+            </a:r>
+            <a:r>
+              <a:rPr u="sng"/>
+              <a:t>2MB</a:t>
+            </a:r>
+            <a:r>
+              <a:t> data size, the P2P algorithm performance nearly identical to the traditional approach</a:t>
             </a:r>
           </a:p>
           <a:p>
@@ -9850,7 +9911,21 @@
               <a:defRPr sz="1656"/>
             </a:pPr>
             <a:r>
-              <a:t>Transferring 128MB data size, the P2P algorithm performance 5% faster than the traditional approach</a:t>
+              <a:t>Transferring </a:t>
+            </a:r>
+            <a:r>
+              <a:rPr u="sng"/>
+              <a:t>128MB</a:t>
+            </a:r>
+            <a:r>
+              <a:t> data size, the P2P algorithm performance </a:t>
+            </a:r>
+            <a:r>
+              <a:rPr u="sng"/>
+              <a:t>5%</a:t>
+            </a:r>
+            <a:r>
+              <a:t> faster than the traditional approach</a:t>
             </a:r>
           </a:p>
           <a:p>
@@ -9864,7 +9939,18 @@
               <a:defRPr sz="1656"/>
             </a:pPr>
             <a:r>
-              <a:t>Second configuration with the lectureStudio server and 50 peers</a:t>
+              <a:t>Second configuration with </a:t>
+            </a:r>
+            <a:r>
+              <a:rPr b="1"/>
+              <a:t>the lectureStudio server</a:t>
+            </a:r>
+            <a:r>
+              <a:t> and </a:t>
+            </a:r>
+            <a:r>
+              <a:rPr b="1"/>
+              <a:t>50 peers</a:t>
             </a:r>
           </a:p>
           <a:p>
@@ -9878,7 +9964,21 @@
               <a:defRPr sz="1656"/>
             </a:pPr>
             <a:r>
-              <a:t>Transferring 2MB data size, the P2P algorithm performance 12% faster than the traditional approach</a:t>
+              <a:t>Transferring </a:t>
+            </a:r>
+            <a:r>
+              <a:rPr u="sng"/>
+              <a:t>2MB</a:t>
+            </a:r>
+            <a:r>
+              <a:t> data size, the P2P algorithm performance </a:t>
+            </a:r>
+            <a:r>
+              <a:rPr u="sng"/>
+              <a:t>12%</a:t>
+            </a:r>
+            <a:r>
+              <a:t> faster than the traditional approach</a:t>
             </a:r>
           </a:p>
           <a:p>
@@ -9892,14 +9992,28 @@
               <a:defRPr sz="1656"/>
             </a:pPr>
             <a:r>
-              <a:t>Transferring 128MB data size, the P2P algorithm performance 35% faster than the traditional approach</a:t>
+              <a:t>Transferring </a:t>
+            </a:r>
+            <a:r>
+              <a:rPr u="sng"/>
+              <a:t>128MB</a:t>
+            </a:r>
+            <a:r>
+              <a:t> data size, the P2P algorithm performance </a:t>
+            </a:r>
+            <a:r>
+              <a:rPr u="sng"/>
+              <a:t>35%</a:t>
+            </a:r>
+            <a:r>
+              <a:t> faster than the traditional approach</a:t>
             </a:r>
           </a:p>
         </p:txBody>
       </p:sp>
       <p:pic>
         <p:nvPicPr>
-          <p:cNvPr id="525" name="implemantation1_50_peers_increasingfile.png" descr="implemantation1_50_peers_increasingfile.png"/>
+          <p:cNvPr id="544" name="implemantation1_50_peers_increasingfile.png" descr="implemantation1_50_peers_increasingfile.png"/>
           <p:cNvPicPr>
             <a:picLocks noChangeAspect="1"/>
           </p:cNvPicPr>
@@ -9928,7 +10042,7 @@
       </p:pic>
       <p:sp>
         <p:nvSpPr>
-          <p:cNvPr id="526" name="Date Placeholder 3"/>
+          <p:cNvPr id="545" name="Date Placeholder 3"/>
           <p:cNvSpPr txBox="1"/>
           <p:nvPr/>
         </p:nvSpPr>
@@ -9972,7 +10086,7 @@
       </p:sp>
       <p:pic>
         <p:nvPicPr>
-          <p:cNvPr id="527" name="50last.png" descr="50last.png"/>
+          <p:cNvPr id="546" name="50last.png" descr="50last.png"/>
           <p:cNvPicPr>
             <a:picLocks noChangeAspect="1"/>
           </p:cNvPicPr>
@@ -10400,7 +10514,7 @@
         </p:nvSpPr>
         <p:spPr>
           <a:xfrm>
-            <a:off x="1092200" y="2725924"/>
+            <a:off x="1092200" y="2764024"/>
             <a:ext cx="4512898" cy="1866499"/>
           </a:xfrm>
           <a:prstGeom prst="rect">
@@ -11859,8 +11973,8 @@
         </p:nvSpPr>
         <p:spPr>
           <a:xfrm>
-            <a:off x="1092200" y="1355893"/>
-            <a:ext cx="9458158" cy="1245205"/>
+            <a:off x="1092199" y="1355893"/>
+            <a:ext cx="5728999" cy="1245205"/>
           </a:xfrm>
           <a:prstGeom prst="rect">
             <a:avLst/>
@@ -12091,6 +12205,35 @@
           </a:p>
         </p:txBody>
       </p:sp>
+      <p:pic>
+        <p:nvPicPr>
+          <p:cNvPr id="173" name="Unknown.png" descr="Unknown.png"/>
+          <p:cNvPicPr>
+            <a:picLocks noChangeAspect="1"/>
+          </p:cNvPicPr>
+          <p:nvPr/>
+        </p:nvPicPr>
+        <p:blipFill>
+          <a:blip r:embed="rId7">
+            <a:extLst/>
+          </a:blip>
+          <a:stretch>
+            <a:fillRect/>
+          </a:stretch>
+        </p:blipFill>
+        <p:spPr>
+          <a:xfrm>
+            <a:off x="5649869" y="5340481"/>
+            <a:ext cx="592663" cy="592664"/>
+          </a:xfrm>
+          <a:prstGeom prst="rect">
+            <a:avLst/>
+          </a:prstGeom>
+          <a:ln w="12700">
+            <a:miter lim="400000"/>
+          </a:ln>
+        </p:spPr>
+      </p:pic>
     </p:spTree>
   </p:cSld>
   <p:clrMapOvr>
@@ -12119,7 +12262,7 @@
       </p:grpSpPr>
       <p:sp>
         <p:nvSpPr>
-          <p:cNvPr id="529" name="Conclusion and Future Work"/>
+          <p:cNvPr id="548" name="Conclusion and Future Work"/>
           <p:cNvSpPr txBox="1"/>
           <p:nvPr>
             <p:ph type="title"/>
@@ -12143,7 +12286,7 @@
       </p:sp>
       <p:sp>
         <p:nvSpPr>
-          <p:cNvPr id="530" name="Goal: Develop a Testbed for the P2P Data Distribution Algorithm…"/>
+          <p:cNvPr id="549" name="Goal: Developing a testbed for the P2P data distribution algorithm…"/>
           <p:cNvSpPr txBox="1"/>
           <p:nvPr>
             <p:ph type="body" idx="1"/>
@@ -12158,234 +12301,164 @@
           <a:bodyPr/>
           <a:lstStyle/>
           <a:p>
-            <a:pPr marL="136357" indent="-136357" defTabSz="621791">
+            <a:pPr marL="192504" indent="-192504" defTabSz="877823">
               <a:spcBef>
-                <a:spcPts val="800"/>
+                <a:spcPts val="1100"/>
               </a:spcBef>
               <a:buClrTx/>
               <a:buFontTx/>
               <a:buChar char="•"/>
-              <a:defRPr sz="1360"/>
+              <a:defRPr sz="1919"/>
             </a:pPr>
             <a:r>
-              <a:t>Goal: Develop a Testbed for the P2P Data Distribution Algorithm</a:t>
-            </a:r>
-          </a:p>
-          <a:p>
-            <a:pPr lvl="1" marL="395437" indent="-136357" defTabSz="621791">
+              <a:t>Goal: Developing a testbed for the P2P data distribution algorithm</a:t>
+            </a:r>
+          </a:p>
+          <a:p>
+            <a:pPr marL="192504" indent="-192504" defTabSz="877823">
               <a:spcBef>
-                <a:spcPts val="800"/>
+                <a:spcPts val="1100"/>
               </a:spcBef>
               <a:buClrTx/>
               <a:buFontTx/>
               <a:buChar char="•"/>
-              <a:defRPr sz="1360"/>
+              <a:defRPr sz="1919"/>
             </a:pPr>
             <a:r>
-              <a:t>Utilization of Docker and Containerlab for An Efficient, Isolated Testing Environment</a:t>
-            </a:r>
-          </a:p>
-          <a:p>
-            <a:pPr marL="136357" indent="-136357" defTabSz="621791">
+              <a:t>Results</a:t>
+            </a:r>
+          </a:p>
+          <a:p>
+            <a:pPr lvl="1" marL="558265" indent="-192504" defTabSz="877823">
               <a:spcBef>
-                <a:spcPts val="800"/>
+                <a:spcPts val="1100"/>
               </a:spcBef>
               <a:buClrTx/>
               <a:buFontTx/>
               <a:buChar char="•"/>
-              <a:defRPr sz="1360"/>
+              <a:defRPr sz="1919"/>
             </a:pPr>
             <a:r>
-              <a:t>Simulation of Real Network Environments and Complex Network Topologies in the Testbed</a:t>
-            </a:r>
-          </a:p>
-          <a:p>
-            <a:pPr lvl="1" marL="395437" indent="-136357" defTabSz="621791">
+              <a:t>Network generator: Incorporating normal distribution data from the UK and DE</a:t>
+            </a:r>
+          </a:p>
+          <a:p>
+            <a:pPr lvl="1" marL="558265" indent="-192504" defTabSz="877823">
               <a:spcBef>
-                <a:spcPts val="800"/>
+                <a:spcPts val="1100"/>
               </a:spcBef>
               <a:buClrTx/>
               <a:buFontTx/>
               <a:buChar char="•"/>
-              <a:defRPr sz="1360"/>
+              <a:defRPr sz="1919"/>
             </a:pPr>
             <a:r>
-              <a:t>High Replication Accuracy of Bandwidth Limitation and Latency Addition</a:t>
-            </a:r>
-          </a:p>
-          <a:p>
-            <a:pPr lvl="1" marL="395437" indent="-136357" defTabSz="621791">
+              <a:t>Creating of the testbed: Docker and Containerlab</a:t>
+            </a:r>
+          </a:p>
+          <a:p>
+            <a:pPr lvl="1" marL="558265" indent="-192504" defTabSz="877823">
               <a:spcBef>
-                <a:spcPts val="800"/>
+                <a:spcPts val="1100"/>
               </a:spcBef>
               <a:buClrTx/>
               <a:buFontTx/>
               <a:buChar char="•"/>
-              <a:defRPr sz="1360"/>
+              <a:defRPr sz="1919"/>
             </a:pPr>
             <a:r>
-              <a:t>Effective Scalability with Increasing Nodes</a:t>
-            </a:r>
-          </a:p>
-          <a:p>
-            <a:pPr marL="136357" indent="-136357" defTabSz="621791">
+              <a:t>Evaluating of the testbed: Accuracy and scalability performance</a:t>
+            </a:r>
+          </a:p>
+          <a:p>
+            <a:pPr lvl="1" marL="558265" indent="-192504" defTabSz="877823">
               <a:spcBef>
-                <a:spcPts val="800"/>
+                <a:spcPts val="1100"/>
               </a:spcBef>
               <a:buClrTx/>
               <a:buFontTx/>
               <a:buChar char="•"/>
-              <a:defRPr sz="1360"/>
+              <a:defRPr sz="1919"/>
             </a:pPr>
             <a:r>
-              <a:t>Resource Consumption Performance of the P2P Algorithm</a:t>
-            </a:r>
-          </a:p>
-          <a:p>
-            <a:pPr lvl="1" marL="395437" indent="-136357" defTabSz="621791">
+              <a:t>Evaluating of the P2P algorithm: Resource Consumption and total duration performance</a:t>
+            </a:r>
+          </a:p>
+          <a:p>
+            <a:pPr marL="192504" indent="-192504" defTabSz="877823">
               <a:spcBef>
-                <a:spcPts val="800"/>
+                <a:spcPts val="1100"/>
               </a:spcBef>
               <a:buClrTx/>
               <a:buFontTx/>
               <a:buChar char="•"/>
-              <a:defRPr sz="1360"/>
+              <a:defRPr sz="1919"/>
             </a:pPr>
             <a:r>
-              <a:t>High Resource Usage Demand without the P2P Algorithm on the LectureStudio Server</a:t>
-            </a:r>
-          </a:p>
-          <a:p>
-            <a:pPr lvl="1" marL="395437" indent="-136357" defTabSz="621791">
+              <a:t>Future Works</a:t>
+            </a:r>
+          </a:p>
+          <a:p>
+            <a:pPr lvl="1" marL="558265" indent="-192504" defTabSz="877823">
               <a:spcBef>
-                <a:spcPts val="800"/>
+                <a:spcPts val="1100"/>
               </a:spcBef>
               <a:buClrTx/>
               <a:buFontTx/>
               <a:buChar char="•"/>
-              <a:defRPr sz="1360"/>
+              <a:defRPr sz="1919"/>
             </a:pPr>
             <a:r>
-              <a:t>Significant Reduction Achieved with the P2P Algorithm on the LectureStudio Server</a:t>
-            </a:r>
-          </a:p>
-          <a:p>
-            <a:pPr marL="136357" indent="-136357" defTabSz="621791">
+              <a:t>Enhancement of packet loss simulation for accurate network behavior</a:t>
+            </a:r>
+          </a:p>
+          <a:p>
+            <a:pPr lvl="1" marL="558265" indent="-192504" defTabSz="877823">
               <a:spcBef>
-                <a:spcPts val="800"/>
+                <a:spcPts val="1100"/>
               </a:spcBef>
               <a:buClrTx/>
               <a:buFontTx/>
               <a:buChar char="•"/>
-              <a:defRPr sz="1360"/>
+              <a:defRPr sz="1919"/>
             </a:pPr>
             <a:r>
-              <a:t>Total Duration Performance of the P2P Algorithm</a:t>
-            </a:r>
-          </a:p>
-          <a:p>
-            <a:pPr lvl="1" marL="395437" indent="-136357" defTabSz="621791">
+              <a:t>Automatic integration between the testbed and the P2P algorithm optimization</a:t>
+            </a:r>
+          </a:p>
+          <a:p>
+            <a:pPr lvl="1" marL="558265" indent="-192504" defTabSz="877823">
               <a:spcBef>
-                <a:spcPts val="800"/>
+                <a:spcPts val="1100"/>
               </a:spcBef>
               <a:buClrTx/>
               <a:buFontTx/>
               <a:buChar char="•"/>
-              <a:defRPr sz="1360"/>
+              <a:defRPr sz="1919"/>
             </a:pPr>
             <a:r>
-              <a:t>Limited Benefits Observed for Small Files</a:t>
-            </a:r>
-          </a:p>
-          <a:p>
-            <a:pPr lvl="1" marL="395437" indent="-136357" defTabSz="621791">
+              <a:t>Integration of additional P2P algorithms into the testbed</a:t>
+            </a:r>
+          </a:p>
+          <a:p>
+            <a:pPr lvl="1" marL="558265" indent="-192504" defTabSz="877823">
               <a:spcBef>
-                <a:spcPts val="800"/>
+                <a:spcPts val="1100"/>
               </a:spcBef>
               <a:buClrTx/>
               <a:buFontTx/>
               <a:buChar char="•"/>
-              <a:defRPr sz="1360"/>
+              <a:defRPr sz="1919"/>
             </a:pPr>
             <a:r>
-              <a:t>Increased Robustness of the P2P Algorithm with Larger Numbers of Peers and Data Sizes</a:t>
-            </a:r>
-          </a:p>
-          <a:p>
-            <a:pPr marL="136357" indent="-136357" defTabSz="621791">
-              <a:spcBef>
-                <a:spcPts val="800"/>
-              </a:spcBef>
-              <a:buClrTx/>
-              <a:buFontTx/>
-              <a:buChar char="•"/>
-              <a:defRPr sz="1360"/>
-            </a:pPr>
-            <a:r>
-              <a:t>Future Works</a:t>
-            </a:r>
-          </a:p>
-          <a:p>
-            <a:pPr lvl="1" marL="395437" indent="-136357" defTabSz="621791">
-              <a:spcBef>
-                <a:spcPts val="800"/>
-              </a:spcBef>
-              <a:buClrTx/>
-              <a:buFontTx/>
-              <a:buChar char="•"/>
-              <a:defRPr sz="1360"/>
-            </a:pPr>
-            <a:r>
-              <a:t>Enhancement of Packet Loss Simulation for Accurate Network Behavior</a:t>
-            </a:r>
-          </a:p>
-          <a:p>
-            <a:pPr lvl="1" marL="395437" indent="-136357" defTabSz="621791">
-              <a:spcBef>
-                <a:spcPts val="800"/>
-              </a:spcBef>
-              <a:buClrTx/>
-              <a:buFontTx/>
-              <a:buChar char="•"/>
-              <a:defRPr sz="1360"/>
-            </a:pPr>
-            <a:r>
-              <a:t>Automatic Integration between the Testbed and the P2P Algorithm Optimization</a:t>
-            </a:r>
-          </a:p>
-          <a:p>
-            <a:pPr lvl="1" marL="395437" indent="-136357" defTabSz="621791">
-              <a:spcBef>
-                <a:spcPts val="800"/>
-              </a:spcBef>
-              <a:buClrTx/>
-              <a:buFontTx/>
-              <a:buChar char="•"/>
-              <a:defRPr sz="1360"/>
-            </a:pPr>
-            <a:r>
-              <a:t>Integration of Additional P2P Algorithms into the Testbed</a:t>
-            </a:r>
-          </a:p>
-          <a:p>
-            <a:pPr lvl="1" marL="395437" indent="-136357" defTabSz="621791">
-              <a:spcBef>
-                <a:spcPts val="800"/>
-              </a:spcBef>
-              <a:buClrTx/>
-              <a:buFontTx/>
-              <a:buChar char="•"/>
-              <a:defRPr sz="1360"/>
-            </a:pPr>
-            <a:r>
-              <a:t>Development of A Graphical Testbed Interface for Easier Configuration and Real-Time Analysis</a:t>
-            </a:r>
-          </a:p>
-        </p:txBody>
-      </p:sp>
-      <p:sp>
-        <p:nvSpPr>
-          <p:cNvPr id="531" name="Date Placeholder 3"/>
+              <a:t>Development of a graphical testbed interface for easier configuration and real-time analysis</a:t>
+            </a:r>
+          </a:p>
+        </p:txBody>
+      </p:sp>
+      <p:sp>
+        <p:nvSpPr>
+          <p:cNvPr id="550" name="Date Placeholder 3"/>
           <p:cNvSpPr txBox="1"/>
           <p:nvPr/>
         </p:nvSpPr>
@@ -12429,7 +12502,7 @@
       </p:sp>
       <p:sp>
         <p:nvSpPr>
-          <p:cNvPr id="532" name="Slide Number"/>
+          <p:cNvPr id="551" name="Slide Number"/>
           <p:cNvSpPr txBox="1"/>
           <p:nvPr>
             <p:ph type="sldNum" sz="quarter" idx="4294967295"/>
@@ -12456,7 +12529,7 @@
       </p:sp>
       <p:sp>
         <p:nvSpPr>
-          <p:cNvPr id="533" name="Date Placeholder 3"/>
+          <p:cNvPr id="552" name="Date Placeholder 3"/>
           <p:cNvSpPr txBox="1"/>
           <p:nvPr/>
         </p:nvSpPr>
@@ -12526,7 +12599,7 @@
       </p:grpSpPr>
       <p:sp>
         <p:nvSpPr>
-          <p:cNvPr id="535" name="Title 6"/>
+          <p:cNvPr id="554" name="Title 6"/>
           <p:cNvSpPr txBox="1"/>
           <p:nvPr>
             <p:ph type="title"/>
@@ -12558,7 +12631,7 @@
       </p:sp>
       <p:sp>
         <p:nvSpPr>
-          <p:cNvPr id="536" name="Text Placeholder 7"/>
+          <p:cNvPr id="555" name="Text Placeholder 7"/>
           <p:cNvSpPr txBox="1"/>
           <p:nvPr>
             <p:ph type="body" sz="quarter" idx="1"/>
@@ -12588,7 +12661,7 @@
       </p:sp>
       <p:sp>
         <p:nvSpPr>
-          <p:cNvPr id="537" name="Slide Number Placeholder 5"/>
+          <p:cNvPr id="556" name="Slide Number Placeholder 5"/>
           <p:cNvSpPr txBox="1"/>
           <p:nvPr>
             <p:ph type="sldNum" sz="quarter" idx="4294967295"/>
@@ -12619,7 +12692,7 @@
       </p:sp>
       <p:sp>
         <p:nvSpPr>
-          <p:cNvPr id="538" name="Date Placeholder 3"/>
+          <p:cNvPr id="557" name="Date Placeholder 3"/>
           <p:cNvSpPr txBox="1"/>
           <p:nvPr/>
         </p:nvSpPr>
@@ -12663,7 +12736,7 @@
       </p:sp>
       <p:sp>
         <p:nvSpPr>
-          <p:cNvPr id="539" name="Date Placeholder 3"/>
+          <p:cNvPr id="558" name="Date Placeholder 3"/>
           <p:cNvSpPr txBox="1"/>
           <p:nvPr/>
         </p:nvSpPr>
@@ -12733,7 +12806,7 @@
       </p:grpSpPr>
       <p:sp>
         <p:nvSpPr>
-          <p:cNvPr id="541" name="References"/>
+          <p:cNvPr id="560" name="References"/>
           <p:cNvSpPr txBox="1"/>
           <p:nvPr>
             <p:ph type="title"/>
@@ -12763,7 +12836,7 @@
       </p:sp>
       <p:sp>
         <p:nvSpPr>
-          <p:cNvPr id="542" name="[1] https://www.data.gov.uk/dataset/dfe843da-06ca-4680-9ba0-fbb27319e402/uk-fixed-line-broadband-performance…"/>
+          <p:cNvPr id="561" name="[1] https://www.data.gov.uk/dataset/dfe843da-06ca-4680-9ba0-fbb27319e402/uk-fixed-line-broadband-performance…"/>
           <p:cNvSpPr txBox="1"/>
           <p:nvPr>
             <p:ph type="body" idx="1"/>
@@ -12848,7 +12921,7 @@
       </p:sp>
       <p:sp>
         <p:nvSpPr>
-          <p:cNvPr id="543" name="Slide Number"/>
+          <p:cNvPr id="562" name="Slide Number"/>
           <p:cNvSpPr txBox="1"/>
           <p:nvPr>
             <p:ph type="sldNum" sz="quarter" idx="4294967295"/>
@@ -12879,7 +12952,7 @@
       </p:sp>
       <p:sp>
         <p:nvSpPr>
-          <p:cNvPr id="544" name="Date Placeholder 3"/>
+          <p:cNvPr id="563" name="Date Placeholder 3"/>
           <p:cNvSpPr txBox="1"/>
           <p:nvPr/>
         </p:nvSpPr>
@@ -12923,7 +12996,7 @@
       </p:sp>
       <p:sp>
         <p:nvSpPr>
-          <p:cNvPr id="545" name="Date Placeholder 3"/>
+          <p:cNvPr id="564" name="Date Placeholder 3"/>
           <p:cNvSpPr txBox="1"/>
           <p:nvPr/>
         </p:nvSpPr>
@@ -12993,7 +13066,7 @@
       </p:grpSpPr>
       <p:sp>
         <p:nvSpPr>
-          <p:cNvPr id="547" name="Network Topology Generator"/>
+          <p:cNvPr id="566" name="Network Topology Generator"/>
           <p:cNvSpPr txBox="1"/>
           <p:nvPr>
             <p:ph type="title"/>
@@ -13025,7 +13098,7 @@
       </p:sp>
       <p:sp>
         <p:nvSpPr>
-          <p:cNvPr id="548" name="Slide Number"/>
+          <p:cNvPr id="567" name="Slide Number"/>
           <p:cNvSpPr txBox="1"/>
           <p:nvPr>
             <p:ph type="sldNum" sz="quarter" idx="4294967295"/>
@@ -13056,7 +13129,7 @@
       </p:sp>
       <p:sp>
         <p:nvSpPr>
-          <p:cNvPr id="549" name="{…"/>
+          <p:cNvPr id="568" name="{…"/>
           <p:cNvSpPr txBox="1"/>
           <p:nvPr/>
         </p:nvSpPr>
@@ -13457,7 +13530,7 @@
       </p:sp>
       <p:sp>
         <p:nvSpPr>
-          <p:cNvPr id="550" name="&quot;connections&quot;: […"/>
+          <p:cNvPr id="569" name="&quot;connections&quot;: […"/>
           <p:cNvSpPr txBox="1"/>
           <p:nvPr/>
         </p:nvSpPr>
@@ -13872,7 +13945,7 @@
       </p:sp>
       <p:sp>
         <p:nvSpPr>
-          <p:cNvPr id="551" name="List of Peers and Network Characteristics"/>
+          <p:cNvPr id="570" name="List of Peers and Network Characteristics"/>
           <p:cNvSpPr txBox="1"/>
           <p:nvPr/>
         </p:nvSpPr>
@@ -13926,7 +13999,7 @@
       </p:sp>
       <p:pic>
         <p:nvPicPr>
-          <p:cNvPr id="552" name="136525.png" descr="136525.png"/>
+          <p:cNvPr id="571" name="136525.png" descr="136525.png"/>
           <p:cNvPicPr>
             <a:picLocks noChangeAspect="1"/>
           </p:cNvPicPr>
@@ -13955,7 +14028,7 @@
       </p:pic>
       <p:sp>
         <p:nvSpPr>
-          <p:cNvPr id="553" name="{…"/>
+          <p:cNvPr id="572" name="{…"/>
           <p:cNvSpPr txBox="1"/>
           <p:nvPr/>
         </p:nvSpPr>
@@ -14255,7 +14328,7 @@
       </p:sp>
       <p:sp>
         <p:nvSpPr>
-          <p:cNvPr id="554" name="Connection Between Peers"/>
+          <p:cNvPr id="573" name="Connection Between Peers"/>
           <p:cNvSpPr txBox="1"/>
           <p:nvPr/>
         </p:nvSpPr>
@@ -14309,7 +14382,7 @@
       </p:sp>
       <p:pic>
         <p:nvPicPr>
-          <p:cNvPr id="555" name="136525.png" descr="136525.png"/>
+          <p:cNvPr id="574" name="136525.png" descr="136525.png"/>
           <p:cNvPicPr>
             <a:picLocks noChangeAspect="1"/>
           </p:cNvPicPr>
@@ -14338,7 +14411,7 @@
       </p:pic>
       <p:sp>
         <p:nvSpPr>
-          <p:cNvPr id="556" name="Line"/>
+          <p:cNvPr id="575" name="Line"/>
           <p:cNvSpPr/>
           <p:nvPr/>
         </p:nvSpPr>
@@ -14368,7 +14441,7 @@
       </p:sp>
       <p:sp>
         <p:nvSpPr>
-          <p:cNvPr id="557" name="Date Placeholder 3"/>
+          <p:cNvPr id="576" name="Date Placeholder 3"/>
           <p:cNvSpPr txBox="1"/>
           <p:nvPr/>
         </p:nvSpPr>
@@ -14412,7 +14485,7 @@
       </p:sp>
       <p:sp>
         <p:nvSpPr>
-          <p:cNvPr id="558" name="Develop Java Program…"/>
+          <p:cNvPr id="577" name="Develop Java Program…"/>
           <p:cNvSpPr txBox="1"/>
           <p:nvPr>
             <p:ph type="body" sz="quarter" idx="1"/>
@@ -14476,7 +14549,7 @@
       </p:sp>
       <p:sp>
         <p:nvSpPr>
-          <p:cNvPr id="559" name="Develop Java Program…"/>
+          <p:cNvPr id="578" name="Develop Java Program…"/>
           <p:cNvSpPr txBox="1"/>
           <p:nvPr/>
         </p:nvSpPr>
@@ -14566,7 +14639,7 @@
       </p:sp>
       <p:sp>
         <p:nvSpPr>
-          <p:cNvPr id="560" name="Date Placeholder 3"/>
+          <p:cNvPr id="579" name="Date Placeholder 3"/>
           <p:cNvSpPr txBox="1"/>
           <p:nvPr/>
         </p:nvSpPr>
@@ -14636,7 +14709,7 @@
       </p:grpSpPr>
       <p:sp>
         <p:nvSpPr>
-          <p:cNvPr id="562" name="Additional Slides (2) - Challenges"/>
+          <p:cNvPr id="581" name="Additional Slides (2) - Challenges"/>
           <p:cNvSpPr txBox="1"/>
           <p:nvPr>
             <p:ph type="title"/>
@@ -14660,7 +14733,7 @@
       </p:sp>
       <p:sp>
         <p:nvSpPr>
-          <p:cNvPr id="563" name="Finding real network dataset…"/>
+          <p:cNvPr id="582" name="Finding real network dataset…"/>
           <p:cNvSpPr txBox="1"/>
           <p:nvPr>
             <p:ph type="body" idx="1"/>
@@ -14721,7 +14794,7 @@
               <a:buChar char="•"/>
             </a:pPr>
             <a:r>
-              <a:t>Packet loss Simulation</a:t>
+              <a:t>Packet loss simulation</a:t>
             </a:r>
           </a:p>
           <a:p>
@@ -14758,7 +14831,7 @@
       </p:sp>
       <p:sp>
         <p:nvSpPr>
-          <p:cNvPr id="564" name="Date Placeholder 3"/>
+          <p:cNvPr id="583" name="Date Placeholder 3"/>
           <p:cNvSpPr txBox="1"/>
           <p:nvPr/>
         </p:nvSpPr>
@@ -14802,7 +14875,7 @@
       </p:sp>
       <p:sp>
         <p:nvSpPr>
-          <p:cNvPr id="565" name="Slide Number"/>
+          <p:cNvPr id="584" name="Slide Number"/>
           <p:cNvSpPr txBox="1"/>
           <p:nvPr>
             <p:ph type="sldNum" sz="quarter" idx="4294967295"/>
@@ -14829,7 +14902,7 @@
       </p:sp>
       <p:sp>
         <p:nvSpPr>
-          <p:cNvPr id="566" name="Date Placeholder 3"/>
+          <p:cNvPr id="585" name="Date Placeholder 3"/>
           <p:cNvSpPr txBox="1"/>
           <p:nvPr/>
         </p:nvSpPr>
@@ -14899,7 +14972,7 @@
       </p:grpSpPr>
       <p:sp>
         <p:nvSpPr>
-          <p:cNvPr id="568" name="Additional Slides (3) - Network Wiring Concepts in Containerlab"/>
+          <p:cNvPr id="587" name="Additional Slides (3) - Network Wiring Concepts in Containerlab"/>
           <p:cNvSpPr txBox="1"/>
           <p:nvPr>
             <p:ph type="title"/>
@@ -14927,7 +15000,7 @@
       </p:sp>
       <p:pic>
         <p:nvPicPr>
-          <p:cNvPr id="569" name="benefitsContainerlab.png" descr="benefitsContainerlab.png"/>
+          <p:cNvPr id="588" name="benefitsContainerlab.png" descr="benefitsContainerlab.png"/>
           <p:cNvPicPr>
             <a:picLocks noChangeAspect="1"/>
           </p:cNvPicPr>
@@ -14956,7 +15029,7 @@
       </p:pic>
       <p:sp>
         <p:nvSpPr>
-          <p:cNvPr id="570" name="Slide Number"/>
+          <p:cNvPr id="589" name="Slide Number"/>
           <p:cNvSpPr txBox="1"/>
           <p:nvPr>
             <p:ph type="sldNum" sz="quarter" idx="4294967295"/>
@@ -14983,7 +15056,7 @@
       </p:sp>
       <p:sp>
         <p:nvSpPr>
-          <p:cNvPr id="571" name="Date Placeholder 3"/>
+          <p:cNvPr id="590" name="Date Placeholder 3"/>
           <p:cNvSpPr txBox="1"/>
           <p:nvPr/>
         </p:nvSpPr>
@@ -15027,7 +15100,7 @@
       </p:sp>
       <p:sp>
         <p:nvSpPr>
-          <p:cNvPr id="572" name="Date Placeholder 3"/>
+          <p:cNvPr id="591" name="Date Placeholder 3"/>
           <p:cNvSpPr txBox="1"/>
           <p:nvPr/>
         </p:nvSpPr>
@@ -15097,7 +15170,7 @@
       </p:grpSpPr>
       <p:sp>
         <p:nvSpPr>
-          <p:cNvPr id="174" name="Overall Idea of the Testbed"/>
+          <p:cNvPr id="175" name="Overall Idea of the Testbed"/>
           <p:cNvSpPr txBox="1"/>
           <p:nvPr>
             <p:ph type="title"/>
@@ -15121,13 +15194,17 @@
       </p:sp>
       <p:sp>
         <p:nvSpPr>
-          <p:cNvPr id="175" name="Prepare network data/topology…"/>
+          <p:cNvPr id="176" name="Preparing Network Data and Topology for the Participants (lectureStudio server and peers)…"/>
           <p:cNvSpPr txBox="1"/>
           <p:nvPr>
-            <p:ph type="body" idx="1"/>
+            <p:ph type="body" sz="quarter" idx="1"/>
           </p:nvPr>
         </p:nvSpPr>
         <p:spPr>
+          <a:xfrm>
+            <a:off x="1097280" y="1354015"/>
+            <a:ext cx="10058401" cy="1473565"/>
+          </a:xfrm>
           <a:prstGeom prst="rect">
             <a:avLst/>
           </a:prstGeom>
@@ -15136,40 +15213,40 @@
           <a:bodyPr/>
           <a:lstStyle/>
           <a:p>
-            <a:pPr marL="200526" indent="-200526">
+            <a:pPr marL="334210" indent="-334210">
               <a:buClrTx/>
               <a:buFontTx/>
-              <a:buChar char="•"/>
+              <a:buAutoNum type="alphaUcPeriod" startAt="1"/>
             </a:pPr>
             <a:r>
-              <a:t>Prepare network data/topology</a:t>
-            </a:r>
-          </a:p>
-          <a:p>
-            <a:pPr marL="200526" indent="-200526">
+              <a:t>Preparing Network Data and Topology for the Participants (lectureStudio server and peers)</a:t>
+            </a:r>
+          </a:p>
+          <a:p>
+            <a:pPr marL="334210" indent="-334210">
               <a:buClrTx/>
               <a:buFontTx/>
-              <a:buChar char="•"/>
+              <a:buAutoNum type="alphaUcPeriod" startAt="1"/>
             </a:pPr>
             <a:r>
-              <a:t>P2P Algorithm calculates the result</a:t>
-            </a:r>
-          </a:p>
-          <a:p>
-            <a:pPr marL="200526" indent="-200526">
+              <a:t>Calculating the Result Topology by the P2P Algorithm </a:t>
+            </a:r>
+          </a:p>
+          <a:p>
+            <a:pPr marL="334210" indent="-334210">
               <a:buClrTx/>
               <a:buFontTx/>
-              <a:buChar char="•"/>
+              <a:buAutoNum type="alphaUcPeriod" startAt="1"/>
             </a:pPr>
             <a:r>
-              <a:t>Deploy and simulate the result topology in the testbed</a:t>
-            </a:r>
-          </a:p>
-        </p:txBody>
-      </p:sp>
-      <p:sp>
-        <p:nvSpPr>
-          <p:cNvPr id="176" name="Slide Number"/>
+              <a:t>Deploying and Simulating the Network Topology for Data Transfer in the Testbed</a:t>
+            </a:r>
+          </a:p>
+        </p:txBody>
+      </p:sp>
+      <p:sp>
+        <p:nvSpPr>
+          <p:cNvPr id="177" name="Slide Number"/>
           <p:cNvSpPr txBox="1"/>
           <p:nvPr>
             <p:ph type="sldNum" sz="quarter" idx="4294967295"/>
@@ -15200,7 +15277,7 @@
       </p:sp>
       <p:sp>
         <p:nvSpPr>
-          <p:cNvPr id="177" name="Date Placeholder 3"/>
+          <p:cNvPr id="178" name="Date Placeholder 3"/>
           <p:cNvSpPr txBox="1"/>
           <p:nvPr/>
         </p:nvSpPr>
@@ -15244,7 +15321,7 @@
       </p:sp>
       <p:sp>
         <p:nvSpPr>
-          <p:cNvPr id="178" name="Date Placeholder 3"/>
+          <p:cNvPr id="179" name="Date Placeholder 3"/>
           <p:cNvSpPr txBox="1"/>
           <p:nvPr/>
         </p:nvSpPr>
@@ -15282,6 +15359,561 @@
             <a:pPr/>
             <a:r>
               <a:t>OVERALL IDEA OF THE TESTBED</a:t>
+            </a:r>
+          </a:p>
+        </p:txBody>
+      </p:sp>
+      <p:pic>
+        <p:nvPicPr>
+          <p:cNvPr id="180" name="239207.png" descr="239207.png"/>
+          <p:cNvPicPr>
+            <a:picLocks noChangeAspect="1"/>
+          </p:cNvPicPr>
+          <p:nvPr/>
+        </p:nvPicPr>
+        <p:blipFill>
+          <a:blip r:embed="rId2">
+            <a:extLst/>
+          </a:blip>
+          <a:stretch>
+            <a:fillRect/>
+          </a:stretch>
+        </p:blipFill>
+        <p:spPr>
+          <a:xfrm>
+            <a:off x="1840175" y="3280730"/>
+            <a:ext cx="584769" cy="584768"/>
+          </a:xfrm>
+          <a:prstGeom prst="rect">
+            <a:avLst/>
+          </a:prstGeom>
+          <a:ln w="12700">
+            <a:miter lim="400000"/>
+          </a:ln>
+        </p:spPr>
+      </p:pic>
+      <p:pic>
+        <p:nvPicPr>
+          <p:cNvPr id="181" name="519151.png" descr="519151.png"/>
+          <p:cNvPicPr>
+            <a:picLocks noChangeAspect="1"/>
+          </p:cNvPicPr>
+          <p:nvPr/>
+        </p:nvPicPr>
+        <p:blipFill>
+          <a:blip r:embed="rId3">
+            <a:extLst/>
+          </a:blip>
+          <a:stretch>
+            <a:fillRect/>
+          </a:stretch>
+        </p:blipFill>
+        <p:spPr>
+          <a:xfrm>
+            <a:off x="2810615" y="3280730"/>
+            <a:ext cx="702028" cy="702028"/>
+          </a:xfrm>
+          <a:prstGeom prst="rect">
+            <a:avLst/>
+          </a:prstGeom>
+          <a:ln w="12700">
+            <a:miter lim="400000"/>
+          </a:ln>
+        </p:spPr>
+      </p:pic>
+      <p:pic>
+        <p:nvPicPr>
+          <p:cNvPr id="182" name="5968282.png" descr="5968282.png"/>
+          <p:cNvPicPr>
+            <a:picLocks noChangeAspect="1"/>
+          </p:cNvPicPr>
+          <p:nvPr/>
+        </p:nvPicPr>
+        <p:blipFill>
+          <a:blip r:embed="rId4">
+            <a:extLst/>
+          </a:blip>
+          <a:stretch>
+            <a:fillRect/>
+          </a:stretch>
+        </p:blipFill>
+        <p:spPr>
+          <a:xfrm>
+            <a:off x="2272224" y="4033488"/>
+            <a:ext cx="702028" cy="702029"/>
+          </a:xfrm>
+          <a:prstGeom prst="rect">
+            <a:avLst/>
+          </a:prstGeom>
+          <a:ln w="12700">
+            <a:miter lim="400000"/>
+          </a:ln>
+        </p:spPr>
+      </p:pic>
+      <p:pic>
+        <p:nvPicPr>
+          <p:cNvPr id="183" name="Image" descr="Image"/>
+          <p:cNvPicPr>
+            <a:picLocks noChangeAspect="1"/>
+          </p:cNvPicPr>
+          <p:nvPr/>
+        </p:nvPicPr>
+        <p:blipFill>
+          <a:blip r:embed="rId5">
+            <a:extLst/>
+          </a:blip>
+          <a:stretch>
+            <a:fillRect/>
+          </a:stretch>
+        </p:blipFill>
+        <p:spPr>
+          <a:xfrm>
+            <a:off x="4342498" y="4454816"/>
+            <a:ext cx="1394392" cy="1394392"/>
+          </a:xfrm>
+          <a:prstGeom prst="rect">
+            <a:avLst/>
+          </a:prstGeom>
+          <a:ln w="12700">
+            <a:miter lim="400000"/>
+          </a:ln>
+        </p:spPr>
+      </p:pic>
+      <p:pic>
+        <p:nvPicPr>
+          <p:cNvPr id="184" name="docker_logo.png" descr="docker_logo.png"/>
+          <p:cNvPicPr>
+            <a:picLocks noChangeAspect="1"/>
+          </p:cNvPicPr>
+          <p:nvPr/>
+        </p:nvPicPr>
+        <p:blipFill>
+          <a:blip r:embed="rId6">
+            <a:extLst/>
+          </a:blip>
+          <a:stretch>
+            <a:fillRect/>
+          </a:stretch>
+        </p:blipFill>
+        <p:spPr>
+          <a:xfrm>
+            <a:off x="6352243" y="3420512"/>
+            <a:ext cx="919538" cy="919538"/>
+          </a:xfrm>
+          <a:prstGeom prst="rect">
+            <a:avLst/>
+          </a:prstGeom>
+          <a:ln w="12700">
+            <a:miter lim="400000"/>
+          </a:ln>
+        </p:spPr>
+      </p:pic>
+      <p:pic>
+        <p:nvPicPr>
+          <p:cNvPr id="185" name="Screenshot 2024-01-21 at 16.09.34.png" descr="Screenshot 2024-01-21 at 16.09.34.png"/>
+          <p:cNvPicPr>
+            <a:picLocks noChangeAspect="1"/>
+          </p:cNvPicPr>
+          <p:nvPr/>
+        </p:nvPicPr>
+        <p:blipFill>
+          <a:blip r:embed="rId7">
+            <a:extLst/>
+          </a:blip>
+          <a:stretch>
+            <a:fillRect/>
+          </a:stretch>
+        </p:blipFill>
+        <p:spPr>
+          <a:xfrm>
+            <a:off x="7854112" y="2883698"/>
+            <a:ext cx="777883" cy="702028"/>
+          </a:xfrm>
+          <a:prstGeom prst="rect">
+            <a:avLst/>
+          </a:prstGeom>
+          <a:ln w="12700">
+            <a:miter lim="400000"/>
+          </a:ln>
+        </p:spPr>
+      </p:pic>
+      <p:pic>
+        <p:nvPicPr>
+          <p:cNvPr id="186" name="473791.png" descr="473791.png"/>
+          <p:cNvPicPr>
+            <a:picLocks noChangeAspect="1"/>
+          </p:cNvPicPr>
+          <p:nvPr/>
+        </p:nvPicPr>
+        <p:blipFill>
+          <a:blip r:embed="rId8">
+            <a:extLst/>
+          </a:blip>
+          <a:stretch>
+            <a:fillRect/>
+          </a:stretch>
+        </p:blipFill>
+        <p:spPr>
+          <a:xfrm>
+            <a:off x="8980718" y="3581561"/>
+            <a:ext cx="547114" cy="547114"/>
+          </a:xfrm>
+          <a:prstGeom prst="rect">
+            <a:avLst/>
+          </a:prstGeom>
+          <a:ln w="12700">
+            <a:miter lim="400000"/>
+          </a:ln>
+        </p:spPr>
+      </p:pic>
+      <p:pic>
+        <p:nvPicPr>
+          <p:cNvPr id="187" name="Unknown.png" descr="Unknown.png"/>
+          <p:cNvPicPr>
+            <a:picLocks noChangeAspect="1"/>
+          </p:cNvPicPr>
+          <p:nvPr/>
+        </p:nvPicPr>
+        <p:blipFill>
+          <a:blip r:embed="rId9">
+            <a:extLst/>
+          </a:blip>
+          <a:stretch>
+            <a:fillRect/>
+          </a:stretch>
+        </p:blipFill>
+        <p:spPr>
+          <a:xfrm>
+            <a:off x="8506663" y="3779330"/>
+            <a:ext cx="304207" cy="304207"/>
+          </a:xfrm>
+          <a:prstGeom prst="rect">
+            <a:avLst/>
+          </a:prstGeom>
+          <a:ln w="12700">
+            <a:miter lim="400000"/>
+          </a:ln>
+        </p:spPr>
+      </p:pic>
+      <p:pic>
+        <p:nvPicPr>
+          <p:cNvPr id="188" name="3621249.png" descr="3621249.png"/>
+          <p:cNvPicPr>
+            <a:picLocks noChangeAspect="1"/>
+          </p:cNvPicPr>
+          <p:nvPr/>
+        </p:nvPicPr>
+        <p:blipFill>
+          <a:blip r:embed="rId10">
+            <a:extLst/>
+          </a:blip>
+          <a:stretch>
+            <a:fillRect/>
+          </a:stretch>
+        </p:blipFill>
+        <p:spPr>
+          <a:xfrm>
+            <a:off x="8006632" y="4454816"/>
+            <a:ext cx="447442" cy="447442"/>
+          </a:xfrm>
+          <a:prstGeom prst="rect">
+            <a:avLst/>
+          </a:prstGeom>
+          <a:ln w="12700">
+            <a:miter lim="400000"/>
+          </a:ln>
+        </p:spPr>
+      </p:pic>
+      <p:pic>
+        <p:nvPicPr>
+          <p:cNvPr id="189" name="1654914-200.png" descr="1654914-200.png"/>
+          <p:cNvPicPr>
+            <a:picLocks noChangeAspect="1"/>
+          </p:cNvPicPr>
+          <p:nvPr/>
+        </p:nvPicPr>
+        <p:blipFill>
+          <a:blip r:embed="rId11">
+            <a:extLst/>
+          </a:blip>
+          <a:stretch>
+            <a:fillRect/>
+          </a:stretch>
+        </p:blipFill>
+        <p:spPr>
+          <a:xfrm>
+            <a:off x="8463679" y="4277140"/>
+            <a:ext cx="447442" cy="447442"/>
+          </a:xfrm>
+          <a:prstGeom prst="rect">
+            <a:avLst/>
+          </a:prstGeom>
+          <a:ln w="12700">
+            <a:miter lim="400000"/>
+          </a:ln>
+        </p:spPr>
+      </p:pic>
+      <p:pic>
+        <p:nvPicPr>
+          <p:cNvPr id="190" name="102642.png" descr="102642.png"/>
+          <p:cNvPicPr>
+            <a:picLocks noChangeAspect="1"/>
+          </p:cNvPicPr>
+          <p:nvPr/>
+        </p:nvPicPr>
+        <p:blipFill>
+          <a:blip r:embed="rId12">
+            <a:extLst/>
+          </a:blip>
+          <a:stretch>
+            <a:fillRect/>
+          </a:stretch>
+        </p:blipFill>
+        <p:spPr>
+          <a:xfrm>
+            <a:off x="7481879" y="4277140"/>
+            <a:ext cx="457201" cy="457201"/>
+          </a:xfrm>
+          <a:prstGeom prst="rect">
+            <a:avLst/>
+          </a:prstGeom>
+          <a:ln w="12700">
+            <a:miter lim="400000"/>
+          </a:ln>
+        </p:spPr>
+      </p:pic>
+      <p:pic>
+        <p:nvPicPr>
+          <p:cNvPr id="191" name="Screenshot 2024-03-22 at 13.21.46.png" descr="Screenshot 2024-03-22 at 13.21.46.png"/>
+          <p:cNvPicPr>
+            <a:picLocks noChangeAspect="1"/>
+          </p:cNvPicPr>
+          <p:nvPr/>
+        </p:nvPicPr>
+        <p:blipFill>
+          <a:blip r:embed="rId13">
+            <a:extLst/>
+          </a:blip>
+          <a:stretch>
+            <a:fillRect/>
+          </a:stretch>
+        </p:blipFill>
+        <p:spPr>
+          <a:xfrm>
+            <a:off x="7265633" y="3693661"/>
+            <a:ext cx="737293" cy="475544"/>
+          </a:xfrm>
+          <a:prstGeom prst="rect">
+            <a:avLst/>
+          </a:prstGeom>
+          <a:ln w="12700">
+            <a:miter lim="400000"/>
+          </a:ln>
+        </p:spPr>
+      </p:pic>
+      <p:sp>
+        <p:nvSpPr>
+          <p:cNvPr id="192" name="Circle"/>
+          <p:cNvSpPr/>
+          <p:nvPr/>
+        </p:nvSpPr>
+        <p:spPr>
+          <a:xfrm>
+            <a:off x="2407337" y="3655809"/>
+            <a:ext cx="381001" cy="378351"/>
+          </a:xfrm>
+          <a:prstGeom prst="ellipse">
+            <a:avLst/>
+          </a:prstGeom>
+          <a:solidFill>
+            <a:srgbClr val="FFFFFF"/>
+          </a:solidFill>
+          <a:ln w="12700">
+            <a:solidFill>
+              <a:srgbClr val="A74810"/>
+            </a:solidFill>
+          </a:ln>
+        </p:spPr>
+        <p:txBody>
+          <a:bodyPr lIns="45718" tIns="45718" rIns="45718" bIns="45718" anchor="ctr"/>
+          <a:lstStyle/>
+          <a:p>
+            <a:pPr/>
+          </a:p>
+        </p:txBody>
+      </p:sp>
+      <p:sp>
+        <p:nvSpPr>
+          <p:cNvPr id="193" name="A"/>
+          <p:cNvSpPr txBox="1"/>
+          <p:nvPr/>
+        </p:nvSpPr>
+        <p:spPr>
+          <a:xfrm>
+            <a:off x="2486874" y="3688575"/>
+            <a:ext cx="236410" cy="333086"/>
+          </a:xfrm>
+          <a:prstGeom prst="rect">
+            <a:avLst/>
+          </a:prstGeom>
+          <a:ln w="12700">
+            <a:miter lim="400000"/>
+          </a:ln>
+          <a:extLst>
+            <a:ext uri="{C572A759-6A51-4108-AA02-DFA0A04FC94B}">
+              <ma14:wrappingTextBoxFlag xmlns:ma14="http://schemas.microsoft.com/office/mac/drawingml/2011/main" val="1"/>
+            </a:ext>
+          </a:extLst>
+        </p:spPr>
+        <p:txBody>
+          <a:bodyPr wrap="none" lIns="45718" tIns="45718" rIns="45718" bIns="45718">
+            <a:spAutoFit/>
+          </a:bodyPr>
+          <a:lstStyle>
+            <a:lvl1pPr algn="ctr"/>
+          </a:lstStyle>
+          <a:p>
+            <a:pPr/>
+            <a:r>
+              <a:t>A</a:t>
+            </a:r>
+          </a:p>
+        </p:txBody>
+      </p:sp>
+      <p:sp>
+        <p:nvSpPr>
+          <p:cNvPr id="194" name="Circle"/>
+          <p:cNvSpPr/>
+          <p:nvPr/>
+        </p:nvSpPr>
+        <p:spPr>
+          <a:xfrm>
+            <a:off x="8041773" y="3700011"/>
+            <a:ext cx="381001" cy="378351"/>
+          </a:xfrm>
+          <a:prstGeom prst="ellipse">
+            <a:avLst/>
+          </a:prstGeom>
+          <a:solidFill>
+            <a:srgbClr val="FFFFFF"/>
+          </a:solidFill>
+          <a:ln w="12700">
+            <a:solidFill>
+              <a:srgbClr val="A74810"/>
+            </a:solidFill>
+          </a:ln>
+        </p:spPr>
+        <p:txBody>
+          <a:bodyPr lIns="45718" tIns="45718" rIns="45718" bIns="45718" anchor="ctr"/>
+          <a:lstStyle/>
+          <a:p>
+            <a:pPr/>
+          </a:p>
+        </p:txBody>
+      </p:sp>
+      <p:sp>
+        <p:nvSpPr>
+          <p:cNvPr id="195" name="C"/>
+          <p:cNvSpPr txBox="1"/>
+          <p:nvPr/>
+        </p:nvSpPr>
+        <p:spPr>
+          <a:xfrm>
+            <a:off x="8113800" y="3732777"/>
+            <a:ext cx="226029" cy="333086"/>
+          </a:xfrm>
+          <a:prstGeom prst="rect">
+            <a:avLst/>
+          </a:prstGeom>
+          <a:ln w="12700">
+            <a:miter lim="400000"/>
+          </a:ln>
+          <a:extLst>
+            <a:ext uri="{C572A759-6A51-4108-AA02-DFA0A04FC94B}">
+              <ma14:wrappingTextBoxFlag xmlns:ma14="http://schemas.microsoft.com/office/mac/drawingml/2011/main" val="1"/>
+            </a:ext>
+          </a:extLst>
+        </p:spPr>
+        <p:txBody>
+          <a:bodyPr wrap="none" lIns="45718" tIns="45718" rIns="45718" bIns="45718">
+            <a:spAutoFit/>
+          </a:bodyPr>
+          <a:lstStyle>
+            <a:lvl1pPr algn="ctr"/>
+          </a:lstStyle>
+          <a:p>
+            <a:pPr/>
+            <a:r>
+              <a:t>C</a:t>
+            </a:r>
+          </a:p>
+        </p:txBody>
+      </p:sp>
+      <p:sp>
+        <p:nvSpPr>
+          <p:cNvPr id="196" name="Circle"/>
+          <p:cNvSpPr/>
+          <p:nvPr/>
+        </p:nvSpPr>
+        <p:spPr>
+          <a:xfrm>
+            <a:off x="4849194" y="4195327"/>
+            <a:ext cx="381001" cy="378351"/>
+          </a:xfrm>
+          <a:prstGeom prst="ellipse">
+            <a:avLst/>
+          </a:prstGeom>
+          <a:solidFill>
+            <a:srgbClr val="FFFFFF"/>
+          </a:solidFill>
+          <a:ln w="12700">
+            <a:solidFill>
+              <a:srgbClr val="A74810"/>
+            </a:solidFill>
+          </a:ln>
+        </p:spPr>
+        <p:txBody>
+          <a:bodyPr lIns="45718" tIns="45718" rIns="45718" bIns="45718" anchor="ctr"/>
+          <a:lstStyle/>
+          <a:p>
+            <a:pPr/>
+          </a:p>
+        </p:txBody>
+      </p:sp>
+      <p:sp>
+        <p:nvSpPr>
+          <p:cNvPr id="197" name="B"/>
+          <p:cNvSpPr txBox="1"/>
+          <p:nvPr/>
+        </p:nvSpPr>
+        <p:spPr>
+          <a:xfrm>
+            <a:off x="4919993" y="4228093"/>
+            <a:ext cx="228485" cy="333086"/>
+          </a:xfrm>
+          <a:prstGeom prst="rect">
+            <a:avLst/>
+          </a:prstGeom>
+          <a:ln w="12700">
+            <a:miter lim="400000"/>
+          </a:ln>
+          <a:extLst>
+            <a:ext uri="{C572A759-6A51-4108-AA02-DFA0A04FC94B}">
+              <ma14:wrappingTextBoxFlag xmlns:ma14="http://schemas.microsoft.com/office/mac/drawingml/2011/main" val="1"/>
+            </a:ext>
+          </a:extLst>
+        </p:spPr>
+        <p:txBody>
+          <a:bodyPr wrap="none" lIns="45718" tIns="45718" rIns="45718" bIns="45718">
+            <a:spAutoFit/>
+          </a:bodyPr>
+          <a:lstStyle>
+            <a:lvl1pPr algn="ctr"/>
+          </a:lstStyle>
+          <a:p>
+            <a:pPr/>
+            <a:r>
+              <a:t>B</a:t>
             </a:r>
           </a:p>
         </p:txBody>
@@ -15325,7 +15957,7 @@
       </p:grpSpPr>
       <p:pic>
         <p:nvPicPr>
-          <p:cNvPr id="180" name="239207.png" descr="239207.png"/>
+          <p:cNvPr id="199" name="239207.png" descr="239207.png"/>
           <p:cNvPicPr>
             <a:picLocks noChangeAspect="1"/>
           </p:cNvPicPr>
@@ -15354,7 +15986,7 @@
       </p:pic>
       <p:pic>
         <p:nvPicPr>
-          <p:cNvPr id="181" name="Image" descr="Image"/>
+          <p:cNvPr id="200" name="Image" descr="Image"/>
           <p:cNvPicPr>
             <a:picLocks noChangeAspect="1"/>
           </p:cNvPicPr>
@@ -15370,8 +16002,8 @@
         </p:blipFill>
         <p:spPr>
           <a:xfrm>
-            <a:off x="7009389" y="4089334"/>
-            <a:ext cx="956817" cy="956817"/>
+            <a:off x="6962051" y="4214281"/>
+            <a:ext cx="956817" cy="956818"/>
           </a:xfrm>
           <a:prstGeom prst="rect">
             <a:avLst/>
@@ -15383,7 +16015,7 @@
       </p:pic>
       <p:pic>
         <p:nvPicPr>
-          <p:cNvPr id="182" name="519151.png" descr="519151.png"/>
+          <p:cNvPr id="201" name="519151.png" descr="519151.png"/>
           <p:cNvPicPr>
             <a:picLocks noChangeAspect="1"/>
           </p:cNvPicPr>
@@ -15399,8 +16031,8 @@
         </p:blipFill>
         <p:spPr>
           <a:xfrm>
-            <a:off x="5384176" y="4118712"/>
-            <a:ext cx="842280" cy="842281"/>
+            <a:off x="5349169" y="4271550"/>
+            <a:ext cx="842281" cy="842281"/>
           </a:xfrm>
           <a:prstGeom prst="rect">
             <a:avLst/>
@@ -15412,7 +16044,7 @@
       </p:pic>
       <p:pic>
         <p:nvPicPr>
-          <p:cNvPr id="183" name="binary-tree-flat-icon-image-vector-40350078.jpg" descr="binary-tree-flat-icon-image-vector-40350078.jpg"/>
+          <p:cNvPr id="202" name="binary-tree-flat-icon-image-vector-40350078.jpg" descr="binary-tree-flat-icon-image-vector-40350078.jpg"/>
           <p:cNvPicPr>
             <a:picLocks noChangeAspect="1"/>
           </p:cNvPicPr>
@@ -15428,8 +16060,8 @@
         </p:blipFill>
         <p:spPr>
           <a:xfrm>
-            <a:off x="8656983" y="4114800"/>
-            <a:ext cx="1031221" cy="700558"/>
+            <a:off x="8623375" y="4271550"/>
+            <a:ext cx="1031222" cy="700558"/>
           </a:xfrm>
           <a:prstGeom prst="rect">
             <a:avLst/>
@@ -15441,7 +16073,7 @@
       </p:pic>
       <p:pic>
         <p:nvPicPr>
-          <p:cNvPr id="184" name="5968282.png" descr="5968282.png"/>
+          <p:cNvPr id="203" name="5968282.png" descr="5968282.png"/>
           <p:cNvPicPr>
             <a:picLocks noChangeAspect="1"/>
           </p:cNvPicPr>
@@ -15470,7 +16102,7 @@
       </p:pic>
       <p:pic>
         <p:nvPicPr>
-          <p:cNvPr id="185" name="136525.png" descr="136525.png"/>
+          <p:cNvPr id="204" name="136525.png" descr="136525.png"/>
           <p:cNvPicPr>
             <a:picLocks noChangeAspect="1"/>
           </p:cNvPicPr>
@@ -15486,7 +16118,7 @@
         </p:blipFill>
         <p:spPr>
           <a:xfrm>
-            <a:off x="9626952" y="4707209"/>
+            <a:off x="9626952" y="4781554"/>
             <a:ext cx="241293" cy="241292"/>
           </a:xfrm>
           <a:prstGeom prst="rect">
@@ -15499,7 +16131,7 @@
       </p:pic>
       <p:pic>
         <p:nvPicPr>
-          <p:cNvPr id="186" name="136525.png" descr="136525.png"/>
+          <p:cNvPr id="205" name="136525.png" descr="136525.png"/>
           <p:cNvPicPr>
             <a:picLocks noChangeAspect="1"/>
           </p:cNvPicPr>
@@ -15515,7 +16147,7 @@
         </p:blipFill>
         <p:spPr>
           <a:xfrm>
-            <a:off x="6116013" y="4781554"/>
+            <a:off x="6156653" y="4856104"/>
             <a:ext cx="241293" cy="241292"/>
           </a:xfrm>
           <a:prstGeom prst="rect">
@@ -15528,7 +16160,7 @@
       </p:pic>
       <p:sp>
         <p:nvSpPr>
-          <p:cNvPr id="187" name="Line"/>
+          <p:cNvPr id="206" name="Line"/>
           <p:cNvSpPr/>
           <p:nvPr/>
         </p:nvSpPr>
@@ -15557,7 +16189,7 @@
       </p:sp>
       <p:sp>
         <p:nvSpPr>
-          <p:cNvPr id="188" name="Line"/>
+          <p:cNvPr id="207" name="Line"/>
           <p:cNvSpPr/>
           <p:nvPr/>
         </p:nvSpPr>
@@ -15586,7 +16218,7 @@
       </p:sp>
       <p:sp>
         <p:nvSpPr>
-          <p:cNvPr id="189" name="Java…"/>
+          <p:cNvPr id="208" name="Java…"/>
           <p:cNvSpPr txBox="1"/>
           <p:nvPr/>
         </p:nvSpPr>
@@ -15594,6 +16226,46 @@
           <a:xfrm>
             <a:off x="1903249" y="3810000"/>
             <a:ext cx="2255562" cy="310436"/>
+          </a:xfrm>
+          <a:prstGeom prst="rect">
+            <a:avLst/>
+          </a:prstGeom>
+          <a:ln w="12700">
+            <a:miter lim="400000"/>
+          </a:ln>
+          <a:extLst>
+            <a:ext uri="{C572A759-6A51-4108-AA02-DFA0A04FC94B}">
+              <ma14:wrappingTextBoxFlag xmlns:ma14="http://schemas.microsoft.com/office/mac/drawingml/2011/main" val="1"/>
+            </a:ext>
+          </a:extLst>
+        </p:spPr>
+        <p:txBody>
+          <a:bodyPr lIns="45718" tIns="45718" rIns="45718" bIns="45718" anchor="b">
+            <a:normAutofit fontScale="100000" lnSpcReduction="0"/>
+          </a:bodyPr>
+          <a:lstStyle>
+            <a:lvl1pPr defTabSz="448055">
+              <a:defRPr sz="1372"/>
+            </a:lvl1pPr>
+          </a:lstStyle>
+          <a:p>
+            <a:pPr/>
+            <a:r>
+              <a:t>Generating Real Network Data</a:t>
+            </a:r>
+          </a:p>
+        </p:txBody>
+      </p:sp>
+      <p:sp>
+        <p:nvSpPr>
+          <p:cNvPr id="209" name="Java…"/>
+          <p:cNvSpPr txBox="1"/>
+          <p:nvPr/>
+        </p:nvSpPr>
+        <p:spPr>
+          <a:xfrm>
+            <a:off x="4800998" y="3808276"/>
+            <a:ext cx="1938624" cy="310437"/>
           </a:xfrm>
           <a:prstGeom prst="rect">
             <a:avLst/>
@@ -15619,21 +16291,21 @@
           <a:p>
             <a:pPr/>
             <a:r>
-              <a:t>Simulating Real Network Data</a:t>
-            </a:r>
-          </a:p>
-        </p:txBody>
-      </p:sp>
-      <p:sp>
-        <p:nvSpPr>
-          <p:cNvPr id="190" name="Java…"/>
+              <a:t>Mesh Network Topology</a:t>
+            </a:r>
+          </a:p>
+        </p:txBody>
+      </p:sp>
+      <p:sp>
+        <p:nvSpPr>
+          <p:cNvPr id="210" name="Java…"/>
           <p:cNvSpPr txBox="1"/>
           <p:nvPr/>
         </p:nvSpPr>
         <p:spPr>
           <a:xfrm>
-            <a:off x="4800998" y="3808276"/>
-            <a:ext cx="1938624" cy="310437"/>
+            <a:off x="3131434" y="5173648"/>
+            <a:ext cx="2389643" cy="310437"/>
           </a:xfrm>
           <a:prstGeom prst="rect">
             <a:avLst/>
@@ -15659,21 +16331,21 @@
           <a:p>
             <a:pPr/>
             <a:r>
-              <a:t>Mesh Network Topology</a:t>
-            </a:r>
-          </a:p>
-        </p:txBody>
-      </p:sp>
-      <p:sp>
-        <p:nvSpPr>
-          <p:cNvPr id="191" name="Java…"/>
+              <a:t>Network Topology Generator</a:t>
+            </a:r>
+          </a:p>
+        </p:txBody>
+      </p:sp>
+      <p:sp>
+        <p:nvSpPr>
+          <p:cNvPr id="211" name="Java…"/>
           <p:cNvSpPr txBox="1"/>
           <p:nvPr/>
         </p:nvSpPr>
         <p:spPr>
           <a:xfrm>
-            <a:off x="3131434" y="5060897"/>
-            <a:ext cx="2389643" cy="310437"/>
+            <a:off x="5430525" y="5634887"/>
+            <a:ext cx="1950174" cy="310437"/>
           </a:xfrm>
           <a:prstGeom prst="rect">
             <a:avLst/>
@@ -15699,21 +16371,21 @@
           <a:p>
             <a:pPr/>
             <a:r>
-              <a:t>Network Topology Generator</a:t>
-            </a:r>
-          </a:p>
-        </p:txBody>
-      </p:sp>
-      <p:sp>
-        <p:nvSpPr>
-          <p:cNvPr id="192" name="Java…"/>
+              <a:t>Data Flow between Steps</a:t>
+            </a:r>
+          </a:p>
+        </p:txBody>
+      </p:sp>
+      <p:sp>
+        <p:nvSpPr>
+          <p:cNvPr id="212" name="Java…"/>
           <p:cNvSpPr txBox="1"/>
           <p:nvPr/>
         </p:nvSpPr>
         <p:spPr>
           <a:xfrm>
-            <a:off x="5430525" y="5634887"/>
-            <a:ext cx="1950174" cy="310437"/>
+            <a:off x="6245638" y="5173648"/>
+            <a:ext cx="2389643" cy="310437"/>
           </a:xfrm>
           <a:prstGeom prst="rect">
             <a:avLst/>
@@ -15739,20 +16411,20 @@
           <a:p>
             <a:pPr/>
             <a:r>
-              <a:t>Data Flow between Steps</a:t>
-            </a:r>
-          </a:p>
-        </p:txBody>
-      </p:sp>
-      <p:sp>
-        <p:nvSpPr>
-          <p:cNvPr id="193" name="Java…"/>
+              <a:t>Integrating the P2P Algorithm</a:t>
+            </a:r>
+          </a:p>
+        </p:txBody>
+      </p:sp>
+      <p:sp>
+        <p:nvSpPr>
+          <p:cNvPr id="213" name="Java…"/>
           <p:cNvSpPr txBox="1"/>
           <p:nvPr/>
         </p:nvSpPr>
         <p:spPr>
           <a:xfrm>
-            <a:off x="6292976" y="5060897"/>
+            <a:off x="8209137" y="3808276"/>
             <a:ext cx="2389643" cy="310437"/>
           </a:xfrm>
           <a:prstGeom prst="rect">
@@ -15779,46 +16451,6 @@
           <a:p>
             <a:pPr/>
             <a:r>
-              <a:t>Integrating the P2P Algorithm</a:t>
-            </a:r>
-          </a:p>
-        </p:txBody>
-      </p:sp>
-      <p:sp>
-        <p:nvSpPr>
-          <p:cNvPr id="194" name="Java…"/>
-          <p:cNvSpPr txBox="1"/>
-          <p:nvPr/>
-        </p:nvSpPr>
-        <p:spPr>
-          <a:xfrm>
-            <a:off x="8209137" y="3808276"/>
-            <a:ext cx="2389643" cy="310437"/>
-          </a:xfrm>
-          <a:prstGeom prst="rect">
-            <a:avLst/>
-          </a:prstGeom>
-          <a:ln w="12700">
-            <a:miter lim="400000"/>
-          </a:ln>
-          <a:extLst>
-            <a:ext uri="{C572A759-6A51-4108-AA02-DFA0A04FC94B}">
-              <ma14:wrappingTextBoxFlag xmlns:ma14="http://schemas.microsoft.com/office/mac/drawingml/2011/main" val="1"/>
-            </a:ext>
-          </a:extLst>
-        </p:spPr>
-        <p:txBody>
-          <a:bodyPr lIns="45718" tIns="45718" rIns="45718" bIns="45718" anchor="b">
-            <a:normAutofit fontScale="100000" lnSpcReduction="0"/>
-          </a:bodyPr>
-          <a:lstStyle>
-            <a:lvl1pPr>
-              <a:defRPr sz="1400"/>
-            </a:lvl1pPr>
-          </a:lstStyle>
-          <a:p>
-            <a:pPr/>
-            <a:r>
               <a:t>Optimized Network Topology</a:t>
             </a:r>
           </a:p>
@@ -15826,7 +16458,7 @@
       </p:sp>
       <p:sp>
         <p:nvSpPr>
-          <p:cNvPr id="195" name="Line"/>
+          <p:cNvPr id="214" name="Line"/>
           <p:cNvSpPr/>
           <p:nvPr/>
         </p:nvSpPr>
@@ -15855,7 +16487,7 @@
       </p:sp>
       <p:sp>
         <p:nvSpPr>
-          <p:cNvPr id="196" name="Line"/>
+          <p:cNvPr id="215" name="Line"/>
           <p:cNvSpPr/>
           <p:nvPr/>
         </p:nvSpPr>
@@ -15884,7 +16516,7 @@
       </p:sp>
       <p:sp>
         <p:nvSpPr>
-          <p:cNvPr id="197" name="Line"/>
+          <p:cNvPr id="216" name="Line"/>
           <p:cNvSpPr/>
           <p:nvPr/>
         </p:nvSpPr>
@@ -15913,7 +16545,7 @@
       </p:sp>
       <p:sp>
         <p:nvSpPr>
-          <p:cNvPr id="198" name="Initial Steps (Not Repeated) of the Testbed"/>
+          <p:cNvPr id="217" name="Initial Steps (Not Repeated) of the Testbed"/>
           <p:cNvSpPr txBox="1"/>
           <p:nvPr>
             <p:ph type="title"/>
@@ -15941,7 +16573,7 @@
       </p:sp>
       <p:sp>
         <p:nvSpPr>
-          <p:cNvPr id="199" name="Slide Number"/>
+          <p:cNvPr id="218" name="Slide Number"/>
           <p:cNvSpPr txBox="1"/>
           <p:nvPr>
             <p:ph type="sldNum" sz="quarter" idx="4294967295"/>
@@ -15972,7 +16604,7 @@
       </p:sp>
       <p:sp>
         <p:nvSpPr>
-          <p:cNvPr id="200" name="Date Placeholder 3"/>
+          <p:cNvPr id="219" name="Date Placeholder 3"/>
           <p:cNvSpPr txBox="1"/>
           <p:nvPr/>
         </p:nvSpPr>
@@ -16016,7 +16648,7 @@
       </p:sp>
       <p:sp>
         <p:nvSpPr>
-          <p:cNvPr id="201" name="Generating real network data using normal distribution…"/>
+          <p:cNvPr id="220" name="Generating real network data using normal distribution…"/>
           <p:cNvSpPr txBox="1"/>
           <p:nvPr>
             <p:ph type="body" sz="half" idx="1"/>
@@ -16088,7 +16720,7 @@
       </p:sp>
       <p:sp>
         <p:nvSpPr>
-          <p:cNvPr id="202" name="Date Placeholder 3"/>
+          <p:cNvPr id="221" name="Date Placeholder 3"/>
           <p:cNvSpPr txBox="1"/>
           <p:nvPr/>
         </p:nvSpPr>
@@ -16158,7 +16790,7 @@
       </p:grpSpPr>
       <p:sp>
         <p:nvSpPr>
-          <p:cNvPr id="204" name="Collecting &amp; Analyzing Network Data"/>
+          <p:cNvPr id="223" name="Collecting &amp; Analyzing Network Data"/>
           <p:cNvSpPr txBox="1"/>
           <p:nvPr>
             <p:ph type="title"/>
@@ -16190,7 +16822,7 @@
       </p:sp>
       <p:sp>
         <p:nvSpPr>
-          <p:cNvPr id="205" name="Network Data Collection…"/>
+          <p:cNvPr id="224" name="Network Data Collection…"/>
           <p:cNvSpPr txBox="1"/>
           <p:nvPr>
             <p:ph type="body" idx="1"/>
@@ -16282,7 +16914,7 @@
       </p:sp>
       <p:sp>
         <p:nvSpPr>
-          <p:cNvPr id="206" name="Slide Number"/>
+          <p:cNvPr id="225" name="Slide Number"/>
           <p:cNvSpPr txBox="1"/>
           <p:nvPr>
             <p:ph type="sldNum" sz="quarter" idx="4294967295"/>
@@ -16313,13 +16945,13 @@
       </p:sp>
       <p:graphicFrame>
         <p:nvGraphicFramePr>
-          <p:cNvPr id="207" name="Table"/>
+          <p:cNvPr id="226" name="Table"/>
           <p:cNvGraphicFramePr/>
           <p:nvPr/>
         </p:nvGraphicFramePr>
         <p:xfrm>
-          <a:off x="2301873" y="4386524"/>
-          <a:ext cx="7382274" cy="1388405"/>
+          <a:off x="2301873" y="4427164"/>
+          <a:ext cx="7088428" cy="1086819"/>
         </p:xfrm>
         <a:graphic xmlns:a="http://schemas.openxmlformats.org/drawingml/2006/main">
           <a:graphicData uri="http://schemas.openxmlformats.org/drawingml/2006/table">
@@ -16328,11 +16960,11 @@
                 <a:tableStyleId>{4C3C2611-4C71-4FC5-86AE-919BDF0F9419}</a:tableStyleId>
               </a:tblPr>
               <a:tblGrid>
-                <a:gridCol w="2251512"/>
-                <a:gridCol w="2378557"/>
-                <a:gridCol w="2739504"/>
+                <a:gridCol w="2161738"/>
+                <a:gridCol w="2283717"/>
+                <a:gridCol w="2630272"/>
               </a:tblGrid>
-              <a:tr h="458568">
+              <a:tr h="358039">
                 <a:tc>
                   <a:txBody>
                     <a:bodyPr/>
@@ -16346,7 +16978,7 @@
                         </a:defRPr>
                       </a:pPr>
                       <a:r>
-                        <a:rPr b="1">
+                        <a:rPr b="1" sz="1500">
                           <a:solidFill>
                             <a:srgbClr val="FFFFFF"/>
                           </a:solidFill>
@@ -16370,7 +17002,7 @@
                         </a:defRPr>
                       </a:pPr>
                       <a:r>
-                        <a:rPr b="1">
+                        <a:rPr b="1" sz="1500">
                           <a:solidFill>
                             <a:srgbClr val="FFFFFF"/>
                           </a:solidFill>
@@ -16394,7 +17026,7 @@
                         </a:defRPr>
                       </a:pPr>
                       <a:r>
-                        <a:rPr b="1">
+                        <a:rPr b="1" sz="1500">
                           <a:solidFill>
                             <a:srgbClr val="FFFFFF"/>
                           </a:solidFill>
@@ -16406,7 +17038,7 @@
                   <a:tcPr marL="0" marR="0" marT="0" marB="0" anchor="ctr" anchorCtr="0" horzOverflow="overflow"/>
                 </a:tc>
               </a:tr>
-              <a:tr h="458568">
+              <a:tr h="358039">
                 <a:tc>
                   <a:txBody>
                     <a:bodyPr/>
@@ -16416,6 +17048,7 @@
                         <a:defRPr sz="1800"/>
                       </a:pPr>
                       <a:r>
+                        <a:rPr sz="1500"/>
                         <a:t>First Configuration</a:t>
                       </a:r>
                     </a:p>
@@ -16434,7 +17067,7 @@
                         <a:defRPr sz="1800"/>
                       </a:pPr>
                       <a:r>
-                        <a:rPr>
+                        <a:rPr sz="1500">
                           <a:latin typeface="Times Roman"/>
                           <a:ea typeface="Times Roman"/>
                           <a:cs typeface="Times Roman"/>
@@ -16458,7 +17091,7 @@
                         <a:defRPr sz="1800"/>
                       </a:pPr>
                       <a:r>
-                        <a:rPr>
+                        <a:rPr sz="1500">
                           <a:latin typeface="Times Roman"/>
                           <a:ea typeface="Times Roman"/>
                           <a:cs typeface="Times Roman"/>
@@ -16471,7 +17104,7 @@
                   <a:tcPr marL="0" marR="0" marT="0" marB="0" anchor="ctr" anchorCtr="0" horzOverflow="overflow"/>
                 </a:tc>
               </a:tr>
-              <a:tr h="458568">
+              <a:tr h="358039">
                 <a:tc>
                   <a:txBody>
                     <a:bodyPr/>
@@ -16481,6 +17114,7 @@
                         <a:defRPr sz="1800"/>
                       </a:pPr>
                       <a:r>
+                        <a:rPr sz="1500"/>
                         <a:t>Second Configuration</a:t>
                       </a:r>
                     </a:p>
@@ -16499,7 +17133,7 @@
                         <a:defRPr sz="1800"/>
                       </a:pPr>
                       <a:r>
-                        <a:rPr>
+                        <a:rPr sz="1500">
                           <a:latin typeface="Times Roman"/>
                           <a:ea typeface="Times Roman"/>
                           <a:cs typeface="Times Roman"/>
@@ -16523,7 +17157,7 @@
                         <a:defRPr sz="1800"/>
                       </a:pPr>
                       <a:r>
-                        <a:rPr>
+                        <a:rPr sz="1500">
                           <a:latin typeface="Times Roman"/>
                           <a:ea typeface="Times Roman"/>
                           <a:cs typeface="Times Roman"/>
@@ -16542,7 +17176,7 @@
       </p:graphicFrame>
       <p:sp>
         <p:nvSpPr>
-          <p:cNvPr id="208" name="Date Placeholder 3"/>
+          <p:cNvPr id="227" name="Date Placeholder 3"/>
           <p:cNvSpPr txBox="1"/>
           <p:nvPr/>
         </p:nvSpPr>
@@ -16586,13 +17220,13 @@
       </p:sp>
       <p:sp>
         <p:nvSpPr>
-          <p:cNvPr id="209" name="[2]"/>
+          <p:cNvPr id="228" name="[2]"/>
           <p:cNvSpPr txBox="1"/>
           <p:nvPr/>
         </p:nvSpPr>
         <p:spPr>
           <a:xfrm>
-            <a:off x="10114279" y="5655893"/>
+            <a:off x="9403079" y="5381573"/>
             <a:ext cx="619597" cy="457200"/>
           </a:xfrm>
           <a:prstGeom prst="rect">
@@ -16637,7 +17271,7 @@
       </p:sp>
       <p:sp>
         <p:nvSpPr>
-          <p:cNvPr id="210" name="Date Placeholder 3"/>
+          <p:cNvPr id="229" name="Date Placeholder 3"/>
           <p:cNvSpPr txBox="1"/>
           <p:nvPr/>
         </p:nvSpPr>
@@ -16675,56 +17309,6 @@
             <a:pPr/>
             <a:r>
               <a:t>GENERATING REAL NETWORK DATA</a:t>
-            </a:r>
-          </a:p>
-        </p:txBody>
-      </p:sp>
-      <p:sp>
-        <p:nvSpPr>
-          <p:cNvPr id="211" name="Different Configurations of Simulating Real Network Data with Normal Distribution"/>
-          <p:cNvSpPr txBox="1"/>
-          <p:nvPr/>
-        </p:nvSpPr>
-        <p:spPr>
-          <a:xfrm>
-            <a:off x="2709065" y="5823917"/>
-            <a:ext cx="6555190" cy="640340"/>
-          </a:xfrm>
-          <a:prstGeom prst="rect">
-            <a:avLst/>
-          </a:prstGeom>
-          <a:ln w="12700">
-            <a:miter lim="400000"/>
-          </a:ln>
-          <a:extLst>
-            <a:ext uri="{C572A759-6A51-4108-AA02-DFA0A04FC94B}">
-              <ma14:wrappingTextBoxFlag xmlns:ma14="http://schemas.microsoft.com/office/mac/drawingml/2011/main" val="1"/>
-            </a:ext>
-          </a:extLst>
-        </p:spPr>
-        <p:txBody>
-          <a:bodyPr lIns="45718" tIns="45718" rIns="45718" bIns="45718">
-            <a:spAutoFit/>
-          </a:bodyPr>
-          <a:lstStyle>
-            <a:lvl1pPr defTabSz="914400">
-              <a:lnSpc>
-                <a:spcPct val="90000"/>
-              </a:lnSpc>
-              <a:spcBef>
-                <a:spcPts val="1200"/>
-              </a:spcBef>
-              <a:defRPr sz="1500">
-                <a:solidFill>
-                  <a:srgbClr val="404040"/>
-                </a:solidFill>
-              </a:defRPr>
-            </a:lvl1pPr>
-          </a:lstStyle>
-          <a:p>
-            <a:pPr/>
-            <a:r>
-              <a:t>Different Configurations of Simulating Real Network Data with Normal Distribution </a:t>
             </a:r>
           </a:p>
         </p:txBody>
@@ -16757,7 +17341,7 @@
       </p:grpSpPr>
       <p:sp>
         <p:nvSpPr>
-          <p:cNvPr id="213" name="Rounded Rectangle"/>
+          <p:cNvPr id="231" name="Rounded Rectangle"/>
           <p:cNvSpPr/>
           <p:nvPr/>
         </p:nvSpPr>
@@ -16791,7 +17375,7 @@
       </p:sp>
       <p:sp>
         <p:nvSpPr>
-          <p:cNvPr id="214" name="Square"/>
+          <p:cNvPr id="232" name="Square"/>
           <p:cNvSpPr/>
           <p:nvPr/>
         </p:nvSpPr>
@@ -16823,7 +17407,7 @@
       </p:sp>
       <p:sp>
         <p:nvSpPr>
-          <p:cNvPr id="215" name="Circle"/>
+          <p:cNvPr id="233" name="Circle"/>
           <p:cNvSpPr/>
           <p:nvPr/>
         </p:nvSpPr>
@@ -16854,7 +17438,7 @@
       </p:sp>
       <p:sp>
         <p:nvSpPr>
-          <p:cNvPr id="216" name="Shape"/>
+          <p:cNvPr id="234" name="Shape"/>
           <p:cNvSpPr/>
           <p:nvPr/>
         </p:nvSpPr>
@@ -16919,7 +17503,7 @@
       </p:sp>
       <p:sp>
         <p:nvSpPr>
-          <p:cNvPr id="217" name="Java…"/>
+          <p:cNvPr id="235" name="Java…"/>
           <p:cNvSpPr txBox="1"/>
           <p:nvPr/>
         </p:nvSpPr>
@@ -16959,7 +17543,7 @@
       </p:sp>
       <p:sp>
         <p:nvSpPr>
-          <p:cNvPr id="218" name="Java…"/>
+          <p:cNvPr id="236" name="Java…"/>
           <p:cNvSpPr txBox="1"/>
           <p:nvPr/>
         </p:nvSpPr>
@@ -16999,7 +17583,7 @@
       </p:sp>
       <p:sp>
         <p:nvSpPr>
-          <p:cNvPr id="219" name="Java…"/>
+          <p:cNvPr id="237" name="Java…"/>
           <p:cNvSpPr txBox="1"/>
           <p:nvPr/>
         </p:nvSpPr>
@@ -17039,7 +17623,7 @@
       </p:sp>
       <p:sp>
         <p:nvSpPr>
-          <p:cNvPr id="220" name="Java…"/>
+          <p:cNvPr id="238" name="Java…"/>
           <p:cNvSpPr txBox="1"/>
           <p:nvPr/>
         </p:nvSpPr>
@@ -17079,7 +17663,7 @@
       </p:sp>
       <p:pic>
         <p:nvPicPr>
-          <p:cNvPr id="221" name="473791.png" descr="473791.png"/>
+          <p:cNvPr id="239" name="473791.png" descr="473791.png"/>
           <p:cNvPicPr>
             <a:picLocks noChangeAspect="1"/>
           </p:cNvPicPr>
@@ -17108,7 +17692,7 @@
       </p:pic>
       <p:pic>
         <p:nvPicPr>
-          <p:cNvPr id="222" name="yaml-file-format-line-icon-free-vector.jpg" descr="yaml-file-format-line-icon-free-vector.jpg"/>
+          <p:cNvPr id="240" name="yaml-file-format-line-icon-free-vector.jpg" descr="yaml-file-format-line-icon-free-vector.jpg"/>
           <p:cNvPicPr>
             <a:picLocks noChangeAspect="1"/>
           </p:cNvPicPr>
@@ -17137,7 +17721,7 @@
       </p:pic>
       <p:pic>
         <p:nvPicPr>
-          <p:cNvPr id="223" name="1654914-200.png" descr="1654914-200.png"/>
+          <p:cNvPr id="241" name="1654914-200.png" descr="1654914-200.png"/>
           <p:cNvPicPr>
             <a:picLocks noChangeAspect="1"/>
           </p:cNvPicPr>
@@ -17166,7 +17750,7 @@
       </p:pic>
       <p:sp>
         <p:nvSpPr>
-          <p:cNvPr id="224" name="Java…"/>
+          <p:cNvPr id="242" name="Java…"/>
           <p:cNvSpPr txBox="1"/>
           <p:nvPr/>
         </p:nvSpPr>
@@ -17206,7 +17790,7 @@
       </p:sp>
       <p:pic>
         <p:nvPicPr>
-          <p:cNvPr id="225" name="images.png" descr="images.png"/>
+          <p:cNvPr id="243" name="images.png" descr="images.png"/>
           <p:cNvPicPr>
             <a:picLocks noChangeAspect="1"/>
           </p:cNvPicPr>
@@ -17235,7 +17819,7 @@
       </p:pic>
       <p:sp>
         <p:nvSpPr>
-          <p:cNvPr id="226" name="Oval"/>
+          <p:cNvPr id="244" name="Oval"/>
           <p:cNvSpPr/>
           <p:nvPr/>
         </p:nvSpPr>
@@ -17266,7 +17850,7 @@
       </p:sp>
       <p:sp>
         <p:nvSpPr>
-          <p:cNvPr id="227" name="1"/>
+          <p:cNvPr id="245" name="1"/>
           <p:cNvSpPr txBox="1"/>
           <p:nvPr/>
         </p:nvSpPr>
@@ -17304,7 +17888,7 @@
       </p:sp>
       <p:sp>
         <p:nvSpPr>
-          <p:cNvPr id="228" name="Oval"/>
+          <p:cNvPr id="246" name="Oval"/>
           <p:cNvSpPr/>
           <p:nvPr/>
         </p:nvSpPr>
@@ -17335,7 +17919,7 @@
       </p:sp>
       <p:sp>
         <p:nvSpPr>
-          <p:cNvPr id="229" name="4"/>
+          <p:cNvPr id="247" name="4"/>
           <p:cNvSpPr txBox="1"/>
           <p:nvPr/>
         </p:nvSpPr>
@@ -17373,7 +17957,7 @@
       </p:sp>
       <p:sp>
         <p:nvSpPr>
-          <p:cNvPr id="230" name="Oval"/>
+          <p:cNvPr id="248" name="Oval"/>
           <p:cNvSpPr/>
           <p:nvPr/>
         </p:nvSpPr>
@@ -17404,7 +17988,7 @@
       </p:sp>
       <p:sp>
         <p:nvSpPr>
-          <p:cNvPr id="231" name="5"/>
+          <p:cNvPr id="249" name="5"/>
           <p:cNvSpPr txBox="1"/>
           <p:nvPr/>
         </p:nvSpPr>
@@ -17444,7 +18028,7 @@
       </p:sp>
       <p:pic>
         <p:nvPicPr>
-          <p:cNvPr id="232" name="1351844-200.png" descr="1351844-200.png"/>
+          <p:cNvPr id="250" name="1351844-200.png" descr="1351844-200.png"/>
           <p:cNvPicPr>
             <a:picLocks noChangeAspect="1"/>
           </p:cNvPicPr>
@@ -17473,7 +18057,7 @@
       </p:pic>
       <p:sp>
         <p:nvSpPr>
-          <p:cNvPr id="233" name="Oval"/>
+          <p:cNvPr id="251" name="Oval"/>
           <p:cNvSpPr/>
           <p:nvPr/>
         </p:nvSpPr>
@@ -17504,7 +18088,7 @@
       </p:sp>
       <p:sp>
         <p:nvSpPr>
-          <p:cNvPr id="234" name="3"/>
+          <p:cNvPr id="252" name="3"/>
           <p:cNvSpPr txBox="1"/>
           <p:nvPr/>
         </p:nvSpPr>
@@ -17542,7 +18126,7 @@
       </p:sp>
       <p:pic>
         <p:nvPicPr>
-          <p:cNvPr id="235" name="239207.png" descr="239207.png"/>
+          <p:cNvPr id="253" name="239207.png" descr="239207.png"/>
           <p:cNvPicPr>
             <a:picLocks noChangeAspect="1"/>
           </p:cNvPicPr>
@@ -17571,7 +18155,7 @@
       </p:pic>
       <p:pic>
         <p:nvPicPr>
-          <p:cNvPr id="236" name="Unknown.png" descr="Unknown.png"/>
+          <p:cNvPr id="254" name="Unknown.png" descr="Unknown.png"/>
           <p:cNvPicPr>
             <a:picLocks noChangeAspect="1"/>
           </p:cNvPicPr>
@@ -17600,7 +18184,7 @@
       </p:pic>
       <p:sp>
         <p:nvSpPr>
-          <p:cNvPr id="237" name="Rounded Rectangle"/>
+          <p:cNvPr id="255" name="Rounded Rectangle"/>
           <p:cNvSpPr/>
           <p:nvPr/>
         </p:nvSpPr>
@@ -17633,7 +18217,7 @@
       </p:sp>
       <p:pic>
         <p:nvPicPr>
-          <p:cNvPr id="238" name="logo.png" descr="logo.png"/>
+          <p:cNvPr id="256" name="logo.png" descr="logo.png"/>
           <p:cNvPicPr>
             <a:picLocks noChangeAspect="1"/>
           </p:cNvPicPr>
@@ -17662,7 +18246,7 @@
       </p:pic>
       <p:pic>
         <p:nvPicPr>
-          <p:cNvPr id="239" name="Unknown.png" descr="Unknown.png"/>
+          <p:cNvPr id="257" name="Unknown.png" descr="Unknown.png"/>
           <p:cNvPicPr>
             <a:picLocks noChangeAspect="1"/>
           </p:cNvPicPr>
@@ -17691,7 +18275,7 @@
       </p:pic>
       <p:sp>
         <p:nvSpPr>
-          <p:cNvPr id="240" name="Square"/>
+          <p:cNvPr id="258" name="Square"/>
           <p:cNvSpPr/>
           <p:nvPr/>
         </p:nvSpPr>
@@ -17723,7 +18307,7 @@
       </p:sp>
       <p:sp>
         <p:nvSpPr>
-          <p:cNvPr id="241" name="Rounded Rectangle"/>
+          <p:cNvPr id="259" name="Rounded Rectangle"/>
           <p:cNvSpPr/>
           <p:nvPr/>
         </p:nvSpPr>
@@ -17757,7 +18341,7 @@
       </p:sp>
       <p:sp>
         <p:nvSpPr>
-          <p:cNvPr id="242" name="Square"/>
+          <p:cNvPr id="260" name="Square"/>
           <p:cNvSpPr/>
           <p:nvPr/>
         </p:nvSpPr>
@@ -17789,7 +18373,7 @@
       </p:sp>
       <p:sp>
         <p:nvSpPr>
-          <p:cNvPr id="243" name="Circle"/>
+          <p:cNvPr id="261" name="Circle"/>
           <p:cNvSpPr/>
           <p:nvPr/>
         </p:nvSpPr>
@@ -17820,7 +18404,7 @@
       </p:sp>
       <p:sp>
         <p:nvSpPr>
-          <p:cNvPr id="244" name="Circle"/>
+          <p:cNvPr id="262" name="Circle"/>
           <p:cNvSpPr/>
           <p:nvPr/>
         </p:nvSpPr>
@@ -17851,7 +18435,7 @@
       </p:sp>
       <p:sp>
         <p:nvSpPr>
-          <p:cNvPr id="245" name="Circle"/>
+          <p:cNvPr id="263" name="Circle"/>
           <p:cNvSpPr/>
           <p:nvPr/>
         </p:nvSpPr>
@@ -17882,7 +18466,7 @@
       </p:sp>
       <p:sp>
         <p:nvSpPr>
-          <p:cNvPr id="246" name="Circle"/>
+          <p:cNvPr id="264" name="Circle"/>
           <p:cNvSpPr/>
           <p:nvPr/>
         </p:nvSpPr>
@@ -17913,7 +18497,7 @@
       </p:sp>
       <p:sp>
         <p:nvSpPr>
-          <p:cNvPr id="247" name="Circle"/>
+          <p:cNvPr id="265" name="Circle"/>
           <p:cNvSpPr/>
           <p:nvPr/>
         </p:nvSpPr>
@@ -17944,7 +18528,7 @@
       </p:sp>
       <p:sp>
         <p:nvSpPr>
-          <p:cNvPr id="248" name="Circle"/>
+          <p:cNvPr id="266" name="Circle"/>
           <p:cNvSpPr/>
           <p:nvPr/>
         </p:nvSpPr>
@@ -17975,7 +18559,7 @@
       </p:sp>
       <p:sp>
         <p:nvSpPr>
-          <p:cNvPr id="249" name="Circle"/>
+          <p:cNvPr id="267" name="Circle"/>
           <p:cNvSpPr/>
           <p:nvPr/>
         </p:nvSpPr>
@@ -18006,7 +18590,7 @@
       </p:sp>
       <p:sp>
         <p:nvSpPr>
-          <p:cNvPr id="250" name="Circle"/>
+          <p:cNvPr id="268" name="Circle"/>
           <p:cNvSpPr/>
           <p:nvPr/>
         </p:nvSpPr>
@@ -18037,7 +18621,7 @@
       </p:sp>
       <p:sp>
         <p:nvSpPr>
-          <p:cNvPr id="251" name="Shape"/>
+          <p:cNvPr id="269" name="Shape"/>
           <p:cNvSpPr/>
           <p:nvPr/>
         </p:nvSpPr>
@@ -18102,10 +18686,10 @@
       </p:sp>
       <p:cxnSp>
         <p:nvCxnSpPr>
-          <p:cNvPr id="252" name="Connection Line"/>
+          <p:cNvPr id="270" name="Connection Line"/>
           <p:cNvCxnSpPr>
-            <a:stCxn id="241" idx="0"/>
-            <a:endCxn id="247" idx="0"/>
+            <a:stCxn id="259" idx="0"/>
+            <a:endCxn id="265" idx="0"/>
           </p:cNvCxnSpPr>
           <p:nvPr/>
         </p:nvCxnSpPr>
@@ -18113,438 +18697,6 @@
           <a:xfrm>
             <a:off x="6379625" y="3351819"/>
             <a:ext cx="288956" cy="611940"/>
-          </a:xfrm>
-          <a:prstGeom prst="straightConnector1">
-            <a:avLst/>
-          </a:prstGeom>
-          <a:ln w="12700">
-            <a:solidFill>
-              <a:schemeClr val="accent1"/>
-            </a:solidFill>
-          </a:ln>
-        </p:spPr>
-      </p:cxnSp>
-      <p:cxnSp>
-        <p:nvCxnSpPr>
-          <p:cNvPr id="253" name="Connection Line"/>
-          <p:cNvCxnSpPr>
-            <a:stCxn id="241" idx="0"/>
-            <a:endCxn id="248" idx="0"/>
-          </p:cNvCxnSpPr>
-          <p:nvPr/>
-        </p:nvCxnSpPr>
-        <p:spPr>
-          <a:xfrm>
-            <a:off x="6379625" y="3351819"/>
-            <a:ext cx="1296237" cy="609308"/>
-          </a:xfrm>
-          <a:prstGeom prst="straightConnector1">
-            <a:avLst/>
-          </a:prstGeom>
-          <a:ln w="12700">
-            <a:solidFill>
-              <a:schemeClr val="accent1"/>
-            </a:solidFill>
-          </a:ln>
-        </p:spPr>
-      </p:cxnSp>
-      <p:cxnSp>
-        <p:nvCxnSpPr>
-          <p:cNvPr id="254" name="Connection Line"/>
-          <p:cNvCxnSpPr>
-            <a:stCxn id="249" idx="0"/>
-            <a:endCxn id="241" idx="0"/>
-          </p:cNvCxnSpPr>
-          <p:nvPr/>
-        </p:nvCxnSpPr>
-        <p:spPr>
-          <a:xfrm flipH="1" flipV="1">
-            <a:off x="6379625" y="3351819"/>
-            <a:ext cx="806804" cy="609308"/>
-          </a:xfrm>
-          <a:prstGeom prst="straightConnector1">
-            <a:avLst/>
-          </a:prstGeom>
-          <a:ln w="12700">
-            <a:solidFill>
-              <a:schemeClr val="accent1"/>
-            </a:solidFill>
-          </a:ln>
-        </p:spPr>
-      </p:cxnSp>
-      <p:cxnSp>
-        <p:nvCxnSpPr>
-          <p:cNvPr id="255" name="Connection Line"/>
-          <p:cNvCxnSpPr>
-            <a:stCxn id="241" idx="0"/>
-            <a:endCxn id="250" idx="0"/>
-          </p:cNvCxnSpPr>
-          <p:nvPr/>
-        </p:nvCxnSpPr>
-        <p:spPr>
-          <a:xfrm>
-            <a:off x="6379625" y="3351819"/>
-            <a:ext cx="1830105" cy="611156"/>
-          </a:xfrm>
-          <a:prstGeom prst="straightConnector1">
-            <a:avLst/>
-          </a:prstGeom>
-          <a:ln w="12700">
-            <a:solidFill>
-              <a:schemeClr val="accent1"/>
-            </a:solidFill>
-          </a:ln>
-        </p:spPr>
-      </p:cxnSp>
-      <p:cxnSp>
-        <p:nvCxnSpPr>
-          <p:cNvPr id="256" name="Connection Line"/>
-          <p:cNvCxnSpPr>
-            <a:stCxn id="241" idx="0"/>
-            <a:endCxn id="242" idx="0"/>
-          </p:cNvCxnSpPr>
-          <p:nvPr/>
-        </p:nvCxnSpPr>
-        <p:spPr>
-          <a:xfrm flipH="1">
-            <a:off x="4741905" y="3351819"/>
-            <a:ext cx="1637721" cy="611940"/>
-          </a:xfrm>
-          <a:prstGeom prst="straightConnector1">
-            <a:avLst/>
-          </a:prstGeom>
-          <a:ln w="12700">
-            <a:solidFill>
-              <a:schemeClr val="accent1"/>
-            </a:solidFill>
-          </a:ln>
-        </p:spPr>
-      </p:cxnSp>
-      <p:cxnSp>
-        <p:nvCxnSpPr>
-          <p:cNvPr id="257" name="Connection Line"/>
-          <p:cNvCxnSpPr>
-            <a:stCxn id="241" idx="0"/>
-            <a:endCxn id="240" idx="0"/>
-          </p:cNvCxnSpPr>
-          <p:nvPr/>
-        </p:nvCxnSpPr>
-        <p:spPr>
-          <a:xfrm flipH="1">
-            <a:off x="5941909" y="3351819"/>
-            <a:ext cx="437717" cy="611940"/>
-          </a:xfrm>
-          <a:prstGeom prst="straightConnector1">
-            <a:avLst/>
-          </a:prstGeom>
-          <a:ln w="12700">
-            <a:solidFill>
-              <a:schemeClr val="accent1"/>
-            </a:solidFill>
-          </a:ln>
-        </p:spPr>
-      </p:cxnSp>
-      <p:cxnSp>
-        <p:nvCxnSpPr>
-          <p:cNvPr id="258" name="Connection Line"/>
-          <p:cNvCxnSpPr>
-            <a:stCxn id="246" idx="0"/>
-            <a:endCxn id="240" idx="0"/>
-          </p:cNvCxnSpPr>
-          <p:nvPr/>
-        </p:nvCxnSpPr>
-        <p:spPr>
-          <a:xfrm flipV="1">
-            <a:off x="5620372" y="3963758"/>
-            <a:ext cx="321538" cy="693404"/>
-          </a:xfrm>
-          <a:prstGeom prst="straightConnector1">
-            <a:avLst/>
-          </a:prstGeom>
-          <a:ln w="12700">
-            <a:solidFill>
-              <a:schemeClr val="accent1"/>
-            </a:solidFill>
-          </a:ln>
-        </p:spPr>
-      </p:cxnSp>
-      <p:cxnSp>
-        <p:nvCxnSpPr>
-          <p:cNvPr id="259" name="Connection Line"/>
-          <p:cNvCxnSpPr>
-            <a:stCxn id="245" idx="0"/>
-            <a:endCxn id="242" idx="0"/>
-          </p:cNvCxnSpPr>
-          <p:nvPr/>
-        </p:nvCxnSpPr>
-        <p:spPr>
-          <a:xfrm flipV="1">
-            <a:off x="3850477" y="3963758"/>
-            <a:ext cx="891429" cy="680941"/>
-          </a:xfrm>
-          <a:prstGeom prst="straightConnector1">
-            <a:avLst/>
-          </a:prstGeom>
-          <a:ln w="12700">
-            <a:solidFill>
-              <a:schemeClr val="accent1"/>
-            </a:solidFill>
-          </a:ln>
-        </p:spPr>
-      </p:cxnSp>
-      <p:cxnSp>
-        <p:nvCxnSpPr>
-          <p:cNvPr id="260" name="Connection Line"/>
-          <p:cNvCxnSpPr>
-            <a:stCxn id="244" idx="0"/>
-            <a:endCxn id="242" idx="0"/>
-          </p:cNvCxnSpPr>
-          <p:nvPr/>
-        </p:nvCxnSpPr>
-        <p:spPr>
-          <a:xfrm flipV="1">
-            <a:off x="4293146" y="3963758"/>
-            <a:ext cx="448760" cy="695706"/>
-          </a:xfrm>
-          <a:prstGeom prst="straightConnector1">
-            <a:avLst/>
-          </a:prstGeom>
-          <a:ln w="12700">
-            <a:solidFill>
-              <a:schemeClr val="accent1"/>
-            </a:solidFill>
-          </a:ln>
-        </p:spPr>
-      </p:cxnSp>
-      <p:cxnSp>
-        <p:nvCxnSpPr>
-          <p:cNvPr id="261" name="Connection Line"/>
-          <p:cNvCxnSpPr>
-            <a:stCxn id="243" idx="0"/>
-            <a:endCxn id="242" idx="0"/>
-          </p:cNvCxnSpPr>
-          <p:nvPr/>
-        </p:nvCxnSpPr>
-        <p:spPr>
-          <a:xfrm flipV="1">
-            <a:off x="4735816" y="3963758"/>
-            <a:ext cx="6090" cy="680941"/>
-          </a:xfrm>
-          <a:prstGeom prst="straightConnector1">
-            <a:avLst/>
-          </a:prstGeom>
-          <a:ln w="12700">
-            <a:solidFill>
-              <a:schemeClr val="accent1"/>
-            </a:solidFill>
-          </a:ln>
-        </p:spPr>
-      </p:cxnSp>
-      <p:cxnSp>
-        <p:nvCxnSpPr>
-          <p:cNvPr id="262" name="Connection Line"/>
-          <p:cNvCxnSpPr>
-            <a:stCxn id="251" idx="0"/>
-            <a:endCxn id="250" idx="0"/>
-          </p:cNvCxnSpPr>
-          <p:nvPr/>
-        </p:nvCxnSpPr>
-        <p:spPr>
-          <a:xfrm flipV="1">
-            <a:off x="5839535" y="3962974"/>
-            <a:ext cx="2370195" cy="1559876"/>
-          </a:xfrm>
-          <a:prstGeom prst="straightConnector1">
-            <a:avLst/>
-          </a:prstGeom>
-          <a:ln w="12700">
-            <a:solidFill>
-              <a:schemeClr val="accent1"/>
-            </a:solidFill>
-          </a:ln>
-        </p:spPr>
-      </p:cxnSp>
-      <p:cxnSp>
-        <p:nvCxnSpPr>
-          <p:cNvPr id="263" name="Connection Line"/>
-          <p:cNvCxnSpPr>
-            <a:stCxn id="249" idx="0"/>
-            <a:endCxn id="251" idx="0"/>
-          </p:cNvCxnSpPr>
-          <p:nvPr/>
-        </p:nvCxnSpPr>
-        <p:spPr>
-          <a:xfrm flipH="1">
-            <a:off x="5839535" y="3961126"/>
-            <a:ext cx="1346894" cy="1561724"/>
-          </a:xfrm>
-          <a:prstGeom prst="straightConnector1">
-            <a:avLst/>
-          </a:prstGeom>
-          <a:ln w="12700">
-            <a:solidFill>
-              <a:schemeClr val="accent1"/>
-            </a:solidFill>
-          </a:ln>
-        </p:spPr>
-      </p:cxnSp>
-      <p:cxnSp>
-        <p:nvCxnSpPr>
-          <p:cNvPr id="264" name="Connection Line"/>
-          <p:cNvCxnSpPr>
-            <a:stCxn id="251" idx="0"/>
-            <a:endCxn id="248" idx="0"/>
-          </p:cNvCxnSpPr>
-          <p:nvPr/>
-        </p:nvCxnSpPr>
-        <p:spPr>
-          <a:xfrm flipV="1">
-            <a:off x="5839535" y="3961126"/>
-            <a:ext cx="1836327" cy="1561724"/>
-          </a:xfrm>
-          <a:prstGeom prst="straightConnector1">
-            <a:avLst/>
-          </a:prstGeom>
-          <a:ln w="12700">
-            <a:solidFill>
-              <a:schemeClr val="accent1"/>
-            </a:solidFill>
-          </a:ln>
-        </p:spPr>
-      </p:cxnSp>
-      <p:cxnSp>
-        <p:nvCxnSpPr>
-          <p:cNvPr id="265" name="Connection Line"/>
-          <p:cNvCxnSpPr>
-            <a:stCxn id="251" idx="0"/>
-            <a:endCxn id="247" idx="0"/>
-          </p:cNvCxnSpPr>
-          <p:nvPr/>
-        </p:nvCxnSpPr>
-        <p:spPr>
-          <a:xfrm flipV="1">
-            <a:off x="5839535" y="3963758"/>
-            <a:ext cx="829046" cy="1559092"/>
-          </a:xfrm>
-          <a:prstGeom prst="straightConnector1">
-            <a:avLst/>
-          </a:prstGeom>
-          <a:ln w="12700">
-            <a:solidFill>
-              <a:schemeClr val="accent1"/>
-            </a:solidFill>
-          </a:ln>
-        </p:spPr>
-      </p:cxnSp>
-      <p:cxnSp>
-        <p:nvCxnSpPr>
-          <p:cNvPr id="266" name="Connection Line"/>
-          <p:cNvCxnSpPr>
-            <a:stCxn id="251" idx="0"/>
-            <a:endCxn id="241" idx="0"/>
-          </p:cNvCxnSpPr>
-          <p:nvPr/>
-        </p:nvCxnSpPr>
-        <p:spPr>
-          <a:xfrm flipV="1">
-            <a:off x="5839535" y="3351819"/>
-            <a:ext cx="540091" cy="2171031"/>
-          </a:xfrm>
-          <a:prstGeom prst="straightConnector1">
-            <a:avLst/>
-          </a:prstGeom>
-          <a:ln w="12700">
-            <a:solidFill>
-              <a:schemeClr val="accent1"/>
-            </a:solidFill>
-          </a:ln>
-        </p:spPr>
-      </p:cxnSp>
-      <p:cxnSp>
-        <p:nvCxnSpPr>
-          <p:cNvPr id="267" name="Connection Line"/>
-          <p:cNvCxnSpPr>
-            <a:stCxn id="243" idx="0"/>
-            <a:endCxn id="251" idx="0"/>
-          </p:cNvCxnSpPr>
-          <p:nvPr/>
-        </p:nvCxnSpPr>
-        <p:spPr>
-          <a:xfrm>
-            <a:off x="4735816" y="4644698"/>
-            <a:ext cx="1103720" cy="878152"/>
-          </a:xfrm>
-          <a:prstGeom prst="straightConnector1">
-            <a:avLst/>
-          </a:prstGeom>
-          <a:ln w="12700">
-            <a:solidFill>
-              <a:schemeClr val="accent1"/>
-            </a:solidFill>
-          </a:ln>
-        </p:spPr>
-      </p:cxnSp>
-      <p:cxnSp>
-        <p:nvCxnSpPr>
-          <p:cNvPr id="268" name="Connection Line"/>
-          <p:cNvCxnSpPr>
-            <a:stCxn id="251" idx="0"/>
-            <a:endCxn id="244" idx="0"/>
-          </p:cNvCxnSpPr>
-          <p:nvPr/>
-        </p:nvCxnSpPr>
-        <p:spPr>
-          <a:xfrm flipH="1" flipV="1">
-            <a:off x="4293146" y="4659463"/>
-            <a:ext cx="1546390" cy="863387"/>
-          </a:xfrm>
-          <a:prstGeom prst="straightConnector1">
-            <a:avLst/>
-          </a:prstGeom>
-          <a:ln w="12700">
-            <a:solidFill>
-              <a:schemeClr val="accent1"/>
-            </a:solidFill>
-          </a:ln>
-        </p:spPr>
-      </p:cxnSp>
-      <p:cxnSp>
-        <p:nvCxnSpPr>
-          <p:cNvPr id="269" name="Connection Line"/>
-          <p:cNvCxnSpPr>
-            <a:stCxn id="245" idx="0"/>
-            <a:endCxn id="251" idx="0"/>
-          </p:cNvCxnSpPr>
-          <p:nvPr/>
-        </p:nvCxnSpPr>
-        <p:spPr>
-          <a:xfrm>
-            <a:off x="3850477" y="4644698"/>
-            <a:ext cx="1989059" cy="878152"/>
-          </a:xfrm>
-          <a:prstGeom prst="straightConnector1">
-            <a:avLst/>
-          </a:prstGeom>
-          <a:ln w="12700">
-            <a:solidFill>
-              <a:schemeClr val="accent1"/>
-            </a:solidFill>
-          </a:ln>
-        </p:spPr>
-      </p:cxnSp>
-      <p:cxnSp>
-        <p:nvCxnSpPr>
-          <p:cNvPr id="270" name="Connection Line"/>
-          <p:cNvCxnSpPr>
-            <a:stCxn id="251" idx="0"/>
-            <a:endCxn id="246" idx="0"/>
-          </p:cNvCxnSpPr>
-          <p:nvPr/>
-        </p:nvCxnSpPr>
-        <p:spPr>
-          <a:xfrm flipH="1" flipV="1">
-            <a:off x="5620372" y="4657161"/>
-            <a:ext cx="219164" cy="865689"/>
           </a:xfrm>
           <a:prstGeom prst="straightConnector1">
             <a:avLst/>
@@ -18560,15 +18712,15 @@
         <p:nvCxnSpPr>
           <p:cNvPr id="271" name="Connection Line"/>
           <p:cNvCxnSpPr>
-            <a:stCxn id="242" idx="0"/>
-            <a:endCxn id="251" idx="0"/>
+            <a:stCxn id="259" idx="0"/>
+            <a:endCxn id="266" idx="0"/>
           </p:cNvCxnSpPr>
           <p:nvPr/>
         </p:nvCxnSpPr>
         <p:spPr>
           <a:xfrm>
-            <a:off x="4741905" y="3963758"/>
-            <a:ext cx="1097631" cy="1559092"/>
+            <a:off x="6379625" y="3351819"/>
+            <a:ext cx="1296237" cy="609308"/>
           </a:xfrm>
           <a:prstGeom prst="straightConnector1">
             <a:avLst/>
@@ -18584,8 +18736,440 @@
         <p:nvCxnSpPr>
           <p:cNvPr id="272" name="Connection Line"/>
           <p:cNvCxnSpPr>
-            <a:stCxn id="240" idx="0"/>
-            <a:endCxn id="251" idx="0"/>
+            <a:stCxn id="267" idx="0"/>
+            <a:endCxn id="259" idx="0"/>
+          </p:cNvCxnSpPr>
+          <p:nvPr/>
+        </p:nvCxnSpPr>
+        <p:spPr>
+          <a:xfrm flipH="1" flipV="1">
+            <a:off x="6379625" y="3351819"/>
+            <a:ext cx="806804" cy="609308"/>
+          </a:xfrm>
+          <a:prstGeom prst="straightConnector1">
+            <a:avLst/>
+          </a:prstGeom>
+          <a:ln w="12700">
+            <a:solidFill>
+              <a:schemeClr val="accent1"/>
+            </a:solidFill>
+          </a:ln>
+        </p:spPr>
+      </p:cxnSp>
+      <p:cxnSp>
+        <p:nvCxnSpPr>
+          <p:cNvPr id="273" name="Connection Line"/>
+          <p:cNvCxnSpPr>
+            <a:stCxn id="259" idx="0"/>
+            <a:endCxn id="268" idx="0"/>
+          </p:cNvCxnSpPr>
+          <p:nvPr/>
+        </p:nvCxnSpPr>
+        <p:spPr>
+          <a:xfrm>
+            <a:off x="6379625" y="3351819"/>
+            <a:ext cx="1830105" cy="611156"/>
+          </a:xfrm>
+          <a:prstGeom prst="straightConnector1">
+            <a:avLst/>
+          </a:prstGeom>
+          <a:ln w="12700">
+            <a:solidFill>
+              <a:schemeClr val="accent1"/>
+            </a:solidFill>
+          </a:ln>
+        </p:spPr>
+      </p:cxnSp>
+      <p:cxnSp>
+        <p:nvCxnSpPr>
+          <p:cNvPr id="274" name="Connection Line"/>
+          <p:cNvCxnSpPr>
+            <a:stCxn id="259" idx="0"/>
+            <a:endCxn id="260" idx="0"/>
+          </p:cNvCxnSpPr>
+          <p:nvPr/>
+        </p:nvCxnSpPr>
+        <p:spPr>
+          <a:xfrm flipH="1">
+            <a:off x="4741905" y="3351819"/>
+            <a:ext cx="1637721" cy="611940"/>
+          </a:xfrm>
+          <a:prstGeom prst="straightConnector1">
+            <a:avLst/>
+          </a:prstGeom>
+          <a:ln w="12700">
+            <a:solidFill>
+              <a:schemeClr val="accent1"/>
+            </a:solidFill>
+          </a:ln>
+        </p:spPr>
+      </p:cxnSp>
+      <p:cxnSp>
+        <p:nvCxnSpPr>
+          <p:cNvPr id="275" name="Connection Line"/>
+          <p:cNvCxnSpPr>
+            <a:stCxn id="259" idx="0"/>
+            <a:endCxn id="258" idx="0"/>
+          </p:cNvCxnSpPr>
+          <p:nvPr/>
+        </p:nvCxnSpPr>
+        <p:spPr>
+          <a:xfrm flipH="1">
+            <a:off x="5941909" y="3351819"/>
+            <a:ext cx="437717" cy="611940"/>
+          </a:xfrm>
+          <a:prstGeom prst="straightConnector1">
+            <a:avLst/>
+          </a:prstGeom>
+          <a:ln w="12700">
+            <a:solidFill>
+              <a:schemeClr val="accent1"/>
+            </a:solidFill>
+          </a:ln>
+        </p:spPr>
+      </p:cxnSp>
+      <p:cxnSp>
+        <p:nvCxnSpPr>
+          <p:cNvPr id="276" name="Connection Line"/>
+          <p:cNvCxnSpPr>
+            <a:stCxn id="264" idx="0"/>
+            <a:endCxn id="258" idx="0"/>
+          </p:cNvCxnSpPr>
+          <p:nvPr/>
+        </p:nvCxnSpPr>
+        <p:spPr>
+          <a:xfrm flipV="1">
+            <a:off x="5620372" y="3963758"/>
+            <a:ext cx="321538" cy="693404"/>
+          </a:xfrm>
+          <a:prstGeom prst="straightConnector1">
+            <a:avLst/>
+          </a:prstGeom>
+          <a:ln w="12700">
+            <a:solidFill>
+              <a:schemeClr val="accent1"/>
+            </a:solidFill>
+          </a:ln>
+        </p:spPr>
+      </p:cxnSp>
+      <p:cxnSp>
+        <p:nvCxnSpPr>
+          <p:cNvPr id="277" name="Connection Line"/>
+          <p:cNvCxnSpPr>
+            <a:stCxn id="263" idx="0"/>
+            <a:endCxn id="260" idx="0"/>
+          </p:cNvCxnSpPr>
+          <p:nvPr/>
+        </p:nvCxnSpPr>
+        <p:spPr>
+          <a:xfrm flipV="1">
+            <a:off x="3850477" y="3963758"/>
+            <a:ext cx="891429" cy="680941"/>
+          </a:xfrm>
+          <a:prstGeom prst="straightConnector1">
+            <a:avLst/>
+          </a:prstGeom>
+          <a:ln w="12700">
+            <a:solidFill>
+              <a:schemeClr val="accent1"/>
+            </a:solidFill>
+          </a:ln>
+        </p:spPr>
+      </p:cxnSp>
+      <p:cxnSp>
+        <p:nvCxnSpPr>
+          <p:cNvPr id="278" name="Connection Line"/>
+          <p:cNvCxnSpPr>
+            <a:stCxn id="262" idx="0"/>
+            <a:endCxn id="260" idx="0"/>
+          </p:cNvCxnSpPr>
+          <p:nvPr/>
+        </p:nvCxnSpPr>
+        <p:spPr>
+          <a:xfrm flipV="1">
+            <a:off x="4293146" y="3963758"/>
+            <a:ext cx="448760" cy="695706"/>
+          </a:xfrm>
+          <a:prstGeom prst="straightConnector1">
+            <a:avLst/>
+          </a:prstGeom>
+          <a:ln w="12700">
+            <a:solidFill>
+              <a:schemeClr val="accent1"/>
+            </a:solidFill>
+          </a:ln>
+        </p:spPr>
+      </p:cxnSp>
+      <p:cxnSp>
+        <p:nvCxnSpPr>
+          <p:cNvPr id="279" name="Connection Line"/>
+          <p:cNvCxnSpPr>
+            <a:stCxn id="261" idx="0"/>
+            <a:endCxn id="260" idx="0"/>
+          </p:cNvCxnSpPr>
+          <p:nvPr/>
+        </p:nvCxnSpPr>
+        <p:spPr>
+          <a:xfrm flipV="1">
+            <a:off x="4735816" y="3963758"/>
+            <a:ext cx="6090" cy="680941"/>
+          </a:xfrm>
+          <a:prstGeom prst="straightConnector1">
+            <a:avLst/>
+          </a:prstGeom>
+          <a:ln w="12700">
+            <a:solidFill>
+              <a:schemeClr val="accent1"/>
+            </a:solidFill>
+          </a:ln>
+        </p:spPr>
+      </p:cxnSp>
+      <p:cxnSp>
+        <p:nvCxnSpPr>
+          <p:cNvPr id="280" name="Connection Line"/>
+          <p:cNvCxnSpPr>
+            <a:stCxn id="269" idx="0"/>
+            <a:endCxn id="268" idx="0"/>
+          </p:cNvCxnSpPr>
+          <p:nvPr/>
+        </p:nvCxnSpPr>
+        <p:spPr>
+          <a:xfrm flipV="1">
+            <a:off x="5839535" y="3962974"/>
+            <a:ext cx="2370195" cy="1559876"/>
+          </a:xfrm>
+          <a:prstGeom prst="straightConnector1">
+            <a:avLst/>
+          </a:prstGeom>
+          <a:ln w="12700">
+            <a:solidFill>
+              <a:schemeClr val="accent1"/>
+            </a:solidFill>
+          </a:ln>
+        </p:spPr>
+      </p:cxnSp>
+      <p:cxnSp>
+        <p:nvCxnSpPr>
+          <p:cNvPr id="281" name="Connection Line"/>
+          <p:cNvCxnSpPr>
+            <a:stCxn id="267" idx="0"/>
+            <a:endCxn id="269" idx="0"/>
+          </p:cNvCxnSpPr>
+          <p:nvPr/>
+        </p:nvCxnSpPr>
+        <p:spPr>
+          <a:xfrm flipH="1">
+            <a:off x="5839535" y="3961126"/>
+            <a:ext cx="1346894" cy="1561724"/>
+          </a:xfrm>
+          <a:prstGeom prst="straightConnector1">
+            <a:avLst/>
+          </a:prstGeom>
+          <a:ln w="12700">
+            <a:solidFill>
+              <a:schemeClr val="accent1"/>
+            </a:solidFill>
+          </a:ln>
+        </p:spPr>
+      </p:cxnSp>
+      <p:cxnSp>
+        <p:nvCxnSpPr>
+          <p:cNvPr id="282" name="Connection Line"/>
+          <p:cNvCxnSpPr>
+            <a:stCxn id="269" idx="0"/>
+            <a:endCxn id="266" idx="0"/>
+          </p:cNvCxnSpPr>
+          <p:nvPr/>
+        </p:nvCxnSpPr>
+        <p:spPr>
+          <a:xfrm flipV="1">
+            <a:off x="5839535" y="3961126"/>
+            <a:ext cx="1836327" cy="1561724"/>
+          </a:xfrm>
+          <a:prstGeom prst="straightConnector1">
+            <a:avLst/>
+          </a:prstGeom>
+          <a:ln w="12700">
+            <a:solidFill>
+              <a:schemeClr val="accent1"/>
+            </a:solidFill>
+          </a:ln>
+        </p:spPr>
+      </p:cxnSp>
+      <p:cxnSp>
+        <p:nvCxnSpPr>
+          <p:cNvPr id="283" name="Connection Line"/>
+          <p:cNvCxnSpPr>
+            <a:stCxn id="269" idx="0"/>
+            <a:endCxn id="265" idx="0"/>
+          </p:cNvCxnSpPr>
+          <p:nvPr/>
+        </p:nvCxnSpPr>
+        <p:spPr>
+          <a:xfrm flipV="1">
+            <a:off x="5839535" y="3963758"/>
+            <a:ext cx="829046" cy="1559092"/>
+          </a:xfrm>
+          <a:prstGeom prst="straightConnector1">
+            <a:avLst/>
+          </a:prstGeom>
+          <a:ln w="12700">
+            <a:solidFill>
+              <a:schemeClr val="accent1"/>
+            </a:solidFill>
+          </a:ln>
+        </p:spPr>
+      </p:cxnSp>
+      <p:cxnSp>
+        <p:nvCxnSpPr>
+          <p:cNvPr id="284" name="Connection Line"/>
+          <p:cNvCxnSpPr>
+            <a:stCxn id="269" idx="0"/>
+            <a:endCxn id="259" idx="0"/>
+          </p:cNvCxnSpPr>
+          <p:nvPr/>
+        </p:nvCxnSpPr>
+        <p:spPr>
+          <a:xfrm flipV="1">
+            <a:off x="5839535" y="3351819"/>
+            <a:ext cx="540091" cy="2171031"/>
+          </a:xfrm>
+          <a:prstGeom prst="straightConnector1">
+            <a:avLst/>
+          </a:prstGeom>
+          <a:ln w="12700">
+            <a:solidFill>
+              <a:schemeClr val="accent1"/>
+            </a:solidFill>
+          </a:ln>
+        </p:spPr>
+      </p:cxnSp>
+      <p:cxnSp>
+        <p:nvCxnSpPr>
+          <p:cNvPr id="285" name="Connection Line"/>
+          <p:cNvCxnSpPr>
+            <a:stCxn id="261" idx="0"/>
+            <a:endCxn id="269" idx="0"/>
+          </p:cNvCxnSpPr>
+          <p:nvPr/>
+        </p:nvCxnSpPr>
+        <p:spPr>
+          <a:xfrm>
+            <a:off x="4735816" y="4644698"/>
+            <a:ext cx="1103720" cy="878152"/>
+          </a:xfrm>
+          <a:prstGeom prst="straightConnector1">
+            <a:avLst/>
+          </a:prstGeom>
+          <a:ln w="12700">
+            <a:solidFill>
+              <a:schemeClr val="accent1"/>
+            </a:solidFill>
+          </a:ln>
+        </p:spPr>
+      </p:cxnSp>
+      <p:cxnSp>
+        <p:nvCxnSpPr>
+          <p:cNvPr id="286" name="Connection Line"/>
+          <p:cNvCxnSpPr>
+            <a:stCxn id="269" idx="0"/>
+            <a:endCxn id="262" idx="0"/>
+          </p:cNvCxnSpPr>
+          <p:nvPr/>
+        </p:nvCxnSpPr>
+        <p:spPr>
+          <a:xfrm flipH="1" flipV="1">
+            <a:off x="4293146" y="4659463"/>
+            <a:ext cx="1546390" cy="863387"/>
+          </a:xfrm>
+          <a:prstGeom prst="straightConnector1">
+            <a:avLst/>
+          </a:prstGeom>
+          <a:ln w="12700">
+            <a:solidFill>
+              <a:schemeClr val="accent1"/>
+            </a:solidFill>
+          </a:ln>
+        </p:spPr>
+      </p:cxnSp>
+      <p:cxnSp>
+        <p:nvCxnSpPr>
+          <p:cNvPr id="287" name="Connection Line"/>
+          <p:cNvCxnSpPr>
+            <a:stCxn id="263" idx="0"/>
+            <a:endCxn id="269" idx="0"/>
+          </p:cNvCxnSpPr>
+          <p:nvPr/>
+        </p:nvCxnSpPr>
+        <p:spPr>
+          <a:xfrm>
+            <a:off x="3850477" y="4644698"/>
+            <a:ext cx="1989059" cy="878152"/>
+          </a:xfrm>
+          <a:prstGeom prst="straightConnector1">
+            <a:avLst/>
+          </a:prstGeom>
+          <a:ln w="12700">
+            <a:solidFill>
+              <a:schemeClr val="accent1"/>
+            </a:solidFill>
+          </a:ln>
+        </p:spPr>
+      </p:cxnSp>
+      <p:cxnSp>
+        <p:nvCxnSpPr>
+          <p:cNvPr id="288" name="Connection Line"/>
+          <p:cNvCxnSpPr>
+            <a:stCxn id="269" idx="0"/>
+            <a:endCxn id="264" idx="0"/>
+          </p:cNvCxnSpPr>
+          <p:nvPr/>
+        </p:nvCxnSpPr>
+        <p:spPr>
+          <a:xfrm flipH="1" flipV="1">
+            <a:off x="5620372" y="4657161"/>
+            <a:ext cx="219164" cy="865689"/>
+          </a:xfrm>
+          <a:prstGeom prst="straightConnector1">
+            <a:avLst/>
+          </a:prstGeom>
+          <a:ln w="12700">
+            <a:solidFill>
+              <a:schemeClr val="accent1"/>
+            </a:solidFill>
+          </a:ln>
+        </p:spPr>
+      </p:cxnSp>
+      <p:cxnSp>
+        <p:nvCxnSpPr>
+          <p:cNvPr id="289" name="Connection Line"/>
+          <p:cNvCxnSpPr>
+            <a:stCxn id="260" idx="0"/>
+            <a:endCxn id="269" idx="0"/>
+          </p:cNvCxnSpPr>
+          <p:nvPr/>
+        </p:nvCxnSpPr>
+        <p:spPr>
+          <a:xfrm>
+            <a:off x="4741905" y="3963758"/>
+            <a:ext cx="1097631" cy="1559092"/>
+          </a:xfrm>
+          <a:prstGeom prst="straightConnector1">
+            <a:avLst/>
+          </a:prstGeom>
+          <a:ln w="12700">
+            <a:solidFill>
+              <a:schemeClr val="accent1"/>
+            </a:solidFill>
+          </a:ln>
+        </p:spPr>
+      </p:cxnSp>
+      <p:cxnSp>
+        <p:nvCxnSpPr>
+          <p:cNvPr id="290" name="Connection Line"/>
+          <p:cNvCxnSpPr>
+            <a:stCxn id="258" idx="0"/>
+            <a:endCxn id="269" idx="0"/>
           </p:cNvCxnSpPr>
           <p:nvPr/>
         </p:nvCxnSpPr>
@@ -18606,7 +19190,7 @@
       </p:cxnSp>
       <p:pic>
         <p:nvPicPr>
-          <p:cNvPr id="273" name="3621249.png" descr="3621249.png"/>
+          <p:cNvPr id="291" name="3621249.png" descr="3621249.png"/>
           <p:cNvPicPr>
             <a:picLocks noChangeAspect="1"/>
           </p:cNvPicPr>
@@ -18635,7 +19219,7 @@
       </p:pic>
       <p:sp>
         <p:nvSpPr>
-          <p:cNvPr id="274" name="Oval"/>
+          <p:cNvPr id="292" name="Oval"/>
           <p:cNvSpPr/>
           <p:nvPr/>
         </p:nvSpPr>
@@ -18666,7 +19250,7 @@
       </p:sp>
       <p:sp>
         <p:nvSpPr>
-          <p:cNvPr id="275" name="6"/>
+          <p:cNvPr id="293" name="6"/>
           <p:cNvSpPr txBox="1"/>
           <p:nvPr/>
         </p:nvSpPr>
@@ -18704,7 +19288,7 @@
       </p:sp>
       <p:sp>
         <p:nvSpPr>
-          <p:cNvPr id="276" name="Line"/>
+          <p:cNvPr id="294" name="Line"/>
           <p:cNvSpPr/>
           <p:nvPr/>
         </p:nvSpPr>
@@ -18737,7 +19321,7 @@
       </p:sp>
       <p:pic>
         <p:nvPicPr>
-          <p:cNvPr id="277" name="102642.png" descr="102642.png"/>
+          <p:cNvPr id="295" name="102642.png" descr="102642.png"/>
           <p:cNvPicPr>
             <a:picLocks noChangeAspect="1"/>
           </p:cNvPicPr>
@@ -18766,7 +19350,7 @@
       </p:pic>
       <p:pic>
         <p:nvPicPr>
-          <p:cNvPr id="278" name="239207.png" descr="239207.png"/>
+          <p:cNvPr id="296" name="239207.png" descr="239207.png"/>
           <p:cNvPicPr>
             <a:picLocks noChangeAspect="1"/>
           </p:cNvPicPr>
@@ -18795,7 +19379,7 @@
       </p:pic>
       <p:sp>
         <p:nvSpPr>
-          <p:cNvPr id="279" name="Oval"/>
+          <p:cNvPr id="297" name="Oval"/>
           <p:cNvSpPr/>
           <p:nvPr/>
         </p:nvSpPr>
@@ -18826,7 +19410,7 @@
       </p:sp>
       <p:sp>
         <p:nvSpPr>
-          <p:cNvPr id="280" name="2"/>
+          <p:cNvPr id="298" name="2"/>
           <p:cNvSpPr txBox="1"/>
           <p:nvPr/>
         </p:nvSpPr>
@@ -18864,7 +19448,7 @@
       </p:sp>
       <p:pic>
         <p:nvPicPr>
-          <p:cNvPr id="281" name="Screenshot 2024-01-21 at 16.09.34.png" descr="Screenshot 2024-01-21 at 16.09.34.png"/>
+          <p:cNvPr id="299" name="Screenshot 2024-01-21 at 16.09.34.png" descr="Screenshot 2024-01-21 at 16.09.34.png"/>
           <p:cNvPicPr>
             <a:picLocks noChangeAspect="1"/>
           </p:cNvPicPr>
@@ -18893,7 +19477,7 @@
       </p:pic>
       <p:sp>
         <p:nvSpPr>
-          <p:cNvPr id="282" name="Line"/>
+          <p:cNvPr id="300" name="Line"/>
           <p:cNvSpPr/>
           <p:nvPr/>
         </p:nvSpPr>
@@ -18922,7 +19506,7 @@
       </p:sp>
       <p:sp>
         <p:nvSpPr>
-          <p:cNvPr id="283" name="Java…"/>
+          <p:cNvPr id="301" name="Java…"/>
           <p:cNvSpPr txBox="1"/>
           <p:nvPr/>
         </p:nvSpPr>
@@ -18962,7 +19546,7 @@
       </p:sp>
       <p:sp>
         <p:nvSpPr>
-          <p:cNvPr id="284" name="Line"/>
+          <p:cNvPr id="302" name="Line"/>
           <p:cNvSpPr/>
           <p:nvPr/>
         </p:nvSpPr>
@@ -18995,7 +19579,7 @@
       </p:sp>
       <p:sp>
         <p:nvSpPr>
-          <p:cNvPr id="285" name="Java…"/>
+          <p:cNvPr id="303" name="Java…"/>
           <p:cNvSpPr txBox="1"/>
           <p:nvPr/>
         </p:nvSpPr>
@@ -19035,7 +19619,7 @@
       </p:sp>
       <p:sp>
         <p:nvSpPr>
-          <p:cNvPr id="286" name="Line"/>
+          <p:cNvPr id="304" name="Line"/>
           <p:cNvSpPr/>
           <p:nvPr/>
         </p:nvSpPr>
@@ -19068,7 +19652,7 @@
       </p:sp>
       <p:sp>
         <p:nvSpPr>
-          <p:cNvPr id="287" name="Line"/>
+          <p:cNvPr id="305" name="Line"/>
           <p:cNvSpPr/>
           <p:nvPr/>
         </p:nvSpPr>
@@ -19101,7 +19685,7 @@
       </p:sp>
       <p:sp>
         <p:nvSpPr>
-          <p:cNvPr id="288" name="Line"/>
+          <p:cNvPr id="306" name="Line"/>
           <p:cNvSpPr/>
           <p:nvPr/>
         </p:nvSpPr>
@@ -19130,7 +19714,7 @@
       </p:sp>
       <p:sp>
         <p:nvSpPr>
-          <p:cNvPr id="289" name="Java…"/>
+          <p:cNvPr id="307" name="Java…"/>
           <p:cNvSpPr txBox="1"/>
           <p:nvPr/>
         </p:nvSpPr>
@@ -19173,7 +19757,7 @@
       </p:sp>
       <p:sp>
         <p:nvSpPr>
-          <p:cNvPr id="290" name="Line"/>
+          <p:cNvPr id="308" name="Line"/>
           <p:cNvSpPr/>
           <p:nvPr/>
         </p:nvSpPr>
@@ -19206,7 +19790,7 @@
       </p:sp>
       <p:sp>
         <p:nvSpPr>
-          <p:cNvPr id="291" name="Line"/>
+          <p:cNvPr id="309" name="Line"/>
           <p:cNvSpPr/>
           <p:nvPr/>
         </p:nvSpPr>
@@ -19239,7 +19823,7 @@
       </p:sp>
       <p:sp>
         <p:nvSpPr>
-          <p:cNvPr id="292" name="Oval"/>
+          <p:cNvPr id="310" name="Oval"/>
           <p:cNvSpPr/>
           <p:nvPr/>
         </p:nvSpPr>
@@ -19270,7 +19854,7 @@
       </p:sp>
       <p:sp>
         <p:nvSpPr>
-          <p:cNvPr id="293" name="1"/>
+          <p:cNvPr id="311" name="1"/>
           <p:cNvSpPr txBox="1"/>
           <p:nvPr/>
         </p:nvSpPr>
@@ -19308,7 +19892,7 @@
       </p:sp>
       <p:sp>
         <p:nvSpPr>
-          <p:cNvPr id="294" name="Java…"/>
+          <p:cNvPr id="312" name="Java…"/>
           <p:cNvSpPr txBox="1"/>
           <p:nvPr/>
         </p:nvSpPr>
@@ -19348,7 +19932,7 @@
       </p:sp>
       <p:sp>
         <p:nvSpPr>
-          <p:cNvPr id="295" name="Java…"/>
+          <p:cNvPr id="313" name="Java…"/>
           <p:cNvSpPr txBox="1"/>
           <p:nvPr/>
         </p:nvSpPr>
@@ -19388,7 +19972,7 @@
       </p:sp>
       <p:sp>
         <p:nvSpPr>
-          <p:cNvPr id="296" name="Java…"/>
+          <p:cNvPr id="314" name="Java…"/>
           <p:cNvSpPr txBox="1"/>
           <p:nvPr/>
         </p:nvSpPr>
@@ -19428,7 +20012,7 @@
       </p:sp>
       <p:sp>
         <p:nvSpPr>
-          <p:cNvPr id="297" name="Java…"/>
+          <p:cNvPr id="315" name="Java…"/>
           <p:cNvSpPr txBox="1"/>
           <p:nvPr/>
         </p:nvSpPr>
@@ -19468,7 +20052,7 @@
       </p:sp>
       <p:sp>
         <p:nvSpPr>
-          <p:cNvPr id="298" name="Execution Steps (Repeated) of the Testbed"/>
+          <p:cNvPr id="316" name="Execution Steps (Repeated) of the Testbed"/>
           <p:cNvSpPr txBox="1"/>
           <p:nvPr>
             <p:ph type="title"/>
@@ -19496,7 +20080,7 @@
       </p:sp>
       <p:pic>
         <p:nvPicPr>
-          <p:cNvPr id="299" name="Unknown.png" descr="Unknown.png"/>
+          <p:cNvPr id="317" name="Unknown.png" descr="Unknown.png"/>
           <p:cNvPicPr>
             <a:picLocks noChangeAspect="1"/>
           </p:cNvPicPr>
@@ -19525,7 +20109,7 @@
       </p:pic>
       <p:sp>
         <p:nvSpPr>
-          <p:cNvPr id="300" name="Date Placeholder 3"/>
+          <p:cNvPr id="318" name="Date Placeholder 3"/>
           <p:cNvSpPr txBox="1"/>
           <p:nvPr/>
         </p:nvSpPr>
@@ -19569,7 +20153,7 @@
       </p:sp>
       <p:sp>
         <p:nvSpPr>
-          <p:cNvPr id="301" name="Slide Number"/>
+          <p:cNvPr id="319" name="Slide Number"/>
           <p:cNvSpPr txBox="1"/>
           <p:nvPr>
             <p:ph type="sldNum" sz="quarter" idx="4294967295"/>
@@ -19600,7 +20184,7 @@
       </p:sp>
       <p:sp>
         <p:nvSpPr>
-          <p:cNvPr id="302" name="Date Placeholder 3"/>
+          <p:cNvPr id="320" name="Date Placeholder 3"/>
           <p:cNvSpPr txBox="1"/>
           <p:nvPr/>
         </p:nvSpPr>
@@ -19670,7 +20254,7 @@
       </p:grpSpPr>
       <p:sp>
         <p:nvSpPr>
-          <p:cNvPr id="304" name="Management of Container-Testbed Environment"/>
+          <p:cNvPr id="322" name="Management of Container-Testbed Environment"/>
           <p:cNvSpPr txBox="1"/>
           <p:nvPr>
             <p:ph type="title"/>
@@ -19700,7 +20284,7 @@
       </p:sp>
       <p:sp>
         <p:nvSpPr>
-          <p:cNvPr id="305" name="Create and Deploy Applications Faster and More Securely…"/>
+          <p:cNvPr id="323" name="Create and Deploy Applications Faster and More Securely…"/>
           <p:cNvSpPr txBox="1"/>
           <p:nvPr>
             <p:ph type="body" idx="1"/>
@@ -19827,7 +20411,7 @@
       </p:sp>
       <p:sp>
         <p:nvSpPr>
-          <p:cNvPr id="306" name="Slide Number"/>
+          <p:cNvPr id="324" name="Slide Number"/>
           <p:cNvSpPr txBox="1"/>
           <p:nvPr>
             <p:ph type="sldNum" sz="quarter" idx="4294967295"/>
@@ -19858,7 +20442,7 @@
       </p:sp>
       <p:sp>
         <p:nvSpPr>
-          <p:cNvPr id="307" name="[2]"/>
+          <p:cNvPr id="325" name="[2]"/>
           <p:cNvSpPr txBox="1"/>
           <p:nvPr/>
         </p:nvSpPr>
@@ -19909,7 +20493,7 @@
       </p:sp>
       <p:sp>
         <p:nvSpPr>
-          <p:cNvPr id="308" name="name: p2p-network-topology…"/>
+          <p:cNvPr id="326" name="name: p2p-network-topology…"/>
           <p:cNvSpPr txBox="1"/>
           <p:nvPr/>
         </p:nvSpPr>
@@ -20361,7 +20945,7 @@
       </p:sp>
       <p:sp>
         <p:nvSpPr>
-          <p:cNvPr id="309" name="Configuration of Containerlab File"/>
+          <p:cNvPr id="327" name="Configuration of Containerlab File"/>
           <p:cNvSpPr txBox="1"/>
           <p:nvPr/>
         </p:nvSpPr>
@@ -20415,7 +20999,7 @@
       </p:sp>
       <p:pic>
         <p:nvPicPr>
-          <p:cNvPr id="310" name="yaml-file-format-line-icon-free-vector.jpg" descr="yaml-file-format-line-icon-free-vector.jpg"/>
+          <p:cNvPr id="328" name="yaml-file-format-line-icon-free-vector.jpg" descr="yaml-file-format-line-icon-free-vector.jpg"/>
           <p:cNvPicPr>
             <a:picLocks noChangeAspect="1"/>
           </p:cNvPicPr>
@@ -20444,7 +21028,7 @@
       </p:pic>
       <p:sp>
         <p:nvSpPr>
-          <p:cNvPr id="311" name="Date Placeholder 3"/>
+          <p:cNvPr id="329" name="Date Placeholder 3"/>
           <p:cNvSpPr txBox="1"/>
           <p:nvPr/>
         </p:nvSpPr>
@@ -20488,7 +21072,7 @@
       </p:sp>
       <p:pic>
         <p:nvPicPr>
-          <p:cNvPr id="312" name="containerlabTestbed.png" descr="containerlabTestbed.png"/>
+          <p:cNvPr id="330" name="containerlabTestbed.png" descr="containerlabTestbed.png"/>
           <p:cNvPicPr>
             <a:picLocks noChangeAspect="1"/>
           </p:cNvPicPr>
@@ -20517,7 +21101,7 @@
       </p:pic>
       <p:sp>
         <p:nvSpPr>
-          <p:cNvPr id="313" name="Date Placeholder 3"/>
+          <p:cNvPr id="331" name="Date Placeholder 3"/>
           <p:cNvSpPr txBox="1"/>
           <p:nvPr/>
         </p:nvSpPr>
@@ -20587,7 +21171,7 @@
       </p:grpSpPr>
       <p:sp>
         <p:nvSpPr>
-          <p:cNvPr id="315" name="Configuring the Components of the P2P Algorithm"/>
+          <p:cNvPr id="333" name="Configuring the Components of the P2P Algorithm"/>
           <p:cNvSpPr txBox="1"/>
           <p:nvPr>
             <p:ph type="title"/>
@@ -20619,7 +21203,7 @@
       </p:sp>
       <p:sp>
         <p:nvSpPr>
-          <p:cNvPr id="316" name="Slide Number"/>
+          <p:cNvPr id="334" name="Slide Number"/>
           <p:cNvSpPr txBox="1"/>
           <p:nvPr>
             <p:ph type="sldNum" sz="quarter" idx="4294967295"/>
@@ -20650,7 +21234,7 @@
       </p:sp>
       <p:sp>
         <p:nvSpPr>
-          <p:cNvPr id="317" name="Date Placeholder 3"/>
+          <p:cNvPr id="335" name="Date Placeholder 3"/>
           <p:cNvSpPr txBox="1"/>
           <p:nvPr/>
         </p:nvSpPr>
@@ -20694,13 +21278,13 @@
       </p:sp>
       <p:sp>
         <p:nvSpPr>
-          <p:cNvPr id="318" name="name: p2p-network-topology…"/>
+          <p:cNvPr id="336" name="name: p2p-network-topology…"/>
           <p:cNvSpPr txBox="1"/>
           <p:nvPr/>
         </p:nvSpPr>
         <p:spPr>
           <a:xfrm>
-            <a:off x="1397000" y="2007181"/>
+            <a:off x="1263815" y="2245941"/>
             <a:ext cx="3344360" cy="3867804"/>
           </a:xfrm>
           <a:prstGeom prst="rect">
@@ -21610,14 +22194,14 @@
       </p:sp>
       <p:sp>
         <p:nvSpPr>
-          <p:cNvPr id="319" name="Configuration of Containerlab File"/>
+          <p:cNvPr id="337" name="Configuration of Containerlab File"/>
           <p:cNvSpPr txBox="1"/>
           <p:nvPr/>
         </p:nvSpPr>
         <p:spPr>
           <a:xfrm>
-            <a:off x="1244600" y="1397000"/>
-            <a:ext cx="3686867" cy="480994"/>
+            <a:off x="1173480" y="1762143"/>
+            <a:ext cx="3686867" cy="415274"/>
           </a:xfrm>
           <a:prstGeom prst="rect">
             <a:avLst/>
@@ -21643,7 +22227,7 @@
               <a:lnSpc>
                 <a:spcPct val="85000"/>
               </a:lnSpc>
-              <a:defRPr spc="-14" sz="1400">
+              <a:defRPr spc="-12" sz="1200">
                 <a:solidFill>
                   <a:srgbClr val="404040"/>
                 </a:solidFill>
@@ -21664,7 +22248,7 @@
       </p:sp>
       <p:pic>
         <p:nvPicPr>
-          <p:cNvPr id="320" name="yaml-file-format-line-icon-free-vector.jpg" descr="yaml-file-format-line-icon-free-vector.jpg"/>
+          <p:cNvPr id="338" name="yaml-file-format-line-icon-free-vector.jpg" descr="yaml-file-format-line-icon-free-vector.jpg"/>
           <p:cNvPicPr>
             <a:picLocks noChangeAspect="1"/>
           </p:cNvPicPr>
@@ -21680,7 +22264,7 @@
         </p:blipFill>
         <p:spPr>
           <a:xfrm>
-            <a:off x="4688602" y="5722586"/>
+            <a:off x="4617482" y="5824186"/>
             <a:ext cx="223437" cy="243839"/>
           </a:xfrm>
           <a:prstGeom prst="rect">
@@ -21693,13 +22277,13 @@
       </p:pic>
       <p:sp>
         <p:nvSpPr>
-          <p:cNvPr id="321" name="Rounded Rectangle"/>
+          <p:cNvPr id="339" name="Rounded Rectangle"/>
           <p:cNvSpPr/>
           <p:nvPr/>
         </p:nvSpPr>
         <p:spPr>
           <a:xfrm>
-            <a:off x="6800973" y="5101394"/>
+            <a:off x="6800973" y="5545894"/>
             <a:ext cx="357123" cy="273007"/>
           </a:xfrm>
           <a:prstGeom prst="roundRect">
@@ -21727,13 +22311,13 @@
       </p:sp>
       <p:sp>
         <p:nvSpPr>
-          <p:cNvPr id="322" name="Square"/>
+          <p:cNvPr id="340" name="Square"/>
           <p:cNvSpPr/>
           <p:nvPr/>
         </p:nvSpPr>
         <p:spPr>
           <a:xfrm>
-            <a:off x="8013920" y="5095044"/>
+            <a:off x="8013920" y="5539544"/>
             <a:ext cx="284410" cy="285707"/>
           </a:xfrm>
           <a:prstGeom prst="rect">
@@ -21759,13 +22343,13 @@
       </p:sp>
       <p:sp>
         <p:nvSpPr>
-          <p:cNvPr id="323" name="Circle"/>
+          <p:cNvPr id="341" name="Circle"/>
           <p:cNvSpPr/>
           <p:nvPr/>
         </p:nvSpPr>
         <p:spPr>
           <a:xfrm>
-            <a:off x="8844660" y="5094636"/>
+            <a:off x="8844660" y="5539136"/>
             <a:ext cx="284410" cy="285708"/>
           </a:xfrm>
           <a:prstGeom prst="ellipse">
@@ -21790,13 +22374,13 @@
       </p:sp>
       <p:sp>
         <p:nvSpPr>
-          <p:cNvPr id="324" name="Shape"/>
+          <p:cNvPr id="342" name="Shape"/>
           <p:cNvSpPr/>
           <p:nvPr/>
         </p:nvSpPr>
         <p:spPr>
           <a:xfrm>
-            <a:off x="9561340" y="5040538"/>
+            <a:off x="9561340" y="5485038"/>
             <a:ext cx="357124" cy="369318"/>
           </a:xfrm>
           <a:custGeom>
@@ -21855,13 +22439,13 @@
       </p:sp>
       <p:sp>
         <p:nvSpPr>
-          <p:cNvPr id="325" name="Java…"/>
+          <p:cNvPr id="343" name="Java…"/>
           <p:cNvSpPr txBox="1"/>
           <p:nvPr/>
         </p:nvSpPr>
         <p:spPr>
           <a:xfrm>
-            <a:off x="6294461" y="5425244"/>
+            <a:off x="6294461" y="5869744"/>
             <a:ext cx="1370147" cy="285707"/>
           </a:xfrm>
           <a:prstGeom prst="rect">
@@ -21895,13 +22479,13 @@
       </p:sp>
       <p:sp>
         <p:nvSpPr>
-          <p:cNvPr id="326" name="Square"/>
+          <p:cNvPr id="344" name="Square"/>
           <p:cNvSpPr/>
           <p:nvPr/>
         </p:nvSpPr>
         <p:spPr>
           <a:xfrm>
-            <a:off x="8142431" y="3131633"/>
+            <a:off x="8142431" y="3576133"/>
             <a:ext cx="284410" cy="285708"/>
           </a:xfrm>
           <a:prstGeom prst="rect">
@@ -21927,13 +22511,13 @@
       </p:sp>
       <p:sp>
         <p:nvSpPr>
-          <p:cNvPr id="327" name="Rounded Rectangle"/>
+          <p:cNvPr id="345" name="Rounded Rectangle"/>
           <p:cNvSpPr/>
           <p:nvPr/>
         </p:nvSpPr>
         <p:spPr>
           <a:xfrm>
-            <a:off x="8607290" y="2322844"/>
+            <a:off x="8607290" y="2767344"/>
             <a:ext cx="357123" cy="273008"/>
           </a:xfrm>
           <a:prstGeom prst="roundRect">
@@ -21961,13 +22545,13 @@
       </p:sp>
       <p:sp>
         <p:nvSpPr>
-          <p:cNvPr id="328" name="Square"/>
+          <p:cNvPr id="346" name="Square"/>
           <p:cNvSpPr/>
           <p:nvPr/>
         </p:nvSpPr>
         <p:spPr>
           <a:xfrm>
-            <a:off x="6942427" y="3131633"/>
+            <a:off x="6942427" y="3576133"/>
             <a:ext cx="284410" cy="285708"/>
           </a:xfrm>
           <a:prstGeom prst="rect">
@@ -21993,13 +22577,13 @@
       </p:sp>
       <p:sp>
         <p:nvSpPr>
-          <p:cNvPr id="329" name="Circle"/>
+          <p:cNvPr id="347" name="Circle"/>
           <p:cNvSpPr/>
           <p:nvPr/>
         </p:nvSpPr>
         <p:spPr>
           <a:xfrm>
-            <a:off x="6936338" y="3812573"/>
+            <a:off x="6936338" y="4257073"/>
             <a:ext cx="284410" cy="285708"/>
           </a:xfrm>
           <a:prstGeom prst="ellipse">
@@ -22024,13 +22608,13 @@
       </p:sp>
       <p:sp>
         <p:nvSpPr>
-          <p:cNvPr id="330" name="Circle"/>
+          <p:cNvPr id="348" name="Circle"/>
           <p:cNvSpPr/>
           <p:nvPr/>
         </p:nvSpPr>
         <p:spPr>
           <a:xfrm>
-            <a:off x="6493668" y="3827338"/>
+            <a:off x="6493668" y="4271838"/>
             <a:ext cx="284410" cy="285708"/>
           </a:xfrm>
           <a:prstGeom prst="ellipse">
@@ -22055,13 +22639,13 @@
       </p:sp>
       <p:sp>
         <p:nvSpPr>
-          <p:cNvPr id="331" name="Circle"/>
+          <p:cNvPr id="349" name="Circle"/>
           <p:cNvSpPr/>
           <p:nvPr/>
         </p:nvSpPr>
         <p:spPr>
           <a:xfrm>
-            <a:off x="6050999" y="3812573"/>
+            <a:off x="6050999" y="4257073"/>
             <a:ext cx="284410" cy="285708"/>
           </a:xfrm>
           <a:prstGeom prst="ellipse">
@@ -22086,13 +22670,13 @@
       </p:sp>
       <p:sp>
         <p:nvSpPr>
-          <p:cNvPr id="332" name="Circle"/>
+          <p:cNvPr id="350" name="Circle"/>
           <p:cNvSpPr/>
           <p:nvPr/>
         </p:nvSpPr>
         <p:spPr>
           <a:xfrm>
-            <a:off x="7820894" y="3825036"/>
+            <a:off x="7820894" y="4269536"/>
             <a:ext cx="284410" cy="285708"/>
           </a:xfrm>
           <a:prstGeom prst="ellipse">
@@ -22117,13 +22701,13 @@
       </p:sp>
       <p:sp>
         <p:nvSpPr>
-          <p:cNvPr id="333" name="Circle"/>
+          <p:cNvPr id="351" name="Circle"/>
           <p:cNvSpPr/>
           <p:nvPr/>
         </p:nvSpPr>
         <p:spPr>
           <a:xfrm>
-            <a:off x="8869102" y="3131633"/>
+            <a:off x="8869102" y="3576133"/>
             <a:ext cx="284410" cy="285708"/>
           </a:xfrm>
           <a:prstGeom prst="ellipse">
@@ -22148,13 +22732,13 @@
       </p:sp>
       <p:sp>
         <p:nvSpPr>
-          <p:cNvPr id="334" name="Circle"/>
+          <p:cNvPr id="352" name="Circle"/>
           <p:cNvSpPr/>
           <p:nvPr/>
         </p:nvSpPr>
         <p:spPr>
           <a:xfrm>
-            <a:off x="9876383" y="3129001"/>
+            <a:off x="9876383" y="3573501"/>
             <a:ext cx="284410" cy="285707"/>
           </a:xfrm>
           <a:prstGeom prst="ellipse">
@@ -22179,13 +22763,13 @@
       </p:sp>
       <p:sp>
         <p:nvSpPr>
-          <p:cNvPr id="335" name="Circle"/>
+          <p:cNvPr id="353" name="Circle"/>
           <p:cNvSpPr/>
           <p:nvPr/>
         </p:nvSpPr>
         <p:spPr>
           <a:xfrm>
-            <a:off x="9386949" y="3129001"/>
+            <a:off x="9386949" y="3573501"/>
             <a:ext cx="284410" cy="285707"/>
           </a:xfrm>
           <a:prstGeom prst="ellipse">
@@ -22210,13 +22794,13 @@
       </p:sp>
       <p:sp>
         <p:nvSpPr>
-          <p:cNvPr id="336" name="Circle"/>
+          <p:cNvPr id="354" name="Circle"/>
           <p:cNvSpPr/>
           <p:nvPr/>
         </p:nvSpPr>
         <p:spPr>
           <a:xfrm>
-            <a:off x="10410251" y="3130848"/>
+            <a:off x="10410251" y="3575348"/>
             <a:ext cx="284410" cy="285708"/>
           </a:xfrm>
           <a:prstGeom prst="ellipse">
@@ -22241,13 +22825,13 @@
       </p:sp>
       <p:sp>
         <p:nvSpPr>
-          <p:cNvPr id="337" name="Shape"/>
+          <p:cNvPr id="355" name="Shape"/>
           <p:cNvSpPr/>
           <p:nvPr/>
         </p:nvSpPr>
         <p:spPr>
           <a:xfrm>
-            <a:off x="8003700" y="4648918"/>
+            <a:off x="8003700" y="5093418"/>
             <a:ext cx="357124" cy="369318"/>
           </a:xfrm>
           <a:custGeom>
@@ -22306,449 +22890,17 @@
       </p:sp>
       <p:cxnSp>
         <p:nvCxnSpPr>
-          <p:cNvPr id="338" name="Connection Line"/>
-          <p:cNvCxnSpPr>
-            <a:stCxn id="327" idx="0"/>
-            <a:endCxn id="333" idx="0"/>
-          </p:cNvCxnSpPr>
-          <p:nvPr/>
-        </p:nvCxnSpPr>
-        <p:spPr>
-          <a:xfrm>
-            <a:off x="8785851" y="2459347"/>
-            <a:ext cx="225456" cy="815140"/>
-          </a:xfrm>
-          <a:prstGeom prst="straightConnector1">
-            <a:avLst/>
-          </a:prstGeom>
-          <a:ln w="12700">
-            <a:solidFill>
-              <a:schemeClr val="accent1"/>
-            </a:solidFill>
-          </a:ln>
-        </p:spPr>
-      </p:cxnSp>
-      <p:cxnSp>
-        <p:nvCxnSpPr>
-          <p:cNvPr id="339" name="Connection Line"/>
-          <p:cNvCxnSpPr>
-            <a:stCxn id="327" idx="0"/>
-            <a:endCxn id="334" idx="0"/>
-          </p:cNvCxnSpPr>
-          <p:nvPr/>
-        </p:nvCxnSpPr>
-        <p:spPr>
-          <a:xfrm>
-            <a:off x="8785851" y="2459347"/>
-            <a:ext cx="1232737" cy="812508"/>
-          </a:xfrm>
-          <a:prstGeom prst="straightConnector1">
-            <a:avLst/>
-          </a:prstGeom>
-          <a:ln w="12700">
-            <a:solidFill>
-              <a:schemeClr val="accent1"/>
-            </a:solidFill>
-          </a:ln>
-        </p:spPr>
-      </p:cxnSp>
-      <p:cxnSp>
-        <p:nvCxnSpPr>
-          <p:cNvPr id="340" name="Connection Line"/>
-          <p:cNvCxnSpPr>
-            <a:stCxn id="335" idx="0"/>
-            <a:endCxn id="327" idx="0"/>
-          </p:cNvCxnSpPr>
-          <p:nvPr/>
-        </p:nvCxnSpPr>
-        <p:spPr>
-          <a:xfrm flipH="1" flipV="1">
-            <a:off x="8785851" y="2459347"/>
-            <a:ext cx="743304" cy="812508"/>
-          </a:xfrm>
-          <a:prstGeom prst="straightConnector1">
-            <a:avLst/>
-          </a:prstGeom>
-          <a:ln w="12700">
-            <a:solidFill>
-              <a:schemeClr val="accent1"/>
-            </a:solidFill>
-          </a:ln>
-        </p:spPr>
-      </p:cxnSp>
-      <p:cxnSp>
-        <p:nvCxnSpPr>
-          <p:cNvPr id="341" name="Connection Line"/>
-          <p:cNvCxnSpPr>
-            <a:stCxn id="327" idx="0"/>
-            <a:endCxn id="336" idx="0"/>
-          </p:cNvCxnSpPr>
-          <p:nvPr/>
-        </p:nvCxnSpPr>
-        <p:spPr>
-          <a:xfrm>
-            <a:off x="8785851" y="2459347"/>
-            <a:ext cx="1766605" cy="814356"/>
-          </a:xfrm>
-          <a:prstGeom prst="straightConnector1">
-            <a:avLst/>
-          </a:prstGeom>
-          <a:ln w="12700">
-            <a:solidFill>
-              <a:schemeClr val="accent1"/>
-            </a:solidFill>
-          </a:ln>
-        </p:spPr>
-      </p:cxnSp>
-      <p:cxnSp>
-        <p:nvCxnSpPr>
-          <p:cNvPr id="342" name="Connection Line"/>
-          <p:cNvCxnSpPr>
-            <a:stCxn id="327" idx="0"/>
-            <a:endCxn id="328" idx="0"/>
-          </p:cNvCxnSpPr>
-          <p:nvPr/>
-        </p:nvCxnSpPr>
-        <p:spPr>
-          <a:xfrm flipH="1">
-            <a:off x="7084631" y="2459347"/>
-            <a:ext cx="1701221" cy="815140"/>
-          </a:xfrm>
-          <a:prstGeom prst="straightConnector1">
-            <a:avLst/>
-          </a:prstGeom>
-          <a:ln w="12700">
-            <a:solidFill>
-              <a:schemeClr val="accent1"/>
-            </a:solidFill>
-          </a:ln>
-        </p:spPr>
-      </p:cxnSp>
-      <p:cxnSp>
-        <p:nvCxnSpPr>
-          <p:cNvPr id="343" name="Connection Line"/>
-          <p:cNvCxnSpPr>
-            <a:stCxn id="327" idx="0"/>
-            <a:endCxn id="326" idx="0"/>
-          </p:cNvCxnSpPr>
-          <p:nvPr/>
-        </p:nvCxnSpPr>
-        <p:spPr>
-          <a:xfrm flipH="1">
-            <a:off x="8284636" y="2459347"/>
-            <a:ext cx="501216" cy="815140"/>
-          </a:xfrm>
-          <a:prstGeom prst="straightConnector1">
-            <a:avLst/>
-          </a:prstGeom>
-          <a:ln w="12700">
-            <a:solidFill>
-              <a:schemeClr val="accent1"/>
-            </a:solidFill>
-          </a:ln>
-        </p:spPr>
-      </p:cxnSp>
-      <p:cxnSp>
-        <p:nvCxnSpPr>
-          <p:cNvPr id="344" name="Connection Line"/>
-          <p:cNvCxnSpPr>
-            <a:stCxn id="332" idx="0"/>
-            <a:endCxn id="326" idx="0"/>
-          </p:cNvCxnSpPr>
-          <p:nvPr/>
-        </p:nvCxnSpPr>
-        <p:spPr>
-          <a:xfrm flipV="1">
-            <a:off x="7963099" y="3274486"/>
-            <a:ext cx="321538" cy="693404"/>
-          </a:xfrm>
-          <a:prstGeom prst="straightConnector1">
-            <a:avLst/>
-          </a:prstGeom>
-          <a:ln w="12700">
-            <a:solidFill>
-              <a:schemeClr val="accent1"/>
-            </a:solidFill>
-          </a:ln>
-        </p:spPr>
-      </p:cxnSp>
-      <p:cxnSp>
-        <p:nvCxnSpPr>
-          <p:cNvPr id="345" name="Connection Line"/>
-          <p:cNvCxnSpPr>
-            <a:stCxn id="331" idx="0"/>
-            <a:endCxn id="328" idx="0"/>
-          </p:cNvCxnSpPr>
-          <p:nvPr/>
-        </p:nvCxnSpPr>
-        <p:spPr>
-          <a:xfrm flipV="1">
-            <a:off x="6193203" y="3274486"/>
-            <a:ext cx="891429" cy="680941"/>
-          </a:xfrm>
-          <a:prstGeom prst="straightConnector1">
-            <a:avLst/>
-          </a:prstGeom>
-          <a:ln w="12700">
-            <a:solidFill>
-              <a:schemeClr val="accent1"/>
-            </a:solidFill>
-          </a:ln>
-        </p:spPr>
-      </p:cxnSp>
-      <p:cxnSp>
-        <p:nvCxnSpPr>
-          <p:cNvPr id="346" name="Connection Line"/>
-          <p:cNvCxnSpPr>
-            <a:stCxn id="330" idx="0"/>
-            <a:endCxn id="328" idx="0"/>
-          </p:cNvCxnSpPr>
-          <p:nvPr/>
-        </p:nvCxnSpPr>
-        <p:spPr>
-          <a:xfrm flipV="1">
-            <a:off x="6635873" y="3274486"/>
-            <a:ext cx="448759" cy="695706"/>
-          </a:xfrm>
-          <a:prstGeom prst="straightConnector1">
-            <a:avLst/>
-          </a:prstGeom>
-          <a:ln w="12700">
-            <a:solidFill>
-              <a:schemeClr val="accent1"/>
-            </a:solidFill>
-          </a:ln>
-        </p:spPr>
-      </p:cxnSp>
-      <p:cxnSp>
-        <p:nvCxnSpPr>
-          <p:cNvPr id="347" name="Connection Line"/>
-          <p:cNvCxnSpPr>
-            <a:stCxn id="329" idx="0"/>
-            <a:endCxn id="328" idx="0"/>
-          </p:cNvCxnSpPr>
-          <p:nvPr/>
-        </p:nvCxnSpPr>
-        <p:spPr>
-          <a:xfrm flipV="1">
-            <a:off x="7078543" y="3274486"/>
-            <a:ext cx="6089" cy="680941"/>
-          </a:xfrm>
-          <a:prstGeom prst="straightConnector1">
-            <a:avLst/>
-          </a:prstGeom>
-          <a:ln w="12700">
-            <a:solidFill>
-              <a:schemeClr val="accent1"/>
-            </a:solidFill>
-          </a:ln>
-        </p:spPr>
-      </p:cxnSp>
-      <p:cxnSp>
-        <p:nvCxnSpPr>
-          <p:cNvPr id="348" name="Connection Line"/>
-          <p:cNvCxnSpPr>
-            <a:stCxn id="337" idx="0"/>
-            <a:endCxn id="336" idx="0"/>
-          </p:cNvCxnSpPr>
-          <p:nvPr/>
-        </p:nvCxnSpPr>
-        <p:spPr>
-          <a:xfrm flipV="1">
-            <a:off x="8182261" y="3273702"/>
-            <a:ext cx="2370195" cy="1559876"/>
-          </a:xfrm>
-          <a:prstGeom prst="straightConnector1">
-            <a:avLst/>
-          </a:prstGeom>
-          <a:ln w="12700">
-            <a:solidFill>
-              <a:schemeClr val="accent1"/>
-            </a:solidFill>
-          </a:ln>
-        </p:spPr>
-      </p:cxnSp>
-      <p:cxnSp>
-        <p:nvCxnSpPr>
-          <p:cNvPr id="349" name="Connection Line"/>
-          <p:cNvCxnSpPr>
-            <a:stCxn id="335" idx="0"/>
-            <a:endCxn id="337" idx="0"/>
-          </p:cNvCxnSpPr>
-          <p:nvPr/>
-        </p:nvCxnSpPr>
-        <p:spPr>
-          <a:xfrm flipH="1">
-            <a:off x="8182261" y="3271854"/>
-            <a:ext cx="1346894" cy="1561724"/>
-          </a:xfrm>
-          <a:prstGeom prst="straightConnector1">
-            <a:avLst/>
-          </a:prstGeom>
-          <a:ln w="12700">
-            <a:solidFill>
-              <a:schemeClr val="accent1"/>
-            </a:solidFill>
-          </a:ln>
-        </p:spPr>
-      </p:cxnSp>
-      <p:cxnSp>
-        <p:nvCxnSpPr>
-          <p:cNvPr id="350" name="Connection Line"/>
-          <p:cNvCxnSpPr>
-            <a:stCxn id="337" idx="0"/>
-            <a:endCxn id="334" idx="0"/>
-          </p:cNvCxnSpPr>
-          <p:nvPr/>
-        </p:nvCxnSpPr>
-        <p:spPr>
-          <a:xfrm flipV="1">
-            <a:off x="8182261" y="3271854"/>
-            <a:ext cx="1836327" cy="1561724"/>
-          </a:xfrm>
-          <a:prstGeom prst="straightConnector1">
-            <a:avLst/>
-          </a:prstGeom>
-          <a:ln w="12700">
-            <a:solidFill>
-              <a:schemeClr val="accent1"/>
-            </a:solidFill>
-          </a:ln>
-        </p:spPr>
-      </p:cxnSp>
-      <p:cxnSp>
-        <p:nvCxnSpPr>
-          <p:cNvPr id="351" name="Connection Line"/>
-          <p:cNvCxnSpPr>
-            <a:stCxn id="337" idx="0"/>
-            <a:endCxn id="333" idx="0"/>
-          </p:cNvCxnSpPr>
-          <p:nvPr/>
-        </p:nvCxnSpPr>
-        <p:spPr>
-          <a:xfrm flipV="1">
-            <a:off x="8182261" y="3274486"/>
-            <a:ext cx="829046" cy="1559092"/>
-          </a:xfrm>
-          <a:prstGeom prst="straightConnector1">
-            <a:avLst/>
-          </a:prstGeom>
-          <a:ln w="12700">
-            <a:solidFill>
-              <a:schemeClr val="accent1"/>
-            </a:solidFill>
-          </a:ln>
-        </p:spPr>
-      </p:cxnSp>
-      <p:cxnSp>
-        <p:nvCxnSpPr>
-          <p:cNvPr id="352" name="Connection Line"/>
-          <p:cNvCxnSpPr>
-            <a:stCxn id="337" idx="0"/>
-            <a:endCxn id="327" idx="0"/>
-          </p:cNvCxnSpPr>
-          <p:nvPr/>
-        </p:nvCxnSpPr>
-        <p:spPr>
-          <a:xfrm flipV="1">
-            <a:off x="8182261" y="2459347"/>
-            <a:ext cx="603591" cy="2374231"/>
-          </a:xfrm>
-          <a:prstGeom prst="straightConnector1">
-            <a:avLst/>
-          </a:prstGeom>
-          <a:ln w="12700">
-            <a:solidFill>
-              <a:schemeClr val="accent1"/>
-            </a:solidFill>
-          </a:ln>
-        </p:spPr>
-      </p:cxnSp>
-      <p:cxnSp>
-        <p:nvCxnSpPr>
-          <p:cNvPr id="353" name="Connection Line"/>
-          <p:cNvCxnSpPr>
-            <a:stCxn id="329" idx="0"/>
-            <a:endCxn id="337" idx="0"/>
-          </p:cNvCxnSpPr>
-          <p:nvPr/>
-        </p:nvCxnSpPr>
-        <p:spPr>
-          <a:xfrm>
-            <a:off x="7078543" y="3955426"/>
-            <a:ext cx="1103719" cy="878152"/>
-          </a:xfrm>
-          <a:prstGeom prst="straightConnector1">
-            <a:avLst/>
-          </a:prstGeom>
-          <a:ln w="12700">
-            <a:solidFill>
-              <a:schemeClr val="accent1"/>
-            </a:solidFill>
-          </a:ln>
-        </p:spPr>
-      </p:cxnSp>
-      <p:cxnSp>
-        <p:nvCxnSpPr>
-          <p:cNvPr id="354" name="Connection Line"/>
-          <p:cNvCxnSpPr>
-            <a:stCxn id="337" idx="0"/>
-            <a:endCxn id="330" idx="0"/>
-          </p:cNvCxnSpPr>
-          <p:nvPr/>
-        </p:nvCxnSpPr>
-        <p:spPr>
-          <a:xfrm flipH="1" flipV="1">
-            <a:off x="6635873" y="3970191"/>
-            <a:ext cx="1546389" cy="863387"/>
-          </a:xfrm>
-          <a:prstGeom prst="straightConnector1">
-            <a:avLst/>
-          </a:prstGeom>
-          <a:ln w="12700">
-            <a:solidFill>
-              <a:schemeClr val="accent1"/>
-            </a:solidFill>
-          </a:ln>
-        </p:spPr>
-      </p:cxnSp>
-      <p:cxnSp>
-        <p:nvCxnSpPr>
-          <p:cNvPr id="355" name="Connection Line"/>
-          <p:cNvCxnSpPr>
-            <a:stCxn id="331" idx="0"/>
-            <a:endCxn id="337" idx="0"/>
-          </p:cNvCxnSpPr>
-          <p:nvPr/>
-        </p:nvCxnSpPr>
-        <p:spPr>
-          <a:xfrm>
-            <a:off x="6193203" y="3955426"/>
-            <a:ext cx="1989059" cy="878152"/>
-          </a:xfrm>
-          <a:prstGeom prst="straightConnector1">
-            <a:avLst/>
-          </a:prstGeom>
-          <a:ln w="12700">
-            <a:solidFill>
-              <a:schemeClr val="accent1"/>
-            </a:solidFill>
-          </a:ln>
-        </p:spPr>
-      </p:cxnSp>
-      <p:cxnSp>
-        <p:nvCxnSpPr>
           <p:cNvPr id="356" name="Connection Line"/>
           <p:cNvCxnSpPr>
-            <a:stCxn id="337" idx="0"/>
-            <a:endCxn id="332" idx="0"/>
+            <a:stCxn id="345" idx="0"/>
+            <a:endCxn id="351" idx="0"/>
           </p:cNvCxnSpPr>
           <p:nvPr/>
         </p:nvCxnSpPr>
         <p:spPr>
-          <a:xfrm flipH="1" flipV="1">
-            <a:off x="7963099" y="3967889"/>
-            <a:ext cx="219163" cy="865689"/>
+          <a:xfrm>
+            <a:off x="8785851" y="2903847"/>
+            <a:ext cx="225456" cy="815140"/>
           </a:xfrm>
           <a:prstGeom prst="straightConnector1">
             <a:avLst/>
@@ -22764,15 +22916,15 @@
         <p:nvCxnSpPr>
           <p:cNvPr id="357" name="Connection Line"/>
           <p:cNvCxnSpPr>
-            <a:stCxn id="328" idx="0"/>
-            <a:endCxn id="337" idx="0"/>
+            <a:stCxn id="345" idx="0"/>
+            <a:endCxn id="352" idx="0"/>
           </p:cNvCxnSpPr>
           <p:nvPr/>
         </p:nvCxnSpPr>
         <p:spPr>
           <a:xfrm>
-            <a:off x="7084631" y="3274486"/>
-            <a:ext cx="1097631" cy="1559092"/>
+            <a:off x="8785851" y="2903847"/>
+            <a:ext cx="1232737" cy="812508"/>
           </a:xfrm>
           <a:prstGeom prst="straightConnector1">
             <a:avLst/>
@@ -22788,15 +22940,15 @@
         <p:nvCxnSpPr>
           <p:cNvPr id="358" name="Connection Line"/>
           <p:cNvCxnSpPr>
-            <a:stCxn id="326" idx="0"/>
-            <a:endCxn id="337" idx="0"/>
+            <a:stCxn id="353" idx="0"/>
+            <a:endCxn id="345" idx="0"/>
           </p:cNvCxnSpPr>
           <p:nvPr/>
         </p:nvCxnSpPr>
         <p:spPr>
-          <a:xfrm flipH="1">
-            <a:off x="8182261" y="3274486"/>
-            <a:ext cx="102376" cy="1559092"/>
+          <a:xfrm flipH="1" flipV="1">
+            <a:off x="8785851" y="2903847"/>
+            <a:ext cx="743304" cy="812508"/>
           </a:xfrm>
           <a:prstGeom prst="straightConnector1">
             <a:avLst/>
@@ -22808,15 +22960,447 @@
           </a:ln>
         </p:spPr>
       </p:cxnSp>
-      <p:sp>
-        <p:nvSpPr>
-          <p:cNvPr id="359" name="Java…"/>
+      <p:cxnSp>
+        <p:nvCxnSpPr>
+          <p:cNvPr id="359" name="Connection Line"/>
+          <p:cNvCxnSpPr>
+            <a:stCxn id="345" idx="0"/>
+            <a:endCxn id="354" idx="0"/>
+          </p:cNvCxnSpPr>
+          <p:nvPr/>
+        </p:nvCxnSpPr>
+        <p:spPr>
+          <a:xfrm>
+            <a:off x="8785851" y="2903847"/>
+            <a:ext cx="1766605" cy="814356"/>
+          </a:xfrm>
+          <a:prstGeom prst="straightConnector1">
+            <a:avLst/>
+          </a:prstGeom>
+          <a:ln w="12700">
+            <a:solidFill>
+              <a:schemeClr val="accent1"/>
+            </a:solidFill>
+          </a:ln>
+        </p:spPr>
+      </p:cxnSp>
+      <p:cxnSp>
+        <p:nvCxnSpPr>
+          <p:cNvPr id="360" name="Connection Line"/>
+          <p:cNvCxnSpPr>
+            <a:stCxn id="345" idx="0"/>
+            <a:endCxn id="346" idx="0"/>
+          </p:cNvCxnSpPr>
+          <p:nvPr/>
+        </p:nvCxnSpPr>
+        <p:spPr>
+          <a:xfrm flipH="1">
+            <a:off x="7084631" y="2903847"/>
+            <a:ext cx="1701221" cy="815140"/>
+          </a:xfrm>
+          <a:prstGeom prst="straightConnector1">
+            <a:avLst/>
+          </a:prstGeom>
+          <a:ln w="12700">
+            <a:solidFill>
+              <a:schemeClr val="accent1"/>
+            </a:solidFill>
+          </a:ln>
+        </p:spPr>
+      </p:cxnSp>
+      <p:cxnSp>
+        <p:nvCxnSpPr>
+          <p:cNvPr id="361" name="Connection Line"/>
+          <p:cNvCxnSpPr>
+            <a:stCxn id="345" idx="0"/>
+            <a:endCxn id="344" idx="0"/>
+          </p:cNvCxnSpPr>
+          <p:nvPr/>
+        </p:nvCxnSpPr>
+        <p:spPr>
+          <a:xfrm flipH="1">
+            <a:off x="8284636" y="2903847"/>
+            <a:ext cx="501216" cy="815140"/>
+          </a:xfrm>
+          <a:prstGeom prst="straightConnector1">
+            <a:avLst/>
+          </a:prstGeom>
+          <a:ln w="12700">
+            <a:solidFill>
+              <a:schemeClr val="accent1"/>
+            </a:solidFill>
+          </a:ln>
+        </p:spPr>
+      </p:cxnSp>
+      <p:cxnSp>
+        <p:nvCxnSpPr>
+          <p:cNvPr id="362" name="Connection Line"/>
+          <p:cNvCxnSpPr>
+            <a:stCxn id="350" idx="0"/>
+            <a:endCxn id="344" idx="0"/>
+          </p:cNvCxnSpPr>
+          <p:nvPr/>
+        </p:nvCxnSpPr>
+        <p:spPr>
+          <a:xfrm flipV="1">
+            <a:off x="7963099" y="3718986"/>
+            <a:ext cx="321538" cy="693404"/>
+          </a:xfrm>
+          <a:prstGeom prst="straightConnector1">
+            <a:avLst/>
+          </a:prstGeom>
+          <a:ln w="12700">
+            <a:solidFill>
+              <a:schemeClr val="accent1"/>
+            </a:solidFill>
+          </a:ln>
+        </p:spPr>
+      </p:cxnSp>
+      <p:cxnSp>
+        <p:nvCxnSpPr>
+          <p:cNvPr id="363" name="Connection Line"/>
+          <p:cNvCxnSpPr>
+            <a:stCxn id="349" idx="0"/>
+            <a:endCxn id="346" idx="0"/>
+          </p:cNvCxnSpPr>
+          <p:nvPr/>
+        </p:nvCxnSpPr>
+        <p:spPr>
+          <a:xfrm flipV="1">
+            <a:off x="6193203" y="3718986"/>
+            <a:ext cx="891429" cy="680941"/>
+          </a:xfrm>
+          <a:prstGeom prst="straightConnector1">
+            <a:avLst/>
+          </a:prstGeom>
+          <a:ln w="12700">
+            <a:solidFill>
+              <a:schemeClr val="accent1"/>
+            </a:solidFill>
+          </a:ln>
+        </p:spPr>
+      </p:cxnSp>
+      <p:cxnSp>
+        <p:nvCxnSpPr>
+          <p:cNvPr id="364" name="Connection Line"/>
+          <p:cNvCxnSpPr>
+            <a:stCxn id="348" idx="0"/>
+            <a:endCxn id="346" idx="0"/>
+          </p:cNvCxnSpPr>
+          <p:nvPr/>
+        </p:nvCxnSpPr>
+        <p:spPr>
+          <a:xfrm flipV="1">
+            <a:off x="6635873" y="3718986"/>
+            <a:ext cx="448759" cy="695706"/>
+          </a:xfrm>
+          <a:prstGeom prst="straightConnector1">
+            <a:avLst/>
+          </a:prstGeom>
+          <a:ln w="12700">
+            <a:solidFill>
+              <a:schemeClr val="accent1"/>
+            </a:solidFill>
+          </a:ln>
+        </p:spPr>
+      </p:cxnSp>
+      <p:cxnSp>
+        <p:nvCxnSpPr>
+          <p:cNvPr id="365" name="Connection Line"/>
+          <p:cNvCxnSpPr>
+            <a:stCxn id="347" idx="0"/>
+            <a:endCxn id="346" idx="0"/>
+          </p:cNvCxnSpPr>
+          <p:nvPr/>
+        </p:nvCxnSpPr>
+        <p:spPr>
+          <a:xfrm flipV="1">
+            <a:off x="7078543" y="3718986"/>
+            <a:ext cx="6089" cy="680941"/>
+          </a:xfrm>
+          <a:prstGeom prst="straightConnector1">
+            <a:avLst/>
+          </a:prstGeom>
+          <a:ln w="12700">
+            <a:solidFill>
+              <a:schemeClr val="accent1"/>
+            </a:solidFill>
+          </a:ln>
+        </p:spPr>
+      </p:cxnSp>
+      <p:cxnSp>
+        <p:nvCxnSpPr>
+          <p:cNvPr id="366" name="Connection Line"/>
+          <p:cNvCxnSpPr>
+            <a:stCxn id="355" idx="0"/>
+            <a:endCxn id="354" idx="0"/>
+          </p:cNvCxnSpPr>
+          <p:nvPr/>
+        </p:nvCxnSpPr>
+        <p:spPr>
+          <a:xfrm flipV="1">
+            <a:off x="8182261" y="3718202"/>
+            <a:ext cx="2370195" cy="1559876"/>
+          </a:xfrm>
+          <a:prstGeom prst="straightConnector1">
+            <a:avLst/>
+          </a:prstGeom>
+          <a:ln w="12700">
+            <a:solidFill>
+              <a:schemeClr val="accent1"/>
+            </a:solidFill>
+          </a:ln>
+        </p:spPr>
+      </p:cxnSp>
+      <p:cxnSp>
+        <p:nvCxnSpPr>
+          <p:cNvPr id="367" name="Connection Line"/>
+          <p:cNvCxnSpPr>
+            <a:stCxn id="353" idx="0"/>
+            <a:endCxn id="355" idx="0"/>
+          </p:cNvCxnSpPr>
+          <p:nvPr/>
+        </p:nvCxnSpPr>
+        <p:spPr>
+          <a:xfrm flipH="1">
+            <a:off x="8182261" y="3716354"/>
+            <a:ext cx="1346894" cy="1561724"/>
+          </a:xfrm>
+          <a:prstGeom prst="straightConnector1">
+            <a:avLst/>
+          </a:prstGeom>
+          <a:ln w="12700">
+            <a:solidFill>
+              <a:schemeClr val="accent1"/>
+            </a:solidFill>
+          </a:ln>
+        </p:spPr>
+      </p:cxnSp>
+      <p:cxnSp>
+        <p:nvCxnSpPr>
+          <p:cNvPr id="368" name="Connection Line"/>
+          <p:cNvCxnSpPr>
+            <a:stCxn id="355" idx="0"/>
+            <a:endCxn id="352" idx="0"/>
+          </p:cNvCxnSpPr>
+          <p:nvPr/>
+        </p:nvCxnSpPr>
+        <p:spPr>
+          <a:xfrm flipV="1">
+            <a:off x="8182261" y="3716354"/>
+            <a:ext cx="1836327" cy="1561724"/>
+          </a:xfrm>
+          <a:prstGeom prst="straightConnector1">
+            <a:avLst/>
+          </a:prstGeom>
+          <a:ln w="12700">
+            <a:solidFill>
+              <a:schemeClr val="accent1"/>
+            </a:solidFill>
+          </a:ln>
+        </p:spPr>
+      </p:cxnSp>
+      <p:cxnSp>
+        <p:nvCxnSpPr>
+          <p:cNvPr id="369" name="Connection Line"/>
+          <p:cNvCxnSpPr>
+            <a:stCxn id="355" idx="0"/>
+            <a:endCxn id="351" idx="0"/>
+          </p:cNvCxnSpPr>
+          <p:nvPr/>
+        </p:nvCxnSpPr>
+        <p:spPr>
+          <a:xfrm flipV="1">
+            <a:off x="8182261" y="3718986"/>
+            <a:ext cx="829046" cy="1559092"/>
+          </a:xfrm>
+          <a:prstGeom prst="straightConnector1">
+            <a:avLst/>
+          </a:prstGeom>
+          <a:ln w="12700">
+            <a:solidFill>
+              <a:schemeClr val="accent1"/>
+            </a:solidFill>
+          </a:ln>
+        </p:spPr>
+      </p:cxnSp>
+      <p:cxnSp>
+        <p:nvCxnSpPr>
+          <p:cNvPr id="370" name="Connection Line"/>
+          <p:cNvCxnSpPr>
+            <a:stCxn id="355" idx="0"/>
+            <a:endCxn id="345" idx="0"/>
+          </p:cNvCxnSpPr>
+          <p:nvPr/>
+        </p:nvCxnSpPr>
+        <p:spPr>
+          <a:xfrm flipV="1">
+            <a:off x="8182261" y="2903847"/>
+            <a:ext cx="603591" cy="2374231"/>
+          </a:xfrm>
+          <a:prstGeom prst="straightConnector1">
+            <a:avLst/>
+          </a:prstGeom>
+          <a:ln w="12700">
+            <a:solidFill>
+              <a:schemeClr val="accent1"/>
+            </a:solidFill>
+          </a:ln>
+        </p:spPr>
+      </p:cxnSp>
+      <p:cxnSp>
+        <p:nvCxnSpPr>
+          <p:cNvPr id="371" name="Connection Line"/>
+          <p:cNvCxnSpPr>
+            <a:stCxn id="347" idx="0"/>
+            <a:endCxn id="355" idx="0"/>
+          </p:cNvCxnSpPr>
+          <p:nvPr/>
+        </p:nvCxnSpPr>
+        <p:spPr>
+          <a:xfrm>
+            <a:off x="7078543" y="4399926"/>
+            <a:ext cx="1103719" cy="878152"/>
+          </a:xfrm>
+          <a:prstGeom prst="straightConnector1">
+            <a:avLst/>
+          </a:prstGeom>
+          <a:ln w="12700">
+            <a:solidFill>
+              <a:schemeClr val="accent1"/>
+            </a:solidFill>
+          </a:ln>
+        </p:spPr>
+      </p:cxnSp>
+      <p:cxnSp>
+        <p:nvCxnSpPr>
+          <p:cNvPr id="372" name="Connection Line"/>
+          <p:cNvCxnSpPr>
+            <a:stCxn id="355" idx="0"/>
+            <a:endCxn id="348" idx="0"/>
+          </p:cNvCxnSpPr>
+          <p:nvPr/>
+        </p:nvCxnSpPr>
+        <p:spPr>
+          <a:xfrm flipH="1" flipV="1">
+            <a:off x="6635873" y="4414691"/>
+            <a:ext cx="1546389" cy="863387"/>
+          </a:xfrm>
+          <a:prstGeom prst="straightConnector1">
+            <a:avLst/>
+          </a:prstGeom>
+          <a:ln w="12700">
+            <a:solidFill>
+              <a:schemeClr val="accent1"/>
+            </a:solidFill>
+          </a:ln>
+        </p:spPr>
+      </p:cxnSp>
+      <p:cxnSp>
+        <p:nvCxnSpPr>
+          <p:cNvPr id="373" name="Connection Line"/>
+          <p:cNvCxnSpPr>
+            <a:stCxn id="349" idx="0"/>
+            <a:endCxn id="355" idx="0"/>
+          </p:cNvCxnSpPr>
+          <p:nvPr/>
+        </p:nvCxnSpPr>
+        <p:spPr>
+          <a:xfrm>
+            <a:off x="6193203" y="4399926"/>
+            <a:ext cx="1989059" cy="878152"/>
+          </a:xfrm>
+          <a:prstGeom prst="straightConnector1">
+            <a:avLst/>
+          </a:prstGeom>
+          <a:ln w="12700">
+            <a:solidFill>
+              <a:schemeClr val="accent1"/>
+            </a:solidFill>
+          </a:ln>
+        </p:spPr>
+      </p:cxnSp>
+      <p:cxnSp>
+        <p:nvCxnSpPr>
+          <p:cNvPr id="374" name="Connection Line"/>
+          <p:cNvCxnSpPr>
+            <a:stCxn id="355" idx="0"/>
+            <a:endCxn id="350" idx="0"/>
+          </p:cNvCxnSpPr>
+          <p:nvPr/>
+        </p:nvCxnSpPr>
+        <p:spPr>
+          <a:xfrm flipH="1" flipV="1">
+            <a:off x="7963099" y="4412389"/>
+            <a:ext cx="219163" cy="865689"/>
+          </a:xfrm>
+          <a:prstGeom prst="straightConnector1">
+            <a:avLst/>
+          </a:prstGeom>
+          <a:ln w="12700">
+            <a:solidFill>
+              <a:schemeClr val="accent1"/>
+            </a:solidFill>
+          </a:ln>
+        </p:spPr>
+      </p:cxnSp>
+      <p:cxnSp>
+        <p:nvCxnSpPr>
+          <p:cNvPr id="375" name="Connection Line"/>
+          <p:cNvCxnSpPr>
+            <a:stCxn id="346" idx="0"/>
+            <a:endCxn id="355" idx="0"/>
+          </p:cNvCxnSpPr>
+          <p:nvPr/>
+        </p:nvCxnSpPr>
+        <p:spPr>
+          <a:xfrm>
+            <a:off x="7084631" y="3718986"/>
+            <a:ext cx="1097631" cy="1559092"/>
+          </a:xfrm>
+          <a:prstGeom prst="straightConnector1">
+            <a:avLst/>
+          </a:prstGeom>
+          <a:ln w="12700">
+            <a:solidFill>
+              <a:schemeClr val="accent1"/>
+            </a:solidFill>
+          </a:ln>
+        </p:spPr>
+      </p:cxnSp>
+      <p:cxnSp>
+        <p:nvCxnSpPr>
+          <p:cNvPr id="376" name="Connection Line"/>
+          <p:cNvCxnSpPr>
+            <a:stCxn id="344" idx="0"/>
+            <a:endCxn id="355" idx="0"/>
+          </p:cNvCxnSpPr>
+          <p:nvPr/>
+        </p:nvCxnSpPr>
+        <p:spPr>
+          <a:xfrm flipH="1">
+            <a:off x="8182261" y="3718986"/>
+            <a:ext cx="102376" cy="1559092"/>
+          </a:xfrm>
+          <a:prstGeom prst="straightConnector1">
+            <a:avLst/>
+          </a:prstGeom>
+          <a:ln w="12700">
+            <a:solidFill>
+              <a:schemeClr val="accent1"/>
+            </a:solidFill>
+          </a:ln>
+        </p:spPr>
+      </p:cxnSp>
+      <p:sp>
+        <p:nvSpPr>
+          <p:cNvPr id="377" name="Java…"/>
           <p:cNvSpPr txBox="1"/>
           <p:nvPr/>
         </p:nvSpPr>
         <p:spPr>
           <a:xfrm>
-            <a:off x="7767118" y="5425244"/>
+            <a:off x="7767118" y="5869744"/>
             <a:ext cx="778013" cy="285707"/>
           </a:xfrm>
           <a:prstGeom prst="rect">
@@ -22850,13 +23434,13 @@
       </p:sp>
       <p:sp>
         <p:nvSpPr>
-          <p:cNvPr id="360" name="Java…"/>
+          <p:cNvPr id="378" name="Java…"/>
           <p:cNvSpPr txBox="1"/>
           <p:nvPr/>
         </p:nvSpPr>
         <p:spPr>
           <a:xfrm>
-            <a:off x="8789982" y="5425244"/>
+            <a:off x="8789982" y="5869744"/>
             <a:ext cx="434370" cy="285707"/>
           </a:xfrm>
           <a:prstGeom prst="rect">
@@ -22890,13 +23474,13 @@
       </p:sp>
       <p:sp>
         <p:nvSpPr>
-          <p:cNvPr id="361" name="Java…"/>
+          <p:cNvPr id="379" name="Java…"/>
           <p:cNvSpPr txBox="1"/>
           <p:nvPr/>
         </p:nvSpPr>
         <p:spPr>
           <a:xfrm>
-            <a:off x="9350894" y="5449577"/>
+            <a:off x="9350894" y="5894077"/>
             <a:ext cx="923916" cy="285708"/>
           </a:xfrm>
           <a:prstGeom prst="rect">
@@ -22930,13 +23514,13 @@
       </p:sp>
       <p:sp>
         <p:nvSpPr>
-          <p:cNvPr id="362" name="Configuration of Containerlab File"/>
+          <p:cNvPr id="380" name="Configuration of Containerlab File"/>
           <p:cNvSpPr txBox="1"/>
           <p:nvPr/>
         </p:nvSpPr>
         <p:spPr>
           <a:xfrm>
-            <a:off x="7523074" y="1867481"/>
+            <a:off x="7523074" y="2311981"/>
             <a:ext cx="2525556" cy="280798"/>
           </a:xfrm>
           <a:prstGeom prst="rect">
@@ -22984,7 +23568,7 @@
       </p:sp>
       <p:sp>
         <p:nvSpPr>
-          <p:cNvPr id="363" name="Date Placeholder 3"/>
+          <p:cNvPr id="381" name="Date Placeholder 3"/>
           <p:cNvSpPr txBox="1"/>
           <p:nvPr/>
         </p:nvSpPr>
@@ -23028,7 +23612,7 @@
       </p:sp>
       <p:sp>
         <p:nvSpPr>
-          <p:cNvPr id="364" name="Oval"/>
+          <p:cNvPr id="382" name="Oval"/>
           <p:cNvSpPr/>
           <p:nvPr/>
         </p:nvSpPr>
@@ -23059,7 +23643,7 @@
       </p:sp>
       <p:sp>
         <p:nvSpPr>
-          <p:cNvPr id="365" name="1"/>
+          <p:cNvPr id="383" name="1"/>
           <p:cNvSpPr txBox="1"/>
           <p:nvPr/>
         </p:nvSpPr>
@@ -23091,6 +23675,40 @@
             <a:pPr/>
             <a:r>
               <a:t>1</a:t>
+            </a:r>
+          </a:p>
+        </p:txBody>
+      </p:sp>
+      <p:sp>
+        <p:nvSpPr>
+          <p:cNvPr id="384" name="In each test, Containerlab file and all other processes automatically in the testbed"/>
+          <p:cNvSpPr txBox="1"/>
+          <p:nvPr>
+            <p:ph type="body" sz="quarter" idx="1"/>
+          </p:nvPr>
+        </p:nvSpPr>
+        <p:spPr>
+          <a:xfrm>
+            <a:off x="1097280" y="1327152"/>
+            <a:ext cx="10058401" cy="711072"/>
+          </a:xfrm>
+          <a:prstGeom prst="rect">
+            <a:avLst/>
+          </a:prstGeom>
+        </p:spPr>
+        <p:txBody>
+          <a:bodyPr/>
+          <a:lstStyle>
+            <a:lvl1pPr marL="200526" indent="-200526">
+              <a:buClrTx/>
+              <a:buFontTx/>
+              <a:buChar char="•"/>
+            </a:lvl1pPr>
+          </a:lstStyle>
+          <a:p>
+            <a:pPr/>
+            <a:r>
+              <a:t>In each test, Containerlab file and all other processes automatically in the testbed</a:t>
             </a:r>
           </a:p>
         </p:txBody>
@@ -23123,7 +23741,7 @@
       </p:grpSpPr>
       <p:sp>
         <p:nvSpPr>
-          <p:cNvPr id="367" name="Network Topology Configuration &amp; Verifying"/>
+          <p:cNvPr id="386" name="Network Topology Configuration &amp; Verifying"/>
           <p:cNvSpPr txBox="1"/>
           <p:nvPr>
             <p:ph type="title"/>
@@ -23155,7 +23773,7 @@
       </p:sp>
       <p:sp>
         <p:nvSpPr>
-          <p:cNvPr id="368" name="Slide Number"/>
+          <p:cNvPr id="387" name="Slide Number"/>
           <p:cNvSpPr txBox="1"/>
           <p:nvPr>
             <p:ph type="sldNum" sz="quarter" idx="4294967295"/>
@@ -23186,7 +23804,7 @@
       </p:sp>
       <p:grpSp>
         <p:nvGrpSpPr>
-          <p:cNvPr id="371" name="Testbed"/>
+          <p:cNvPr id="390" name="Testbed"/>
           <p:cNvGrpSpPr/>
           <p:nvPr/>
         </p:nvGrpSpPr>
@@ -23200,7 +23818,7 @@
         </p:grpSpPr>
         <p:sp>
           <p:nvSpPr>
-            <p:cNvPr id="369" name="Shape"/>
+            <p:cNvPr id="388" name="Shape"/>
             <p:cNvSpPr/>
             <p:nvPr/>
           </p:nvSpPr>
@@ -23328,7 +23946,7 @@
         </p:sp>
         <p:sp>
           <p:nvSpPr>
-            <p:cNvPr id="370" name="Testbed"/>
+            <p:cNvPr id="389" name="Testbed"/>
             <p:cNvSpPr txBox="1"/>
             <p:nvPr/>
           </p:nvSpPr>
@@ -23372,7 +23990,7 @@
       </p:grpSp>
       <p:grpSp>
         <p:nvGrpSpPr>
-          <p:cNvPr id="374" name="netem"/>
+          <p:cNvPr id="393" name="netem"/>
           <p:cNvGrpSpPr/>
           <p:nvPr/>
         </p:nvGrpSpPr>
@@ -23386,7 +24004,7 @@
         </p:grpSpPr>
         <p:sp>
           <p:nvSpPr>
-            <p:cNvPr id="372" name="Rounded Rectangle"/>
+            <p:cNvPr id="391" name="Rounded Rectangle"/>
             <p:cNvSpPr/>
             <p:nvPr/>
           </p:nvSpPr>
@@ -23452,7 +24070,7 @@
         </p:sp>
         <p:sp>
           <p:nvSpPr>
-            <p:cNvPr id="373" name="netem"/>
+            <p:cNvPr id="392" name="netem"/>
             <p:cNvSpPr txBox="1"/>
             <p:nvPr/>
           </p:nvSpPr>
@@ -23500,7 +24118,7 @@
       </p:grpSp>
       <p:sp>
         <p:nvSpPr>
-          <p:cNvPr id="375" name="Rectangle"/>
+          <p:cNvPr id="394" name="Rectangle"/>
           <p:cNvSpPr/>
           <p:nvPr/>
         </p:nvSpPr>
@@ -23538,7 +24156,7 @@
       </p:sp>
       <p:grpSp>
         <p:nvGrpSpPr>
-          <p:cNvPr id="378" name="eth0"/>
+          <p:cNvPr id="397" name="eth0"/>
           <p:cNvGrpSpPr/>
           <p:nvPr/>
         </p:nvGrpSpPr>
@@ -23552,7 +24170,7 @@
         </p:grpSpPr>
         <p:sp>
           <p:nvSpPr>
-            <p:cNvPr id="376" name="Rectangle"/>
+            <p:cNvPr id="395" name="Rectangle"/>
             <p:cNvSpPr/>
             <p:nvPr/>
           </p:nvSpPr>
@@ -23600,7 +24218,7 @@
         </p:sp>
         <p:sp>
           <p:nvSpPr>
-            <p:cNvPr id="377" name="eth0"/>
+            <p:cNvPr id="396" name="eth0"/>
             <p:cNvSpPr txBox="1"/>
             <p:nvPr/>
           </p:nvSpPr>
@@ -23648,7 +24266,7 @@
       </p:grpSp>
       <p:sp>
         <p:nvSpPr>
-          <p:cNvPr id="379" name="bandwidth"/>
+          <p:cNvPr id="398" name="bandwidth"/>
           <p:cNvSpPr txBox="1"/>
           <p:nvPr/>
         </p:nvSpPr>
@@ -23699,7 +24317,7 @@
       </p:sp>
       <p:sp>
         <p:nvSpPr>
-          <p:cNvPr id="380" name="latency"/>
+          <p:cNvPr id="399" name="latency"/>
           <p:cNvSpPr txBox="1"/>
           <p:nvPr/>
         </p:nvSpPr>
@@ -23750,7 +24368,7 @@
       </p:sp>
       <p:sp>
         <p:nvSpPr>
-          <p:cNvPr id="381" name="packet loss"/>
+          <p:cNvPr id="400" name="packet loss"/>
           <p:cNvSpPr txBox="1"/>
           <p:nvPr/>
         </p:nvSpPr>
@@ -23801,7 +24419,7 @@
       </p:sp>
       <p:sp>
         <p:nvSpPr>
-          <p:cNvPr id="382" name="Line"/>
+          <p:cNvPr id="401" name="Line"/>
           <p:cNvSpPr/>
           <p:nvPr/>
         </p:nvSpPr>
@@ -23830,7 +24448,7 @@
       </p:sp>
       <p:sp>
         <p:nvSpPr>
-          <p:cNvPr id="383" name="Line"/>
+          <p:cNvPr id="402" name="Line"/>
           <p:cNvSpPr/>
           <p:nvPr/>
         </p:nvSpPr>
@@ -23859,7 +24477,7 @@
       </p:sp>
       <p:sp>
         <p:nvSpPr>
-          <p:cNvPr id="384" name="Line"/>
+          <p:cNvPr id="403" name="Line"/>
           <p:cNvSpPr/>
           <p:nvPr/>
         </p:nvSpPr>
@@ -23888,7 +24506,7 @@
       </p:sp>
       <p:sp>
         <p:nvSpPr>
-          <p:cNvPr id="385" name="Line"/>
+          <p:cNvPr id="404" name="Line"/>
           <p:cNvSpPr/>
           <p:nvPr/>
         </p:nvSpPr>
@@ -23917,7 +24535,7 @@
       </p:sp>
       <p:sp>
         <p:nvSpPr>
-          <p:cNvPr id="386" name="Line"/>
+          <p:cNvPr id="405" name="Line"/>
           <p:cNvSpPr/>
           <p:nvPr/>
         </p:nvSpPr>
@@ -23946,7 +24564,7 @@
       </p:sp>
       <p:sp>
         <p:nvSpPr>
-          <p:cNvPr id="387" name="Network Interface"/>
+          <p:cNvPr id="406" name="Network Interface"/>
           <p:cNvSpPr txBox="1"/>
           <p:nvPr/>
         </p:nvSpPr>
@@ -23997,7 +24615,7 @@
       </p:sp>
       <p:grpSp>
         <p:nvGrpSpPr>
-          <p:cNvPr id="390" name="Network Emulator"/>
+          <p:cNvPr id="409" name="Network Emulator"/>
           <p:cNvGrpSpPr/>
           <p:nvPr/>
         </p:nvGrpSpPr>
@@ -24011,7 +24629,7 @@
         </p:grpSpPr>
         <p:sp>
           <p:nvSpPr>
-            <p:cNvPr id="388" name="Rectangle"/>
+            <p:cNvPr id="407" name="Rectangle"/>
             <p:cNvSpPr/>
             <p:nvPr/>
           </p:nvSpPr>
@@ -24059,7 +24677,7 @@
         </p:sp>
         <p:sp>
           <p:nvSpPr>
-            <p:cNvPr id="389" name="Network Emulator"/>
+            <p:cNvPr id="408" name="Network Emulator"/>
             <p:cNvSpPr txBox="1"/>
             <p:nvPr/>
           </p:nvSpPr>
@@ -24107,7 +24725,7 @@
       </p:grpSp>
       <p:sp>
         <p:nvSpPr>
-          <p:cNvPr id="391" name="Date Placeholder 3"/>
+          <p:cNvPr id="410" name="Date Placeholder 3"/>
           <p:cNvSpPr txBox="1"/>
           <p:nvPr/>
         </p:nvSpPr>
@@ -24151,7 +24769,7 @@
       </p:sp>
       <p:sp>
         <p:nvSpPr>
-          <p:cNvPr id="392" name="Define Connection Characteristics…"/>
+          <p:cNvPr id="411" name="Define Connection Characteristics…"/>
           <p:cNvSpPr txBox="1"/>
           <p:nvPr>
             <p:ph type="body" idx="1"/>
@@ -24253,7 +24871,7 @@
       </p:sp>
       <p:sp>
         <p:nvSpPr>
-          <p:cNvPr id="393" name="Date Placeholder 3"/>
+          <p:cNvPr id="412" name="Date Placeholder 3"/>
           <p:cNvSpPr txBox="1"/>
           <p:nvPr/>
         </p:nvSpPr>
@@ -24297,7 +24915,7 @@
       </p:sp>
       <p:sp>
         <p:nvSpPr>
-          <p:cNvPr id="394" name="Oval"/>
+          <p:cNvPr id="413" name="Oval"/>
           <p:cNvSpPr/>
           <p:nvPr/>
         </p:nvSpPr>
@@ -24328,7 +24946,7 @@
       </p:sp>
       <p:sp>
         <p:nvSpPr>
-          <p:cNvPr id="395" name="2"/>
+          <p:cNvPr id="414" name="2"/>
           <p:cNvSpPr txBox="1"/>
           <p:nvPr/>
         </p:nvSpPr>
@@ -24366,7 +24984,7 @@
       </p:sp>
       <p:sp>
         <p:nvSpPr>
-          <p:cNvPr id="396" name="Oval"/>
+          <p:cNvPr id="415" name="Oval"/>
           <p:cNvSpPr/>
           <p:nvPr/>
         </p:nvSpPr>
@@ -24397,7 +25015,7 @@
       </p:sp>
       <p:sp>
         <p:nvSpPr>
-          <p:cNvPr id="397" name="3"/>
+          <p:cNvPr id="416" name="3"/>
           <p:cNvSpPr txBox="1"/>
           <p:nvPr/>
         </p:nvSpPr>

--- a/Abschlussvortrag.pptx
+++ b/Abschlussvortrag.pptx
@@ -3982,7 +3982,7 @@
       </p:grpSpPr>
       <p:pic>
         <p:nvPicPr>
-          <p:cNvPr id="418" name="sequenzediagram.jp2" descr="sequenzediagram.jp2"/>
+          <p:cNvPr id="419" name="sequenzediagram.jp2" descr="sequenzediagram.jp2"/>
           <p:cNvPicPr>
             <a:picLocks noChangeAspect="1"/>
           </p:cNvPicPr>
@@ -4011,7 +4011,7 @@
       </p:pic>
       <p:sp>
         <p:nvSpPr>
-          <p:cNvPr id="419" name="Date Placeholder 3"/>
+          <p:cNvPr id="420" name="Date Placeholder 3"/>
           <p:cNvSpPr txBox="1"/>
           <p:nvPr/>
         </p:nvSpPr>
@@ -4055,7 +4055,7 @@
       </p:sp>
       <p:sp>
         <p:nvSpPr>
-          <p:cNvPr id="420" name="Slide Number"/>
+          <p:cNvPr id="421" name="Slide Number"/>
           <p:cNvSpPr txBox="1"/>
           <p:nvPr>
             <p:ph type="sldNum" sz="quarter" idx="4294967295"/>
@@ -4082,7 +4082,7 @@
       </p:sp>
       <p:sp>
         <p:nvSpPr>
-          <p:cNvPr id="421" name="Initial Notification by the LectureStudio Server…"/>
+          <p:cNvPr id="422" name="Initial notification by the lectureStudio Server…"/>
           <p:cNvSpPr txBox="1"/>
           <p:nvPr>
             <p:ph type="body" idx="1"/>
@@ -4111,7 +4111,7 @@
               <a:defRPr sz="1779"/>
             </a:pPr>
             <a:r>
-              <a:t>Initial Notification by the LectureStudio Server</a:t>
+              <a:t>Initial notification by the lectureStudio Server</a:t>
             </a:r>
           </a:p>
           <a:p>
@@ -4272,7 +4272,7 @@
       </p:sp>
       <p:sp>
         <p:nvSpPr>
-          <p:cNvPr id="422" name="Communication and Data Transfer Processes"/>
+          <p:cNvPr id="423" name="Communication and Data Transfer Processes"/>
           <p:cNvSpPr txBox="1"/>
           <p:nvPr>
             <p:ph type="title"/>
@@ -4300,7 +4300,7 @@
       </p:sp>
       <p:sp>
         <p:nvSpPr>
-          <p:cNvPr id="423" name="Configuration of Containerlab File"/>
+          <p:cNvPr id="424" name="Configuration of Containerlab File"/>
           <p:cNvSpPr txBox="1"/>
           <p:nvPr/>
         </p:nvSpPr>
@@ -4351,7 +4351,7 @@
       </p:sp>
       <p:sp>
         <p:nvSpPr>
-          <p:cNvPr id="424" name="Date Placeholder 3"/>
+          <p:cNvPr id="425" name="Date Placeholder 3"/>
           <p:cNvSpPr txBox="1"/>
           <p:nvPr/>
         </p:nvSpPr>
@@ -4395,7 +4395,7 @@
       </p:sp>
       <p:sp>
         <p:nvSpPr>
-          <p:cNvPr id="425" name="Oval"/>
+          <p:cNvPr id="426" name="Oval"/>
           <p:cNvSpPr/>
           <p:nvPr/>
         </p:nvSpPr>
@@ -4426,7 +4426,7 @@
       </p:sp>
       <p:sp>
         <p:nvSpPr>
-          <p:cNvPr id="426" name="4"/>
+          <p:cNvPr id="427" name="4"/>
           <p:cNvSpPr txBox="1"/>
           <p:nvPr/>
         </p:nvSpPr>
@@ -4464,7 +4464,7 @@
       </p:sp>
       <p:sp>
         <p:nvSpPr>
-          <p:cNvPr id="427" name="Oval"/>
+          <p:cNvPr id="428" name="Oval"/>
           <p:cNvSpPr/>
           <p:nvPr/>
         </p:nvSpPr>
@@ -4495,7 +4495,7 @@
       </p:sp>
       <p:sp>
         <p:nvSpPr>
-          <p:cNvPr id="428" name="5"/>
+          <p:cNvPr id="429" name="5"/>
           <p:cNvSpPr txBox="1"/>
           <p:nvPr/>
         </p:nvSpPr>
@@ -4533,7 +4533,7 @@
       </p:sp>
       <p:sp>
         <p:nvSpPr>
-          <p:cNvPr id="429" name="Oval"/>
+          <p:cNvPr id="430" name="Oval"/>
           <p:cNvSpPr/>
           <p:nvPr/>
         </p:nvSpPr>
@@ -4564,7 +4564,7 @@
       </p:sp>
       <p:sp>
         <p:nvSpPr>
-          <p:cNvPr id="430" name="6"/>
+          <p:cNvPr id="431" name="6"/>
           <p:cNvSpPr txBox="1"/>
           <p:nvPr/>
         </p:nvSpPr>
@@ -4628,7 +4628,7 @@
       </p:grpSpPr>
       <p:sp>
         <p:nvSpPr>
-          <p:cNvPr id="432" name="Connection and Data Distribution Among Peers"/>
+          <p:cNvPr id="433" name="Connection and Data Distribution Among Peers"/>
           <p:cNvSpPr txBox="1"/>
           <p:nvPr>
             <p:ph type="title"/>
@@ -4660,7 +4660,7 @@
       </p:sp>
       <p:sp>
         <p:nvSpPr>
-          <p:cNvPr id="433" name="Slide Number"/>
+          <p:cNvPr id="434" name="Slide Number"/>
           <p:cNvSpPr txBox="1"/>
           <p:nvPr>
             <p:ph type="sldNum" sz="quarter" idx="4294967295"/>
@@ -4691,7 +4691,7 @@
       </p:sp>
       <p:sp>
         <p:nvSpPr>
-          <p:cNvPr id="434" name="Date Placeholder 3"/>
+          <p:cNvPr id="435" name="Date Placeholder 3"/>
           <p:cNvSpPr txBox="1"/>
           <p:nvPr/>
         </p:nvSpPr>
@@ -4735,7 +4735,7 @@
       </p:sp>
       <p:sp>
         <p:nvSpPr>
-          <p:cNvPr id="435" name="Rounded Rectangle"/>
+          <p:cNvPr id="436" name="Rounded Rectangle"/>
           <p:cNvSpPr/>
           <p:nvPr/>
         </p:nvSpPr>
@@ -4768,7 +4768,7 @@
       </p:sp>
       <p:sp>
         <p:nvSpPr>
-          <p:cNvPr id="436" name="Oval"/>
+          <p:cNvPr id="437" name="Oval"/>
           <p:cNvSpPr/>
           <p:nvPr/>
         </p:nvSpPr>
@@ -4799,7 +4799,7 @@
       </p:sp>
       <p:sp>
         <p:nvSpPr>
-          <p:cNvPr id="437" name="lectureStudio-Server"/>
+          <p:cNvPr id="438" name="lectureStudio-Server"/>
           <p:cNvSpPr txBox="1"/>
           <p:nvPr/>
         </p:nvSpPr>
@@ -4849,7 +4849,7 @@
       </p:sp>
       <p:sp>
         <p:nvSpPr>
-          <p:cNvPr id="438" name="Port:9090…"/>
+          <p:cNvPr id="439" name="Port:9090…"/>
           <p:cNvSpPr txBox="1"/>
           <p:nvPr/>
         </p:nvSpPr>
@@ -4915,7 +4915,7 @@
       </p:sp>
       <p:sp>
         <p:nvSpPr>
-          <p:cNvPr id="439" name="IP:172.20.25.4"/>
+          <p:cNvPr id="440" name="IP:172.20.25.4"/>
           <p:cNvSpPr txBox="1"/>
           <p:nvPr/>
         </p:nvSpPr>
@@ -4959,7 +4959,7 @@
       </p:sp>
       <p:sp>
         <p:nvSpPr>
-          <p:cNvPr id="440" name="eth1"/>
+          <p:cNvPr id="441" name="eth1"/>
           <p:cNvSpPr/>
           <p:nvPr/>
         </p:nvSpPr>
@@ -5006,7 +5006,7 @@
       </p:sp>
       <p:sp>
         <p:nvSpPr>
-          <p:cNvPr id="441" name="Rectangle"/>
+          <p:cNvPr id="442" name="Rectangle"/>
           <p:cNvSpPr/>
           <p:nvPr/>
         </p:nvSpPr>
@@ -5043,7 +5043,7 @@
       </p:sp>
       <p:sp>
         <p:nvSpPr>
-          <p:cNvPr id="442" name="Port:8080…"/>
+          <p:cNvPr id="443" name="Port:8080…"/>
           <p:cNvSpPr txBox="1"/>
           <p:nvPr/>
         </p:nvSpPr>
@@ -5107,7 +5107,7 @@
       </p:sp>
       <p:sp>
         <p:nvSpPr>
-          <p:cNvPr id="443" name="eth2"/>
+          <p:cNvPr id="444" name="eth2"/>
           <p:cNvSpPr/>
           <p:nvPr/>
         </p:nvSpPr>
@@ -5154,7 +5154,7 @@
       </p:sp>
       <p:sp>
         <p:nvSpPr>
-          <p:cNvPr id="444" name="eth1"/>
+          <p:cNvPr id="445" name="eth1"/>
           <p:cNvSpPr/>
           <p:nvPr/>
         </p:nvSpPr>
@@ -5201,7 +5201,7 @@
       </p:sp>
       <p:sp>
         <p:nvSpPr>
-          <p:cNvPr id="445" name="eth1"/>
+          <p:cNvPr id="446" name="eth1"/>
           <p:cNvSpPr/>
           <p:nvPr/>
         </p:nvSpPr>
@@ -5248,7 +5248,7 @@
       </p:sp>
       <p:sp>
         <p:nvSpPr>
-          <p:cNvPr id="446" name="eth2"/>
+          <p:cNvPr id="447" name="eth2"/>
           <p:cNvSpPr/>
           <p:nvPr/>
         </p:nvSpPr>
@@ -5295,7 +5295,7 @@
       </p:sp>
       <p:sp>
         <p:nvSpPr>
-          <p:cNvPr id="447" name="eth3"/>
+          <p:cNvPr id="448" name="eth3"/>
           <p:cNvSpPr/>
           <p:nvPr/>
         </p:nvSpPr>
@@ -5342,7 +5342,7 @@
       </p:sp>
       <p:sp>
         <p:nvSpPr>
-          <p:cNvPr id="448" name="Oval"/>
+          <p:cNvPr id="449" name="Oval"/>
           <p:cNvSpPr/>
           <p:nvPr/>
         </p:nvSpPr>
@@ -5373,7 +5373,7 @@
       </p:sp>
       <p:sp>
         <p:nvSpPr>
-          <p:cNvPr id="449" name="IP:172.20.25.4"/>
+          <p:cNvPr id="450" name="IP:172.20.25.4"/>
           <p:cNvSpPr txBox="1"/>
           <p:nvPr/>
         </p:nvSpPr>
@@ -5417,7 +5417,7 @@
       </p:sp>
       <p:sp>
         <p:nvSpPr>
-          <p:cNvPr id="450" name="Oval"/>
+          <p:cNvPr id="451" name="Oval"/>
           <p:cNvSpPr/>
           <p:nvPr/>
         </p:nvSpPr>
@@ -5448,7 +5448,7 @@
       </p:sp>
       <p:sp>
         <p:nvSpPr>
-          <p:cNvPr id="451" name="IP:172.20.25.4"/>
+          <p:cNvPr id="452" name="IP:172.20.25.4"/>
           <p:cNvSpPr txBox="1"/>
           <p:nvPr/>
         </p:nvSpPr>
@@ -5492,7 +5492,7 @@
       </p:sp>
       <p:sp>
         <p:nvSpPr>
-          <p:cNvPr id="452" name="eth1"/>
+          <p:cNvPr id="453" name="eth1"/>
           <p:cNvSpPr/>
           <p:nvPr/>
         </p:nvSpPr>
@@ -5539,7 +5539,7 @@
       </p:sp>
       <p:sp>
         <p:nvSpPr>
-          <p:cNvPr id="453" name="eth1"/>
+          <p:cNvPr id="454" name="eth1"/>
           <p:cNvSpPr/>
           <p:nvPr/>
         </p:nvSpPr>
@@ -5586,10 +5586,10 @@
       </p:sp>
       <p:cxnSp>
         <p:nvCxnSpPr>
-          <p:cNvPr id="454" name="Connection Line"/>
+          <p:cNvPr id="455" name="Connection Line"/>
           <p:cNvCxnSpPr>
-            <a:stCxn id="445" idx="0"/>
-            <a:endCxn id="440" idx="0"/>
+            <a:stCxn id="446" idx="0"/>
+            <a:endCxn id="441" idx="0"/>
           </p:cNvCxnSpPr>
           <p:nvPr/>
         </p:nvCxnSpPr>
@@ -5597,30 +5597,6 @@
           <a:xfrm flipV="1">
             <a:off x="7858299" y="2658558"/>
             <a:ext cx="365761" cy="677838"/>
-          </a:xfrm>
-          <a:prstGeom prst="straightConnector1">
-            <a:avLst/>
-          </a:prstGeom>
-          <a:ln w="12700">
-            <a:solidFill>
-              <a:schemeClr val="accent1"/>
-            </a:solidFill>
-          </a:ln>
-        </p:spPr>
-      </p:cxnSp>
-      <p:cxnSp>
-        <p:nvCxnSpPr>
-          <p:cNvPr id="455" name="Connection Line"/>
-          <p:cNvCxnSpPr>
-            <a:stCxn id="446" idx="0"/>
-            <a:endCxn id="452" idx="0"/>
-          </p:cNvCxnSpPr>
-          <p:nvPr/>
-        </p:nvCxnSpPr>
-        <p:spPr>
-          <a:xfrm flipH="1">
-            <a:off x="6484877" y="3759413"/>
-            <a:ext cx="413303" cy="649187"/>
           </a:xfrm>
           <a:prstGeom prst="straightConnector1">
             <a:avLst/>
@@ -5642,9 +5618,9 @@
           <p:nvPr/>
         </p:nvCxnSpPr>
         <p:spPr>
-          <a:xfrm>
-            <a:off x="7589059" y="3759413"/>
-            <a:ext cx="347277" cy="649187"/>
+          <a:xfrm flipH="1">
+            <a:off x="6484877" y="3759413"/>
+            <a:ext cx="413303" cy="649187"/>
           </a:xfrm>
           <a:prstGeom prst="straightConnector1">
             <a:avLst/>
@@ -5660,15 +5636,15 @@
         <p:nvCxnSpPr>
           <p:cNvPr id="457" name="Connection Line"/>
           <p:cNvCxnSpPr>
-            <a:stCxn id="443" idx="0"/>
-            <a:endCxn id="444" idx="0"/>
+            <a:stCxn id="448" idx="0"/>
+            <a:endCxn id="454" idx="0"/>
           </p:cNvCxnSpPr>
           <p:nvPr/>
         </p:nvCxnSpPr>
         <p:spPr>
           <a:xfrm>
-            <a:off x="9539779" y="2606321"/>
-            <a:ext cx="383541" cy="730075"/>
+            <a:off x="7589059" y="3759413"/>
+            <a:ext cx="347277" cy="649187"/>
           </a:xfrm>
           <a:prstGeom prst="straightConnector1">
             <a:avLst/>
@@ -5680,9 +5656,33 @@
           </a:ln>
         </p:spPr>
       </p:cxnSp>
-      <p:sp>
-        <p:nvSpPr>
-          <p:cNvPr id="458" name="lectureStudio-Server"/>
+      <p:cxnSp>
+        <p:nvCxnSpPr>
+          <p:cNvPr id="458" name="Connection Line"/>
+          <p:cNvCxnSpPr>
+            <a:stCxn id="444" idx="0"/>
+            <a:endCxn id="445" idx="0"/>
+          </p:cNvCxnSpPr>
+          <p:nvPr/>
+        </p:nvCxnSpPr>
+        <p:spPr>
+          <a:xfrm>
+            <a:off x="9539779" y="2606321"/>
+            <a:ext cx="383541" cy="730075"/>
+          </a:xfrm>
+          <a:prstGeom prst="straightConnector1">
+            <a:avLst/>
+          </a:prstGeom>
+          <a:ln w="12700">
+            <a:solidFill>
+              <a:schemeClr val="accent1"/>
+            </a:solidFill>
+          </a:ln>
+        </p:spPr>
+      </p:cxnSp>
+      <p:sp>
+        <p:nvSpPr>
+          <p:cNvPr id="459" name="lectureStudio-Server"/>
           <p:cNvSpPr txBox="1"/>
           <p:nvPr/>
         </p:nvSpPr>
@@ -5732,7 +5732,7 @@
       </p:sp>
       <p:sp>
         <p:nvSpPr>
-          <p:cNvPr id="459" name="lectureStudio-Server"/>
+          <p:cNvPr id="460" name="lectureStudio-Server"/>
           <p:cNvSpPr txBox="1"/>
           <p:nvPr/>
         </p:nvSpPr>
@@ -5782,7 +5782,7 @@
       </p:sp>
       <p:sp>
         <p:nvSpPr>
-          <p:cNvPr id="460" name="lectureStudio-Server"/>
+          <p:cNvPr id="461" name="lectureStudio-Server"/>
           <p:cNvSpPr txBox="1"/>
           <p:nvPr/>
         </p:nvSpPr>
@@ -5832,7 +5832,7 @@
       </p:sp>
       <p:sp>
         <p:nvSpPr>
-          <p:cNvPr id="461" name="lectureStudio-Server"/>
+          <p:cNvPr id="462" name="lectureStudio-Server"/>
           <p:cNvSpPr txBox="1"/>
           <p:nvPr/>
         </p:nvSpPr>
@@ -5882,7 +5882,7 @@
       </p:sp>
       <p:sp>
         <p:nvSpPr>
-          <p:cNvPr id="462" name="Configuration of Containerlab File"/>
+          <p:cNvPr id="463" name="Configuration of Containerlab File"/>
           <p:cNvSpPr txBox="1"/>
           <p:nvPr/>
         </p:nvSpPr>
@@ -5933,7 +5933,7 @@
       </p:sp>
       <p:sp>
         <p:nvSpPr>
-          <p:cNvPr id="463" name="Add Node Info in Testbed Setup…"/>
+          <p:cNvPr id="464" name="Add Node Info in Testbed Setup…"/>
           <p:cNvSpPr txBox="1"/>
           <p:nvPr>
             <p:ph type="body" idx="1"/>
@@ -6045,7 +6045,7 @@
       </p:sp>
       <p:sp>
         <p:nvSpPr>
-          <p:cNvPr id="464" name="Date Placeholder 3"/>
+          <p:cNvPr id="465" name="Date Placeholder 3"/>
           <p:cNvSpPr txBox="1"/>
           <p:nvPr/>
         </p:nvSpPr>
@@ -6115,7 +6115,7 @@
       </p:grpSpPr>
       <p:sp>
         <p:nvSpPr>
-          <p:cNvPr id="466" name="Title 1"/>
+          <p:cNvPr id="467" name="Title 1"/>
           <p:cNvSpPr txBox="1"/>
           <p:nvPr>
             <p:ph type="title"/>
@@ -6147,7 +6147,7 @@
       </p:sp>
       <p:sp>
         <p:nvSpPr>
-          <p:cNvPr id="467" name="Slide Number Placeholder 5"/>
+          <p:cNvPr id="468" name="Slide Number Placeholder 5"/>
           <p:cNvSpPr txBox="1"/>
           <p:nvPr>
             <p:ph type="sldNum" sz="quarter" idx="4294967295"/>
@@ -6178,7 +6178,7 @@
       </p:sp>
       <p:sp>
         <p:nvSpPr>
-          <p:cNvPr id="468" name="Date Placeholder 3"/>
+          <p:cNvPr id="469" name="Date Placeholder 3"/>
           <p:cNvSpPr txBox="1"/>
           <p:nvPr/>
         </p:nvSpPr>
@@ -6222,7 +6222,7 @@
       </p:sp>
       <p:sp>
         <p:nvSpPr>
-          <p:cNvPr id="469" name="Configuration of Containerlab File"/>
+          <p:cNvPr id="470" name="Configuration of Containerlab File"/>
           <p:cNvSpPr txBox="1"/>
           <p:nvPr/>
         </p:nvSpPr>
@@ -6276,7 +6276,7 @@
       </p:sp>
       <p:sp>
         <p:nvSpPr>
-          <p:cNvPr id="470" name="Configuration of Containerlab File"/>
+          <p:cNvPr id="471" name="Configuration of Containerlab File"/>
           <p:cNvSpPr txBox="1"/>
           <p:nvPr/>
         </p:nvSpPr>
@@ -6330,7 +6330,7 @@
       </p:sp>
       <p:sp>
         <p:nvSpPr>
-          <p:cNvPr id="471" name="Content Placeholder 2"/>
+          <p:cNvPr id="472" name="Content Placeholder 2"/>
           <p:cNvSpPr txBox="1"/>
           <p:nvPr>
             <p:ph type="body" sz="half" idx="1"/>
@@ -6410,7 +6410,7 @@
       </p:sp>
       <p:sp>
         <p:nvSpPr>
-          <p:cNvPr id="472" name="Date Placeholder 3"/>
+          <p:cNvPr id="473" name="Date Placeholder 3"/>
           <p:cNvSpPr txBox="1"/>
           <p:nvPr/>
         </p:nvSpPr>
@@ -6454,7 +6454,7 @@
       </p:sp>
       <p:pic>
         <p:nvPicPr>
-          <p:cNvPr id="473" name="latencyP2P.png" descr="latencyP2P.png"/>
+          <p:cNvPr id="474" name="latencyP2P.png" descr="latencyP2P.png"/>
           <p:cNvPicPr>
             <a:picLocks noChangeAspect="1"/>
           </p:cNvPicPr>
@@ -6483,7 +6483,7 @@
       </p:pic>
       <p:pic>
         <p:nvPicPr>
-          <p:cNvPr id="474" name="latencyNonP2P.png" descr="latencyNonP2P.png"/>
+          <p:cNvPr id="475" name="latencyNonP2P.png" descr="latencyNonP2P.png"/>
           <p:cNvPicPr>
             <a:picLocks noChangeAspect="1"/>
           </p:cNvPicPr>
@@ -6538,7 +6538,7 @@
       </p:grpSpPr>
       <p:sp>
         <p:nvSpPr>
-          <p:cNvPr id="476" name="Title 1"/>
+          <p:cNvPr id="477" name="Title 1"/>
           <p:cNvSpPr txBox="1"/>
           <p:nvPr>
             <p:ph type="title"/>
@@ -6570,7 +6570,7 @@
       </p:sp>
       <p:sp>
         <p:nvSpPr>
-          <p:cNvPr id="477" name="Slide Number Placeholder 5"/>
+          <p:cNvPr id="478" name="Slide Number Placeholder 5"/>
           <p:cNvSpPr txBox="1"/>
           <p:nvPr>
             <p:ph type="sldNum" sz="quarter" idx="4294967295"/>
@@ -6601,7 +6601,7 @@
       </p:sp>
       <p:sp>
         <p:nvSpPr>
-          <p:cNvPr id="478" name="Date Placeholder 3"/>
+          <p:cNvPr id="479" name="Date Placeholder 3"/>
           <p:cNvSpPr txBox="1"/>
           <p:nvPr/>
         </p:nvSpPr>
@@ -6645,7 +6645,7 @@
       </p:sp>
       <p:sp>
         <p:nvSpPr>
-          <p:cNvPr id="479" name="Configuration of Containerlab File"/>
+          <p:cNvPr id="480" name="Configuration of Containerlab File"/>
           <p:cNvSpPr txBox="1"/>
           <p:nvPr/>
         </p:nvSpPr>
@@ -6699,7 +6699,7 @@
       </p:sp>
       <p:sp>
         <p:nvSpPr>
-          <p:cNvPr id="480" name="Configuration of Containerlab File"/>
+          <p:cNvPr id="481" name="Configuration of Containerlab File"/>
           <p:cNvSpPr txBox="1"/>
           <p:nvPr/>
         </p:nvSpPr>
@@ -6753,7 +6753,7 @@
       </p:sp>
       <p:sp>
         <p:nvSpPr>
-          <p:cNvPr id="481" name="Content Placeholder 2"/>
+          <p:cNvPr id="482" name="Content Placeholder 2"/>
           <p:cNvSpPr txBox="1"/>
           <p:nvPr>
             <p:ph type="body" sz="quarter" idx="1"/>
@@ -6817,7 +6817,7 @@
       </p:sp>
       <p:sp>
         <p:nvSpPr>
-          <p:cNvPr id="482" name="Content Placeholder 2"/>
+          <p:cNvPr id="483" name="Content Placeholder 2"/>
           <p:cNvSpPr txBox="1"/>
           <p:nvPr/>
         </p:nvSpPr>
@@ -6907,7 +6907,7 @@
       </p:sp>
       <p:sp>
         <p:nvSpPr>
-          <p:cNvPr id="483" name="Date Placeholder 3"/>
+          <p:cNvPr id="484" name="Date Placeholder 3"/>
           <p:cNvSpPr txBox="1"/>
           <p:nvPr/>
         </p:nvSpPr>
@@ -6951,7 +6951,7 @@
       </p:sp>
       <p:pic>
         <p:nvPicPr>
-          <p:cNvPr id="484" name="bandwidthP2P.png" descr="bandwidthP2P.png"/>
+          <p:cNvPr id="485" name="bandwidthP2P.png" descr="bandwidthP2P.png"/>
           <p:cNvPicPr>
             <a:picLocks noChangeAspect="1"/>
           </p:cNvPicPr>
@@ -6980,7 +6980,7 @@
       </p:pic>
       <p:pic>
         <p:nvPicPr>
-          <p:cNvPr id="485" name="bandwidthNonP2P.png" descr="bandwidthNonP2P.png"/>
+          <p:cNvPr id="486" name="bandwidthNonP2P.png" descr="bandwidthNonP2P.png"/>
           <p:cNvPicPr>
             <a:picLocks noChangeAspect="1"/>
           </p:cNvPicPr>
@@ -7035,7 +7035,7 @@
       </p:grpSpPr>
       <p:sp>
         <p:nvSpPr>
-          <p:cNvPr id="487" name="Title 1"/>
+          <p:cNvPr id="488" name="Title 1"/>
           <p:cNvSpPr txBox="1"/>
           <p:nvPr>
             <p:ph type="title"/>
@@ -7067,7 +7067,7 @@
       </p:sp>
       <p:sp>
         <p:nvSpPr>
-          <p:cNvPr id="488" name="Slide Number Placeholder 5"/>
+          <p:cNvPr id="489" name="Slide Number Placeholder 5"/>
           <p:cNvSpPr txBox="1"/>
           <p:nvPr>
             <p:ph type="sldNum" sz="quarter" idx="4294967295"/>
@@ -7098,7 +7098,7 @@
       </p:sp>
       <p:sp>
         <p:nvSpPr>
-          <p:cNvPr id="489" name="Date Placeholder 3"/>
+          <p:cNvPr id="490" name="Date Placeholder 3"/>
           <p:cNvSpPr txBox="1"/>
           <p:nvPr/>
         </p:nvSpPr>
@@ -7142,7 +7142,7 @@
       </p:sp>
       <p:pic>
         <p:nvPicPr>
-          <p:cNvPr id="490" name="duration_deploying_destroying_containerlab.png" descr="duration_deploying_destroying_containerlab.png"/>
+          <p:cNvPr id="491" name="duration_deploying_destroying_containerlab.png" descr="duration_deploying_destroying_containerlab.png"/>
           <p:cNvPicPr>
             <a:picLocks noChangeAspect="1"/>
           </p:cNvPicPr>
@@ -7171,7 +7171,7 @@
       </p:pic>
       <p:sp>
         <p:nvSpPr>
-          <p:cNvPr id="491" name="Configuration of Containerlab File"/>
+          <p:cNvPr id="492" name="Configuration of Containerlab File"/>
           <p:cNvSpPr txBox="1"/>
           <p:nvPr/>
         </p:nvSpPr>
@@ -7225,7 +7225,7 @@
       </p:sp>
       <p:sp>
         <p:nvSpPr>
-          <p:cNvPr id="492" name="Configuration of Containerlab File"/>
+          <p:cNvPr id="493" name="Configuration of Containerlab File"/>
           <p:cNvSpPr txBox="1"/>
           <p:nvPr/>
         </p:nvSpPr>
@@ -7279,7 +7279,7 @@
       </p:sp>
       <p:sp>
         <p:nvSpPr>
-          <p:cNvPr id="493" name="Content Placeholder 2"/>
+          <p:cNvPr id="494" name="Content Placeholder 2"/>
           <p:cNvSpPr txBox="1"/>
           <p:nvPr>
             <p:ph type="body" sz="quarter" idx="1"/>
@@ -7305,7 +7305,7 @@
               <a:defRPr sz="1800"/>
             </a:pPr>
             <a:r>
-              <a:t>Scaling Peers with Containerlab</a:t>
+              <a:t>Scaling peers with Containerlab</a:t>
             </a:r>
           </a:p>
           <a:p>
@@ -7334,7 +7334,7 @@
       </p:sp>
       <p:pic>
         <p:nvPicPr>
-          <p:cNvPr id="494" name="Figure 2024-03-16 115618.png" descr="Figure 2024-03-16 115618.png"/>
+          <p:cNvPr id="495" name="Figure 2024-03-16 115618.png" descr="Figure 2024-03-16 115618.png"/>
           <p:cNvPicPr>
             <a:picLocks noChangeAspect="1"/>
           </p:cNvPicPr>
@@ -7363,7 +7363,7 @@
       </p:pic>
       <p:sp>
         <p:nvSpPr>
-          <p:cNvPr id="495" name="RQ1.2 How well does the testbed scale with more nodes and complex topologies affect the host in terms of resource utilization?"/>
+          <p:cNvPr id="496" name="RQ1.2 How well does the testbed scale with more nodes and complex topologies affect the host in terms of resource utilization?"/>
           <p:cNvSpPr txBox="1"/>
           <p:nvPr/>
         </p:nvSpPr>
@@ -7415,7 +7415,7 @@
       </p:sp>
       <p:sp>
         <p:nvSpPr>
-          <p:cNvPr id="496" name="Content Placeholder 2"/>
+          <p:cNvPr id="497" name="Content Placeholder 2"/>
           <p:cNvSpPr txBox="1"/>
           <p:nvPr/>
         </p:nvSpPr>
@@ -7505,7 +7505,7 @@
       </p:sp>
       <p:sp>
         <p:nvSpPr>
-          <p:cNvPr id="497" name="Date Placeholder 3"/>
+          <p:cNvPr id="498" name="Date Placeholder 3"/>
           <p:cNvSpPr txBox="1"/>
           <p:nvPr/>
         </p:nvSpPr>
@@ -7575,7 +7575,7 @@
       </p:grpSpPr>
       <p:sp>
         <p:nvSpPr>
-          <p:cNvPr id="499" name="Title 1"/>
+          <p:cNvPr id="500" name="Title 1"/>
           <p:cNvSpPr txBox="1"/>
           <p:nvPr>
             <p:ph type="title"/>
@@ -7607,7 +7607,7 @@
       </p:sp>
       <p:sp>
         <p:nvSpPr>
-          <p:cNvPr id="500" name="Content Placeholder 2"/>
+          <p:cNvPr id="501" name="Content Placeholder 2"/>
           <p:cNvSpPr txBox="1"/>
           <p:nvPr>
             <p:ph type="body" sz="half" idx="1"/>
@@ -7652,7 +7652,7 @@
               <a:defRPr sz="1660"/>
             </a:pPr>
             <a:r>
-              <a:t>CPU Usage Evaluation with and without the P2P Algorithm in the Testbed</a:t>
+              <a:t>CPU Usage evaluation with and without the P2P Algorithm in the testbed</a:t>
             </a:r>
           </a:p>
           <a:p>
@@ -7701,7 +7701,7 @@
       </p:sp>
       <p:sp>
         <p:nvSpPr>
-          <p:cNvPr id="501" name="Slide Number Placeholder 5"/>
+          <p:cNvPr id="502" name="Slide Number Placeholder 5"/>
           <p:cNvSpPr txBox="1"/>
           <p:nvPr>
             <p:ph type="sldNum" sz="quarter" idx="4294967295"/>
@@ -7732,7 +7732,7 @@
       </p:sp>
       <p:sp>
         <p:nvSpPr>
-          <p:cNvPr id="502" name="Date Placeholder 3"/>
+          <p:cNvPr id="503" name="Date Placeholder 3"/>
           <p:cNvSpPr txBox="1"/>
           <p:nvPr/>
         </p:nvSpPr>
@@ -7776,7 +7776,7 @@
       </p:sp>
       <p:sp>
         <p:nvSpPr>
-          <p:cNvPr id="503" name="Configuration of Containerlab File"/>
+          <p:cNvPr id="504" name="Configuration of Containerlab File"/>
           <p:cNvSpPr txBox="1"/>
           <p:nvPr/>
         </p:nvSpPr>
@@ -7830,7 +7830,7 @@
       </p:sp>
       <p:sp>
         <p:nvSpPr>
-          <p:cNvPr id="504" name="Configuration of Containerlab File"/>
+          <p:cNvPr id="505" name="Configuration of Containerlab File"/>
           <p:cNvSpPr txBox="1"/>
           <p:nvPr/>
         </p:nvSpPr>
@@ -7884,7 +7884,7 @@
       </p:sp>
       <p:sp>
         <p:nvSpPr>
-          <p:cNvPr id="505" name="Date Placeholder 3"/>
+          <p:cNvPr id="506" name="Date Placeholder 3"/>
           <p:cNvSpPr txBox="1"/>
           <p:nvPr/>
         </p:nvSpPr>
@@ -7928,7 +7928,7 @@
       </p:sp>
       <p:pic>
         <p:nvPicPr>
-          <p:cNvPr id="506" name="cpu50_lastwithoutP2P.png" descr="cpu50_lastwithoutP2P.png"/>
+          <p:cNvPr id="507" name="cpu50_lastwithoutP2P.png" descr="cpu50_lastwithoutP2P.png"/>
           <p:cNvPicPr>
             <a:picLocks noChangeAspect="1"/>
           </p:cNvPicPr>
@@ -7957,7 +7957,7 @@
       </p:pic>
       <p:pic>
         <p:nvPicPr>
-          <p:cNvPr id="507" name="cpu50_lastwithP2P.png" descr="cpu50_lastwithP2P.png"/>
+          <p:cNvPr id="508" name="cpu50_lastwithP2P.png" descr="cpu50_lastwithP2P.png"/>
           <p:cNvPicPr>
             <a:picLocks noChangeAspect="1"/>
           </p:cNvPicPr>
@@ -8012,7 +8012,7 @@
       </p:grpSpPr>
       <p:sp>
         <p:nvSpPr>
-          <p:cNvPr id="509" name="Title 1"/>
+          <p:cNvPr id="510" name="Title 1"/>
           <p:cNvSpPr txBox="1"/>
           <p:nvPr>
             <p:ph type="title"/>
@@ -8044,7 +8044,7 @@
       </p:sp>
       <p:sp>
         <p:nvSpPr>
-          <p:cNvPr id="510" name="Slide Number Placeholder 5"/>
+          <p:cNvPr id="511" name="Slide Number Placeholder 5"/>
           <p:cNvSpPr txBox="1"/>
           <p:nvPr>
             <p:ph type="sldNum" sz="quarter" idx="4294967295"/>
@@ -8075,7 +8075,7 @@
       </p:sp>
       <p:sp>
         <p:nvSpPr>
-          <p:cNvPr id="511" name="Date Placeholder 3"/>
+          <p:cNvPr id="512" name="Date Placeholder 3"/>
           <p:cNvSpPr txBox="1"/>
           <p:nvPr/>
         </p:nvSpPr>
@@ -8119,7 +8119,7 @@
       </p:sp>
       <p:sp>
         <p:nvSpPr>
-          <p:cNvPr id="512" name="Configuration of Containerlab File"/>
+          <p:cNvPr id="513" name="Configuration of Containerlab File"/>
           <p:cNvSpPr txBox="1"/>
           <p:nvPr/>
         </p:nvSpPr>
@@ -8173,7 +8173,7 @@
       </p:sp>
       <p:sp>
         <p:nvSpPr>
-          <p:cNvPr id="513" name="Configuration of Containerlab File"/>
+          <p:cNvPr id="514" name="Configuration of Containerlab File"/>
           <p:cNvSpPr txBox="1"/>
           <p:nvPr/>
         </p:nvSpPr>
@@ -8227,7 +8227,7 @@
       </p:sp>
       <p:sp>
         <p:nvSpPr>
-          <p:cNvPr id="514" name="Content Placeholder 2"/>
+          <p:cNvPr id="515" name="Content Placeholder 2"/>
           <p:cNvSpPr txBox="1"/>
           <p:nvPr>
             <p:ph type="body" sz="quarter" idx="1"/>
@@ -8305,7 +8305,7 @@
       </p:sp>
       <p:sp>
         <p:nvSpPr>
-          <p:cNvPr id="515" name="Content Placeholder 2"/>
+          <p:cNvPr id="516" name="Content Placeholder 2"/>
           <p:cNvSpPr txBox="1"/>
           <p:nvPr/>
         </p:nvSpPr>
@@ -8357,7 +8357,7 @@
       </p:sp>
       <p:sp>
         <p:nvSpPr>
-          <p:cNvPr id="516" name="Date Placeholder 3"/>
+          <p:cNvPr id="517" name="Date Placeholder 3"/>
           <p:cNvSpPr txBox="1"/>
           <p:nvPr/>
         </p:nvSpPr>
@@ -8401,7 +8401,7 @@
       </p:sp>
       <p:pic>
         <p:nvPicPr>
-          <p:cNvPr id="517" name="memoryusagelastwithoutP2P.png" descr="memoryusagelastwithoutP2P.png"/>
+          <p:cNvPr id="518" name="memoryusagelastwithoutP2P.png" descr="memoryusagelastwithoutP2P.png"/>
           <p:cNvPicPr>
             <a:picLocks noChangeAspect="1"/>
           </p:cNvPicPr>
@@ -8430,7 +8430,7 @@
       </p:pic>
       <p:pic>
         <p:nvPicPr>
-          <p:cNvPr id="518" name="memoryusagelastwithP2P.png" descr="memoryusagelastwithP2P.png"/>
+          <p:cNvPr id="519" name="memoryusagelastwithP2P.png" descr="memoryusagelastwithP2P.png"/>
           <p:cNvPicPr>
             <a:picLocks noChangeAspect="1"/>
           </p:cNvPicPr>
@@ -8485,7 +8485,7 @@
       </p:grpSpPr>
       <p:sp>
         <p:nvSpPr>
-          <p:cNvPr id="520" name="Performance Evaluation of the P2P Algorithm, RQ2.2 and RQ2.3 (1)"/>
+          <p:cNvPr id="521" name="Performance Evaluation of the P2P Algorithm, RQ2.2 and RQ2.3 (1)"/>
           <p:cNvSpPr txBox="1"/>
           <p:nvPr>
             <p:ph type="title"/>
@@ -8517,7 +8517,7 @@
       </p:sp>
       <p:sp>
         <p:nvSpPr>
-          <p:cNvPr id="521" name="Date Placeholder 3"/>
+          <p:cNvPr id="522" name="Date Placeholder 3"/>
           <p:cNvSpPr txBox="1"/>
           <p:nvPr/>
         </p:nvSpPr>
@@ -8561,7 +8561,7 @@
       </p:sp>
       <p:sp>
         <p:nvSpPr>
-          <p:cNvPr id="522" name="Slide Number"/>
+          <p:cNvPr id="523" name="Slide Number"/>
           <p:cNvSpPr txBox="1"/>
           <p:nvPr>
             <p:ph type="sldNum" sz="quarter" idx="4294967295"/>
@@ -8588,7 +8588,7 @@
       </p:sp>
       <p:sp>
         <p:nvSpPr>
-          <p:cNvPr id="523" name="RQ2.2 How does the P2P algorithm react to changing network characteristics (bandwidth, latency, packet loss)?…"/>
+          <p:cNvPr id="524" name="RQ2.2 How does the P2P algorithm react to changing network characteristics (bandwidth, latency, packet loss)?…"/>
           <p:cNvSpPr txBox="1"/>
           <p:nvPr>
             <p:ph type="body" sz="quarter" idx="1"/>
@@ -8640,7 +8640,7 @@
       </p:sp>
       <p:sp>
         <p:nvSpPr>
-          <p:cNvPr id="524" name="Date Placeholder 3"/>
+          <p:cNvPr id="525" name="Date Placeholder 3"/>
           <p:cNvSpPr txBox="1"/>
           <p:nvPr/>
         </p:nvSpPr>
@@ -8684,7 +8684,7 @@
       </p:sp>
       <p:sp>
         <p:nvSpPr>
-          <p:cNvPr id="525" name="Test duration measurement from first to last acknowledgment message…"/>
+          <p:cNvPr id="526" name="Test duration measurement from first to last acknowledgment message…"/>
           <p:cNvSpPr txBox="1"/>
           <p:nvPr/>
         </p:nvSpPr>
@@ -8894,7 +8894,7 @@
       </p:sp>
       <p:graphicFrame>
         <p:nvGraphicFramePr>
-          <p:cNvPr id="526" name="Table"/>
+          <p:cNvPr id="527" name="Table"/>
           <p:cNvGraphicFramePr/>
           <p:nvPr/>
         </p:nvGraphicFramePr>
@@ -9151,7 +9151,7 @@
       </p:grpSpPr>
       <p:sp>
         <p:nvSpPr>
-          <p:cNvPr id="528" name="Performance Evaluation of the P2P Algorithm, RQ2.2 and RQ2.3 (2)"/>
+          <p:cNvPr id="529" name="Performance Evaluation of the P2P Algorithm, RQ2.2 and RQ2.3 (2)"/>
           <p:cNvSpPr txBox="1"/>
           <p:nvPr>
             <p:ph type="title"/>
@@ -9183,7 +9183,7 @@
       </p:sp>
       <p:sp>
         <p:nvSpPr>
-          <p:cNvPr id="529" name="Date Placeholder 3"/>
+          <p:cNvPr id="530" name="Date Placeholder 3"/>
           <p:cNvSpPr txBox="1"/>
           <p:nvPr/>
         </p:nvSpPr>
@@ -9227,7 +9227,7 @@
       </p:sp>
       <p:sp>
         <p:nvSpPr>
-          <p:cNvPr id="530" name="Slide Number"/>
+          <p:cNvPr id="531" name="Slide Number"/>
           <p:cNvSpPr txBox="1"/>
           <p:nvPr>
             <p:ph type="sldNum" sz="quarter" idx="4294967295"/>
@@ -9254,7 +9254,7 @@
       </p:sp>
       <p:sp>
         <p:nvSpPr>
-          <p:cNvPr id="531" name="First configuration with the lectureStudio server and 20 peers…"/>
+          <p:cNvPr id="532" name="First configuration with the lectureStudio server and 20 peers…"/>
           <p:cNvSpPr txBox="1"/>
           <p:nvPr>
             <p:ph type="body" sz="quarter" idx="1"/>
@@ -9389,7 +9389,7 @@
       </p:sp>
       <p:sp>
         <p:nvSpPr>
-          <p:cNvPr id="532" name="Configuration of Containerlab File"/>
+          <p:cNvPr id="533" name="Configuration of Containerlab File"/>
           <p:cNvSpPr txBox="1"/>
           <p:nvPr/>
         </p:nvSpPr>
@@ -9443,7 +9443,7 @@
       </p:sp>
       <p:sp>
         <p:nvSpPr>
-          <p:cNvPr id="533" name="Configuration of Containerlab File"/>
+          <p:cNvPr id="534" name="Configuration of Containerlab File"/>
           <p:cNvSpPr txBox="1"/>
           <p:nvPr/>
         </p:nvSpPr>
@@ -9497,7 +9497,7 @@
       </p:sp>
       <p:pic>
         <p:nvPicPr>
-          <p:cNvPr id="534" name="implemantation1_20_peers_increasingfile.png" descr="implemantation1_20_peers_increasingfile.png"/>
+          <p:cNvPr id="535" name="implemantation1_20_peers_increasingfile.png" descr="implemantation1_20_peers_increasingfile.png"/>
           <p:cNvPicPr>
             <a:picLocks noChangeAspect="1"/>
           </p:cNvPicPr>
@@ -9526,7 +9526,7 @@
       </p:pic>
       <p:sp>
         <p:nvSpPr>
-          <p:cNvPr id="535" name="Date Placeholder 3"/>
+          <p:cNvPr id="536" name="Date Placeholder 3"/>
           <p:cNvSpPr txBox="1"/>
           <p:nvPr/>
         </p:nvSpPr>
@@ -9570,7 +9570,7 @@
       </p:sp>
       <p:pic>
         <p:nvPicPr>
-          <p:cNvPr id="536" name="20last.png" descr="20last.png"/>
+          <p:cNvPr id="537" name="20last.png" descr="20last.png"/>
           <p:cNvPicPr>
             <a:picLocks noChangeAspect="1"/>
           </p:cNvPicPr>
@@ -9625,7 +9625,7 @@
       </p:grpSpPr>
       <p:sp>
         <p:nvSpPr>
-          <p:cNvPr id="538" name="Performance Evaluation of the P2P Algorithm, RQ2.2 and RQ2.3 (3)"/>
+          <p:cNvPr id="539" name="Performance Evaluation of the P2P Algorithm, RQ2.2 and RQ2.3 (3)"/>
           <p:cNvSpPr txBox="1"/>
           <p:nvPr>
             <p:ph type="title"/>
@@ -9657,7 +9657,7 @@
       </p:sp>
       <p:sp>
         <p:nvSpPr>
-          <p:cNvPr id="539" name="Date Placeholder 3"/>
+          <p:cNvPr id="540" name="Date Placeholder 3"/>
           <p:cNvSpPr txBox="1"/>
           <p:nvPr/>
         </p:nvSpPr>
@@ -9701,7 +9701,7 @@
       </p:sp>
       <p:sp>
         <p:nvSpPr>
-          <p:cNvPr id="540" name="Slide Number"/>
+          <p:cNvPr id="541" name="Slide Number"/>
           <p:cNvSpPr txBox="1"/>
           <p:nvPr>
             <p:ph type="sldNum" sz="quarter" idx="4294967295"/>
@@ -9728,7 +9728,7 @@
       </p:sp>
       <p:sp>
         <p:nvSpPr>
-          <p:cNvPr id="541" name="Configuration of Containerlab File"/>
+          <p:cNvPr id="542" name="Configuration of Containerlab File"/>
           <p:cNvSpPr txBox="1"/>
           <p:nvPr/>
         </p:nvSpPr>
@@ -9782,7 +9782,7 @@
       </p:sp>
       <p:sp>
         <p:nvSpPr>
-          <p:cNvPr id="542" name="Configuration of Containerlab File"/>
+          <p:cNvPr id="543" name="Configuration of Containerlab File"/>
           <p:cNvSpPr txBox="1"/>
           <p:nvPr/>
         </p:nvSpPr>
@@ -9836,7 +9836,7 @@
       </p:sp>
       <p:sp>
         <p:nvSpPr>
-          <p:cNvPr id="543" name="First configuration with the lectureStudio server and 50 peers…"/>
+          <p:cNvPr id="544" name="First configuration with the lectureStudio server and 50 peers…"/>
           <p:cNvSpPr txBox="1"/>
           <p:nvPr>
             <p:ph type="body" sz="half" idx="1"/>
@@ -9897,7 +9897,14 @@
               <a:t>2MB</a:t>
             </a:r>
             <a:r>
-              <a:t> data size, the P2P algorithm performance nearly identical to the traditional approach</a:t>
+              <a:t> data size, the P2P algorithm performance </a:t>
+            </a:r>
+            <a:r>
+              <a:rPr u="sng"/>
+              <a:t>nearly identical</a:t>
+            </a:r>
+            <a:r>
+              <a:t> to the traditional approach</a:t>
             </a:r>
           </a:p>
           <a:p>
@@ -10013,7 +10020,7 @@
       </p:sp>
       <p:pic>
         <p:nvPicPr>
-          <p:cNvPr id="544" name="implemantation1_50_peers_increasingfile.png" descr="implemantation1_50_peers_increasingfile.png"/>
+          <p:cNvPr id="545" name="implemantation1_50_peers_increasingfile.png" descr="implemantation1_50_peers_increasingfile.png"/>
           <p:cNvPicPr>
             <a:picLocks noChangeAspect="1"/>
           </p:cNvPicPr>
@@ -10042,7 +10049,7 @@
       </p:pic>
       <p:sp>
         <p:nvSpPr>
-          <p:cNvPr id="545" name="Date Placeholder 3"/>
+          <p:cNvPr id="546" name="Date Placeholder 3"/>
           <p:cNvSpPr txBox="1"/>
           <p:nvPr/>
         </p:nvSpPr>
@@ -10086,7 +10093,7 @@
       </p:sp>
       <p:pic>
         <p:nvPicPr>
-          <p:cNvPr id="546" name="50last.png" descr="50last.png"/>
+          <p:cNvPr id="547" name="50last.png" descr="50last.png"/>
           <p:cNvPicPr>
             <a:picLocks noChangeAspect="1"/>
           </p:cNvPicPr>
@@ -11523,7 +11530,7 @@
         </p:blipFill>
         <p:spPr>
           <a:xfrm>
-            <a:off x="6409191" y="5466096"/>
+            <a:off x="6791302" y="5445808"/>
             <a:ext cx="777883" cy="341434"/>
           </a:xfrm>
           <a:prstGeom prst="rect">
@@ -11552,8 +11559,8 @@
         </p:blipFill>
         <p:spPr>
           <a:xfrm>
-            <a:off x="7970215" y="5429776"/>
-            <a:ext cx="1018414" cy="454650"/>
+            <a:off x="8352325" y="5409488"/>
+            <a:ext cx="1018415" cy="454650"/>
           </a:xfrm>
           <a:prstGeom prst="rect">
             <a:avLst/>
@@ -11581,7 +11588,7 @@
         </p:blipFill>
         <p:spPr>
           <a:xfrm>
-            <a:off x="9565544" y="5466096"/>
+            <a:off x="9947655" y="5445808"/>
             <a:ext cx="777883" cy="388944"/>
           </a:xfrm>
           <a:prstGeom prst="rect">
@@ -11600,8 +11607,8 @@
         </p:nvSpPr>
         <p:spPr>
           <a:xfrm>
-            <a:off x="7510484" y="5585666"/>
-            <a:ext cx="215511" cy="215511"/>
+            <a:off x="7892594" y="5565378"/>
+            <a:ext cx="215512" cy="215511"/>
           </a:xfrm>
           <a:custGeom>
             <a:avLst/>
@@ -12063,8 +12070,8 @@
         </p:nvSpPr>
         <p:spPr>
           <a:xfrm>
-            <a:off x="9143931" y="5588000"/>
-            <a:ext cx="215511" cy="215511"/>
+            <a:off x="9526041" y="5567711"/>
+            <a:ext cx="215512" cy="215512"/>
           </a:xfrm>
           <a:custGeom>
             <a:avLst/>
@@ -12234,6 +12241,35 @@
           </a:ln>
         </p:spPr>
       </p:pic>
+      <p:pic>
+        <p:nvPicPr>
+          <p:cNvPr id="174" name="Unknown.png" descr="Unknown.png"/>
+          <p:cNvPicPr>
+            <a:picLocks noChangeAspect="1"/>
+          </p:cNvPicPr>
+          <p:nvPr/>
+        </p:nvPicPr>
+        <p:blipFill>
+          <a:blip r:embed="rId8">
+            <a:extLst/>
+          </a:blip>
+          <a:stretch>
+            <a:fillRect/>
+          </a:stretch>
+        </p:blipFill>
+        <p:spPr>
+          <a:xfrm>
+            <a:off x="6312211" y="5552678"/>
+            <a:ext cx="174947" cy="174947"/>
+          </a:xfrm>
+          <a:prstGeom prst="rect">
+            <a:avLst/>
+          </a:prstGeom>
+          <a:ln w="12700">
+            <a:miter lim="400000"/>
+          </a:ln>
+        </p:spPr>
+      </p:pic>
     </p:spTree>
   </p:cSld>
   <p:clrMapOvr>
@@ -12262,7 +12298,7 @@
       </p:grpSpPr>
       <p:sp>
         <p:nvSpPr>
-          <p:cNvPr id="548" name="Conclusion and Future Work"/>
+          <p:cNvPr id="549" name="Conclusion and Future Work"/>
           <p:cNvSpPr txBox="1"/>
           <p:nvPr>
             <p:ph type="title"/>
@@ -12286,7 +12322,7 @@
       </p:sp>
       <p:sp>
         <p:nvSpPr>
-          <p:cNvPr id="549" name="Goal: Developing a testbed for the P2P data distribution algorithm…"/>
+          <p:cNvPr id="550" name="Goal: Developing a testbed for the P2P data distribution algorithm…"/>
           <p:cNvSpPr txBox="1"/>
           <p:nvPr>
             <p:ph type="body" idx="1"/>
@@ -12339,7 +12375,7 @@
               <a:defRPr sz="1919"/>
             </a:pPr>
             <a:r>
-              <a:t>Network generator: Incorporating normal distribution data from the UK and DE</a:t>
+              <a:t>Network generator: Normal distribution with data from the UK and DE</a:t>
             </a:r>
           </a:p>
           <a:p>
@@ -12381,7 +12417,7 @@
               <a:defRPr sz="1919"/>
             </a:pPr>
             <a:r>
-              <a:t>Evaluating of the P2P algorithm: Resource Consumption and total duration performance</a:t>
+              <a:t>Evaluating of the P2P algorithm: Resource utilization and total time performance</a:t>
             </a:r>
           </a:p>
           <a:p>
@@ -12458,7 +12494,7 @@
       </p:sp>
       <p:sp>
         <p:nvSpPr>
-          <p:cNvPr id="550" name="Date Placeholder 3"/>
+          <p:cNvPr id="551" name="Date Placeholder 3"/>
           <p:cNvSpPr txBox="1"/>
           <p:nvPr/>
         </p:nvSpPr>
@@ -12502,7 +12538,7 @@
       </p:sp>
       <p:sp>
         <p:nvSpPr>
-          <p:cNvPr id="551" name="Slide Number"/>
+          <p:cNvPr id="552" name="Slide Number"/>
           <p:cNvSpPr txBox="1"/>
           <p:nvPr>
             <p:ph type="sldNum" sz="quarter" idx="4294967295"/>
@@ -12529,7 +12565,7 @@
       </p:sp>
       <p:sp>
         <p:nvSpPr>
-          <p:cNvPr id="552" name="Date Placeholder 3"/>
+          <p:cNvPr id="553" name="Date Placeholder 3"/>
           <p:cNvSpPr txBox="1"/>
           <p:nvPr/>
         </p:nvSpPr>
@@ -12599,7 +12635,7 @@
       </p:grpSpPr>
       <p:sp>
         <p:nvSpPr>
-          <p:cNvPr id="554" name="Title 6"/>
+          <p:cNvPr id="555" name="Title 6"/>
           <p:cNvSpPr txBox="1"/>
           <p:nvPr>
             <p:ph type="title"/>
@@ -12631,7 +12667,7 @@
       </p:sp>
       <p:sp>
         <p:nvSpPr>
-          <p:cNvPr id="555" name="Text Placeholder 7"/>
+          <p:cNvPr id="556" name="Text Placeholder 7"/>
           <p:cNvSpPr txBox="1"/>
           <p:nvPr>
             <p:ph type="body" sz="quarter" idx="1"/>
@@ -12661,7 +12697,7 @@
       </p:sp>
       <p:sp>
         <p:nvSpPr>
-          <p:cNvPr id="556" name="Slide Number Placeholder 5"/>
+          <p:cNvPr id="557" name="Slide Number Placeholder 5"/>
           <p:cNvSpPr txBox="1"/>
           <p:nvPr>
             <p:ph type="sldNum" sz="quarter" idx="4294967295"/>
@@ -12692,7 +12728,7 @@
       </p:sp>
       <p:sp>
         <p:nvSpPr>
-          <p:cNvPr id="557" name="Date Placeholder 3"/>
+          <p:cNvPr id="558" name="Date Placeholder 3"/>
           <p:cNvSpPr txBox="1"/>
           <p:nvPr/>
         </p:nvSpPr>
@@ -12736,7 +12772,7 @@
       </p:sp>
       <p:sp>
         <p:nvSpPr>
-          <p:cNvPr id="558" name="Date Placeholder 3"/>
+          <p:cNvPr id="559" name="Date Placeholder 3"/>
           <p:cNvSpPr txBox="1"/>
           <p:nvPr/>
         </p:nvSpPr>
@@ -12806,7 +12842,7 @@
       </p:grpSpPr>
       <p:sp>
         <p:nvSpPr>
-          <p:cNvPr id="560" name="References"/>
+          <p:cNvPr id="561" name="References"/>
           <p:cNvSpPr txBox="1"/>
           <p:nvPr>
             <p:ph type="title"/>
@@ -12836,7 +12872,7 @@
       </p:sp>
       <p:sp>
         <p:nvSpPr>
-          <p:cNvPr id="561" name="[1] https://www.data.gov.uk/dataset/dfe843da-06ca-4680-9ba0-fbb27319e402/uk-fixed-line-broadband-performance…"/>
+          <p:cNvPr id="562" name="[1] https://www.data.gov.uk/dataset/dfe843da-06ca-4680-9ba0-fbb27319e402/uk-fixed-line-broadband-performance…"/>
           <p:cNvSpPr txBox="1"/>
           <p:nvPr>
             <p:ph type="body" idx="1"/>
@@ -12921,7 +12957,7 @@
       </p:sp>
       <p:sp>
         <p:nvSpPr>
-          <p:cNvPr id="562" name="Slide Number"/>
+          <p:cNvPr id="563" name="Slide Number"/>
           <p:cNvSpPr txBox="1"/>
           <p:nvPr>
             <p:ph type="sldNum" sz="quarter" idx="4294967295"/>
@@ -12952,7 +12988,7 @@
       </p:sp>
       <p:sp>
         <p:nvSpPr>
-          <p:cNvPr id="563" name="Date Placeholder 3"/>
+          <p:cNvPr id="564" name="Date Placeholder 3"/>
           <p:cNvSpPr txBox="1"/>
           <p:nvPr/>
         </p:nvSpPr>
@@ -12996,7 +13032,7 @@
       </p:sp>
       <p:sp>
         <p:nvSpPr>
-          <p:cNvPr id="564" name="Date Placeholder 3"/>
+          <p:cNvPr id="565" name="Date Placeholder 3"/>
           <p:cNvSpPr txBox="1"/>
           <p:nvPr/>
         </p:nvSpPr>
@@ -13066,7 +13102,7 @@
       </p:grpSpPr>
       <p:sp>
         <p:nvSpPr>
-          <p:cNvPr id="566" name="Network Topology Generator"/>
+          <p:cNvPr id="567" name="Network Topology Generator"/>
           <p:cNvSpPr txBox="1"/>
           <p:nvPr>
             <p:ph type="title"/>
@@ -13098,7 +13134,7 @@
       </p:sp>
       <p:sp>
         <p:nvSpPr>
-          <p:cNvPr id="567" name="Slide Number"/>
+          <p:cNvPr id="568" name="Slide Number"/>
           <p:cNvSpPr txBox="1"/>
           <p:nvPr>
             <p:ph type="sldNum" sz="quarter" idx="4294967295"/>
@@ -13129,7 +13165,7 @@
       </p:sp>
       <p:sp>
         <p:nvSpPr>
-          <p:cNvPr id="568" name="{…"/>
+          <p:cNvPr id="569" name="{…"/>
           <p:cNvSpPr txBox="1"/>
           <p:nvPr/>
         </p:nvSpPr>
@@ -13530,7 +13566,7 @@
       </p:sp>
       <p:sp>
         <p:nvSpPr>
-          <p:cNvPr id="569" name="&quot;connections&quot;: […"/>
+          <p:cNvPr id="570" name="&quot;connections&quot;: […"/>
           <p:cNvSpPr txBox="1"/>
           <p:nvPr/>
         </p:nvSpPr>
@@ -13945,7 +13981,7 @@
       </p:sp>
       <p:sp>
         <p:nvSpPr>
-          <p:cNvPr id="570" name="List of Peers and Network Characteristics"/>
+          <p:cNvPr id="571" name="List of Peers and Network Characteristics"/>
           <p:cNvSpPr txBox="1"/>
           <p:nvPr/>
         </p:nvSpPr>
@@ -13999,7 +14035,7 @@
       </p:sp>
       <p:pic>
         <p:nvPicPr>
-          <p:cNvPr id="571" name="136525.png" descr="136525.png"/>
+          <p:cNvPr id="572" name="136525.png" descr="136525.png"/>
           <p:cNvPicPr>
             <a:picLocks noChangeAspect="1"/>
           </p:cNvPicPr>
@@ -14028,7 +14064,7 @@
       </p:pic>
       <p:sp>
         <p:nvSpPr>
-          <p:cNvPr id="572" name="{…"/>
+          <p:cNvPr id="573" name="{…"/>
           <p:cNvSpPr txBox="1"/>
           <p:nvPr/>
         </p:nvSpPr>
@@ -14328,7 +14364,7 @@
       </p:sp>
       <p:sp>
         <p:nvSpPr>
-          <p:cNvPr id="573" name="Connection Between Peers"/>
+          <p:cNvPr id="574" name="Connection Between Peers"/>
           <p:cNvSpPr txBox="1"/>
           <p:nvPr/>
         </p:nvSpPr>
@@ -14382,7 +14418,7 @@
       </p:sp>
       <p:pic>
         <p:nvPicPr>
-          <p:cNvPr id="574" name="136525.png" descr="136525.png"/>
+          <p:cNvPr id="575" name="136525.png" descr="136525.png"/>
           <p:cNvPicPr>
             <a:picLocks noChangeAspect="1"/>
           </p:cNvPicPr>
@@ -14411,7 +14447,7 @@
       </p:pic>
       <p:sp>
         <p:nvSpPr>
-          <p:cNvPr id="575" name="Line"/>
+          <p:cNvPr id="576" name="Line"/>
           <p:cNvSpPr/>
           <p:nvPr/>
         </p:nvSpPr>
@@ -14441,7 +14477,7 @@
       </p:sp>
       <p:sp>
         <p:nvSpPr>
-          <p:cNvPr id="576" name="Date Placeholder 3"/>
+          <p:cNvPr id="577" name="Date Placeholder 3"/>
           <p:cNvSpPr txBox="1"/>
           <p:nvPr/>
         </p:nvSpPr>
@@ -14485,7 +14521,7 @@
       </p:sp>
       <p:sp>
         <p:nvSpPr>
-          <p:cNvPr id="577" name="Develop Java Program…"/>
+          <p:cNvPr id="578" name="Develop Java Program…"/>
           <p:cNvSpPr txBox="1"/>
           <p:nvPr>
             <p:ph type="body" sz="quarter" idx="1"/>
@@ -14549,7 +14585,7 @@
       </p:sp>
       <p:sp>
         <p:nvSpPr>
-          <p:cNvPr id="578" name="Develop Java Program…"/>
+          <p:cNvPr id="579" name="Develop Java Program…"/>
           <p:cNvSpPr txBox="1"/>
           <p:nvPr/>
         </p:nvSpPr>
@@ -14639,7 +14675,7 @@
       </p:sp>
       <p:sp>
         <p:nvSpPr>
-          <p:cNvPr id="579" name="Date Placeholder 3"/>
+          <p:cNvPr id="580" name="Date Placeholder 3"/>
           <p:cNvSpPr txBox="1"/>
           <p:nvPr/>
         </p:nvSpPr>
@@ -14709,7 +14745,7 @@
       </p:grpSpPr>
       <p:sp>
         <p:nvSpPr>
-          <p:cNvPr id="581" name="Additional Slides (2) - Challenges"/>
+          <p:cNvPr id="582" name="Additional Slides (2) - Challenges"/>
           <p:cNvSpPr txBox="1"/>
           <p:nvPr>
             <p:ph type="title"/>
@@ -14733,7 +14769,7 @@
       </p:sp>
       <p:sp>
         <p:nvSpPr>
-          <p:cNvPr id="582" name="Finding real network dataset…"/>
+          <p:cNvPr id="583" name="Finding real network dataset…"/>
           <p:cNvSpPr txBox="1"/>
           <p:nvPr>
             <p:ph type="body" idx="1"/>
@@ -14831,7 +14867,7 @@
       </p:sp>
       <p:sp>
         <p:nvSpPr>
-          <p:cNvPr id="583" name="Date Placeholder 3"/>
+          <p:cNvPr id="584" name="Date Placeholder 3"/>
           <p:cNvSpPr txBox="1"/>
           <p:nvPr/>
         </p:nvSpPr>
@@ -14875,7 +14911,7 @@
       </p:sp>
       <p:sp>
         <p:nvSpPr>
-          <p:cNvPr id="584" name="Slide Number"/>
+          <p:cNvPr id="585" name="Slide Number"/>
           <p:cNvSpPr txBox="1"/>
           <p:nvPr>
             <p:ph type="sldNum" sz="quarter" idx="4294967295"/>
@@ -14902,7 +14938,7 @@
       </p:sp>
       <p:sp>
         <p:nvSpPr>
-          <p:cNvPr id="585" name="Date Placeholder 3"/>
+          <p:cNvPr id="586" name="Date Placeholder 3"/>
           <p:cNvSpPr txBox="1"/>
           <p:nvPr/>
         </p:nvSpPr>
@@ -14972,7 +15008,7 @@
       </p:grpSpPr>
       <p:sp>
         <p:nvSpPr>
-          <p:cNvPr id="587" name="Additional Slides (3) - Network Wiring Concepts in Containerlab"/>
+          <p:cNvPr id="588" name="Additional Slides (3) - Network Wiring Concepts in Containerlab"/>
           <p:cNvSpPr txBox="1"/>
           <p:nvPr>
             <p:ph type="title"/>
@@ -15000,7 +15036,7 @@
       </p:sp>
       <p:pic>
         <p:nvPicPr>
-          <p:cNvPr id="588" name="benefitsContainerlab.png" descr="benefitsContainerlab.png"/>
+          <p:cNvPr id="589" name="benefitsContainerlab.png" descr="benefitsContainerlab.png"/>
           <p:cNvPicPr>
             <a:picLocks noChangeAspect="1"/>
           </p:cNvPicPr>
@@ -15029,7 +15065,7 @@
       </p:pic>
       <p:sp>
         <p:nvSpPr>
-          <p:cNvPr id="589" name="Slide Number"/>
+          <p:cNvPr id="590" name="Slide Number"/>
           <p:cNvSpPr txBox="1"/>
           <p:nvPr>
             <p:ph type="sldNum" sz="quarter" idx="4294967295"/>
@@ -15056,7 +15092,7 @@
       </p:sp>
       <p:sp>
         <p:nvSpPr>
-          <p:cNvPr id="590" name="Date Placeholder 3"/>
+          <p:cNvPr id="591" name="Date Placeholder 3"/>
           <p:cNvSpPr txBox="1"/>
           <p:nvPr/>
         </p:nvSpPr>
@@ -15100,7 +15136,7 @@
       </p:sp>
       <p:sp>
         <p:nvSpPr>
-          <p:cNvPr id="591" name="Date Placeholder 3"/>
+          <p:cNvPr id="592" name="Date Placeholder 3"/>
           <p:cNvSpPr txBox="1"/>
           <p:nvPr/>
         </p:nvSpPr>
@@ -15170,7 +15206,7 @@
       </p:grpSpPr>
       <p:sp>
         <p:nvSpPr>
-          <p:cNvPr id="175" name="Overall Idea of the Testbed"/>
+          <p:cNvPr id="176" name="Overall Idea of the Testbed"/>
           <p:cNvSpPr txBox="1"/>
           <p:nvPr>
             <p:ph type="title"/>
@@ -15194,7 +15230,7 @@
       </p:sp>
       <p:sp>
         <p:nvSpPr>
-          <p:cNvPr id="176" name="Preparing Network Data and Topology for the Participants (lectureStudio server and peers)…"/>
+          <p:cNvPr id="177" name="Preparing Network Data and Topology for the Participants (lectureStudio server and peers)…"/>
           <p:cNvSpPr txBox="1"/>
           <p:nvPr>
             <p:ph type="body" sz="quarter" idx="1"/>
@@ -15246,7 +15282,7 @@
       </p:sp>
       <p:sp>
         <p:nvSpPr>
-          <p:cNvPr id="177" name="Slide Number"/>
+          <p:cNvPr id="178" name="Slide Number"/>
           <p:cNvSpPr txBox="1"/>
           <p:nvPr>
             <p:ph type="sldNum" sz="quarter" idx="4294967295"/>
@@ -15277,7 +15313,7 @@
       </p:sp>
       <p:sp>
         <p:nvSpPr>
-          <p:cNvPr id="178" name="Date Placeholder 3"/>
+          <p:cNvPr id="179" name="Date Placeholder 3"/>
           <p:cNvSpPr txBox="1"/>
           <p:nvPr/>
         </p:nvSpPr>
@@ -15321,7 +15357,7 @@
       </p:sp>
       <p:sp>
         <p:nvSpPr>
-          <p:cNvPr id="179" name="Date Placeholder 3"/>
+          <p:cNvPr id="180" name="Date Placeholder 3"/>
           <p:cNvSpPr txBox="1"/>
           <p:nvPr/>
         </p:nvSpPr>
@@ -15365,7 +15401,7 @@
       </p:sp>
       <p:pic>
         <p:nvPicPr>
-          <p:cNvPr id="180" name="239207.png" descr="239207.png"/>
+          <p:cNvPr id="181" name="239207.png" descr="239207.png"/>
           <p:cNvPicPr>
             <a:picLocks noChangeAspect="1"/>
           </p:cNvPicPr>
@@ -15381,7 +15417,7 @@
         </p:blipFill>
         <p:spPr>
           <a:xfrm>
-            <a:off x="1840175" y="3280730"/>
+            <a:off x="1814775" y="3280178"/>
             <a:ext cx="584769" cy="584768"/>
           </a:xfrm>
           <a:prstGeom prst="rect">
@@ -15394,7 +15430,7 @@
       </p:pic>
       <p:pic>
         <p:nvPicPr>
-          <p:cNvPr id="181" name="519151.png" descr="519151.png"/>
+          <p:cNvPr id="182" name="519151.png" descr="519151.png"/>
           <p:cNvPicPr>
             <a:picLocks noChangeAspect="1"/>
           </p:cNvPicPr>
@@ -15423,7 +15459,7 @@
       </p:pic>
       <p:pic>
         <p:nvPicPr>
-          <p:cNvPr id="182" name="5968282.png" descr="5968282.png"/>
+          <p:cNvPr id="183" name="5968282.png" descr="5968282.png"/>
           <p:cNvPicPr>
             <a:picLocks noChangeAspect="1"/>
           </p:cNvPicPr>
@@ -15439,7 +15475,7 @@
         </p:blipFill>
         <p:spPr>
           <a:xfrm>
-            <a:off x="2272224" y="4033488"/>
+            <a:off x="2246824" y="4081721"/>
             <a:ext cx="702028" cy="702029"/>
           </a:xfrm>
           <a:prstGeom prst="rect">
@@ -15452,7 +15488,7 @@
       </p:pic>
       <p:pic>
         <p:nvPicPr>
-          <p:cNvPr id="183" name="Image" descr="Image"/>
+          <p:cNvPr id="184" name="Image" descr="Image"/>
           <p:cNvPicPr>
             <a:picLocks noChangeAspect="1"/>
           </p:cNvPicPr>
@@ -15481,7 +15517,7 @@
       </p:pic>
       <p:pic>
         <p:nvPicPr>
-          <p:cNvPr id="184" name="docker_logo.png" descr="docker_logo.png"/>
+          <p:cNvPr id="185" name="docker_logo.png" descr="docker_logo.png"/>
           <p:cNvPicPr>
             <a:picLocks noChangeAspect="1"/>
           </p:cNvPicPr>
@@ -15497,8 +15533,8 @@
         </p:blipFill>
         <p:spPr>
           <a:xfrm>
-            <a:off x="6352243" y="3420512"/>
-            <a:ext cx="919538" cy="919538"/>
+            <a:off x="6390343" y="3509412"/>
+            <a:ext cx="848946" cy="848946"/>
           </a:xfrm>
           <a:prstGeom prst="rect">
             <a:avLst/>
@@ -15510,7 +15546,7 @@
       </p:pic>
       <p:pic>
         <p:nvPicPr>
-          <p:cNvPr id="185" name="Screenshot 2024-01-21 at 16.09.34.png" descr="Screenshot 2024-01-21 at 16.09.34.png"/>
+          <p:cNvPr id="186" name="Screenshot 2024-01-21 at 16.09.34.png" descr="Screenshot 2024-01-21 at 16.09.34.png"/>
           <p:cNvPicPr>
             <a:picLocks noChangeAspect="1"/>
           </p:cNvPicPr>
@@ -15526,7 +15562,7 @@
         </p:blipFill>
         <p:spPr>
           <a:xfrm>
-            <a:off x="7854112" y="2883698"/>
+            <a:off x="7790612" y="2883698"/>
             <a:ext cx="777883" cy="702028"/>
           </a:xfrm>
           <a:prstGeom prst="rect">
@@ -15539,7 +15575,7 @@
       </p:pic>
       <p:pic>
         <p:nvPicPr>
-          <p:cNvPr id="186" name="473791.png" descr="473791.png"/>
+          <p:cNvPr id="187" name="473791.png" descr="473791.png"/>
           <p:cNvPicPr>
             <a:picLocks noChangeAspect="1"/>
           </p:cNvPicPr>
@@ -15568,7 +15604,7 @@
       </p:pic>
       <p:pic>
         <p:nvPicPr>
-          <p:cNvPr id="187" name="Unknown.png" descr="Unknown.png"/>
+          <p:cNvPr id="188" name="Unknown.png" descr="Unknown.png"/>
           <p:cNvPicPr>
             <a:picLocks noChangeAspect="1"/>
           </p:cNvPicPr>
@@ -15584,8 +15620,8 @@
         </p:blipFill>
         <p:spPr>
           <a:xfrm>
-            <a:off x="8506663" y="3779330"/>
-            <a:ext cx="304207" cy="304207"/>
+            <a:off x="8506663" y="3690430"/>
+            <a:ext cx="391051" cy="391051"/>
           </a:xfrm>
           <a:prstGeom prst="rect">
             <a:avLst/>
@@ -15597,7 +15633,7 @@
       </p:pic>
       <p:pic>
         <p:nvPicPr>
-          <p:cNvPr id="188" name="3621249.png" descr="3621249.png"/>
+          <p:cNvPr id="189" name="3621249.png" descr="3621249.png"/>
           <p:cNvPicPr>
             <a:picLocks noChangeAspect="1"/>
           </p:cNvPicPr>
@@ -15626,7 +15662,7 @@
       </p:pic>
       <p:pic>
         <p:nvPicPr>
-          <p:cNvPr id="189" name="1654914-200.png" descr="1654914-200.png"/>
+          <p:cNvPr id="190" name="1654914-200.png" descr="1654914-200.png"/>
           <p:cNvPicPr>
             <a:picLocks noChangeAspect="1"/>
           </p:cNvPicPr>
@@ -15655,7 +15691,7 @@
       </p:pic>
       <p:pic>
         <p:nvPicPr>
-          <p:cNvPr id="190" name="102642.png" descr="102642.png"/>
+          <p:cNvPr id="191" name="102642.png" descr="102642.png"/>
           <p:cNvPicPr>
             <a:picLocks noChangeAspect="1"/>
           </p:cNvPicPr>
@@ -15684,7 +15720,7 @@
       </p:pic>
       <p:pic>
         <p:nvPicPr>
-          <p:cNvPr id="191" name="Screenshot 2024-03-22 at 13.21.46.png" descr="Screenshot 2024-03-22 at 13.21.46.png"/>
+          <p:cNvPr id="192" name="Screenshot 2024-03-22 at 13.21.46.png" descr="Screenshot 2024-03-22 at 13.21.46.png"/>
           <p:cNvPicPr>
             <a:picLocks noChangeAspect="1"/>
           </p:cNvPicPr>
@@ -15713,7 +15749,7 @@
       </p:pic>
       <p:sp>
         <p:nvSpPr>
-          <p:cNvPr id="192" name="Circle"/>
+          <p:cNvPr id="193" name="Circle"/>
           <p:cNvSpPr/>
           <p:nvPr/>
         </p:nvSpPr>
@@ -15744,7 +15780,7 @@
       </p:sp>
       <p:sp>
         <p:nvSpPr>
-          <p:cNvPr id="193" name="A"/>
+          <p:cNvPr id="194" name="A"/>
           <p:cNvSpPr txBox="1"/>
           <p:nvPr/>
         </p:nvSpPr>
@@ -15782,7 +15818,7 @@
       </p:sp>
       <p:sp>
         <p:nvSpPr>
-          <p:cNvPr id="194" name="Circle"/>
+          <p:cNvPr id="195" name="Circle"/>
           <p:cNvSpPr/>
           <p:nvPr/>
         </p:nvSpPr>
@@ -15813,7 +15849,7 @@
       </p:sp>
       <p:sp>
         <p:nvSpPr>
-          <p:cNvPr id="195" name="C"/>
+          <p:cNvPr id="196" name="C"/>
           <p:cNvSpPr txBox="1"/>
           <p:nvPr/>
         </p:nvSpPr>
@@ -15851,7 +15887,7 @@
       </p:sp>
       <p:sp>
         <p:nvSpPr>
-          <p:cNvPr id="196" name="Circle"/>
+          <p:cNvPr id="197" name="Circle"/>
           <p:cNvSpPr/>
           <p:nvPr/>
         </p:nvSpPr>
@@ -15882,7 +15918,7 @@
       </p:sp>
       <p:sp>
         <p:nvSpPr>
-          <p:cNvPr id="197" name="B"/>
+          <p:cNvPr id="198" name="B"/>
           <p:cNvSpPr txBox="1"/>
           <p:nvPr/>
         </p:nvSpPr>
@@ -15957,7 +15993,7 @@
       </p:grpSpPr>
       <p:pic>
         <p:nvPicPr>
-          <p:cNvPr id="199" name="239207.png" descr="239207.png"/>
+          <p:cNvPr id="200" name="239207.png" descr="239207.png"/>
           <p:cNvPicPr>
             <a:picLocks noChangeAspect="1"/>
           </p:cNvPicPr>
@@ -15986,7 +16022,7 @@
       </p:pic>
       <p:pic>
         <p:nvPicPr>
-          <p:cNvPr id="200" name="Image" descr="Image"/>
+          <p:cNvPr id="201" name="519151.png" descr="519151.png"/>
           <p:cNvPicPr>
             <a:picLocks noChangeAspect="1"/>
           </p:cNvPicPr>
@@ -16002,8 +16038,8 @@
         </p:blipFill>
         <p:spPr>
           <a:xfrm>
-            <a:off x="6962051" y="4214281"/>
-            <a:ext cx="956817" cy="956818"/>
+            <a:off x="5349169" y="4271550"/>
+            <a:ext cx="842281" cy="842281"/>
           </a:xfrm>
           <a:prstGeom prst="rect">
             <a:avLst/>
@@ -16015,7 +16051,7 @@
       </p:pic>
       <p:pic>
         <p:nvPicPr>
-          <p:cNvPr id="201" name="519151.png" descr="519151.png"/>
+          <p:cNvPr id="202" name="binary-tree-flat-icon-image-vector-40350078.jpg" descr="binary-tree-flat-icon-image-vector-40350078.jpg"/>
           <p:cNvPicPr>
             <a:picLocks noChangeAspect="1"/>
           </p:cNvPicPr>
@@ -16031,8 +16067,8 @@
         </p:blipFill>
         <p:spPr>
           <a:xfrm>
-            <a:off x="5349169" y="4271550"/>
-            <a:ext cx="842281" cy="842281"/>
+            <a:off x="8623375" y="4271550"/>
+            <a:ext cx="1031222" cy="700558"/>
           </a:xfrm>
           <a:prstGeom prst="rect">
             <a:avLst/>
@@ -16044,7 +16080,7 @@
       </p:pic>
       <p:pic>
         <p:nvPicPr>
-          <p:cNvPr id="202" name="binary-tree-flat-icon-image-vector-40350078.jpg" descr="binary-tree-flat-icon-image-vector-40350078.jpg"/>
+          <p:cNvPr id="203" name="5968282.png" descr="5968282.png"/>
           <p:cNvPicPr>
             <a:picLocks noChangeAspect="1"/>
           </p:cNvPicPr>
@@ -16060,8 +16096,8 @@
         </p:blipFill>
         <p:spPr>
           <a:xfrm>
-            <a:off x="8623375" y="4271550"/>
-            <a:ext cx="1031222" cy="700558"/>
+            <a:off x="3957609" y="4236298"/>
+            <a:ext cx="737293" cy="737293"/>
           </a:xfrm>
           <a:prstGeom prst="rect">
             <a:avLst/>
@@ -16073,7 +16109,7 @@
       </p:pic>
       <p:pic>
         <p:nvPicPr>
-          <p:cNvPr id="203" name="5968282.png" descr="5968282.png"/>
+          <p:cNvPr id="204" name="136525.png" descr="136525.png"/>
           <p:cNvPicPr>
             <a:picLocks noChangeAspect="1"/>
           </p:cNvPicPr>
@@ -16089,8 +16125,8 @@
         </p:blipFill>
         <p:spPr>
           <a:xfrm>
-            <a:off x="3957609" y="4236298"/>
-            <a:ext cx="737293" cy="737293"/>
+            <a:off x="9626952" y="4781554"/>
+            <a:ext cx="241293" cy="241292"/>
           </a:xfrm>
           <a:prstGeom prst="rect">
             <a:avLst/>
@@ -16102,7 +16138,640 @@
       </p:pic>
       <p:pic>
         <p:nvPicPr>
-          <p:cNvPr id="204" name="136525.png" descr="136525.png"/>
+          <p:cNvPr id="205" name="136525.png" descr="136525.png"/>
+          <p:cNvPicPr>
+            <a:picLocks noChangeAspect="1"/>
+          </p:cNvPicPr>
+          <p:nvPr/>
+        </p:nvPicPr>
+        <p:blipFill>
+          <a:blip r:embed="rId6">
+            <a:extLst/>
+          </a:blip>
+          <a:stretch>
+            <a:fillRect/>
+          </a:stretch>
+        </p:blipFill>
+        <p:spPr>
+          <a:xfrm>
+            <a:off x="6156653" y="4856104"/>
+            <a:ext cx="241293" cy="241292"/>
+          </a:xfrm>
+          <a:prstGeom prst="rect">
+            <a:avLst/>
+          </a:prstGeom>
+          <a:ln w="12700">
+            <a:miter lim="400000"/>
+          </a:ln>
+        </p:spPr>
+      </p:pic>
+      <p:sp>
+        <p:nvSpPr>
+          <p:cNvPr id="206" name="Line"/>
+          <p:cNvSpPr/>
+          <p:nvPr/>
+        </p:nvSpPr>
+        <p:spPr>
+          <a:xfrm>
+            <a:off x="3341858" y="4718891"/>
+            <a:ext cx="640877" cy="1"/>
+          </a:xfrm>
+          <a:prstGeom prst="line">
+            <a:avLst/>
+          </a:prstGeom>
+          <a:ln w="25400">
+            <a:solidFill>
+              <a:srgbClr val="000000"/>
+            </a:solidFill>
+            <a:tailEnd type="triangle"/>
+          </a:ln>
+        </p:spPr>
+        <p:txBody>
+          <a:bodyPr lIns="45718" tIns="45718" rIns="45718" bIns="45718"/>
+          <a:lstStyle/>
+          <a:p>
+            <a:pPr/>
+          </a:p>
+        </p:txBody>
+      </p:sp>
+      <p:sp>
+        <p:nvSpPr>
+          <p:cNvPr id="207" name="Line"/>
+          <p:cNvSpPr/>
+          <p:nvPr/>
+        </p:nvSpPr>
+        <p:spPr>
+          <a:xfrm flipH="1">
+            <a:off x="4488547" y="5790105"/>
+            <a:ext cx="889139" cy="1"/>
+          </a:xfrm>
+          <a:prstGeom prst="line">
+            <a:avLst/>
+          </a:prstGeom>
+          <a:ln w="25400">
+            <a:solidFill>
+              <a:srgbClr val="000000"/>
+            </a:solidFill>
+            <a:tailEnd type="triangle"/>
+          </a:ln>
+        </p:spPr>
+        <p:txBody>
+          <a:bodyPr lIns="45718" tIns="45718" rIns="45718" bIns="45718"/>
+          <a:lstStyle/>
+          <a:p>
+            <a:pPr/>
+          </a:p>
+        </p:txBody>
+      </p:sp>
+      <p:sp>
+        <p:nvSpPr>
+          <p:cNvPr id="208" name="Java…"/>
+          <p:cNvSpPr txBox="1"/>
+          <p:nvPr/>
+        </p:nvSpPr>
+        <p:spPr>
+          <a:xfrm>
+            <a:off x="1903249" y="3810000"/>
+            <a:ext cx="2255562" cy="310436"/>
+          </a:xfrm>
+          <a:prstGeom prst="rect">
+            <a:avLst/>
+          </a:prstGeom>
+          <a:ln w="12700">
+            <a:miter lim="400000"/>
+          </a:ln>
+          <a:extLst>
+            <a:ext uri="{C572A759-6A51-4108-AA02-DFA0A04FC94B}">
+              <ma14:wrappingTextBoxFlag xmlns:ma14="http://schemas.microsoft.com/office/mac/drawingml/2011/main" val="1"/>
+            </a:ext>
+          </a:extLst>
+        </p:spPr>
+        <p:txBody>
+          <a:bodyPr lIns="45718" tIns="45718" rIns="45718" bIns="45718" anchor="b">
+            <a:normAutofit fontScale="100000" lnSpcReduction="0"/>
+          </a:bodyPr>
+          <a:lstStyle>
+            <a:lvl1pPr defTabSz="448055">
+              <a:defRPr sz="1372"/>
+            </a:lvl1pPr>
+          </a:lstStyle>
+          <a:p>
+            <a:pPr/>
+            <a:r>
+              <a:t>Generating Real Network Data</a:t>
+            </a:r>
+          </a:p>
+        </p:txBody>
+      </p:sp>
+      <p:sp>
+        <p:nvSpPr>
+          <p:cNvPr id="209" name="Java…"/>
+          <p:cNvSpPr txBox="1"/>
+          <p:nvPr/>
+        </p:nvSpPr>
+        <p:spPr>
+          <a:xfrm>
+            <a:off x="4800998" y="3808276"/>
+            <a:ext cx="1938624" cy="310437"/>
+          </a:xfrm>
+          <a:prstGeom prst="rect">
+            <a:avLst/>
+          </a:prstGeom>
+          <a:ln w="12700">
+            <a:miter lim="400000"/>
+          </a:ln>
+          <a:extLst>
+            <a:ext uri="{C572A759-6A51-4108-AA02-DFA0A04FC94B}">
+              <ma14:wrappingTextBoxFlag xmlns:ma14="http://schemas.microsoft.com/office/mac/drawingml/2011/main" val="1"/>
+            </a:ext>
+          </a:extLst>
+        </p:spPr>
+        <p:txBody>
+          <a:bodyPr lIns="45718" tIns="45718" rIns="45718" bIns="45718" anchor="b">
+            <a:normAutofit fontScale="100000" lnSpcReduction="0"/>
+          </a:bodyPr>
+          <a:lstStyle>
+            <a:lvl1pPr>
+              <a:defRPr sz="1400"/>
+            </a:lvl1pPr>
+          </a:lstStyle>
+          <a:p>
+            <a:pPr/>
+            <a:r>
+              <a:t>Mesh Network Topology</a:t>
+            </a:r>
+          </a:p>
+        </p:txBody>
+      </p:sp>
+      <p:sp>
+        <p:nvSpPr>
+          <p:cNvPr id="210" name="Java…"/>
+          <p:cNvSpPr txBox="1"/>
+          <p:nvPr/>
+        </p:nvSpPr>
+        <p:spPr>
+          <a:xfrm>
+            <a:off x="3131434" y="5173648"/>
+            <a:ext cx="2389643" cy="310437"/>
+          </a:xfrm>
+          <a:prstGeom prst="rect">
+            <a:avLst/>
+          </a:prstGeom>
+          <a:ln w="12700">
+            <a:miter lim="400000"/>
+          </a:ln>
+          <a:extLst>
+            <a:ext uri="{C572A759-6A51-4108-AA02-DFA0A04FC94B}">
+              <ma14:wrappingTextBoxFlag xmlns:ma14="http://schemas.microsoft.com/office/mac/drawingml/2011/main" val="1"/>
+            </a:ext>
+          </a:extLst>
+        </p:spPr>
+        <p:txBody>
+          <a:bodyPr lIns="45718" tIns="45718" rIns="45718" bIns="45718" anchor="b">
+            <a:normAutofit fontScale="100000" lnSpcReduction="0"/>
+          </a:bodyPr>
+          <a:lstStyle>
+            <a:lvl1pPr>
+              <a:defRPr sz="1400"/>
+            </a:lvl1pPr>
+          </a:lstStyle>
+          <a:p>
+            <a:pPr/>
+            <a:r>
+              <a:t>Network Topology Generator</a:t>
+            </a:r>
+          </a:p>
+        </p:txBody>
+      </p:sp>
+      <p:sp>
+        <p:nvSpPr>
+          <p:cNvPr id="211" name="Java…"/>
+          <p:cNvSpPr txBox="1"/>
+          <p:nvPr/>
+        </p:nvSpPr>
+        <p:spPr>
+          <a:xfrm>
+            <a:off x="5430525" y="5634887"/>
+            <a:ext cx="1950174" cy="310437"/>
+          </a:xfrm>
+          <a:prstGeom prst="rect">
+            <a:avLst/>
+          </a:prstGeom>
+          <a:ln w="12700">
+            <a:miter lim="400000"/>
+          </a:ln>
+          <a:extLst>
+            <a:ext uri="{C572A759-6A51-4108-AA02-DFA0A04FC94B}">
+              <ma14:wrappingTextBoxFlag xmlns:ma14="http://schemas.microsoft.com/office/mac/drawingml/2011/main" val="1"/>
+            </a:ext>
+          </a:extLst>
+        </p:spPr>
+        <p:txBody>
+          <a:bodyPr lIns="45718" tIns="45718" rIns="45718" bIns="45718" anchor="b">
+            <a:normAutofit fontScale="100000" lnSpcReduction="0"/>
+          </a:bodyPr>
+          <a:lstStyle>
+            <a:lvl1pPr>
+              <a:defRPr sz="1400"/>
+            </a:lvl1pPr>
+          </a:lstStyle>
+          <a:p>
+            <a:pPr/>
+            <a:r>
+              <a:t>Data Flow between Steps</a:t>
+            </a:r>
+          </a:p>
+        </p:txBody>
+      </p:sp>
+      <p:sp>
+        <p:nvSpPr>
+          <p:cNvPr id="212" name="Java…"/>
+          <p:cNvSpPr txBox="1"/>
+          <p:nvPr/>
+        </p:nvSpPr>
+        <p:spPr>
+          <a:xfrm>
+            <a:off x="6245638" y="5173648"/>
+            <a:ext cx="2389643" cy="310437"/>
+          </a:xfrm>
+          <a:prstGeom prst="rect">
+            <a:avLst/>
+          </a:prstGeom>
+          <a:ln w="12700">
+            <a:miter lim="400000"/>
+          </a:ln>
+          <a:extLst>
+            <a:ext uri="{C572A759-6A51-4108-AA02-DFA0A04FC94B}">
+              <ma14:wrappingTextBoxFlag xmlns:ma14="http://schemas.microsoft.com/office/mac/drawingml/2011/main" val="1"/>
+            </a:ext>
+          </a:extLst>
+        </p:spPr>
+        <p:txBody>
+          <a:bodyPr lIns="45718" tIns="45718" rIns="45718" bIns="45718" anchor="b">
+            <a:normAutofit fontScale="100000" lnSpcReduction="0"/>
+          </a:bodyPr>
+          <a:lstStyle>
+            <a:lvl1pPr>
+              <a:defRPr sz="1400"/>
+            </a:lvl1pPr>
+          </a:lstStyle>
+          <a:p>
+            <a:pPr/>
+            <a:r>
+              <a:t>Integrating the P2P Algorithm</a:t>
+            </a:r>
+          </a:p>
+        </p:txBody>
+      </p:sp>
+      <p:sp>
+        <p:nvSpPr>
+          <p:cNvPr id="213" name="Java…"/>
+          <p:cNvSpPr txBox="1"/>
+          <p:nvPr/>
+        </p:nvSpPr>
+        <p:spPr>
+          <a:xfrm>
+            <a:off x="8209137" y="3808276"/>
+            <a:ext cx="2389643" cy="310437"/>
+          </a:xfrm>
+          <a:prstGeom prst="rect">
+            <a:avLst/>
+          </a:prstGeom>
+          <a:ln w="12700">
+            <a:miter lim="400000"/>
+          </a:ln>
+          <a:extLst>
+            <a:ext uri="{C572A759-6A51-4108-AA02-DFA0A04FC94B}">
+              <ma14:wrappingTextBoxFlag xmlns:ma14="http://schemas.microsoft.com/office/mac/drawingml/2011/main" val="1"/>
+            </a:ext>
+          </a:extLst>
+        </p:spPr>
+        <p:txBody>
+          <a:bodyPr lIns="45718" tIns="45718" rIns="45718" bIns="45718" anchor="b">
+            <a:normAutofit fontScale="100000" lnSpcReduction="0"/>
+          </a:bodyPr>
+          <a:lstStyle>
+            <a:lvl1pPr>
+              <a:defRPr sz="1400"/>
+            </a:lvl1pPr>
+          </a:lstStyle>
+          <a:p>
+            <a:pPr/>
+            <a:r>
+              <a:t>Optimized Network Topology</a:t>
+            </a:r>
+          </a:p>
+        </p:txBody>
+      </p:sp>
+      <p:sp>
+        <p:nvSpPr>
+          <p:cNvPr id="214" name="Line"/>
+          <p:cNvSpPr/>
+          <p:nvPr/>
+        </p:nvSpPr>
+        <p:spPr>
+          <a:xfrm flipV="1">
+            <a:off x="4719100" y="4724399"/>
+            <a:ext cx="640877" cy="2"/>
+          </a:xfrm>
+          <a:prstGeom prst="line">
+            <a:avLst/>
+          </a:prstGeom>
+          <a:ln w="25400">
+            <a:solidFill>
+              <a:srgbClr val="000000"/>
+            </a:solidFill>
+            <a:tailEnd type="triangle"/>
+          </a:ln>
+        </p:spPr>
+        <p:txBody>
+          <a:bodyPr lIns="45718" tIns="45718" rIns="45718" bIns="45718"/>
+          <a:lstStyle/>
+          <a:p>
+            <a:pPr/>
+          </a:p>
+        </p:txBody>
+      </p:sp>
+      <p:sp>
+        <p:nvSpPr>
+          <p:cNvPr id="215" name="Line"/>
+          <p:cNvSpPr/>
+          <p:nvPr/>
+        </p:nvSpPr>
+        <p:spPr>
+          <a:xfrm flipV="1">
+            <a:off x="6338700" y="4718891"/>
+            <a:ext cx="640877" cy="1"/>
+          </a:xfrm>
+          <a:prstGeom prst="line">
+            <a:avLst/>
+          </a:prstGeom>
+          <a:ln w="25400">
+            <a:solidFill>
+              <a:srgbClr val="000000"/>
+            </a:solidFill>
+            <a:tailEnd type="triangle"/>
+          </a:ln>
+        </p:spPr>
+        <p:txBody>
+          <a:bodyPr lIns="45718" tIns="45718" rIns="45718" bIns="45718"/>
+          <a:lstStyle/>
+          <a:p>
+            <a:pPr/>
+          </a:p>
+        </p:txBody>
+      </p:sp>
+      <p:sp>
+        <p:nvSpPr>
+          <p:cNvPr id="216" name="Line"/>
+          <p:cNvSpPr/>
+          <p:nvPr/>
+        </p:nvSpPr>
+        <p:spPr>
+          <a:xfrm flipV="1">
+            <a:off x="7967487" y="4683530"/>
+            <a:ext cx="640877" cy="1"/>
+          </a:xfrm>
+          <a:prstGeom prst="line">
+            <a:avLst/>
+          </a:prstGeom>
+          <a:ln w="25400">
+            <a:solidFill>
+              <a:srgbClr val="000000"/>
+            </a:solidFill>
+            <a:tailEnd type="triangle"/>
+          </a:ln>
+        </p:spPr>
+        <p:txBody>
+          <a:bodyPr lIns="45718" tIns="45718" rIns="45718" bIns="45718"/>
+          <a:lstStyle/>
+          <a:p>
+            <a:pPr/>
+          </a:p>
+        </p:txBody>
+      </p:sp>
+      <p:sp>
+        <p:nvSpPr>
+          <p:cNvPr id="217" name="Initial Steps (Not Repeated) of the Testbed"/>
+          <p:cNvSpPr txBox="1"/>
+          <p:nvPr>
+            <p:ph type="title"/>
+          </p:nvPr>
+        </p:nvSpPr>
+        <p:spPr>
+          <a:prstGeom prst="rect">
+            <a:avLst/>
+          </a:prstGeom>
+        </p:spPr>
+        <p:txBody>
+          <a:bodyPr/>
+          <a:lstStyle>
+            <a:lvl1pPr>
+              <a:defRPr spc="-100"/>
+            </a:lvl1pPr>
+          </a:lstStyle>
+          <a:p>
+            <a:pPr/>
+            <a:r>
+              <a:t>Initial Steps (Not Repeated) of the Testbed</a:t>
+            </a:r>
+          </a:p>
+        </p:txBody>
+      </p:sp>
+      <p:sp>
+        <p:nvSpPr>
+          <p:cNvPr id="218" name="Slide Number"/>
+          <p:cNvSpPr txBox="1"/>
+          <p:nvPr>
+            <p:ph type="sldNum" sz="quarter" idx="4294967295"/>
+          </p:nvPr>
+        </p:nvSpPr>
+        <p:spPr>
+          <a:xfrm>
+            <a:off x="11037540" y="6529495"/>
+            <a:ext cx="174944" cy="225706"/>
+          </a:xfrm>
+          <a:prstGeom prst="rect">
+            <a:avLst/>
+          </a:prstGeom>
+          <a:extLst>
+            <a:ext uri="{C572A759-6A51-4108-AA02-DFA0A04FC94B}">
+              <ma14:wrappingTextBoxFlag xmlns:ma14="http://schemas.microsoft.com/office/mac/drawingml/2011/main" val="1"/>
+            </a:ext>
+          </a:extLst>
+        </p:spPr>
+        <p:txBody>
+          <a:bodyPr/>
+          <a:lstStyle/>
+          <a:p>
+            <a:pPr/>
+            <a:fld id="{86CB4B4D-7CA3-9044-876B-883B54F8677D}" type="slidenum"/>
+          </a:p>
+        </p:txBody>
+      </p:sp>
+      <p:sp>
+        <p:nvSpPr>
+          <p:cNvPr id="219" name="Date Placeholder 3"/>
+          <p:cNvSpPr txBox="1"/>
+          <p:nvPr/>
+        </p:nvSpPr>
+        <p:spPr>
+          <a:xfrm>
+            <a:off x="1143000" y="6529495"/>
+            <a:ext cx="2380833" cy="225706"/>
+          </a:xfrm>
+          <a:prstGeom prst="rect">
+            <a:avLst/>
+          </a:prstGeom>
+          <a:ln w="12700">
+            <a:miter lim="400000"/>
+          </a:ln>
+          <a:extLst>
+            <a:ext uri="{C572A759-6A51-4108-AA02-DFA0A04FC94B}">
+              <ma14:wrappingTextBoxFlag xmlns:ma14="http://schemas.microsoft.com/office/mac/drawingml/2011/main" val="1"/>
+            </a:ext>
+          </a:extLst>
+        </p:spPr>
+        <p:txBody>
+          <a:bodyPr lIns="45718" tIns="45718" rIns="45718" bIns="45718" anchor="ctr">
+            <a:spAutoFit/>
+          </a:bodyPr>
+          <a:lstStyle>
+            <a:lvl1pPr>
+              <a:defRPr sz="1100">
+                <a:solidFill>
+                  <a:srgbClr val="FFFFFF"/>
+                </a:solidFill>
+              </a:defRPr>
+            </a:lvl1pPr>
+          </a:lstStyle>
+          <a:p>
+            <a:pPr/>
+            <a:r>
+              <a:t>25.03.2024</a:t>
+            </a:r>
+          </a:p>
+        </p:txBody>
+      </p:sp>
+      <p:sp>
+        <p:nvSpPr>
+          <p:cNvPr id="220" name="Generating real network data using normal distribution…"/>
+          <p:cNvSpPr txBox="1"/>
+          <p:nvPr>
+            <p:ph type="body" sz="half" idx="1"/>
+          </p:nvPr>
+        </p:nvSpPr>
+        <p:spPr>
+          <a:xfrm>
+            <a:off x="1097280" y="1358900"/>
+            <a:ext cx="10058401" cy="2297335"/>
+          </a:xfrm>
+          <a:prstGeom prst="rect">
+            <a:avLst/>
+          </a:prstGeom>
+        </p:spPr>
+        <p:txBody>
+          <a:bodyPr/>
+          <a:lstStyle/>
+          <a:p>
+            <a:pPr marL="200526" indent="-200526">
+              <a:buClrTx/>
+              <a:buFontTx/>
+              <a:buChar char="•"/>
+            </a:pPr>
+            <a:r>
+              <a:t>Generating real network data using normal distribution</a:t>
+            </a:r>
+          </a:p>
+          <a:p>
+            <a:pPr marL="200526" indent="-200526">
+              <a:buClrTx/>
+              <a:buFontTx/>
+              <a:buChar char="•"/>
+            </a:pPr>
+            <a:r>
+              <a:t>Creating mesh network topology by the testbed</a:t>
+            </a:r>
+          </a:p>
+          <a:p>
+            <a:pPr lvl="1" marL="581526" indent="-200526">
+              <a:buClrTx/>
+              <a:buFontTx/>
+              <a:buChar char="•"/>
+            </a:pPr>
+            <a:r>
+              <a:t>Integrating the P2P algorithm</a:t>
+            </a:r>
+          </a:p>
+          <a:p>
+            <a:pPr lvl="1" marL="581526" indent="-200526">
+              <a:buClrTx/>
+              <a:buFontTx/>
+              <a:buChar char="•"/>
+            </a:pPr>
+            <a:r>
+              <a:t>Implementing the traditional server-client based approach</a:t>
+            </a:r>
+          </a:p>
+          <a:p>
+            <a:pPr marL="200526" indent="-200526">
+              <a:buClrTx/>
+              <a:buFontTx/>
+              <a:buChar char="•"/>
+            </a:pPr>
+            <a:r>
+              <a:t>Calculating optimized network topology by the P2P algorithm</a:t>
+            </a:r>
+          </a:p>
+        </p:txBody>
+      </p:sp>
+      <p:sp>
+        <p:nvSpPr>
+          <p:cNvPr id="221" name="Date Placeholder 3"/>
+          <p:cNvSpPr txBox="1"/>
+          <p:nvPr/>
+        </p:nvSpPr>
+        <p:spPr>
+          <a:xfrm>
+            <a:off x="4615589" y="6529495"/>
+            <a:ext cx="3122846" cy="225706"/>
+          </a:xfrm>
+          <a:prstGeom prst="rect">
+            <a:avLst/>
+          </a:prstGeom>
+          <a:ln w="12700">
+            <a:miter lim="400000"/>
+          </a:ln>
+          <a:extLst>
+            <a:ext uri="{C572A759-6A51-4108-AA02-DFA0A04FC94B}">
+              <ma14:wrappingTextBoxFlag xmlns:ma14="http://schemas.microsoft.com/office/mac/drawingml/2011/main" val="1"/>
+            </a:ext>
+          </a:extLst>
+        </p:spPr>
+        <p:txBody>
+          <a:bodyPr lIns="45718" tIns="45718" rIns="45718" bIns="45718" anchor="ctr">
+            <a:spAutoFit/>
+          </a:bodyPr>
+          <a:lstStyle>
+            <a:lvl1pPr algn="ctr">
+              <a:defRPr b="1" sz="1100" u="sng">
+                <a:solidFill>
+                  <a:srgbClr val="FFFFFF"/>
+                </a:solidFill>
+              </a:defRPr>
+            </a:lvl1pPr>
+          </a:lstStyle>
+          <a:p>
+            <a:pPr/>
+            <a:r>
+              <a:t>INITIAL STEPS (NOT REPEATED) OF THE TESTBED</a:t>
+            </a:r>
+          </a:p>
+        </p:txBody>
+      </p:sp>
+      <p:pic>
+        <p:nvPicPr>
+          <p:cNvPr id="222" name="images.png" descr="images.png"/>
           <p:cNvPicPr>
             <a:picLocks noChangeAspect="1"/>
           </p:cNvPicPr>
@@ -16118,8 +16787,8 @@
         </p:blipFill>
         <p:spPr>
           <a:xfrm>
-            <a:off x="9626952" y="4781554"/>
-            <a:ext cx="241293" cy="241292"/>
+            <a:off x="6974751" y="4168634"/>
+            <a:ext cx="956817" cy="956817"/>
           </a:xfrm>
           <a:prstGeom prst="rect">
             <a:avLst/>
@@ -16129,639 +16798,6 @@
           </a:ln>
         </p:spPr>
       </p:pic>
-      <p:pic>
-        <p:nvPicPr>
-          <p:cNvPr id="205" name="136525.png" descr="136525.png"/>
-          <p:cNvPicPr>
-            <a:picLocks noChangeAspect="1"/>
-          </p:cNvPicPr>
-          <p:nvPr/>
-        </p:nvPicPr>
-        <p:blipFill>
-          <a:blip r:embed="rId7">
-            <a:extLst/>
-          </a:blip>
-          <a:stretch>
-            <a:fillRect/>
-          </a:stretch>
-        </p:blipFill>
-        <p:spPr>
-          <a:xfrm>
-            <a:off x="6156653" y="4856104"/>
-            <a:ext cx="241293" cy="241292"/>
-          </a:xfrm>
-          <a:prstGeom prst="rect">
-            <a:avLst/>
-          </a:prstGeom>
-          <a:ln w="12700">
-            <a:miter lim="400000"/>
-          </a:ln>
-        </p:spPr>
-      </p:pic>
-      <p:sp>
-        <p:nvSpPr>
-          <p:cNvPr id="206" name="Line"/>
-          <p:cNvSpPr/>
-          <p:nvPr/>
-        </p:nvSpPr>
-        <p:spPr>
-          <a:xfrm>
-            <a:off x="3341858" y="4718891"/>
-            <a:ext cx="640877" cy="1"/>
-          </a:xfrm>
-          <a:prstGeom prst="line">
-            <a:avLst/>
-          </a:prstGeom>
-          <a:ln w="25400">
-            <a:solidFill>
-              <a:srgbClr val="000000"/>
-            </a:solidFill>
-            <a:tailEnd type="triangle"/>
-          </a:ln>
-        </p:spPr>
-        <p:txBody>
-          <a:bodyPr lIns="45718" tIns="45718" rIns="45718" bIns="45718"/>
-          <a:lstStyle/>
-          <a:p>
-            <a:pPr/>
-          </a:p>
-        </p:txBody>
-      </p:sp>
-      <p:sp>
-        <p:nvSpPr>
-          <p:cNvPr id="207" name="Line"/>
-          <p:cNvSpPr/>
-          <p:nvPr/>
-        </p:nvSpPr>
-        <p:spPr>
-          <a:xfrm flipH="1">
-            <a:off x="4488547" y="5790105"/>
-            <a:ext cx="889139" cy="1"/>
-          </a:xfrm>
-          <a:prstGeom prst="line">
-            <a:avLst/>
-          </a:prstGeom>
-          <a:ln w="25400">
-            <a:solidFill>
-              <a:srgbClr val="000000"/>
-            </a:solidFill>
-            <a:tailEnd type="triangle"/>
-          </a:ln>
-        </p:spPr>
-        <p:txBody>
-          <a:bodyPr lIns="45718" tIns="45718" rIns="45718" bIns="45718"/>
-          <a:lstStyle/>
-          <a:p>
-            <a:pPr/>
-          </a:p>
-        </p:txBody>
-      </p:sp>
-      <p:sp>
-        <p:nvSpPr>
-          <p:cNvPr id="208" name="Java…"/>
-          <p:cNvSpPr txBox="1"/>
-          <p:nvPr/>
-        </p:nvSpPr>
-        <p:spPr>
-          <a:xfrm>
-            <a:off x="1903249" y="3810000"/>
-            <a:ext cx="2255562" cy="310436"/>
-          </a:xfrm>
-          <a:prstGeom prst="rect">
-            <a:avLst/>
-          </a:prstGeom>
-          <a:ln w="12700">
-            <a:miter lim="400000"/>
-          </a:ln>
-          <a:extLst>
-            <a:ext uri="{C572A759-6A51-4108-AA02-DFA0A04FC94B}">
-              <ma14:wrappingTextBoxFlag xmlns:ma14="http://schemas.microsoft.com/office/mac/drawingml/2011/main" val="1"/>
-            </a:ext>
-          </a:extLst>
-        </p:spPr>
-        <p:txBody>
-          <a:bodyPr lIns="45718" tIns="45718" rIns="45718" bIns="45718" anchor="b">
-            <a:normAutofit fontScale="100000" lnSpcReduction="0"/>
-          </a:bodyPr>
-          <a:lstStyle>
-            <a:lvl1pPr defTabSz="448055">
-              <a:defRPr sz="1372"/>
-            </a:lvl1pPr>
-          </a:lstStyle>
-          <a:p>
-            <a:pPr/>
-            <a:r>
-              <a:t>Generating Real Network Data</a:t>
-            </a:r>
-          </a:p>
-        </p:txBody>
-      </p:sp>
-      <p:sp>
-        <p:nvSpPr>
-          <p:cNvPr id="209" name="Java…"/>
-          <p:cNvSpPr txBox="1"/>
-          <p:nvPr/>
-        </p:nvSpPr>
-        <p:spPr>
-          <a:xfrm>
-            <a:off x="4800998" y="3808276"/>
-            <a:ext cx="1938624" cy="310437"/>
-          </a:xfrm>
-          <a:prstGeom prst="rect">
-            <a:avLst/>
-          </a:prstGeom>
-          <a:ln w="12700">
-            <a:miter lim="400000"/>
-          </a:ln>
-          <a:extLst>
-            <a:ext uri="{C572A759-6A51-4108-AA02-DFA0A04FC94B}">
-              <ma14:wrappingTextBoxFlag xmlns:ma14="http://schemas.microsoft.com/office/mac/drawingml/2011/main" val="1"/>
-            </a:ext>
-          </a:extLst>
-        </p:spPr>
-        <p:txBody>
-          <a:bodyPr lIns="45718" tIns="45718" rIns="45718" bIns="45718" anchor="b">
-            <a:normAutofit fontScale="100000" lnSpcReduction="0"/>
-          </a:bodyPr>
-          <a:lstStyle>
-            <a:lvl1pPr>
-              <a:defRPr sz="1400"/>
-            </a:lvl1pPr>
-          </a:lstStyle>
-          <a:p>
-            <a:pPr/>
-            <a:r>
-              <a:t>Mesh Network Topology</a:t>
-            </a:r>
-          </a:p>
-        </p:txBody>
-      </p:sp>
-      <p:sp>
-        <p:nvSpPr>
-          <p:cNvPr id="210" name="Java…"/>
-          <p:cNvSpPr txBox="1"/>
-          <p:nvPr/>
-        </p:nvSpPr>
-        <p:spPr>
-          <a:xfrm>
-            <a:off x="3131434" y="5173648"/>
-            <a:ext cx="2389643" cy="310437"/>
-          </a:xfrm>
-          <a:prstGeom prst="rect">
-            <a:avLst/>
-          </a:prstGeom>
-          <a:ln w="12700">
-            <a:miter lim="400000"/>
-          </a:ln>
-          <a:extLst>
-            <a:ext uri="{C572A759-6A51-4108-AA02-DFA0A04FC94B}">
-              <ma14:wrappingTextBoxFlag xmlns:ma14="http://schemas.microsoft.com/office/mac/drawingml/2011/main" val="1"/>
-            </a:ext>
-          </a:extLst>
-        </p:spPr>
-        <p:txBody>
-          <a:bodyPr lIns="45718" tIns="45718" rIns="45718" bIns="45718" anchor="b">
-            <a:normAutofit fontScale="100000" lnSpcReduction="0"/>
-          </a:bodyPr>
-          <a:lstStyle>
-            <a:lvl1pPr>
-              <a:defRPr sz="1400"/>
-            </a:lvl1pPr>
-          </a:lstStyle>
-          <a:p>
-            <a:pPr/>
-            <a:r>
-              <a:t>Network Topology Generator</a:t>
-            </a:r>
-          </a:p>
-        </p:txBody>
-      </p:sp>
-      <p:sp>
-        <p:nvSpPr>
-          <p:cNvPr id="211" name="Java…"/>
-          <p:cNvSpPr txBox="1"/>
-          <p:nvPr/>
-        </p:nvSpPr>
-        <p:spPr>
-          <a:xfrm>
-            <a:off x="5430525" y="5634887"/>
-            <a:ext cx="1950174" cy="310437"/>
-          </a:xfrm>
-          <a:prstGeom prst="rect">
-            <a:avLst/>
-          </a:prstGeom>
-          <a:ln w="12700">
-            <a:miter lim="400000"/>
-          </a:ln>
-          <a:extLst>
-            <a:ext uri="{C572A759-6A51-4108-AA02-DFA0A04FC94B}">
-              <ma14:wrappingTextBoxFlag xmlns:ma14="http://schemas.microsoft.com/office/mac/drawingml/2011/main" val="1"/>
-            </a:ext>
-          </a:extLst>
-        </p:spPr>
-        <p:txBody>
-          <a:bodyPr lIns="45718" tIns="45718" rIns="45718" bIns="45718" anchor="b">
-            <a:normAutofit fontScale="100000" lnSpcReduction="0"/>
-          </a:bodyPr>
-          <a:lstStyle>
-            <a:lvl1pPr>
-              <a:defRPr sz="1400"/>
-            </a:lvl1pPr>
-          </a:lstStyle>
-          <a:p>
-            <a:pPr/>
-            <a:r>
-              <a:t>Data Flow between Steps</a:t>
-            </a:r>
-          </a:p>
-        </p:txBody>
-      </p:sp>
-      <p:sp>
-        <p:nvSpPr>
-          <p:cNvPr id="212" name="Java…"/>
-          <p:cNvSpPr txBox="1"/>
-          <p:nvPr/>
-        </p:nvSpPr>
-        <p:spPr>
-          <a:xfrm>
-            <a:off x="6245638" y="5173648"/>
-            <a:ext cx="2389643" cy="310437"/>
-          </a:xfrm>
-          <a:prstGeom prst="rect">
-            <a:avLst/>
-          </a:prstGeom>
-          <a:ln w="12700">
-            <a:miter lim="400000"/>
-          </a:ln>
-          <a:extLst>
-            <a:ext uri="{C572A759-6A51-4108-AA02-DFA0A04FC94B}">
-              <ma14:wrappingTextBoxFlag xmlns:ma14="http://schemas.microsoft.com/office/mac/drawingml/2011/main" val="1"/>
-            </a:ext>
-          </a:extLst>
-        </p:spPr>
-        <p:txBody>
-          <a:bodyPr lIns="45718" tIns="45718" rIns="45718" bIns="45718" anchor="b">
-            <a:normAutofit fontScale="100000" lnSpcReduction="0"/>
-          </a:bodyPr>
-          <a:lstStyle>
-            <a:lvl1pPr>
-              <a:defRPr sz="1400"/>
-            </a:lvl1pPr>
-          </a:lstStyle>
-          <a:p>
-            <a:pPr/>
-            <a:r>
-              <a:t>Integrating the P2P Algorithm</a:t>
-            </a:r>
-          </a:p>
-        </p:txBody>
-      </p:sp>
-      <p:sp>
-        <p:nvSpPr>
-          <p:cNvPr id="213" name="Java…"/>
-          <p:cNvSpPr txBox="1"/>
-          <p:nvPr/>
-        </p:nvSpPr>
-        <p:spPr>
-          <a:xfrm>
-            <a:off x="8209137" y="3808276"/>
-            <a:ext cx="2389643" cy="310437"/>
-          </a:xfrm>
-          <a:prstGeom prst="rect">
-            <a:avLst/>
-          </a:prstGeom>
-          <a:ln w="12700">
-            <a:miter lim="400000"/>
-          </a:ln>
-          <a:extLst>
-            <a:ext uri="{C572A759-6A51-4108-AA02-DFA0A04FC94B}">
-              <ma14:wrappingTextBoxFlag xmlns:ma14="http://schemas.microsoft.com/office/mac/drawingml/2011/main" val="1"/>
-            </a:ext>
-          </a:extLst>
-        </p:spPr>
-        <p:txBody>
-          <a:bodyPr lIns="45718" tIns="45718" rIns="45718" bIns="45718" anchor="b">
-            <a:normAutofit fontScale="100000" lnSpcReduction="0"/>
-          </a:bodyPr>
-          <a:lstStyle>
-            <a:lvl1pPr>
-              <a:defRPr sz="1400"/>
-            </a:lvl1pPr>
-          </a:lstStyle>
-          <a:p>
-            <a:pPr/>
-            <a:r>
-              <a:t>Optimized Network Topology</a:t>
-            </a:r>
-          </a:p>
-        </p:txBody>
-      </p:sp>
-      <p:sp>
-        <p:nvSpPr>
-          <p:cNvPr id="214" name="Line"/>
-          <p:cNvSpPr/>
-          <p:nvPr/>
-        </p:nvSpPr>
-        <p:spPr>
-          <a:xfrm flipV="1">
-            <a:off x="4719100" y="4724399"/>
-            <a:ext cx="640877" cy="2"/>
-          </a:xfrm>
-          <a:prstGeom prst="line">
-            <a:avLst/>
-          </a:prstGeom>
-          <a:ln w="25400">
-            <a:solidFill>
-              <a:srgbClr val="000000"/>
-            </a:solidFill>
-            <a:tailEnd type="triangle"/>
-          </a:ln>
-        </p:spPr>
-        <p:txBody>
-          <a:bodyPr lIns="45718" tIns="45718" rIns="45718" bIns="45718"/>
-          <a:lstStyle/>
-          <a:p>
-            <a:pPr/>
-          </a:p>
-        </p:txBody>
-      </p:sp>
-      <p:sp>
-        <p:nvSpPr>
-          <p:cNvPr id="215" name="Line"/>
-          <p:cNvSpPr/>
-          <p:nvPr/>
-        </p:nvSpPr>
-        <p:spPr>
-          <a:xfrm flipV="1">
-            <a:off x="6338700" y="4718891"/>
-            <a:ext cx="640877" cy="1"/>
-          </a:xfrm>
-          <a:prstGeom prst="line">
-            <a:avLst/>
-          </a:prstGeom>
-          <a:ln w="25400">
-            <a:solidFill>
-              <a:srgbClr val="000000"/>
-            </a:solidFill>
-            <a:tailEnd type="triangle"/>
-          </a:ln>
-        </p:spPr>
-        <p:txBody>
-          <a:bodyPr lIns="45718" tIns="45718" rIns="45718" bIns="45718"/>
-          <a:lstStyle/>
-          <a:p>
-            <a:pPr/>
-          </a:p>
-        </p:txBody>
-      </p:sp>
-      <p:sp>
-        <p:nvSpPr>
-          <p:cNvPr id="216" name="Line"/>
-          <p:cNvSpPr/>
-          <p:nvPr/>
-        </p:nvSpPr>
-        <p:spPr>
-          <a:xfrm flipV="1">
-            <a:off x="7967487" y="4683530"/>
-            <a:ext cx="640877" cy="1"/>
-          </a:xfrm>
-          <a:prstGeom prst="line">
-            <a:avLst/>
-          </a:prstGeom>
-          <a:ln w="25400">
-            <a:solidFill>
-              <a:srgbClr val="000000"/>
-            </a:solidFill>
-            <a:tailEnd type="triangle"/>
-          </a:ln>
-        </p:spPr>
-        <p:txBody>
-          <a:bodyPr lIns="45718" tIns="45718" rIns="45718" bIns="45718"/>
-          <a:lstStyle/>
-          <a:p>
-            <a:pPr/>
-          </a:p>
-        </p:txBody>
-      </p:sp>
-      <p:sp>
-        <p:nvSpPr>
-          <p:cNvPr id="217" name="Initial Steps (Not Repeated) of the Testbed"/>
-          <p:cNvSpPr txBox="1"/>
-          <p:nvPr>
-            <p:ph type="title"/>
-          </p:nvPr>
-        </p:nvSpPr>
-        <p:spPr>
-          <a:prstGeom prst="rect">
-            <a:avLst/>
-          </a:prstGeom>
-        </p:spPr>
-        <p:txBody>
-          <a:bodyPr/>
-          <a:lstStyle>
-            <a:lvl1pPr>
-              <a:defRPr spc="-100"/>
-            </a:lvl1pPr>
-          </a:lstStyle>
-          <a:p>
-            <a:pPr/>
-            <a:r>
-              <a:t>Initial Steps (Not Repeated) of the Testbed</a:t>
-            </a:r>
-          </a:p>
-        </p:txBody>
-      </p:sp>
-      <p:sp>
-        <p:nvSpPr>
-          <p:cNvPr id="218" name="Slide Number"/>
-          <p:cNvSpPr txBox="1"/>
-          <p:nvPr>
-            <p:ph type="sldNum" sz="quarter" idx="4294967295"/>
-          </p:nvPr>
-        </p:nvSpPr>
-        <p:spPr>
-          <a:xfrm>
-            <a:off x="11037540" y="6529495"/>
-            <a:ext cx="174944" cy="225706"/>
-          </a:xfrm>
-          <a:prstGeom prst="rect">
-            <a:avLst/>
-          </a:prstGeom>
-          <a:extLst>
-            <a:ext uri="{C572A759-6A51-4108-AA02-DFA0A04FC94B}">
-              <ma14:wrappingTextBoxFlag xmlns:ma14="http://schemas.microsoft.com/office/mac/drawingml/2011/main" val="1"/>
-            </a:ext>
-          </a:extLst>
-        </p:spPr>
-        <p:txBody>
-          <a:bodyPr/>
-          <a:lstStyle/>
-          <a:p>
-            <a:pPr/>
-            <a:fld id="{86CB4B4D-7CA3-9044-876B-883B54F8677D}" type="slidenum"/>
-          </a:p>
-        </p:txBody>
-      </p:sp>
-      <p:sp>
-        <p:nvSpPr>
-          <p:cNvPr id="219" name="Date Placeholder 3"/>
-          <p:cNvSpPr txBox="1"/>
-          <p:nvPr/>
-        </p:nvSpPr>
-        <p:spPr>
-          <a:xfrm>
-            <a:off x="1143000" y="6529495"/>
-            <a:ext cx="2380833" cy="225706"/>
-          </a:xfrm>
-          <a:prstGeom prst="rect">
-            <a:avLst/>
-          </a:prstGeom>
-          <a:ln w="12700">
-            <a:miter lim="400000"/>
-          </a:ln>
-          <a:extLst>
-            <a:ext uri="{C572A759-6A51-4108-AA02-DFA0A04FC94B}">
-              <ma14:wrappingTextBoxFlag xmlns:ma14="http://schemas.microsoft.com/office/mac/drawingml/2011/main" val="1"/>
-            </a:ext>
-          </a:extLst>
-        </p:spPr>
-        <p:txBody>
-          <a:bodyPr lIns="45718" tIns="45718" rIns="45718" bIns="45718" anchor="ctr">
-            <a:spAutoFit/>
-          </a:bodyPr>
-          <a:lstStyle>
-            <a:lvl1pPr>
-              <a:defRPr sz="1100">
-                <a:solidFill>
-                  <a:srgbClr val="FFFFFF"/>
-                </a:solidFill>
-              </a:defRPr>
-            </a:lvl1pPr>
-          </a:lstStyle>
-          <a:p>
-            <a:pPr/>
-            <a:r>
-              <a:t>25.03.2024</a:t>
-            </a:r>
-          </a:p>
-        </p:txBody>
-      </p:sp>
-      <p:sp>
-        <p:nvSpPr>
-          <p:cNvPr id="220" name="Generating real network data using normal distribution…"/>
-          <p:cNvSpPr txBox="1"/>
-          <p:nvPr>
-            <p:ph type="body" sz="half" idx="1"/>
-          </p:nvPr>
-        </p:nvSpPr>
-        <p:spPr>
-          <a:xfrm>
-            <a:off x="1097280" y="1358900"/>
-            <a:ext cx="10058401" cy="2297335"/>
-          </a:xfrm>
-          <a:prstGeom prst="rect">
-            <a:avLst/>
-          </a:prstGeom>
-        </p:spPr>
-        <p:txBody>
-          <a:bodyPr/>
-          <a:lstStyle/>
-          <a:p>
-            <a:pPr marL="200526" indent="-200526">
-              <a:buClrTx/>
-              <a:buFontTx/>
-              <a:buChar char="•"/>
-            </a:pPr>
-            <a:r>
-              <a:t>Generating real network data using normal distribution</a:t>
-            </a:r>
-          </a:p>
-          <a:p>
-            <a:pPr marL="200526" indent="-200526">
-              <a:buClrTx/>
-              <a:buFontTx/>
-              <a:buChar char="•"/>
-            </a:pPr>
-            <a:r>
-              <a:t>Creating mesh network topology by the testbed</a:t>
-            </a:r>
-          </a:p>
-          <a:p>
-            <a:pPr lvl="1" marL="581526" indent="-200526">
-              <a:buClrTx/>
-              <a:buFontTx/>
-              <a:buChar char="•"/>
-            </a:pPr>
-            <a:r>
-              <a:t>Integrating the P2P algorithm</a:t>
-            </a:r>
-          </a:p>
-          <a:p>
-            <a:pPr lvl="1" marL="581526" indent="-200526">
-              <a:buClrTx/>
-              <a:buFontTx/>
-              <a:buChar char="•"/>
-            </a:pPr>
-            <a:r>
-              <a:t>Implementing the traditional server-client based approach</a:t>
-            </a:r>
-          </a:p>
-          <a:p>
-            <a:pPr marL="200526" indent="-200526">
-              <a:buClrTx/>
-              <a:buFontTx/>
-              <a:buChar char="•"/>
-            </a:pPr>
-            <a:r>
-              <a:t>Calculating optimized network topology by the P2P algorithm</a:t>
-            </a:r>
-          </a:p>
-        </p:txBody>
-      </p:sp>
-      <p:sp>
-        <p:nvSpPr>
-          <p:cNvPr id="221" name="Date Placeholder 3"/>
-          <p:cNvSpPr txBox="1"/>
-          <p:nvPr/>
-        </p:nvSpPr>
-        <p:spPr>
-          <a:xfrm>
-            <a:off x="4615589" y="6529495"/>
-            <a:ext cx="3122846" cy="225706"/>
-          </a:xfrm>
-          <a:prstGeom prst="rect">
-            <a:avLst/>
-          </a:prstGeom>
-          <a:ln w="12700">
-            <a:miter lim="400000"/>
-          </a:ln>
-          <a:extLst>
-            <a:ext uri="{C572A759-6A51-4108-AA02-DFA0A04FC94B}">
-              <ma14:wrappingTextBoxFlag xmlns:ma14="http://schemas.microsoft.com/office/mac/drawingml/2011/main" val="1"/>
-            </a:ext>
-          </a:extLst>
-        </p:spPr>
-        <p:txBody>
-          <a:bodyPr lIns="45718" tIns="45718" rIns="45718" bIns="45718" anchor="ctr">
-            <a:spAutoFit/>
-          </a:bodyPr>
-          <a:lstStyle>
-            <a:lvl1pPr algn="ctr">
-              <a:defRPr b="1" sz="1100" u="sng">
-                <a:solidFill>
-                  <a:srgbClr val="FFFFFF"/>
-                </a:solidFill>
-              </a:defRPr>
-            </a:lvl1pPr>
-          </a:lstStyle>
-          <a:p>
-            <a:pPr/>
-            <a:r>
-              <a:t>INITIAL STEPS (NOT REPEATED) OF THE TESTBED</a:t>
-            </a:r>
-          </a:p>
-        </p:txBody>
-      </p:sp>
     </p:spTree>
   </p:cSld>
   <p:clrMapOvr>
@@ -16790,7 +16826,7 @@
       </p:grpSpPr>
       <p:sp>
         <p:nvSpPr>
-          <p:cNvPr id="223" name="Collecting &amp; Analyzing Network Data"/>
+          <p:cNvPr id="224" name="Collecting &amp; Analyzing Network Data"/>
           <p:cNvSpPr txBox="1"/>
           <p:nvPr>
             <p:ph type="title"/>
@@ -16822,7 +16858,7 @@
       </p:sp>
       <p:sp>
         <p:nvSpPr>
-          <p:cNvPr id="224" name="Network Data Collection…"/>
+          <p:cNvPr id="225" name="Network Data Collection…"/>
           <p:cNvSpPr txBox="1"/>
           <p:nvPr>
             <p:ph type="body" idx="1"/>
@@ -16914,7 +16950,7 @@
       </p:sp>
       <p:sp>
         <p:nvSpPr>
-          <p:cNvPr id="225" name="Slide Number"/>
+          <p:cNvPr id="226" name="Slide Number"/>
           <p:cNvSpPr txBox="1"/>
           <p:nvPr>
             <p:ph type="sldNum" sz="quarter" idx="4294967295"/>
@@ -16945,7 +16981,7 @@
       </p:sp>
       <p:graphicFrame>
         <p:nvGraphicFramePr>
-          <p:cNvPr id="226" name="Table"/>
+          <p:cNvPr id="227" name="Table"/>
           <p:cNvGraphicFramePr/>
           <p:nvPr/>
         </p:nvGraphicFramePr>
@@ -17176,7 +17212,7 @@
       </p:graphicFrame>
       <p:sp>
         <p:nvSpPr>
-          <p:cNvPr id="227" name="Date Placeholder 3"/>
+          <p:cNvPr id="228" name="Date Placeholder 3"/>
           <p:cNvSpPr txBox="1"/>
           <p:nvPr/>
         </p:nvSpPr>
@@ -17220,7 +17256,7 @@
       </p:sp>
       <p:sp>
         <p:nvSpPr>
-          <p:cNvPr id="228" name="[2]"/>
+          <p:cNvPr id="229" name="[2]"/>
           <p:cNvSpPr txBox="1"/>
           <p:nvPr/>
         </p:nvSpPr>
@@ -17271,7 +17307,7 @@
       </p:sp>
       <p:sp>
         <p:nvSpPr>
-          <p:cNvPr id="229" name="Date Placeholder 3"/>
+          <p:cNvPr id="230" name="Date Placeholder 3"/>
           <p:cNvSpPr txBox="1"/>
           <p:nvPr/>
         </p:nvSpPr>
@@ -17341,7 +17377,7 @@
       </p:grpSpPr>
       <p:sp>
         <p:nvSpPr>
-          <p:cNvPr id="231" name="Rounded Rectangle"/>
+          <p:cNvPr id="232" name="Rounded Rectangle"/>
           <p:cNvSpPr/>
           <p:nvPr/>
         </p:nvSpPr>
@@ -17375,7 +17411,7 @@
       </p:sp>
       <p:sp>
         <p:nvSpPr>
-          <p:cNvPr id="232" name="Square"/>
+          <p:cNvPr id="233" name="Square"/>
           <p:cNvSpPr/>
           <p:nvPr/>
         </p:nvSpPr>
@@ -17407,7 +17443,7 @@
       </p:sp>
       <p:sp>
         <p:nvSpPr>
-          <p:cNvPr id="233" name="Circle"/>
+          <p:cNvPr id="234" name="Circle"/>
           <p:cNvSpPr/>
           <p:nvPr/>
         </p:nvSpPr>
@@ -17438,7 +17474,7 @@
       </p:sp>
       <p:sp>
         <p:nvSpPr>
-          <p:cNvPr id="234" name="Shape"/>
+          <p:cNvPr id="235" name="Shape"/>
           <p:cNvSpPr/>
           <p:nvPr/>
         </p:nvSpPr>
@@ -17503,7 +17539,7 @@
       </p:sp>
       <p:sp>
         <p:nvSpPr>
-          <p:cNvPr id="235" name="Java…"/>
+          <p:cNvPr id="236" name="Java…"/>
           <p:cNvSpPr txBox="1"/>
           <p:nvPr/>
         </p:nvSpPr>
@@ -17543,7 +17579,7 @@
       </p:sp>
       <p:sp>
         <p:nvSpPr>
-          <p:cNvPr id="236" name="Java…"/>
+          <p:cNvPr id="237" name="Java…"/>
           <p:cNvSpPr txBox="1"/>
           <p:nvPr/>
         </p:nvSpPr>
@@ -17583,7 +17619,7 @@
       </p:sp>
       <p:sp>
         <p:nvSpPr>
-          <p:cNvPr id="237" name="Java…"/>
+          <p:cNvPr id="238" name="Java…"/>
           <p:cNvSpPr txBox="1"/>
           <p:nvPr/>
         </p:nvSpPr>
@@ -17623,7 +17659,7 @@
       </p:sp>
       <p:sp>
         <p:nvSpPr>
-          <p:cNvPr id="238" name="Java…"/>
+          <p:cNvPr id="239" name="Java…"/>
           <p:cNvSpPr txBox="1"/>
           <p:nvPr/>
         </p:nvSpPr>
@@ -17663,7 +17699,7 @@
       </p:sp>
       <p:pic>
         <p:nvPicPr>
-          <p:cNvPr id="239" name="473791.png" descr="473791.png"/>
+          <p:cNvPr id="240" name="473791.png" descr="473791.png"/>
           <p:cNvPicPr>
             <a:picLocks noChangeAspect="1"/>
           </p:cNvPicPr>
@@ -17692,7 +17728,7 @@
       </p:pic>
       <p:pic>
         <p:nvPicPr>
-          <p:cNvPr id="240" name="yaml-file-format-line-icon-free-vector.jpg" descr="yaml-file-format-line-icon-free-vector.jpg"/>
+          <p:cNvPr id="241" name="yaml-file-format-line-icon-free-vector.jpg" descr="yaml-file-format-line-icon-free-vector.jpg"/>
           <p:cNvPicPr>
             <a:picLocks noChangeAspect="1"/>
           </p:cNvPicPr>
@@ -17721,7 +17757,7 @@
       </p:pic>
       <p:pic>
         <p:nvPicPr>
-          <p:cNvPr id="241" name="1654914-200.png" descr="1654914-200.png"/>
+          <p:cNvPr id="242" name="1654914-200.png" descr="1654914-200.png"/>
           <p:cNvPicPr>
             <a:picLocks noChangeAspect="1"/>
           </p:cNvPicPr>
@@ -17750,14 +17786,14 @@
       </p:pic>
       <p:sp>
         <p:nvSpPr>
-          <p:cNvPr id="242" name="Java…"/>
+          <p:cNvPr id="243" name="Java…"/>
           <p:cNvSpPr txBox="1"/>
           <p:nvPr/>
         </p:nvSpPr>
         <p:spPr>
           <a:xfrm>
             <a:off x="4291537" y="1735178"/>
-            <a:ext cx="4403067" cy="310437"/>
+            <a:ext cx="3095996" cy="310437"/>
           </a:xfrm>
           <a:prstGeom prst="rect">
             <a:avLst/>
@@ -17790,7 +17826,7 @@
       </p:sp>
       <p:pic>
         <p:nvPicPr>
-          <p:cNvPr id="243" name="images.png" descr="images.png"/>
+          <p:cNvPr id="244" name="images.png" descr="images.png"/>
           <p:cNvPicPr>
             <a:picLocks noChangeAspect="1"/>
           </p:cNvPicPr>
@@ -17819,7 +17855,7 @@
       </p:pic>
       <p:sp>
         <p:nvSpPr>
-          <p:cNvPr id="244" name="Oval"/>
+          <p:cNvPr id="245" name="Oval"/>
           <p:cNvSpPr/>
           <p:nvPr/>
         </p:nvSpPr>
@@ -17850,7 +17886,7 @@
       </p:sp>
       <p:sp>
         <p:nvSpPr>
-          <p:cNvPr id="245" name="1"/>
+          <p:cNvPr id="246" name="1"/>
           <p:cNvSpPr txBox="1"/>
           <p:nvPr/>
         </p:nvSpPr>
@@ -17888,7 +17924,7 @@
       </p:sp>
       <p:sp>
         <p:nvSpPr>
-          <p:cNvPr id="246" name="Oval"/>
+          <p:cNvPr id="247" name="Oval"/>
           <p:cNvSpPr/>
           <p:nvPr/>
         </p:nvSpPr>
@@ -17919,7 +17955,7 @@
       </p:sp>
       <p:sp>
         <p:nvSpPr>
-          <p:cNvPr id="247" name="4"/>
+          <p:cNvPr id="248" name="4"/>
           <p:cNvSpPr txBox="1"/>
           <p:nvPr/>
         </p:nvSpPr>
@@ -17957,7 +17993,7 @@
       </p:sp>
       <p:sp>
         <p:nvSpPr>
-          <p:cNvPr id="248" name="Oval"/>
+          <p:cNvPr id="249" name="Oval"/>
           <p:cNvSpPr/>
           <p:nvPr/>
         </p:nvSpPr>
@@ -17988,7 +18024,7 @@
       </p:sp>
       <p:sp>
         <p:nvSpPr>
-          <p:cNvPr id="249" name="5"/>
+          <p:cNvPr id="250" name="5"/>
           <p:cNvSpPr txBox="1"/>
           <p:nvPr/>
         </p:nvSpPr>
@@ -18028,7 +18064,7 @@
       </p:sp>
       <p:pic>
         <p:nvPicPr>
-          <p:cNvPr id="250" name="1351844-200.png" descr="1351844-200.png"/>
+          <p:cNvPr id="251" name="1351844-200.png" descr="1351844-200.png"/>
           <p:cNvPicPr>
             <a:picLocks noChangeAspect="1"/>
           </p:cNvPicPr>
@@ -18057,7 +18093,7 @@
       </p:pic>
       <p:sp>
         <p:nvSpPr>
-          <p:cNvPr id="251" name="Oval"/>
+          <p:cNvPr id="252" name="Oval"/>
           <p:cNvSpPr/>
           <p:nvPr/>
         </p:nvSpPr>
@@ -18088,7 +18124,7 @@
       </p:sp>
       <p:sp>
         <p:nvSpPr>
-          <p:cNvPr id="252" name="3"/>
+          <p:cNvPr id="253" name="3"/>
           <p:cNvSpPr txBox="1"/>
           <p:nvPr/>
         </p:nvSpPr>
@@ -18126,7 +18162,7 @@
       </p:sp>
       <p:pic>
         <p:nvPicPr>
-          <p:cNvPr id="253" name="239207.png" descr="239207.png"/>
+          <p:cNvPr id="254" name="239207.png" descr="239207.png"/>
           <p:cNvPicPr>
             <a:picLocks noChangeAspect="1"/>
           </p:cNvPicPr>
@@ -18155,7 +18191,7 @@
       </p:pic>
       <p:pic>
         <p:nvPicPr>
-          <p:cNvPr id="254" name="Unknown.png" descr="Unknown.png"/>
+          <p:cNvPr id="255" name="Unknown.png" descr="Unknown.png"/>
           <p:cNvPicPr>
             <a:picLocks noChangeAspect="1"/>
           </p:cNvPicPr>
@@ -18184,7 +18220,7 @@
       </p:pic>
       <p:sp>
         <p:nvSpPr>
-          <p:cNvPr id="255" name="Rounded Rectangle"/>
+          <p:cNvPr id="256" name="Rounded Rectangle"/>
           <p:cNvSpPr/>
           <p:nvPr/>
         </p:nvSpPr>
@@ -18217,7 +18253,7 @@
       </p:sp>
       <p:pic>
         <p:nvPicPr>
-          <p:cNvPr id="256" name="logo.png" descr="logo.png"/>
+          <p:cNvPr id="257" name="logo.png" descr="logo.png"/>
           <p:cNvPicPr>
             <a:picLocks noChangeAspect="1"/>
           </p:cNvPicPr>
@@ -18246,7 +18282,7 @@
       </p:pic>
       <p:pic>
         <p:nvPicPr>
-          <p:cNvPr id="257" name="Unknown.png" descr="Unknown.png"/>
+          <p:cNvPr id="258" name="Unknown.png" descr="Unknown.png"/>
           <p:cNvPicPr>
             <a:picLocks noChangeAspect="1"/>
           </p:cNvPicPr>
@@ -18275,7 +18311,7 @@
       </p:pic>
       <p:sp>
         <p:nvSpPr>
-          <p:cNvPr id="258" name="Square"/>
+          <p:cNvPr id="259" name="Square"/>
           <p:cNvSpPr/>
           <p:nvPr/>
         </p:nvSpPr>
@@ -18307,7 +18343,7 @@
       </p:sp>
       <p:sp>
         <p:nvSpPr>
-          <p:cNvPr id="259" name="Rounded Rectangle"/>
+          <p:cNvPr id="260" name="Rounded Rectangle"/>
           <p:cNvSpPr/>
           <p:nvPr/>
         </p:nvSpPr>
@@ -18341,7 +18377,7 @@
       </p:sp>
       <p:sp>
         <p:nvSpPr>
-          <p:cNvPr id="260" name="Square"/>
+          <p:cNvPr id="261" name="Square"/>
           <p:cNvSpPr/>
           <p:nvPr/>
         </p:nvSpPr>
@@ -18373,7 +18409,7 @@
       </p:sp>
       <p:sp>
         <p:nvSpPr>
-          <p:cNvPr id="261" name="Circle"/>
+          <p:cNvPr id="262" name="Circle"/>
           <p:cNvSpPr/>
           <p:nvPr/>
         </p:nvSpPr>
@@ -18404,7 +18440,7 @@
       </p:sp>
       <p:sp>
         <p:nvSpPr>
-          <p:cNvPr id="262" name="Circle"/>
+          <p:cNvPr id="263" name="Circle"/>
           <p:cNvSpPr/>
           <p:nvPr/>
         </p:nvSpPr>
@@ -18435,7 +18471,7 @@
       </p:sp>
       <p:sp>
         <p:nvSpPr>
-          <p:cNvPr id="263" name="Circle"/>
+          <p:cNvPr id="264" name="Circle"/>
           <p:cNvSpPr/>
           <p:nvPr/>
         </p:nvSpPr>
@@ -18466,7 +18502,7 @@
       </p:sp>
       <p:sp>
         <p:nvSpPr>
-          <p:cNvPr id="264" name="Circle"/>
+          <p:cNvPr id="265" name="Circle"/>
           <p:cNvSpPr/>
           <p:nvPr/>
         </p:nvSpPr>
@@ -18497,7 +18533,7 @@
       </p:sp>
       <p:sp>
         <p:nvSpPr>
-          <p:cNvPr id="265" name="Circle"/>
+          <p:cNvPr id="266" name="Circle"/>
           <p:cNvSpPr/>
           <p:nvPr/>
         </p:nvSpPr>
@@ -18528,7 +18564,7 @@
       </p:sp>
       <p:sp>
         <p:nvSpPr>
-          <p:cNvPr id="266" name="Circle"/>
+          <p:cNvPr id="267" name="Circle"/>
           <p:cNvSpPr/>
           <p:nvPr/>
         </p:nvSpPr>
@@ -18559,7 +18595,7 @@
       </p:sp>
       <p:sp>
         <p:nvSpPr>
-          <p:cNvPr id="267" name="Circle"/>
+          <p:cNvPr id="268" name="Circle"/>
           <p:cNvSpPr/>
           <p:nvPr/>
         </p:nvSpPr>
@@ -18590,7 +18626,7 @@
       </p:sp>
       <p:sp>
         <p:nvSpPr>
-          <p:cNvPr id="268" name="Circle"/>
+          <p:cNvPr id="269" name="Circle"/>
           <p:cNvSpPr/>
           <p:nvPr/>
         </p:nvSpPr>
@@ -18621,7 +18657,7 @@
       </p:sp>
       <p:sp>
         <p:nvSpPr>
-          <p:cNvPr id="269" name="Shape"/>
+          <p:cNvPr id="270" name="Shape"/>
           <p:cNvSpPr/>
           <p:nvPr/>
         </p:nvSpPr>
@@ -18686,10 +18722,10 @@
       </p:sp>
       <p:cxnSp>
         <p:nvCxnSpPr>
-          <p:cNvPr id="270" name="Connection Line"/>
+          <p:cNvPr id="271" name="Connection Line"/>
           <p:cNvCxnSpPr>
-            <a:stCxn id="259" idx="0"/>
-            <a:endCxn id="265" idx="0"/>
+            <a:stCxn id="260" idx="0"/>
+            <a:endCxn id="266" idx="0"/>
           </p:cNvCxnSpPr>
           <p:nvPr/>
         </p:nvCxnSpPr>
@@ -18697,30 +18733,6 @@
           <a:xfrm>
             <a:off x="6379625" y="3351819"/>
             <a:ext cx="288956" cy="611940"/>
-          </a:xfrm>
-          <a:prstGeom prst="straightConnector1">
-            <a:avLst/>
-          </a:prstGeom>
-          <a:ln w="12700">
-            <a:solidFill>
-              <a:schemeClr val="accent1"/>
-            </a:solidFill>
-          </a:ln>
-        </p:spPr>
-      </p:cxnSp>
-      <p:cxnSp>
-        <p:nvCxnSpPr>
-          <p:cNvPr id="271" name="Connection Line"/>
-          <p:cNvCxnSpPr>
-            <a:stCxn id="259" idx="0"/>
-            <a:endCxn id="266" idx="0"/>
-          </p:cNvCxnSpPr>
-          <p:nvPr/>
-        </p:nvCxnSpPr>
-        <p:spPr>
-          <a:xfrm>
-            <a:off x="6379625" y="3351819"/>
-            <a:ext cx="1296237" cy="609308"/>
           </a:xfrm>
           <a:prstGeom prst="straightConnector1">
             <a:avLst/>
@@ -18736,15 +18748,15 @@
         <p:nvCxnSpPr>
           <p:cNvPr id="272" name="Connection Line"/>
           <p:cNvCxnSpPr>
-            <a:stCxn id="267" idx="0"/>
-            <a:endCxn id="259" idx="0"/>
+            <a:stCxn id="260" idx="0"/>
+            <a:endCxn id="267" idx="0"/>
           </p:cNvCxnSpPr>
           <p:nvPr/>
         </p:nvCxnSpPr>
         <p:spPr>
-          <a:xfrm flipH="1" flipV="1">
+          <a:xfrm>
             <a:off x="6379625" y="3351819"/>
-            <a:ext cx="806804" cy="609308"/>
+            <a:ext cx="1296237" cy="609308"/>
           </a:xfrm>
           <a:prstGeom prst="straightConnector1">
             <a:avLst/>
@@ -18760,15 +18772,15 @@
         <p:nvCxnSpPr>
           <p:cNvPr id="273" name="Connection Line"/>
           <p:cNvCxnSpPr>
-            <a:stCxn id="259" idx="0"/>
-            <a:endCxn id="268" idx="0"/>
+            <a:stCxn id="268" idx="0"/>
+            <a:endCxn id="260" idx="0"/>
           </p:cNvCxnSpPr>
           <p:nvPr/>
         </p:nvCxnSpPr>
         <p:spPr>
-          <a:xfrm>
+          <a:xfrm flipH="1" flipV="1">
             <a:off x="6379625" y="3351819"/>
-            <a:ext cx="1830105" cy="611156"/>
+            <a:ext cx="806804" cy="609308"/>
           </a:xfrm>
           <a:prstGeom prst="straightConnector1">
             <a:avLst/>
@@ -18784,15 +18796,15 @@
         <p:nvCxnSpPr>
           <p:cNvPr id="274" name="Connection Line"/>
           <p:cNvCxnSpPr>
-            <a:stCxn id="259" idx="0"/>
-            <a:endCxn id="260" idx="0"/>
+            <a:stCxn id="260" idx="0"/>
+            <a:endCxn id="269" idx="0"/>
           </p:cNvCxnSpPr>
           <p:nvPr/>
         </p:nvCxnSpPr>
         <p:spPr>
-          <a:xfrm flipH="1">
-            <a:off x="4741905" y="3351819"/>
-            <a:ext cx="1637721" cy="611940"/>
+          <a:xfrm>
+            <a:off x="6379625" y="3351819"/>
+            <a:ext cx="1830105" cy="611156"/>
           </a:xfrm>
           <a:prstGeom prst="straightConnector1">
             <a:avLst/>
@@ -18808,15 +18820,15 @@
         <p:nvCxnSpPr>
           <p:cNvPr id="275" name="Connection Line"/>
           <p:cNvCxnSpPr>
-            <a:stCxn id="259" idx="0"/>
-            <a:endCxn id="258" idx="0"/>
+            <a:stCxn id="260" idx="0"/>
+            <a:endCxn id="261" idx="0"/>
           </p:cNvCxnSpPr>
           <p:nvPr/>
         </p:nvCxnSpPr>
         <p:spPr>
           <a:xfrm flipH="1">
-            <a:off x="5941909" y="3351819"/>
-            <a:ext cx="437717" cy="611940"/>
+            <a:off x="4741905" y="3351819"/>
+            <a:ext cx="1637721" cy="611940"/>
           </a:xfrm>
           <a:prstGeom prst="straightConnector1">
             <a:avLst/>
@@ -18832,15 +18844,15 @@
         <p:nvCxnSpPr>
           <p:cNvPr id="276" name="Connection Line"/>
           <p:cNvCxnSpPr>
-            <a:stCxn id="264" idx="0"/>
-            <a:endCxn id="258" idx="0"/>
+            <a:stCxn id="260" idx="0"/>
+            <a:endCxn id="259" idx="0"/>
           </p:cNvCxnSpPr>
           <p:nvPr/>
         </p:nvCxnSpPr>
         <p:spPr>
-          <a:xfrm flipV="1">
-            <a:off x="5620372" y="3963758"/>
-            <a:ext cx="321538" cy="693404"/>
+          <a:xfrm flipH="1">
+            <a:off x="5941909" y="3351819"/>
+            <a:ext cx="437717" cy="611940"/>
           </a:xfrm>
           <a:prstGeom prst="straightConnector1">
             <a:avLst/>
@@ -18856,15 +18868,15 @@
         <p:nvCxnSpPr>
           <p:cNvPr id="277" name="Connection Line"/>
           <p:cNvCxnSpPr>
-            <a:stCxn id="263" idx="0"/>
-            <a:endCxn id="260" idx="0"/>
+            <a:stCxn id="265" idx="0"/>
+            <a:endCxn id="259" idx="0"/>
           </p:cNvCxnSpPr>
           <p:nvPr/>
         </p:nvCxnSpPr>
         <p:spPr>
           <a:xfrm flipV="1">
-            <a:off x="3850477" y="3963758"/>
-            <a:ext cx="891429" cy="680941"/>
+            <a:off x="5620372" y="3963758"/>
+            <a:ext cx="321538" cy="693404"/>
           </a:xfrm>
           <a:prstGeom prst="straightConnector1">
             <a:avLst/>
@@ -18880,15 +18892,15 @@
         <p:nvCxnSpPr>
           <p:cNvPr id="278" name="Connection Line"/>
           <p:cNvCxnSpPr>
-            <a:stCxn id="262" idx="0"/>
-            <a:endCxn id="260" idx="0"/>
+            <a:stCxn id="264" idx="0"/>
+            <a:endCxn id="261" idx="0"/>
           </p:cNvCxnSpPr>
           <p:nvPr/>
         </p:nvCxnSpPr>
         <p:spPr>
           <a:xfrm flipV="1">
-            <a:off x="4293146" y="3963758"/>
-            <a:ext cx="448760" cy="695706"/>
+            <a:off x="3850477" y="3963758"/>
+            <a:ext cx="891429" cy="680941"/>
           </a:xfrm>
           <a:prstGeom prst="straightConnector1">
             <a:avLst/>
@@ -18904,15 +18916,15 @@
         <p:nvCxnSpPr>
           <p:cNvPr id="279" name="Connection Line"/>
           <p:cNvCxnSpPr>
-            <a:stCxn id="261" idx="0"/>
-            <a:endCxn id="260" idx="0"/>
+            <a:stCxn id="263" idx="0"/>
+            <a:endCxn id="261" idx="0"/>
           </p:cNvCxnSpPr>
           <p:nvPr/>
         </p:nvCxnSpPr>
         <p:spPr>
           <a:xfrm flipV="1">
-            <a:off x="4735816" y="3963758"/>
-            <a:ext cx="6090" cy="680941"/>
+            <a:off x="4293146" y="3963758"/>
+            <a:ext cx="448760" cy="695706"/>
           </a:xfrm>
           <a:prstGeom prst="straightConnector1">
             <a:avLst/>
@@ -18928,15 +18940,15 @@
         <p:nvCxnSpPr>
           <p:cNvPr id="280" name="Connection Line"/>
           <p:cNvCxnSpPr>
-            <a:stCxn id="269" idx="0"/>
-            <a:endCxn id="268" idx="0"/>
+            <a:stCxn id="262" idx="0"/>
+            <a:endCxn id="261" idx="0"/>
           </p:cNvCxnSpPr>
           <p:nvPr/>
         </p:nvCxnSpPr>
         <p:spPr>
           <a:xfrm flipV="1">
-            <a:off x="5839535" y="3962974"/>
-            <a:ext cx="2370195" cy="1559876"/>
+            <a:off x="4735816" y="3963758"/>
+            <a:ext cx="6090" cy="680941"/>
           </a:xfrm>
           <a:prstGeom prst="straightConnector1">
             <a:avLst/>
@@ -18952,15 +18964,15 @@
         <p:nvCxnSpPr>
           <p:cNvPr id="281" name="Connection Line"/>
           <p:cNvCxnSpPr>
-            <a:stCxn id="267" idx="0"/>
+            <a:stCxn id="270" idx="0"/>
             <a:endCxn id="269" idx="0"/>
           </p:cNvCxnSpPr>
           <p:nvPr/>
         </p:nvCxnSpPr>
         <p:spPr>
-          <a:xfrm flipH="1">
-            <a:off x="5839535" y="3961126"/>
-            <a:ext cx="1346894" cy="1561724"/>
+          <a:xfrm flipV="1">
+            <a:off x="5839535" y="3962974"/>
+            <a:ext cx="2370195" cy="1559876"/>
           </a:xfrm>
           <a:prstGeom prst="straightConnector1">
             <a:avLst/>
@@ -18976,15 +18988,15 @@
         <p:nvCxnSpPr>
           <p:cNvPr id="282" name="Connection Line"/>
           <p:cNvCxnSpPr>
-            <a:stCxn id="269" idx="0"/>
-            <a:endCxn id="266" idx="0"/>
+            <a:stCxn id="268" idx="0"/>
+            <a:endCxn id="270" idx="0"/>
           </p:cNvCxnSpPr>
           <p:nvPr/>
         </p:nvCxnSpPr>
         <p:spPr>
-          <a:xfrm flipV="1">
+          <a:xfrm flipH="1">
             <a:off x="5839535" y="3961126"/>
-            <a:ext cx="1836327" cy="1561724"/>
+            <a:ext cx="1346894" cy="1561724"/>
           </a:xfrm>
           <a:prstGeom prst="straightConnector1">
             <a:avLst/>
@@ -19000,15 +19012,15 @@
         <p:nvCxnSpPr>
           <p:cNvPr id="283" name="Connection Line"/>
           <p:cNvCxnSpPr>
-            <a:stCxn id="269" idx="0"/>
-            <a:endCxn id="265" idx="0"/>
+            <a:stCxn id="270" idx="0"/>
+            <a:endCxn id="267" idx="0"/>
           </p:cNvCxnSpPr>
           <p:nvPr/>
         </p:nvCxnSpPr>
         <p:spPr>
           <a:xfrm flipV="1">
-            <a:off x="5839535" y="3963758"/>
-            <a:ext cx="829046" cy="1559092"/>
+            <a:off x="5839535" y="3961126"/>
+            <a:ext cx="1836327" cy="1561724"/>
           </a:xfrm>
           <a:prstGeom prst="straightConnector1">
             <a:avLst/>
@@ -19024,15 +19036,15 @@
         <p:nvCxnSpPr>
           <p:cNvPr id="284" name="Connection Line"/>
           <p:cNvCxnSpPr>
-            <a:stCxn id="269" idx="0"/>
-            <a:endCxn id="259" idx="0"/>
+            <a:stCxn id="270" idx="0"/>
+            <a:endCxn id="266" idx="0"/>
           </p:cNvCxnSpPr>
           <p:nvPr/>
         </p:nvCxnSpPr>
         <p:spPr>
           <a:xfrm flipV="1">
-            <a:off x="5839535" y="3351819"/>
-            <a:ext cx="540091" cy="2171031"/>
+            <a:off x="5839535" y="3963758"/>
+            <a:ext cx="829046" cy="1559092"/>
           </a:xfrm>
           <a:prstGeom prst="straightConnector1">
             <a:avLst/>
@@ -19048,15 +19060,15 @@
         <p:nvCxnSpPr>
           <p:cNvPr id="285" name="Connection Line"/>
           <p:cNvCxnSpPr>
-            <a:stCxn id="261" idx="0"/>
-            <a:endCxn id="269" idx="0"/>
+            <a:stCxn id="270" idx="0"/>
+            <a:endCxn id="260" idx="0"/>
           </p:cNvCxnSpPr>
           <p:nvPr/>
         </p:nvCxnSpPr>
         <p:spPr>
-          <a:xfrm>
-            <a:off x="4735816" y="4644698"/>
-            <a:ext cx="1103720" cy="878152"/>
+          <a:xfrm flipV="1">
+            <a:off x="5839535" y="3351819"/>
+            <a:ext cx="540091" cy="2171031"/>
           </a:xfrm>
           <a:prstGeom prst="straightConnector1">
             <a:avLst/>
@@ -19072,15 +19084,15 @@
         <p:nvCxnSpPr>
           <p:cNvPr id="286" name="Connection Line"/>
           <p:cNvCxnSpPr>
-            <a:stCxn id="269" idx="0"/>
-            <a:endCxn id="262" idx="0"/>
+            <a:stCxn id="262" idx="0"/>
+            <a:endCxn id="270" idx="0"/>
           </p:cNvCxnSpPr>
           <p:nvPr/>
         </p:nvCxnSpPr>
         <p:spPr>
-          <a:xfrm flipH="1" flipV="1">
-            <a:off x="4293146" y="4659463"/>
-            <a:ext cx="1546390" cy="863387"/>
+          <a:xfrm>
+            <a:off x="4735816" y="4644698"/>
+            <a:ext cx="1103720" cy="878152"/>
           </a:xfrm>
           <a:prstGeom prst="straightConnector1">
             <a:avLst/>
@@ -19096,15 +19108,15 @@
         <p:nvCxnSpPr>
           <p:cNvPr id="287" name="Connection Line"/>
           <p:cNvCxnSpPr>
-            <a:stCxn id="263" idx="0"/>
-            <a:endCxn id="269" idx="0"/>
+            <a:stCxn id="270" idx="0"/>
+            <a:endCxn id="263" idx="0"/>
           </p:cNvCxnSpPr>
           <p:nvPr/>
         </p:nvCxnSpPr>
         <p:spPr>
-          <a:xfrm>
-            <a:off x="3850477" y="4644698"/>
-            <a:ext cx="1989059" cy="878152"/>
+          <a:xfrm flipH="1" flipV="1">
+            <a:off x="4293146" y="4659463"/>
+            <a:ext cx="1546390" cy="863387"/>
           </a:xfrm>
           <a:prstGeom prst="straightConnector1">
             <a:avLst/>
@@ -19120,15 +19132,15 @@
         <p:nvCxnSpPr>
           <p:cNvPr id="288" name="Connection Line"/>
           <p:cNvCxnSpPr>
-            <a:stCxn id="269" idx="0"/>
-            <a:endCxn id="264" idx="0"/>
+            <a:stCxn id="264" idx="0"/>
+            <a:endCxn id="270" idx="0"/>
           </p:cNvCxnSpPr>
           <p:nvPr/>
         </p:nvCxnSpPr>
         <p:spPr>
-          <a:xfrm flipH="1" flipV="1">
-            <a:off x="5620372" y="4657161"/>
-            <a:ext cx="219164" cy="865689"/>
+          <a:xfrm>
+            <a:off x="3850477" y="4644698"/>
+            <a:ext cx="1989059" cy="878152"/>
           </a:xfrm>
           <a:prstGeom prst="straightConnector1">
             <a:avLst/>
@@ -19144,15 +19156,15 @@
         <p:nvCxnSpPr>
           <p:cNvPr id="289" name="Connection Line"/>
           <p:cNvCxnSpPr>
-            <a:stCxn id="260" idx="0"/>
-            <a:endCxn id="269" idx="0"/>
+            <a:stCxn id="270" idx="0"/>
+            <a:endCxn id="265" idx="0"/>
           </p:cNvCxnSpPr>
           <p:nvPr/>
         </p:nvCxnSpPr>
         <p:spPr>
-          <a:xfrm>
-            <a:off x="4741905" y="3963758"/>
-            <a:ext cx="1097631" cy="1559092"/>
+          <a:xfrm flipH="1" flipV="1">
+            <a:off x="5620372" y="4657161"/>
+            <a:ext cx="219164" cy="865689"/>
           </a:xfrm>
           <a:prstGeom prst="straightConnector1">
             <a:avLst/>
@@ -19168,8 +19180,32 @@
         <p:nvCxnSpPr>
           <p:cNvPr id="290" name="Connection Line"/>
           <p:cNvCxnSpPr>
-            <a:stCxn id="258" idx="0"/>
-            <a:endCxn id="269" idx="0"/>
+            <a:stCxn id="261" idx="0"/>
+            <a:endCxn id="270" idx="0"/>
+          </p:cNvCxnSpPr>
+          <p:nvPr/>
+        </p:nvCxnSpPr>
+        <p:spPr>
+          <a:xfrm>
+            <a:off x="4741905" y="3963758"/>
+            <a:ext cx="1097631" cy="1559092"/>
+          </a:xfrm>
+          <a:prstGeom prst="straightConnector1">
+            <a:avLst/>
+          </a:prstGeom>
+          <a:ln w="12700">
+            <a:solidFill>
+              <a:schemeClr val="accent1"/>
+            </a:solidFill>
+          </a:ln>
+        </p:spPr>
+      </p:cxnSp>
+      <p:cxnSp>
+        <p:nvCxnSpPr>
+          <p:cNvPr id="291" name="Connection Line"/>
+          <p:cNvCxnSpPr>
+            <a:stCxn id="259" idx="0"/>
+            <a:endCxn id="270" idx="0"/>
           </p:cNvCxnSpPr>
           <p:nvPr/>
         </p:nvCxnSpPr>
@@ -19190,7 +19226,7 @@
       </p:cxnSp>
       <p:pic>
         <p:nvPicPr>
-          <p:cNvPr id="291" name="3621249.png" descr="3621249.png"/>
+          <p:cNvPr id="292" name="3621249.png" descr="3621249.png"/>
           <p:cNvPicPr>
             <a:picLocks noChangeAspect="1"/>
           </p:cNvPicPr>
@@ -19219,7 +19255,7 @@
       </p:pic>
       <p:sp>
         <p:nvSpPr>
-          <p:cNvPr id="292" name="Oval"/>
+          <p:cNvPr id="293" name="Oval"/>
           <p:cNvSpPr/>
           <p:nvPr/>
         </p:nvSpPr>
@@ -19250,7 +19286,7 @@
       </p:sp>
       <p:sp>
         <p:nvSpPr>
-          <p:cNvPr id="293" name="6"/>
+          <p:cNvPr id="294" name="6"/>
           <p:cNvSpPr txBox="1"/>
           <p:nvPr/>
         </p:nvSpPr>
@@ -19288,7 +19324,7 @@
       </p:sp>
       <p:sp>
         <p:nvSpPr>
-          <p:cNvPr id="294" name="Line"/>
+          <p:cNvPr id="295" name="Line"/>
           <p:cNvSpPr/>
           <p:nvPr/>
         </p:nvSpPr>
@@ -19321,7 +19357,7 @@
       </p:sp>
       <p:pic>
         <p:nvPicPr>
-          <p:cNvPr id="295" name="102642.png" descr="102642.png"/>
+          <p:cNvPr id="296" name="102642.png" descr="102642.png"/>
           <p:cNvPicPr>
             <a:picLocks noChangeAspect="1"/>
           </p:cNvPicPr>
@@ -19350,7 +19386,7 @@
       </p:pic>
       <p:pic>
         <p:nvPicPr>
-          <p:cNvPr id="296" name="239207.png" descr="239207.png"/>
+          <p:cNvPr id="297" name="239207.png" descr="239207.png"/>
           <p:cNvPicPr>
             <a:picLocks noChangeAspect="1"/>
           </p:cNvPicPr>
@@ -19379,7 +19415,7 @@
       </p:pic>
       <p:sp>
         <p:nvSpPr>
-          <p:cNvPr id="297" name="Oval"/>
+          <p:cNvPr id="298" name="Oval"/>
           <p:cNvSpPr/>
           <p:nvPr/>
         </p:nvSpPr>
@@ -19410,7 +19446,7 @@
       </p:sp>
       <p:sp>
         <p:nvSpPr>
-          <p:cNvPr id="298" name="2"/>
+          <p:cNvPr id="299" name="2"/>
           <p:cNvSpPr txBox="1"/>
           <p:nvPr/>
         </p:nvSpPr>
@@ -19448,7 +19484,7 @@
       </p:sp>
       <p:pic>
         <p:nvPicPr>
-          <p:cNvPr id="299" name="Screenshot 2024-01-21 at 16.09.34.png" descr="Screenshot 2024-01-21 at 16.09.34.png"/>
+          <p:cNvPr id="300" name="Screenshot 2024-01-21 at 16.09.34.png" descr="Screenshot 2024-01-21 at 16.09.34.png"/>
           <p:cNvPicPr>
             <a:picLocks noChangeAspect="1"/>
           </p:cNvPicPr>
@@ -19477,7 +19513,7 @@
       </p:pic>
       <p:sp>
         <p:nvSpPr>
-          <p:cNvPr id="300" name="Line"/>
+          <p:cNvPr id="301" name="Line"/>
           <p:cNvSpPr/>
           <p:nvPr/>
         </p:nvSpPr>
@@ -19506,7 +19542,7 @@
       </p:sp>
       <p:sp>
         <p:nvSpPr>
-          <p:cNvPr id="301" name="Java…"/>
+          <p:cNvPr id="302" name="Java…"/>
           <p:cNvSpPr txBox="1"/>
           <p:nvPr/>
         </p:nvSpPr>
@@ -19546,7 +19582,7 @@
       </p:sp>
       <p:sp>
         <p:nvSpPr>
-          <p:cNvPr id="302" name="Line"/>
+          <p:cNvPr id="303" name="Line"/>
           <p:cNvSpPr/>
           <p:nvPr/>
         </p:nvSpPr>
@@ -19579,7 +19615,7 @@
       </p:sp>
       <p:sp>
         <p:nvSpPr>
-          <p:cNvPr id="303" name="Java…"/>
+          <p:cNvPr id="304" name="Java…"/>
           <p:cNvSpPr txBox="1"/>
           <p:nvPr/>
         </p:nvSpPr>
@@ -19619,7 +19655,7 @@
       </p:sp>
       <p:sp>
         <p:nvSpPr>
-          <p:cNvPr id="304" name="Line"/>
+          <p:cNvPr id="305" name="Line"/>
           <p:cNvSpPr/>
           <p:nvPr/>
         </p:nvSpPr>
@@ -19652,7 +19688,7 @@
       </p:sp>
       <p:sp>
         <p:nvSpPr>
-          <p:cNvPr id="305" name="Line"/>
+          <p:cNvPr id="306" name="Line"/>
           <p:cNvSpPr/>
           <p:nvPr/>
         </p:nvSpPr>
@@ -19685,7 +19721,7 @@
       </p:sp>
       <p:sp>
         <p:nvSpPr>
-          <p:cNvPr id="306" name="Line"/>
+          <p:cNvPr id="307" name="Line"/>
           <p:cNvSpPr/>
           <p:nvPr/>
         </p:nvSpPr>
@@ -19714,7 +19750,7 @@
       </p:sp>
       <p:sp>
         <p:nvSpPr>
-          <p:cNvPr id="307" name="Java…"/>
+          <p:cNvPr id="308" name="Java…"/>
           <p:cNvSpPr txBox="1"/>
           <p:nvPr/>
         </p:nvSpPr>
@@ -19757,7 +19793,7 @@
       </p:sp>
       <p:sp>
         <p:nvSpPr>
-          <p:cNvPr id="308" name="Line"/>
+          <p:cNvPr id="309" name="Line"/>
           <p:cNvSpPr/>
           <p:nvPr/>
         </p:nvSpPr>
@@ -19790,7 +19826,7 @@
       </p:sp>
       <p:sp>
         <p:nvSpPr>
-          <p:cNvPr id="309" name="Line"/>
+          <p:cNvPr id="310" name="Line"/>
           <p:cNvSpPr/>
           <p:nvPr/>
         </p:nvSpPr>
@@ -19823,7 +19859,7 @@
       </p:sp>
       <p:sp>
         <p:nvSpPr>
-          <p:cNvPr id="310" name="Oval"/>
+          <p:cNvPr id="311" name="Oval"/>
           <p:cNvSpPr/>
           <p:nvPr/>
         </p:nvSpPr>
@@ -19854,7 +19890,7 @@
       </p:sp>
       <p:sp>
         <p:nvSpPr>
-          <p:cNvPr id="311" name="1"/>
+          <p:cNvPr id="312" name="1"/>
           <p:cNvSpPr txBox="1"/>
           <p:nvPr/>
         </p:nvSpPr>
@@ -19892,14 +19928,14 @@
       </p:sp>
       <p:sp>
         <p:nvSpPr>
-          <p:cNvPr id="312" name="Java…"/>
+          <p:cNvPr id="313" name="Java…"/>
           <p:cNvSpPr txBox="1"/>
           <p:nvPr/>
         </p:nvSpPr>
         <p:spPr>
           <a:xfrm>
             <a:off x="2163212" y="1243502"/>
-            <a:ext cx="4403067" cy="310437"/>
+            <a:ext cx="2612166" cy="310437"/>
           </a:xfrm>
           <a:prstGeom prst="rect">
             <a:avLst/>
@@ -19932,14 +19968,14 @@
       </p:sp>
       <p:sp>
         <p:nvSpPr>
-          <p:cNvPr id="313" name="Java…"/>
+          <p:cNvPr id="314" name="Java…"/>
           <p:cNvSpPr txBox="1"/>
           <p:nvPr/>
         </p:nvSpPr>
         <p:spPr>
           <a:xfrm>
             <a:off x="7574981" y="1742233"/>
-            <a:ext cx="4403067" cy="310437"/>
+            <a:ext cx="3326907" cy="310437"/>
           </a:xfrm>
           <a:prstGeom prst="rect">
             <a:avLst/>
@@ -19972,14 +20008,14 @@
       </p:sp>
       <p:sp>
         <p:nvSpPr>
-          <p:cNvPr id="314" name="Java…"/>
+          <p:cNvPr id="315" name="Java…"/>
           <p:cNvSpPr txBox="1"/>
           <p:nvPr/>
         </p:nvSpPr>
         <p:spPr>
           <a:xfrm>
             <a:off x="1281865" y="3614217"/>
-            <a:ext cx="2452011" cy="310437"/>
+            <a:ext cx="1676928" cy="310437"/>
           </a:xfrm>
           <a:prstGeom prst="rect">
             <a:avLst/>
@@ -20012,14 +20048,14 @@
       </p:sp>
       <p:sp>
         <p:nvSpPr>
-          <p:cNvPr id="315" name="Java…"/>
+          <p:cNvPr id="316" name="Java…"/>
           <p:cNvSpPr txBox="1"/>
           <p:nvPr/>
         </p:nvSpPr>
         <p:spPr>
           <a:xfrm>
             <a:off x="1342614" y="5164505"/>
-            <a:ext cx="2330513" cy="310437"/>
+            <a:ext cx="1981604" cy="310437"/>
           </a:xfrm>
           <a:prstGeom prst="rect">
             <a:avLst/>
@@ -20052,7 +20088,7 @@
       </p:sp>
       <p:sp>
         <p:nvSpPr>
-          <p:cNvPr id="316" name="Execution Steps (Repeated) of the Testbed"/>
+          <p:cNvPr id="317" name="Execution Steps (Repeated) of the Testbed"/>
           <p:cNvSpPr txBox="1"/>
           <p:nvPr>
             <p:ph type="title"/>
@@ -20080,7 +20116,7 @@
       </p:sp>
       <p:pic>
         <p:nvPicPr>
-          <p:cNvPr id="317" name="Unknown.png" descr="Unknown.png"/>
+          <p:cNvPr id="318" name="Unknown.png" descr="Unknown.png"/>
           <p:cNvPicPr>
             <a:picLocks noChangeAspect="1"/>
           </p:cNvPicPr>
@@ -20109,7 +20145,7 @@
       </p:pic>
       <p:sp>
         <p:nvSpPr>
-          <p:cNvPr id="318" name="Date Placeholder 3"/>
+          <p:cNvPr id="319" name="Date Placeholder 3"/>
           <p:cNvSpPr txBox="1"/>
           <p:nvPr/>
         </p:nvSpPr>
@@ -20153,7 +20189,7 @@
       </p:sp>
       <p:sp>
         <p:nvSpPr>
-          <p:cNvPr id="319" name="Slide Number"/>
+          <p:cNvPr id="320" name="Slide Number"/>
           <p:cNvSpPr txBox="1"/>
           <p:nvPr>
             <p:ph type="sldNum" sz="quarter" idx="4294967295"/>
@@ -20184,7 +20220,7 @@
       </p:sp>
       <p:sp>
         <p:nvSpPr>
-          <p:cNvPr id="320" name="Date Placeholder 3"/>
+          <p:cNvPr id="321" name="Date Placeholder 3"/>
           <p:cNvSpPr txBox="1"/>
           <p:nvPr/>
         </p:nvSpPr>
@@ -20254,7 +20290,7 @@
       </p:grpSpPr>
       <p:sp>
         <p:nvSpPr>
-          <p:cNvPr id="322" name="Management of Container-Testbed Environment"/>
+          <p:cNvPr id="323" name="Management of Container-Testbed Environment"/>
           <p:cNvSpPr txBox="1"/>
           <p:nvPr>
             <p:ph type="title"/>
@@ -20284,7 +20320,7 @@
       </p:sp>
       <p:sp>
         <p:nvSpPr>
-          <p:cNvPr id="323" name="Create and Deploy Applications Faster and More Securely…"/>
+          <p:cNvPr id="324" name="Create and Deploy Applications Faster and More Securely…"/>
           <p:cNvSpPr txBox="1"/>
           <p:nvPr>
             <p:ph type="body" idx="1"/>
@@ -20411,7 +20447,7 @@
       </p:sp>
       <p:sp>
         <p:nvSpPr>
-          <p:cNvPr id="324" name="Slide Number"/>
+          <p:cNvPr id="325" name="Slide Number"/>
           <p:cNvSpPr txBox="1"/>
           <p:nvPr>
             <p:ph type="sldNum" sz="quarter" idx="4294967295"/>
@@ -20442,7 +20478,7 @@
       </p:sp>
       <p:sp>
         <p:nvSpPr>
-          <p:cNvPr id="325" name="[2]"/>
+          <p:cNvPr id="326" name="[2]"/>
           <p:cNvSpPr txBox="1"/>
           <p:nvPr/>
         </p:nvSpPr>
@@ -20493,7 +20529,7 @@
       </p:sp>
       <p:sp>
         <p:nvSpPr>
-          <p:cNvPr id="326" name="name: p2p-network-topology…"/>
+          <p:cNvPr id="327" name="name: p2p-network-topology…"/>
           <p:cNvSpPr txBox="1"/>
           <p:nvPr/>
         </p:nvSpPr>
@@ -20945,7 +20981,7 @@
       </p:sp>
       <p:sp>
         <p:nvSpPr>
-          <p:cNvPr id="327" name="Configuration of Containerlab File"/>
+          <p:cNvPr id="328" name="Configuration of Containerlab File"/>
           <p:cNvSpPr txBox="1"/>
           <p:nvPr/>
         </p:nvSpPr>
@@ -20999,7 +21035,7 @@
       </p:sp>
       <p:pic>
         <p:nvPicPr>
-          <p:cNvPr id="328" name="yaml-file-format-line-icon-free-vector.jpg" descr="yaml-file-format-line-icon-free-vector.jpg"/>
+          <p:cNvPr id="329" name="yaml-file-format-line-icon-free-vector.jpg" descr="yaml-file-format-line-icon-free-vector.jpg"/>
           <p:cNvPicPr>
             <a:picLocks noChangeAspect="1"/>
           </p:cNvPicPr>
@@ -21028,7 +21064,7 @@
       </p:pic>
       <p:sp>
         <p:nvSpPr>
-          <p:cNvPr id="329" name="Date Placeholder 3"/>
+          <p:cNvPr id="330" name="Date Placeholder 3"/>
           <p:cNvSpPr txBox="1"/>
           <p:nvPr/>
         </p:nvSpPr>
@@ -21072,7 +21108,7 @@
       </p:sp>
       <p:pic>
         <p:nvPicPr>
-          <p:cNvPr id="330" name="containerlabTestbed.png" descr="containerlabTestbed.png"/>
+          <p:cNvPr id="331" name="containerlabTestbed.png" descr="containerlabTestbed.png"/>
           <p:cNvPicPr>
             <a:picLocks noChangeAspect="1"/>
           </p:cNvPicPr>
@@ -21101,7 +21137,7 @@
       </p:pic>
       <p:sp>
         <p:nvSpPr>
-          <p:cNvPr id="331" name="Date Placeholder 3"/>
+          <p:cNvPr id="332" name="Date Placeholder 3"/>
           <p:cNvSpPr txBox="1"/>
           <p:nvPr/>
         </p:nvSpPr>
@@ -21171,7 +21207,7 @@
       </p:grpSpPr>
       <p:sp>
         <p:nvSpPr>
-          <p:cNvPr id="333" name="Configuring the Components of the P2P Algorithm"/>
+          <p:cNvPr id="334" name="Configuring the Components of the P2P Algorithm"/>
           <p:cNvSpPr txBox="1"/>
           <p:nvPr>
             <p:ph type="title"/>
@@ -21203,7 +21239,7 @@
       </p:sp>
       <p:sp>
         <p:nvSpPr>
-          <p:cNvPr id="334" name="Slide Number"/>
+          <p:cNvPr id="335" name="Slide Number"/>
           <p:cNvSpPr txBox="1"/>
           <p:nvPr>
             <p:ph type="sldNum" sz="quarter" idx="4294967295"/>
@@ -21234,7 +21270,7 @@
       </p:sp>
       <p:sp>
         <p:nvSpPr>
-          <p:cNvPr id="335" name="Date Placeholder 3"/>
+          <p:cNvPr id="336" name="Date Placeholder 3"/>
           <p:cNvSpPr txBox="1"/>
           <p:nvPr/>
         </p:nvSpPr>
@@ -21278,7 +21314,7 @@
       </p:sp>
       <p:sp>
         <p:nvSpPr>
-          <p:cNvPr id="336" name="name: p2p-network-topology…"/>
+          <p:cNvPr id="337" name="name: p2p-network-topology…"/>
           <p:cNvSpPr txBox="1"/>
           <p:nvPr/>
         </p:nvSpPr>
@@ -22188,60 +22224,6 @@
                 </a:solidFill>
               </a:rPr>
               <a:t>] </a:t>
-            </a:r>
-          </a:p>
-        </p:txBody>
-      </p:sp>
-      <p:sp>
-        <p:nvSpPr>
-          <p:cNvPr id="337" name="Configuration of Containerlab File"/>
-          <p:cNvSpPr txBox="1"/>
-          <p:nvPr/>
-        </p:nvSpPr>
-        <p:spPr>
-          <a:xfrm>
-            <a:off x="1173480" y="1762143"/>
-            <a:ext cx="3686867" cy="415274"/>
-          </a:xfrm>
-          <a:prstGeom prst="rect">
-            <a:avLst/>
-          </a:prstGeom>
-          <a:solidFill>
-            <a:srgbClr val="ADCC8A"/>
-          </a:solidFill>
-          <a:ln w="12700">
-            <a:miter lim="400000"/>
-          </a:ln>
-          <a:extLst>
-            <a:ext uri="{C572A759-6A51-4108-AA02-DFA0A04FC94B}">
-              <ma14:wrappingTextBoxFlag xmlns:ma14="http://schemas.microsoft.com/office/mac/drawingml/2011/main" val="1"/>
-            </a:ext>
-          </a:extLst>
-        </p:spPr>
-        <p:txBody>
-          <a:bodyPr lIns="45718" tIns="45718" rIns="45718" bIns="45718">
-            <a:spAutoFit/>
-          </a:bodyPr>
-          <a:lstStyle>
-            <a:lvl1pPr algn="ctr" defTabSz="914400">
-              <a:lnSpc>
-                <a:spcPct val="85000"/>
-              </a:lnSpc>
-              <a:defRPr spc="-12" sz="1200">
-                <a:solidFill>
-                  <a:srgbClr val="404040"/>
-                </a:solidFill>
-                <a:latin typeface="Calibri Light"/>
-                <a:ea typeface="Calibri Light"/>
-                <a:cs typeface="Calibri Light"/>
-                <a:sym typeface="Calibri Light"/>
-              </a:defRPr>
-            </a:lvl1pPr>
-          </a:lstStyle>
-          <a:p>
-            <a:pPr/>
-            <a:r>
-              <a:t>Configuration of Containerlab File (Network Management, Nodes and Links) </a:t>
             </a:r>
           </a:p>
         </p:txBody>
@@ -22283,7 +22265,7 @@
         </p:nvSpPr>
         <p:spPr>
           <a:xfrm>
-            <a:off x="6800973" y="5545894"/>
+            <a:off x="6800973" y="5304594"/>
             <a:ext cx="357123" cy="273007"/>
           </a:xfrm>
           <a:prstGeom prst="roundRect">
@@ -22317,7 +22299,7 @@
         </p:nvSpPr>
         <p:spPr>
           <a:xfrm>
-            <a:off x="8013920" y="5539544"/>
+            <a:off x="8013920" y="5298244"/>
             <a:ext cx="284410" cy="285707"/>
           </a:xfrm>
           <a:prstGeom prst="rect">
@@ -22349,7 +22331,7 @@
         </p:nvSpPr>
         <p:spPr>
           <a:xfrm>
-            <a:off x="8844660" y="5539136"/>
+            <a:off x="8844660" y="5297836"/>
             <a:ext cx="284410" cy="285708"/>
           </a:xfrm>
           <a:prstGeom prst="ellipse">
@@ -22380,7 +22362,7 @@
         </p:nvSpPr>
         <p:spPr>
           <a:xfrm>
-            <a:off x="9561340" y="5485038"/>
+            <a:off x="9561340" y="5243738"/>
             <a:ext cx="357124" cy="369318"/>
           </a:xfrm>
           <a:custGeom>
@@ -22445,7 +22427,7 @@
         </p:nvSpPr>
         <p:spPr>
           <a:xfrm>
-            <a:off x="6294461" y="5869744"/>
+            <a:off x="6294461" y="5628444"/>
             <a:ext cx="1370147" cy="285707"/>
           </a:xfrm>
           <a:prstGeom prst="rect">
@@ -22485,7 +22467,7 @@
         </p:nvSpPr>
         <p:spPr>
           <a:xfrm>
-            <a:off x="8142431" y="3576133"/>
+            <a:off x="8142431" y="3334833"/>
             <a:ext cx="284410" cy="285708"/>
           </a:xfrm>
           <a:prstGeom prst="rect">
@@ -22517,7 +22499,7 @@
         </p:nvSpPr>
         <p:spPr>
           <a:xfrm>
-            <a:off x="8607290" y="2767344"/>
+            <a:off x="8607290" y="2526044"/>
             <a:ext cx="357123" cy="273008"/>
           </a:xfrm>
           <a:prstGeom prst="roundRect">
@@ -22551,7 +22533,7 @@
         </p:nvSpPr>
         <p:spPr>
           <a:xfrm>
-            <a:off x="6942427" y="3576133"/>
+            <a:off x="6942427" y="3334833"/>
             <a:ext cx="284410" cy="285708"/>
           </a:xfrm>
           <a:prstGeom prst="rect">
@@ -22583,7 +22565,7 @@
         </p:nvSpPr>
         <p:spPr>
           <a:xfrm>
-            <a:off x="6936338" y="4257073"/>
+            <a:off x="6936338" y="4015773"/>
             <a:ext cx="284410" cy="285708"/>
           </a:xfrm>
           <a:prstGeom prst="ellipse">
@@ -22614,7 +22596,7 @@
         </p:nvSpPr>
         <p:spPr>
           <a:xfrm>
-            <a:off x="6493668" y="4271838"/>
+            <a:off x="6493668" y="4030538"/>
             <a:ext cx="284410" cy="285708"/>
           </a:xfrm>
           <a:prstGeom prst="ellipse">
@@ -22645,7 +22627,7 @@
         </p:nvSpPr>
         <p:spPr>
           <a:xfrm>
-            <a:off x="6050999" y="4257073"/>
+            <a:off x="6050999" y="4015773"/>
             <a:ext cx="284410" cy="285708"/>
           </a:xfrm>
           <a:prstGeom prst="ellipse">
@@ -22676,7 +22658,7 @@
         </p:nvSpPr>
         <p:spPr>
           <a:xfrm>
-            <a:off x="7820894" y="4269536"/>
+            <a:off x="7820894" y="4028236"/>
             <a:ext cx="284410" cy="285708"/>
           </a:xfrm>
           <a:prstGeom prst="ellipse">
@@ -22707,7 +22689,7 @@
         </p:nvSpPr>
         <p:spPr>
           <a:xfrm>
-            <a:off x="8869102" y="3576133"/>
+            <a:off x="8869102" y="3334833"/>
             <a:ext cx="284410" cy="285708"/>
           </a:xfrm>
           <a:prstGeom prst="ellipse">
@@ -22738,7 +22720,7 @@
         </p:nvSpPr>
         <p:spPr>
           <a:xfrm>
-            <a:off x="9876383" y="3573501"/>
+            <a:off x="9876383" y="3332201"/>
             <a:ext cx="284410" cy="285707"/>
           </a:xfrm>
           <a:prstGeom prst="ellipse">
@@ -22769,7 +22751,7 @@
         </p:nvSpPr>
         <p:spPr>
           <a:xfrm>
-            <a:off x="9386949" y="3573501"/>
+            <a:off x="9386949" y="3332201"/>
             <a:ext cx="284410" cy="285707"/>
           </a:xfrm>
           <a:prstGeom prst="ellipse">
@@ -22800,7 +22782,7 @@
         </p:nvSpPr>
         <p:spPr>
           <a:xfrm>
-            <a:off x="10410251" y="3575348"/>
+            <a:off x="10410251" y="3334048"/>
             <a:ext cx="284410" cy="285708"/>
           </a:xfrm>
           <a:prstGeom prst="ellipse">
@@ -22831,7 +22813,7 @@
         </p:nvSpPr>
         <p:spPr>
           <a:xfrm>
-            <a:off x="8003700" y="5093418"/>
+            <a:off x="8003700" y="4852118"/>
             <a:ext cx="357124" cy="369318"/>
           </a:xfrm>
           <a:custGeom>
@@ -22899,7 +22881,7 @@
         </p:nvCxnSpPr>
         <p:spPr>
           <a:xfrm>
-            <a:off x="8785851" y="2903847"/>
+            <a:off x="8785851" y="2662547"/>
             <a:ext cx="225456" cy="815140"/>
           </a:xfrm>
           <a:prstGeom prst="straightConnector1">
@@ -22923,7 +22905,7 @@
         </p:nvCxnSpPr>
         <p:spPr>
           <a:xfrm>
-            <a:off x="8785851" y="2903847"/>
+            <a:off x="8785851" y="2662547"/>
             <a:ext cx="1232737" cy="812508"/>
           </a:xfrm>
           <a:prstGeom prst="straightConnector1">
@@ -22947,7 +22929,7 @@
         </p:nvCxnSpPr>
         <p:spPr>
           <a:xfrm flipH="1" flipV="1">
-            <a:off x="8785851" y="2903847"/>
+            <a:off x="8785851" y="2662547"/>
             <a:ext cx="743304" cy="812508"/>
           </a:xfrm>
           <a:prstGeom prst="straightConnector1">
@@ -22971,7 +22953,7 @@
         </p:nvCxnSpPr>
         <p:spPr>
           <a:xfrm>
-            <a:off x="8785851" y="2903847"/>
+            <a:off x="8785851" y="2662547"/>
             <a:ext cx="1766605" cy="814356"/>
           </a:xfrm>
           <a:prstGeom prst="straightConnector1">
@@ -22995,7 +22977,7 @@
         </p:nvCxnSpPr>
         <p:spPr>
           <a:xfrm flipH="1">
-            <a:off x="7084631" y="2903847"/>
+            <a:off x="7084631" y="2662547"/>
             <a:ext cx="1701221" cy="815140"/>
           </a:xfrm>
           <a:prstGeom prst="straightConnector1">
@@ -23019,7 +23001,7 @@
         </p:nvCxnSpPr>
         <p:spPr>
           <a:xfrm flipH="1">
-            <a:off x="8284636" y="2903847"/>
+            <a:off x="8284636" y="2662547"/>
             <a:ext cx="501216" cy="815140"/>
           </a:xfrm>
           <a:prstGeom prst="straightConnector1">
@@ -23043,7 +23025,7 @@
         </p:nvCxnSpPr>
         <p:spPr>
           <a:xfrm flipV="1">
-            <a:off x="7963099" y="3718986"/>
+            <a:off x="7963099" y="3477686"/>
             <a:ext cx="321538" cy="693404"/>
           </a:xfrm>
           <a:prstGeom prst="straightConnector1">
@@ -23067,7 +23049,7 @@
         </p:nvCxnSpPr>
         <p:spPr>
           <a:xfrm flipV="1">
-            <a:off x="6193203" y="3718986"/>
+            <a:off x="6193203" y="3477686"/>
             <a:ext cx="891429" cy="680941"/>
           </a:xfrm>
           <a:prstGeom prst="straightConnector1">
@@ -23091,7 +23073,7 @@
         </p:nvCxnSpPr>
         <p:spPr>
           <a:xfrm flipV="1">
-            <a:off x="6635873" y="3718986"/>
+            <a:off x="6635873" y="3477686"/>
             <a:ext cx="448759" cy="695706"/>
           </a:xfrm>
           <a:prstGeom prst="straightConnector1">
@@ -23115,7 +23097,7 @@
         </p:nvCxnSpPr>
         <p:spPr>
           <a:xfrm flipV="1">
-            <a:off x="7078543" y="3718986"/>
+            <a:off x="7078543" y="3477686"/>
             <a:ext cx="6089" cy="680941"/>
           </a:xfrm>
           <a:prstGeom prst="straightConnector1">
@@ -23139,7 +23121,7 @@
         </p:nvCxnSpPr>
         <p:spPr>
           <a:xfrm flipV="1">
-            <a:off x="8182261" y="3718202"/>
+            <a:off x="8182261" y="3476902"/>
             <a:ext cx="2370195" cy="1559876"/>
           </a:xfrm>
           <a:prstGeom prst="straightConnector1">
@@ -23163,7 +23145,7 @@
         </p:nvCxnSpPr>
         <p:spPr>
           <a:xfrm flipH="1">
-            <a:off x="8182261" y="3716354"/>
+            <a:off x="8182261" y="3475054"/>
             <a:ext cx="1346894" cy="1561724"/>
           </a:xfrm>
           <a:prstGeom prst="straightConnector1">
@@ -23187,7 +23169,7 @@
         </p:nvCxnSpPr>
         <p:spPr>
           <a:xfrm flipV="1">
-            <a:off x="8182261" y="3716354"/>
+            <a:off x="8182261" y="3475054"/>
             <a:ext cx="1836327" cy="1561724"/>
           </a:xfrm>
           <a:prstGeom prst="straightConnector1">
@@ -23211,7 +23193,7 @@
         </p:nvCxnSpPr>
         <p:spPr>
           <a:xfrm flipV="1">
-            <a:off x="8182261" y="3718986"/>
+            <a:off x="8182261" y="3477686"/>
             <a:ext cx="829046" cy="1559092"/>
           </a:xfrm>
           <a:prstGeom prst="straightConnector1">
@@ -23235,7 +23217,7 @@
         </p:nvCxnSpPr>
         <p:spPr>
           <a:xfrm flipV="1">
-            <a:off x="8182261" y="2903847"/>
+            <a:off x="8182261" y="2662547"/>
             <a:ext cx="603591" cy="2374231"/>
           </a:xfrm>
           <a:prstGeom prst="straightConnector1">
@@ -23259,7 +23241,7 @@
         </p:nvCxnSpPr>
         <p:spPr>
           <a:xfrm>
-            <a:off x="7078543" y="4399926"/>
+            <a:off x="7078543" y="4158626"/>
             <a:ext cx="1103719" cy="878152"/>
           </a:xfrm>
           <a:prstGeom prst="straightConnector1">
@@ -23283,7 +23265,7 @@
         </p:nvCxnSpPr>
         <p:spPr>
           <a:xfrm flipH="1" flipV="1">
-            <a:off x="6635873" y="4414691"/>
+            <a:off x="6635873" y="4173391"/>
             <a:ext cx="1546389" cy="863387"/>
           </a:xfrm>
           <a:prstGeom prst="straightConnector1">
@@ -23307,7 +23289,7 @@
         </p:nvCxnSpPr>
         <p:spPr>
           <a:xfrm>
-            <a:off x="6193203" y="4399926"/>
+            <a:off x="6193203" y="4158626"/>
             <a:ext cx="1989059" cy="878152"/>
           </a:xfrm>
           <a:prstGeom prst="straightConnector1">
@@ -23331,7 +23313,7 @@
         </p:nvCxnSpPr>
         <p:spPr>
           <a:xfrm flipH="1" flipV="1">
-            <a:off x="7963099" y="4412389"/>
+            <a:off x="7963099" y="4171089"/>
             <a:ext cx="219163" cy="865689"/>
           </a:xfrm>
           <a:prstGeom prst="straightConnector1">
@@ -23355,7 +23337,7 @@
         </p:nvCxnSpPr>
         <p:spPr>
           <a:xfrm>
-            <a:off x="7084631" y="3718986"/>
+            <a:off x="7084631" y="3477686"/>
             <a:ext cx="1097631" cy="1559092"/>
           </a:xfrm>
           <a:prstGeom prst="straightConnector1">
@@ -23379,7 +23361,7 @@
         </p:nvCxnSpPr>
         <p:spPr>
           <a:xfrm flipH="1">
-            <a:off x="8182261" y="3718986"/>
+            <a:off x="8182261" y="3477686"/>
             <a:ext cx="102376" cy="1559092"/>
           </a:xfrm>
           <a:prstGeom prst="straightConnector1">
@@ -23400,7 +23382,7 @@
         </p:nvSpPr>
         <p:spPr>
           <a:xfrm>
-            <a:off x="7767118" y="5869744"/>
+            <a:off x="7767118" y="5628444"/>
             <a:ext cx="778013" cy="285707"/>
           </a:xfrm>
           <a:prstGeom prst="rect">
@@ -23440,7 +23422,7 @@
         </p:nvSpPr>
         <p:spPr>
           <a:xfrm>
-            <a:off x="8789982" y="5869744"/>
+            <a:off x="8789982" y="5628444"/>
             <a:ext cx="434370" cy="285707"/>
           </a:xfrm>
           <a:prstGeom prst="rect">
@@ -23480,7 +23462,7 @@
         </p:nvSpPr>
         <p:spPr>
           <a:xfrm>
-            <a:off x="9350894" y="5894077"/>
+            <a:off x="9350894" y="5652777"/>
             <a:ext cx="923916" cy="285708"/>
           </a:xfrm>
           <a:prstGeom prst="rect">
@@ -23520,7 +23502,7 @@
         </p:nvSpPr>
         <p:spPr>
           <a:xfrm>
-            <a:off x="7523074" y="2311981"/>
+            <a:off x="7523074" y="2070681"/>
             <a:ext cx="2525556" cy="280798"/>
           </a:xfrm>
           <a:prstGeom prst="rect">
@@ -23709,6 +23691,77 @@
             <a:pPr/>
             <a:r>
               <a:t>In each test, Containerlab file and all other processes automatically in the testbed</a:t>
+            </a:r>
+          </a:p>
+        </p:txBody>
+      </p:sp>
+      <p:sp>
+        <p:nvSpPr>
+          <p:cNvPr id="385" name="Configuration of Containerlab File"/>
+          <p:cNvSpPr txBox="1"/>
+          <p:nvPr/>
+        </p:nvSpPr>
+        <p:spPr>
+          <a:xfrm>
+            <a:off x="1092561" y="1853746"/>
+            <a:ext cx="3686868" cy="415274"/>
+          </a:xfrm>
+          <a:prstGeom prst="rect">
+            <a:avLst/>
+          </a:prstGeom>
+          <a:solidFill>
+            <a:srgbClr val="ADCC8A"/>
+          </a:solidFill>
+          <a:ln w="12700">
+            <a:miter lim="400000"/>
+          </a:ln>
+          <a:extLst>
+            <a:ext uri="{C572A759-6A51-4108-AA02-DFA0A04FC94B}">
+              <ma14:wrappingTextBoxFlag xmlns:ma14="http://schemas.microsoft.com/office/mac/drawingml/2011/main" val="1"/>
+            </a:ext>
+          </a:extLst>
+        </p:spPr>
+        <p:txBody>
+          <a:bodyPr lIns="45718" tIns="45718" rIns="45718" bIns="45718">
+            <a:spAutoFit/>
+          </a:bodyPr>
+          <a:lstStyle/>
+          <a:p>
+            <a:pPr algn="ctr" defTabSz="914400">
+              <a:lnSpc>
+                <a:spcPct val="85000"/>
+              </a:lnSpc>
+              <a:defRPr spc="-12" sz="1200">
+                <a:solidFill>
+                  <a:srgbClr val="404040"/>
+                </a:solidFill>
+                <a:latin typeface="Calibri Light"/>
+                <a:ea typeface="Calibri Light"/>
+                <a:cs typeface="Calibri Light"/>
+                <a:sym typeface="Calibri Light"/>
+              </a:defRPr>
+            </a:pPr>
+            <a:r>
+              <a:t>Configuration of Containerlab File </a:t>
+            </a:r>
+          </a:p>
+          <a:p>
+            <a:pPr algn="ctr" defTabSz="914400">
+              <a:lnSpc>
+                <a:spcPct val="85000"/>
+              </a:lnSpc>
+              <a:defRPr spc="-12" sz="1200">
+                <a:solidFill>
+                  <a:srgbClr val="404040"/>
+                </a:solidFill>
+                <a:latin typeface="Calibri Light"/>
+                <a:ea typeface="Calibri Light"/>
+                <a:cs typeface="Calibri Light"/>
+                <a:sym typeface="Calibri Light"/>
+              </a:defRPr>
+            </a:pPr>
+            <a:r>
+              <a:t>(Network Management, Nodes and Links) </a:t>
             </a:r>
           </a:p>
         </p:txBody>
@@ -23741,7 +23794,7 @@
       </p:grpSpPr>
       <p:sp>
         <p:nvSpPr>
-          <p:cNvPr id="386" name="Network Topology Configuration &amp; Verifying"/>
+          <p:cNvPr id="387" name="Network Topology Configuration &amp; Verifying"/>
           <p:cNvSpPr txBox="1"/>
           <p:nvPr>
             <p:ph type="title"/>
@@ -23773,7 +23826,7 @@
       </p:sp>
       <p:sp>
         <p:nvSpPr>
-          <p:cNvPr id="387" name="Slide Number"/>
+          <p:cNvPr id="388" name="Slide Number"/>
           <p:cNvSpPr txBox="1"/>
           <p:nvPr>
             <p:ph type="sldNum" sz="quarter" idx="4294967295"/>
@@ -23804,7 +23857,7 @@
       </p:sp>
       <p:grpSp>
         <p:nvGrpSpPr>
-          <p:cNvPr id="390" name="Testbed"/>
+          <p:cNvPr id="391" name="Testbed"/>
           <p:cNvGrpSpPr/>
           <p:nvPr/>
         </p:nvGrpSpPr>
@@ -23818,7 +23871,7 @@
         </p:grpSpPr>
         <p:sp>
           <p:nvSpPr>
-            <p:cNvPr id="388" name="Shape"/>
+            <p:cNvPr id="389" name="Shape"/>
             <p:cNvSpPr/>
             <p:nvPr/>
           </p:nvSpPr>
@@ -23946,7 +23999,7 @@
         </p:sp>
         <p:sp>
           <p:nvSpPr>
-            <p:cNvPr id="389" name="Testbed"/>
+            <p:cNvPr id="390" name="Testbed"/>
             <p:cNvSpPr txBox="1"/>
             <p:nvPr/>
           </p:nvSpPr>
@@ -23990,7 +24043,7 @@
       </p:grpSp>
       <p:grpSp>
         <p:nvGrpSpPr>
-          <p:cNvPr id="393" name="netem"/>
+          <p:cNvPr id="394" name="netem"/>
           <p:cNvGrpSpPr/>
           <p:nvPr/>
         </p:nvGrpSpPr>
@@ -24004,7 +24057,7 @@
         </p:grpSpPr>
         <p:sp>
           <p:nvSpPr>
-            <p:cNvPr id="391" name="Rounded Rectangle"/>
+            <p:cNvPr id="392" name="Rounded Rectangle"/>
             <p:cNvSpPr/>
             <p:nvPr/>
           </p:nvSpPr>
@@ -24070,7 +24123,7 @@
         </p:sp>
         <p:sp>
           <p:nvSpPr>
-            <p:cNvPr id="392" name="netem"/>
+            <p:cNvPr id="393" name="netem"/>
             <p:cNvSpPr txBox="1"/>
             <p:nvPr/>
           </p:nvSpPr>
@@ -24118,7 +24171,7 @@
       </p:grpSp>
       <p:sp>
         <p:nvSpPr>
-          <p:cNvPr id="394" name="Rectangle"/>
+          <p:cNvPr id="395" name="Rectangle"/>
           <p:cNvSpPr/>
           <p:nvPr/>
         </p:nvSpPr>
@@ -24156,7 +24209,7 @@
       </p:sp>
       <p:grpSp>
         <p:nvGrpSpPr>
-          <p:cNvPr id="397" name="eth0"/>
+          <p:cNvPr id="398" name="eth0"/>
           <p:cNvGrpSpPr/>
           <p:nvPr/>
         </p:nvGrpSpPr>
@@ -24170,7 +24223,7 @@
         </p:grpSpPr>
         <p:sp>
           <p:nvSpPr>
-            <p:cNvPr id="395" name="Rectangle"/>
+            <p:cNvPr id="396" name="Rectangle"/>
             <p:cNvSpPr/>
             <p:nvPr/>
           </p:nvSpPr>
@@ -24218,7 +24271,7 @@
         </p:sp>
         <p:sp>
           <p:nvSpPr>
-            <p:cNvPr id="396" name="eth0"/>
+            <p:cNvPr id="397" name="eth0"/>
             <p:cNvSpPr txBox="1"/>
             <p:nvPr/>
           </p:nvSpPr>
@@ -24266,7 +24319,7 @@
       </p:grpSp>
       <p:sp>
         <p:nvSpPr>
-          <p:cNvPr id="398" name="bandwidth"/>
+          <p:cNvPr id="399" name="bandwidth"/>
           <p:cNvSpPr txBox="1"/>
           <p:nvPr/>
         </p:nvSpPr>
@@ -24317,7 +24370,7 @@
       </p:sp>
       <p:sp>
         <p:nvSpPr>
-          <p:cNvPr id="399" name="latency"/>
+          <p:cNvPr id="400" name="latency"/>
           <p:cNvSpPr txBox="1"/>
           <p:nvPr/>
         </p:nvSpPr>
@@ -24368,7 +24421,7 @@
       </p:sp>
       <p:sp>
         <p:nvSpPr>
-          <p:cNvPr id="400" name="packet loss"/>
+          <p:cNvPr id="401" name="packet loss"/>
           <p:cNvSpPr txBox="1"/>
           <p:nvPr/>
         </p:nvSpPr>
@@ -24419,7 +24472,7 @@
       </p:sp>
       <p:sp>
         <p:nvSpPr>
-          <p:cNvPr id="401" name="Line"/>
+          <p:cNvPr id="402" name="Line"/>
           <p:cNvSpPr/>
           <p:nvPr/>
         </p:nvSpPr>
@@ -24448,7 +24501,7 @@
       </p:sp>
       <p:sp>
         <p:nvSpPr>
-          <p:cNvPr id="402" name="Line"/>
+          <p:cNvPr id="403" name="Line"/>
           <p:cNvSpPr/>
           <p:nvPr/>
         </p:nvSpPr>
@@ -24477,7 +24530,7 @@
       </p:sp>
       <p:sp>
         <p:nvSpPr>
-          <p:cNvPr id="403" name="Line"/>
+          <p:cNvPr id="404" name="Line"/>
           <p:cNvSpPr/>
           <p:nvPr/>
         </p:nvSpPr>
@@ -24506,7 +24559,7 @@
       </p:sp>
       <p:sp>
         <p:nvSpPr>
-          <p:cNvPr id="404" name="Line"/>
+          <p:cNvPr id="405" name="Line"/>
           <p:cNvSpPr/>
           <p:nvPr/>
         </p:nvSpPr>
@@ -24535,7 +24588,7 @@
       </p:sp>
       <p:sp>
         <p:nvSpPr>
-          <p:cNvPr id="405" name="Line"/>
+          <p:cNvPr id="406" name="Line"/>
           <p:cNvSpPr/>
           <p:nvPr/>
         </p:nvSpPr>
@@ -24564,7 +24617,7 @@
       </p:sp>
       <p:sp>
         <p:nvSpPr>
-          <p:cNvPr id="406" name="Network Interface"/>
+          <p:cNvPr id="407" name="Network Interface"/>
           <p:cNvSpPr txBox="1"/>
           <p:nvPr/>
         </p:nvSpPr>
@@ -24615,7 +24668,7 @@
       </p:sp>
       <p:grpSp>
         <p:nvGrpSpPr>
-          <p:cNvPr id="409" name="Network Emulator"/>
+          <p:cNvPr id="410" name="Network Emulator"/>
           <p:cNvGrpSpPr/>
           <p:nvPr/>
         </p:nvGrpSpPr>
@@ -24629,7 +24682,7 @@
         </p:grpSpPr>
         <p:sp>
           <p:nvSpPr>
-            <p:cNvPr id="407" name="Rectangle"/>
+            <p:cNvPr id="408" name="Rectangle"/>
             <p:cNvSpPr/>
             <p:nvPr/>
           </p:nvSpPr>
@@ -24677,7 +24730,7 @@
         </p:sp>
         <p:sp>
           <p:nvSpPr>
-            <p:cNvPr id="408" name="Network Emulator"/>
+            <p:cNvPr id="409" name="Network Emulator"/>
             <p:cNvSpPr txBox="1"/>
             <p:nvPr/>
           </p:nvSpPr>
@@ -24725,7 +24778,7 @@
       </p:grpSp>
       <p:sp>
         <p:nvSpPr>
-          <p:cNvPr id="410" name="Date Placeholder 3"/>
+          <p:cNvPr id="411" name="Date Placeholder 3"/>
           <p:cNvSpPr txBox="1"/>
           <p:nvPr/>
         </p:nvSpPr>
@@ -24769,7 +24822,7 @@
       </p:sp>
       <p:sp>
         <p:nvSpPr>
-          <p:cNvPr id="411" name="Define Connection Characteristics…"/>
+          <p:cNvPr id="412" name="Define Connection Characteristics…"/>
           <p:cNvSpPr txBox="1"/>
           <p:nvPr>
             <p:ph type="body" idx="1"/>
@@ -24871,7 +24924,7 @@
       </p:sp>
       <p:sp>
         <p:nvSpPr>
-          <p:cNvPr id="412" name="Date Placeholder 3"/>
+          <p:cNvPr id="413" name="Date Placeholder 3"/>
           <p:cNvSpPr txBox="1"/>
           <p:nvPr/>
         </p:nvSpPr>
@@ -24915,7 +24968,7 @@
       </p:sp>
       <p:sp>
         <p:nvSpPr>
-          <p:cNvPr id="413" name="Oval"/>
+          <p:cNvPr id="414" name="Oval"/>
           <p:cNvSpPr/>
           <p:nvPr/>
         </p:nvSpPr>
@@ -24946,7 +24999,7 @@
       </p:sp>
       <p:sp>
         <p:nvSpPr>
-          <p:cNvPr id="414" name="2"/>
+          <p:cNvPr id="415" name="2"/>
           <p:cNvSpPr txBox="1"/>
           <p:nvPr/>
         </p:nvSpPr>
@@ -24984,7 +25037,7 @@
       </p:sp>
       <p:sp>
         <p:nvSpPr>
-          <p:cNvPr id="415" name="Oval"/>
+          <p:cNvPr id="416" name="Oval"/>
           <p:cNvSpPr/>
           <p:nvPr/>
         </p:nvSpPr>
@@ -25015,7 +25068,7 @@
       </p:sp>
       <p:sp>
         <p:nvSpPr>
-          <p:cNvPr id="416" name="3"/>
+          <p:cNvPr id="417" name="3"/>
           <p:cNvSpPr txBox="1"/>
           <p:nvPr/>
         </p:nvSpPr>

--- a/Abschlussvortrag.pptx
+++ b/Abschlussvortrag.pptx
@@ -4082,7 +4082,7 @@
       </p:sp>
       <p:sp>
         <p:nvSpPr>
-          <p:cNvPr id="422" name="Initial notification by the lectureStudio Server…"/>
+          <p:cNvPr id="422" name="Initial notification by the lectureStudio server…"/>
           <p:cNvSpPr txBox="1"/>
           <p:nvPr>
             <p:ph type="body" idx="1"/>
@@ -4111,7 +4111,7 @@
               <a:defRPr sz="1779"/>
             </a:pPr>
             <a:r>
-              <a:t>Initial notification by the lectureStudio Server</a:t>
+              <a:t>Initial notification by the lectureStudio server</a:t>
             </a:r>
           </a:p>
           <a:p>
@@ -6338,8 +6338,8 @@
         </p:nvSpPr>
         <p:spPr>
           <a:xfrm>
-            <a:off x="1147811" y="1434987"/>
-            <a:ext cx="10058402" cy="1688268"/>
+            <a:off x="1092200" y="1358900"/>
+            <a:ext cx="10058401" cy="1688267"/>
           </a:xfrm>
           <a:prstGeom prst="rect">
             <a:avLst/>
@@ -7158,7 +7158,7 @@
         </p:blipFill>
         <p:spPr>
           <a:xfrm>
-            <a:off x="7376159" y="1961604"/>
+            <a:off x="7376159" y="1999704"/>
             <a:ext cx="3429001" cy="2010143"/>
           </a:xfrm>
           <a:prstGeom prst="rect">
@@ -7177,7 +7177,7 @@
         </p:nvSpPr>
         <p:spPr>
           <a:xfrm>
-            <a:off x="7824752" y="1744645"/>
+            <a:off x="7824752" y="1782745"/>
             <a:ext cx="2920238" cy="228509"/>
           </a:xfrm>
           <a:prstGeom prst="rect">
@@ -7369,8 +7369,8 @@
         </p:nvSpPr>
         <p:spPr>
           <a:xfrm>
-            <a:off x="1092200" y="1289960"/>
-            <a:ext cx="8952067" cy="601022"/>
+            <a:off x="1092200" y="1358900"/>
+            <a:ext cx="8952067" cy="601021"/>
           </a:xfrm>
           <a:prstGeom prst="rect">
             <a:avLst/>
@@ -7615,7 +7615,7 @@
         </p:nvSpPr>
         <p:spPr>
           <a:xfrm>
-            <a:off x="1097280" y="1404101"/>
+            <a:off x="1097280" y="1358900"/>
             <a:ext cx="10058401" cy="2159163"/>
           </a:xfrm>
           <a:prstGeom prst="rect">
@@ -7652,7 +7652,7 @@
               <a:defRPr sz="1660"/>
             </a:pPr>
             <a:r>
-              <a:t>CPU Usage evaluation with and without the P2P Algorithm in the testbed</a:t>
+              <a:t>CPU Usage evaluation with and without the P2P algorithm in the testbed</a:t>
             </a:r>
           </a:p>
           <a:p>
@@ -14776,6 +14776,10 @@
           </p:nvPr>
         </p:nvSpPr>
         <p:spPr>
+          <a:xfrm>
+            <a:off x="1097280" y="1354015"/>
+            <a:ext cx="10058401" cy="3429654"/>
+          </a:xfrm>
           <a:prstGeom prst="rect">
             <a:avLst/>
           </a:prstGeom>
@@ -18227,7 +18231,7 @@
         <p:spPr>
           <a:xfrm>
             <a:off x="3574222" y="2823403"/>
-            <a:ext cx="5431236" cy="3018518"/>
+            <a:ext cx="5432186" cy="3018518"/>
           </a:xfrm>
           <a:prstGeom prst="roundRect">
             <a:avLst>
@@ -20014,7 +20018,7 @@
         </p:nvSpPr>
         <p:spPr>
           <a:xfrm>
-            <a:off x="1281865" y="3614217"/>
+            <a:off x="1358900" y="3614217"/>
             <a:ext cx="1676928" cy="310437"/>
           </a:xfrm>
           <a:prstGeom prst="rect">
@@ -20054,8 +20058,8 @@
         </p:nvSpPr>
         <p:spPr>
           <a:xfrm>
-            <a:off x="1342614" y="5164505"/>
-            <a:ext cx="1981604" cy="310437"/>
+            <a:off x="1358900" y="5164505"/>
+            <a:ext cx="1981603" cy="310437"/>
           </a:xfrm>
           <a:prstGeom prst="rect">
             <a:avLst/>
@@ -21320,7 +21324,7 @@
         </p:nvSpPr>
         <p:spPr>
           <a:xfrm>
-            <a:off x="1263815" y="2245941"/>
+            <a:off x="1263815" y="2309441"/>
             <a:ext cx="3344360" cy="3867804"/>
           </a:xfrm>
           <a:prstGeom prst="rect">
@@ -22246,7 +22250,7 @@
         </p:blipFill>
         <p:spPr>
           <a:xfrm>
-            <a:off x="4617482" y="5824186"/>
+            <a:off x="4617482" y="5887686"/>
             <a:ext cx="223437" cy="243839"/>
           </a:xfrm>
           <a:prstGeom prst="rect">
@@ -22265,7 +22269,7 @@
         </p:nvSpPr>
         <p:spPr>
           <a:xfrm>
-            <a:off x="6800973" y="5304594"/>
+            <a:off x="6800973" y="5368094"/>
             <a:ext cx="357123" cy="273007"/>
           </a:xfrm>
           <a:prstGeom prst="roundRect">
@@ -22299,7 +22303,7 @@
         </p:nvSpPr>
         <p:spPr>
           <a:xfrm>
-            <a:off x="8013920" y="5298244"/>
+            <a:off x="8013920" y="5361744"/>
             <a:ext cx="284410" cy="285707"/>
           </a:xfrm>
           <a:prstGeom prst="rect">
@@ -22331,7 +22335,7 @@
         </p:nvSpPr>
         <p:spPr>
           <a:xfrm>
-            <a:off x="8844660" y="5297836"/>
+            <a:off x="8844660" y="5361336"/>
             <a:ext cx="284410" cy="285708"/>
           </a:xfrm>
           <a:prstGeom prst="ellipse">
@@ -22362,7 +22366,7 @@
         </p:nvSpPr>
         <p:spPr>
           <a:xfrm>
-            <a:off x="9561340" y="5243738"/>
+            <a:off x="9561340" y="5307238"/>
             <a:ext cx="357124" cy="369318"/>
           </a:xfrm>
           <a:custGeom>
@@ -22427,7 +22431,7 @@
         </p:nvSpPr>
         <p:spPr>
           <a:xfrm>
-            <a:off x="6294461" y="5628444"/>
+            <a:off x="6294461" y="5691944"/>
             <a:ext cx="1370147" cy="285707"/>
           </a:xfrm>
           <a:prstGeom prst="rect">
@@ -22467,7 +22471,7 @@
         </p:nvSpPr>
         <p:spPr>
           <a:xfrm>
-            <a:off x="8142431" y="3334833"/>
+            <a:off x="8142431" y="3398333"/>
             <a:ext cx="284410" cy="285708"/>
           </a:xfrm>
           <a:prstGeom prst="rect">
@@ -22499,7 +22503,7 @@
         </p:nvSpPr>
         <p:spPr>
           <a:xfrm>
-            <a:off x="8607290" y="2526044"/>
+            <a:off x="8607290" y="2589544"/>
             <a:ext cx="357123" cy="273008"/>
           </a:xfrm>
           <a:prstGeom prst="roundRect">
@@ -22533,7 +22537,7 @@
         </p:nvSpPr>
         <p:spPr>
           <a:xfrm>
-            <a:off x="6942427" y="3334833"/>
+            <a:off x="6942427" y="3398333"/>
             <a:ext cx="284410" cy="285708"/>
           </a:xfrm>
           <a:prstGeom prst="rect">
@@ -22565,7 +22569,7 @@
         </p:nvSpPr>
         <p:spPr>
           <a:xfrm>
-            <a:off x="6936338" y="4015773"/>
+            <a:off x="6936338" y="4079273"/>
             <a:ext cx="284410" cy="285708"/>
           </a:xfrm>
           <a:prstGeom prst="ellipse">
@@ -22596,7 +22600,7 @@
         </p:nvSpPr>
         <p:spPr>
           <a:xfrm>
-            <a:off x="6493668" y="4030538"/>
+            <a:off x="6493668" y="4094038"/>
             <a:ext cx="284410" cy="285708"/>
           </a:xfrm>
           <a:prstGeom prst="ellipse">
@@ -22627,7 +22631,7 @@
         </p:nvSpPr>
         <p:spPr>
           <a:xfrm>
-            <a:off x="6050999" y="4015773"/>
+            <a:off x="6050999" y="4079273"/>
             <a:ext cx="284410" cy="285708"/>
           </a:xfrm>
           <a:prstGeom prst="ellipse">
@@ -22658,7 +22662,7 @@
         </p:nvSpPr>
         <p:spPr>
           <a:xfrm>
-            <a:off x="7820894" y="4028236"/>
+            <a:off x="7820894" y="4091736"/>
             <a:ext cx="284410" cy="285708"/>
           </a:xfrm>
           <a:prstGeom prst="ellipse">
@@ -22689,7 +22693,7 @@
         </p:nvSpPr>
         <p:spPr>
           <a:xfrm>
-            <a:off x="8869102" y="3334833"/>
+            <a:off x="8869102" y="3398333"/>
             <a:ext cx="284410" cy="285708"/>
           </a:xfrm>
           <a:prstGeom prst="ellipse">
@@ -22720,7 +22724,7 @@
         </p:nvSpPr>
         <p:spPr>
           <a:xfrm>
-            <a:off x="9876383" y="3332201"/>
+            <a:off x="9876383" y="3395701"/>
             <a:ext cx="284410" cy="285707"/>
           </a:xfrm>
           <a:prstGeom prst="ellipse">
@@ -22751,7 +22755,7 @@
         </p:nvSpPr>
         <p:spPr>
           <a:xfrm>
-            <a:off x="9386949" y="3332201"/>
+            <a:off x="9386949" y="3395701"/>
             <a:ext cx="284410" cy="285707"/>
           </a:xfrm>
           <a:prstGeom prst="ellipse">
@@ -22782,7 +22786,7 @@
         </p:nvSpPr>
         <p:spPr>
           <a:xfrm>
-            <a:off x="10410251" y="3334048"/>
+            <a:off x="10410251" y="3397548"/>
             <a:ext cx="284410" cy="285708"/>
           </a:xfrm>
           <a:prstGeom prst="ellipse">
@@ -22813,7 +22817,7 @@
         </p:nvSpPr>
         <p:spPr>
           <a:xfrm>
-            <a:off x="8003700" y="4852118"/>
+            <a:off x="8003700" y="4915618"/>
             <a:ext cx="357124" cy="369318"/>
           </a:xfrm>
           <a:custGeom>
@@ -22881,7 +22885,7 @@
         </p:nvCxnSpPr>
         <p:spPr>
           <a:xfrm>
-            <a:off x="8785851" y="2662547"/>
+            <a:off x="8785851" y="2726047"/>
             <a:ext cx="225456" cy="815140"/>
           </a:xfrm>
           <a:prstGeom prst="straightConnector1">
@@ -22905,7 +22909,7 @@
         </p:nvCxnSpPr>
         <p:spPr>
           <a:xfrm>
-            <a:off x="8785851" y="2662547"/>
+            <a:off x="8785851" y="2726047"/>
             <a:ext cx="1232737" cy="812508"/>
           </a:xfrm>
           <a:prstGeom prst="straightConnector1">
@@ -22929,7 +22933,7 @@
         </p:nvCxnSpPr>
         <p:spPr>
           <a:xfrm flipH="1" flipV="1">
-            <a:off x="8785851" y="2662547"/>
+            <a:off x="8785851" y="2726047"/>
             <a:ext cx="743304" cy="812508"/>
           </a:xfrm>
           <a:prstGeom prst="straightConnector1">
@@ -22953,7 +22957,7 @@
         </p:nvCxnSpPr>
         <p:spPr>
           <a:xfrm>
-            <a:off x="8785851" y="2662547"/>
+            <a:off x="8785851" y="2726047"/>
             <a:ext cx="1766605" cy="814356"/>
           </a:xfrm>
           <a:prstGeom prst="straightConnector1">
@@ -22977,7 +22981,7 @@
         </p:nvCxnSpPr>
         <p:spPr>
           <a:xfrm flipH="1">
-            <a:off x="7084631" y="2662547"/>
+            <a:off x="7084631" y="2726047"/>
             <a:ext cx="1701221" cy="815140"/>
           </a:xfrm>
           <a:prstGeom prst="straightConnector1">
@@ -23001,7 +23005,7 @@
         </p:nvCxnSpPr>
         <p:spPr>
           <a:xfrm flipH="1">
-            <a:off x="8284636" y="2662547"/>
+            <a:off x="8284636" y="2726047"/>
             <a:ext cx="501216" cy="815140"/>
           </a:xfrm>
           <a:prstGeom prst="straightConnector1">
@@ -23025,7 +23029,7 @@
         </p:nvCxnSpPr>
         <p:spPr>
           <a:xfrm flipV="1">
-            <a:off x="7963099" y="3477686"/>
+            <a:off x="7963099" y="3541186"/>
             <a:ext cx="321538" cy="693404"/>
           </a:xfrm>
           <a:prstGeom prst="straightConnector1">
@@ -23049,7 +23053,7 @@
         </p:nvCxnSpPr>
         <p:spPr>
           <a:xfrm flipV="1">
-            <a:off x="6193203" y="3477686"/>
+            <a:off x="6193203" y="3541186"/>
             <a:ext cx="891429" cy="680941"/>
           </a:xfrm>
           <a:prstGeom prst="straightConnector1">
@@ -23073,7 +23077,7 @@
         </p:nvCxnSpPr>
         <p:spPr>
           <a:xfrm flipV="1">
-            <a:off x="6635873" y="3477686"/>
+            <a:off x="6635873" y="3541186"/>
             <a:ext cx="448759" cy="695706"/>
           </a:xfrm>
           <a:prstGeom prst="straightConnector1">
@@ -23097,7 +23101,7 @@
         </p:nvCxnSpPr>
         <p:spPr>
           <a:xfrm flipV="1">
-            <a:off x="7078543" y="3477686"/>
+            <a:off x="7078543" y="3541186"/>
             <a:ext cx="6089" cy="680941"/>
           </a:xfrm>
           <a:prstGeom prst="straightConnector1">
@@ -23121,7 +23125,7 @@
         </p:nvCxnSpPr>
         <p:spPr>
           <a:xfrm flipV="1">
-            <a:off x="8182261" y="3476902"/>
+            <a:off x="8182261" y="3540402"/>
             <a:ext cx="2370195" cy="1559876"/>
           </a:xfrm>
           <a:prstGeom prst="straightConnector1">
@@ -23145,7 +23149,7 @@
         </p:nvCxnSpPr>
         <p:spPr>
           <a:xfrm flipH="1">
-            <a:off x="8182261" y="3475054"/>
+            <a:off x="8182261" y="3538554"/>
             <a:ext cx="1346894" cy="1561724"/>
           </a:xfrm>
           <a:prstGeom prst="straightConnector1">
@@ -23169,7 +23173,7 @@
         </p:nvCxnSpPr>
         <p:spPr>
           <a:xfrm flipV="1">
-            <a:off x="8182261" y="3475054"/>
+            <a:off x="8182261" y="3538554"/>
             <a:ext cx="1836327" cy="1561724"/>
           </a:xfrm>
           <a:prstGeom prst="straightConnector1">
@@ -23193,7 +23197,7 @@
         </p:nvCxnSpPr>
         <p:spPr>
           <a:xfrm flipV="1">
-            <a:off x="8182261" y="3477686"/>
+            <a:off x="8182261" y="3541186"/>
             <a:ext cx="829046" cy="1559092"/>
           </a:xfrm>
           <a:prstGeom prst="straightConnector1">
@@ -23217,7 +23221,7 @@
         </p:nvCxnSpPr>
         <p:spPr>
           <a:xfrm flipV="1">
-            <a:off x="8182261" y="2662547"/>
+            <a:off x="8182261" y="2726047"/>
             <a:ext cx="603591" cy="2374231"/>
           </a:xfrm>
           <a:prstGeom prst="straightConnector1">
@@ -23241,7 +23245,7 @@
         </p:nvCxnSpPr>
         <p:spPr>
           <a:xfrm>
-            <a:off x="7078543" y="4158626"/>
+            <a:off x="7078543" y="4222126"/>
             <a:ext cx="1103719" cy="878152"/>
           </a:xfrm>
           <a:prstGeom prst="straightConnector1">
@@ -23265,7 +23269,7 @@
         </p:nvCxnSpPr>
         <p:spPr>
           <a:xfrm flipH="1" flipV="1">
-            <a:off x="6635873" y="4173391"/>
+            <a:off x="6635873" y="4236891"/>
             <a:ext cx="1546389" cy="863387"/>
           </a:xfrm>
           <a:prstGeom prst="straightConnector1">
@@ -23289,7 +23293,7 @@
         </p:nvCxnSpPr>
         <p:spPr>
           <a:xfrm>
-            <a:off x="6193203" y="4158626"/>
+            <a:off x="6193203" y="4222126"/>
             <a:ext cx="1989059" cy="878152"/>
           </a:xfrm>
           <a:prstGeom prst="straightConnector1">
@@ -23313,7 +23317,7 @@
         </p:nvCxnSpPr>
         <p:spPr>
           <a:xfrm flipH="1" flipV="1">
-            <a:off x="7963099" y="4171089"/>
+            <a:off x="7963099" y="4234589"/>
             <a:ext cx="219163" cy="865689"/>
           </a:xfrm>
           <a:prstGeom prst="straightConnector1">
@@ -23337,7 +23341,7 @@
         </p:nvCxnSpPr>
         <p:spPr>
           <a:xfrm>
-            <a:off x="7084631" y="3477686"/>
+            <a:off x="7084631" y="3541186"/>
             <a:ext cx="1097631" cy="1559092"/>
           </a:xfrm>
           <a:prstGeom prst="straightConnector1">
@@ -23361,7 +23365,7 @@
         </p:nvCxnSpPr>
         <p:spPr>
           <a:xfrm flipH="1">
-            <a:off x="8182261" y="3477686"/>
+            <a:off x="8182261" y="3541186"/>
             <a:ext cx="102376" cy="1559092"/>
           </a:xfrm>
           <a:prstGeom prst="straightConnector1">
@@ -23382,7 +23386,7 @@
         </p:nvSpPr>
         <p:spPr>
           <a:xfrm>
-            <a:off x="7767118" y="5628444"/>
+            <a:off x="7767118" y="5691944"/>
             <a:ext cx="778013" cy="285707"/>
           </a:xfrm>
           <a:prstGeom prst="rect">
@@ -23422,7 +23426,7 @@
         </p:nvSpPr>
         <p:spPr>
           <a:xfrm>
-            <a:off x="8789982" y="5628444"/>
+            <a:off x="8789982" y="5691944"/>
             <a:ext cx="434370" cy="285707"/>
           </a:xfrm>
           <a:prstGeom prst="rect">
@@ -23462,7 +23466,7 @@
         </p:nvSpPr>
         <p:spPr>
           <a:xfrm>
-            <a:off x="9350894" y="5652777"/>
+            <a:off x="9350894" y="5716277"/>
             <a:ext cx="923916" cy="285708"/>
           </a:xfrm>
           <a:prstGeom prst="rect">
@@ -23502,7 +23506,7 @@
         </p:nvSpPr>
         <p:spPr>
           <a:xfrm>
-            <a:off x="7523074" y="2070681"/>
+            <a:off x="7523074" y="2134181"/>
             <a:ext cx="2525556" cy="280798"/>
           </a:xfrm>
           <a:prstGeom prst="rect">
@@ -23671,8 +23675,8 @@
         </p:nvSpPr>
         <p:spPr>
           <a:xfrm>
-            <a:off x="1097280" y="1327152"/>
-            <a:ext cx="10058401" cy="711072"/>
+            <a:off x="1097280" y="1358900"/>
+            <a:ext cx="10058401" cy="711071"/>
           </a:xfrm>
           <a:prstGeom prst="rect">
             <a:avLst/>
@@ -23703,7 +23707,7 @@
         </p:nvSpPr>
         <p:spPr>
           <a:xfrm>
-            <a:off x="1092561" y="1853746"/>
+            <a:off x="1092561" y="1917246"/>
             <a:ext cx="3686868" cy="415274"/>
           </a:xfrm>
           <a:prstGeom prst="rect">

--- a/Abschlussvortrag.pptx
+++ b/Abschlussvortrag.pptx
@@ -4306,8 +4306,8 @@
         </p:nvSpPr>
         <p:spPr>
           <a:xfrm>
-            <a:off x="6854554" y="1781047"/>
-            <a:ext cx="3337681" cy="320039"/>
+            <a:off x="7076826" y="1792121"/>
+            <a:ext cx="2893137" cy="269239"/>
           </a:xfrm>
           <a:prstGeom prst="rect">
             <a:avLst/>
@@ -4333,7 +4333,7 @@
               <a:spcBef>
                 <a:spcPts val="1200"/>
               </a:spcBef>
-              <a:defRPr sz="1466">
+              <a:defRPr sz="1200">
                 <a:latin typeface="Times Roman"/>
                 <a:ea typeface="Times Roman"/>
                 <a:cs typeface="Times Roman"/>
@@ -10521,7 +10521,7 @@
         </p:nvSpPr>
         <p:spPr>
           <a:xfrm>
-            <a:off x="1092200" y="2764024"/>
+            <a:off x="1092200" y="2776724"/>
             <a:ext cx="4512898" cy="1866499"/>
           </a:xfrm>
           <a:prstGeom prst="rect">
@@ -12375,7 +12375,7 @@
               <a:defRPr sz="1919"/>
             </a:pPr>
             <a:r>
-              <a:t>Network generator: Normal distribution with data from the UK and DE</a:t>
+              <a:t>Generating network topology: Normal distribution with data from the UK and DE</a:t>
             </a:r>
           </a:p>
           <a:p>
@@ -12389,7 +12389,7 @@
               <a:defRPr sz="1919"/>
             </a:pPr>
             <a:r>
-              <a:t>Creating of the testbed: Docker and Containerlab</a:t>
+              <a:t>Creating the testbed: Docker and Containerlab</a:t>
             </a:r>
           </a:p>
           <a:p>
@@ -12403,7 +12403,7 @@
               <a:defRPr sz="1919"/>
             </a:pPr>
             <a:r>
-              <a:t>Evaluating of the testbed: Accuracy and scalability performance</a:t>
+              <a:t>Deploying network topology: Data transfer between lectureStudio server and peers</a:t>
             </a:r>
           </a:p>
           <a:p>
@@ -12417,7 +12417,21 @@
               <a:defRPr sz="1919"/>
             </a:pPr>
             <a:r>
-              <a:t>Evaluating of the P2P algorithm: Resource utilization and total time performance</a:t>
+              <a:t>Evaluating the testbed: Accuracy and scalability performance</a:t>
+            </a:r>
+          </a:p>
+          <a:p>
+            <a:pPr lvl="1" marL="558265" indent="-192504" defTabSz="877823">
+              <a:spcBef>
+                <a:spcPts val="1100"/>
+              </a:spcBef>
+              <a:buClrTx/>
+              <a:buFontTx/>
+              <a:buChar char="•"/>
+              <a:defRPr sz="1919"/>
+            </a:pPr>
+            <a:r>
+              <a:t>Evaluating the P2P algorithm: Resource utilization and total time performance</a:t>
             </a:r>
           </a:p>
           <a:p>
@@ -12459,21 +12473,7 @@
               <a:defRPr sz="1919"/>
             </a:pPr>
             <a:r>
-              <a:t>Automatic integration between the testbed and the P2P algorithm optimization</a:t>
-            </a:r>
-          </a:p>
-          <a:p>
-            <a:pPr lvl="1" marL="558265" indent="-192504" defTabSz="877823">
-              <a:spcBef>
-                <a:spcPts val="1100"/>
-              </a:spcBef>
-              <a:buClrTx/>
-              <a:buFontTx/>
-              <a:buChar char="•"/>
-              <a:defRPr sz="1919"/>
-            </a:pPr>
-            <a:r>
-              <a:t>Integration of additional P2P algorithms into the testbed</a:t>
+              <a:t>Automatic integration between the testbed and the P2P algorithm(s) optimization</a:t>
             </a:r>
           </a:p>
           <a:p>
@@ -16698,23 +16698,23 @@
             </a:r>
           </a:p>
           <a:p>
+            <a:pPr marL="200526" indent="-200526">
+              <a:buClrTx/>
+              <a:buFontTx/>
+              <a:buChar char="•"/>
+            </a:pPr>
+            <a:r>
+              <a:t>Integrating the P2P algorithm</a:t>
+            </a:r>
+          </a:p>
+          <a:p>
             <a:pPr lvl="1" marL="581526" indent="-200526">
               <a:buClrTx/>
               <a:buFontTx/>
               <a:buChar char="•"/>
             </a:pPr>
             <a:r>
-              <a:t>Integrating the P2P algorithm</a:t>
-            </a:r>
-          </a:p>
-          <a:p>
-            <a:pPr lvl="1" marL="581526" indent="-200526">
-              <a:buClrTx/>
-              <a:buFontTx/>
-              <a:buChar char="•"/>
-            </a:pPr>
-            <a:r>
-              <a:t>Implementing the traditional server-client based approach</a:t>
+              <a:t>Calculating optimized network topology by the P2P algorithm</a:t>
             </a:r>
           </a:p>
           <a:p>
@@ -16724,7 +16724,7 @@
               <a:buChar char="•"/>
             </a:pPr>
             <a:r>
-              <a:t>Calculating optimized network topology by the P2P algorithm</a:t>
+              <a:t>Implementing the traditional server-client based approach</a:t>
             </a:r>
           </a:p>
         </p:txBody>
@@ -16791,8 +16791,8 @@
         </p:blipFill>
         <p:spPr>
           <a:xfrm>
-            <a:off x="6974751" y="4168634"/>
-            <a:ext cx="956817" cy="956817"/>
+            <a:off x="7104886" y="4355572"/>
+            <a:ext cx="737293" cy="737293"/>
           </a:xfrm>
           <a:prstGeom prst="rect">
             <a:avLst/>
@@ -20991,7 +20991,7 @@
         </p:nvSpPr>
         <p:spPr>
           <a:xfrm>
-            <a:off x="7302802" y="2949396"/>
+            <a:off x="7302802" y="2974796"/>
             <a:ext cx="2822826" cy="248304"/>
           </a:xfrm>
           <a:prstGeom prst="rect">
@@ -23506,8 +23506,8 @@
         </p:nvSpPr>
         <p:spPr>
           <a:xfrm>
-            <a:off x="7523074" y="2134181"/>
-            <a:ext cx="2525556" cy="280798"/>
+            <a:off x="7778242" y="2221634"/>
+            <a:ext cx="2015218" cy="248304"/>
           </a:xfrm>
           <a:prstGeom prst="rect">
             <a:avLst/>
@@ -23533,7 +23533,7 @@
               <a:lnSpc>
                 <a:spcPct val="85000"/>
               </a:lnSpc>
-              <a:defRPr spc="-14" sz="1400">
+              <a:defRPr spc="-12" sz="1200">
                 <a:solidFill>
                   <a:srgbClr val="404040"/>
                 </a:solidFill>

--- a/Abschlussvortrag.pptx
+++ b/Abschlussvortrag.pptx
@@ -8298,7 +8298,7 @@
               <a:defRPr sz="1860"/>
             </a:pPr>
             <a:r>
-              <a:t>Memory usage reduction of 58% by the P2P algorithm</a:t>
+              <a:t>Peak memory usage reduction of 58% by the P2P algorithm</a:t>
             </a:r>
           </a:p>
         </p:txBody>
